--- a/notes/images.pptx
+++ b/notes/images.pptx
@@ -5,12 +5,13 @@
     <p:sldMasterId id="2147483659" r:id="rId1"/>
   </p:sldMasterIdLst>
   <p:notesMasterIdLst>
-    <p:notesMasterId r:id="rId5"/>
+    <p:notesMasterId r:id="rId6"/>
   </p:notesMasterIdLst>
   <p:sldIdLst>
     <p:sldId id="257" r:id="rId2"/>
     <p:sldId id="258" r:id="rId3"/>
     <p:sldId id="259" r:id="rId4"/>
+    <p:sldId id="260" r:id="rId5"/>
   </p:sldIdLst>
   <p:sldSz cx="9144000" cy="5143500" type="screen16x9"/>
   <p:notesSz cx="6858000" cy="9144000"/>
@@ -5741,8 +5742,8 @@
           </a:p>
         </p:txBody>
       </p:sp>
-      <mc:AlternateContent xmlns:mc="http://schemas.openxmlformats.org/markup-compatibility/2006">
-        <mc:Choice xmlns:a14="http://schemas.microsoft.com/office/drawing/2010/main" Requires="a14">
+      <mc:AlternateContent xmlns:mc="http://schemas.openxmlformats.org/markup-compatibility/2006" xmlns:a14="http://schemas.microsoft.com/office/drawing/2010/main">
+        <mc:Choice Requires="a14">
           <p:sp>
             <p:nvSpPr>
               <p:cNvPr id="36" name="TextBox 35">
@@ -5771,6 +5772,7 @@
               </a:bodyPr>
               <a:lstStyle/>
               <a:p>
+                <a:pPr/>
                 <a14:m>
                   <m:oMathPara xmlns:m="http://schemas.openxmlformats.org/officeDocument/2006/math">
                     <m:oMathParaPr>
@@ -5816,7 +5818,7 @@
             </p:txBody>
           </p:sp>
         </mc:Choice>
-        <mc:Fallback>
+        <mc:Fallback xmlns="">
           <p:sp>
             <p:nvSpPr>
               <p:cNvPr id="36" name="TextBox 35">
@@ -5950,8 +5952,8 @@
           </a:fontRef>
         </p:style>
       </p:cxnSp>
-      <mc:AlternateContent xmlns:mc="http://schemas.openxmlformats.org/markup-compatibility/2006">
-        <mc:Choice xmlns:a14="http://schemas.microsoft.com/office/drawing/2010/main" Requires="a14">
+      <mc:AlternateContent xmlns:mc="http://schemas.openxmlformats.org/markup-compatibility/2006" xmlns:a14="http://schemas.microsoft.com/office/drawing/2010/main">
+        <mc:Choice Requires="a14">
           <p:sp>
             <p:nvSpPr>
               <p:cNvPr id="58" name="TextBox 57">
@@ -5980,6 +5982,7 @@
               </a:bodyPr>
               <a:lstStyle/>
               <a:p>
+                <a:pPr/>
                 <a14:m>
                   <m:oMathPara xmlns:m="http://schemas.openxmlformats.org/officeDocument/2006/math">
                     <m:oMathParaPr>
@@ -6025,7 +6028,7 @@
             </p:txBody>
           </p:sp>
         </mc:Choice>
-        <mc:Fallback>
+        <mc:Fallback xmlns="">
           <p:sp>
             <p:nvSpPr>
               <p:cNvPr id="58" name="TextBox 57">
@@ -6113,8 +6116,8 @@
           </a:fontRef>
         </p:style>
       </p:cxnSp>
-      <mc:AlternateContent xmlns:mc="http://schemas.openxmlformats.org/markup-compatibility/2006">
-        <mc:Choice xmlns:a14="http://schemas.microsoft.com/office/drawing/2010/main" Requires="a14">
+      <mc:AlternateContent xmlns:mc="http://schemas.openxmlformats.org/markup-compatibility/2006" xmlns:a14="http://schemas.microsoft.com/office/drawing/2010/main">
+        <mc:Choice Requires="a14">
           <p:sp>
             <p:nvSpPr>
               <p:cNvPr id="60" name="TextBox 59">
@@ -6143,6 +6146,7 @@
               </a:bodyPr>
               <a:lstStyle/>
               <a:p>
+                <a:pPr/>
                 <a14:m>
                   <m:oMathPara xmlns:m="http://schemas.openxmlformats.org/officeDocument/2006/math">
                     <m:oMathParaPr>
@@ -6195,7 +6199,7 @@
             </p:txBody>
           </p:sp>
         </mc:Choice>
-        <mc:Fallback>
+        <mc:Fallback xmlns="">
           <p:sp>
             <p:nvSpPr>
               <p:cNvPr id="60" name="TextBox 59">
@@ -6283,8 +6287,8 @@
           </a:fontRef>
         </p:style>
       </p:cxnSp>
-      <mc:AlternateContent xmlns:mc="http://schemas.openxmlformats.org/markup-compatibility/2006">
-        <mc:Choice xmlns:a14="http://schemas.microsoft.com/office/drawing/2010/main" Requires="a14">
+      <mc:AlternateContent xmlns:mc="http://schemas.openxmlformats.org/markup-compatibility/2006" xmlns:a14="http://schemas.microsoft.com/office/drawing/2010/main">
+        <mc:Choice Requires="a14">
           <p:sp>
             <p:nvSpPr>
               <p:cNvPr id="62" name="TextBox 61">
@@ -6313,6 +6317,7 @@
               </a:bodyPr>
               <a:lstStyle/>
               <a:p>
+                <a:pPr/>
                 <a14:m>
                   <m:oMathPara xmlns:m="http://schemas.openxmlformats.org/officeDocument/2006/math">
                     <m:oMathParaPr>
@@ -6402,7 +6407,7 @@
             </p:txBody>
           </p:sp>
         </mc:Choice>
-        <mc:Fallback>
+        <mc:Fallback xmlns="">
           <p:sp>
             <p:nvSpPr>
               <p:cNvPr id="62" name="TextBox 61">
@@ -6491,8 +6496,8 @@
           </a:fontRef>
         </p:style>
       </p:cxnSp>
-      <mc:AlternateContent xmlns:mc="http://schemas.openxmlformats.org/markup-compatibility/2006">
-        <mc:Choice xmlns:a14="http://schemas.microsoft.com/office/drawing/2010/main" Requires="a14">
+      <mc:AlternateContent xmlns:mc="http://schemas.openxmlformats.org/markup-compatibility/2006" xmlns:a14="http://schemas.microsoft.com/office/drawing/2010/main">
+        <mc:Choice Requires="a14">
           <p:sp>
             <p:nvSpPr>
               <p:cNvPr id="74" name="TextBox 73">
@@ -6521,6 +6526,7 @@
               </a:bodyPr>
               <a:lstStyle/>
               <a:p>
+                <a:pPr/>
                 <a14:m>
                   <m:oMathPara xmlns:m="http://schemas.openxmlformats.org/officeDocument/2006/math">
                     <m:oMathParaPr>
@@ -6700,7 +6706,7 @@
             </p:txBody>
           </p:sp>
         </mc:Choice>
-        <mc:Fallback>
+        <mc:Fallback xmlns="">
           <p:sp>
             <p:nvSpPr>
               <p:cNvPr id="74" name="TextBox 73">
@@ -7053,8 +7059,8 @@
           </a:p>
         </p:txBody>
       </p:sp>
-      <mc:AlternateContent xmlns:mc="http://schemas.openxmlformats.org/markup-compatibility/2006">
-        <mc:Choice xmlns:a14="http://schemas.microsoft.com/office/drawing/2010/main" Requires="a14">
+      <mc:AlternateContent xmlns:mc="http://schemas.openxmlformats.org/markup-compatibility/2006" xmlns:a14="http://schemas.microsoft.com/office/drawing/2010/main">
+        <mc:Choice Requires="a14">
           <p:sp>
             <p:nvSpPr>
               <p:cNvPr id="36" name="TextBox 35">
@@ -7083,6 +7089,7 @@
               </a:bodyPr>
               <a:lstStyle/>
               <a:p>
+                <a:pPr/>
                 <a14:m>
                   <m:oMathPara xmlns:m="http://schemas.openxmlformats.org/officeDocument/2006/math">
                     <m:oMathParaPr>
@@ -7128,7 +7135,7 @@
             </p:txBody>
           </p:sp>
         </mc:Choice>
-        <mc:Fallback>
+        <mc:Fallback xmlns="">
           <p:sp>
             <p:nvSpPr>
               <p:cNvPr id="36" name="TextBox 35">
@@ -7621,8 +7628,8 @@
           </a:fontRef>
         </p:style>
       </p:cxnSp>
-      <mc:AlternateContent xmlns:mc="http://schemas.openxmlformats.org/markup-compatibility/2006">
-        <mc:Choice xmlns:a14="http://schemas.microsoft.com/office/drawing/2010/main" Requires="a14">
+      <mc:AlternateContent xmlns:mc="http://schemas.openxmlformats.org/markup-compatibility/2006" xmlns:a14="http://schemas.microsoft.com/office/drawing/2010/main">
+        <mc:Choice Requires="a14">
           <p:sp>
             <p:nvSpPr>
               <p:cNvPr id="66" name="TextBox 65">
@@ -7723,7 +7730,7 @@
             </p:txBody>
           </p:sp>
         </mc:Choice>
-        <mc:Fallback>
+        <mc:Fallback xmlns="">
           <p:sp>
             <p:nvSpPr>
               <p:cNvPr id="66" name="TextBox 65">
@@ -8062,8 +8069,8 @@
           </a:p>
         </p:txBody>
       </p:sp>
-      <mc:AlternateContent xmlns:mc="http://schemas.openxmlformats.org/markup-compatibility/2006">
-        <mc:Choice xmlns:a14="http://schemas.microsoft.com/office/drawing/2010/main" Requires="a14">
+      <mc:AlternateContent xmlns:mc="http://schemas.openxmlformats.org/markup-compatibility/2006" xmlns:a14="http://schemas.microsoft.com/office/drawing/2010/main">
+        <mc:Choice Requires="a14">
           <p:sp>
             <p:nvSpPr>
               <p:cNvPr id="7" name="TextBox 6">
@@ -8092,6 +8099,7 @@
               </a:bodyPr>
               <a:lstStyle/>
               <a:p>
+                <a:pPr/>
                 <a14:m>
                   <m:oMathPara xmlns:m="http://schemas.openxmlformats.org/officeDocument/2006/math">
                     <m:oMathParaPr>
@@ -8113,7 +8121,7 @@
             </p:txBody>
           </p:sp>
         </mc:Choice>
-        <mc:Fallback>
+        <mc:Fallback xmlns="">
           <p:sp>
             <p:nvSpPr>
               <p:cNvPr id="7" name="TextBox 6">
@@ -8667,8 +8675,8 @@
           </a:p>
         </p:txBody>
       </p:sp>
-      <mc:AlternateContent xmlns:mc="http://schemas.openxmlformats.org/markup-compatibility/2006">
-        <mc:Choice xmlns:a14="http://schemas.microsoft.com/office/drawing/2010/main" Requires="a14">
+      <mc:AlternateContent xmlns:mc="http://schemas.openxmlformats.org/markup-compatibility/2006" xmlns:a14="http://schemas.microsoft.com/office/drawing/2010/main">
+        <mc:Choice Requires="a14">
           <p:sp>
             <p:nvSpPr>
               <p:cNvPr id="40" name="TextBox 39">
@@ -8697,6 +8705,7 @@
               </a:bodyPr>
               <a:lstStyle/>
               <a:p>
+                <a:pPr/>
                 <a14:m>
                   <m:oMathPara xmlns:m="http://schemas.openxmlformats.org/officeDocument/2006/math">
                     <m:oMathParaPr>
@@ -8718,7 +8727,7 @@
             </p:txBody>
           </p:sp>
         </mc:Choice>
-        <mc:Fallback>
+        <mc:Fallback xmlns="">
           <p:sp>
             <p:nvSpPr>
               <p:cNvPr id="40" name="TextBox 39">
@@ -9124,8 +9133,8 @@
           </a:p>
         </p:txBody>
       </p:sp>
-      <mc:AlternateContent xmlns:mc="http://schemas.openxmlformats.org/markup-compatibility/2006">
-        <mc:Choice xmlns:a14="http://schemas.microsoft.com/office/drawing/2010/main" Requires="a14">
+      <mc:AlternateContent xmlns:mc="http://schemas.openxmlformats.org/markup-compatibility/2006" xmlns:a14="http://schemas.microsoft.com/office/drawing/2010/main">
+        <mc:Choice Requires="a14">
           <p:sp>
             <p:nvSpPr>
               <p:cNvPr id="49" name="TextBox 48">
@@ -9154,6 +9163,7 @@
               </a:bodyPr>
               <a:lstStyle/>
               <a:p>
+                <a:pPr/>
                 <a14:m>
                   <m:oMathPara xmlns:m="http://schemas.openxmlformats.org/officeDocument/2006/math">
                     <m:oMathParaPr>
@@ -9175,7 +9185,7 @@
             </p:txBody>
           </p:sp>
         </mc:Choice>
-        <mc:Fallback>
+        <mc:Fallback xmlns="">
           <p:sp>
             <p:nvSpPr>
               <p:cNvPr id="49" name="TextBox 48">
@@ -9809,6 +9819,2025 @@
     <p:extLst>
       <p:ext uri="{BB962C8B-B14F-4D97-AF65-F5344CB8AC3E}">
         <p14:creationId xmlns:p14="http://schemas.microsoft.com/office/powerpoint/2010/main" val="1520601633"/>
+      </p:ext>
+    </p:extLst>
+  </p:cSld>
+  <p:clrMapOvr>
+    <a:masterClrMapping/>
+  </p:clrMapOvr>
+</p:sld>
+</file>
+
+<file path=ppt/slides/slide4.xml><?xml version="1.0" encoding="utf-8"?>
+<p:sld xmlns:a="http://schemas.openxmlformats.org/drawingml/2006/main" xmlns:r="http://schemas.openxmlformats.org/officeDocument/2006/relationships" xmlns:p="http://schemas.openxmlformats.org/presentationml/2006/main">
+  <p:cSld>
+    <p:spTree>
+      <p:nvGrpSpPr>
+        <p:cNvPr id="1" name="">
+          <a:extLst>
+            <a:ext uri="{FF2B5EF4-FFF2-40B4-BE49-F238E27FC236}">
+              <a16:creationId xmlns:a16="http://schemas.microsoft.com/office/drawing/2014/main" id="{175BA674-ED48-2D74-EE17-B547D0E1E144}"/>
+            </a:ext>
+          </a:extLst>
+        </p:cNvPr>
+        <p:cNvGrpSpPr/>
+        <p:nvPr/>
+      </p:nvGrpSpPr>
+      <p:grpSpPr>
+        <a:xfrm>
+          <a:off x="0" y="0"/>
+          <a:ext cx="0" cy="0"/>
+          <a:chOff x="0" y="0"/>
+          <a:chExt cx="0" cy="0"/>
+        </a:xfrm>
+      </p:grpSpPr>
+      <p:sp>
+        <p:nvSpPr>
+          <p:cNvPr id="72" name="Oval 71">
+            <a:extLst>
+              <a:ext uri="{FF2B5EF4-FFF2-40B4-BE49-F238E27FC236}">
+                <a16:creationId xmlns:a16="http://schemas.microsoft.com/office/drawing/2014/main" id="{96A814EC-8118-7E32-6B44-8F714087E638}"/>
+              </a:ext>
+            </a:extLst>
+          </p:cNvPr>
+          <p:cNvSpPr/>
+          <p:nvPr/>
+        </p:nvSpPr>
+        <p:spPr>
+          <a:xfrm>
+            <a:off x="5041548" y="3249740"/>
+            <a:ext cx="212317" cy="613636"/>
+          </a:xfrm>
+          <a:prstGeom prst="ellipse">
+            <a:avLst/>
+          </a:prstGeom>
+          <a:solidFill>
+            <a:schemeClr val="accent1">
+              <a:lumMod val="40000"/>
+              <a:lumOff val="60000"/>
+            </a:schemeClr>
+          </a:solidFill>
+          <a:ln>
+            <a:noFill/>
+          </a:ln>
+        </p:spPr>
+        <p:style>
+          <a:lnRef idx="2">
+            <a:schemeClr val="accent1">
+              <a:shade val="15000"/>
+            </a:schemeClr>
+          </a:lnRef>
+          <a:fillRef idx="1">
+            <a:schemeClr val="accent1"/>
+          </a:fillRef>
+          <a:effectRef idx="0">
+            <a:schemeClr val="accent1"/>
+          </a:effectRef>
+          <a:fontRef idx="minor">
+            <a:schemeClr val="lt1"/>
+          </a:fontRef>
+        </p:style>
+        <p:txBody>
+          <a:bodyPr rtlCol="0" anchor="ctr"/>
+          <a:lstStyle/>
+          <a:p>
+            <a:pPr algn="ctr"/>
+            <a:endParaRPr lang="en-US"/>
+          </a:p>
+        </p:txBody>
+      </p:sp>
+      <p:sp>
+        <p:nvSpPr>
+          <p:cNvPr id="55" name="Oval 54">
+            <a:extLst>
+              <a:ext uri="{FF2B5EF4-FFF2-40B4-BE49-F238E27FC236}">
+                <a16:creationId xmlns:a16="http://schemas.microsoft.com/office/drawing/2014/main" id="{67652264-3A42-E64C-B937-A91A545E7610}"/>
+              </a:ext>
+            </a:extLst>
+          </p:cNvPr>
+          <p:cNvSpPr/>
+          <p:nvPr/>
+        </p:nvSpPr>
+        <p:spPr>
+          <a:xfrm>
+            <a:off x="1634521" y="3044650"/>
+            <a:ext cx="1017466" cy="1017466"/>
+          </a:xfrm>
+          <a:prstGeom prst="ellipse">
+            <a:avLst/>
+          </a:prstGeom>
+          <a:solidFill>
+            <a:schemeClr val="accent1">
+              <a:lumMod val="40000"/>
+              <a:lumOff val="60000"/>
+            </a:schemeClr>
+          </a:solidFill>
+          <a:ln>
+            <a:noFill/>
+          </a:ln>
+        </p:spPr>
+        <p:style>
+          <a:lnRef idx="2">
+            <a:schemeClr val="accent1">
+              <a:shade val="15000"/>
+            </a:schemeClr>
+          </a:lnRef>
+          <a:fillRef idx="1">
+            <a:schemeClr val="accent1"/>
+          </a:fillRef>
+          <a:effectRef idx="0">
+            <a:schemeClr val="accent1"/>
+          </a:effectRef>
+          <a:fontRef idx="minor">
+            <a:schemeClr val="lt1"/>
+          </a:fontRef>
+        </p:style>
+        <p:txBody>
+          <a:bodyPr rtlCol="0" anchor="ctr"/>
+          <a:lstStyle/>
+          <a:p>
+            <a:pPr algn="ctr"/>
+            <a:endParaRPr lang="en-US"/>
+          </a:p>
+        </p:txBody>
+      </p:sp>
+      <p:sp>
+        <p:nvSpPr>
+          <p:cNvPr id="56" name="Oval 55">
+            <a:extLst>
+              <a:ext uri="{FF2B5EF4-FFF2-40B4-BE49-F238E27FC236}">
+                <a16:creationId xmlns:a16="http://schemas.microsoft.com/office/drawing/2014/main" id="{12FF8C63-2302-A5C2-9191-CC163906F118}"/>
+              </a:ext>
+            </a:extLst>
+          </p:cNvPr>
+          <p:cNvSpPr/>
+          <p:nvPr/>
+        </p:nvSpPr>
+        <p:spPr>
+          <a:xfrm>
+            <a:off x="2422343" y="3044650"/>
+            <a:ext cx="1017466" cy="1017466"/>
+          </a:xfrm>
+          <a:prstGeom prst="ellipse">
+            <a:avLst/>
+          </a:prstGeom>
+          <a:solidFill>
+            <a:schemeClr val="accent1">
+              <a:lumMod val="40000"/>
+              <a:lumOff val="60000"/>
+            </a:schemeClr>
+          </a:solidFill>
+          <a:ln>
+            <a:noFill/>
+          </a:ln>
+        </p:spPr>
+        <p:style>
+          <a:lnRef idx="2">
+            <a:schemeClr val="accent1">
+              <a:shade val="15000"/>
+            </a:schemeClr>
+          </a:lnRef>
+          <a:fillRef idx="1">
+            <a:schemeClr val="accent1"/>
+          </a:fillRef>
+          <a:effectRef idx="0">
+            <a:schemeClr val="accent1"/>
+          </a:effectRef>
+          <a:fontRef idx="minor">
+            <a:schemeClr val="lt1"/>
+          </a:fontRef>
+        </p:style>
+        <p:txBody>
+          <a:bodyPr rtlCol="0" anchor="ctr"/>
+          <a:lstStyle/>
+          <a:p>
+            <a:pPr algn="ctr"/>
+            <a:endParaRPr lang="en-US"/>
+          </a:p>
+        </p:txBody>
+      </p:sp>
+      <p:sp>
+        <p:nvSpPr>
+          <p:cNvPr id="5" name="Rectangle 4">
+            <a:extLst>
+              <a:ext uri="{FF2B5EF4-FFF2-40B4-BE49-F238E27FC236}">
+                <a16:creationId xmlns:a16="http://schemas.microsoft.com/office/drawing/2014/main" id="{74AA627B-2956-18ED-81A9-B783D2AE6308}"/>
+              </a:ext>
+            </a:extLst>
+          </p:cNvPr>
+          <p:cNvSpPr/>
+          <p:nvPr/>
+        </p:nvSpPr>
+        <p:spPr>
+          <a:xfrm>
+            <a:off x="1422286" y="1163256"/>
+            <a:ext cx="2281033" cy="1241616"/>
+          </a:xfrm>
+          <a:prstGeom prst="rect">
+            <a:avLst/>
+          </a:prstGeom>
+          <a:noFill/>
+          <a:ln>
+            <a:solidFill>
+              <a:schemeClr val="tx1"/>
+            </a:solidFill>
+          </a:ln>
+        </p:spPr>
+        <p:style>
+          <a:lnRef idx="2">
+            <a:schemeClr val="accent1">
+              <a:shade val="15000"/>
+            </a:schemeClr>
+          </a:lnRef>
+          <a:fillRef idx="1">
+            <a:schemeClr val="accent1"/>
+          </a:fillRef>
+          <a:effectRef idx="0">
+            <a:schemeClr val="accent1"/>
+          </a:effectRef>
+          <a:fontRef idx="minor">
+            <a:schemeClr val="lt1"/>
+          </a:fontRef>
+        </p:style>
+        <p:txBody>
+          <a:bodyPr rtlCol="0" anchor="ctr"/>
+          <a:lstStyle/>
+          <a:p>
+            <a:pPr algn="ctr"/>
+            <a:endParaRPr lang="en-US"/>
+          </a:p>
+        </p:txBody>
+      </p:sp>
+      <p:sp>
+        <p:nvSpPr>
+          <p:cNvPr id="8" name="Oval 7">
+            <a:extLst>
+              <a:ext uri="{FF2B5EF4-FFF2-40B4-BE49-F238E27FC236}">
+                <a16:creationId xmlns:a16="http://schemas.microsoft.com/office/drawing/2014/main" id="{A31C22F9-0344-C124-D9FF-3FF3E0744590}"/>
+              </a:ext>
+            </a:extLst>
+          </p:cNvPr>
+          <p:cNvSpPr/>
+          <p:nvPr/>
+        </p:nvSpPr>
+        <p:spPr>
+          <a:xfrm>
+            <a:off x="1637230" y="1302717"/>
+            <a:ext cx="1017466" cy="1017466"/>
+          </a:xfrm>
+          <a:prstGeom prst="ellipse">
+            <a:avLst/>
+          </a:prstGeom>
+          <a:noFill/>
+          <a:ln>
+            <a:solidFill>
+              <a:schemeClr val="tx1"/>
+            </a:solidFill>
+          </a:ln>
+        </p:spPr>
+        <p:style>
+          <a:lnRef idx="2">
+            <a:schemeClr val="accent1">
+              <a:shade val="15000"/>
+            </a:schemeClr>
+          </a:lnRef>
+          <a:fillRef idx="1">
+            <a:schemeClr val="accent1"/>
+          </a:fillRef>
+          <a:effectRef idx="0">
+            <a:schemeClr val="accent1"/>
+          </a:effectRef>
+          <a:fontRef idx="minor">
+            <a:schemeClr val="lt1"/>
+          </a:fontRef>
+        </p:style>
+        <p:txBody>
+          <a:bodyPr rtlCol="0" anchor="ctr"/>
+          <a:lstStyle/>
+          <a:p>
+            <a:pPr algn="ctr"/>
+            <a:endParaRPr lang="en-US"/>
+          </a:p>
+        </p:txBody>
+      </p:sp>
+      <p:sp>
+        <p:nvSpPr>
+          <p:cNvPr id="9" name="Oval 8">
+            <a:extLst>
+              <a:ext uri="{FF2B5EF4-FFF2-40B4-BE49-F238E27FC236}">
+                <a16:creationId xmlns:a16="http://schemas.microsoft.com/office/drawing/2014/main" id="{D813B64D-39C3-9D86-849B-0090104DA29C}"/>
+              </a:ext>
+            </a:extLst>
+          </p:cNvPr>
+          <p:cNvSpPr/>
+          <p:nvPr/>
+        </p:nvSpPr>
+        <p:spPr>
+          <a:xfrm>
+            <a:off x="2425052" y="1302717"/>
+            <a:ext cx="1017466" cy="1017466"/>
+          </a:xfrm>
+          <a:prstGeom prst="ellipse">
+            <a:avLst/>
+          </a:prstGeom>
+          <a:noFill/>
+          <a:ln>
+            <a:solidFill>
+              <a:schemeClr val="tx1"/>
+            </a:solidFill>
+          </a:ln>
+        </p:spPr>
+        <p:style>
+          <a:lnRef idx="2">
+            <a:schemeClr val="accent1">
+              <a:shade val="15000"/>
+            </a:schemeClr>
+          </a:lnRef>
+          <a:fillRef idx="1">
+            <a:schemeClr val="accent1"/>
+          </a:fillRef>
+          <a:effectRef idx="0">
+            <a:schemeClr val="accent1"/>
+          </a:effectRef>
+          <a:fontRef idx="minor">
+            <a:schemeClr val="lt1"/>
+          </a:fontRef>
+        </p:style>
+        <p:txBody>
+          <a:bodyPr rtlCol="0" anchor="ctr"/>
+          <a:lstStyle/>
+          <a:p>
+            <a:pPr algn="ctr"/>
+            <a:endParaRPr lang="en-US"/>
+          </a:p>
+        </p:txBody>
+      </p:sp>
+      <mc:AlternateContent xmlns:mc="http://schemas.openxmlformats.org/markup-compatibility/2006">
+        <mc:Choice xmlns:a14="http://schemas.microsoft.com/office/drawing/2010/main" Requires="a14">
+          <p:sp>
+            <p:nvSpPr>
+              <p:cNvPr id="13" name="TextBox 12">
+                <a:extLst>
+                  <a:ext uri="{FF2B5EF4-FFF2-40B4-BE49-F238E27FC236}">
+                    <a16:creationId xmlns:a16="http://schemas.microsoft.com/office/drawing/2014/main" id="{65F681D5-4AD3-9606-9E5C-A47C8BE78D6F}"/>
+                  </a:ext>
+                </a:extLst>
+              </p:cNvPr>
+              <p:cNvSpPr txBox="1"/>
+              <p:nvPr/>
+            </p:nvSpPr>
+            <p:spPr>
+              <a:xfrm>
+                <a:off x="1961716" y="1292847"/>
+                <a:ext cx="340286" cy="307777"/>
+              </a:xfrm>
+              <a:prstGeom prst="rect">
+                <a:avLst/>
+              </a:prstGeom>
+              <a:noFill/>
+            </p:spPr>
+            <p:txBody>
+              <a:bodyPr wrap="none" rtlCol="0">
+                <a:spAutoFit/>
+              </a:bodyPr>
+              <a:lstStyle/>
+              <a:p>
+                <a14:m>
+                  <m:oMathPara xmlns:m="http://schemas.openxmlformats.org/officeDocument/2006/math">
+                    <m:oMathParaPr>
+                      <m:jc m:val="centerGroup"/>
+                    </m:oMathParaPr>
+                    <m:oMath xmlns:m="http://schemas.openxmlformats.org/officeDocument/2006/math">
+                      <m:r>
+                        <a:rPr lang="en-US" b="0" i="1" smtClean="0">
+                          <a:latin typeface="Cambria Math" panose="02040503050406030204" pitchFamily="18" charset="0"/>
+                          <a:cs typeface="Calibri" panose="020F0502020204030204" pitchFamily="34" charset="0"/>
+                        </a:rPr>
+                        <m:t>𝐴</m:t>
+                      </m:r>
+                    </m:oMath>
+                  </m:oMathPara>
+                </a14:m>
+                <a:endParaRPr lang="en-US" dirty="0">
+                  <a:latin typeface="Calibri" panose="020F0502020204030204" pitchFamily="34" charset="0"/>
+                  <a:cs typeface="Calibri" panose="020F0502020204030204" pitchFamily="34" charset="0"/>
+                </a:endParaRPr>
+              </a:p>
+            </p:txBody>
+          </p:sp>
+        </mc:Choice>
+        <mc:Fallback>
+          <p:sp>
+            <p:nvSpPr>
+              <p:cNvPr id="13" name="TextBox 12">
+                <a:extLst>
+                  <a:ext uri="{FF2B5EF4-FFF2-40B4-BE49-F238E27FC236}">
+                    <a16:creationId xmlns:a16="http://schemas.microsoft.com/office/drawing/2014/main" id="{65F681D5-4AD3-9606-9E5C-A47C8BE78D6F}"/>
+                  </a:ext>
+                </a:extLst>
+              </p:cNvPr>
+              <p:cNvSpPr txBox="1">
+                <a:spLocks noRot="1" noChangeAspect="1" noMove="1" noResize="1" noEditPoints="1" noAdjustHandles="1" noChangeArrowheads="1" noChangeShapeType="1" noTextEdit="1"/>
+              </p:cNvSpPr>
+              <p:nvPr/>
+            </p:nvSpPr>
+            <p:spPr>
+              <a:xfrm>
+                <a:off x="1961716" y="1292847"/>
+                <a:ext cx="340286" cy="307777"/>
+              </a:xfrm>
+              <a:prstGeom prst="rect">
+                <a:avLst/>
+              </a:prstGeom>
+              <a:blipFill>
+                <a:blip r:embed="rId2"/>
+                <a:stretch>
+                  <a:fillRect/>
+                </a:stretch>
+              </a:blipFill>
+            </p:spPr>
+            <p:txBody>
+              <a:bodyPr/>
+              <a:lstStyle/>
+              <a:p>
+                <a:r>
+                  <a:rPr lang="en-US">
+                    <a:noFill/>
+                  </a:rPr>
+                  <a:t> </a:t>
+                </a:r>
+              </a:p>
+            </p:txBody>
+          </p:sp>
+        </mc:Fallback>
+      </mc:AlternateContent>
+      <mc:AlternateContent xmlns:mc="http://schemas.openxmlformats.org/markup-compatibility/2006">
+        <mc:Choice xmlns:a14="http://schemas.microsoft.com/office/drawing/2010/main" Requires="a14">
+          <p:sp>
+            <p:nvSpPr>
+              <p:cNvPr id="14" name="TextBox 13">
+                <a:extLst>
+                  <a:ext uri="{FF2B5EF4-FFF2-40B4-BE49-F238E27FC236}">
+                    <a16:creationId xmlns:a16="http://schemas.microsoft.com/office/drawing/2014/main" id="{EE7353DB-3D4D-525F-9B78-92C27301A96E}"/>
+                  </a:ext>
+                </a:extLst>
+              </p:cNvPr>
+              <p:cNvSpPr txBox="1"/>
+              <p:nvPr/>
+            </p:nvSpPr>
+            <p:spPr>
+              <a:xfrm>
+                <a:off x="2749538" y="1302717"/>
+                <a:ext cx="348172" cy="307777"/>
+              </a:xfrm>
+              <a:prstGeom prst="rect">
+                <a:avLst/>
+              </a:prstGeom>
+              <a:noFill/>
+            </p:spPr>
+            <p:txBody>
+              <a:bodyPr wrap="none" rtlCol="0">
+                <a:spAutoFit/>
+              </a:bodyPr>
+              <a:lstStyle/>
+              <a:p>
+                <a14:m>
+                  <m:oMathPara xmlns:m="http://schemas.openxmlformats.org/officeDocument/2006/math">
+                    <m:oMathParaPr>
+                      <m:jc m:val="centerGroup"/>
+                    </m:oMathParaPr>
+                    <m:oMath xmlns:m="http://schemas.openxmlformats.org/officeDocument/2006/math">
+                      <m:r>
+                        <a:rPr lang="en-US" b="0" i="1" smtClean="0">
+                          <a:latin typeface="Cambria Math" panose="02040503050406030204" pitchFamily="18" charset="0"/>
+                          <a:cs typeface="Calibri" panose="020F0502020204030204" pitchFamily="34" charset="0"/>
+                        </a:rPr>
+                        <m:t>𝐵</m:t>
+                      </m:r>
+                    </m:oMath>
+                  </m:oMathPara>
+                </a14:m>
+                <a:endParaRPr lang="en-US" dirty="0">
+                  <a:latin typeface="Calibri" panose="020F0502020204030204" pitchFamily="34" charset="0"/>
+                  <a:cs typeface="Calibri" panose="020F0502020204030204" pitchFamily="34" charset="0"/>
+                </a:endParaRPr>
+              </a:p>
+            </p:txBody>
+          </p:sp>
+        </mc:Choice>
+        <mc:Fallback>
+          <p:sp>
+            <p:nvSpPr>
+              <p:cNvPr id="14" name="TextBox 13">
+                <a:extLst>
+                  <a:ext uri="{FF2B5EF4-FFF2-40B4-BE49-F238E27FC236}">
+                    <a16:creationId xmlns:a16="http://schemas.microsoft.com/office/drawing/2014/main" id="{EE7353DB-3D4D-525F-9B78-92C27301A96E}"/>
+                  </a:ext>
+                </a:extLst>
+              </p:cNvPr>
+              <p:cNvSpPr txBox="1">
+                <a:spLocks noRot="1" noChangeAspect="1" noMove="1" noResize="1" noEditPoints="1" noAdjustHandles="1" noChangeArrowheads="1" noChangeShapeType="1" noTextEdit="1"/>
+              </p:cNvSpPr>
+              <p:nvPr/>
+            </p:nvSpPr>
+            <p:spPr>
+              <a:xfrm>
+                <a:off x="2749538" y="1302717"/>
+                <a:ext cx="348172" cy="307777"/>
+              </a:xfrm>
+              <a:prstGeom prst="rect">
+                <a:avLst/>
+              </a:prstGeom>
+              <a:blipFill>
+                <a:blip r:embed="rId3"/>
+                <a:stretch>
+                  <a:fillRect/>
+                </a:stretch>
+              </a:blipFill>
+            </p:spPr>
+            <p:txBody>
+              <a:bodyPr/>
+              <a:lstStyle/>
+              <a:p>
+                <a:r>
+                  <a:rPr lang="en-US">
+                    <a:noFill/>
+                  </a:rPr>
+                  <a:t> </a:t>
+                </a:r>
+              </a:p>
+            </p:txBody>
+          </p:sp>
+        </mc:Fallback>
+      </mc:AlternateContent>
+      <p:sp>
+        <p:nvSpPr>
+          <p:cNvPr id="16" name="Rectangle 15">
+            <a:extLst>
+              <a:ext uri="{FF2B5EF4-FFF2-40B4-BE49-F238E27FC236}">
+                <a16:creationId xmlns:a16="http://schemas.microsoft.com/office/drawing/2014/main" id="{3AB28044-BC6C-10CF-9752-E5B3DC690B17}"/>
+              </a:ext>
+            </a:extLst>
+          </p:cNvPr>
+          <p:cNvSpPr/>
+          <p:nvPr/>
+        </p:nvSpPr>
+        <p:spPr>
+          <a:xfrm>
+            <a:off x="4027805" y="1171674"/>
+            <a:ext cx="2281033" cy="1241616"/>
+          </a:xfrm>
+          <a:prstGeom prst="rect">
+            <a:avLst/>
+          </a:prstGeom>
+          <a:noFill/>
+          <a:ln>
+            <a:solidFill>
+              <a:schemeClr val="tx1"/>
+            </a:solidFill>
+          </a:ln>
+        </p:spPr>
+        <p:style>
+          <a:lnRef idx="2">
+            <a:schemeClr val="accent1">
+              <a:shade val="15000"/>
+            </a:schemeClr>
+          </a:lnRef>
+          <a:fillRef idx="1">
+            <a:schemeClr val="accent1"/>
+          </a:fillRef>
+          <a:effectRef idx="0">
+            <a:schemeClr val="accent1"/>
+          </a:effectRef>
+          <a:fontRef idx="minor">
+            <a:schemeClr val="lt1"/>
+          </a:fontRef>
+        </p:style>
+        <p:txBody>
+          <a:bodyPr rtlCol="0" anchor="ctr"/>
+          <a:lstStyle/>
+          <a:p>
+            <a:pPr algn="ctr"/>
+            <a:endParaRPr lang="en-US"/>
+          </a:p>
+        </p:txBody>
+      </p:sp>
+      <p:sp>
+        <p:nvSpPr>
+          <p:cNvPr id="17" name="Oval 16">
+            <a:extLst>
+              <a:ext uri="{FF2B5EF4-FFF2-40B4-BE49-F238E27FC236}">
+                <a16:creationId xmlns:a16="http://schemas.microsoft.com/office/drawing/2014/main" id="{E4BE469E-FA24-C090-C785-F844E14C817D}"/>
+              </a:ext>
+            </a:extLst>
+          </p:cNvPr>
+          <p:cNvSpPr/>
+          <p:nvPr/>
+        </p:nvSpPr>
+        <p:spPr>
+          <a:xfrm>
+            <a:off x="4242749" y="1311135"/>
+            <a:ext cx="1017466" cy="1017466"/>
+          </a:xfrm>
+          <a:prstGeom prst="ellipse">
+            <a:avLst/>
+          </a:prstGeom>
+          <a:solidFill>
+            <a:schemeClr val="accent1">
+              <a:lumMod val="40000"/>
+              <a:lumOff val="60000"/>
+            </a:schemeClr>
+          </a:solidFill>
+          <a:ln>
+            <a:solidFill>
+              <a:schemeClr val="tx1"/>
+            </a:solidFill>
+          </a:ln>
+        </p:spPr>
+        <p:style>
+          <a:lnRef idx="2">
+            <a:schemeClr val="accent1">
+              <a:shade val="15000"/>
+            </a:schemeClr>
+          </a:lnRef>
+          <a:fillRef idx="1">
+            <a:schemeClr val="accent1"/>
+          </a:fillRef>
+          <a:effectRef idx="0">
+            <a:schemeClr val="accent1"/>
+          </a:effectRef>
+          <a:fontRef idx="minor">
+            <a:schemeClr val="lt1"/>
+          </a:fontRef>
+        </p:style>
+        <p:txBody>
+          <a:bodyPr rtlCol="0" anchor="ctr"/>
+          <a:lstStyle/>
+          <a:p>
+            <a:pPr algn="ctr"/>
+            <a:endParaRPr lang="en-US"/>
+          </a:p>
+        </p:txBody>
+      </p:sp>
+      <p:sp>
+        <p:nvSpPr>
+          <p:cNvPr id="18" name="Oval 17">
+            <a:extLst>
+              <a:ext uri="{FF2B5EF4-FFF2-40B4-BE49-F238E27FC236}">
+                <a16:creationId xmlns:a16="http://schemas.microsoft.com/office/drawing/2014/main" id="{CD5C487E-96ED-3CC5-7422-40BA5C223089}"/>
+              </a:ext>
+            </a:extLst>
+          </p:cNvPr>
+          <p:cNvSpPr/>
+          <p:nvPr/>
+        </p:nvSpPr>
+        <p:spPr>
+          <a:xfrm>
+            <a:off x="5030571" y="1311135"/>
+            <a:ext cx="1017466" cy="1017466"/>
+          </a:xfrm>
+          <a:prstGeom prst="ellipse">
+            <a:avLst/>
+          </a:prstGeom>
+          <a:noFill/>
+          <a:ln>
+            <a:solidFill>
+              <a:schemeClr val="tx1"/>
+            </a:solidFill>
+          </a:ln>
+        </p:spPr>
+        <p:style>
+          <a:lnRef idx="2">
+            <a:schemeClr val="accent1">
+              <a:shade val="15000"/>
+            </a:schemeClr>
+          </a:lnRef>
+          <a:fillRef idx="1">
+            <a:schemeClr val="accent1"/>
+          </a:fillRef>
+          <a:effectRef idx="0">
+            <a:schemeClr val="accent1"/>
+          </a:effectRef>
+          <a:fontRef idx="minor">
+            <a:schemeClr val="lt1"/>
+          </a:fontRef>
+        </p:style>
+        <p:txBody>
+          <a:bodyPr rtlCol="0" anchor="ctr"/>
+          <a:lstStyle/>
+          <a:p>
+            <a:pPr algn="ctr"/>
+            <a:endParaRPr lang="en-US"/>
+          </a:p>
+        </p:txBody>
+      </p:sp>
+      <p:sp>
+        <p:nvSpPr>
+          <p:cNvPr id="25" name="Rectangle 24">
+            <a:extLst>
+              <a:ext uri="{FF2B5EF4-FFF2-40B4-BE49-F238E27FC236}">
+                <a16:creationId xmlns:a16="http://schemas.microsoft.com/office/drawing/2014/main" id="{DCA5A9ED-4E62-07D7-F08C-475D38013D82}"/>
+              </a:ext>
+            </a:extLst>
+          </p:cNvPr>
+          <p:cNvSpPr/>
+          <p:nvPr/>
+        </p:nvSpPr>
+        <p:spPr>
+          <a:xfrm>
+            <a:off x="1422286" y="2896771"/>
+            <a:ext cx="2281033" cy="1241616"/>
+          </a:xfrm>
+          <a:prstGeom prst="rect">
+            <a:avLst/>
+          </a:prstGeom>
+          <a:noFill/>
+          <a:ln>
+            <a:solidFill>
+              <a:schemeClr val="tx1"/>
+            </a:solidFill>
+          </a:ln>
+        </p:spPr>
+        <p:style>
+          <a:lnRef idx="2">
+            <a:schemeClr val="accent1">
+              <a:shade val="15000"/>
+            </a:schemeClr>
+          </a:lnRef>
+          <a:fillRef idx="1">
+            <a:schemeClr val="accent1"/>
+          </a:fillRef>
+          <a:effectRef idx="0">
+            <a:schemeClr val="accent1"/>
+          </a:effectRef>
+          <a:fontRef idx="minor">
+            <a:schemeClr val="lt1"/>
+          </a:fontRef>
+        </p:style>
+        <p:txBody>
+          <a:bodyPr rtlCol="0" anchor="ctr"/>
+          <a:lstStyle/>
+          <a:p>
+            <a:pPr algn="ctr"/>
+            <a:endParaRPr lang="en-US"/>
+          </a:p>
+        </p:txBody>
+      </p:sp>
+      <p:sp>
+        <p:nvSpPr>
+          <p:cNvPr id="26" name="Oval 25">
+            <a:extLst>
+              <a:ext uri="{FF2B5EF4-FFF2-40B4-BE49-F238E27FC236}">
+                <a16:creationId xmlns:a16="http://schemas.microsoft.com/office/drawing/2014/main" id="{E573CC03-898C-8F10-2207-06DEFC2DC3A9}"/>
+              </a:ext>
+            </a:extLst>
+          </p:cNvPr>
+          <p:cNvSpPr/>
+          <p:nvPr/>
+        </p:nvSpPr>
+        <p:spPr>
+          <a:xfrm>
+            <a:off x="1637230" y="3036232"/>
+            <a:ext cx="1017466" cy="1017466"/>
+          </a:xfrm>
+          <a:prstGeom prst="ellipse">
+            <a:avLst/>
+          </a:prstGeom>
+          <a:noFill/>
+          <a:ln>
+            <a:solidFill>
+              <a:schemeClr val="tx1"/>
+            </a:solidFill>
+          </a:ln>
+        </p:spPr>
+        <p:style>
+          <a:lnRef idx="2">
+            <a:schemeClr val="accent1">
+              <a:shade val="15000"/>
+            </a:schemeClr>
+          </a:lnRef>
+          <a:fillRef idx="1">
+            <a:schemeClr val="accent1"/>
+          </a:fillRef>
+          <a:effectRef idx="0">
+            <a:schemeClr val="accent1"/>
+          </a:effectRef>
+          <a:fontRef idx="minor">
+            <a:schemeClr val="lt1"/>
+          </a:fontRef>
+        </p:style>
+        <p:txBody>
+          <a:bodyPr rtlCol="0" anchor="ctr"/>
+          <a:lstStyle/>
+          <a:p>
+            <a:pPr algn="ctr"/>
+            <a:endParaRPr lang="en-US"/>
+          </a:p>
+        </p:txBody>
+      </p:sp>
+      <p:sp>
+        <p:nvSpPr>
+          <p:cNvPr id="27" name="Oval 26">
+            <a:extLst>
+              <a:ext uri="{FF2B5EF4-FFF2-40B4-BE49-F238E27FC236}">
+                <a16:creationId xmlns:a16="http://schemas.microsoft.com/office/drawing/2014/main" id="{3BCC43FC-9CA4-66D5-A1DF-B9002DB4BC2F}"/>
+              </a:ext>
+            </a:extLst>
+          </p:cNvPr>
+          <p:cNvSpPr/>
+          <p:nvPr/>
+        </p:nvSpPr>
+        <p:spPr>
+          <a:xfrm>
+            <a:off x="2425052" y="3036232"/>
+            <a:ext cx="1017466" cy="1017466"/>
+          </a:xfrm>
+          <a:prstGeom prst="ellipse">
+            <a:avLst/>
+          </a:prstGeom>
+          <a:noFill/>
+          <a:ln>
+            <a:solidFill>
+              <a:schemeClr val="tx1"/>
+            </a:solidFill>
+          </a:ln>
+        </p:spPr>
+        <p:style>
+          <a:lnRef idx="2">
+            <a:schemeClr val="accent1">
+              <a:shade val="15000"/>
+            </a:schemeClr>
+          </a:lnRef>
+          <a:fillRef idx="1">
+            <a:schemeClr val="accent1"/>
+          </a:fillRef>
+          <a:effectRef idx="0">
+            <a:schemeClr val="accent1"/>
+          </a:effectRef>
+          <a:fontRef idx="minor">
+            <a:schemeClr val="lt1"/>
+          </a:fontRef>
+        </p:style>
+        <p:txBody>
+          <a:bodyPr rtlCol="0" anchor="ctr"/>
+          <a:lstStyle/>
+          <a:p>
+            <a:pPr algn="ctr"/>
+            <a:endParaRPr lang="en-US"/>
+          </a:p>
+        </p:txBody>
+      </p:sp>
+      <mc:AlternateContent xmlns:mc="http://schemas.openxmlformats.org/markup-compatibility/2006">
+        <mc:Choice xmlns:a14="http://schemas.microsoft.com/office/drawing/2010/main" Requires="a14">
+          <p:sp>
+            <p:nvSpPr>
+              <p:cNvPr id="31" name="TextBox 30">
+                <a:extLst>
+                  <a:ext uri="{FF2B5EF4-FFF2-40B4-BE49-F238E27FC236}">
+                    <a16:creationId xmlns:a16="http://schemas.microsoft.com/office/drawing/2014/main" id="{C3EC19CA-1FB7-AAB5-8F9B-48E2987195E8}"/>
+                  </a:ext>
+                </a:extLst>
+              </p:cNvPr>
+              <p:cNvSpPr txBox="1"/>
+              <p:nvPr/>
+            </p:nvSpPr>
+            <p:spPr>
+              <a:xfrm>
+                <a:off x="1961716" y="3026362"/>
+                <a:ext cx="340286" cy="307777"/>
+              </a:xfrm>
+              <a:prstGeom prst="rect">
+                <a:avLst/>
+              </a:prstGeom>
+              <a:noFill/>
+            </p:spPr>
+            <p:txBody>
+              <a:bodyPr wrap="none" rtlCol="0">
+                <a:spAutoFit/>
+              </a:bodyPr>
+              <a:lstStyle/>
+              <a:p>
+                <a14:m>
+                  <m:oMathPara xmlns:m="http://schemas.openxmlformats.org/officeDocument/2006/math">
+                    <m:oMathParaPr>
+                      <m:jc m:val="centerGroup"/>
+                    </m:oMathParaPr>
+                    <m:oMath xmlns:m="http://schemas.openxmlformats.org/officeDocument/2006/math">
+                      <m:r>
+                        <a:rPr lang="en-US" b="0" i="1" smtClean="0">
+                          <a:latin typeface="Cambria Math" panose="02040503050406030204" pitchFamily="18" charset="0"/>
+                          <a:cs typeface="Calibri" panose="020F0502020204030204" pitchFamily="34" charset="0"/>
+                        </a:rPr>
+                        <m:t>𝐴</m:t>
+                      </m:r>
+                    </m:oMath>
+                  </m:oMathPara>
+                </a14:m>
+                <a:endParaRPr lang="en-US" dirty="0">
+                  <a:latin typeface="Calibri" panose="020F0502020204030204" pitchFamily="34" charset="0"/>
+                  <a:cs typeface="Calibri" panose="020F0502020204030204" pitchFamily="34" charset="0"/>
+                </a:endParaRPr>
+              </a:p>
+            </p:txBody>
+          </p:sp>
+        </mc:Choice>
+        <mc:Fallback>
+          <p:sp>
+            <p:nvSpPr>
+              <p:cNvPr id="31" name="TextBox 30">
+                <a:extLst>
+                  <a:ext uri="{FF2B5EF4-FFF2-40B4-BE49-F238E27FC236}">
+                    <a16:creationId xmlns:a16="http://schemas.microsoft.com/office/drawing/2014/main" id="{C3EC19CA-1FB7-AAB5-8F9B-48E2987195E8}"/>
+                  </a:ext>
+                </a:extLst>
+              </p:cNvPr>
+              <p:cNvSpPr txBox="1">
+                <a:spLocks noRot="1" noChangeAspect="1" noMove="1" noResize="1" noEditPoints="1" noAdjustHandles="1" noChangeArrowheads="1" noChangeShapeType="1" noTextEdit="1"/>
+              </p:cNvSpPr>
+              <p:nvPr/>
+            </p:nvSpPr>
+            <p:spPr>
+              <a:xfrm>
+                <a:off x="1961716" y="3026362"/>
+                <a:ext cx="340286" cy="307777"/>
+              </a:xfrm>
+              <a:prstGeom prst="rect">
+                <a:avLst/>
+              </a:prstGeom>
+              <a:blipFill>
+                <a:blip r:embed="rId4"/>
+                <a:stretch>
+                  <a:fillRect/>
+                </a:stretch>
+              </a:blipFill>
+            </p:spPr>
+            <p:txBody>
+              <a:bodyPr/>
+              <a:lstStyle/>
+              <a:p>
+                <a:r>
+                  <a:rPr lang="en-US">
+                    <a:noFill/>
+                  </a:rPr>
+                  <a:t> </a:t>
+                </a:r>
+              </a:p>
+            </p:txBody>
+          </p:sp>
+        </mc:Fallback>
+      </mc:AlternateContent>
+      <mc:AlternateContent xmlns:mc="http://schemas.openxmlformats.org/markup-compatibility/2006">
+        <mc:Choice xmlns:a14="http://schemas.microsoft.com/office/drawing/2010/main" Requires="a14">
+          <p:sp>
+            <p:nvSpPr>
+              <p:cNvPr id="35" name="TextBox 34">
+                <a:extLst>
+                  <a:ext uri="{FF2B5EF4-FFF2-40B4-BE49-F238E27FC236}">
+                    <a16:creationId xmlns:a16="http://schemas.microsoft.com/office/drawing/2014/main" id="{228958BB-D62D-0ABA-56CB-266E32958455}"/>
+                  </a:ext>
+                </a:extLst>
+              </p:cNvPr>
+              <p:cNvSpPr txBox="1"/>
+              <p:nvPr/>
+            </p:nvSpPr>
+            <p:spPr>
+              <a:xfrm>
+                <a:off x="2749538" y="3036232"/>
+                <a:ext cx="348172" cy="307777"/>
+              </a:xfrm>
+              <a:prstGeom prst="rect">
+                <a:avLst/>
+              </a:prstGeom>
+              <a:noFill/>
+            </p:spPr>
+            <p:txBody>
+              <a:bodyPr wrap="none" rtlCol="0">
+                <a:spAutoFit/>
+              </a:bodyPr>
+              <a:lstStyle/>
+              <a:p>
+                <a14:m>
+                  <m:oMathPara xmlns:m="http://schemas.openxmlformats.org/officeDocument/2006/math">
+                    <m:oMathParaPr>
+                      <m:jc m:val="centerGroup"/>
+                    </m:oMathParaPr>
+                    <m:oMath xmlns:m="http://schemas.openxmlformats.org/officeDocument/2006/math">
+                      <m:r>
+                        <a:rPr lang="en-US" b="0" i="1" smtClean="0">
+                          <a:latin typeface="Cambria Math" panose="02040503050406030204" pitchFamily="18" charset="0"/>
+                          <a:cs typeface="Calibri" panose="020F0502020204030204" pitchFamily="34" charset="0"/>
+                        </a:rPr>
+                        <m:t>𝐵</m:t>
+                      </m:r>
+                    </m:oMath>
+                  </m:oMathPara>
+                </a14:m>
+                <a:endParaRPr lang="en-US" dirty="0">
+                  <a:latin typeface="Calibri" panose="020F0502020204030204" pitchFamily="34" charset="0"/>
+                  <a:cs typeface="Calibri" panose="020F0502020204030204" pitchFamily="34" charset="0"/>
+                </a:endParaRPr>
+              </a:p>
+            </p:txBody>
+          </p:sp>
+        </mc:Choice>
+        <mc:Fallback>
+          <p:sp>
+            <p:nvSpPr>
+              <p:cNvPr id="35" name="TextBox 34">
+                <a:extLst>
+                  <a:ext uri="{FF2B5EF4-FFF2-40B4-BE49-F238E27FC236}">
+                    <a16:creationId xmlns:a16="http://schemas.microsoft.com/office/drawing/2014/main" id="{228958BB-D62D-0ABA-56CB-266E32958455}"/>
+                  </a:ext>
+                </a:extLst>
+              </p:cNvPr>
+              <p:cNvSpPr txBox="1">
+                <a:spLocks noRot="1" noChangeAspect="1" noMove="1" noResize="1" noEditPoints="1" noAdjustHandles="1" noChangeArrowheads="1" noChangeShapeType="1" noTextEdit="1"/>
+              </p:cNvSpPr>
+              <p:nvPr/>
+            </p:nvSpPr>
+            <p:spPr>
+              <a:xfrm>
+                <a:off x="2749538" y="3036232"/>
+                <a:ext cx="348172" cy="307777"/>
+              </a:xfrm>
+              <a:prstGeom prst="rect">
+                <a:avLst/>
+              </a:prstGeom>
+              <a:blipFill>
+                <a:blip r:embed="rId5"/>
+                <a:stretch>
+                  <a:fillRect/>
+                </a:stretch>
+              </a:blipFill>
+            </p:spPr>
+            <p:txBody>
+              <a:bodyPr/>
+              <a:lstStyle/>
+              <a:p>
+                <a:r>
+                  <a:rPr lang="en-US">
+                    <a:noFill/>
+                  </a:rPr>
+                  <a:t> </a:t>
+                </a:r>
+              </a:p>
+            </p:txBody>
+          </p:sp>
+        </mc:Fallback>
+      </mc:AlternateContent>
+      <p:sp>
+        <p:nvSpPr>
+          <p:cNvPr id="36" name="Rectangle 35">
+            <a:extLst>
+              <a:ext uri="{FF2B5EF4-FFF2-40B4-BE49-F238E27FC236}">
+                <a16:creationId xmlns:a16="http://schemas.microsoft.com/office/drawing/2014/main" id="{34A15BF0-7F36-DFAB-0B08-3F3BDBB670E2}"/>
+              </a:ext>
+            </a:extLst>
+          </p:cNvPr>
+          <p:cNvSpPr/>
+          <p:nvPr/>
+        </p:nvSpPr>
+        <p:spPr>
+          <a:xfrm>
+            <a:off x="4027805" y="2905189"/>
+            <a:ext cx="2281033" cy="1241616"/>
+          </a:xfrm>
+          <a:prstGeom prst="rect">
+            <a:avLst/>
+          </a:prstGeom>
+          <a:noFill/>
+          <a:ln>
+            <a:solidFill>
+              <a:schemeClr val="tx1"/>
+            </a:solidFill>
+          </a:ln>
+        </p:spPr>
+        <p:style>
+          <a:lnRef idx="2">
+            <a:schemeClr val="accent1">
+              <a:shade val="15000"/>
+            </a:schemeClr>
+          </a:lnRef>
+          <a:fillRef idx="1">
+            <a:schemeClr val="accent1"/>
+          </a:fillRef>
+          <a:effectRef idx="0">
+            <a:schemeClr val="accent1"/>
+          </a:effectRef>
+          <a:fontRef idx="minor">
+            <a:schemeClr val="lt1"/>
+          </a:fontRef>
+        </p:style>
+        <p:txBody>
+          <a:bodyPr rtlCol="0" anchor="ctr"/>
+          <a:lstStyle/>
+          <a:p>
+            <a:pPr algn="ctr"/>
+            <a:endParaRPr lang="en-US"/>
+          </a:p>
+        </p:txBody>
+      </p:sp>
+      <p:sp>
+        <p:nvSpPr>
+          <p:cNvPr id="37" name="Oval 36">
+            <a:extLst>
+              <a:ext uri="{FF2B5EF4-FFF2-40B4-BE49-F238E27FC236}">
+                <a16:creationId xmlns:a16="http://schemas.microsoft.com/office/drawing/2014/main" id="{681A80DE-E7EF-7085-35EB-3FB4C4099C33}"/>
+              </a:ext>
+            </a:extLst>
+          </p:cNvPr>
+          <p:cNvSpPr/>
+          <p:nvPr/>
+        </p:nvSpPr>
+        <p:spPr>
+          <a:xfrm>
+            <a:off x="4242749" y="3044650"/>
+            <a:ext cx="1017466" cy="1017466"/>
+          </a:xfrm>
+          <a:prstGeom prst="ellipse">
+            <a:avLst/>
+          </a:prstGeom>
+          <a:noFill/>
+          <a:ln>
+            <a:solidFill>
+              <a:schemeClr val="tx1"/>
+            </a:solidFill>
+          </a:ln>
+        </p:spPr>
+        <p:style>
+          <a:lnRef idx="2">
+            <a:schemeClr val="accent1">
+              <a:shade val="15000"/>
+            </a:schemeClr>
+          </a:lnRef>
+          <a:fillRef idx="1">
+            <a:schemeClr val="accent1"/>
+          </a:fillRef>
+          <a:effectRef idx="0">
+            <a:schemeClr val="accent1"/>
+          </a:effectRef>
+          <a:fontRef idx="minor">
+            <a:schemeClr val="lt1"/>
+          </a:fontRef>
+        </p:style>
+        <p:txBody>
+          <a:bodyPr rtlCol="0" anchor="ctr"/>
+          <a:lstStyle/>
+          <a:p>
+            <a:pPr algn="ctr"/>
+            <a:endParaRPr lang="en-US"/>
+          </a:p>
+        </p:txBody>
+      </p:sp>
+      <p:sp>
+        <p:nvSpPr>
+          <p:cNvPr id="38" name="Oval 37">
+            <a:extLst>
+              <a:ext uri="{FF2B5EF4-FFF2-40B4-BE49-F238E27FC236}">
+                <a16:creationId xmlns:a16="http://schemas.microsoft.com/office/drawing/2014/main" id="{88B9B69F-02E9-C45D-74FF-AB22542142AD}"/>
+              </a:ext>
+            </a:extLst>
+          </p:cNvPr>
+          <p:cNvSpPr/>
+          <p:nvPr/>
+        </p:nvSpPr>
+        <p:spPr>
+          <a:xfrm>
+            <a:off x="5030571" y="3044650"/>
+            <a:ext cx="1017466" cy="1017466"/>
+          </a:xfrm>
+          <a:prstGeom prst="ellipse">
+            <a:avLst/>
+          </a:prstGeom>
+          <a:noFill/>
+          <a:ln>
+            <a:solidFill>
+              <a:schemeClr val="tx1"/>
+            </a:solidFill>
+          </a:ln>
+        </p:spPr>
+        <p:style>
+          <a:lnRef idx="2">
+            <a:schemeClr val="accent1">
+              <a:shade val="15000"/>
+            </a:schemeClr>
+          </a:lnRef>
+          <a:fillRef idx="1">
+            <a:schemeClr val="accent1"/>
+          </a:fillRef>
+          <a:effectRef idx="0">
+            <a:schemeClr val="accent1"/>
+          </a:effectRef>
+          <a:fontRef idx="minor">
+            <a:schemeClr val="lt1"/>
+          </a:fontRef>
+        </p:style>
+        <p:txBody>
+          <a:bodyPr rtlCol="0" anchor="ctr"/>
+          <a:lstStyle/>
+          <a:p>
+            <a:pPr algn="ctr"/>
+            <a:endParaRPr lang="en-US"/>
+          </a:p>
+        </p:txBody>
+      </p:sp>
+      <mc:AlternateContent xmlns:mc="http://schemas.openxmlformats.org/markup-compatibility/2006">
+        <mc:Choice xmlns:a14="http://schemas.microsoft.com/office/drawing/2010/main" Requires="a14">
+          <p:sp>
+            <p:nvSpPr>
+              <p:cNvPr id="39" name="TextBox 38">
+                <a:extLst>
+                  <a:ext uri="{FF2B5EF4-FFF2-40B4-BE49-F238E27FC236}">
+                    <a16:creationId xmlns:a16="http://schemas.microsoft.com/office/drawing/2014/main" id="{D3BAC5BE-0C58-34ED-7047-0A426334EA3F}"/>
+                  </a:ext>
+                </a:extLst>
+              </p:cNvPr>
+              <p:cNvSpPr txBox="1"/>
+              <p:nvPr/>
+            </p:nvSpPr>
+            <p:spPr>
+              <a:xfrm>
+                <a:off x="4567235" y="3034780"/>
+                <a:ext cx="340286" cy="307777"/>
+              </a:xfrm>
+              <a:prstGeom prst="rect">
+                <a:avLst/>
+              </a:prstGeom>
+              <a:noFill/>
+            </p:spPr>
+            <p:txBody>
+              <a:bodyPr wrap="none" rtlCol="0">
+                <a:spAutoFit/>
+              </a:bodyPr>
+              <a:lstStyle/>
+              <a:p>
+                <a14:m>
+                  <m:oMathPara xmlns:m="http://schemas.openxmlformats.org/officeDocument/2006/math">
+                    <m:oMathParaPr>
+                      <m:jc m:val="centerGroup"/>
+                    </m:oMathParaPr>
+                    <m:oMath xmlns:m="http://schemas.openxmlformats.org/officeDocument/2006/math">
+                      <m:r>
+                        <a:rPr lang="en-US" b="0" i="1" smtClean="0">
+                          <a:latin typeface="Cambria Math" panose="02040503050406030204" pitchFamily="18" charset="0"/>
+                          <a:cs typeface="Calibri" panose="020F0502020204030204" pitchFamily="34" charset="0"/>
+                        </a:rPr>
+                        <m:t>𝐴</m:t>
+                      </m:r>
+                    </m:oMath>
+                  </m:oMathPara>
+                </a14:m>
+                <a:endParaRPr lang="en-US" dirty="0">
+                  <a:latin typeface="Calibri" panose="020F0502020204030204" pitchFamily="34" charset="0"/>
+                  <a:cs typeface="Calibri" panose="020F0502020204030204" pitchFamily="34" charset="0"/>
+                </a:endParaRPr>
+              </a:p>
+            </p:txBody>
+          </p:sp>
+        </mc:Choice>
+        <mc:Fallback>
+          <p:sp>
+            <p:nvSpPr>
+              <p:cNvPr id="39" name="TextBox 38">
+                <a:extLst>
+                  <a:ext uri="{FF2B5EF4-FFF2-40B4-BE49-F238E27FC236}">
+                    <a16:creationId xmlns:a16="http://schemas.microsoft.com/office/drawing/2014/main" id="{D3BAC5BE-0C58-34ED-7047-0A426334EA3F}"/>
+                  </a:ext>
+                </a:extLst>
+              </p:cNvPr>
+              <p:cNvSpPr txBox="1">
+                <a:spLocks noRot="1" noChangeAspect="1" noMove="1" noResize="1" noEditPoints="1" noAdjustHandles="1" noChangeArrowheads="1" noChangeShapeType="1" noTextEdit="1"/>
+              </p:cNvSpPr>
+              <p:nvPr/>
+            </p:nvSpPr>
+            <p:spPr>
+              <a:xfrm>
+                <a:off x="4567235" y="3034780"/>
+                <a:ext cx="340286" cy="307777"/>
+              </a:xfrm>
+              <a:prstGeom prst="rect">
+                <a:avLst/>
+              </a:prstGeom>
+              <a:blipFill>
+                <a:blip r:embed="rId6"/>
+                <a:stretch>
+                  <a:fillRect/>
+                </a:stretch>
+              </a:blipFill>
+            </p:spPr>
+            <p:txBody>
+              <a:bodyPr/>
+              <a:lstStyle/>
+              <a:p>
+                <a:r>
+                  <a:rPr lang="en-US">
+                    <a:noFill/>
+                  </a:rPr>
+                  <a:t> </a:t>
+                </a:r>
+              </a:p>
+            </p:txBody>
+          </p:sp>
+        </mc:Fallback>
+      </mc:AlternateContent>
+      <mc:AlternateContent xmlns:mc="http://schemas.openxmlformats.org/markup-compatibility/2006">
+        <mc:Choice xmlns:a14="http://schemas.microsoft.com/office/drawing/2010/main" Requires="a14">
+          <p:sp>
+            <p:nvSpPr>
+              <p:cNvPr id="43" name="TextBox 42">
+                <a:extLst>
+                  <a:ext uri="{FF2B5EF4-FFF2-40B4-BE49-F238E27FC236}">
+                    <a16:creationId xmlns:a16="http://schemas.microsoft.com/office/drawing/2014/main" id="{D660BFF3-4CDE-82CE-2147-F8A9640A1E25}"/>
+                  </a:ext>
+                </a:extLst>
+              </p:cNvPr>
+              <p:cNvSpPr txBox="1"/>
+              <p:nvPr/>
+            </p:nvSpPr>
+            <p:spPr>
+              <a:xfrm>
+                <a:off x="5355057" y="3044650"/>
+                <a:ext cx="348172" cy="307777"/>
+              </a:xfrm>
+              <a:prstGeom prst="rect">
+                <a:avLst/>
+              </a:prstGeom>
+              <a:noFill/>
+            </p:spPr>
+            <p:txBody>
+              <a:bodyPr wrap="none" rtlCol="0">
+                <a:spAutoFit/>
+              </a:bodyPr>
+              <a:lstStyle/>
+              <a:p>
+                <a14:m>
+                  <m:oMathPara xmlns:m="http://schemas.openxmlformats.org/officeDocument/2006/math">
+                    <m:oMathParaPr>
+                      <m:jc m:val="centerGroup"/>
+                    </m:oMathParaPr>
+                    <m:oMath xmlns:m="http://schemas.openxmlformats.org/officeDocument/2006/math">
+                      <m:r>
+                        <a:rPr lang="en-US" b="0" i="1" smtClean="0">
+                          <a:latin typeface="Cambria Math" panose="02040503050406030204" pitchFamily="18" charset="0"/>
+                          <a:cs typeface="Calibri" panose="020F0502020204030204" pitchFamily="34" charset="0"/>
+                        </a:rPr>
+                        <m:t>𝐵</m:t>
+                      </m:r>
+                    </m:oMath>
+                  </m:oMathPara>
+                </a14:m>
+                <a:endParaRPr lang="en-US" dirty="0">
+                  <a:latin typeface="Calibri" panose="020F0502020204030204" pitchFamily="34" charset="0"/>
+                  <a:cs typeface="Calibri" panose="020F0502020204030204" pitchFamily="34" charset="0"/>
+                </a:endParaRPr>
+              </a:p>
+            </p:txBody>
+          </p:sp>
+        </mc:Choice>
+        <mc:Fallback>
+          <p:sp>
+            <p:nvSpPr>
+              <p:cNvPr id="43" name="TextBox 42">
+                <a:extLst>
+                  <a:ext uri="{FF2B5EF4-FFF2-40B4-BE49-F238E27FC236}">
+                    <a16:creationId xmlns:a16="http://schemas.microsoft.com/office/drawing/2014/main" id="{D660BFF3-4CDE-82CE-2147-F8A9640A1E25}"/>
+                  </a:ext>
+                </a:extLst>
+              </p:cNvPr>
+              <p:cNvSpPr txBox="1">
+                <a:spLocks noRot="1" noChangeAspect="1" noMove="1" noResize="1" noEditPoints="1" noAdjustHandles="1" noChangeArrowheads="1" noChangeShapeType="1" noTextEdit="1"/>
+              </p:cNvSpPr>
+              <p:nvPr/>
+            </p:nvSpPr>
+            <p:spPr>
+              <a:xfrm>
+                <a:off x="5355057" y="3044650"/>
+                <a:ext cx="348172" cy="307777"/>
+              </a:xfrm>
+              <a:prstGeom prst="rect">
+                <a:avLst/>
+              </a:prstGeom>
+              <a:blipFill>
+                <a:blip r:embed="rId7"/>
+                <a:stretch>
+                  <a:fillRect/>
+                </a:stretch>
+              </a:blipFill>
+            </p:spPr>
+            <p:txBody>
+              <a:bodyPr/>
+              <a:lstStyle/>
+              <a:p>
+                <a:r>
+                  <a:rPr lang="en-US">
+                    <a:noFill/>
+                  </a:rPr>
+                  <a:t> </a:t>
+                </a:r>
+              </a:p>
+            </p:txBody>
+          </p:sp>
+        </mc:Fallback>
+      </mc:AlternateContent>
+      <mc:AlternateContent xmlns:mc="http://schemas.openxmlformats.org/markup-compatibility/2006">
+        <mc:Choice xmlns:a14="http://schemas.microsoft.com/office/drawing/2010/main" Requires="a14">
+          <p:sp>
+            <p:nvSpPr>
+              <p:cNvPr id="58" name="TextBox 57">
+                <a:extLst>
+                  <a:ext uri="{FF2B5EF4-FFF2-40B4-BE49-F238E27FC236}">
+                    <a16:creationId xmlns:a16="http://schemas.microsoft.com/office/drawing/2014/main" id="{313271BE-7F29-EC8C-52BE-99A43FEDD1A6}"/>
+                  </a:ext>
+                </a:extLst>
+              </p:cNvPr>
+              <p:cNvSpPr txBox="1"/>
+              <p:nvPr/>
+            </p:nvSpPr>
+            <p:spPr>
+              <a:xfrm>
+                <a:off x="4567235" y="1291042"/>
+                <a:ext cx="340286" cy="307777"/>
+              </a:xfrm>
+              <a:prstGeom prst="rect">
+                <a:avLst/>
+              </a:prstGeom>
+              <a:noFill/>
+            </p:spPr>
+            <p:txBody>
+              <a:bodyPr wrap="none" rtlCol="0">
+                <a:spAutoFit/>
+              </a:bodyPr>
+              <a:lstStyle/>
+              <a:p>
+                <a14:m>
+                  <m:oMathPara xmlns:m="http://schemas.openxmlformats.org/officeDocument/2006/math">
+                    <m:oMathParaPr>
+                      <m:jc m:val="centerGroup"/>
+                    </m:oMathParaPr>
+                    <m:oMath xmlns:m="http://schemas.openxmlformats.org/officeDocument/2006/math">
+                      <m:r>
+                        <a:rPr lang="en-US" b="0" i="1" smtClean="0">
+                          <a:latin typeface="Cambria Math" panose="02040503050406030204" pitchFamily="18" charset="0"/>
+                          <a:cs typeface="Calibri" panose="020F0502020204030204" pitchFamily="34" charset="0"/>
+                        </a:rPr>
+                        <m:t>𝐴</m:t>
+                      </m:r>
+                    </m:oMath>
+                  </m:oMathPara>
+                </a14:m>
+                <a:endParaRPr lang="en-US" dirty="0">
+                  <a:latin typeface="Calibri" panose="020F0502020204030204" pitchFamily="34" charset="0"/>
+                  <a:cs typeface="Calibri" panose="020F0502020204030204" pitchFamily="34" charset="0"/>
+                </a:endParaRPr>
+              </a:p>
+            </p:txBody>
+          </p:sp>
+        </mc:Choice>
+        <mc:Fallback>
+          <p:sp>
+            <p:nvSpPr>
+              <p:cNvPr id="58" name="TextBox 57">
+                <a:extLst>
+                  <a:ext uri="{FF2B5EF4-FFF2-40B4-BE49-F238E27FC236}">
+                    <a16:creationId xmlns:a16="http://schemas.microsoft.com/office/drawing/2014/main" id="{313271BE-7F29-EC8C-52BE-99A43FEDD1A6}"/>
+                  </a:ext>
+                </a:extLst>
+              </p:cNvPr>
+              <p:cNvSpPr txBox="1">
+                <a:spLocks noRot="1" noChangeAspect="1" noMove="1" noResize="1" noEditPoints="1" noAdjustHandles="1" noChangeArrowheads="1" noChangeShapeType="1" noTextEdit="1"/>
+              </p:cNvSpPr>
+              <p:nvPr/>
+            </p:nvSpPr>
+            <p:spPr>
+              <a:xfrm>
+                <a:off x="4567235" y="1291042"/>
+                <a:ext cx="340286" cy="307777"/>
+              </a:xfrm>
+              <a:prstGeom prst="rect">
+                <a:avLst/>
+              </a:prstGeom>
+              <a:blipFill>
+                <a:blip r:embed="rId8"/>
+                <a:stretch>
+                  <a:fillRect/>
+                </a:stretch>
+              </a:blipFill>
+            </p:spPr>
+            <p:txBody>
+              <a:bodyPr/>
+              <a:lstStyle/>
+              <a:p>
+                <a:r>
+                  <a:rPr lang="en-US">
+                    <a:noFill/>
+                  </a:rPr>
+                  <a:t> </a:t>
+                </a:r>
+              </a:p>
+            </p:txBody>
+          </p:sp>
+        </mc:Fallback>
+      </mc:AlternateContent>
+      <mc:AlternateContent xmlns:mc="http://schemas.openxmlformats.org/markup-compatibility/2006">
+        <mc:Choice xmlns:a14="http://schemas.microsoft.com/office/drawing/2010/main" Requires="a14">
+          <p:sp>
+            <p:nvSpPr>
+              <p:cNvPr id="59" name="TextBox 58">
+                <a:extLst>
+                  <a:ext uri="{FF2B5EF4-FFF2-40B4-BE49-F238E27FC236}">
+                    <a16:creationId xmlns:a16="http://schemas.microsoft.com/office/drawing/2014/main" id="{BD0C0DDC-F181-90DA-E905-7669F36F176A}"/>
+                  </a:ext>
+                </a:extLst>
+              </p:cNvPr>
+              <p:cNvSpPr txBox="1"/>
+              <p:nvPr/>
+            </p:nvSpPr>
+            <p:spPr>
+              <a:xfrm>
+                <a:off x="5355057" y="1300912"/>
+                <a:ext cx="348172" cy="307777"/>
+              </a:xfrm>
+              <a:prstGeom prst="rect">
+                <a:avLst/>
+              </a:prstGeom>
+              <a:noFill/>
+            </p:spPr>
+            <p:txBody>
+              <a:bodyPr wrap="none" rtlCol="0">
+                <a:spAutoFit/>
+              </a:bodyPr>
+              <a:lstStyle/>
+              <a:p>
+                <a14:m>
+                  <m:oMathPara xmlns:m="http://schemas.openxmlformats.org/officeDocument/2006/math">
+                    <m:oMathParaPr>
+                      <m:jc m:val="centerGroup"/>
+                    </m:oMathParaPr>
+                    <m:oMath xmlns:m="http://schemas.openxmlformats.org/officeDocument/2006/math">
+                      <m:r>
+                        <a:rPr lang="en-US" b="0" i="1" smtClean="0">
+                          <a:latin typeface="Cambria Math" panose="02040503050406030204" pitchFamily="18" charset="0"/>
+                          <a:cs typeface="Calibri" panose="020F0502020204030204" pitchFamily="34" charset="0"/>
+                        </a:rPr>
+                        <m:t>𝐵</m:t>
+                      </m:r>
+                    </m:oMath>
+                  </m:oMathPara>
+                </a14:m>
+                <a:endParaRPr lang="en-US" dirty="0">
+                  <a:latin typeface="Calibri" panose="020F0502020204030204" pitchFamily="34" charset="0"/>
+                  <a:cs typeface="Calibri" panose="020F0502020204030204" pitchFamily="34" charset="0"/>
+                </a:endParaRPr>
+              </a:p>
+            </p:txBody>
+          </p:sp>
+        </mc:Choice>
+        <mc:Fallback>
+          <p:sp>
+            <p:nvSpPr>
+              <p:cNvPr id="59" name="TextBox 58">
+                <a:extLst>
+                  <a:ext uri="{FF2B5EF4-FFF2-40B4-BE49-F238E27FC236}">
+                    <a16:creationId xmlns:a16="http://schemas.microsoft.com/office/drawing/2014/main" id="{BD0C0DDC-F181-90DA-E905-7669F36F176A}"/>
+                  </a:ext>
+                </a:extLst>
+              </p:cNvPr>
+              <p:cNvSpPr txBox="1">
+                <a:spLocks noRot="1" noChangeAspect="1" noMove="1" noResize="1" noEditPoints="1" noAdjustHandles="1" noChangeArrowheads="1" noChangeShapeType="1" noTextEdit="1"/>
+              </p:cNvSpPr>
+              <p:nvPr/>
+            </p:nvSpPr>
+            <p:spPr>
+              <a:xfrm>
+                <a:off x="5355057" y="1300912"/>
+                <a:ext cx="348172" cy="307777"/>
+              </a:xfrm>
+              <a:prstGeom prst="rect">
+                <a:avLst/>
+              </a:prstGeom>
+              <a:blipFill>
+                <a:blip r:embed="rId9"/>
+                <a:stretch>
+                  <a:fillRect/>
+                </a:stretch>
+              </a:blipFill>
+            </p:spPr>
+            <p:txBody>
+              <a:bodyPr/>
+              <a:lstStyle/>
+              <a:p>
+                <a:r>
+                  <a:rPr lang="en-US">
+                    <a:noFill/>
+                  </a:rPr>
+                  <a:t> </a:t>
+                </a:r>
+              </a:p>
+            </p:txBody>
+          </p:sp>
+        </mc:Fallback>
+      </mc:AlternateContent>
+      <mc:AlternateContent xmlns:mc="http://schemas.openxmlformats.org/markup-compatibility/2006">
+        <mc:Choice xmlns:a14="http://schemas.microsoft.com/office/drawing/2010/main" Requires="a14">
+          <p:sp>
+            <p:nvSpPr>
+              <p:cNvPr id="66" name="TextBox 65">
+                <a:extLst>
+                  <a:ext uri="{FF2B5EF4-FFF2-40B4-BE49-F238E27FC236}">
+                    <a16:creationId xmlns:a16="http://schemas.microsoft.com/office/drawing/2014/main" id="{F06DA49F-4A11-F98D-B749-71B1B3AA8098}"/>
+                  </a:ext>
+                </a:extLst>
+              </p:cNvPr>
+              <p:cNvSpPr txBox="1"/>
+              <p:nvPr/>
+            </p:nvSpPr>
+            <p:spPr>
+              <a:xfrm>
+                <a:off x="4836274" y="2421271"/>
+                <a:ext cx="664093" cy="307777"/>
+              </a:xfrm>
+              <a:prstGeom prst="rect">
+                <a:avLst/>
+              </a:prstGeom>
+              <a:noFill/>
+            </p:spPr>
+            <p:txBody>
+              <a:bodyPr wrap="none" rtlCol="0">
+                <a:spAutoFit/>
+              </a:bodyPr>
+              <a:lstStyle/>
+              <a:p>
+                <a14:m>
+                  <m:oMathPara xmlns:m="http://schemas.openxmlformats.org/officeDocument/2006/math">
+                    <m:oMathParaPr>
+                      <m:jc m:val="centerGroup"/>
+                    </m:oMathParaPr>
+                    <m:oMath xmlns:m="http://schemas.openxmlformats.org/officeDocument/2006/math">
+                      <m:r>
+                        <m:rPr>
+                          <m:sty m:val="p"/>
+                        </m:rPr>
+                        <a:rPr lang="en-US" b="0" i="0" smtClean="0">
+                          <a:latin typeface="Cambria Math" panose="02040503050406030204" pitchFamily="18" charset="0"/>
+                          <a:cs typeface="Calibri" panose="020F0502020204030204" pitchFamily="34" charset="0"/>
+                        </a:rPr>
+                        <m:t>Pr</m:t>
+                      </m:r>
+                      <m:r>
+                        <a:rPr lang="en-US" b="0" i="1" smtClean="0">
+                          <a:latin typeface="Cambria Math" panose="02040503050406030204" pitchFamily="18" charset="0"/>
+                          <a:cs typeface="Calibri" panose="020F0502020204030204" pitchFamily="34" charset="0"/>
+                        </a:rPr>
+                        <m:t>⁡(</m:t>
+                      </m:r>
+                      <m:r>
+                        <a:rPr lang="en-US" b="0" i="1" smtClean="0">
+                          <a:latin typeface="Cambria Math" panose="02040503050406030204" pitchFamily="18" charset="0"/>
+                          <a:cs typeface="Calibri" panose="020F0502020204030204" pitchFamily="34" charset="0"/>
+                        </a:rPr>
+                        <m:t>𝐴</m:t>
+                      </m:r>
+                      <m:r>
+                        <a:rPr lang="en-US" b="0" i="1" smtClean="0">
+                          <a:latin typeface="Cambria Math" panose="02040503050406030204" pitchFamily="18" charset="0"/>
+                          <a:cs typeface="Calibri" panose="020F0502020204030204" pitchFamily="34" charset="0"/>
+                        </a:rPr>
+                        <m:t>)</m:t>
+                      </m:r>
+                    </m:oMath>
+                  </m:oMathPara>
+                </a14:m>
+                <a:endParaRPr lang="en-US" dirty="0">
+                  <a:latin typeface="Calibri" panose="020F0502020204030204" pitchFamily="34" charset="0"/>
+                  <a:cs typeface="Calibri" panose="020F0502020204030204" pitchFamily="34" charset="0"/>
+                </a:endParaRPr>
+              </a:p>
+            </p:txBody>
+          </p:sp>
+        </mc:Choice>
+        <mc:Fallback>
+          <p:sp>
+            <p:nvSpPr>
+              <p:cNvPr id="66" name="TextBox 65">
+                <a:extLst>
+                  <a:ext uri="{FF2B5EF4-FFF2-40B4-BE49-F238E27FC236}">
+                    <a16:creationId xmlns:a16="http://schemas.microsoft.com/office/drawing/2014/main" id="{F06DA49F-4A11-F98D-B749-71B1B3AA8098}"/>
+                  </a:ext>
+                </a:extLst>
+              </p:cNvPr>
+              <p:cNvSpPr txBox="1">
+                <a:spLocks noRot="1" noChangeAspect="1" noMove="1" noResize="1" noEditPoints="1" noAdjustHandles="1" noChangeArrowheads="1" noChangeShapeType="1" noTextEdit="1"/>
+              </p:cNvSpPr>
+              <p:nvPr/>
+            </p:nvSpPr>
+            <p:spPr>
+              <a:xfrm>
+                <a:off x="4836274" y="2421271"/>
+                <a:ext cx="664093" cy="307777"/>
+              </a:xfrm>
+              <a:prstGeom prst="rect">
+                <a:avLst/>
+              </a:prstGeom>
+              <a:blipFill>
+                <a:blip r:embed="rId10"/>
+                <a:stretch>
+                  <a:fillRect b="-7692"/>
+                </a:stretch>
+              </a:blipFill>
+            </p:spPr>
+            <p:txBody>
+              <a:bodyPr/>
+              <a:lstStyle/>
+              <a:p>
+                <a:r>
+                  <a:rPr lang="en-US">
+                    <a:noFill/>
+                  </a:rPr>
+                  <a:t> </a:t>
+                </a:r>
+              </a:p>
+            </p:txBody>
+          </p:sp>
+        </mc:Fallback>
+      </mc:AlternateContent>
+      <mc:AlternateContent xmlns:mc="http://schemas.openxmlformats.org/markup-compatibility/2006">
+        <mc:Choice xmlns:a14="http://schemas.microsoft.com/office/drawing/2010/main" Requires="a14">
+          <p:sp>
+            <p:nvSpPr>
+              <p:cNvPr id="67" name="TextBox 66">
+                <a:extLst>
+                  <a:ext uri="{FF2B5EF4-FFF2-40B4-BE49-F238E27FC236}">
+                    <a16:creationId xmlns:a16="http://schemas.microsoft.com/office/drawing/2014/main" id="{79D8D2EF-E1D0-05E4-9F15-6E136B24067A}"/>
+                  </a:ext>
+                </a:extLst>
+              </p:cNvPr>
+              <p:cNvSpPr txBox="1"/>
+              <p:nvPr/>
+            </p:nvSpPr>
+            <p:spPr>
+              <a:xfrm>
+                <a:off x="2068243" y="4146805"/>
+                <a:ext cx="989117" cy="307777"/>
+              </a:xfrm>
+              <a:prstGeom prst="rect">
+                <a:avLst/>
+              </a:prstGeom>
+              <a:noFill/>
+            </p:spPr>
+            <p:txBody>
+              <a:bodyPr wrap="none" rtlCol="0">
+                <a:spAutoFit/>
+              </a:bodyPr>
+              <a:lstStyle/>
+              <a:p>
+                <a14:m>
+                  <m:oMathPara xmlns:m="http://schemas.openxmlformats.org/officeDocument/2006/math">
+                    <m:oMathParaPr>
+                      <m:jc m:val="centerGroup"/>
+                    </m:oMathParaPr>
+                    <m:oMath xmlns:m="http://schemas.openxmlformats.org/officeDocument/2006/math">
+                      <m:r>
+                        <m:rPr>
+                          <m:sty m:val="p"/>
+                        </m:rPr>
+                        <a:rPr lang="en-US" b="0" i="0" smtClean="0">
+                          <a:latin typeface="Cambria Math" panose="02040503050406030204" pitchFamily="18" charset="0"/>
+                          <a:cs typeface="Calibri" panose="020F0502020204030204" pitchFamily="34" charset="0"/>
+                        </a:rPr>
+                        <m:t>Pr</m:t>
+                      </m:r>
+                      <m:r>
+                        <a:rPr lang="en-US" b="0" i="1" smtClean="0">
+                          <a:latin typeface="Cambria Math" panose="02040503050406030204" pitchFamily="18" charset="0"/>
+                          <a:cs typeface="Calibri" panose="020F0502020204030204" pitchFamily="34" charset="0"/>
+                        </a:rPr>
+                        <m:t>⁡(</m:t>
+                      </m:r>
+                      <m:r>
+                        <a:rPr lang="en-US" b="0" i="1" smtClean="0">
+                          <a:latin typeface="Cambria Math" panose="02040503050406030204" pitchFamily="18" charset="0"/>
+                          <a:cs typeface="Calibri" panose="020F0502020204030204" pitchFamily="34" charset="0"/>
+                        </a:rPr>
+                        <m:t>𝐴</m:t>
+                      </m:r>
+                      <m:r>
+                        <a:rPr lang="en-US" b="0" i="1" smtClean="0">
+                          <a:latin typeface="Cambria Math" panose="02040503050406030204" pitchFamily="18" charset="0"/>
+                          <a:cs typeface="Calibri" panose="020F0502020204030204" pitchFamily="34" charset="0"/>
+                        </a:rPr>
+                        <m:t>∪</m:t>
+                      </m:r>
+                      <m:r>
+                        <a:rPr lang="en-US" b="0" i="1" smtClean="0">
+                          <a:latin typeface="Cambria Math" panose="02040503050406030204" pitchFamily="18" charset="0"/>
+                          <a:cs typeface="Calibri" panose="020F0502020204030204" pitchFamily="34" charset="0"/>
+                        </a:rPr>
+                        <m:t>𝐵</m:t>
+                      </m:r>
+                      <m:r>
+                        <a:rPr lang="en-US" b="0" i="1" smtClean="0">
+                          <a:latin typeface="Cambria Math" panose="02040503050406030204" pitchFamily="18" charset="0"/>
+                          <a:cs typeface="Calibri" panose="020F0502020204030204" pitchFamily="34" charset="0"/>
+                        </a:rPr>
+                        <m:t>)</m:t>
+                      </m:r>
+                    </m:oMath>
+                  </m:oMathPara>
+                </a14:m>
+                <a:endParaRPr lang="en-US" dirty="0">
+                  <a:latin typeface="Calibri" panose="020F0502020204030204" pitchFamily="34" charset="0"/>
+                  <a:cs typeface="Calibri" panose="020F0502020204030204" pitchFamily="34" charset="0"/>
+                </a:endParaRPr>
+              </a:p>
+            </p:txBody>
+          </p:sp>
+        </mc:Choice>
+        <mc:Fallback>
+          <p:sp>
+            <p:nvSpPr>
+              <p:cNvPr id="67" name="TextBox 66">
+                <a:extLst>
+                  <a:ext uri="{FF2B5EF4-FFF2-40B4-BE49-F238E27FC236}">
+                    <a16:creationId xmlns:a16="http://schemas.microsoft.com/office/drawing/2014/main" id="{79D8D2EF-E1D0-05E4-9F15-6E136B24067A}"/>
+                  </a:ext>
+                </a:extLst>
+              </p:cNvPr>
+              <p:cNvSpPr txBox="1">
+                <a:spLocks noRot="1" noChangeAspect="1" noMove="1" noResize="1" noEditPoints="1" noAdjustHandles="1" noChangeArrowheads="1" noChangeShapeType="1" noTextEdit="1"/>
+              </p:cNvSpPr>
+              <p:nvPr/>
+            </p:nvSpPr>
+            <p:spPr>
+              <a:xfrm>
+                <a:off x="2068243" y="4146805"/>
+                <a:ext cx="989117" cy="307777"/>
+              </a:xfrm>
+              <a:prstGeom prst="rect">
+                <a:avLst/>
+              </a:prstGeom>
+              <a:blipFill>
+                <a:blip r:embed="rId11"/>
+                <a:stretch>
+                  <a:fillRect b="-12000"/>
+                </a:stretch>
+              </a:blipFill>
+            </p:spPr>
+            <p:txBody>
+              <a:bodyPr/>
+              <a:lstStyle/>
+              <a:p>
+                <a:r>
+                  <a:rPr lang="en-US">
+                    <a:noFill/>
+                  </a:rPr>
+                  <a:t> </a:t>
+                </a:r>
+              </a:p>
+            </p:txBody>
+          </p:sp>
+        </mc:Fallback>
+      </mc:AlternateContent>
+      <mc:AlternateContent xmlns:mc="http://schemas.openxmlformats.org/markup-compatibility/2006">
+        <mc:Choice xmlns:a14="http://schemas.microsoft.com/office/drawing/2010/main" Requires="a14">
+          <p:sp>
+            <p:nvSpPr>
+              <p:cNvPr id="68" name="TextBox 67">
+                <a:extLst>
+                  <a:ext uri="{FF2B5EF4-FFF2-40B4-BE49-F238E27FC236}">
+                    <a16:creationId xmlns:a16="http://schemas.microsoft.com/office/drawing/2014/main" id="{02A8B3B3-6EB3-EBAB-8C49-F2BD06C71518}"/>
+                  </a:ext>
+                </a:extLst>
+              </p:cNvPr>
+              <p:cNvSpPr txBox="1"/>
+              <p:nvPr/>
+            </p:nvSpPr>
+            <p:spPr>
+              <a:xfrm>
+                <a:off x="4673761" y="4154902"/>
+                <a:ext cx="989117" cy="307777"/>
+              </a:xfrm>
+              <a:prstGeom prst="rect">
+                <a:avLst/>
+              </a:prstGeom>
+              <a:noFill/>
+            </p:spPr>
+            <p:txBody>
+              <a:bodyPr wrap="none" rtlCol="0">
+                <a:spAutoFit/>
+              </a:bodyPr>
+              <a:lstStyle/>
+              <a:p>
+                <a14:m>
+                  <m:oMathPara xmlns:m="http://schemas.openxmlformats.org/officeDocument/2006/math">
+                    <m:oMathParaPr>
+                      <m:jc m:val="centerGroup"/>
+                    </m:oMathParaPr>
+                    <m:oMath xmlns:m="http://schemas.openxmlformats.org/officeDocument/2006/math">
+                      <m:r>
+                        <m:rPr>
+                          <m:sty m:val="p"/>
+                        </m:rPr>
+                        <a:rPr lang="en-US" b="0" i="0" smtClean="0">
+                          <a:latin typeface="Cambria Math" panose="02040503050406030204" pitchFamily="18" charset="0"/>
+                          <a:cs typeface="Calibri" panose="020F0502020204030204" pitchFamily="34" charset="0"/>
+                        </a:rPr>
+                        <m:t>Pr</m:t>
+                      </m:r>
+                      <m:r>
+                        <a:rPr lang="en-US" b="0" i="1" smtClean="0">
+                          <a:latin typeface="Cambria Math" panose="02040503050406030204" pitchFamily="18" charset="0"/>
+                          <a:cs typeface="Calibri" panose="020F0502020204030204" pitchFamily="34" charset="0"/>
+                        </a:rPr>
+                        <m:t>⁡(</m:t>
+                      </m:r>
+                      <m:r>
+                        <a:rPr lang="en-US" b="0" i="1" smtClean="0">
+                          <a:latin typeface="Cambria Math" panose="02040503050406030204" pitchFamily="18" charset="0"/>
+                          <a:cs typeface="Calibri" panose="020F0502020204030204" pitchFamily="34" charset="0"/>
+                        </a:rPr>
+                        <m:t>𝐴</m:t>
+                      </m:r>
+                      <m:r>
+                        <a:rPr lang="en-US" b="0" i="1" smtClean="0">
+                          <a:latin typeface="Cambria Math" panose="02040503050406030204" pitchFamily="18" charset="0"/>
+                          <a:cs typeface="Calibri" panose="020F0502020204030204" pitchFamily="34" charset="0"/>
+                        </a:rPr>
+                        <m:t>∩</m:t>
+                      </m:r>
+                      <m:r>
+                        <a:rPr lang="en-US" b="0" i="1" smtClean="0">
+                          <a:latin typeface="Cambria Math" panose="02040503050406030204" pitchFamily="18" charset="0"/>
+                          <a:cs typeface="Calibri" panose="020F0502020204030204" pitchFamily="34" charset="0"/>
+                        </a:rPr>
+                        <m:t>𝐵</m:t>
+                      </m:r>
+                      <m:r>
+                        <a:rPr lang="en-US" b="0" i="1" smtClean="0">
+                          <a:latin typeface="Cambria Math" panose="02040503050406030204" pitchFamily="18" charset="0"/>
+                          <a:cs typeface="Calibri" panose="020F0502020204030204" pitchFamily="34" charset="0"/>
+                        </a:rPr>
+                        <m:t>)</m:t>
+                      </m:r>
+                    </m:oMath>
+                  </m:oMathPara>
+                </a14:m>
+                <a:endParaRPr lang="en-US" dirty="0">
+                  <a:latin typeface="Calibri" panose="020F0502020204030204" pitchFamily="34" charset="0"/>
+                  <a:cs typeface="Calibri" panose="020F0502020204030204" pitchFamily="34" charset="0"/>
+                </a:endParaRPr>
+              </a:p>
+            </p:txBody>
+          </p:sp>
+        </mc:Choice>
+        <mc:Fallback>
+          <p:sp>
+            <p:nvSpPr>
+              <p:cNvPr id="68" name="TextBox 67">
+                <a:extLst>
+                  <a:ext uri="{FF2B5EF4-FFF2-40B4-BE49-F238E27FC236}">
+                    <a16:creationId xmlns:a16="http://schemas.microsoft.com/office/drawing/2014/main" id="{02A8B3B3-6EB3-EBAB-8C49-F2BD06C71518}"/>
+                  </a:ext>
+                </a:extLst>
+              </p:cNvPr>
+              <p:cNvSpPr txBox="1">
+                <a:spLocks noRot="1" noChangeAspect="1" noMove="1" noResize="1" noEditPoints="1" noAdjustHandles="1" noChangeArrowheads="1" noChangeShapeType="1" noTextEdit="1"/>
+              </p:cNvSpPr>
+              <p:nvPr/>
+            </p:nvSpPr>
+            <p:spPr>
+              <a:xfrm>
+                <a:off x="4673761" y="4154902"/>
+                <a:ext cx="989117" cy="307777"/>
+              </a:xfrm>
+              <a:prstGeom prst="rect">
+                <a:avLst/>
+              </a:prstGeom>
+              <a:blipFill>
+                <a:blip r:embed="rId12"/>
+                <a:stretch>
+                  <a:fillRect b="-12000"/>
+                </a:stretch>
+              </a:blipFill>
+            </p:spPr>
+            <p:txBody>
+              <a:bodyPr/>
+              <a:lstStyle/>
+              <a:p>
+                <a:r>
+                  <a:rPr lang="en-US">
+                    <a:noFill/>
+                  </a:rPr>
+                  <a:t> </a:t>
+                </a:r>
+              </a:p>
+            </p:txBody>
+          </p:sp>
+        </mc:Fallback>
+      </mc:AlternateContent>
+    </p:spTree>
+    <p:extLst>
+      <p:ext uri="{BB962C8B-B14F-4D97-AF65-F5344CB8AC3E}">
+        <p14:creationId xmlns:p14="http://schemas.microsoft.com/office/powerpoint/2010/main" val="511849864"/>
       </p:ext>
     </p:extLst>
   </p:cSld>

--- a/notes/images.pptx
+++ b/notes/images.pptx
@@ -5,13 +5,14 @@
     <p:sldMasterId id="2147483659" r:id="rId1"/>
   </p:sldMasterIdLst>
   <p:notesMasterIdLst>
-    <p:notesMasterId r:id="rId6"/>
+    <p:notesMasterId r:id="rId7"/>
   </p:notesMasterIdLst>
   <p:sldIdLst>
     <p:sldId id="257" r:id="rId2"/>
     <p:sldId id="258" r:id="rId3"/>
     <p:sldId id="259" r:id="rId4"/>
     <p:sldId id="260" r:id="rId5"/>
+    <p:sldId id="261" r:id="rId6"/>
   </p:sldIdLst>
   <p:sldSz cx="9144000" cy="5143500" type="screen16x9"/>
   <p:notesSz cx="6858000" cy="9144000"/>
@@ -10172,8 +10173,8 @@
           </a:p>
         </p:txBody>
       </p:sp>
-      <mc:AlternateContent xmlns:mc="http://schemas.openxmlformats.org/markup-compatibility/2006">
-        <mc:Choice xmlns:a14="http://schemas.microsoft.com/office/drawing/2010/main" Requires="a14">
+      <mc:AlternateContent xmlns:mc="http://schemas.openxmlformats.org/markup-compatibility/2006" xmlns:a14="http://schemas.microsoft.com/office/drawing/2010/main">
+        <mc:Choice Requires="a14">
           <p:sp>
             <p:nvSpPr>
               <p:cNvPr id="13" name="TextBox 12">
@@ -10202,6 +10203,7 @@
               </a:bodyPr>
               <a:lstStyle/>
               <a:p>
+                <a:pPr/>
                 <a14:m>
                   <m:oMathPara xmlns:m="http://schemas.openxmlformats.org/officeDocument/2006/math">
                     <m:oMathParaPr>
@@ -10226,7 +10228,7 @@
             </p:txBody>
           </p:sp>
         </mc:Choice>
-        <mc:Fallback>
+        <mc:Fallback xmlns="">
           <p:sp>
             <p:nvSpPr>
               <p:cNvPr id="13" name="TextBox 12">
@@ -10271,8 +10273,8 @@
           </p:sp>
         </mc:Fallback>
       </mc:AlternateContent>
-      <mc:AlternateContent xmlns:mc="http://schemas.openxmlformats.org/markup-compatibility/2006">
-        <mc:Choice xmlns:a14="http://schemas.microsoft.com/office/drawing/2010/main" Requires="a14">
+      <mc:AlternateContent xmlns:mc="http://schemas.openxmlformats.org/markup-compatibility/2006" xmlns:a14="http://schemas.microsoft.com/office/drawing/2010/main">
+        <mc:Choice Requires="a14">
           <p:sp>
             <p:nvSpPr>
               <p:cNvPr id="14" name="TextBox 13">
@@ -10301,6 +10303,7 @@
               </a:bodyPr>
               <a:lstStyle/>
               <a:p>
+                <a:pPr/>
                 <a14:m>
                   <m:oMathPara xmlns:m="http://schemas.openxmlformats.org/officeDocument/2006/math">
                     <m:oMathParaPr>
@@ -10325,7 +10328,7 @@
             </p:txBody>
           </p:sp>
         </mc:Choice>
-        <mc:Fallback>
+        <mc:Fallback xmlns="">
           <p:sp>
             <p:nvSpPr>
               <p:cNvPr id="14" name="TextBox 13">
@@ -10687,8 +10690,8 @@
           </a:p>
         </p:txBody>
       </p:sp>
-      <mc:AlternateContent xmlns:mc="http://schemas.openxmlformats.org/markup-compatibility/2006">
-        <mc:Choice xmlns:a14="http://schemas.microsoft.com/office/drawing/2010/main" Requires="a14">
+      <mc:AlternateContent xmlns:mc="http://schemas.openxmlformats.org/markup-compatibility/2006" xmlns:a14="http://schemas.microsoft.com/office/drawing/2010/main">
+        <mc:Choice Requires="a14">
           <p:sp>
             <p:nvSpPr>
               <p:cNvPr id="31" name="TextBox 30">
@@ -10717,6 +10720,7 @@
               </a:bodyPr>
               <a:lstStyle/>
               <a:p>
+                <a:pPr/>
                 <a14:m>
                   <m:oMathPara xmlns:m="http://schemas.openxmlformats.org/officeDocument/2006/math">
                     <m:oMathParaPr>
@@ -10741,7 +10745,7 @@
             </p:txBody>
           </p:sp>
         </mc:Choice>
-        <mc:Fallback>
+        <mc:Fallback xmlns="">
           <p:sp>
             <p:nvSpPr>
               <p:cNvPr id="31" name="TextBox 30">
@@ -10786,8 +10790,8 @@
           </p:sp>
         </mc:Fallback>
       </mc:AlternateContent>
-      <mc:AlternateContent xmlns:mc="http://schemas.openxmlformats.org/markup-compatibility/2006">
-        <mc:Choice xmlns:a14="http://schemas.microsoft.com/office/drawing/2010/main" Requires="a14">
+      <mc:AlternateContent xmlns:mc="http://schemas.openxmlformats.org/markup-compatibility/2006" xmlns:a14="http://schemas.microsoft.com/office/drawing/2010/main">
+        <mc:Choice Requires="a14">
           <p:sp>
             <p:nvSpPr>
               <p:cNvPr id="35" name="TextBox 34">
@@ -10816,6 +10820,7 @@
               </a:bodyPr>
               <a:lstStyle/>
               <a:p>
+                <a:pPr/>
                 <a14:m>
                   <m:oMathPara xmlns:m="http://schemas.openxmlformats.org/officeDocument/2006/math">
                     <m:oMathParaPr>
@@ -10840,7 +10845,7 @@
             </p:txBody>
           </p:sp>
         </mc:Choice>
-        <mc:Fallback>
+        <mc:Fallback xmlns="">
           <p:sp>
             <p:nvSpPr>
               <p:cNvPr id="35" name="TextBox 34">
@@ -11041,8 +11046,8 @@
           </a:p>
         </p:txBody>
       </p:sp>
-      <mc:AlternateContent xmlns:mc="http://schemas.openxmlformats.org/markup-compatibility/2006">
-        <mc:Choice xmlns:a14="http://schemas.microsoft.com/office/drawing/2010/main" Requires="a14">
+      <mc:AlternateContent xmlns:mc="http://schemas.openxmlformats.org/markup-compatibility/2006" xmlns:a14="http://schemas.microsoft.com/office/drawing/2010/main">
+        <mc:Choice Requires="a14">
           <p:sp>
             <p:nvSpPr>
               <p:cNvPr id="39" name="TextBox 38">
@@ -11071,6 +11076,7 @@
               </a:bodyPr>
               <a:lstStyle/>
               <a:p>
+                <a:pPr/>
                 <a14:m>
                   <m:oMathPara xmlns:m="http://schemas.openxmlformats.org/officeDocument/2006/math">
                     <m:oMathParaPr>
@@ -11095,7 +11101,7 @@
             </p:txBody>
           </p:sp>
         </mc:Choice>
-        <mc:Fallback>
+        <mc:Fallback xmlns="">
           <p:sp>
             <p:nvSpPr>
               <p:cNvPr id="39" name="TextBox 38">
@@ -11140,8 +11146,8 @@
           </p:sp>
         </mc:Fallback>
       </mc:AlternateContent>
-      <mc:AlternateContent xmlns:mc="http://schemas.openxmlformats.org/markup-compatibility/2006">
-        <mc:Choice xmlns:a14="http://schemas.microsoft.com/office/drawing/2010/main" Requires="a14">
+      <mc:AlternateContent xmlns:mc="http://schemas.openxmlformats.org/markup-compatibility/2006" xmlns:a14="http://schemas.microsoft.com/office/drawing/2010/main">
+        <mc:Choice Requires="a14">
           <p:sp>
             <p:nvSpPr>
               <p:cNvPr id="43" name="TextBox 42">
@@ -11170,6 +11176,7 @@
               </a:bodyPr>
               <a:lstStyle/>
               <a:p>
+                <a:pPr/>
                 <a14:m>
                   <m:oMathPara xmlns:m="http://schemas.openxmlformats.org/officeDocument/2006/math">
                     <m:oMathParaPr>
@@ -11194,7 +11201,7 @@
             </p:txBody>
           </p:sp>
         </mc:Choice>
-        <mc:Fallback>
+        <mc:Fallback xmlns="">
           <p:sp>
             <p:nvSpPr>
               <p:cNvPr id="43" name="TextBox 42">
@@ -11239,8 +11246,8 @@
           </p:sp>
         </mc:Fallback>
       </mc:AlternateContent>
-      <mc:AlternateContent xmlns:mc="http://schemas.openxmlformats.org/markup-compatibility/2006">
-        <mc:Choice xmlns:a14="http://schemas.microsoft.com/office/drawing/2010/main" Requires="a14">
+      <mc:AlternateContent xmlns:mc="http://schemas.openxmlformats.org/markup-compatibility/2006" xmlns:a14="http://schemas.microsoft.com/office/drawing/2010/main">
+        <mc:Choice Requires="a14">
           <p:sp>
             <p:nvSpPr>
               <p:cNvPr id="58" name="TextBox 57">
@@ -11269,6 +11276,7 @@
               </a:bodyPr>
               <a:lstStyle/>
               <a:p>
+                <a:pPr/>
                 <a14:m>
                   <m:oMathPara xmlns:m="http://schemas.openxmlformats.org/officeDocument/2006/math">
                     <m:oMathParaPr>
@@ -11293,7 +11301,7 @@
             </p:txBody>
           </p:sp>
         </mc:Choice>
-        <mc:Fallback>
+        <mc:Fallback xmlns="">
           <p:sp>
             <p:nvSpPr>
               <p:cNvPr id="58" name="TextBox 57">
@@ -11338,8 +11346,8 @@
           </p:sp>
         </mc:Fallback>
       </mc:AlternateContent>
-      <mc:AlternateContent xmlns:mc="http://schemas.openxmlformats.org/markup-compatibility/2006">
-        <mc:Choice xmlns:a14="http://schemas.microsoft.com/office/drawing/2010/main" Requires="a14">
+      <mc:AlternateContent xmlns:mc="http://schemas.openxmlformats.org/markup-compatibility/2006" xmlns:a14="http://schemas.microsoft.com/office/drawing/2010/main">
+        <mc:Choice Requires="a14">
           <p:sp>
             <p:nvSpPr>
               <p:cNvPr id="59" name="TextBox 58">
@@ -11368,6 +11376,7 @@
               </a:bodyPr>
               <a:lstStyle/>
               <a:p>
+                <a:pPr/>
                 <a14:m>
                   <m:oMathPara xmlns:m="http://schemas.openxmlformats.org/officeDocument/2006/math">
                     <m:oMathParaPr>
@@ -11392,7 +11401,7 @@
             </p:txBody>
           </p:sp>
         </mc:Choice>
-        <mc:Fallback>
+        <mc:Fallback xmlns="">
           <p:sp>
             <p:nvSpPr>
               <p:cNvPr id="59" name="TextBox 58">
@@ -11437,8 +11446,8 @@
           </p:sp>
         </mc:Fallback>
       </mc:AlternateContent>
-      <mc:AlternateContent xmlns:mc="http://schemas.openxmlformats.org/markup-compatibility/2006">
-        <mc:Choice xmlns:a14="http://schemas.microsoft.com/office/drawing/2010/main" Requires="a14">
+      <mc:AlternateContent xmlns:mc="http://schemas.openxmlformats.org/markup-compatibility/2006" xmlns:a14="http://schemas.microsoft.com/office/drawing/2010/main">
+        <mc:Choice Requires="a14">
           <p:sp>
             <p:nvSpPr>
               <p:cNvPr id="66" name="TextBox 65">
@@ -11467,6 +11476,7 @@
               </a:bodyPr>
               <a:lstStyle/>
               <a:p>
+                <a:pPr/>
                 <a14:m>
                   <m:oMathPara xmlns:m="http://schemas.openxmlformats.org/officeDocument/2006/math">
                     <m:oMathParaPr>
@@ -11515,7 +11525,7 @@
             </p:txBody>
           </p:sp>
         </mc:Choice>
-        <mc:Fallback>
+        <mc:Fallback xmlns="">
           <p:sp>
             <p:nvSpPr>
               <p:cNvPr id="66" name="TextBox 65">
@@ -11560,8 +11570,8 @@
           </p:sp>
         </mc:Fallback>
       </mc:AlternateContent>
-      <mc:AlternateContent xmlns:mc="http://schemas.openxmlformats.org/markup-compatibility/2006">
-        <mc:Choice xmlns:a14="http://schemas.microsoft.com/office/drawing/2010/main" Requires="a14">
+      <mc:AlternateContent xmlns:mc="http://schemas.openxmlformats.org/markup-compatibility/2006" xmlns:a14="http://schemas.microsoft.com/office/drawing/2010/main">
+        <mc:Choice Requires="a14">
           <p:sp>
             <p:nvSpPr>
               <p:cNvPr id="67" name="TextBox 66">
@@ -11590,6 +11600,7 @@
               </a:bodyPr>
               <a:lstStyle/>
               <a:p>
+                <a:pPr/>
                 <a14:m>
                   <m:oMathPara xmlns:m="http://schemas.openxmlformats.org/officeDocument/2006/math">
                     <m:oMathParaPr>
@@ -11652,7 +11663,7 @@
             </p:txBody>
           </p:sp>
         </mc:Choice>
-        <mc:Fallback>
+        <mc:Fallback xmlns="">
           <p:sp>
             <p:nvSpPr>
               <p:cNvPr id="67" name="TextBox 66">
@@ -11697,8 +11708,8 @@
           </p:sp>
         </mc:Fallback>
       </mc:AlternateContent>
-      <mc:AlternateContent xmlns:mc="http://schemas.openxmlformats.org/markup-compatibility/2006">
-        <mc:Choice xmlns:a14="http://schemas.microsoft.com/office/drawing/2010/main" Requires="a14">
+      <mc:AlternateContent xmlns:mc="http://schemas.openxmlformats.org/markup-compatibility/2006" xmlns:a14="http://schemas.microsoft.com/office/drawing/2010/main">
+        <mc:Choice Requires="a14">
           <p:sp>
             <p:nvSpPr>
               <p:cNvPr id="68" name="TextBox 67">
@@ -11727,6 +11738,7 @@
               </a:bodyPr>
               <a:lstStyle/>
               <a:p>
+                <a:pPr/>
                 <a14:m>
                   <m:oMathPara xmlns:m="http://schemas.openxmlformats.org/officeDocument/2006/math">
                     <m:oMathParaPr>
@@ -11789,7 +11801,7 @@
             </p:txBody>
           </p:sp>
         </mc:Choice>
-        <mc:Fallback>
+        <mc:Fallback xmlns="">
           <p:sp>
             <p:nvSpPr>
               <p:cNvPr id="68" name="TextBox 67">
@@ -11838,6 +11850,3626 @@
     <p:extLst>
       <p:ext uri="{BB962C8B-B14F-4D97-AF65-F5344CB8AC3E}">
         <p14:creationId xmlns:p14="http://schemas.microsoft.com/office/powerpoint/2010/main" val="511849864"/>
+      </p:ext>
+    </p:extLst>
+  </p:cSld>
+  <p:clrMapOvr>
+    <a:masterClrMapping/>
+  </p:clrMapOvr>
+</p:sld>
+</file>
+
+<file path=ppt/slides/slide5.xml><?xml version="1.0" encoding="utf-8"?>
+<p:sld xmlns:a="http://schemas.openxmlformats.org/drawingml/2006/main" xmlns:r="http://schemas.openxmlformats.org/officeDocument/2006/relationships" xmlns:p="http://schemas.openxmlformats.org/presentationml/2006/main">
+  <p:cSld>
+    <p:spTree>
+      <p:nvGrpSpPr>
+        <p:cNvPr id="1" name="">
+          <a:extLst>
+            <a:ext uri="{FF2B5EF4-FFF2-40B4-BE49-F238E27FC236}">
+              <a16:creationId xmlns:a16="http://schemas.microsoft.com/office/drawing/2014/main" id="{3D6F460B-8B62-BCB3-F385-887F8EEC8C70}"/>
+            </a:ext>
+          </a:extLst>
+        </p:cNvPr>
+        <p:cNvGrpSpPr/>
+        <p:nvPr/>
+      </p:nvGrpSpPr>
+      <p:grpSpPr>
+        <a:xfrm>
+          <a:off x="0" y="0"/>
+          <a:ext cx="0" cy="0"/>
+          <a:chOff x="0" y="0"/>
+          <a:chExt cx="0" cy="0"/>
+        </a:xfrm>
+      </p:grpSpPr>
+      <p:sp>
+        <p:nvSpPr>
+          <p:cNvPr id="2" name="Rectangle 1">
+            <a:extLst>
+              <a:ext uri="{FF2B5EF4-FFF2-40B4-BE49-F238E27FC236}">
+                <a16:creationId xmlns:a16="http://schemas.microsoft.com/office/drawing/2014/main" id="{B71BF48B-196D-61CB-4B0C-3A9A734751E7}"/>
+              </a:ext>
+            </a:extLst>
+          </p:cNvPr>
+          <p:cNvSpPr/>
+          <p:nvPr/>
+        </p:nvSpPr>
+        <p:spPr>
+          <a:xfrm>
+            <a:off x="1306644" y="1157997"/>
+            <a:ext cx="1993148" cy="2827506"/>
+          </a:xfrm>
+          <a:prstGeom prst="rect">
+            <a:avLst/>
+          </a:prstGeom>
+          <a:solidFill>
+            <a:srgbClr val="00B050">
+              <a:alpha val="20000"/>
+            </a:srgbClr>
+          </a:solidFill>
+          <a:ln>
+            <a:solidFill>
+              <a:schemeClr val="tx1"/>
+            </a:solidFill>
+          </a:ln>
+        </p:spPr>
+        <p:style>
+          <a:lnRef idx="2">
+            <a:schemeClr val="accent1">
+              <a:shade val="15000"/>
+            </a:schemeClr>
+          </a:lnRef>
+          <a:fillRef idx="1">
+            <a:schemeClr val="accent1"/>
+          </a:fillRef>
+          <a:effectRef idx="0">
+            <a:schemeClr val="accent1"/>
+          </a:effectRef>
+          <a:fontRef idx="minor">
+            <a:schemeClr val="lt1"/>
+          </a:fontRef>
+        </p:style>
+        <p:txBody>
+          <a:bodyPr rtlCol="0" anchor="ctr"/>
+          <a:lstStyle/>
+          <a:p>
+            <a:pPr algn="ctr"/>
+            <a:endParaRPr lang="en-US"/>
+          </a:p>
+        </p:txBody>
+      </p:sp>
+      <p:sp>
+        <p:nvSpPr>
+          <p:cNvPr id="3" name="Rectangle 2">
+            <a:extLst>
+              <a:ext uri="{FF2B5EF4-FFF2-40B4-BE49-F238E27FC236}">
+                <a16:creationId xmlns:a16="http://schemas.microsoft.com/office/drawing/2014/main" id="{ABA6EB39-759B-A9C4-E4E3-D1D1043436D3}"/>
+              </a:ext>
+            </a:extLst>
+          </p:cNvPr>
+          <p:cNvSpPr/>
+          <p:nvPr/>
+        </p:nvSpPr>
+        <p:spPr>
+          <a:xfrm>
+            <a:off x="3299788" y="1157997"/>
+            <a:ext cx="1993148" cy="2827506"/>
+          </a:xfrm>
+          <a:prstGeom prst="rect">
+            <a:avLst/>
+          </a:prstGeom>
+          <a:solidFill>
+            <a:srgbClr val="FF0000">
+              <a:alpha val="20000"/>
+            </a:srgbClr>
+          </a:solidFill>
+          <a:ln>
+            <a:solidFill>
+              <a:schemeClr val="tx1"/>
+            </a:solidFill>
+          </a:ln>
+        </p:spPr>
+        <p:style>
+          <a:lnRef idx="2">
+            <a:schemeClr val="accent1">
+              <a:shade val="15000"/>
+            </a:schemeClr>
+          </a:lnRef>
+          <a:fillRef idx="1">
+            <a:schemeClr val="accent1"/>
+          </a:fillRef>
+          <a:effectRef idx="0">
+            <a:schemeClr val="accent1"/>
+          </a:effectRef>
+          <a:fontRef idx="minor">
+            <a:schemeClr val="lt1"/>
+          </a:fontRef>
+        </p:style>
+        <p:txBody>
+          <a:bodyPr rtlCol="0" anchor="ctr"/>
+          <a:lstStyle/>
+          <a:p>
+            <a:pPr algn="ctr"/>
+            <a:endParaRPr lang="en-US"/>
+          </a:p>
+        </p:txBody>
+      </p:sp>
+      <p:sp>
+        <p:nvSpPr>
+          <p:cNvPr id="13" name="TextBox 12">
+            <a:extLst>
+              <a:ext uri="{FF2B5EF4-FFF2-40B4-BE49-F238E27FC236}">
+                <a16:creationId xmlns:a16="http://schemas.microsoft.com/office/drawing/2014/main" id="{13A4B668-FCD9-9E2C-9C35-F276D78917AB}"/>
+              </a:ext>
+            </a:extLst>
+          </p:cNvPr>
+          <p:cNvSpPr txBox="1"/>
+          <p:nvPr/>
+        </p:nvSpPr>
+        <p:spPr>
+          <a:xfrm>
+            <a:off x="1951197" y="765833"/>
+            <a:ext cx="704039" cy="307777"/>
+          </a:xfrm>
+          <a:prstGeom prst="rect">
+            <a:avLst/>
+          </a:prstGeom>
+          <a:noFill/>
+        </p:spPr>
+        <p:txBody>
+          <a:bodyPr wrap="none" rtlCol="0">
+            <a:spAutoFit/>
+          </a:bodyPr>
+          <a:lstStyle/>
+          <a:p>
+            <a:pPr/>
+            <a:r>
+              <a:rPr lang="en-US" dirty="0">
+                <a:latin typeface="Calibri" panose="020F0502020204030204" pitchFamily="34" charset="0"/>
+                <a:cs typeface="Calibri" panose="020F0502020204030204" pitchFamily="34" charset="0"/>
+              </a:rPr>
+              <a:t>Label 0</a:t>
+            </a:r>
+          </a:p>
+        </p:txBody>
+      </p:sp>
+      <p:sp>
+        <p:nvSpPr>
+          <p:cNvPr id="4" name="TextBox 3">
+            <a:extLst>
+              <a:ext uri="{FF2B5EF4-FFF2-40B4-BE49-F238E27FC236}">
+                <a16:creationId xmlns:a16="http://schemas.microsoft.com/office/drawing/2014/main" id="{9CEAFBAC-6997-C159-BB16-422C2396D984}"/>
+              </a:ext>
+            </a:extLst>
+          </p:cNvPr>
+          <p:cNvSpPr txBox="1"/>
+          <p:nvPr/>
+        </p:nvSpPr>
+        <p:spPr>
+          <a:xfrm>
+            <a:off x="3944347" y="765833"/>
+            <a:ext cx="704039" cy="307777"/>
+          </a:xfrm>
+          <a:prstGeom prst="rect">
+            <a:avLst/>
+          </a:prstGeom>
+          <a:noFill/>
+        </p:spPr>
+        <p:txBody>
+          <a:bodyPr wrap="none" rtlCol="0">
+            <a:spAutoFit/>
+          </a:bodyPr>
+          <a:lstStyle/>
+          <a:p>
+            <a:pPr/>
+            <a:r>
+              <a:rPr lang="en-US" dirty="0">
+                <a:latin typeface="Calibri" panose="020F0502020204030204" pitchFamily="34" charset="0"/>
+                <a:cs typeface="Calibri" panose="020F0502020204030204" pitchFamily="34" charset="0"/>
+              </a:rPr>
+              <a:t>Label 1</a:t>
+            </a:r>
+          </a:p>
+        </p:txBody>
+      </p:sp>
+      <p:sp>
+        <p:nvSpPr>
+          <p:cNvPr id="6" name="TextBox 5">
+            <a:extLst>
+              <a:ext uri="{FF2B5EF4-FFF2-40B4-BE49-F238E27FC236}">
+                <a16:creationId xmlns:a16="http://schemas.microsoft.com/office/drawing/2014/main" id="{5076FC63-41F7-D629-C10C-4A89AC3BD6F5}"/>
+              </a:ext>
+            </a:extLst>
+          </p:cNvPr>
+          <p:cNvSpPr txBox="1"/>
+          <p:nvPr/>
+        </p:nvSpPr>
+        <p:spPr>
+          <a:xfrm>
+            <a:off x="4099544" y="3662842"/>
+            <a:ext cx="1245854" cy="307777"/>
+          </a:xfrm>
+          <a:prstGeom prst="rect">
+            <a:avLst/>
+          </a:prstGeom>
+          <a:noFill/>
+        </p:spPr>
+        <p:txBody>
+          <a:bodyPr wrap="none" rtlCol="0">
+            <a:spAutoFit/>
+          </a:bodyPr>
+          <a:lstStyle/>
+          <a:p>
+            <a:pPr/>
+            <a:r>
+              <a:rPr lang="en-US" dirty="0">
+                <a:latin typeface="Calibri" panose="020F0502020204030204" pitchFamily="34" charset="0"/>
+                <a:cs typeface="Calibri" panose="020F0502020204030204" pitchFamily="34" charset="0"/>
+              </a:rPr>
+              <a:t>False Negative</a:t>
+            </a:r>
+          </a:p>
+        </p:txBody>
+      </p:sp>
+      <p:sp>
+        <p:nvSpPr>
+          <p:cNvPr id="7" name="TextBox 6">
+            <a:extLst>
+              <a:ext uri="{FF2B5EF4-FFF2-40B4-BE49-F238E27FC236}">
+                <a16:creationId xmlns:a16="http://schemas.microsoft.com/office/drawing/2014/main" id="{385592B0-BAC3-BC53-607B-208CB70018FA}"/>
+              </a:ext>
+            </a:extLst>
+          </p:cNvPr>
+          <p:cNvSpPr txBox="1"/>
+          <p:nvPr/>
+        </p:nvSpPr>
+        <p:spPr>
+          <a:xfrm>
+            <a:off x="1289448" y="3682152"/>
+            <a:ext cx="1210588" cy="307777"/>
+          </a:xfrm>
+          <a:prstGeom prst="rect">
+            <a:avLst/>
+          </a:prstGeom>
+          <a:noFill/>
+        </p:spPr>
+        <p:txBody>
+          <a:bodyPr wrap="none" rtlCol="0">
+            <a:spAutoFit/>
+          </a:bodyPr>
+          <a:lstStyle/>
+          <a:p>
+            <a:pPr/>
+            <a:r>
+              <a:rPr lang="en-US" dirty="0">
+                <a:latin typeface="Calibri" panose="020F0502020204030204" pitchFamily="34" charset="0"/>
+                <a:cs typeface="Calibri" panose="020F0502020204030204" pitchFamily="34" charset="0"/>
+              </a:rPr>
+              <a:t>True Negative</a:t>
+            </a:r>
+          </a:p>
+        </p:txBody>
+      </p:sp>
+      <p:grpSp>
+        <p:nvGrpSpPr>
+          <p:cNvPr id="23" name="Group 22">
+            <a:extLst>
+              <a:ext uri="{FF2B5EF4-FFF2-40B4-BE49-F238E27FC236}">
+                <a16:creationId xmlns:a16="http://schemas.microsoft.com/office/drawing/2014/main" id="{351AF693-CF72-3EDC-7BF4-01F4E140B741}"/>
+              </a:ext>
+            </a:extLst>
+          </p:cNvPr>
+          <p:cNvGrpSpPr/>
+          <p:nvPr/>
+        </p:nvGrpSpPr>
+        <p:grpSpPr>
+          <a:xfrm>
+            <a:off x="2043229" y="1323625"/>
+            <a:ext cx="2521578" cy="2493105"/>
+            <a:chOff x="-14433" y="1477514"/>
+            <a:chExt cx="2521578" cy="2493105"/>
+          </a:xfrm>
+        </p:grpSpPr>
+        <p:sp>
+          <p:nvSpPr>
+            <p:cNvPr id="22" name="Oval 21">
+              <a:extLst>
+                <a:ext uri="{FF2B5EF4-FFF2-40B4-BE49-F238E27FC236}">
+                  <a16:creationId xmlns:a16="http://schemas.microsoft.com/office/drawing/2014/main" id="{C31E00F2-3001-1F9A-0EFB-AF49CF91E12E}"/>
+                </a:ext>
+              </a:extLst>
+            </p:cNvPr>
+            <p:cNvSpPr/>
+            <p:nvPr/>
+          </p:nvSpPr>
+          <p:spPr>
+            <a:xfrm>
+              <a:off x="17183" y="1477514"/>
+              <a:ext cx="2489962" cy="2489962"/>
+            </a:xfrm>
+            <a:prstGeom prst="ellipse">
+              <a:avLst/>
+            </a:prstGeom>
+            <a:solidFill>
+              <a:schemeClr val="bg1"/>
+            </a:solidFill>
+            <a:ln>
+              <a:solidFill>
+                <a:schemeClr val="tx1"/>
+              </a:solidFill>
+            </a:ln>
+          </p:spPr>
+          <p:style>
+            <a:lnRef idx="2">
+              <a:schemeClr val="accent1">
+                <a:shade val="15000"/>
+              </a:schemeClr>
+            </a:lnRef>
+            <a:fillRef idx="1">
+              <a:schemeClr val="accent1"/>
+            </a:fillRef>
+            <a:effectRef idx="0">
+              <a:schemeClr val="accent1"/>
+            </a:effectRef>
+            <a:fontRef idx="minor">
+              <a:schemeClr val="lt1"/>
+            </a:fontRef>
+          </p:style>
+          <p:txBody>
+            <a:bodyPr rtlCol="0" anchor="ctr"/>
+            <a:lstStyle/>
+            <a:p>
+              <a:pPr algn="ctr"/>
+              <a:endParaRPr lang="en-US"/>
+            </a:p>
+          </p:txBody>
+        </p:sp>
+        <p:sp>
+          <p:nvSpPr>
+            <p:cNvPr id="8" name="Oval 7">
+              <a:extLst>
+                <a:ext uri="{FF2B5EF4-FFF2-40B4-BE49-F238E27FC236}">
+                  <a16:creationId xmlns:a16="http://schemas.microsoft.com/office/drawing/2014/main" id="{6379EF51-70C6-A789-4364-B620CC31AA22}"/>
+                </a:ext>
+              </a:extLst>
+            </p:cNvPr>
+            <p:cNvSpPr/>
+            <p:nvPr/>
+          </p:nvSpPr>
+          <p:spPr>
+            <a:xfrm>
+              <a:off x="0" y="1480657"/>
+              <a:ext cx="2489962" cy="2489962"/>
+            </a:xfrm>
+            <a:prstGeom prst="ellipse">
+              <a:avLst/>
+            </a:prstGeom>
+            <a:noFill/>
+            <a:ln>
+              <a:solidFill>
+                <a:schemeClr val="tx1"/>
+              </a:solidFill>
+            </a:ln>
+          </p:spPr>
+          <p:style>
+            <a:lnRef idx="2">
+              <a:schemeClr val="accent1">
+                <a:shade val="15000"/>
+              </a:schemeClr>
+            </a:lnRef>
+            <a:fillRef idx="1">
+              <a:schemeClr val="accent1"/>
+            </a:fillRef>
+            <a:effectRef idx="0">
+              <a:schemeClr val="accent1"/>
+            </a:effectRef>
+            <a:fontRef idx="minor">
+              <a:schemeClr val="lt1"/>
+            </a:fontRef>
+          </p:style>
+          <p:txBody>
+            <a:bodyPr rtlCol="0" anchor="ctr"/>
+            <a:lstStyle/>
+            <a:p>
+              <a:pPr algn="ctr"/>
+              <a:endParaRPr lang="en-US"/>
+            </a:p>
+          </p:txBody>
+        </p:sp>
+        <p:sp>
+          <p:nvSpPr>
+            <p:cNvPr id="12" name="Chord 11">
+              <a:extLst>
+                <a:ext uri="{FF2B5EF4-FFF2-40B4-BE49-F238E27FC236}">
+                  <a16:creationId xmlns:a16="http://schemas.microsoft.com/office/drawing/2014/main" id="{4E5779EA-25CE-F085-8EDC-D48CADCD95F5}"/>
+                </a:ext>
+              </a:extLst>
+            </p:cNvPr>
+            <p:cNvSpPr/>
+            <p:nvPr/>
+          </p:nvSpPr>
+          <p:spPr>
+            <a:xfrm>
+              <a:off x="-4479" y="1480657"/>
+              <a:ext cx="2489962" cy="2489962"/>
+            </a:xfrm>
+            <a:prstGeom prst="chord">
+              <a:avLst>
+                <a:gd name="adj1" fmla="val 5424209"/>
+                <a:gd name="adj2" fmla="val 16200000"/>
+              </a:avLst>
+            </a:prstGeom>
+            <a:solidFill>
+              <a:srgbClr val="FF0000">
+                <a:alpha val="20000"/>
+              </a:srgbClr>
+            </a:solidFill>
+            <a:ln>
+              <a:noFill/>
+            </a:ln>
+          </p:spPr>
+          <p:style>
+            <a:lnRef idx="2">
+              <a:schemeClr val="accent1">
+                <a:shade val="15000"/>
+              </a:schemeClr>
+            </a:lnRef>
+            <a:fillRef idx="1">
+              <a:schemeClr val="accent1"/>
+            </a:fillRef>
+            <a:effectRef idx="0">
+              <a:schemeClr val="accent1"/>
+            </a:effectRef>
+            <a:fontRef idx="minor">
+              <a:schemeClr val="lt1"/>
+            </a:fontRef>
+          </p:style>
+          <p:txBody>
+            <a:bodyPr rtlCol="0" anchor="ctr"/>
+            <a:lstStyle/>
+            <a:p>
+              <a:pPr algn="ctr"/>
+              <a:endParaRPr lang="en-US"/>
+            </a:p>
+          </p:txBody>
+        </p:sp>
+        <p:sp>
+          <p:nvSpPr>
+            <p:cNvPr id="15" name="Chord 14">
+              <a:extLst>
+                <a:ext uri="{FF2B5EF4-FFF2-40B4-BE49-F238E27FC236}">
+                  <a16:creationId xmlns:a16="http://schemas.microsoft.com/office/drawing/2014/main" id="{A0AC7B52-E60F-3F36-C97B-F507E405E5E0}"/>
+                </a:ext>
+              </a:extLst>
+            </p:cNvPr>
+            <p:cNvSpPr/>
+            <p:nvPr/>
+          </p:nvSpPr>
+          <p:spPr>
+            <a:xfrm rot="10800000">
+              <a:off x="-14433" y="1480657"/>
+              <a:ext cx="2489962" cy="2489962"/>
+            </a:xfrm>
+            <a:prstGeom prst="chord">
+              <a:avLst>
+                <a:gd name="adj1" fmla="val 5424209"/>
+                <a:gd name="adj2" fmla="val 16200000"/>
+              </a:avLst>
+            </a:prstGeom>
+            <a:solidFill>
+              <a:srgbClr val="00B050">
+                <a:alpha val="20000"/>
+              </a:srgbClr>
+            </a:solidFill>
+            <a:ln>
+              <a:noFill/>
+            </a:ln>
+          </p:spPr>
+          <p:style>
+            <a:lnRef idx="2">
+              <a:schemeClr val="accent1">
+                <a:shade val="15000"/>
+              </a:schemeClr>
+            </a:lnRef>
+            <a:fillRef idx="1">
+              <a:schemeClr val="accent1"/>
+            </a:fillRef>
+            <a:effectRef idx="0">
+              <a:schemeClr val="accent1"/>
+            </a:effectRef>
+            <a:fontRef idx="minor">
+              <a:schemeClr val="lt1"/>
+            </a:fontRef>
+          </p:style>
+          <p:txBody>
+            <a:bodyPr rtlCol="0" anchor="ctr"/>
+            <a:lstStyle/>
+            <a:p>
+              <a:pPr algn="ctr"/>
+              <a:endParaRPr lang="en-US"/>
+            </a:p>
+          </p:txBody>
+        </p:sp>
+      </p:grpSp>
+      <p:sp>
+        <p:nvSpPr>
+          <p:cNvPr id="24" name="TextBox 23">
+            <a:extLst>
+              <a:ext uri="{FF2B5EF4-FFF2-40B4-BE49-F238E27FC236}">
+                <a16:creationId xmlns:a16="http://schemas.microsoft.com/office/drawing/2014/main" id="{4F50C222-2ED0-7FBB-C1DD-B06E423A9B66}"/>
+              </a:ext>
+            </a:extLst>
+          </p:cNvPr>
+          <p:cNvSpPr txBox="1"/>
+          <p:nvPr/>
+        </p:nvSpPr>
+        <p:spPr>
+          <a:xfrm>
+            <a:off x="3350150" y="2350571"/>
+            <a:ext cx="1133644" cy="307777"/>
+          </a:xfrm>
+          <a:prstGeom prst="rect">
+            <a:avLst/>
+          </a:prstGeom>
+          <a:noFill/>
+        </p:spPr>
+        <p:txBody>
+          <a:bodyPr wrap="none" rtlCol="0">
+            <a:spAutoFit/>
+          </a:bodyPr>
+          <a:lstStyle/>
+          <a:p>
+            <a:pPr/>
+            <a:r>
+              <a:rPr lang="en-US" dirty="0">
+                <a:latin typeface="Calibri" panose="020F0502020204030204" pitchFamily="34" charset="0"/>
+                <a:cs typeface="Calibri" panose="020F0502020204030204" pitchFamily="34" charset="0"/>
+              </a:rPr>
+              <a:t>True Positive</a:t>
+            </a:r>
+          </a:p>
+        </p:txBody>
+      </p:sp>
+      <p:sp>
+        <p:nvSpPr>
+          <p:cNvPr id="28" name="TextBox 27">
+            <a:extLst>
+              <a:ext uri="{FF2B5EF4-FFF2-40B4-BE49-F238E27FC236}">
+                <a16:creationId xmlns:a16="http://schemas.microsoft.com/office/drawing/2014/main" id="{325BDB12-23B2-C96B-6161-F4048A0D6D51}"/>
+              </a:ext>
+            </a:extLst>
+          </p:cNvPr>
+          <p:cNvSpPr txBox="1"/>
+          <p:nvPr/>
+        </p:nvSpPr>
+        <p:spPr>
+          <a:xfrm>
+            <a:off x="2087554" y="2350572"/>
+            <a:ext cx="1168910" cy="307777"/>
+          </a:xfrm>
+          <a:prstGeom prst="rect">
+            <a:avLst/>
+          </a:prstGeom>
+          <a:noFill/>
+        </p:spPr>
+        <p:txBody>
+          <a:bodyPr wrap="none" rtlCol="0">
+            <a:spAutoFit/>
+          </a:bodyPr>
+          <a:lstStyle/>
+          <a:p>
+            <a:pPr/>
+            <a:r>
+              <a:rPr lang="en-US" dirty="0">
+                <a:latin typeface="Calibri" panose="020F0502020204030204" pitchFamily="34" charset="0"/>
+                <a:cs typeface="Calibri" panose="020F0502020204030204" pitchFamily="34" charset="0"/>
+              </a:rPr>
+              <a:t>False Positive</a:t>
+            </a:r>
+          </a:p>
+        </p:txBody>
+      </p:sp>
+      <p:cxnSp>
+        <p:nvCxnSpPr>
+          <p:cNvPr id="30" name="Straight Connector 29">
+            <a:extLst>
+              <a:ext uri="{FF2B5EF4-FFF2-40B4-BE49-F238E27FC236}">
+                <a16:creationId xmlns:a16="http://schemas.microsoft.com/office/drawing/2014/main" id="{BEF41366-0C5C-D0E1-F890-8C4CF28475CC}"/>
+              </a:ext>
+            </a:extLst>
+          </p:cNvPr>
+          <p:cNvCxnSpPr>
+            <a:cxnSpLocks/>
+          </p:cNvCxnSpPr>
+          <p:nvPr/>
+        </p:nvCxnSpPr>
+        <p:spPr>
+          <a:xfrm>
+            <a:off x="3296178" y="1153571"/>
+            <a:ext cx="1986" cy="2817048"/>
+          </a:xfrm>
+          <a:prstGeom prst="line">
+            <a:avLst/>
+          </a:prstGeom>
+          <a:ln w="25400">
+            <a:solidFill>
+              <a:schemeClr val="tx1"/>
+            </a:solidFill>
+          </a:ln>
+        </p:spPr>
+        <p:style>
+          <a:lnRef idx="1">
+            <a:schemeClr val="accent1"/>
+          </a:lnRef>
+          <a:fillRef idx="0">
+            <a:schemeClr val="accent1"/>
+          </a:fillRef>
+          <a:effectRef idx="0">
+            <a:schemeClr val="accent1"/>
+          </a:effectRef>
+          <a:fontRef idx="minor">
+            <a:schemeClr val="tx1"/>
+          </a:fontRef>
+        </p:style>
+      </p:cxnSp>
+      <p:sp>
+        <p:nvSpPr>
+          <p:cNvPr id="34" name="Rectangle 33">
+            <a:extLst>
+              <a:ext uri="{FF2B5EF4-FFF2-40B4-BE49-F238E27FC236}">
+                <a16:creationId xmlns:a16="http://schemas.microsoft.com/office/drawing/2014/main" id="{03D95ADA-645A-5788-FC1E-5FA1BE55947A}"/>
+              </a:ext>
+            </a:extLst>
+          </p:cNvPr>
+          <p:cNvSpPr/>
+          <p:nvPr/>
+        </p:nvSpPr>
+        <p:spPr>
+          <a:xfrm>
+            <a:off x="4754488" y="1832911"/>
+            <a:ext cx="64035" cy="64035"/>
+          </a:xfrm>
+          <a:prstGeom prst="rect">
+            <a:avLst/>
+          </a:prstGeom>
+          <a:solidFill>
+            <a:srgbClr val="00B050"/>
+          </a:solidFill>
+          <a:ln>
+            <a:noFill/>
+          </a:ln>
+        </p:spPr>
+        <p:style>
+          <a:lnRef idx="2">
+            <a:schemeClr val="accent1">
+              <a:shade val="15000"/>
+            </a:schemeClr>
+          </a:lnRef>
+          <a:fillRef idx="1">
+            <a:schemeClr val="accent1"/>
+          </a:fillRef>
+          <a:effectRef idx="0">
+            <a:schemeClr val="accent1"/>
+          </a:effectRef>
+          <a:fontRef idx="minor">
+            <a:schemeClr val="lt1"/>
+          </a:fontRef>
+        </p:style>
+        <p:txBody>
+          <a:bodyPr rtlCol="0" anchor="ctr"/>
+          <a:lstStyle/>
+          <a:p>
+            <a:pPr algn="ctr"/>
+            <a:endParaRPr lang="en-US"/>
+          </a:p>
+        </p:txBody>
+      </p:sp>
+      <p:sp>
+        <p:nvSpPr>
+          <p:cNvPr id="41" name="Rectangle 40">
+            <a:extLst>
+              <a:ext uri="{FF2B5EF4-FFF2-40B4-BE49-F238E27FC236}">
+                <a16:creationId xmlns:a16="http://schemas.microsoft.com/office/drawing/2014/main" id="{B3BBEB5A-1C84-4321-2617-19631336A31E}"/>
+              </a:ext>
+            </a:extLst>
+          </p:cNvPr>
+          <p:cNvSpPr/>
+          <p:nvPr/>
+        </p:nvSpPr>
+        <p:spPr>
+          <a:xfrm>
+            <a:off x="4905822" y="2225537"/>
+            <a:ext cx="64035" cy="64035"/>
+          </a:xfrm>
+          <a:prstGeom prst="rect">
+            <a:avLst/>
+          </a:prstGeom>
+          <a:solidFill>
+            <a:srgbClr val="00B050"/>
+          </a:solidFill>
+          <a:ln>
+            <a:noFill/>
+          </a:ln>
+        </p:spPr>
+        <p:style>
+          <a:lnRef idx="2">
+            <a:schemeClr val="accent1">
+              <a:shade val="15000"/>
+            </a:schemeClr>
+          </a:lnRef>
+          <a:fillRef idx="1">
+            <a:schemeClr val="accent1"/>
+          </a:fillRef>
+          <a:effectRef idx="0">
+            <a:schemeClr val="accent1"/>
+          </a:effectRef>
+          <a:fontRef idx="minor">
+            <a:schemeClr val="lt1"/>
+          </a:fontRef>
+        </p:style>
+        <p:txBody>
+          <a:bodyPr rtlCol="0" anchor="ctr"/>
+          <a:lstStyle/>
+          <a:p>
+            <a:pPr algn="ctr"/>
+            <a:endParaRPr lang="en-US"/>
+          </a:p>
+        </p:txBody>
+      </p:sp>
+      <p:sp>
+        <p:nvSpPr>
+          <p:cNvPr id="42" name="Rectangle 41">
+            <a:extLst>
+              <a:ext uri="{FF2B5EF4-FFF2-40B4-BE49-F238E27FC236}">
+                <a16:creationId xmlns:a16="http://schemas.microsoft.com/office/drawing/2014/main" id="{727B9C5B-CA04-694F-99AB-D1EF028E2057}"/>
+              </a:ext>
+            </a:extLst>
+          </p:cNvPr>
+          <p:cNvSpPr/>
+          <p:nvPr/>
+        </p:nvSpPr>
+        <p:spPr>
+          <a:xfrm>
+            <a:off x="4509141" y="1337988"/>
+            <a:ext cx="64035" cy="64035"/>
+          </a:xfrm>
+          <a:prstGeom prst="rect">
+            <a:avLst/>
+          </a:prstGeom>
+          <a:solidFill>
+            <a:srgbClr val="00B050"/>
+          </a:solidFill>
+          <a:ln>
+            <a:noFill/>
+          </a:ln>
+        </p:spPr>
+        <p:style>
+          <a:lnRef idx="2">
+            <a:schemeClr val="accent1">
+              <a:shade val="15000"/>
+            </a:schemeClr>
+          </a:lnRef>
+          <a:fillRef idx="1">
+            <a:schemeClr val="accent1"/>
+          </a:fillRef>
+          <a:effectRef idx="0">
+            <a:schemeClr val="accent1"/>
+          </a:effectRef>
+          <a:fontRef idx="minor">
+            <a:schemeClr val="lt1"/>
+          </a:fontRef>
+        </p:style>
+        <p:txBody>
+          <a:bodyPr rtlCol="0" anchor="ctr"/>
+          <a:lstStyle/>
+          <a:p>
+            <a:pPr algn="ctr"/>
+            <a:endParaRPr lang="en-US"/>
+          </a:p>
+        </p:txBody>
+      </p:sp>
+      <p:sp>
+        <p:nvSpPr>
+          <p:cNvPr id="44" name="Rectangle 43">
+            <a:extLst>
+              <a:ext uri="{FF2B5EF4-FFF2-40B4-BE49-F238E27FC236}">
+                <a16:creationId xmlns:a16="http://schemas.microsoft.com/office/drawing/2014/main" id="{9C8BC0FD-AB07-6B85-6AFF-B6DC202D2E86}"/>
+              </a:ext>
+            </a:extLst>
+          </p:cNvPr>
+          <p:cNvSpPr/>
+          <p:nvPr/>
+        </p:nvSpPr>
+        <p:spPr>
+          <a:xfrm>
+            <a:off x="4722471" y="3408574"/>
+            <a:ext cx="64035" cy="64035"/>
+          </a:xfrm>
+          <a:prstGeom prst="rect">
+            <a:avLst/>
+          </a:prstGeom>
+          <a:solidFill>
+            <a:srgbClr val="00B050"/>
+          </a:solidFill>
+          <a:ln>
+            <a:noFill/>
+          </a:ln>
+        </p:spPr>
+        <p:style>
+          <a:lnRef idx="2">
+            <a:schemeClr val="accent1">
+              <a:shade val="15000"/>
+            </a:schemeClr>
+          </a:lnRef>
+          <a:fillRef idx="1">
+            <a:schemeClr val="accent1"/>
+          </a:fillRef>
+          <a:effectRef idx="0">
+            <a:schemeClr val="accent1"/>
+          </a:effectRef>
+          <a:fontRef idx="minor">
+            <a:schemeClr val="lt1"/>
+          </a:fontRef>
+        </p:style>
+        <p:txBody>
+          <a:bodyPr rtlCol="0" anchor="ctr"/>
+          <a:lstStyle/>
+          <a:p>
+            <a:pPr algn="ctr"/>
+            <a:endParaRPr lang="en-US"/>
+          </a:p>
+        </p:txBody>
+      </p:sp>
+      <p:sp>
+        <p:nvSpPr>
+          <p:cNvPr id="45" name="Rectangle 44">
+            <a:extLst>
+              <a:ext uri="{FF2B5EF4-FFF2-40B4-BE49-F238E27FC236}">
+                <a16:creationId xmlns:a16="http://schemas.microsoft.com/office/drawing/2014/main" id="{0D4F5FD4-9BAF-DD35-BA51-84FDBABE2CE6}"/>
+              </a:ext>
+            </a:extLst>
+          </p:cNvPr>
+          <p:cNvSpPr/>
+          <p:nvPr/>
+        </p:nvSpPr>
+        <p:spPr>
+          <a:xfrm>
+            <a:off x="4002330" y="1959479"/>
+            <a:ext cx="64035" cy="64035"/>
+          </a:xfrm>
+          <a:prstGeom prst="rect">
+            <a:avLst/>
+          </a:prstGeom>
+          <a:solidFill>
+            <a:srgbClr val="00B050"/>
+          </a:solidFill>
+          <a:ln>
+            <a:noFill/>
+          </a:ln>
+        </p:spPr>
+        <p:style>
+          <a:lnRef idx="2">
+            <a:schemeClr val="accent1">
+              <a:shade val="15000"/>
+            </a:schemeClr>
+          </a:lnRef>
+          <a:fillRef idx="1">
+            <a:schemeClr val="accent1"/>
+          </a:fillRef>
+          <a:effectRef idx="0">
+            <a:schemeClr val="accent1"/>
+          </a:effectRef>
+          <a:fontRef idx="minor">
+            <a:schemeClr val="lt1"/>
+          </a:fontRef>
+        </p:style>
+        <p:txBody>
+          <a:bodyPr rtlCol="0" anchor="ctr"/>
+          <a:lstStyle/>
+          <a:p>
+            <a:pPr algn="ctr"/>
+            <a:endParaRPr lang="en-US"/>
+          </a:p>
+        </p:txBody>
+      </p:sp>
+      <p:sp>
+        <p:nvSpPr>
+          <p:cNvPr id="46" name="Rectangle 45">
+            <a:extLst>
+              <a:ext uri="{FF2B5EF4-FFF2-40B4-BE49-F238E27FC236}">
+                <a16:creationId xmlns:a16="http://schemas.microsoft.com/office/drawing/2014/main" id="{669C9353-86C7-9B3E-0804-D2BE133A9925}"/>
+              </a:ext>
+            </a:extLst>
+          </p:cNvPr>
+          <p:cNvSpPr/>
+          <p:nvPr/>
+        </p:nvSpPr>
+        <p:spPr>
+          <a:xfrm>
+            <a:off x="3566176" y="1934638"/>
+            <a:ext cx="64035" cy="64035"/>
+          </a:xfrm>
+          <a:prstGeom prst="rect">
+            <a:avLst/>
+          </a:prstGeom>
+          <a:solidFill>
+            <a:srgbClr val="00B050"/>
+          </a:solidFill>
+          <a:ln>
+            <a:noFill/>
+          </a:ln>
+        </p:spPr>
+        <p:style>
+          <a:lnRef idx="2">
+            <a:schemeClr val="accent1">
+              <a:shade val="15000"/>
+            </a:schemeClr>
+          </a:lnRef>
+          <a:fillRef idx="1">
+            <a:schemeClr val="accent1"/>
+          </a:fillRef>
+          <a:effectRef idx="0">
+            <a:schemeClr val="accent1"/>
+          </a:effectRef>
+          <a:fontRef idx="minor">
+            <a:schemeClr val="lt1"/>
+          </a:fontRef>
+        </p:style>
+        <p:txBody>
+          <a:bodyPr rtlCol="0" anchor="ctr"/>
+          <a:lstStyle/>
+          <a:p>
+            <a:pPr algn="ctr"/>
+            <a:endParaRPr lang="en-US"/>
+          </a:p>
+        </p:txBody>
+      </p:sp>
+      <p:sp>
+        <p:nvSpPr>
+          <p:cNvPr id="47" name="Rectangle 46">
+            <a:extLst>
+              <a:ext uri="{FF2B5EF4-FFF2-40B4-BE49-F238E27FC236}">
+                <a16:creationId xmlns:a16="http://schemas.microsoft.com/office/drawing/2014/main" id="{9F73DDCD-91B8-C982-E066-1829FAE9369A}"/>
+              </a:ext>
+            </a:extLst>
+          </p:cNvPr>
+          <p:cNvSpPr/>
+          <p:nvPr/>
+        </p:nvSpPr>
+        <p:spPr>
+          <a:xfrm>
+            <a:off x="3537959" y="2202150"/>
+            <a:ext cx="64035" cy="64035"/>
+          </a:xfrm>
+          <a:prstGeom prst="rect">
+            <a:avLst/>
+          </a:prstGeom>
+          <a:solidFill>
+            <a:srgbClr val="00B050"/>
+          </a:solidFill>
+          <a:ln>
+            <a:noFill/>
+          </a:ln>
+        </p:spPr>
+        <p:style>
+          <a:lnRef idx="2">
+            <a:schemeClr val="accent1">
+              <a:shade val="15000"/>
+            </a:schemeClr>
+          </a:lnRef>
+          <a:fillRef idx="1">
+            <a:schemeClr val="accent1"/>
+          </a:fillRef>
+          <a:effectRef idx="0">
+            <a:schemeClr val="accent1"/>
+          </a:effectRef>
+          <a:fontRef idx="minor">
+            <a:schemeClr val="lt1"/>
+          </a:fontRef>
+        </p:style>
+        <p:txBody>
+          <a:bodyPr rtlCol="0" anchor="ctr"/>
+          <a:lstStyle/>
+          <a:p>
+            <a:pPr algn="ctr"/>
+            <a:endParaRPr lang="en-US"/>
+          </a:p>
+        </p:txBody>
+      </p:sp>
+      <p:sp>
+        <p:nvSpPr>
+          <p:cNvPr id="48" name="Rectangle 47">
+            <a:extLst>
+              <a:ext uri="{FF2B5EF4-FFF2-40B4-BE49-F238E27FC236}">
+                <a16:creationId xmlns:a16="http://schemas.microsoft.com/office/drawing/2014/main" id="{31F332C5-B66A-BB62-12C9-F0990A65A271}"/>
+              </a:ext>
+            </a:extLst>
+          </p:cNvPr>
+          <p:cNvSpPr/>
+          <p:nvPr/>
+        </p:nvSpPr>
+        <p:spPr>
+          <a:xfrm>
+            <a:off x="3758214" y="2946211"/>
+            <a:ext cx="64035" cy="64035"/>
+          </a:xfrm>
+          <a:prstGeom prst="rect">
+            <a:avLst/>
+          </a:prstGeom>
+          <a:solidFill>
+            <a:srgbClr val="00B050"/>
+          </a:solidFill>
+          <a:ln>
+            <a:noFill/>
+          </a:ln>
+        </p:spPr>
+        <p:style>
+          <a:lnRef idx="2">
+            <a:schemeClr val="accent1">
+              <a:shade val="15000"/>
+            </a:schemeClr>
+          </a:lnRef>
+          <a:fillRef idx="1">
+            <a:schemeClr val="accent1"/>
+          </a:fillRef>
+          <a:effectRef idx="0">
+            <a:schemeClr val="accent1"/>
+          </a:effectRef>
+          <a:fontRef idx="minor">
+            <a:schemeClr val="lt1"/>
+          </a:fontRef>
+        </p:style>
+        <p:txBody>
+          <a:bodyPr rtlCol="0" anchor="ctr"/>
+          <a:lstStyle/>
+          <a:p>
+            <a:pPr algn="ctr"/>
+            <a:endParaRPr lang="en-US"/>
+          </a:p>
+        </p:txBody>
+      </p:sp>
+      <p:sp>
+        <p:nvSpPr>
+          <p:cNvPr id="49" name="Rectangle 48">
+            <a:extLst>
+              <a:ext uri="{FF2B5EF4-FFF2-40B4-BE49-F238E27FC236}">
+                <a16:creationId xmlns:a16="http://schemas.microsoft.com/office/drawing/2014/main" id="{FE0E7337-1120-7C59-CADC-057E554697BF}"/>
+              </a:ext>
+            </a:extLst>
+          </p:cNvPr>
+          <p:cNvSpPr/>
+          <p:nvPr/>
+        </p:nvSpPr>
+        <p:spPr>
+          <a:xfrm>
+            <a:off x="4009740" y="3015299"/>
+            <a:ext cx="64035" cy="64035"/>
+          </a:xfrm>
+          <a:prstGeom prst="rect">
+            <a:avLst/>
+          </a:prstGeom>
+          <a:solidFill>
+            <a:srgbClr val="00B050"/>
+          </a:solidFill>
+          <a:ln>
+            <a:noFill/>
+          </a:ln>
+        </p:spPr>
+        <p:style>
+          <a:lnRef idx="2">
+            <a:schemeClr val="accent1">
+              <a:shade val="15000"/>
+            </a:schemeClr>
+          </a:lnRef>
+          <a:fillRef idx="1">
+            <a:schemeClr val="accent1"/>
+          </a:fillRef>
+          <a:effectRef idx="0">
+            <a:schemeClr val="accent1"/>
+          </a:effectRef>
+          <a:fontRef idx="minor">
+            <a:schemeClr val="lt1"/>
+          </a:fontRef>
+        </p:style>
+        <p:txBody>
+          <a:bodyPr rtlCol="0" anchor="ctr"/>
+          <a:lstStyle/>
+          <a:p>
+            <a:pPr algn="ctr"/>
+            <a:endParaRPr lang="en-US"/>
+          </a:p>
+        </p:txBody>
+      </p:sp>
+      <p:sp>
+        <p:nvSpPr>
+          <p:cNvPr id="50" name="Rectangle 49">
+            <a:extLst>
+              <a:ext uri="{FF2B5EF4-FFF2-40B4-BE49-F238E27FC236}">
+                <a16:creationId xmlns:a16="http://schemas.microsoft.com/office/drawing/2014/main" id="{4CEA90FB-A5A3-A3BC-E2FC-943FC7C7E91E}"/>
+              </a:ext>
+            </a:extLst>
+          </p:cNvPr>
+          <p:cNvSpPr/>
+          <p:nvPr/>
+        </p:nvSpPr>
+        <p:spPr>
+          <a:xfrm>
+            <a:off x="3941319" y="3831320"/>
+            <a:ext cx="64035" cy="64035"/>
+          </a:xfrm>
+          <a:prstGeom prst="rect">
+            <a:avLst/>
+          </a:prstGeom>
+          <a:solidFill>
+            <a:srgbClr val="00B050"/>
+          </a:solidFill>
+          <a:ln>
+            <a:noFill/>
+          </a:ln>
+        </p:spPr>
+        <p:style>
+          <a:lnRef idx="2">
+            <a:schemeClr val="accent1">
+              <a:shade val="15000"/>
+            </a:schemeClr>
+          </a:lnRef>
+          <a:fillRef idx="1">
+            <a:schemeClr val="accent1"/>
+          </a:fillRef>
+          <a:effectRef idx="0">
+            <a:schemeClr val="accent1"/>
+          </a:effectRef>
+          <a:fontRef idx="minor">
+            <a:schemeClr val="lt1"/>
+          </a:fontRef>
+        </p:style>
+        <p:txBody>
+          <a:bodyPr rtlCol="0" anchor="ctr"/>
+          <a:lstStyle/>
+          <a:p>
+            <a:pPr algn="ctr"/>
+            <a:endParaRPr lang="en-US"/>
+          </a:p>
+        </p:txBody>
+      </p:sp>
+      <p:sp>
+        <p:nvSpPr>
+          <p:cNvPr id="51" name="Rectangle 50">
+            <a:extLst>
+              <a:ext uri="{FF2B5EF4-FFF2-40B4-BE49-F238E27FC236}">
+                <a16:creationId xmlns:a16="http://schemas.microsoft.com/office/drawing/2014/main" id="{F4CB8EC2-B16C-B279-3C7A-CCB33A9AC1E1}"/>
+              </a:ext>
+            </a:extLst>
+          </p:cNvPr>
+          <p:cNvSpPr/>
+          <p:nvPr/>
+        </p:nvSpPr>
+        <p:spPr>
+          <a:xfrm>
+            <a:off x="3464967" y="3338318"/>
+            <a:ext cx="64035" cy="64035"/>
+          </a:xfrm>
+          <a:prstGeom prst="rect">
+            <a:avLst/>
+          </a:prstGeom>
+          <a:solidFill>
+            <a:srgbClr val="00B050"/>
+          </a:solidFill>
+          <a:ln>
+            <a:noFill/>
+          </a:ln>
+        </p:spPr>
+        <p:style>
+          <a:lnRef idx="2">
+            <a:schemeClr val="accent1">
+              <a:shade val="15000"/>
+            </a:schemeClr>
+          </a:lnRef>
+          <a:fillRef idx="1">
+            <a:schemeClr val="accent1"/>
+          </a:fillRef>
+          <a:effectRef idx="0">
+            <a:schemeClr val="accent1"/>
+          </a:effectRef>
+          <a:fontRef idx="minor">
+            <a:schemeClr val="lt1"/>
+          </a:fontRef>
+        </p:style>
+        <p:txBody>
+          <a:bodyPr rtlCol="0" anchor="ctr"/>
+          <a:lstStyle/>
+          <a:p>
+            <a:pPr algn="ctr"/>
+            <a:endParaRPr lang="en-US"/>
+          </a:p>
+        </p:txBody>
+      </p:sp>
+      <p:sp>
+        <p:nvSpPr>
+          <p:cNvPr id="52" name="Rectangle 51">
+            <a:extLst>
+              <a:ext uri="{FF2B5EF4-FFF2-40B4-BE49-F238E27FC236}">
+                <a16:creationId xmlns:a16="http://schemas.microsoft.com/office/drawing/2014/main" id="{37B198BE-D42A-2C07-CC1E-531876E43233}"/>
+              </a:ext>
+            </a:extLst>
+          </p:cNvPr>
+          <p:cNvSpPr/>
+          <p:nvPr/>
+        </p:nvSpPr>
+        <p:spPr>
+          <a:xfrm>
+            <a:off x="5023229" y="2880155"/>
+            <a:ext cx="64035" cy="64035"/>
+          </a:xfrm>
+          <a:prstGeom prst="rect">
+            <a:avLst/>
+          </a:prstGeom>
+          <a:solidFill>
+            <a:srgbClr val="00B050"/>
+          </a:solidFill>
+          <a:ln>
+            <a:noFill/>
+          </a:ln>
+        </p:spPr>
+        <p:style>
+          <a:lnRef idx="2">
+            <a:schemeClr val="accent1">
+              <a:shade val="15000"/>
+            </a:schemeClr>
+          </a:lnRef>
+          <a:fillRef idx="1">
+            <a:schemeClr val="accent1"/>
+          </a:fillRef>
+          <a:effectRef idx="0">
+            <a:schemeClr val="accent1"/>
+          </a:effectRef>
+          <a:fontRef idx="minor">
+            <a:schemeClr val="lt1"/>
+          </a:fontRef>
+        </p:style>
+        <p:txBody>
+          <a:bodyPr rtlCol="0" anchor="ctr"/>
+          <a:lstStyle/>
+          <a:p>
+            <a:pPr algn="ctr"/>
+            <a:endParaRPr lang="en-US"/>
+          </a:p>
+        </p:txBody>
+      </p:sp>
+      <p:sp>
+        <p:nvSpPr>
+          <p:cNvPr id="53" name="Rectangle 52">
+            <a:extLst>
+              <a:ext uri="{FF2B5EF4-FFF2-40B4-BE49-F238E27FC236}">
+                <a16:creationId xmlns:a16="http://schemas.microsoft.com/office/drawing/2014/main" id="{998A1B0D-B987-D483-ED5A-E9E559886C65}"/>
+              </a:ext>
+            </a:extLst>
+          </p:cNvPr>
+          <p:cNvSpPr/>
+          <p:nvPr/>
+        </p:nvSpPr>
+        <p:spPr>
+          <a:xfrm>
+            <a:off x="3916972" y="1266744"/>
+            <a:ext cx="64035" cy="64035"/>
+          </a:xfrm>
+          <a:prstGeom prst="rect">
+            <a:avLst/>
+          </a:prstGeom>
+          <a:solidFill>
+            <a:srgbClr val="00B050"/>
+          </a:solidFill>
+          <a:ln>
+            <a:noFill/>
+          </a:ln>
+        </p:spPr>
+        <p:style>
+          <a:lnRef idx="2">
+            <a:schemeClr val="accent1">
+              <a:shade val="15000"/>
+            </a:schemeClr>
+          </a:lnRef>
+          <a:fillRef idx="1">
+            <a:schemeClr val="accent1"/>
+          </a:fillRef>
+          <a:effectRef idx="0">
+            <a:schemeClr val="accent1"/>
+          </a:effectRef>
+          <a:fontRef idx="minor">
+            <a:schemeClr val="lt1"/>
+          </a:fontRef>
+        </p:style>
+        <p:txBody>
+          <a:bodyPr rtlCol="0" anchor="ctr"/>
+          <a:lstStyle/>
+          <a:p>
+            <a:pPr algn="ctr"/>
+            <a:endParaRPr lang="en-US"/>
+          </a:p>
+        </p:txBody>
+      </p:sp>
+      <p:sp>
+        <p:nvSpPr>
+          <p:cNvPr id="54" name="Rectangle 53">
+            <a:extLst>
+              <a:ext uri="{FF2B5EF4-FFF2-40B4-BE49-F238E27FC236}">
+                <a16:creationId xmlns:a16="http://schemas.microsoft.com/office/drawing/2014/main" id="{575B5E36-7EAC-95AE-1F90-5A050EB47EAD}"/>
+              </a:ext>
+            </a:extLst>
+          </p:cNvPr>
+          <p:cNvSpPr/>
+          <p:nvPr/>
+        </p:nvSpPr>
+        <p:spPr>
+          <a:xfrm>
+            <a:off x="3694179" y="1720242"/>
+            <a:ext cx="64035" cy="64035"/>
+          </a:xfrm>
+          <a:prstGeom prst="rect">
+            <a:avLst/>
+          </a:prstGeom>
+          <a:solidFill>
+            <a:srgbClr val="00B050"/>
+          </a:solidFill>
+          <a:ln>
+            <a:noFill/>
+          </a:ln>
+        </p:spPr>
+        <p:style>
+          <a:lnRef idx="2">
+            <a:schemeClr val="accent1">
+              <a:shade val="15000"/>
+            </a:schemeClr>
+          </a:lnRef>
+          <a:fillRef idx="1">
+            <a:schemeClr val="accent1"/>
+          </a:fillRef>
+          <a:effectRef idx="0">
+            <a:schemeClr val="accent1"/>
+          </a:effectRef>
+          <a:fontRef idx="minor">
+            <a:schemeClr val="lt1"/>
+          </a:fontRef>
+        </p:style>
+        <p:txBody>
+          <a:bodyPr rtlCol="0" anchor="ctr"/>
+          <a:lstStyle/>
+          <a:p>
+            <a:pPr algn="ctr"/>
+            <a:endParaRPr lang="en-US"/>
+          </a:p>
+        </p:txBody>
+      </p:sp>
+      <p:sp>
+        <p:nvSpPr>
+          <p:cNvPr id="57" name="Rectangle 56">
+            <a:extLst>
+              <a:ext uri="{FF2B5EF4-FFF2-40B4-BE49-F238E27FC236}">
+                <a16:creationId xmlns:a16="http://schemas.microsoft.com/office/drawing/2014/main" id="{15E67BA0-0AE1-FDBA-B87C-6F1D2CC89B4C}"/>
+              </a:ext>
+            </a:extLst>
+          </p:cNvPr>
+          <p:cNvSpPr/>
+          <p:nvPr/>
+        </p:nvSpPr>
+        <p:spPr>
+          <a:xfrm>
+            <a:off x="4153415" y="2279365"/>
+            <a:ext cx="64035" cy="64035"/>
+          </a:xfrm>
+          <a:prstGeom prst="rect">
+            <a:avLst/>
+          </a:prstGeom>
+          <a:solidFill>
+            <a:srgbClr val="00B050"/>
+          </a:solidFill>
+          <a:ln>
+            <a:noFill/>
+          </a:ln>
+        </p:spPr>
+        <p:style>
+          <a:lnRef idx="2">
+            <a:schemeClr val="accent1">
+              <a:shade val="15000"/>
+            </a:schemeClr>
+          </a:lnRef>
+          <a:fillRef idx="1">
+            <a:schemeClr val="accent1"/>
+          </a:fillRef>
+          <a:effectRef idx="0">
+            <a:schemeClr val="accent1"/>
+          </a:effectRef>
+          <a:fontRef idx="minor">
+            <a:schemeClr val="lt1"/>
+          </a:fontRef>
+        </p:style>
+        <p:txBody>
+          <a:bodyPr rtlCol="0" anchor="ctr"/>
+          <a:lstStyle/>
+          <a:p>
+            <a:pPr algn="ctr"/>
+            <a:endParaRPr lang="en-US"/>
+          </a:p>
+        </p:txBody>
+      </p:sp>
+      <p:sp>
+        <p:nvSpPr>
+          <p:cNvPr id="60" name="Rectangle 59">
+            <a:extLst>
+              <a:ext uri="{FF2B5EF4-FFF2-40B4-BE49-F238E27FC236}">
+                <a16:creationId xmlns:a16="http://schemas.microsoft.com/office/drawing/2014/main" id="{7168F399-5550-E7D1-8C33-F967EE60486F}"/>
+              </a:ext>
+            </a:extLst>
+          </p:cNvPr>
+          <p:cNvSpPr/>
+          <p:nvPr/>
+        </p:nvSpPr>
+        <p:spPr>
+          <a:xfrm>
+            <a:off x="5035804" y="3472609"/>
+            <a:ext cx="64035" cy="64035"/>
+          </a:xfrm>
+          <a:prstGeom prst="rect">
+            <a:avLst/>
+          </a:prstGeom>
+          <a:solidFill>
+            <a:srgbClr val="00B050"/>
+          </a:solidFill>
+          <a:ln>
+            <a:noFill/>
+          </a:ln>
+        </p:spPr>
+        <p:style>
+          <a:lnRef idx="2">
+            <a:schemeClr val="accent1">
+              <a:shade val="15000"/>
+            </a:schemeClr>
+          </a:lnRef>
+          <a:fillRef idx="1">
+            <a:schemeClr val="accent1"/>
+          </a:fillRef>
+          <a:effectRef idx="0">
+            <a:schemeClr val="accent1"/>
+          </a:effectRef>
+          <a:fontRef idx="minor">
+            <a:schemeClr val="lt1"/>
+          </a:fontRef>
+        </p:style>
+        <p:txBody>
+          <a:bodyPr rtlCol="0" anchor="ctr"/>
+          <a:lstStyle/>
+          <a:p>
+            <a:pPr algn="ctr"/>
+            <a:endParaRPr lang="en-US"/>
+          </a:p>
+        </p:txBody>
+      </p:sp>
+      <p:sp>
+        <p:nvSpPr>
+          <p:cNvPr id="61" name="Rectangle 60">
+            <a:extLst>
+              <a:ext uri="{FF2B5EF4-FFF2-40B4-BE49-F238E27FC236}">
+                <a16:creationId xmlns:a16="http://schemas.microsoft.com/office/drawing/2014/main" id="{09C9D986-B8B4-8188-E35A-CB05F14BDFE2}"/>
+              </a:ext>
+            </a:extLst>
+          </p:cNvPr>
+          <p:cNvSpPr/>
+          <p:nvPr/>
+        </p:nvSpPr>
+        <p:spPr>
+          <a:xfrm>
+            <a:off x="4572905" y="3123377"/>
+            <a:ext cx="64035" cy="64035"/>
+          </a:xfrm>
+          <a:prstGeom prst="rect">
+            <a:avLst/>
+          </a:prstGeom>
+          <a:solidFill>
+            <a:srgbClr val="00B050"/>
+          </a:solidFill>
+          <a:ln>
+            <a:noFill/>
+          </a:ln>
+        </p:spPr>
+        <p:style>
+          <a:lnRef idx="2">
+            <a:schemeClr val="accent1">
+              <a:shade val="15000"/>
+            </a:schemeClr>
+          </a:lnRef>
+          <a:fillRef idx="1">
+            <a:schemeClr val="accent1"/>
+          </a:fillRef>
+          <a:effectRef idx="0">
+            <a:schemeClr val="accent1"/>
+          </a:effectRef>
+          <a:fontRef idx="minor">
+            <a:schemeClr val="lt1"/>
+          </a:fontRef>
+        </p:style>
+        <p:txBody>
+          <a:bodyPr rtlCol="0" anchor="ctr"/>
+          <a:lstStyle/>
+          <a:p>
+            <a:pPr algn="ctr"/>
+            <a:endParaRPr lang="en-US"/>
+          </a:p>
+        </p:txBody>
+      </p:sp>
+      <p:sp>
+        <p:nvSpPr>
+          <p:cNvPr id="78" name="Triangle 77">
+            <a:extLst>
+              <a:ext uri="{FF2B5EF4-FFF2-40B4-BE49-F238E27FC236}">
+                <a16:creationId xmlns:a16="http://schemas.microsoft.com/office/drawing/2014/main" id="{9E75563C-6802-4195-ECBF-09D91FAB7CF8}"/>
+              </a:ext>
+            </a:extLst>
+          </p:cNvPr>
+          <p:cNvSpPr>
+            <a:spLocks noChangeAspect="1"/>
+          </p:cNvSpPr>
+          <p:nvPr/>
+        </p:nvSpPr>
+        <p:spPr>
+          <a:xfrm>
+            <a:off x="1600956" y="1330779"/>
+            <a:ext cx="73642" cy="73152"/>
+          </a:xfrm>
+          <a:prstGeom prst="triangle">
+            <a:avLst/>
+          </a:prstGeom>
+          <a:solidFill>
+            <a:schemeClr val="accent1"/>
+          </a:solidFill>
+          <a:ln>
+            <a:noFill/>
+          </a:ln>
+        </p:spPr>
+        <p:style>
+          <a:lnRef idx="2">
+            <a:schemeClr val="accent1">
+              <a:shade val="15000"/>
+            </a:schemeClr>
+          </a:lnRef>
+          <a:fillRef idx="1">
+            <a:schemeClr val="accent1"/>
+          </a:fillRef>
+          <a:effectRef idx="0">
+            <a:schemeClr val="accent1"/>
+          </a:effectRef>
+          <a:fontRef idx="minor">
+            <a:schemeClr val="lt1"/>
+          </a:fontRef>
+        </p:style>
+        <p:txBody>
+          <a:bodyPr rtlCol="0" anchor="ctr"/>
+          <a:lstStyle/>
+          <a:p>
+            <a:pPr algn="ctr"/>
+            <a:endParaRPr lang="en-US"/>
+          </a:p>
+        </p:txBody>
+      </p:sp>
+      <p:sp>
+        <p:nvSpPr>
+          <p:cNvPr id="79" name="Triangle 78">
+            <a:extLst>
+              <a:ext uri="{FF2B5EF4-FFF2-40B4-BE49-F238E27FC236}">
+                <a16:creationId xmlns:a16="http://schemas.microsoft.com/office/drawing/2014/main" id="{515CFB88-F007-E0D5-50D4-226943FFBA9E}"/>
+              </a:ext>
+            </a:extLst>
+          </p:cNvPr>
+          <p:cNvSpPr>
+            <a:spLocks noChangeAspect="1"/>
+          </p:cNvSpPr>
+          <p:nvPr/>
+        </p:nvSpPr>
+        <p:spPr>
+          <a:xfrm>
+            <a:off x="1629829" y="1896946"/>
+            <a:ext cx="73642" cy="73152"/>
+          </a:xfrm>
+          <a:prstGeom prst="triangle">
+            <a:avLst/>
+          </a:prstGeom>
+          <a:solidFill>
+            <a:schemeClr val="accent1"/>
+          </a:solidFill>
+          <a:ln>
+            <a:noFill/>
+          </a:ln>
+        </p:spPr>
+        <p:style>
+          <a:lnRef idx="2">
+            <a:schemeClr val="accent1">
+              <a:shade val="15000"/>
+            </a:schemeClr>
+          </a:lnRef>
+          <a:fillRef idx="1">
+            <a:schemeClr val="accent1"/>
+          </a:fillRef>
+          <a:effectRef idx="0">
+            <a:schemeClr val="accent1"/>
+          </a:effectRef>
+          <a:fontRef idx="minor">
+            <a:schemeClr val="lt1"/>
+          </a:fontRef>
+        </p:style>
+        <p:txBody>
+          <a:bodyPr rtlCol="0" anchor="ctr"/>
+          <a:lstStyle/>
+          <a:p>
+            <a:pPr algn="ctr"/>
+            <a:endParaRPr lang="en-US"/>
+          </a:p>
+        </p:txBody>
+      </p:sp>
+      <p:sp>
+        <p:nvSpPr>
+          <p:cNvPr id="80" name="Triangle 79">
+            <a:extLst>
+              <a:ext uri="{FF2B5EF4-FFF2-40B4-BE49-F238E27FC236}">
+                <a16:creationId xmlns:a16="http://schemas.microsoft.com/office/drawing/2014/main" id="{949FFB07-C3F2-5A93-3826-2666CA300747}"/>
+              </a:ext>
+            </a:extLst>
+          </p:cNvPr>
+          <p:cNvSpPr>
+            <a:spLocks noChangeAspect="1"/>
+          </p:cNvSpPr>
+          <p:nvPr/>
+        </p:nvSpPr>
+        <p:spPr>
+          <a:xfrm>
+            <a:off x="2250783" y="1534883"/>
+            <a:ext cx="73642" cy="73152"/>
+          </a:xfrm>
+          <a:prstGeom prst="triangle">
+            <a:avLst/>
+          </a:prstGeom>
+          <a:solidFill>
+            <a:schemeClr val="accent1"/>
+          </a:solidFill>
+          <a:ln>
+            <a:noFill/>
+          </a:ln>
+        </p:spPr>
+        <p:style>
+          <a:lnRef idx="2">
+            <a:schemeClr val="accent1">
+              <a:shade val="15000"/>
+            </a:schemeClr>
+          </a:lnRef>
+          <a:fillRef idx="1">
+            <a:schemeClr val="accent1"/>
+          </a:fillRef>
+          <a:effectRef idx="0">
+            <a:schemeClr val="accent1"/>
+          </a:effectRef>
+          <a:fontRef idx="minor">
+            <a:schemeClr val="lt1"/>
+          </a:fontRef>
+        </p:style>
+        <p:txBody>
+          <a:bodyPr rtlCol="0" anchor="ctr"/>
+          <a:lstStyle/>
+          <a:p>
+            <a:pPr algn="ctr"/>
+            <a:endParaRPr lang="en-US"/>
+          </a:p>
+        </p:txBody>
+      </p:sp>
+      <p:sp>
+        <p:nvSpPr>
+          <p:cNvPr id="81" name="Triangle 80">
+            <a:extLst>
+              <a:ext uri="{FF2B5EF4-FFF2-40B4-BE49-F238E27FC236}">
+                <a16:creationId xmlns:a16="http://schemas.microsoft.com/office/drawing/2014/main" id="{58EDA7C4-47D8-E258-F558-C1803C2BF573}"/>
+              </a:ext>
+            </a:extLst>
+          </p:cNvPr>
+          <p:cNvSpPr>
+            <a:spLocks noChangeAspect="1"/>
+          </p:cNvSpPr>
+          <p:nvPr/>
+        </p:nvSpPr>
+        <p:spPr>
+          <a:xfrm>
+            <a:off x="2525035" y="2133861"/>
+            <a:ext cx="73642" cy="73152"/>
+          </a:xfrm>
+          <a:prstGeom prst="triangle">
+            <a:avLst/>
+          </a:prstGeom>
+          <a:solidFill>
+            <a:schemeClr val="accent1"/>
+          </a:solidFill>
+          <a:ln>
+            <a:noFill/>
+          </a:ln>
+        </p:spPr>
+        <p:style>
+          <a:lnRef idx="2">
+            <a:schemeClr val="accent1">
+              <a:shade val="15000"/>
+            </a:schemeClr>
+          </a:lnRef>
+          <a:fillRef idx="1">
+            <a:schemeClr val="accent1"/>
+          </a:fillRef>
+          <a:effectRef idx="0">
+            <a:schemeClr val="accent1"/>
+          </a:effectRef>
+          <a:fontRef idx="minor">
+            <a:schemeClr val="lt1"/>
+          </a:fontRef>
+        </p:style>
+        <p:txBody>
+          <a:bodyPr rtlCol="0" anchor="ctr"/>
+          <a:lstStyle/>
+          <a:p>
+            <a:pPr algn="ctr"/>
+            <a:endParaRPr lang="en-US"/>
+          </a:p>
+        </p:txBody>
+      </p:sp>
+      <p:sp>
+        <p:nvSpPr>
+          <p:cNvPr id="82" name="Triangle 81">
+            <a:extLst>
+              <a:ext uri="{FF2B5EF4-FFF2-40B4-BE49-F238E27FC236}">
+                <a16:creationId xmlns:a16="http://schemas.microsoft.com/office/drawing/2014/main" id="{4C75795D-23C8-EB09-4B15-AB3B77939A9F}"/>
+              </a:ext>
+            </a:extLst>
+          </p:cNvPr>
+          <p:cNvSpPr>
+            <a:spLocks noChangeAspect="1"/>
+          </p:cNvSpPr>
+          <p:nvPr/>
+        </p:nvSpPr>
+        <p:spPr>
+          <a:xfrm>
+            <a:off x="1536369" y="2927599"/>
+            <a:ext cx="73642" cy="73152"/>
+          </a:xfrm>
+          <a:prstGeom prst="triangle">
+            <a:avLst/>
+          </a:prstGeom>
+          <a:solidFill>
+            <a:schemeClr val="accent1"/>
+          </a:solidFill>
+          <a:ln>
+            <a:noFill/>
+          </a:ln>
+        </p:spPr>
+        <p:style>
+          <a:lnRef idx="2">
+            <a:schemeClr val="accent1">
+              <a:shade val="15000"/>
+            </a:schemeClr>
+          </a:lnRef>
+          <a:fillRef idx="1">
+            <a:schemeClr val="accent1"/>
+          </a:fillRef>
+          <a:effectRef idx="0">
+            <a:schemeClr val="accent1"/>
+          </a:effectRef>
+          <a:fontRef idx="minor">
+            <a:schemeClr val="lt1"/>
+          </a:fontRef>
+        </p:style>
+        <p:txBody>
+          <a:bodyPr rtlCol="0" anchor="ctr"/>
+          <a:lstStyle/>
+          <a:p>
+            <a:pPr algn="ctr"/>
+            <a:endParaRPr lang="en-US"/>
+          </a:p>
+        </p:txBody>
+      </p:sp>
+      <p:sp>
+        <p:nvSpPr>
+          <p:cNvPr id="83" name="Triangle 82">
+            <a:extLst>
+              <a:ext uri="{FF2B5EF4-FFF2-40B4-BE49-F238E27FC236}">
+                <a16:creationId xmlns:a16="http://schemas.microsoft.com/office/drawing/2014/main" id="{4A0A303A-58B0-FAE6-7C6D-CFBA543B68E2}"/>
+              </a:ext>
+            </a:extLst>
+          </p:cNvPr>
+          <p:cNvSpPr>
+            <a:spLocks noChangeAspect="1"/>
+          </p:cNvSpPr>
+          <p:nvPr/>
+        </p:nvSpPr>
+        <p:spPr>
+          <a:xfrm>
+            <a:off x="1688769" y="3079999"/>
+            <a:ext cx="73642" cy="73152"/>
+          </a:xfrm>
+          <a:prstGeom prst="triangle">
+            <a:avLst/>
+          </a:prstGeom>
+          <a:solidFill>
+            <a:schemeClr val="accent1"/>
+          </a:solidFill>
+          <a:ln>
+            <a:noFill/>
+          </a:ln>
+        </p:spPr>
+        <p:style>
+          <a:lnRef idx="2">
+            <a:schemeClr val="accent1">
+              <a:shade val="15000"/>
+            </a:schemeClr>
+          </a:lnRef>
+          <a:fillRef idx="1">
+            <a:schemeClr val="accent1"/>
+          </a:fillRef>
+          <a:effectRef idx="0">
+            <a:schemeClr val="accent1"/>
+          </a:effectRef>
+          <a:fontRef idx="minor">
+            <a:schemeClr val="lt1"/>
+          </a:fontRef>
+        </p:style>
+        <p:txBody>
+          <a:bodyPr rtlCol="0" anchor="ctr"/>
+          <a:lstStyle/>
+          <a:p>
+            <a:pPr algn="ctr"/>
+            <a:endParaRPr lang="en-US"/>
+          </a:p>
+        </p:txBody>
+      </p:sp>
+      <p:sp>
+        <p:nvSpPr>
+          <p:cNvPr id="84" name="Triangle 83">
+            <a:extLst>
+              <a:ext uri="{FF2B5EF4-FFF2-40B4-BE49-F238E27FC236}">
+                <a16:creationId xmlns:a16="http://schemas.microsoft.com/office/drawing/2014/main" id="{6F85CDF3-3E7E-97B4-9BCC-C0FC6184FF69}"/>
+              </a:ext>
+            </a:extLst>
+          </p:cNvPr>
+          <p:cNvSpPr>
+            <a:spLocks noChangeAspect="1"/>
+          </p:cNvSpPr>
+          <p:nvPr/>
+        </p:nvSpPr>
+        <p:spPr>
+          <a:xfrm>
+            <a:off x="2655236" y="1893503"/>
+            <a:ext cx="73642" cy="73152"/>
+          </a:xfrm>
+          <a:prstGeom prst="triangle">
+            <a:avLst/>
+          </a:prstGeom>
+          <a:solidFill>
+            <a:schemeClr val="accent1"/>
+          </a:solidFill>
+          <a:ln>
+            <a:noFill/>
+          </a:ln>
+        </p:spPr>
+        <p:style>
+          <a:lnRef idx="2">
+            <a:schemeClr val="accent1">
+              <a:shade val="15000"/>
+            </a:schemeClr>
+          </a:lnRef>
+          <a:fillRef idx="1">
+            <a:schemeClr val="accent1"/>
+          </a:fillRef>
+          <a:effectRef idx="0">
+            <a:schemeClr val="accent1"/>
+          </a:effectRef>
+          <a:fontRef idx="minor">
+            <a:schemeClr val="lt1"/>
+          </a:fontRef>
+        </p:style>
+        <p:txBody>
+          <a:bodyPr rtlCol="0" anchor="ctr"/>
+          <a:lstStyle/>
+          <a:p>
+            <a:pPr algn="ctr"/>
+            <a:endParaRPr lang="en-US"/>
+          </a:p>
+        </p:txBody>
+      </p:sp>
+      <p:sp>
+        <p:nvSpPr>
+          <p:cNvPr id="85" name="Triangle 84">
+            <a:extLst>
+              <a:ext uri="{FF2B5EF4-FFF2-40B4-BE49-F238E27FC236}">
+                <a16:creationId xmlns:a16="http://schemas.microsoft.com/office/drawing/2014/main" id="{06432CE6-6A19-AFB9-D5FD-D926EFE871D1}"/>
+              </a:ext>
+            </a:extLst>
+          </p:cNvPr>
+          <p:cNvSpPr>
+            <a:spLocks noChangeAspect="1"/>
+          </p:cNvSpPr>
+          <p:nvPr/>
+        </p:nvSpPr>
+        <p:spPr>
+          <a:xfrm>
+            <a:off x="2822660" y="2927599"/>
+            <a:ext cx="73642" cy="73152"/>
+          </a:xfrm>
+          <a:prstGeom prst="triangle">
+            <a:avLst/>
+          </a:prstGeom>
+          <a:solidFill>
+            <a:schemeClr val="accent1"/>
+          </a:solidFill>
+          <a:ln>
+            <a:noFill/>
+          </a:ln>
+        </p:spPr>
+        <p:style>
+          <a:lnRef idx="2">
+            <a:schemeClr val="accent1">
+              <a:shade val="15000"/>
+            </a:schemeClr>
+          </a:lnRef>
+          <a:fillRef idx="1">
+            <a:schemeClr val="accent1"/>
+          </a:fillRef>
+          <a:effectRef idx="0">
+            <a:schemeClr val="accent1"/>
+          </a:effectRef>
+          <a:fontRef idx="minor">
+            <a:schemeClr val="lt1"/>
+          </a:fontRef>
+        </p:style>
+        <p:txBody>
+          <a:bodyPr rtlCol="0" anchor="ctr"/>
+          <a:lstStyle/>
+          <a:p>
+            <a:pPr algn="ctr"/>
+            <a:endParaRPr lang="en-US"/>
+          </a:p>
+        </p:txBody>
+      </p:sp>
+      <p:sp>
+        <p:nvSpPr>
+          <p:cNvPr id="86" name="Triangle 85">
+            <a:extLst>
+              <a:ext uri="{FF2B5EF4-FFF2-40B4-BE49-F238E27FC236}">
+                <a16:creationId xmlns:a16="http://schemas.microsoft.com/office/drawing/2014/main" id="{91F0ADFB-6A7A-5FB5-06F6-58F2336CABF3}"/>
+              </a:ext>
+            </a:extLst>
+          </p:cNvPr>
+          <p:cNvSpPr>
+            <a:spLocks noChangeAspect="1"/>
+          </p:cNvSpPr>
+          <p:nvPr/>
+        </p:nvSpPr>
+        <p:spPr>
+          <a:xfrm>
+            <a:off x="2960036" y="2198303"/>
+            <a:ext cx="73642" cy="73152"/>
+          </a:xfrm>
+          <a:prstGeom prst="triangle">
+            <a:avLst/>
+          </a:prstGeom>
+          <a:solidFill>
+            <a:schemeClr val="accent1"/>
+          </a:solidFill>
+          <a:ln>
+            <a:noFill/>
+          </a:ln>
+        </p:spPr>
+        <p:style>
+          <a:lnRef idx="2">
+            <a:schemeClr val="accent1">
+              <a:shade val="15000"/>
+            </a:schemeClr>
+          </a:lnRef>
+          <a:fillRef idx="1">
+            <a:schemeClr val="accent1"/>
+          </a:fillRef>
+          <a:effectRef idx="0">
+            <a:schemeClr val="accent1"/>
+          </a:effectRef>
+          <a:fontRef idx="minor">
+            <a:schemeClr val="lt1"/>
+          </a:fontRef>
+        </p:style>
+        <p:txBody>
+          <a:bodyPr rtlCol="0" anchor="ctr"/>
+          <a:lstStyle/>
+          <a:p>
+            <a:pPr algn="ctr"/>
+            <a:endParaRPr lang="en-US"/>
+          </a:p>
+        </p:txBody>
+      </p:sp>
+      <p:sp>
+        <p:nvSpPr>
+          <p:cNvPr id="87" name="Triangle 86">
+            <a:extLst>
+              <a:ext uri="{FF2B5EF4-FFF2-40B4-BE49-F238E27FC236}">
+                <a16:creationId xmlns:a16="http://schemas.microsoft.com/office/drawing/2014/main" id="{2B90B0C0-9B4F-BE3D-5BA1-3DA83FE77CBE}"/>
+              </a:ext>
+            </a:extLst>
+          </p:cNvPr>
+          <p:cNvSpPr>
+            <a:spLocks noChangeAspect="1"/>
+          </p:cNvSpPr>
+          <p:nvPr/>
+        </p:nvSpPr>
+        <p:spPr>
+          <a:xfrm>
+            <a:off x="3005928" y="1747701"/>
+            <a:ext cx="73642" cy="73152"/>
+          </a:xfrm>
+          <a:prstGeom prst="triangle">
+            <a:avLst/>
+          </a:prstGeom>
+          <a:solidFill>
+            <a:schemeClr val="accent1"/>
+          </a:solidFill>
+          <a:ln>
+            <a:noFill/>
+          </a:ln>
+        </p:spPr>
+        <p:style>
+          <a:lnRef idx="2">
+            <a:schemeClr val="accent1">
+              <a:shade val="15000"/>
+            </a:schemeClr>
+          </a:lnRef>
+          <a:fillRef idx="1">
+            <a:schemeClr val="accent1"/>
+          </a:fillRef>
+          <a:effectRef idx="0">
+            <a:schemeClr val="accent1"/>
+          </a:effectRef>
+          <a:fontRef idx="minor">
+            <a:schemeClr val="lt1"/>
+          </a:fontRef>
+        </p:style>
+        <p:txBody>
+          <a:bodyPr rtlCol="0" anchor="ctr"/>
+          <a:lstStyle/>
+          <a:p>
+            <a:pPr algn="ctr"/>
+            <a:endParaRPr lang="en-US"/>
+          </a:p>
+        </p:txBody>
+      </p:sp>
+      <p:sp>
+        <p:nvSpPr>
+          <p:cNvPr id="88" name="Triangle 87">
+            <a:extLst>
+              <a:ext uri="{FF2B5EF4-FFF2-40B4-BE49-F238E27FC236}">
+                <a16:creationId xmlns:a16="http://schemas.microsoft.com/office/drawing/2014/main" id="{A3198859-6410-28A8-862D-F84CBE37D7F7}"/>
+              </a:ext>
+            </a:extLst>
+          </p:cNvPr>
+          <p:cNvSpPr>
+            <a:spLocks noChangeAspect="1"/>
+          </p:cNvSpPr>
+          <p:nvPr/>
+        </p:nvSpPr>
+        <p:spPr>
+          <a:xfrm>
+            <a:off x="2089681" y="3529435"/>
+            <a:ext cx="73642" cy="73152"/>
+          </a:xfrm>
+          <a:prstGeom prst="triangle">
+            <a:avLst/>
+          </a:prstGeom>
+          <a:solidFill>
+            <a:schemeClr val="accent1"/>
+          </a:solidFill>
+          <a:ln>
+            <a:noFill/>
+          </a:ln>
+        </p:spPr>
+        <p:style>
+          <a:lnRef idx="2">
+            <a:schemeClr val="accent1">
+              <a:shade val="15000"/>
+            </a:schemeClr>
+          </a:lnRef>
+          <a:fillRef idx="1">
+            <a:schemeClr val="accent1"/>
+          </a:fillRef>
+          <a:effectRef idx="0">
+            <a:schemeClr val="accent1"/>
+          </a:effectRef>
+          <a:fontRef idx="minor">
+            <a:schemeClr val="lt1"/>
+          </a:fontRef>
+        </p:style>
+        <p:txBody>
+          <a:bodyPr rtlCol="0" anchor="ctr"/>
+          <a:lstStyle/>
+          <a:p>
+            <a:pPr algn="ctr"/>
+            <a:endParaRPr lang="en-US"/>
+          </a:p>
+        </p:txBody>
+      </p:sp>
+      <p:sp>
+        <p:nvSpPr>
+          <p:cNvPr id="89" name="Triangle 88">
+            <a:extLst>
+              <a:ext uri="{FF2B5EF4-FFF2-40B4-BE49-F238E27FC236}">
+                <a16:creationId xmlns:a16="http://schemas.microsoft.com/office/drawing/2014/main" id="{46665812-0F3D-90BF-C196-41229095913A}"/>
+              </a:ext>
+            </a:extLst>
+          </p:cNvPr>
+          <p:cNvSpPr>
+            <a:spLocks noChangeAspect="1"/>
+          </p:cNvSpPr>
+          <p:nvPr/>
+        </p:nvSpPr>
+        <p:spPr>
+          <a:xfrm>
+            <a:off x="2837756" y="3357647"/>
+            <a:ext cx="73642" cy="73152"/>
+          </a:xfrm>
+          <a:prstGeom prst="triangle">
+            <a:avLst/>
+          </a:prstGeom>
+          <a:solidFill>
+            <a:schemeClr val="accent1"/>
+          </a:solidFill>
+          <a:ln>
+            <a:noFill/>
+          </a:ln>
+        </p:spPr>
+        <p:style>
+          <a:lnRef idx="2">
+            <a:schemeClr val="accent1">
+              <a:shade val="15000"/>
+            </a:schemeClr>
+          </a:lnRef>
+          <a:fillRef idx="1">
+            <a:schemeClr val="accent1"/>
+          </a:fillRef>
+          <a:effectRef idx="0">
+            <a:schemeClr val="accent1"/>
+          </a:effectRef>
+          <a:fontRef idx="minor">
+            <a:schemeClr val="lt1"/>
+          </a:fontRef>
+        </p:style>
+        <p:txBody>
+          <a:bodyPr rtlCol="0" anchor="ctr"/>
+          <a:lstStyle/>
+          <a:p>
+            <a:pPr algn="ctr"/>
+            <a:endParaRPr lang="en-US"/>
+          </a:p>
+        </p:txBody>
+      </p:sp>
+      <p:sp>
+        <p:nvSpPr>
+          <p:cNvPr id="90" name="Triangle 89">
+            <a:extLst>
+              <a:ext uri="{FF2B5EF4-FFF2-40B4-BE49-F238E27FC236}">
+                <a16:creationId xmlns:a16="http://schemas.microsoft.com/office/drawing/2014/main" id="{B61642DB-594D-50D7-8425-B58393CA2135}"/>
+              </a:ext>
+            </a:extLst>
+          </p:cNvPr>
+          <p:cNvSpPr>
+            <a:spLocks noChangeAspect="1"/>
+          </p:cNvSpPr>
+          <p:nvPr/>
+        </p:nvSpPr>
+        <p:spPr>
+          <a:xfrm>
+            <a:off x="2380726" y="2801908"/>
+            <a:ext cx="73642" cy="73152"/>
+          </a:xfrm>
+          <a:prstGeom prst="triangle">
+            <a:avLst/>
+          </a:prstGeom>
+          <a:solidFill>
+            <a:schemeClr val="accent1"/>
+          </a:solidFill>
+          <a:ln>
+            <a:noFill/>
+          </a:ln>
+        </p:spPr>
+        <p:style>
+          <a:lnRef idx="2">
+            <a:schemeClr val="accent1">
+              <a:shade val="15000"/>
+            </a:schemeClr>
+          </a:lnRef>
+          <a:fillRef idx="1">
+            <a:schemeClr val="accent1"/>
+          </a:fillRef>
+          <a:effectRef idx="0">
+            <a:schemeClr val="accent1"/>
+          </a:effectRef>
+          <a:fontRef idx="minor">
+            <a:schemeClr val="lt1"/>
+          </a:fontRef>
+        </p:style>
+        <p:txBody>
+          <a:bodyPr rtlCol="0" anchor="ctr"/>
+          <a:lstStyle/>
+          <a:p>
+            <a:pPr algn="ctr"/>
+            <a:endParaRPr lang="en-US"/>
+          </a:p>
+        </p:txBody>
+      </p:sp>
+      <p:sp>
+        <p:nvSpPr>
+          <p:cNvPr id="91" name="Triangle 90">
+            <a:extLst>
+              <a:ext uri="{FF2B5EF4-FFF2-40B4-BE49-F238E27FC236}">
+                <a16:creationId xmlns:a16="http://schemas.microsoft.com/office/drawing/2014/main" id="{66D2F2D9-639F-8250-7E0D-2D8CC36112A5}"/>
+              </a:ext>
+            </a:extLst>
+          </p:cNvPr>
+          <p:cNvSpPr>
+            <a:spLocks noChangeAspect="1"/>
+          </p:cNvSpPr>
+          <p:nvPr/>
+        </p:nvSpPr>
+        <p:spPr>
+          <a:xfrm>
+            <a:off x="2859481" y="2719822"/>
+            <a:ext cx="73642" cy="73152"/>
+          </a:xfrm>
+          <a:prstGeom prst="triangle">
+            <a:avLst/>
+          </a:prstGeom>
+          <a:solidFill>
+            <a:schemeClr val="accent1"/>
+          </a:solidFill>
+          <a:ln>
+            <a:noFill/>
+          </a:ln>
+        </p:spPr>
+        <p:style>
+          <a:lnRef idx="2">
+            <a:schemeClr val="accent1">
+              <a:shade val="15000"/>
+            </a:schemeClr>
+          </a:lnRef>
+          <a:fillRef idx="1">
+            <a:schemeClr val="accent1"/>
+          </a:fillRef>
+          <a:effectRef idx="0">
+            <a:schemeClr val="accent1"/>
+          </a:effectRef>
+          <a:fontRef idx="minor">
+            <a:schemeClr val="lt1"/>
+          </a:fontRef>
+        </p:style>
+        <p:txBody>
+          <a:bodyPr rtlCol="0" anchor="ctr"/>
+          <a:lstStyle/>
+          <a:p>
+            <a:pPr algn="ctr"/>
+            <a:endParaRPr lang="en-US"/>
+          </a:p>
+        </p:txBody>
+      </p:sp>
+      <p:sp>
+        <p:nvSpPr>
+          <p:cNvPr id="92" name="Triangle 91">
+            <a:extLst>
+              <a:ext uri="{FF2B5EF4-FFF2-40B4-BE49-F238E27FC236}">
+                <a16:creationId xmlns:a16="http://schemas.microsoft.com/office/drawing/2014/main" id="{001374C0-FE6E-E570-73BF-B7F1FF69232C}"/>
+              </a:ext>
+            </a:extLst>
+          </p:cNvPr>
+          <p:cNvSpPr>
+            <a:spLocks noChangeAspect="1"/>
+          </p:cNvSpPr>
+          <p:nvPr/>
+        </p:nvSpPr>
+        <p:spPr>
+          <a:xfrm>
+            <a:off x="1633441" y="2458370"/>
+            <a:ext cx="73642" cy="73152"/>
+          </a:xfrm>
+          <a:prstGeom prst="triangle">
+            <a:avLst/>
+          </a:prstGeom>
+          <a:solidFill>
+            <a:schemeClr val="accent1"/>
+          </a:solidFill>
+          <a:ln>
+            <a:noFill/>
+          </a:ln>
+        </p:spPr>
+        <p:style>
+          <a:lnRef idx="2">
+            <a:schemeClr val="accent1">
+              <a:shade val="15000"/>
+            </a:schemeClr>
+          </a:lnRef>
+          <a:fillRef idx="1">
+            <a:schemeClr val="accent1"/>
+          </a:fillRef>
+          <a:effectRef idx="0">
+            <a:schemeClr val="accent1"/>
+          </a:effectRef>
+          <a:fontRef idx="minor">
+            <a:schemeClr val="lt1"/>
+          </a:fontRef>
+        </p:style>
+        <p:txBody>
+          <a:bodyPr rtlCol="0" anchor="ctr"/>
+          <a:lstStyle/>
+          <a:p>
+            <a:pPr algn="ctr"/>
+            <a:endParaRPr lang="en-US"/>
+          </a:p>
+        </p:txBody>
+      </p:sp>
+      <p:sp>
+        <p:nvSpPr>
+          <p:cNvPr id="93" name="Triangle 92">
+            <a:extLst>
+              <a:ext uri="{FF2B5EF4-FFF2-40B4-BE49-F238E27FC236}">
+                <a16:creationId xmlns:a16="http://schemas.microsoft.com/office/drawing/2014/main" id="{B856DDB5-8BF8-0822-C878-FB1C76B05233}"/>
+              </a:ext>
+            </a:extLst>
+          </p:cNvPr>
+          <p:cNvSpPr>
+            <a:spLocks noChangeAspect="1"/>
+          </p:cNvSpPr>
+          <p:nvPr/>
+        </p:nvSpPr>
+        <p:spPr>
+          <a:xfrm>
+            <a:off x="1840491" y="1779662"/>
+            <a:ext cx="73642" cy="73152"/>
+          </a:xfrm>
+          <a:prstGeom prst="triangle">
+            <a:avLst/>
+          </a:prstGeom>
+          <a:solidFill>
+            <a:schemeClr val="accent1"/>
+          </a:solidFill>
+          <a:ln>
+            <a:noFill/>
+          </a:ln>
+        </p:spPr>
+        <p:style>
+          <a:lnRef idx="2">
+            <a:schemeClr val="accent1">
+              <a:shade val="15000"/>
+            </a:schemeClr>
+          </a:lnRef>
+          <a:fillRef idx="1">
+            <a:schemeClr val="accent1"/>
+          </a:fillRef>
+          <a:effectRef idx="0">
+            <a:schemeClr val="accent1"/>
+          </a:effectRef>
+          <a:fontRef idx="minor">
+            <a:schemeClr val="lt1"/>
+          </a:fontRef>
+        </p:style>
+        <p:txBody>
+          <a:bodyPr rtlCol="0" anchor="ctr"/>
+          <a:lstStyle/>
+          <a:p>
+            <a:pPr algn="ctr"/>
+            <a:endParaRPr lang="en-US"/>
+          </a:p>
+        </p:txBody>
+      </p:sp>
+      <p:sp>
+        <p:nvSpPr>
+          <p:cNvPr id="94" name="Triangle 93">
+            <a:extLst>
+              <a:ext uri="{FF2B5EF4-FFF2-40B4-BE49-F238E27FC236}">
+                <a16:creationId xmlns:a16="http://schemas.microsoft.com/office/drawing/2014/main" id="{BF4F810A-69EC-30DA-7A9D-C3D563DD2C87}"/>
+              </a:ext>
+            </a:extLst>
+          </p:cNvPr>
+          <p:cNvSpPr>
+            <a:spLocks noChangeAspect="1"/>
+          </p:cNvSpPr>
+          <p:nvPr/>
+        </p:nvSpPr>
+        <p:spPr>
+          <a:xfrm>
+            <a:off x="2586852" y="1264836"/>
+            <a:ext cx="73642" cy="73152"/>
+          </a:xfrm>
+          <a:prstGeom prst="triangle">
+            <a:avLst/>
+          </a:prstGeom>
+          <a:solidFill>
+            <a:schemeClr val="accent1"/>
+          </a:solidFill>
+          <a:ln>
+            <a:noFill/>
+          </a:ln>
+        </p:spPr>
+        <p:style>
+          <a:lnRef idx="2">
+            <a:schemeClr val="accent1">
+              <a:shade val="15000"/>
+            </a:schemeClr>
+          </a:lnRef>
+          <a:fillRef idx="1">
+            <a:schemeClr val="accent1"/>
+          </a:fillRef>
+          <a:effectRef idx="0">
+            <a:schemeClr val="accent1"/>
+          </a:effectRef>
+          <a:fontRef idx="minor">
+            <a:schemeClr val="lt1"/>
+          </a:fontRef>
+        </p:style>
+        <p:txBody>
+          <a:bodyPr rtlCol="0" anchor="ctr"/>
+          <a:lstStyle/>
+          <a:p>
+            <a:pPr algn="ctr"/>
+            <a:endParaRPr lang="en-US"/>
+          </a:p>
+        </p:txBody>
+      </p:sp>
+      <p:sp>
+        <p:nvSpPr>
+          <p:cNvPr id="95" name="Triangle 94">
+            <a:extLst>
+              <a:ext uri="{FF2B5EF4-FFF2-40B4-BE49-F238E27FC236}">
+                <a16:creationId xmlns:a16="http://schemas.microsoft.com/office/drawing/2014/main" id="{FDFDA4F7-AF50-B3D8-29F7-BCE7632F3E99}"/>
+              </a:ext>
+            </a:extLst>
+          </p:cNvPr>
+          <p:cNvSpPr>
+            <a:spLocks noChangeAspect="1"/>
+          </p:cNvSpPr>
+          <p:nvPr/>
+        </p:nvSpPr>
+        <p:spPr>
+          <a:xfrm>
+            <a:off x="2037653" y="1399425"/>
+            <a:ext cx="73642" cy="73152"/>
+          </a:xfrm>
+          <a:prstGeom prst="triangle">
+            <a:avLst/>
+          </a:prstGeom>
+          <a:solidFill>
+            <a:schemeClr val="accent1"/>
+          </a:solidFill>
+          <a:ln>
+            <a:noFill/>
+          </a:ln>
+        </p:spPr>
+        <p:style>
+          <a:lnRef idx="2">
+            <a:schemeClr val="accent1">
+              <a:shade val="15000"/>
+            </a:schemeClr>
+          </a:lnRef>
+          <a:fillRef idx="1">
+            <a:schemeClr val="accent1"/>
+          </a:fillRef>
+          <a:effectRef idx="0">
+            <a:schemeClr val="accent1"/>
+          </a:effectRef>
+          <a:fontRef idx="minor">
+            <a:schemeClr val="lt1"/>
+          </a:fontRef>
+        </p:style>
+        <p:txBody>
+          <a:bodyPr rtlCol="0" anchor="ctr"/>
+          <a:lstStyle/>
+          <a:p>
+            <a:pPr algn="ctr"/>
+            <a:endParaRPr lang="en-US"/>
+          </a:p>
+        </p:txBody>
+      </p:sp>
+      <p:sp>
+        <p:nvSpPr>
+          <p:cNvPr id="96" name="Triangle 95">
+            <a:extLst>
+              <a:ext uri="{FF2B5EF4-FFF2-40B4-BE49-F238E27FC236}">
+                <a16:creationId xmlns:a16="http://schemas.microsoft.com/office/drawing/2014/main" id="{32FA0957-F2DB-A0A4-5979-E705772256FA}"/>
+              </a:ext>
+            </a:extLst>
+          </p:cNvPr>
+          <p:cNvSpPr>
+            <a:spLocks noChangeAspect="1"/>
+          </p:cNvSpPr>
+          <p:nvPr/>
+        </p:nvSpPr>
+        <p:spPr>
+          <a:xfrm>
+            <a:off x="1838336" y="2276746"/>
+            <a:ext cx="73642" cy="73152"/>
+          </a:xfrm>
+          <a:prstGeom prst="triangle">
+            <a:avLst/>
+          </a:prstGeom>
+          <a:solidFill>
+            <a:schemeClr val="accent1"/>
+          </a:solidFill>
+          <a:ln>
+            <a:noFill/>
+          </a:ln>
+        </p:spPr>
+        <p:style>
+          <a:lnRef idx="2">
+            <a:schemeClr val="accent1">
+              <a:shade val="15000"/>
+            </a:schemeClr>
+          </a:lnRef>
+          <a:fillRef idx="1">
+            <a:schemeClr val="accent1"/>
+          </a:fillRef>
+          <a:effectRef idx="0">
+            <a:schemeClr val="accent1"/>
+          </a:effectRef>
+          <a:fontRef idx="minor">
+            <a:schemeClr val="lt1"/>
+          </a:fontRef>
+        </p:style>
+        <p:txBody>
+          <a:bodyPr rtlCol="0" anchor="ctr"/>
+          <a:lstStyle/>
+          <a:p>
+            <a:pPr algn="ctr"/>
+            <a:endParaRPr lang="en-US"/>
+          </a:p>
+        </p:txBody>
+      </p:sp>
+      <p:sp>
+        <p:nvSpPr>
+          <p:cNvPr id="97" name="Triangle 96">
+            <a:extLst>
+              <a:ext uri="{FF2B5EF4-FFF2-40B4-BE49-F238E27FC236}">
+                <a16:creationId xmlns:a16="http://schemas.microsoft.com/office/drawing/2014/main" id="{092874F8-1EF4-DB05-2DD0-1D4061D45081}"/>
+              </a:ext>
+            </a:extLst>
+          </p:cNvPr>
+          <p:cNvSpPr>
+            <a:spLocks noChangeAspect="1"/>
+          </p:cNvSpPr>
+          <p:nvPr/>
+        </p:nvSpPr>
+        <p:spPr>
+          <a:xfrm>
+            <a:off x="3038221" y="3133385"/>
+            <a:ext cx="73642" cy="73152"/>
+          </a:xfrm>
+          <a:prstGeom prst="triangle">
+            <a:avLst/>
+          </a:prstGeom>
+          <a:solidFill>
+            <a:schemeClr val="accent1"/>
+          </a:solidFill>
+          <a:ln>
+            <a:noFill/>
+          </a:ln>
+        </p:spPr>
+        <p:style>
+          <a:lnRef idx="2">
+            <a:schemeClr val="accent1">
+              <a:shade val="15000"/>
+            </a:schemeClr>
+          </a:lnRef>
+          <a:fillRef idx="1">
+            <a:schemeClr val="accent1"/>
+          </a:fillRef>
+          <a:effectRef idx="0">
+            <a:schemeClr val="accent1"/>
+          </a:effectRef>
+          <a:fontRef idx="minor">
+            <a:schemeClr val="lt1"/>
+          </a:fontRef>
+        </p:style>
+        <p:txBody>
+          <a:bodyPr rtlCol="0" anchor="ctr"/>
+          <a:lstStyle/>
+          <a:p>
+            <a:pPr algn="ctr"/>
+            <a:endParaRPr lang="en-US"/>
+          </a:p>
+        </p:txBody>
+      </p:sp>
+      <p:sp>
+        <p:nvSpPr>
+          <p:cNvPr id="98" name="TextBox 97">
+            <a:extLst>
+              <a:ext uri="{FF2B5EF4-FFF2-40B4-BE49-F238E27FC236}">
+                <a16:creationId xmlns:a16="http://schemas.microsoft.com/office/drawing/2014/main" id="{118D46C7-6C9C-1F5E-F9EB-AAC75EB6B533}"/>
+              </a:ext>
+            </a:extLst>
+          </p:cNvPr>
+          <p:cNvSpPr txBox="1"/>
+          <p:nvPr/>
+        </p:nvSpPr>
+        <p:spPr>
+          <a:xfrm>
+            <a:off x="5867722" y="1358010"/>
+            <a:ext cx="633507" cy="307777"/>
+          </a:xfrm>
+          <a:prstGeom prst="rect">
+            <a:avLst/>
+          </a:prstGeom>
+          <a:noFill/>
+        </p:spPr>
+        <p:txBody>
+          <a:bodyPr wrap="square" rtlCol="0">
+            <a:spAutoFit/>
+          </a:bodyPr>
+          <a:lstStyle/>
+          <a:p>
+            <a:pPr/>
+            <a:r>
+              <a:rPr lang="en-US" dirty="0">
+                <a:latin typeface="Calibri" panose="020F0502020204030204" pitchFamily="34" charset="0"/>
+                <a:cs typeface="Calibri" panose="020F0502020204030204" pitchFamily="34" charset="0"/>
+              </a:rPr>
+              <a:t>TPR = </a:t>
+            </a:r>
+          </a:p>
+        </p:txBody>
+      </p:sp>
+      <p:grpSp>
+        <p:nvGrpSpPr>
+          <p:cNvPr id="110" name="Group 109">
+            <a:extLst>
+              <a:ext uri="{FF2B5EF4-FFF2-40B4-BE49-F238E27FC236}">
+                <a16:creationId xmlns:a16="http://schemas.microsoft.com/office/drawing/2014/main" id="{3DF2531E-3038-7510-321B-ED74DC2271FB}"/>
+              </a:ext>
+            </a:extLst>
+          </p:cNvPr>
+          <p:cNvGrpSpPr/>
+          <p:nvPr/>
+        </p:nvGrpSpPr>
+        <p:grpSpPr>
+          <a:xfrm>
+            <a:off x="6819357" y="1455619"/>
+            <a:ext cx="564581" cy="492235"/>
+            <a:chOff x="5152912" y="1513846"/>
+            <a:chExt cx="3243081" cy="2827506"/>
+          </a:xfrm>
+        </p:grpSpPr>
+        <p:sp>
+          <p:nvSpPr>
+            <p:cNvPr id="99" name="Rectangle 98">
+              <a:extLst>
+                <a:ext uri="{FF2B5EF4-FFF2-40B4-BE49-F238E27FC236}">
+                  <a16:creationId xmlns:a16="http://schemas.microsoft.com/office/drawing/2014/main" id="{E4E910CF-3B48-FC5D-E57C-F8C4A3BD6C8D}"/>
+                </a:ext>
+              </a:extLst>
+            </p:cNvPr>
+            <p:cNvSpPr/>
+            <p:nvPr/>
+          </p:nvSpPr>
+          <p:spPr>
+            <a:xfrm>
+              <a:off x="6402845" y="1513846"/>
+              <a:ext cx="1993148" cy="2827506"/>
+            </a:xfrm>
+            <a:prstGeom prst="rect">
+              <a:avLst/>
+            </a:prstGeom>
+            <a:solidFill>
+              <a:srgbClr val="FF0000">
+                <a:alpha val="20000"/>
+              </a:srgbClr>
+            </a:solidFill>
+            <a:ln w="12700">
+              <a:solidFill>
+                <a:schemeClr val="tx1"/>
+              </a:solidFill>
+            </a:ln>
+          </p:spPr>
+          <p:style>
+            <a:lnRef idx="2">
+              <a:schemeClr val="accent1">
+                <a:shade val="15000"/>
+              </a:schemeClr>
+            </a:lnRef>
+            <a:fillRef idx="1">
+              <a:schemeClr val="accent1"/>
+            </a:fillRef>
+            <a:effectRef idx="0">
+              <a:schemeClr val="accent1"/>
+            </a:effectRef>
+            <a:fontRef idx="minor">
+              <a:schemeClr val="lt1"/>
+            </a:fontRef>
+          </p:style>
+          <p:txBody>
+            <a:bodyPr rtlCol="0" anchor="ctr"/>
+            <a:lstStyle/>
+            <a:p>
+              <a:pPr algn="ctr"/>
+              <a:endParaRPr lang="en-US"/>
+            </a:p>
+          </p:txBody>
+        </p:sp>
+        <p:grpSp>
+          <p:nvGrpSpPr>
+            <p:cNvPr id="109" name="Group 108">
+              <a:extLst>
+                <a:ext uri="{FF2B5EF4-FFF2-40B4-BE49-F238E27FC236}">
+                  <a16:creationId xmlns:a16="http://schemas.microsoft.com/office/drawing/2014/main" id="{075E352F-13CC-BCB6-8561-4AA843E7FE6E}"/>
+                </a:ext>
+              </a:extLst>
+            </p:cNvPr>
+            <p:cNvGrpSpPr/>
+            <p:nvPr/>
+          </p:nvGrpSpPr>
+          <p:grpSpPr>
+            <a:xfrm>
+              <a:off x="5152912" y="1682030"/>
+              <a:ext cx="2495198" cy="2491138"/>
+              <a:chOff x="4771358" y="2093337"/>
+              <a:chExt cx="2495198" cy="2491138"/>
+            </a:xfrm>
+          </p:grpSpPr>
+          <p:sp>
+            <p:nvSpPr>
+              <p:cNvPr id="106" name="Chord 105">
+                <a:extLst>
+                  <a:ext uri="{FF2B5EF4-FFF2-40B4-BE49-F238E27FC236}">
+                    <a16:creationId xmlns:a16="http://schemas.microsoft.com/office/drawing/2014/main" id="{5429DBC9-18DC-B30E-60A5-FB538B7CAA68}"/>
+                  </a:ext>
+                </a:extLst>
+              </p:cNvPr>
+              <p:cNvSpPr/>
+              <p:nvPr/>
+            </p:nvSpPr>
+            <p:spPr>
+              <a:xfrm rot="10800000">
+                <a:off x="4771358" y="2093337"/>
+                <a:ext cx="2489962" cy="2489962"/>
+              </a:xfrm>
+              <a:prstGeom prst="chord">
+                <a:avLst>
+                  <a:gd name="adj1" fmla="val 5424209"/>
+                  <a:gd name="adj2" fmla="val 16200000"/>
+                </a:avLst>
+              </a:prstGeom>
+              <a:solidFill>
+                <a:schemeClr val="bg1"/>
+              </a:solidFill>
+              <a:ln w="12700">
+                <a:solidFill>
+                  <a:schemeClr val="tx1"/>
+                </a:solidFill>
+              </a:ln>
+            </p:spPr>
+            <p:style>
+              <a:lnRef idx="2">
+                <a:schemeClr val="accent1">
+                  <a:shade val="15000"/>
+                </a:schemeClr>
+              </a:lnRef>
+              <a:fillRef idx="1">
+                <a:schemeClr val="accent1"/>
+              </a:fillRef>
+              <a:effectRef idx="0">
+                <a:schemeClr val="accent1"/>
+              </a:effectRef>
+              <a:fontRef idx="minor">
+                <a:schemeClr val="lt1"/>
+              </a:fontRef>
+            </p:style>
+            <p:txBody>
+              <a:bodyPr rtlCol="0" anchor="ctr"/>
+              <a:lstStyle/>
+              <a:p>
+                <a:pPr algn="ctr"/>
+                <a:endParaRPr lang="en-US"/>
+              </a:p>
+            </p:txBody>
+          </p:sp>
+          <p:sp>
+            <p:nvSpPr>
+              <p:cNvPr id="108" name="Chord 107">
+                <a:extLst>
+                  <a:ext uri="{FF2B5EF4-FFF2-40B4-BE49-F238E27FC236}">
+                    <a16:creationId xmlns:a16="http://schemas.microsoft.com/office/drawing/2014/main" id="{E5CCFD86-AF15-A22B-6F88-7619D7C716B4}"/>
+                  </a:ext>
+                </a:extLst>
+              </p:cNvPr>
+              <p:cNvSpPr/>
+              <p:nvPr/>
+            </p:nvSpPr>
+            <p:spPr>
+              <a:xfrm rot="10800000">
+                <a:off x="4776594" y="2094513"/>
+                <a:ext cx="2489962" cy="2489962"/>
+              </a:xfrm>
+              <a:prstGeom prst="chord">
+                <a:avLst>
+                  <a:gd name="adj1" fmla="val 5424209"/>
+                  <a:gd name="adj2" fmla="val 16200000"/>
+                </a:avLst>
+              </a:prstGeom>
+              <a:solidFill>
+                <a:srgbClr val="00B050">
+                  <a:alpha val="20000"/>
+                </a:srgbClr>
+              </a:solidFill>
+              <a:ln w="12700">
+                <a:solidFill>
+                  <a:schemeClr val="tx1"/>
+                </a:solidFill>
+              </a:ln>
+            </p:spPr>
+            <p:style>
+              <a:lnRef idx="2">
+                <a:schemeClr val="accent1">
+                  <a:shade val="15000"/>
+                </a:schemeClr>
+              </a:lnRef>
+              <a:fillRef idx="1">
+                <a:schemeClr val="accent1"/>
+              </a:fillRef>
+              <a:effectRef idx="0">
+                <a:schemeClr val="accent1"/>
+              </a:effectRef>
+              <a:fontRef idx="minor">
+                <a:schemeClr val="lt1"/>
+              </a:fontRef>
+            </p:style>
+            <p:txBody>
+              <a:bodyPr rtlCol="0" anchor="ctr"/>
+              <a:lstStyle/>
+              <a:p>
+                <a:pPr algn="ctr"/>
+                <a:endParaRPr lang="en-US"/>
+              </a:p>
+            </p:txBody>
+          </p:sp>
+        </p:grpSp>
+      </p:grpSp>
+      <p:cxnSp>
+        <p:nvCxnSpPr>
+          <p:cNvPr id="111" name="Straight Connector 110">
+            <a:extLst>
+              <a:ext uri="{FF2B5EF4-FFF2-40B4-BE49-F238E27FC236}">
+                <a16:creationId xmlns:a16="http://schemas.microsoft.com/office/drawing/2014/main" id="{57EB0712-A6EB-23D8-63B8-97D375B8E92B}"/>
+              </a:ext>
+            </a:extLst>
+          </p:cNvPr>
+          <p:cNvCxnSpPr>
+            <a:cxnSpLocks/>
+          </p:cNvCxnSpPr>
+          <p:nvPr/>
+        </p:nvCxnSpPr>
+        <p:spPr>
+          <a:xfrm flipV="1">
+            <a:off x="6705229" y="1156531"/>
+            <a:ext cx="421383" cy="578450"/>
+          </a:xfrm>
+          <a:prstGeom prst="line">
+            <a:avLst/>
+          </a:prstGeom>
+          <a:ln w="12700">
+            <a:solidFill>
+              <a:schemeClr val="tx1"/>
+            </a:solidFill>
+          </a:ln>
+        </p:spPr>
+        <p:style>
+          <a:lnRef idx="1">
+            <a:schemeClr val="accent1"/>
+          </a:lnRef>
+          <a:fillRef idx="0">
+            <a:schemeClr val="accent1"/>
+          </a:fillRef>
+          <a:effectRef idx="0">
+            <a:schemeClr val="accent1"/>
+          </a:effectRef>
+          <a:fontRef idx="minor">
+            <a:schemeClr val="tx1"/>
+          </a:fontRef>
+        </p:style>
+      </p:cxnSp>
+      <p:sp>
+        <p:nvSpPr>
+          <p:cNvPr id="114" name="Chord 113">
+            <a:extLst>
+              <a:ext uri="{FF2B5EF4-FFF2-40B4-BE49-F238E27FC236}">
+                <a16:creationId xmlns:a16="http://schemas.microsoft.com/office/drawing/2014/main" id="{604B2F05-A154-BC42-96DC-22C3D9AB4973}"/>
+              </a:ext>
+            </a:extLst>
+          </p:cNvPr>
+          <p:cNvSpPr/>
+          <p:nvPr/>
+        </p:nvSpPr>
+        <p:spPr>
+          <a:xfrm rot="10800000">
+            <a:off x="6367574" y="1120038"/>
+            <a:ext cx="433472" cy="433472"/>
+          </a:xfrm>
+          <a:prstGeom prst="chord">
+            <a:avLst>
+              <a:gd name="adj1" fmla="val 5424209"/>
+              <a:gd name="adj2" fmla="val 16200000"/>
+            </a:avLst>
+          </a:prstGeom>
+          <a:solidFill>
+            <a:srgbClr val="00B050">
+              <a:alpha val="20000"/>
+            </a:srgbClr>
+          </a:solidFill>
+          <a:ln w="12700">
+            <a:solidFill>
+              <a:schemeClr val="tx1"/>
+            </a:solidFill>
+          </a:ln>
+        </p:spPr>
+        <p:style>
+          <a:lnRef idx="2">
+            <a:schemeClr val="accent1">
+              <a:shade val="15000"/>
+            </a:schemeClr>
+          </a:lnRef>
+          <a:fillRef idx="1">
+            <a:schemeClr val="accent1"/>
+          </a:fillRef>
+          <a:effectRef idx="0">
+            <a:schemeClr val="accent1"/>
+          </a:effectRef>
+          <a:fontRef idx="minor">
+            <a:schemeClr val="lt1"/>
+          </a:fontRef>
+        </p:style>
+        <p:txBody>
+          <a:bodyPr rtlCol="0" anchor="ctr"/>
+          <a:lstStyle/>
+          <a:p>
+            <a:pPr algn="ctr"/>
+            <a:endParaRPr lang="en-US"/>
+          </a:p>
+        </p:txBody>
+      </p:sp>
+      <p:sp>
+        <p:nvSpPr>
+          <p:cNvPr id="115" name="TextBox 114">
+            <a:extLst>
+              <a:ext uri="{FF2B5EF4-FFF2-40B4-BE49-F238E27FC236}">
+                <a16:creationId xmlns:a16="http://schemas.microsoft.com/office/drawing/2014/main" id="{8D0E5C0A-7673-EC56-228F-367EA2C6A4DD}"/>
+              </a:ext>
+            </a:extLst>
+          </p:cNvPr>
+          <p:cNvSpPr txBox="1"/>
+          <p:nvPr/>
+        </p:nvSpPr>
+        <p:spPr>
+          <a:xfrm>
+            <a:off x="5874134" y="2351302"/>
+            <a:ext cx="627095" cy="307777"/>
+          </a:xfrm>
+          <a:prstGeom prst="rect">
+            <a:avLst/>
+          </a:prstGeom>
+          <a:noFill/>
+        </p:spPr>
+        <p:txBody>
+          <a:bodyPr wrap="none" rtlCol="0">
+            <a:spAutoFit/>
+          </a:bodyPr>
+          <a:lstStyle/>
+          <a:p>
+            <a:pPr/>
+            <a:r>
+              <a:rPr lang="en-US" dirty="0">
+                <a:latin typeface="Calibri" panose="020F0502020204030204" pitchFamily="34" charset="0"/>
+                <a:cs typeface="Calibri" panose="020F0502020204030204" pitchFamily="34" charset="0"/>
+              </a:rPr>
+              <a:t>FPR = </a:t>
+            </a:r>
+          </a:p>
+        </p:txBody>
+      </p:sp>
+      <p:grpSp>
+        <p:nvGrpSpPr>
+          <p:cNvPr id="116" name="Group 115">
+            <a:extLst>
+              <a:ext uri="{FF2B5EF4-FFF2-40B4-BE49-F238E27FC236}">
+                <a16:creationId xmlns:a16="http://schemas.microsoft.com/office/drawing/2014/main" id="{B335908A-2D17-5358-3431-41288330BEC5}"/>
+              </a:ext>
+            </a:extLst>
+          </p:cNvPr>
+          <p:cNvGrpSpPr/>
+          <p:nvPr/>
+        </p:nvGrpSpPr>
+        <p:grpSpPr>
+          <a:xfrm rot="10800000">
+            <a:off x="7039300" y="2412895"/>
+            <a:ext cx="564581" cy="492235"/>
+            <a:chOff x="5152912" y="1513846"/>
+            <a:chExt cx="3243081" cy="2827506"/>
+          </a:xfrm>
+        </p:grpSpPr>
+        <p:sp>
+          <p:nvSpPr>
+            <p:cNvPr id="117" name="Rectangle 116">
+              <a:extLst>
+                <a:ext uri="{FF2B5EF4-FFF2-40B4-BE49-F238E27FC236}">
+                  <a16:creationId xmlns:a16="http://schemas.microsoft.com/office/drawing/2014/main" id="{F187365C-C221-5104-D235-024F89406AE5}"/>
+                </a:ext>
+              </a:extLst>
+            </p:cNvPr>
+            <p:cNvSpPr/>
+            <p:nvPr/>
+          </p:nvSpPr>
+          <p:spPr>
+            <a:xfrm>
+              <a:off x="6402845" y="1513846"/>
+              <a:ext cx="1993148" cy="2827506"/>
+            </a:xfrm>
+            <a:prstGeom prst="rect">
+              <a:avLst/>
+            </a:prstGeom>
+            <a:solidFill>
+              <a:srgbClr val="00B050">
+                <a:alpha val="20000"/>
+              </a:srgbClr>
+            </a:solidFill>
+            <a:ln w="12700">
+              <a:solidFill>
+                <a:schemeClr val="tx1"/>
+              </a:solidFill>
+            </a:ln>
+          </p:spPr>
+          <p:style>
+            <a:lnRef idx="2">
+              <a:schemeClr val="accent1">
+                <a:shade val="15000"/>
+              </a:schemeClr>
+            </a:lnRef>
+            <a:fillRef idx="1">
+              <a:schemeClr val="accent1"/>
+            </a:fillRef>
+            <a:effectRef idx="0">
+              <a:schemeClr val="accent1"/>
+            </a:effectRef>
+            <a:fontRef idx="minor">
+              <a:schemeClr val="lt1"/>
+            </a:fontRef>
+          </p:style>
+          <p:txBody>
+            <a:bodyPr rtlCol="0" anchor="ctr"/>
+            <a:lstStyle/>
+            <a:p>
+              <a:pPr algn="ctr"/>
+              <a:endParaRPr lang="en-US"/>
+            </a:p>
+          </p:txBody>
+        </p:sp>
+        <p:grpSp>
+          <p:nvGrpSpPr>
+            <p:cNvPr id="118" name="Group 117">
+              <a:extLst>
+                <a:ext uri="{FF2B5EF4-FFF2-40B4-BE49-F238E27FC236}">
+                  <a16:creationId xmlns:a16="http://schemas.microsoft.com/office/drawing/2014/main" id="{BB68BA2F-3E40-9871-5EA5-3380E162CFFD}"/>
+                </a:ext>
+              </a:extLst>
+            </p:cNvPr>
+            <p:cNvGrpSpPr/>
+            <p:nvPr/>
+          </p:nvGrpSpPr>
+          <p:grpSpPr>
+            <a:xfrm>
+              <a:off x="5152912" y="1682030"/>
+              <a:ext cx="2495198" cy="2491138"/>
+              <a:chOff x="4771358" y="2093337"/>
+              <a:chExt cx="2495198" cy="2491138"/>
+            </a:xfrm>
+          </p:grpSpPr>
+          <p:sp>
+            <p:nvSpPr>
+              <p:cNvPr id="119" name="Chord 118">
+                <a:extLst>
+                  <a:ext uri="{FF2B5EF4-FFF2-40B4-BE49-F238E27FC236}">
+                    <a16:creationId xmlns:a16="http://schemas.microsoft.com/office/drawing/2014/main" id="{D1403559-07C2-D0E1-A57C-F7EB1422B1C3}"/>
+                  </a:ext>
+                </a:extLst>
+              </p:cNvPr>
+              <p:cNvSpPr/>
+              <p:nvPr/>
+            </p:nvSpPr>
+            <p:spPr>
+              <a:xfrm rot="10800000">
+                <a:off x="4771358" y="2093337"/>
+                <a:ext cx="2489962" cy="2489962"/>
+              </a:xfrm>
+              <a:prstGeom prst="chord">
+                <a:avLst>
+                  <a:gd name="adj1" fmla="val 5424209"/>
+                  <a:gd name="adj2" fmla="val 16200000"/>
+                </a:avLst>
+              </a:prstGeom>
+              <a:solidFill>
+                <a:schemeClr val="bg1"/>
+              </a:solidFill>
+              <a:ln w="12700">
+                <a:solidFill>
+                  <a:schemeClr val="tx1"/>
+                </a:solidFill>
+              </a:ln>
+            </p:spPr>
+            <p:style>
+              <a:lnRef idx="2">
+                <a:schemeClr val="accent1">
+                  <a:shade val="15000"/>
+                </a:schemeClr>
+              </a:lnRef>
+              <a:fillRef idx="1">
+                <a:schemeClr val="accent1"/>
+              </a:fillRef>
+              <a:effectRef idx="0">
+                <a:schemeClr val="accent1"/>
+              </a:effectRef>
+              <a:fontRef idx="minor">
+                <a:schemeClr val="lt1"/>
+              </a:fontRef>
+            </p:style>
+            <p:txBody>
+              <a:bodyPr rtlCol="0" anchor="ctr"/>
+              <a:lstStyle/>
+              <a:p>
+                <a:pPr algn="ctr"/>
+                <a:endParaRPr lang="en-US"/>
+              </a:p>
+            </p:txBody>
+          </p:sp>
+          <p:sp>
+            <p:nvSpPr>
+              <p:cNvPr id="120" name="Chord 119">
+                <a:extLst>
+                  <a:ext uri="{FF2B5EF4-FFF2-40B4-BE49-F238E27FC236}">
+                    <a16:creationId xmlns:a16="http://schemas.microsoft.com/office/drawing/2014/main" id="{C91D7351-3DA7-F95B-A695-BEB30364B7BD}"/>
+                  </a:ext>
+                </a:extLst>
+              </p:cNvPr>
+              <p:cNvSpPr/>
+              <p:nvPr/>
+            </p:nvSpPr>
+            <p:spPr>
+              <a:xfrm rot="10800000">
+                <a:off x="4776594" y="2094513"/>
+                <a:ext cx="2489962" cy="2489962"/>
+              </a:xfrm>
+              <a:prstGeom prst="chord">
+                <a:avLst>
+                  <a:gd name="adj1" fmla="val 5424209"/>
+                  <a:gd name="adj2" fmla="val 16200000"/>
+                </a:avLst>
+              </a:prstGeom>
+              <a:solidFill>
+                <a:srgbClr val="FF0000">
+                  <a:alpha val="20000"/>
+                </a:srgbClr>
+              </a:solidFill>
+              <a:ln w="12700">
+                <a:solidFill>
+                  <a:schemeClr val="tx1"/>
+                </a:solidFill>
+              </a:ln>
+            </p:spPr>
+            <p:style>
+              <a:lnRef idx="2">
+                <a:schemeClr val="accent1">
+                  <a:shade val="15000"/>
+                </a:schemeClr>
+              </a:lnRef>
+              <a:fillRef idx="1">
+                <a:schemeClr val="accent1"/>
+              </a:fillRef>
+              <a:effectRef idx="0">
+                <a:schemeClr val="accent1"/>
+              </a:effectRef>
+              <a:fontRef idx="minor">
+                <a:schemeClr val="lt1"/>
+              </a:fontRef>
+            </p:style>
+            <p:txBody>
+              <a:bodyPr rtlCol="0" anchor="ctr"/>
+              <a:lstStyle/>
+              <a:p>
+                <a:pPr algn="ctr"/>
+                <a:endParaRPr lang="en-US"/>
+              </a:p>
+            </p:txBody>
+          </p:sp>
+        </p:grpSp>
+      </p:grpSp>
+      <p:sp>
+        <p:nvSpPr>
+          <p:cNvPr id="122" name="Chord 121">
+            <a:extLst>
+              <a:ext uri="{FF2B5EF4-FFF2-40B4-BE49-F238E27FC236}">
+                <a16:creationId xmlns:a16="http://schemas.microsoft.com/office/drawing/2014/main" id="{67231434-EA72-8857-99D2-44D7C34AED3B}"/>
+              </a:ext>
+            </a:extLst>
+          </p:cNvPr>
+          <p:cNvSpPr/>
+          <p:nvPr/>
+        </p:nvSpPr>
+        <p:spPr>
+          <a:xfrm>
+            <a:off x="6532679" y="2114012"/>
+            <a:ext cx="433472" cy="433472"/>
+          </a:xfrm>
+          <a:prstGeom prst="chord">
+            <a:avLst>
+              <a:gd name="adj1" fmla="val 5424209"/>
+              <a:gd name="adj2" fmla="val 16200000"/>
+            </a:avLst>
+          </a:prstGeom>
+          <a:solidFill>
+            <a:srgbClr val="FF0000">
+              <a:alpha val="20000"/>
+            </a:srgbClr>
+          </a:solidFill>
+          <a:ln w="12700">
+            <a:solidFill>
+              <a:schemeClr val="tx1"/>
+            </a:solidFill>
+          </a:ln>
+        </p:spPr>
+        <p:style>
+          <a:lnRef idx="2">
+            <a:schemeClr val="accent1">
+              <a:shade val="15000"/>
+            </a:schemeClr>
+          </a:lnRef>
+          <a:fillRef idx="1">
+            <a:schemeClr val="accent1"/>
+          </a:fillRef>
+          <a:effectRef idx="0">
+            <a:schemeClr val="accent1"/>
+          </a:effectRef>
+          <a:fontRef idx="minor">
+            <a:schemeClr val="lt1"/>
+          </a:fontRef>
+        </p:style>
+        <p:txBody>
+          <a:bodyPr rtlCol="0" anchor="ctr"/>
+          <a:lstStyle/>
+          <a:p>
+            <a:pPr algn="ctr"/>
+            <a:endParaRPr lang="en-US"/>
+          </a:p>
+        </p:txBody>
+      </p:sp>
+      <p:sp>
+        <p:nvSpPr>
+          <p:cNvPr id="123" name="TextBox 122">
+            <a:extLst>
+              <a:ext uri="{FF2B5EF4-FFF2-40B4-BE49-F238E27FC236}">
+                <a16:creationId xmlns:a16="http://schemas.microsoft.com/office/drawing/2014/main" id="{5A24422B-CD27-17D7-1C5F-2B6C85F50ABF}"/>
+              </a:ext>
+            </a:extLst>
+          </p:cNvPr>
+          <p:cNvSpPr txBox="1"/>
+          <p:nvPr/>
+        </p:nvSpPr>
+        <p:spPr>
+          <a:xfrm>
+            <a:off x="5495560" y="3401356"/>
+            <a:ext cx="1018227" cy="307777"/>
+          </a:xfrm>
+          <a:prstGeom prst="rect">
+            <a:avLst/>
+          </a:prstGeom>
+          <a:noFill/>
+        </p:spPr>
+        <p:txBody>
+          <a:bodyPr wrap="none" rtlCol="0">
+            <a:spAutoFit/>
+          </a:bodyPr>
+          <a:lstStyle/>
+          <a:p>
+            <a:pPr/>
+            <a:r>
+              <a:rPr lang="en-US" dirty="0">
+                <a:latin typeface="Calibri" panose="020F0502020204030204" pitchFamily="34" charset="0"/>
+                <a:cs typeface="Calibri" panose="020F0502020204030204" pitchFamily="34" charset="0"/>
+              </a:rPr>
+              <a:t>Precision = </a:t>
+            </a:r>
+          </a:p>
+        </p:txBody>
+      </p:sp>
+      <p:grpSp>
+        <p:nvGrpSpPr>
+          <p:cNvPr id="137" name="Group 136">
+            <a:extLst>
+              <a:ext uri="{FF2B5EF4-FFF2-40B4-BE49-F238E27FC236}">
+                <a16:creationId xmlns:a16="http://schemas.microsoft.com/office/drawing/2014/main" id="{CCD5938C-81F6-B879-8A21-B4EF54C59657}"/>
+              </a:ext>
+            </a:extLst>
+          </p:cNvPr>
+          <p:cNvGrpSpPr/>
+          <p:nvPr/>
+        </p:nvGrpSpPr>
+        <p:grpSpPr>
+          <a:xfrm>
+            <a:off x="6952761" y="3472609"/>
+            <a:ext cx="433472" cy="433588"/>
+            <a:chOff x="6990167" y="3414719"/>
+            <a:chExt cx="433472" cy="433588"/>
+          </a:xfrm>
+        </p:grpSpPr>
+        <p:sp>
+          <p:nvSpPr>
+            <p:cNvPr id="128" name="Chord 127">
+              <a:extLst>
+                <a:ext uri="{FF2B5EF4-FFF2-40B4-BE49-F238E27FC236}">
+                  <a16:creationId xmlns:a16="http://schemas.microsoft.com/office/drawing/2014/main" id="{059142A1-260B-01B3-A776-B41B51D8D584}"/>
+                </a:ext>
+              </a:extLst>
+            </p:cNvPr>
+            <p:cNvSpPr/>
+            <p:nvPr/>
+          </p:nvSpPr>
+          <p:spPr>
+            <a:xfrm rot="10800000">
+              <a:off x="6990167" y="3414719"/>
+              <a:ext cx="433472" cy="433472"/>
+            </a:xfrm>
+            <a:prstGeom prst="chord">
+              <a:avLst>
+                <a:gd name="adj1" fmla="val 5424209"/>
+                <a:gd name="adj2" fmla="val 16200000"/>
+              </a:avLst>
+            </a:prstGeom>
+            <a:solidFill>
+              <a:srgbClr val="00B050">
+                <a:alpha val="20000"/>
+              </a:srgbClr>
+            </a:solidFill>
+            <a:ln w="12700">
+              <a:solidFill>
+                <a:schemeClr val="tx1"/>
+              </a:solidFill>
+            </a:ln>
+          </p:spPr>
+          <p:style>
+            <a:lnRef idx="2">
+              <a:schemeClr val="accent1">
+                <a:shade val="15000"/>
+              </a:schemeClr>
+            </a:lnRef>
+            <a:fillRef idx="1">
+              <a:schemeClr val="accent1"/>
+            </a:fillRef>
+            <a:effectRef idx="0">
+              <a:schemeClr val="accent1"/>
+            </a:effectRef>
+            <a:fontRef idx="minor">
+              <a:schemeClr val="lt1"/>
+            </a:fontRef>
+          </p:style>
+          <p:txBody>
+            <a:bodyPr rtlCol="0" anchor="ctr"/>
+            <a:lstStyle/>
+            <a:p>
+              <a:pPr algn="ctr"/>
+              <a:endParaRPr lang="en-US"/>
+            </a:p>
+          </p:txBody>
+        </p:sp>
+        <p:sp>
+          <p:nvSpPr>
+            <p:cNvPr id="130" name="Chord 129">
+              <a:extLst>
+                <a:ext uri="{FF2B5EF4-FFF2-40B4-BE49-F238E27FC236}">
+                  <a16:creationId xmlns:a16="http://schemas.microsoft.com/office/drawing/2014/main" id="{E8B9598D-7BB2-5A4C-CFA3-8E1A3061E6A7}"/>
+                </a:ext>
+              </a:extLst>
+            </p:cNvPr>
+            <p:cNvSpPr/>
+            <p:nvPr/>
+          </p:nvSpPr>
+          <p:spPr>
+            <a:xfrm>
+              <a:off x="6990167" y="3414835"/>
+              <a:ext cx="433472" cy="433472"/>
+            </a:xfrm>
+            <a:prstGeom prst="chord">
+              <a:avLst>
+                <a:gd name="adj1" fmla="val 5424209"/>
+                <a:gd name="adj2" fmla="val 16200000"/>
+              </a:avLst>
+            </a:prstGeom>
+            <a:solidFill>
+              <a:srgbClr val="FF0000">
+                <a:alpha val="20000"/>
+              </a:srgbClr>
+            </a:solidFill>
+            <a:ln w="12700">
+              <a:solidFill>
+                <a:schemeClr val="tx1"/>
+              </a:solidFill>
+            </a:ln>
+          </p:spPr>
+          <p:style>
+            <a:lnRef idx="2">
+              <a:schemeClr val="accent1">
+                <a:shade val="15000"/>
+              </a:schemeClr>
+            </a:lnRef>
+            <a:fillRef idx="1">
+              <a:schemeClr val="accent1"/>
+            </a:fillRef>
+            <a:effectRef idx="0">
+              <a:schemeClr val="accent1"/>
+            </a:effectRef>
+            <a:fontRef idx="minor">
+              <a:schemeClr val="lt1"/>
+            </a:fontRef>
+          </p:style>
+          <p:txBody>
+            <a:bodyPr rtlCol="0" anchor="ctr"/>
+            <a:lstStyle/>
+            <a:p>
+              <a:pPr algn="ctr"/>
+              <a:endParaRPr lang="en-US"/>
+            </a:p>
+          </p:txBody>
+        </p:sp>
+      </p:grpSp>
+      <p:cxnSp>
+        <p:nvCxnSpPr>
+          <p:cNvPr id="134" name="Straight Connector 133">
+            <a:extLst>
+              <a:ext uri="{FF2B5EF4-FFF2-40B4-BE49-F238E27FC236}">
+                <a16:creationId xmlns:a16="http://schemas.microsoft.com/office/drawing/2014/main" id="{F167F90F-3F53-6EE7-FE8B-0968D6652A21}"/>
+              </a:ext>
+            </a:extLst>
+          </p:cNvPr>
+          <p:cNvCxnSpPr>
+            <a:cxnSpLocks/>
+          </p:cNvCxnSpPr>
+          <p:nvPr/>
+        </p:nvCxnSpPr>
+        <p:spPr>
+          <a:xfrm flipV="1">
+            <a:off x="6689343" y="2182646"/>
+            <a:ext cx="421383" cy="578450"/>
+          </a:xfrm>
+          <a:prstGeom prst="line">
+            <a:avLst/>
+          </a:prstGeom>
+          <a:ln w="12700">
+            <a:solidFill>
+              <a:schemeClr val="tx1"/>
+            </a:solidFill>
+          </a:ln>
+        </p:spPr>
+        <p:style>
+          <a:lnRef idx="1">
+            <a:schemeClr val="accent1"/>
+          </a:lnRef>
+          <a:fillRef idx="0">
+            <a:schemeClr val="accent1"/>
+          </a:fillRef>
+          <a:effectRef idx="0">
+            <a:schemeClr val="accent1"/>
+          </a:effectRef>
+          <a:fontRef idx="minor">
+            <a:schemeClr val="tx1"/>
+          </a:fontRef>
+        </p:style>
+      </p:cxnSp>
+      <p:cxnSp>
+        <p:nvCxnSpPr>
+          <p:cNvPr id="135" name="Straight Connector 134">
+            <a:extLst>
+              <a:ext uri="{FF2B5EF4-FFF2-40B4-BE49-F238E27FC236}">
+                <a16:creationId xmlns:a16="http://schemas.microsoft.com/office/drawing/2014/main" id="{8ACF896E-A35F-5122-C4C1-FAFB9F62B6C8}"/>
+              </a:ext>
+            </a:extLst>
+          </p:cNvPr>
+          <p:cNvCxnSpPr>
+            <a:cxnSpLocks/>
+          </p:cNvCxnSpPr>
+          <p:nvPr/>
+        </p:nvCxnSpPr>
+        <p:spPr>
+          <a:xfrm flipV="1">
+            <a:off x="6725221" y="3191042"/>
+            <a:ext cx="421383" cy="578450"/>
+          </a:xfrm>
+          <a:prstGeom prst="line">
+            <a:avLst/>
+          </a:prstGeom>
+          <a:ln w="12700">
+            <a:solidFill>
+              <a:schemeClr val="tx1"/>
+            </a:solidFill>
+          </a:ln>
+        </p:spPr>
+        <p:style>
+          <a:lnRef idx="1">
+            <a:schemeClr val="accent1"/>
+          </a:lnRef>
+          <a:fillRef idx="0">
+            <a:schemeClr val="accent1"/>
+          </a:fillRef>
+          <a:effectRef idx="0">
+            <a:schemeClr val="accent1"/>
+          </a:effectRef>
+          <a:fontRef idx="minor">
+            <a:schemeClr val="tx1"/>
+          </a:fontRef>
+        </p:style>
+      </p:cxnSp>
+      <p:sp>
+        <p:nvSpPr>
+          <p:cNvPr id="136" name="Chord 135">
+            <a:extLst>
+              <a:ext uri="{FF2B5EF4-FFF2-40B4-BE49-F238E27FC236}">
+                <a16:creationId xmlns:a16="http://schemas.microsoft.com/office/drawing/2014/main" id="{21A88D6D-896C-4849-E178-3650C0C2CC83}"/>
+              </a:ext>
+            </a:extLst>
+          </p:cNvPr>
+          <p:cNvSpPr/>
+          <p:nvPr/>
+        </p:nvSpPr>
+        <p:spPr>
+          <a:xfrm rot="10800000">
+            <a:off x="6360827" y="3181877"/>
+            <a:ext cx="433472" cy="433472"/>
+          </a:xfrm>
+          <a:prstGeom prst="chord">
+            <a:avLst>
+              <a:gd name="adj1" fmla="val 5424209"/>
+              <a:gd name="adj2" fmla="val 16200000"/>
+            </a:avLst>
+          </a:prstGeom>
+          <a:solidFill>
+            <a:srgbClr val="00B050">
+              <a:alpha val="20000"/>
+            </a:srgbClr>
+          </a:solidFill>
+          <a:ln w="12700">
+            <a:solidFill>
+              <a:schemeClr val="tx1"/>
+            </a:solidFill>
+          </a:ln>
+        </p:spPr>
+        <p:style>
+          <a:lnRef idx="2">
+            <a:schemeClr val="accent1">
+              <a:shade val="15000"/>
+            </a:schemeClr>
+          </a:lnRef>
+          <a:fillRef idx="1">
+            <a:schemeClr val="accent1"/>
+          </a:fillRef>
+          <a:effectRef idx="0">
+            <a:schemeClr val="accent1"/>
+          </a:effectRef>
+          <a:fontRef idx="minor">
+            <a:schemeClr val="lt1"/>
+          </a:fontRef>
+        </p:style>
+        <p:txBody>
+          <a:bodyPr rtlCol="0" anchor="ctr"/>
+          <a:lstStyle/>
+          <a:p>
+            <a:pPr algn="ctr"/>
+            <a:endParaRPr lang="en-US"/>
+          </a:p>
+        </p:txBody>
+      </p:sp>
+    </p:spTree>
+    <p:extLst>
+      <p:ext uri="{BB962C8B-B14F-4D97-AF65-F5344CB8AC3E}">
+        <p14:creationId xmlns:p14="http://schemas.microsoft.com/office/powerpoint/2010/main" val="2685573059"/>
       </p:ext>
     </p:extLst>
   </p:cSld>

--- a/notes/images.pptx
+++ b/notes/images.pptx
@@ -12022,7 +12022,6 @@
           </a:bodyPr>
           <a:lstStyle/>
           <a:p>
-            <a:pPr/>
             <a:r>
               <a:rPr lang="en-US" dirty="0">
                 <a:latin typeface="Calibri" panose="020F0502020204030204" pitchFamily="34" charset="0"/>
@@ -12061,7 +12060,6 @@
           </a:bodyPr>
           <a:lstStyle/>
           <a:p>
-            <a:pPr/>
             <a:r>
               <a:rPr lang="en-US" dirty="0">
                 <a:latin typeface="Calibri" panose="020F0502020204030204" pitchFamily="34" charset="0"/>
@@ -12100,7 +12098,6 @@
           </a:bodyPr>
           <a:lstStyle/>
           <a:p>
-            <a:pPr/>
             <a:r>
               <a:rPr lang="en-US" dirty="0">
                 <a:latin typeface="Calibri" panose="020F0502020204030204" pitchFamily="34" charset="0"/>
@@ -12139,7 +12136,6 @@
           </a:bodyPr>
           <a:lstStyle/>
           <a:p>
-            <a:pPr/>
             <a:r>
               <a:rPr lang="en-US" dirty="0">
                 <a:latin typeface="Calibri" panose="020F0502020204030204" pitchFamily="34" charset="0"/>
@@ -12164,10 +12160,10 @@
         </p:nvGrpSpPr>
         <p:grpSpPr>
           <a:xfrm>
-            <a:off x="2043229" y="1323625"/>
-            <a:ext cx="2521578" cy="2493105"/>
-            <a:chOff x="-14433" y="1477514"/>
-            <a:chExt cx="2521578" cy="2493105"/>
+            <a:off x="2057137" y="1323625"/>
+            <a:ext cx="2511349" cy="2493105"/>
+            <a:chOff x="-525" y="1477514"/>
+            <a:chExt cx="2511349" cy="2493105"/>
           </a:xfrm>
         </p:grpSpPr>
         <p:sp>
@@ -12238,7 +12234,7 @@
           </p:nvSpPr>
           <p:spPr>
             <a:xfrm>
-              <a:off x="0" y="1480657"/>
+              <a:off x="20862" y="1480657"/>
               <a:ext cx="2489962" cy="2489962"/>
             </a:xfrm>
             <a:prstGeom prst="ellipse">
@@ -12290,7 +12286,7 @@
           </p:nvSpPr>
           <p:spPr>
             <a:xfrm>
-              <a:off x="-4479" y="1480657"/>
+              <a:off x="5952" y="1480657"/>
               <a:ext cx="2489962" cy="2489962"/>
             </a:xfrm>
             <a:prstGeom prst="chord">
@@ -12347,7 +12343,7 @@
           </p:nvSpPr>
           <p:spPr>
             <a:xfrm rot="10800000">
-              <a:off x="-14433" y="1480657"/>
+              <a:off x="-525" y="1480657"/>
               <a:ext cx="2489962" cy="2489962"/>
             </a:xfrm>
             <a:prstGeom prst="chord">
@@ -12419,7 +12415,6 @@
           </a:bodyPr>
           <a:lstStyle/>
           <a:p>
-            <a:pPr/>
             <a:r>
               <a:rPr lang="en-US" dirty="0">
                 <a:latin typeface="Calibri" panose="020F0502020204030204" pitchFamily="34" charset="0"/>
@@ -12458,7 +12453,6 @@
           </a:bodyPr>
           <a:lstStyle/>
           <a:p>
-            <a:pPr/>
             <a:r>
               <a:rPr lang="en-US" dirty="0">
                 <a:latin typeface="Calibri" panose="020F0502020204030204" pitchFamily="34" charset="0"/>
@@ -14504,7 +14498,6 @@
           </a:bodyPr>
           <a:lstStyle/>
           <a:p>
-            <a:pPr/>
             <a:r>
               <a:rPr lang="en-US" dirty="0">
                 <a:latin typeface="Calibri" panose="020F0502020204030204" pitchFamily="34" charset="0"/>
@@ -14859,7 +14852,6 @@
           </a:bodyPr>
           <a:lstStyle/>
           <a:p>
-            <a:pPr/>
             <a:r>
               <a:rPr lang="en-US" dirty="0">
                 <a:latin typeface="Calibri" panose="020F0502020204030204" pitchFamily="34" charset="0"/>
@@ -15171,7 +15163,6 @@
           </a:bodyPr>
           <a:lstStyle/>
           <a:p>
-            <a:pPr/>
             <a:r>
               <a:rPr lang="en-US" dirty="0">
                 <a:latin typeface="Calibri" panose="020F0502020204030204" pitchFamily="34" charset="0"/>

--- a/notes/images.pptx
+++ b/notes/images.pptx
@@ -5,14 +5,20 @@
     <p:sldMasterId id="2147483659" r:id="rId1"/>
   </p:sldMasterIdLst>
   <p:notesMasterIdLst>
-    <p:notesMasterId r:id="rId7"/>
+    <p:notesMasterId r:id="rId13"/>
   </p:notesMasterIdLst>
   <p:sldIdLst>
-    <p:sldId id="257" r:id="rId2"/>
-    <p:sldId id="258" r:id="rId3"/>
-    <p:sldId id="259" r:id="rId4"/>
-    <p:sldId id="260" r:id="rId5"/>
-    <p:sldId id="261" r:id="rId6"/>
+    <p:sldId id="262" r:id="rId2"/>
+    <p:sldId id="263" r:id="rId3"/>
+    <p:sldId id="264" r:id="rId4"/>
+    <p:sldId id="257" r:id="rId5"/>
+    <p:sldId id="258" r:id="rId6"/>
+    <p:sldId id="259" r:id="rId7"/>
+    <p:sldId id="260" r:id="rId8"/>
+    <p:sldId id="261" r:id="rId9"/>
+    <p:sldId id="266" r:id="rId10"/>
+    <p:sldId id="267" r:id="rId11"/>
+    <p:sldId id="268" r:id="rId12"/>
   </p:sldIdLst>
   <p:sldSz cx="9144000" cy="5143500" type="screen16x9"/>
   <p:notesSz cx="6858000" cy="9144000"/>
@@ -5471,6 +5477,5533 @@
           <a:chExt cx="0" cy="0"/>
         </a:xfrm>
       </p:grpSpPr>
+      <p:sp>
+        <p:nvSpPr>
+          <p:cNvPr id="4" name="Rectangle 3">
+            <a:extLst>
+              <a:ext uri="{FF2B5EF4-FFF2-40B4-BE49-F238E27FC236}">
+                <a16:creationId xmlns:a16="http://schemas.microsoft.com/office/drawing/2014/main" id="{A769F4D4-E278-1E0E-5108-50BA14AF72F9}"/>
+              </a:ext>
+            </a:extLst>
+          </p:cNvPr>
+          <p:cNvSpPr/>
+          <p:nvPr/>
+        </p:nvSpPr>
+        <p:spPr>
+          <a:xfrm>
+            <a:off x="1173552" y="654142"/>
+            <a:ext cx="1371600" cy="1371600"/>
+          </a:xfrm>
+          <a:prstGeom prst="rect">
+            <a:avLst/>
+          </a:prstGeom>
+          <a:solidFill>
+            <a:srgbClr val="FF0000">
+              <a:alpha val="32646"/>
+            </a:srgbClr>
+          </a:solidFill>
+          <a:ln>
+            <a:noFill/>
+          </a:ln>
+        </p:spPr>
+        <p:style>
+          <a:lnRef idx="2">
+            <a:schemeClr val="accent1">
+              <a:shade val="15000"/>
+            </a:schemeClr>
+          </a:lnRef>
+          <a:fillRef idx="1">
+            <a:schemeClr val="accent1"/>
+          </a:fillRef>
+          <a:effectRef idx="0">
+            <a:schemeClr val="accent1"/>
+          </a:effectRef>
+          <a:fontRef idx="minor">
+            <a:schemeClr val="lt1"/>
+          </a:fontRef>
+        </p:style>
+        <p:txBody>
+          <a:bodyPr rtlCol="0" anchor="ctr"/>
+          <a:lstStyle/>
+          <a:p>
+            <a:pPr algn="ctr"/>
+            <a:endParaRPr lang="en-US"/>
+          </a:p>
+        </p:txBody>
+      </p:sp>
+      <p:sp>
+        <p:nvSpPr>
+          <p:cNvPr id="5" name="Rectangle 4">
+            <a:extLst>
+              <a:ext uri="{FF2B5EF4-FFF2-40B4-BE49-F238E27FC236}">
+                <a16:creationId xmlns:a16="http://schemas.microsoft.com/office/drawing/2014/main" id="{37675AE7-9A6E-6E08-7194-832BAFEABAFB}"/>
+              </a:ext>
+            </a:extLst>
+          </p:cNvPr>
+          <p:cNvSpPr/>
+          <p:nvPr/>
+        </p:nvSpPr>
+        <p:spPr>
+          <a:xfrm>
+            <a:off x="2866886" y="654142"/>
+            <a:ext cx="1371600" cy="1371600"/>
+          </a:xfrm>
+          <a:prstGeom prst="rect">
+            <a:avLst/>
+          </a:prstGeom>
+          <a:solidFill>
+            <a:schemeClr val="accent1">
+              <a:lumMod val="20000"/>
+              <a:lumOff val="80000"/>
+            </a:schemeClr>
+          </a:solidFill>
+          <a:ln>
+            <a:noFill/>
+          </a:ln>
+        </p:spPr>
+        <p:style>
+          <a:lnRef idx="2">
+            <a:schemeClr val="accent1">
+              <a:shade val="15000"/>
+            </a:schemeClr>
+          </a:lnRef>
+          <a:fillRef idx="1">
+            <a:schemeClr val="accent1"/>
+          </a:fillRef>
+          <a:effectRef idx="0">
+            <a:schemeClr val="accent1"/>
+          </a:effectRef>
+          <a:fontRef idx="minor">
+            <a:schemeClr val="lt1"/>
+          </a:fontRef>
+        </p:style>
+        <p:txBody>
+          <a:bodyPr rtlCol="0" anchor="ctr"/>
+          <a:lstStyle/>
+          <a:p>
+            <a:pPr algn="ctr"/>
+            <a:endParaRPr lang="en-US"/>
+          </a:p>
+        </p:txBody>
+      </p:sp>
+      <p:sp>
+        <p:nvSpPr>
+          <p:cNvPr id="6" name="Rectangle 5">
+            <a:extLst>
+              <a:ext uri="{FF2B5EF4-FFF2-40B4-BE49-F238E27FC236}">
+                <a16:creationId xmlns:a16="http://schemas.microsoft.com/office/drawing/2014/main" id="{413A8AB2-A83D-4ED3-ED9D-1B8C1A3212AB}"/>
+              </a:ext>
+            </a:extLst>
+          </p:cNvPr>
+          <p:cNvSpPr/>
+          <p:nvPr/>
+        </p:nvSpPr>
+        <p:spPr>
+          <a:xfrm>
+            <a:off x="5356087" y="654142"/>
+            <a:ext cx="1371600" cy="1371600"/>
+          </a:xfrm>
+          <a:prstGeom prst="rect">
+            <a:avLst/>
+          </a:prstGeom>
+          <a:solidFill>
+            <a:srgbClr val="7030A0">
+              <a:alpha val="32646"/>
+            </a:srgbClr>
+          </a:solidFill>
+          <a:ln>
+            <a:noFill/>
+          </a:ln>
+        </p:spPr>
+        <p:style>
+          <a:lnRef idx="2">
+            <a:schemeClr val="accent1">
+              <a:shade val="15000"/>
+            </a:schemeClr>
+          </a:lnRef>
+          <a:fillRef idx="1">
+            <a:schemeClr val="accent1"/>
+          </a:fillRef>
+          <a:effectRef idx="0">
+            <a:schemeClr val="accent1"/>
+          </a:effectRef>
+          <a:fontRef idx="minor">
+            <a:schemeClr val="lt1"/>
+          </a:fontRef>
+        </p:style>
+        <p:txBody>
+          <a:bodyPr rtlCol="0" anchor="ctr"/>
+          <a:lstStyle/>
+          <a:p>
+            <a:pPr algn="ctr"/>
+            <a:endParaRPr lang="en-US"/>
+          </a:p>
+        </p:txBody>
+      </p:sp>
+      <mc:AlternateContent xmlns:mc="http://schemas.openxmlformats.org/markup-compatibility/2006">
+        <mc:Choice xmlns:a14="http://schemas.microsoft.com/office/drawing/2010/main" Requires="a14">
+          <p:sp>
+            <p:nvSpPr>
+              <p:cNvPr id="7" name="TextBox 6">
+                <a:extLst>
+                  <a:ext uri="{FF2B5EF4-FFF2-40B4-BE49-F238E27FC236}">
+                    <a16:creationId xmlns:a16="http://schemas.microsoft.com/office/drawing/2014/main" id="{4198A143-2694-E838-97BB-84FDBDAA7BDD}"/>
+                  </a:ext>
+                </a:extLst>
+              </p:cNvPr>
+              <p:cNvSpPr txBox="1"/>
+              <p:nvPr/>
+            </p:nvSpPr>
+            <p:spPr>
+              <a:xfrm>
+                <a:off x="4485979" y="1058177"/>
+                <a:ext cx="583813" cy="584775"/>
+              </a:xfrm>
+              <a:prstGeom prst="rect">
+                <a:avLst/>
+              </a:prstGeom>
+              <a:noFill/>
+            </p:spPr>
+            <p:txBody>
+              <a:bodyPr wrap="none" rtlCol="0">
+                <a:spAutoFit/>
+              </a:bodyPr>
+              <a:lstStyle/>
+              <a:p>
+                <a14:m>
+                  <m:oMathPara xmlns:m="http://schemas.openxmlformats.org/officeDocument/2006/math">
+                    <m:oMathParaPr>
+                      <m:jc m:val="centerGroup"/>
+                    </m:oMathParaPr>
+                    <m:oMath xmlns:m="http://schemas.openxmlformats.org/officeDocument/2006/math">
+                      <m:r>
+                        <a:rPr lang="en-US" sz="3200" b="0" i="1" smtClean="0">
+                          <a:latin typeface="Cambria Math" panose="02040503050406030204" pitchFamily="18" charset="0"/>
+                          <a:cs typeface="Calibri" panose="020F0502020204030204" pitchFamily="34" charset="0"/>
+                        </a:rPr>
+                        <m:t>=</m:t>
+                      </m:r>
+                    </m:oMath>
+                  </m:oMathPara>
+                </a14:m>
+                <a:endParaRPr lang="en-US" sz="3200" dirty="0">
+                  <a:latin typeface="Calibri" panose="020F0502020204030204" pitchFamily="34" charset="0"/>
+                  <a:cs typeface="Calibri" panose="020F0502020204030204" pitchFamily="34" charset="0"/>
+                </a:endParaRPr>
+              </a:p>
+            </p:txBody>
+          </p:sp>
+        </mc:Choice>
+        <mc:Fallback>
+          <p:sp>
+            <p:nvSpPr>
+              <p:cNvPr id="7" name="TextBox 6">
+                <a:extLst>
+                  <a:ext uri="{FF2B5EF4-FFF2-40B4-BE49-F238E27FC236}">
+                    <a16:creationId xmlns:a16="http://schemas.microsoft.com/office/drawing/2014/main" id="{4198A143-2694-E838-97BB-84FDBDAA7BDD}"/>
+                  </a:ext>
+                </a:extLst>
+              </p:cNvPr>
+              <p:cNvSpPr txBox="1">
+                <a:spLocks noRot="1" noChangeAspect="1" noMove="1" noResize="1" noEditPoints="1" noAdjustHandles="1" noChangeArrowheads="1" noChangeShapeType="1" noTextEdit="1"/>
+              </p:cNvSpPr>
+              <p:nvPr/>
+            </p:nvSpPr>
+            <p:spPr>
+              <a:xfrm>
+                <a:off x="4485979" y="1058177"/>
+                <a:ext cx="583813" cy="584775"/>
+              </a:xfrm>
+              <a:prstGeom prst="rect">
+                <a:avLst/>
+              </a:prstGeom>
+              <a:blipFill>
+                <a:blip r:embed="rId2"/>
+                <a:stretch>
+                  <a:fillRect/>
+                </a:stretch>
+              </a:blipFill>
+            </p:spPr>
+            <p:txBody>
+              <a:bodyPr/>
+              <a:lstStyle/>
+              <a:p>
+                <a:r>
+                  <a:rPr lang="en-US">
+                    <a:noFill/>
+                  </a:rPr>
+                  <a:t> </a:t>
+                </a:r>
+              </a:p>
+            </p:txBody>
+          </p:sp>
+        </mc:Fallback>
+      </mc:AlternateContent>
+      <p:sp>
+        <p:nvSpPr>
+          <p:cNvPr id="8" name="Rectangle 7">
+            <a:extLst>
+              <a:ext uri="{FF2B5EF4-FFF2-40B4-BE49-F238E27FC236}">
+                <a16:creationId xmlns:a16="http://schemas.microsoft.com/office/drawing/2014/main" id="{07DBBC06-DF58-5F2F-0CC2-C1E676CA3310}"/>
+              </a:ext>
+            </a:extLst>
+          </p:cNvPr>
+          <p:cNvSpPr/>
+          <p:nvPr/>
+        </p:nvSpPr>
+        <p:spPr>
+          <a:xfrm>
+            <a:off x="1173552" y="812800"/>
+            <a:ext cx="1371600" cy="135467"/>
+          </a:xfrm>
+          <a:prstGeom prst="rect">
+            <a:avLst/>
+          </a:prstGeom>
+          <a:noFill/>
+          <a:ln>
+            <a:solidFill>
+              <a:schemeClr val="tx1"/>
+            </a:solidFill>
+          </a:ln>
+        </p:spPr>
+        <p:style>
+          <a:lnRef idx="2">
+            <a:schemeClr val="accent1">
+              <a:shade val="15000"/>
+            </a:schemeClr>
+          </a:lnRef>
+          <a:fillRef idx="1">
+            <a:schemeClr val="accent1"/>
+          </a:fillRef>
+          <a:effectRef idx="0">
+            <a:schemeClr val="accent1"/>
+          </a:effectRef>
+          <a:fontRef idx="minor">
+            <a:schemeClr val="lt1"/>
+          </a:fontRef>
+        </p:style>
+        <p:txBody>
+          <a:bodyPr rtlCol="0" anchor="ctr"/>
+          <a:lstStyle/>
+          <a:p>
+            <a:pPr algn="ctr"/>
+            <a:endParaRPr lang="en-US"/>
+          </a:p>
+        </p:txBody>
+      </p:sp>
+      <p:sp>
+        <p:nvSpPr>
+          <p:cNvPr id="9" name="Rectangle 8">
+            <a:extLst>
+              <a:ext uri="{FF2B5EF4-FFF2-40B4-BE49-F238E27FC236}">
+                <a16:creationId xmlns:a16="http://schemas.microsoft.com/office/drawing/2014/main" id="{EEC8ADF5-FF89-1756-6D9B-37459A8495C5}"/>
+              </a:ext>
+            </a:extLst>
+          </p:cNvPr>
+          <p:cNvSpPr/>
+          <p:nvPr/>
+        </p:nvSpPr>
+        <p:spPr>
+          <a:xfrm rot="5400000">
+            <a:off x="3149153" y="1272159"/>
+            <a:ext cx="1371600" cy="135467"/>
+          </a:xfrm>
+          <a:prstGeom prst="rect">
+            <a:avLst/>
+          </a:prstGeom>
+          <a:noFill/>
+          <a:ln>
+            <a:solidFill>
+              <a:schemeClr val="tx1"/>
+            </a:solidFill>
+          </a:ln>
+        </p:spPr>
+        <p:style>
+          <a:lnRef idx="2">
+            <a:schemeClr val="accent1">
+              <a:shade val="15000"/>
+            </a:schemeClr>
+          </a:lnRef>
+          <a:fillRef idx="1">
+            <a:schemeClr val="accent1"/>
+          </a:fillRef>
+          <a:effectRef idx="0">
+            <a:schemeClr val="accent1"/>
+          </a:effectRef>
+          <a:fontRef idx="minor">
+            <a:schemeClr val="lt1"/>
+          </a:fontRef>
+        </p:style>
+        <p:txBody>
+          <a:bodyPr rtlCol="0" anchor="ctr"/>
+          <a:lstStyle/>
+          <a:p>
+            <a:pPr algn="ctr"/>
+            <a:endParaRPr lang="en-US"/>
+          </a:p>
+        </p:txBody>
+      </p:sp>
+      <mc:AlternateContent xmlns:mc="http://schemas.openxmlformats.org/markup-compatibility/2006">
+        <mc:Choice xmlns:a14="http://schemas.microsoft.com/office/drawing/2010/main" Requires="a14">
+          <p:sp>
+            <p:nvSpPr>
+              <p:cNvPr id="10" name="TextBox 9">
+                <a:extLst>
+                  <a:ext uri="{FF2B5EF4-FFF2-40B4-BE49-F238E27FC236}">
+                    <a16:creationId xmlns:a16="http://schemas.microsoft.com/office/drawing/2014/main" id="{A66F2696-8E78-A8C2-898A-DE2FA5EFBFE9}"/>
+                  </a:ext>
+                </a:extLst>
+              </p:cNvPr>
+              <p:cNvSpPr txBox="1"/>
+              <p:nvPr/>
+            </p:nvSpPr>
+            <p:spPr>
+              <a:xfrm>
+                <a:off x="841515" y="694273"/>
+                <a:ext cx="303416" cy="338554"/>
+              </a:xfrm>
+              <a:prstGeom prst="rect">
+                <a:avLst/>
+              </a:prstGeom>
+              <a:noFill/>
+            </p:spPr>
+            <p:txBody>
+              <a:bodyPr wrap="none" rtlCol="0">
+                <a:spAutoFit/>
+              </a:bodyPr>
+              <a:lstStyle/>
+              <a:p>
+                <a14:m>
+                  <m:oMathPara xmlns:m="http://schemas.openxmlformats.org/officeDocument/2006/math">
+                    <m:oMathParaPr>
+                      <m:jc m:val="centerGroup"/>
+                    </m:oMathParaPr>
+                    <m:oMath xmlns:m="http://schemas.openxmlformats.org/officeDocument/2006/math">
+                      <m:r>
+                        <a:rPr lang="en-US" sz="1600" b="0" i="1" smtClean="0">
+                          <a:latin typeface="Cambria Math" panose="02040503050406030204" pitchFamily="18" charset="0"/>
+                          <a:cs typeface="Calibri" panose="020F0502020204030204" pitchFamily="34" charset="0"/>
+                        </a:rPr>
+                        <m:t>𝑖</m:t>
+                      </m:r>
+                    </m:oMath>
+                  </m:oMathPara>
+                </a14:m>
+                <a:endParaRPr lang="en-US" sz="1600" dirty="0">
+                  <a:latin typeface="Calibri" panose="020F0502020204030204" pitchFamily="34" charset="0"/>
+                  <a:cs typeface="Calibri" panose="020F0502020204030204" pitchFamily="34" charset="0"/>
+                </a:endParaRPr>
+              </a:p>
+            </p:txBody>
+          </p:sp>
+        </mc:Choice>
+        <mc:Fallback>
+          <p:sp>
+            <p:nvSpPr>
+              <p:cNvPr id="10" name="TextBox 9">
+                <a:extLst>
+                  <a:ext uri="{FF2B5EF4-FFF2-40B4-BE49-F238E27FC236}">
+                    <a16:creationId xmlns:a16="http://schemas.microsoft.com/office/drawing/2014/main" id="{A66F2696-8E78-A8C2-898A-DE2FA5EFBFE9}"/>
+                  </a:ext>
+                </a:extLst>
+              </p:cNvPr>
+              <p:cNvSpPr txBox="1">
+                <a:spLocks noRot="1" noChangeAspect="1" noMove="1" noResize="1" noEditPoints="1" noAdjustHandles="1" noChangeArrowheads="1" noChangeShapeType="1" noTextEdit="1"/>
+              </p:cNvSpPr>
+              <p:nvPr/>
+            </p:nvSpPr>
+            <p:spPr>
+              <a:xfrm>
+                <a:off x="841515" y="694273"/>
+                <a:ext cx="303416" cy="338554"/>
+              </a:xfrm>
+              <a:prstGeom prst="rect">
+                <a:avLst/>
+              </a:prstGeom>
+              <a:blipFill>
+                <a:blip r:embed="rId3"/>
+                <a:stretch>
+                  <a:fillRect/>
+                </a:stretch>
+              </a:blipFill>
+            </p:spPr>
+            <p:txBody>
+              <a:bodyPr/>
+              <a:lstStyle/>
+              <a:p>
+                <a:r>
+                  <a:rPr lang="en-US">
+                    <a:noFill/>
+                  </a:rPr>
+                  <a:t> </a:t>
+                </a:r>
+              </a:p>
+            </p:txBody>
+          </p:sp>
+        </mc:Fallback>
+      </mc:AlternateContent>
+      <mc:AlternateContent xmlns:mc="http://schemas.openxmlformats.org/markup-compatibility/2006">
+        <mc:Choice xmlns:a14="http://schemas.microsoft.com/office/drawing/2010/main" Requires="a14">
+          <p:sp>
+            <p:nvSpPr>
+              <p:cNvPr id="11" name="TextBox 10">
+                <a:extLst>
+                  <a:ext uri="{FF2B5EF4-FFF2-40B4-BE49-F238E27FC236}">
+                    <a16:creationId xmlns:a16="http://schemas.microsoft.com/office/drawing/2014/main" id="{AAE5AA2E-7A70-79F5-4167-B276F5AB5377}"/>
+                  </a:ext>
+                </a:extLst>
+              </p:cNvPr>
+              <p:cNvSpPr txBox="1"/>
+              <p:nvPr/>
+            </p:nvSpPr>
+            <p:spPr>
+              <a:xfrm>
+                <a:off x="3683245" y="237024"/>
+                <a:ext cx="308418" cy="338554"/>
+              </a:xfrm>
+              <a:prstGeom prst="rect">
+                <a:avLst/>
+              </a:prstGeom>
+              <a:noFill/>
+            </p:spPr>
+            <p:txBody>
+              <a:bodyPr wrap="none" rtlCol="0">
+                <a:spAutoFit/>
+              </a:bodyPr>
+              <a:lstStyle/>
+              <a:p>
+                <a14:m>
+                  <m:oMathPara xmlns:m="http://schemas.openxmlformats.org/officeDocument/2006/math">
+                    <m:oMathParaPr>
+                      <m:jc m:val="centerGroup"/>
+                    </m:oMathParaPr>
+                    <m:oMath xmlns:m="http://schemas.openxmlformats.org/officeDocument/2006/math">
+                      <m:r>
+                        <a:rPr lang="en-US" sz="1600" b="0" i="1" smtClean="0">
+                          <a:latin typeface="Cambria Math" panose="02040503050406030204" pitchFamily="18" charset="0"/>
+                          <a:cs typeface="Calibri" panose="020F0502020204030204" pitchFamily="34" charset="0"/>
+                        </a:rPr>
+                        <m:t>𝑗</m:t>
+                      </m:r>
+                    </m:oMath>
+                  </m:oMathPara>
+                </a14:m>
+                <a:endParaRPr lang="en-US" sz="1600" dirty="0">
+                  <a:latin typeface="Calibri" panose="020F0502020204030204" pitchFamily="34" charset="0"/>
+                  <a:cs typeface="Calibri" panose="020F0502020204030204" pitchFamily="34" charset="0"/>
+                </a:endParaRPr>
+              </a:p>
+            </p:txBody>
+          </p:sp>
+        </mc:Choice>
+        <mc:Fallback>
+          <p:sp>
+            <p:nvSpPr>
+              <p:cNvPr id="11" name="TextBox 10">
+                <a:extLst>
+                  <a:ext uri="{FF2B5EF4-FFF2-40B4-BE49-F238E27FC236}">
+                    <a16:creationId xmlns:a16="http://schemas.microsoft.com/office/drawing/2014/main" id="{AAE5AA2E-7A70-79F5-4167-B276F5AB5377}"/>
+                  </a:ext>
+                </a:extLst>
+              </p:cNvPr>
+              <p:cNvSpPr txBox="1">
+                <a:spLocks noRot="1" noChangeAspect="1" noMove="1" noResize="1" noEditPoints="1" noAdjustHandles="1" noChangeArrowheads="1" noChangeShapeType="1" noTextEdit="1"/>
+              </p:cNvSpPr>
+              <p:nvPr/>
+            </p:nvSpPr>
+            <p:spPr>
+              <a:xfrm>
+                <a:off x="3683245" y="237024"/>
+                <a:ext cx="308418" cy="338554"/>
+              </a:xfrm>
+              <a:prstGeom prst="rect">
+                <a:avLst/>
+              </a:prstGeom>
+              <a:blipFill>
+                <a:blip r:embed="rId4"/>
+                <a:stretch>
+                  <a:fillRect b="-7143"/>
+                </a:stretch>
+              </a:blipFill>
+            </p:spPr>
+            <p:txBody>
+              <a:bodyPr/>
+              <a:lstStyle/>
+              <a:p>
+                <a:r>
+                  <a:rPr lang="en-US">
+                    <a:noFill/>
+                  </a:rPr>
+                  <a:t> </a:t>
+                </a:r>
+              </a:p>
+            </p:txBody>
+          </p:sp>
+        </mc:Fallback>
+      </mc:AlternateContent>
+      <p:sp>
+        <p:nvSpPr>
+          <p:cNvPr id="12" name="Rectangle 11">
+            <a:extLst>
+              <a:ext uri="{FF2B5EF4-FFF2-40B4-BE49-F238E27FC236}">
+                <a16:creationId xmlns:a16="http://schemas.microsoft.com/office/drawing/2014/main" id="{66DA1084-C43D-55B9-64AE-C745403FF08F}"/>
+              </a:ext>
+            </a:extLst>
+          </p:cNvPr>
+          <p:cNvSpPr/>
+          <p:nvPr/>
+        </p:nvSpPr>
+        <p:spPr>
+          <a:xfrm rot="5400000">
+            <a:off x="6269066" y="812802"/>
+            <a:ext cx="135467" cy="135467"/>
+          </a:xfrm>
+          <a:prstGeom prst="rect">
+            <a:avLst/>
+          </a:prstGeom>
+          <a:noFill/>
+          <a:ln>
+            <a:solidFill>
+              <a:schemeClr val="tx1"/>
+            </a:solidFill>
+          </a:ln>
+        </p:spPr>
+        <p:style>
+          <a:lnRef idx="2">
+            <a:schemeClr val="accent1">
+              <a:shade val="15000"/>
+            </a:schemeClr>
+          </a:lnRef>
+          <a:fillRef idx="1">
+            <a:schemeClr val="accent1"/>
+          </a:fillRef>
+          <a:effectRef idx="0">
+            <a:schemeClr val="accent1"/>
+          </a:effectRef>
+          <a:fontRef idx="minor">
+            <a:schemeClr val="lt1"/>
+          </a:fontRef>
+        </p:style>
+        <p:txBody>
+          <a:bodyPr rtlCol="0" anchor="ctr"/>
+          <a:lstStyle/>
+          <a:p>
+            <a:pPr algn="ctr"/>
+            <a:endParaRPr lang="en-US"/>
+          </a:p>
+        </p:txBody>
+      </p:sp>
+      <mc:AlternateContent xmlns:mc="http://schemas.openxmlformats.org/markup-compatibility/2006">
+        <mc:Choice xmlns:a14="http://schemas.microsoft.com/office/drawing/2010/main" Requires="a14">
+          <p:sp>
+            <p:nvSpPr>
+              <p:cNvPr id="13" name="TextBox 12">
+                <a:extLst>
+                  <a:ext uri="{FF2B5EF4-FFF2-40B4-BE49-F238E27FC236}">
+                    <a16:creationId xmlns:a16="http://schemas.microsoft.com/office/drawing/2014/main" id="{8646CC14-3357-1F9B-F739-6B9539B4BEB0}"/>
+                  </a:ext>
+                </a:extLst>
+              </p:cNvPr>
+              <p:cNvSpPr txBox="1"/>
+              <p:nvPr/>
+            </p:nvSpPr>
+            <p:spPr>
+              <a:xfrm>
+                <a:off x="6182590" y="315538"/>
+                <a:ext cx="308418" cy="338554"/>
+              </a:xfrm>
+              <a:prstGeom prst="rect">
+                <a:avLst/>
+              </a:prstGeom>
+              <a:noFill/>
+            </p:spPr>
+            <p:txBody>
+              <a:bodyPr wrap="none" rtlCol="0">
+                <a:spAutoFit/>
+              </a:bodyPr>
+              <a:lstStyle/>
+              <a:p>
+                <a14:m>
+                  <m:oMathPara xmlns:m="http://schemas.openxmlformats.org/officeDocument/2006/math">
+                    <m:oMathParaPr>
+                      <m:jc m:val="centerGroup"/>
+                    </m:oMathParaPr>
+                    <m:oMath xmlns:m="http://schemas.openxmlformats.org/officeDocument/2006/math">
+                      <m:r>
+                        <a:rPr lang="en-US" sz="1600" b="0" i="1" smtClean="0">
+                          <a:latin typeface="Cambria Math" panose="02040503050406030204" pitchFamily="18" charset="0"/>
+                          <a:cs typeface="Calibri" panose="020F0502020204030204" pitchFamily="34" charset="0"/>
+                        </a:rPr>
+                        <m:t>𝑗</m:t>
+                      </m:r>
+                    </m:oMath>
+                  </m:oMathPara>
+                </a14:m>
+                <a:endParaRPr lang="en-US" sz="1600" dirty="0">
+                  <a:latin typeface="Calibri" panose="020F0502020204030204" pitchFamily="34" charset="0"/>
+                  <a:cs typeface="Calibri" panose="020F0502020204030204" pitchFamily="34" charset="0"/>
+                </a:endParaRPr>
+              </a:p>
+            </p:txBody>
+          </p:sp>
+        </mc:Choice>
+        <mc:Fallback>
+          <p:sp>
+            <p:nvSpPr>
+              <p:cNvPr id="13" name="TextBox 12">
+                <a:extLst>
+                  <a:ext uri="{FF2B5EF4-FFF2-40B4-BE49-F238E27FC236}">
+                    <a16:creationId xmlns:a16="http://schemas.microsoft.com/office/drawing/2014/main" id="{8646CC14-3357-1F9B-F739-6B9539B4BEB0}"/>
+                  </a:ext>
+                </a:extLst>
+              </p:cNvPr>
+              <p:cNvSpPr txBox="1">
+                <a:spLocks noRot="1" noChangeAspect="1" noMove="1" noResize="1" noEditPoints="1" noAdjustHandles="1" noChangeArrowheads="1" noChangeShapeType="1" noTextEdit="1"/>
+              </p:cNvSpPr>
+              <p:nvPr/>
+            </p:nvSpPr>
+            <p:spPr>
+              <a:xfrm>
+                <a:off x="6182590" y="315538"/>
+                <a:ext cx="308418" cy="338554"/>
+              </a:xfrm>
+              <a:prstGeom prst="rect">
+                <a:avLst/>
+              </a:prstGeom>
+              <a:blipFill>
+                <a:blip r:embed="rId5"/>
+                <a:stretch>
+                  <a:fillRect b="-7143"/>
+                </a:stretch>
+              </a:blipFill>
+            </p:spPr>
+            <p:txBody>
+              <a:bodyPr/>
+              <a:lstStyle/>
+              <a:p>
+                <a:r>
+                  <a:rPr lang="en-US">
+                    <a:noFill/>
+                  </a:rPr>
+                  <a:t> </a:t>
+                </a:r>
+              </a:p>
+            </p:txBody>
+          </p:sp>
+        </mc:Fallback>
+      </mc:AlternateContent>
+      <mc:AlternateContent xmlns:mc="http://schemas.openxmlformats.org/markup-compatibility/2006">
+        <mc:Choice xmlns:a14="http://schemas.microsoft.com/office/drawing/2010/main" Requires="a14">
+          <p:sp>
+            <p:nvSpPr>
+              <p:cNvPr id="14" name="TextBox 13">
+                <a:extLst>
+                  <a:ext uri="{FF2B5EF4-FFF2-40B4-BE49-F238E27FC236}">
+                    <a16:creationId xmlns:a16="http://schemas.microsoft.com/office/drawing/2014/main" id="{6ECFC25D-33A0-BFBD-6518-8F03755E1B47}"/>
+                  </a:ext>
+                </a:extLst>
+              </p:cNvPr>
+              <p:cNvSpPr txBox="1"/>
+              <p:nvPr/>
+            </p:nvSpPr>
+            <p:spPr>
+              <a:xfrm>
+                <a:off x="5052671" y="719623"/>
+                <a:ext cx="303416" cy="338554"/>
+              </a:xfrm>
+              <a:prstGeom prst="rect">
+                <a:avLst/>
+              </a:prstGeom>
+              <a:noFill/>
+            </p:spPr>
+            <p:txBody>
+              <a:bodyPr wrap="none" rtlCol="0">
+                <a:spAutoFit/>
+              </a:bodyPr>
+              <a:lstStyle/>
+              <a:p>
+                <a14:m>
+                  <m:oMathPara xmlns:m="http://schemas.openxmlformats.org/officeDocument/2006/math">
+                    <m:oMathParaPr>
+                      <m:jc m:val="centerGroup"/>
+                    </m:oMathParaPr>
+                    <m:oMath xmlns:m="http://schemas.openxmlformats.org/officeDocument/2006/math">
+                      <m:r>
+                        <a:rPr lang="en-US" sz="1600" b="0" i="1" smtClean="0">
+                          <a:latin typeface="Cambria Math" panose="02040503050406030204" pitchFamily="18" charset="0"/>
+                          <a:cs typeface="Calibri" panose="020F0502020204030204" pitchFamily="34" charset="0"/>
+                        </a:rPr>
+                        <m:t>𝑖</m:t>
+                      </m:r>
+                    </m:oMath>
+                  </m:oMathPara>
+                </a14:m>
+                <a:endParaRPr lang="en-US" sz="1600" dirty="0">
+                  <a:latin typeface="Calibri" panose="020F0502020204030204" pitchFamily="34" charset="0"/>
+                  <a:cs typeface="Calibri" panose="020F0502020204030204" pitchFamily="34" charset="0"/>
+                </a:endParaRPr>
+              </a:p>
+            </p:txBody>
+          </p:sp>
+        </mc:Choice>
+        <mc:Fallback>
+          <p:sp>
+            <p:nvSpPr>
+              <p:cNvPr id="14" name="TextBox 13">
+                <a:extLst>
+                  <a:ext uri="{FF2B5EF4-FFF2-40B4-BE49-F238E27FC236}">
+                    <a16:creationId xmlns:a16="http://schemas.microsoft.com/office/drawing/2014/main" id="{6ECFC25D-33A0-BFBD-6518-8F03755E1B47}"/>
+                  </a:ext>
+                </a:extLst>
+              </p:cNvPr>
+              <p:cNvSpPr txBox="1">
+                <a:spLocks noRot="1" noChangeAspect="1" noMove="1" noResize="1" noEditPoints="1" noAdjustHandles="1" noChangeArrowheads="1" noChangeShapeType="1" noTextEdit="1"/>
+              </p:cNvSpPr>
+              <p:nvPr/>
+            </p:nvSpPr>
+            <p:spPr>
+              <a:xfrm>
+                <a:off x="5052671" y="719623"/>
+                <a:ext cx="303416" cy="338554"/>
+              </a:xfrm>
+              <a:prstGeom prst="rect">
+                <a:avLst/>
+              </a:prstGeom>
+              <a:blipFill>
+                <a:blip r:embed="rId6"/>
+                <a:stretch>
+                  <a:fillRect/>
+                </a:stretch>
+              </a:blipFill>
+            </p:spPr>
+            <p:txBody>
+              <a:bodyPr/>
+              <a:lstStyle/>
+              <a:p>
+                <a:r>
+                  <a:rPr lang="en-US">
+                    <a:noFill/>
+                  </a:rPr>
+                  <a:t> </a:t>
+                </a:r>
+              </a:p>
+            </p:txBody>
+          </p:sp>
+        </mc:Fallback>
+      </mc:AlternateContent>
+      <p:sp>
+        <p:nvSpPr>
+          <p:cNvPr id="15" name="Rectangle 14">
+            <a:extLst>
+              <a:ext uri="{FF2B5EF4-FFF2-40B4-BE49-F238E27FC236}">
+                <a16:creationId xmlns:a16="http://schemas.microsoft.com/office/drawing/2014/main" id="{2040636F-571A-0373-79E2-1F491614302A}"/>
+              </a:ext>
+            </a:extLst>
+          </p:cNvPr>
+          <p:cNvSpPr/>
+          <p:nvPr/>
+        </p:nvSpPr>
+        <p:spPr>
+          <a:xfrm>
+            <a:off x="1173552" y="2442811"/>
+            <a:ext cx="1371600" cy="1371600"/>
+          </a:xfrm>
+          <a:prstGeom prst="rect">
+            <a:avLst/>
+          </a:prstGeom>
+          <a:solidFill>
+            <a:srgbClr val="FF0000">
+              <a:alpha val="32646"/>
+            </a:srgbClr>
+          </a:solidFill>
+          <a:ln>
+            <a:noFill/>
+          </a:ln>
+        </p:spPr>
+        <p:style>
+          <a:lnRef idx="2">
+            <a:schemeClr val="accent1">
+              <a:shade val="15000"/>
+            </a:schemeClr>
+          </a:lnRef>
+          <a:fillRef idx="1">
+            <a:schemeClr val="accent1"/>
+          </a:fillRef>
+          <a:effectRef idx="0">
+            <a:schemeClr val="accent1"/>
+          </a:effectRef>
+          <a:fontRef idx="minor">
+            <a:schemeClr val="lt1"/>
+          </a:fontRef>
+        </p:style>
+        <p:txBody>
+          <a:bodyPr rtlCol="0" anchor="ctr"/>
+          <a:lstStyle/>
+          <a:p>
+            <a:pPr algn="ctr"/>
+            <a:endParaRPr lang="en-US"/>
+          </a:p>
+        </p:txBody>
+      </p:sp>
+      <p:sp>
+        <p:nvSpPr>
+          <p:cNvPr id="16" name="Rectangle 15">
+            <a:extLst>
+              <a:ext uri="{FF2B5EF4-FFF2-40B4-BE49-F238E27FC236}">
+                <a16:creationId xmlns:a16="http://schemas.microsoft.com/office/drawing/2014/main" id="{100D40D5-6034-4E97-F906-169AE96393BD}"/>
+              </a:ext>
+            </a:extLst>
+          </p:cNvPr>
+          <p:cNvSpPr/>
+          <p:nvPr/>
+        </p:nvSpPr>
+        <p:spPr>
+          <a:xfrm>
+            <a:off x="2866886" y="2442811"/>
+            <a:ext cx="1371600" cy="1371600"/>
+          </a:xfrm>
+          <a:prstGeom prst="rect">
+            <a:avLst/>
+          </a:prstGeom>
+          <a:solidFill>
+            <a:schemeClr val="accent1">
+              <a:lumMod val="20000"/>
+              <a:lumOff val="80000"/>
+            </a:schemeClr>
+          </a:solidFill>
+          <a:ln>
+            <a:noFill/>
+          </a:ln>
+        </p:spPr>
+        <p:style>
+          <a:lnRef idx="2">
+            <a:schemeClr val="accent1">
+              <a:shade val="15000"/>
+            </a:schemeClr>
+          </a:lnRef>
+          <a:fillRef idx="1">
+            <a:schemeClr val="accent1"/>
+          </a:fillRef>
+          <a:effectRef idx="0">
+            <a:schemeClr val="accent1"/>
+          </a:effectRef>
+          <a:fontRef idx="minor">
+            <a:schemeClr val="lt1"/>
+          </a:fontRef>
+        </p:style>
+        <p:txBody>
+          <a:bodyPr rtlCol="0" anchor="ctr"/>
+          <a:lstStyle/>
+          <a:p>
+            <a:pPr algn="ctr"/>
+            <a:endParaRPr lang="en-US"/>
+          </a:p>
+        </p:txBody>
+      </p:sp>
+      <mc:AlternateContent xmlns:mc="http://schemas.openxmlformats.org/markup-compatibility/2006">
+        <mc:Choice xmlns:a14="http://schemas.microsoft.com/office/drawing/2010/main" Requires="a14">
+          <p:sp>
+            <p:nvSpPr>
+              <p:cNvPr id="18" name="TextBox 17">
+                <a:extLst>
+                  <a:ext uri="{FF2B5EF4-FFF2-40B4-BE49-F238E27FC236}">
+                    <a16:creationId xmlns:a16="http://schemas.microsoft.com/office/drawing/2014/main" id="{0E58DF9F-2928-AD9D-7A26-BED8285D255B}"/>
+                  </a:ext>
+                </a:extLst>
+              </p:cNvPr>
+              <p:cNvSpPr txBox="1"/>
+              <p:nvPr/>
+            </p:nvSpPr>
+            <p:spPr>
+              <a:xfrm>
+                <a:off x="4485979" y="2846846"/>
+                <a:ext cx="583813" cy="584775"/>
+              </a:xfrm>
+              <a:prstGeom prst="rect">
+                <a:avLst/>
+              </a:prstGeom>
+              <a:noFill/>
+            </p:spPr>
+            <p:txBody>
+              <a:bodyPr wrap="none" rtlCol="0">
+                <a:spAutoFit/>
+              </a:bodyPr>
+              <a:lstStyle/>
+              <a:p>
+                <a14:m>
+                  <m:oMathPara xmlns:m="http://schemas.openxmlformats.org/officeDocument/2006/math">
+                    <m:oMathParaPr>
+                      <m:jc m:val="centerGroup"/>
+                    </m:oMathParaPr>
+                    <m:oMath xmlns:m="http://schemas.openxmlformats.org/officeDocument/2006/math">
+                      <m:r>
+                        <a:rPr lang="en-US" sz="3200" b="0" i="1" smtClean="0">
+                          <a:latin typeface="Cambria Math" panose="02040503050406030204" pitchFamily="18" charset="0"/>
+                          <a:cs typeface="Calibri" panose="020F0502020204030204" pitchFamily="34" charset="0"/>
+                        </a:rPr>
+                        <m:t>=</m:t>
+                      </m:r>
+                    </m:oMath>
+                  </m:oMathPara>
+                </a14:m>
+                <a:endParaRPr lang="en-US" sz="3200" dirty="0">
+                  <a:latin typeface="Calibri" panose="020F0502020204030204" pitchFamily="34" charset="0"/>
+                  <a:cs typeface="Calibri" panose="020F0502020204030204" pitchFamily="34" charset="0"/>
+                </a:endParaRPr>
+              </a:p>
+            </p:txBody>
+          </p:sp>
+        </mc:Choice>
+        <mc:Fallback>
+          <p:sp>
+            <p:nvSpPr>
+              <p:cNvPr id="18" name="TextBox 17">
+                <a:extLst>
+                  <a:ext uri="{FF2B5EF4-FFF2-40B4-BE49-F238E27FC236}">
+                    <a16:creationId xmlns:a16="http://schemas.microsoft.com/office/drawing/2014/main" id="{0E58DF9F-2928-AD9D-7A26-BED8285D255B}"/>
+                  </a:ext>
+                </a:extLst>
+              </p:cNvPr>
+              <p:cNvSpPr txBox="1">
+                <a:spLocks noRot="1" noChangeAspect="1" noMove="1" noResize="1" noEditPoints="1" noAdjustHandles="1" noChangeArrowheads="1" noChangeShapeType="1" noTextEdit="1"/>
+              </p:cNvSpPr>
+              <p:nvPr/>
+            </p:nvSpPr>
+            <p:spPr>
+              <a:xfrm>
+                <a:off x="4485979" y="2846846"/>
+                <a:ext cx="583813" cy="584775"/>
+              </a:xfrm>
+              <a:prstGeom prst="rect">
+                <a:avLst/>
+              </a:prstGeom>
+              <a:blipFill>
+                <a:blip r:embed="rId7"/>
+                <a:stretch>
+                  <a:fillRect/>
+                </a:stretch>
+              </a:blipFill>
+            </p:spPr>
+            <p:txBody>
+              <a:bodyPr/>
+              <a:lstStyle/>
+              <a:p>
+                <a:r>
+                  <a:rPr lang="en-US">
+                    <a:noFill/>
+                  </a:rPr>
+                  <a:t> </a:t>
+                </a:r>
+              </a:p>
+            </p:txBody>
+          </p:sp>
+        </mc:Fallback>
+      </mc:AlternateContent>
+      <p:sp>
+        <p:nvSpPr>
+          <p:cNvPr id="19" name="Rectangle 18">
+            <a:extLst>
+              <a:ext uri="{FF2B5EF4-FFF2-40B4-BE49-F238E27FC236}">
+                <a16:creationId xmlns:a16="http://schemas.microsoft.com/office/drawing/2014/main" id="{2D912F3A-F924-3B80-5AD9-F7C9648F710D}"/>
+              </a:ext>
+            </a:extLst>
+          </p:cNvPr>
+          <p:cNvSpPr/>
+          <p:nvPr/>
+        </p:nvSpPr>
+        <p:spPr>
+          <a:xfrm rot="5400000">
+            <a:off x="771012" y="3065188"/>
+            <a:ext cx="1371600" cy="135467"/>
+          </a:xfrm>
+          <a:prstGeom prst="rect">
+            <a:avLst/>
+          </a:prstGeom>
+          <a:noFill/>
+          <a:ln>
+            <a:solidFill>
+              <a:schemeClr val="tx1"/>
+            </a:solidFill>
+          </a:ln>
+        </p:spPr>
+        <p:style>
+          <a:lnRef idx="2">
+            <a:schemeClr val="accent1">
+              <a:shade val="15000"/>
+            </a:schemeClr>
+          </a:lnRef>
+          <a:fillRef idx="1">
+            <a:schemeClr val="accent1"/>
+          </a:fillRef>
+          <a:effectRef idx="0">
+            <a:schemeClr val="accent1"/>
+          </a:effectRef>
+          <a:fontRef idx="minor">
+            <a:schemeClr val="lt1"/>
+          </a:fontRef>
+        </p:style>
+        <p:txBody>
+          <a:bodyPr rtlCol="0" anchor="ctr"/>
+          <a:lstStyle/>
+          <a:p>
+            <a:pPr algn="ctr"/>
+            <a:endParaRPr lang="en-US"/>
+          </a:p>
+        </p:txBody>
+      </p:sp>
+      <p:sp>
+        <p:nvSpPr>
+          <p:cNvPr id="20" name="Rectangle 19">
+            <a:extLst>
+              <a:ext uri="{FF2B5EF4-FFF2-40B4-BE49-F238E27FC236}">
+                <a16:creationId xmlns:a16="http://schemas.microsoft.com/office/drawing/2014/main" id="{997ABFD1-EC2A-68F6-D597-F26A36CFA604}"/>
+              </a:ext>
+            </a:extLst>
+          </p:cNvPr>
+          <p:cNvSpPr/>
+          <p:nvPr/>
+        </p:nvSpPr>
+        <p:spPr>
+          <a:xfrm>
+            <a:off x="2866886" y="2633020"/>
+            <a:ext cx="1371600" cy="135467"/>
+          </a:xfrm>
+          <a:prstGeom prst="rect">
+            <a:avLst/>
+          </a:prstGeom>
+          <a:noFill/>
+          <a:ln>
+            <a:solidFill>
+              <a:schemeClr val="tx1"/>
+            </a:solidFill>
+          </a:ln>
+        </p:spPr>
+        <p:style>
+          <a:lnRef idx="2">
+            <a:schemeClr val="accent1">
+              <a:shade val="15000"/>
+            </a:schemeClr>
+          </a:lnRef>
+          <a:fillRef idx="1">
+            <a:schemeClr val="accent1"/>
+          </a:fillRef>
+          <a:effectRef idx="0">
+            <a:schemeClr val="accent1"/>
+          </a:effectRef>
+          <a:fontRef idx="minor">
+            <a:schemeClr val="lt1"/>
+          </a:fontRef>
+        </p:style>
+        <p:txBody>
+          <a:bodyPr rtlCol="0" anchor="ctr"/>
+          <a:lstStyle/>
+          <a:p>
+            <a:pPr algn="ctr"/>
+            <a:endParaRPr lang="en-US"/>
+          </a:p>
+        </p:txBody>
+      </p:sp>
+      <mc:AlternateContent xmlns:mc="http://schemas.openxmlformats.org/markup-compatibility/2006">
+        <mc:Choice xmlns:a14="http://schemas.microsoft.com/office/drawing/2010/main" Requires="a14">
+          <p:sp>
+            <p:nvSpPr>
+              <p:cNvPr id="21" name="TextBox 20">
+                <a:extLst>
+                  <a:ext uri="{FF2B5EF4-FFF2-40B4-BE49-F238E27FC236}">
+                    <a16:creationId xmlns:a16="http://schemas.microsoft.com/office/drawing/2014/main" id="{25734488-5728-7F34-AB26-B714ECCBCD53}"/>
+                  </a:ext>
+                </a:extLst>
+              </p:cNvPr>
+              <p:cNvSpPr txBox="1"/>
+              <p:nvPr/>
+            </p:nvSpPr>
+            <p:spPr>
+              <a:xfrm>
+                <a:off x="1281315" y="2100100"/>
+                <a:ext cx="350994" cy="338554"/>
+              </a:xfrm>
+              <a:prstGeom prst="rect">
+                <a:avLst/>
+              </a:prstGeom>
+              <a:noFill/>
+            </p:spPr>
+            <p:txBody>
+              <a:bodyPr wrap="none" rtlCol="0">
+                <a:spAutoFit/>
+              </a:bodyPr>
+              <a:lstStyle/>
+              <a:p>
+                <a14:m>
+                  <m:oMathPara xmlns:m="http://schemas.openxmlformats.org/officeDocument/2006/math">
+                    <m:oMathParaPr>
+                      <m:jc m:val="centerGroup"/>
+                    </m:oMathParaPr>
+                    <m:oMath xmlns:m="http://schemas.openxmlformats.org/officeDocument/2006/math">
+                      <m:r>
+                        <a:rPr lang="en-US" sz="1600" b="0" i="1" smtClean="0">
+                          <a:latin typeface="Cambria Math" panose="02040503050406030204" pitchFamily="18" charset="0"/>
+                          <a:cs typeface="Calibri" panose="020F0502020204030204" pitchFamily="34" charset="0"/>
+                        </a:rPr>
+                        <m:t>𝑘</m:t>
+                      </m:r>
+                    </m:oMath>
+                  </m:oMathPara>
+                </a14:m>
+                <a:endParaRPr lang="en-US" sz="1600" dirty="0">
+                  <a:latin typeface="Calibri" panose="020F0502020204030204" pitchFamily="34" charset="0"/>
+                  <a:cs typeface="Calibri" panose="020F0502020204030204" pitchFamily="34" charset="0"/>
+                </a:endParaRPr>
+              </a:p>
+            </p:txBody>
+          </p:sp>
+        </mc:Choice>
+        <mc:Fallback>
+          <p:sp>
+            <p:nvSpPr>
+              <p:cNvPr id="21" name="TextBox 20">
+                <a:extLst>
+                  <a:ext uri="{FF2B5EF4-FFF2-40B4-BE49-F238E27FC236}">
+                    <a16:creationId xmlns:a16="http://schemas.microsoft.com/office/drawing/2014/main" id="{25734488-5728-7F34-AB26-B714ECCBCD53}"/>
+                  </a:ext>
+                </a:extLst>
+              </p:cNvPr>
+              <p:cNvSpPr txBox="1">
+                <a:spLocks noRot="1" noChangeAspect="1" noMove="1" noResize="1" noEditPoints="1" noAdjustHandles="1" noChangeArrowheads="1" noChangeShapeType="1" noTextEdit="1"/>
+              </p:cNvSpPr>
+              <p:nvPr/>
+            </p:nvSpPr>
+            <p:spPr>
+              <a:xfrm>
+                <a:off x="1281315" y="2100100"/>
+                <a:ext cx="350994" cy="338554"/>
+              </a:xfrm>
+              <a:prstGeom prst="rect">
+                <a:avLst/>
+              </a:prstGeom>
+              <a:blipFill>
+                <a:blip r:embed="rId8"/>
+                <a:stretch>
+                  <a:fillRect/>
+                </a:stretch>
+              </a:blipFill>
+            </p:spPr>
+            <p:txBody>
+              <a:bodyPr/>
+              <a:lstStyle/>
+              <a:p>
+                <a:r>
+                  <a:rPr lang="en-US">
+                    <a:noFill/>
+                  </a:rPr>
+                  <a:t> </a:t>
+                </a:r>
+              </a:p>
+            </p:txBody>
+          </p:sp>
+        </mc:Fallback>
+      </mc:AlternateContent>
+      <mc:AlternateContent xmlns:mc="http://schemas.openxmlformats.org/markup-compatibility/2006">
+        <mc:Choice xmlns:a14="http://schemas.microsoft.com/office/drawing/2010/main" Requires="a14">
+          <p:sp>
+            <p:nvSpPr>
+              <p:cNvPr id="22" name="TextBox 21">
+                <a:extLst>
+                  <a:ext uri="{FF2B5EF4-FFF2-40B4-BE49-F238E27FC236}">
+                    <a16:creationId xmlns:a16="http://schemas.microsoft.com/office/drawing/2014/main" id="{09655CA9-F845-64A7-6975-DF575B55724E}"/>
+                  </a:ext>
+                </a:extLst>
+              </p:cNvPr>
+              <p:cNvSpPr txBox="1"/>
+              <p:nvPr/>
+            </p:nvSpPr>
+            <p:spPr>
+              <a:xfrm>
+                <a:off x="2545152" y="2506502"/>
+                <a:ext cx="350994" cy="338554"/>
+              </a:xfrm>
+              <a:prstGeom prst="rect">
+                <a:avLst/>
+              </a:prstGeom>
+              <a:noFill/>
+            </p:spPr>
+            <p:txBody>
+              <a:bodyPr wrap="none" rtlCol="0">
+                <a:spAutoFit/>
+              </a:bodyPr>
+              <a:lstStyle/>
+              <a:p>
+                <a14:m>
+                  <m:oMathPara xmlns:m="http://schemas.openxmlformats.org/officeDocument/2006/math">
+                    <m:oMathParaPr>
+                      <m:jc m:val="centerGroup"/>
+                    </m:oMathParaPr>
+                    <m:oMath xmlns:m="http://schemas.openxmlformats.org/officeDocument/2006/math">
+                      <m:r>
+                        <a:rPr lang="en-US" sz="1600" b="0" i="1" smtClean="0">
+                          <a:latin typeface="Cambria Math" panose="02040503050406030204" pitchFamily="18" charset="0"/>
+                          <a:cs typeface="Calibri" panose="020F0502020204030204" pitchFamily="34" charset="0"/>
+                        </a:rPr>
+                        <m:t>𝑘</m:t>
+                      </m:r>
+                    </m:oMath>
+                  </m:oMathPara>
+                </a14:m>
+                <a:endParaRPr lang="en-US" sz="1600" dirty="0">
+                  <a:latin typeface="Calibri" panose="020F0502020204030204" pitchFamily="34" charset="0"/>
+                  <a:cs typeface="Calibri" panose="020F0502020204030204" pitchFamily="34" charset="0"/>
+                </a:endParaRPr>
+              </a:p>
+            </p:txBody>
+          </p:sp>
+        </mc:Choice>
+        <mc:Fallback>
+          <p:sp>
+            <p:nvSpPr>
+              <p:cNvPr id="22" name="TextBox 21">
+                <a:extLst>
+                  <a:ext uri="{FF2B5EF4-FFF2-40B4-BE49-F238E27FC236}">
+                    <a16:creationId xmlns:a16="http://schemas.microsoft.com/office/drawing/2014/main" id="{09655CA9-F845-64A7-6975-DF575B55724E}"/>
+                  </a:ext>
+                </a:extLst>
+              </p:cNvPr>
+              <p:cNvSpPr txBox="1">
+                <a:spLocks noRot="1" noChangeAspect="1" noMove="1" noResize="1" noEditPoints="1" noAdjustHandles="1" noChangeArrowheads="1" noChangeShapeType="1" noTextEdit="1"/>
+              </p:cNvSpPr>
+              <p:nvPr/>
+            </p:nvSpPr>
+            <p:spPr>
+              <a:xfrm>
+                <a:off x="2545152" y="2506502"/>
+                <a:ext cx="350994" cy="338554"/>
+              </a:xfrm>
+              <a:prstGeom prst="rect">
+                <a:avLst/>
+              </a:prstGeom>
+              <a:blipFill>
+                <a:blip r:embed="rId9"/>
+                <a:stretch>
+                  <a:fillRect/>
+                </a:stretch>
+              </a:blipFill>
+            </p:spPr>
+            <p:txBody>
+              <a:bodyPr/>
+              <a:lstStyle/>
+              <a:p>
+                <a:r>
+                  <a:rPr lang="en-US">
+                    <a:noFill/>
+                  </a:rPr>
+                  <a:t> </a:t>
+                </a:r>
+              </a:p>
+            </p:txBody>
+          </p:sp>
+        </mc:Fallback>
+      </mc:AlternateContent>
+      <p:sp>
+        <p:nvSpPr>
+          <p:cNvPr id="28" name="Rectangle 27">
+            <a:extLst>
+              <a:ext uri="{FF2B5EF4-FFF2-40B4-BE49-F238E27FC236}">
+                <a16:creationId xmlns:a16="http://schemas.microsoft.com/office/drawing/2014/main" id="{A2034CBD-9957-642D-ED0C-C75D2801C62A}"/>
+              </a:ext>
+            </a:extLst>
+          </p:cNvPr>
+          <p:cNvSpPr/>
+          <p:nvPr/>
+        </p:nvSpPr>
+        <p:spPr>
+          <a:xfrm rot="5400000">
+            <a:off x="4738020" y="3065188"/>
+            <a:ext cx="1371600" cy="135467"/>
+          </a:xfrm>
+          <a:prstGeom prst="rect">
+            <a:avLst/>
+          </a:prstGeom>
+          <a:solidFill>
+            <a:srgbClr val="FF0000">
+              <a:alpha val="33000"/>
+            </a:srgbClr>
+          </a:solidFill>
+          <a:ln>
+            <a:solidFill>
+              <a:schemeClr val="tx1"/>
+            </a:solidFill>
+          </a:ln>
+        </p:spPr>
+        <p:style>
+          <a:lnRef idx="2">
+            <a:schemeClr val="accent1">
+              <a:shade val="15000"/>
+            </a:schemeClr>
+          </a:lnRef>
+          <a:fillRef idx="1">
+            <a:schemeClr val="accent1"/>
+          </a:fillRef>
+          <a:effectRef idx="0">
+            <a:schemeClr val="accent1"/>
+          </a:effectRef>
+          <a:fontRef idx="minor">
+            <a:schemeClr val="lt1"/>
+          </a:fontRef>
+        </p:style>
+        <p:txBody>
+          <a:bodyPr rtlCol="0" anchor="ctr"/>
+          <a:lstStyle/>
+          <a:p>
+            <a:pPr algn="ctr"/>
+            <a:endParaRPr lang="en-US"/>
+          </a:p>
+        </p:txBody>
+      </p:sp>
+      <p:sp>
+        <p:nvSpPr>
+          <p:cNvPr id="29" name="Rectangle 28">
+            <a:extLst>
+              <a:ext uri="{FF2B5EF4-FFF2-40B4-BE49-F238E27FC236}">
+                <a16:creationId xmlns:a16="http://schemas.microsoft.com/office/drawing/2014/main" id="{D7B65F3D-7597-7DC4-0518-0EC69BD6F39C}"/>
+              </a:ext>
+            </a:extLst>
+          </p:cNvPr>
+          <p:cNvSpPr/>
+          <p:nvPr/>
+        </p:nvSpPr>
+        <p:spPr>
+          <a:xfrm>
+            <a:off x="5650999" y="2447121"/>
+            <a:ext cx="1371600" cy="135467"/>
+          </a:xfrm>
+          <a:prstGeom prst="rect">
+            <a:avLst/>
+          </a:prstGeom>
+          <a:solidFill>
+            <a:schemeClr val="accent1">
+              <a:lumMod val="20000"/>
+              <a:lumOff val="80000"/>
+            </a:schemeClr>
+          </a:solidFill>
+          <a:ln>
+            <a:solidFill>
+              <a:schemeClr val="tx1"/>
+            </a:solidFill>
+          </a:ln>
+        </p:spPr>
+        <p:style>
+          <a:lnRef idx="2">
+            <a:schemeClr val="accent1">
+              <a:shade val="15000"/>
+            </a:schemeClr>
+          </a:lnRef>
+          <a:fillRef idx="1">
+            <a:schemeClr val="accent1"/>
+          </a:fillRef>
+          <a:effectRef idx="0">
+            <a:schemeClr val="accent1"/>
+          </a:effectRef>
+          <a:fontRef idx="minor">
+            <a:schemeClr val="lt1"/>
+          </a:fontRef>
+        </p:style>
+        <p:txBody>
+          <a:bodyPr rtlCol="0" anchor="ctr"/>
+          <a:lstStyle/>
+          <a:p>
+            <a:pPr algn="ctr"/>
+            <a:endParaRPr lang="en-US"/>
+          </a:p>
+        </p:txBody>
+      </p:sp>
+      <mc:AlternateContent xmlns:mc="http://schemas.openxmlformats.org/markup-compatibility/2006">
+        <mc:Choice xmlns:a14="http://schemas.microsoft.com/office/drawing/2010/main" Requires="a14">
+          <p:sp>
+            <p:nvSpPr>
+              <p:cNvPr id="30" name="TextBox 29">
+                <a:extLst>
+                  <a:ext uri="{FF2B5EF4-FFF2-40B4-BE49-F238E27FC236}">
+                    <a16:creationId xmlns:a16="http://schemas.microsoft.com/office/drawing/2014/main" id="{9FD0D2C4-101F-52FF-6E06-6FFB6D7E9354}"/>
+                  </a:ext>
+                </a:extLst>
+              </p:cNvPr>
+              <p:cNvSpPr txBox="1"/>
+              <p:nvPr/>
+            </p:nvSpPr>
+            <p:spPr>
+              <a:xfrm>
+                <a:off x="7020663" y="2768487"/>
+                <a:ext cx="583813" cy="584775"/>
+              </a:xfrm>
+              <a:prstGeom prst="rect">
+                <a:avLst/>
+              </a:prstGeom>
+              <a:noFill/>
+            </p:spPr>
+            <p:txBody>
+              <a:bodyPr wrap="none" rtlCol="0">
+                <a:spAutoFit/>
+              </a:bodyPr>
+              <a:lstStyle/>
+              <a:p>
+                <a14:m>
+                  <m:oMathPara xmlns:m="http://schemas.openxmlformats.org/officeDocument/2006/math">
+                    <m:oMathParaPr>
+                      <m:jc m:val="centerGroup"/>
+                    </m:oMathParaPr>
+                    <m:oMath xmlns:m="http://schemas.openxmlformats.org/officeDocument/2006/math">
+                      <m:r>
+                        <a:rPr lang="en-US" sz="3200" b="0" i="1" smtClean="0">
+                          <a:latin typeface="Cambria Math" panose="02040503050406030204" pitchFamily="18" charset="0"/>
+                          <a:cs typeface="Calibri" panose="020F0502020204030204" pitchFamily="34" charset="0"/>
+                        </a:rPr>
+                        <m:t>+</m:t>
+                      </m:r>
+                    </m:oMath>
+                  </m:oMathPara>
+                </a14:m>
+                <a:endParaRPr lang="en-US" sz="3200" dirty="0">
+                  <a:latin typeface="Calibri" panose="020F0502020204030204" pitchFamily="34" charset="0"/>
+                  <a:cs typeface="Calibri" panose="020F0502020204030204" pitchFamily="34" charset="0"/>
+                </a:endParaRPr>
+              </a:p>
+            </p:txBody>
+          </p:sp>
+        </mc:Choice>
+        <mc:Fallback>
+          <p:sp>
+            <p:nvSpPr>
+              <p:cNvPr id="30" name="TextBox 29">
+                <a:extLst>
+                  <a:ext uri="{FF2B5EF4-FFF2-40B4-BE49-F238E27FC236}">
+                    <a16:creationId xmlns:a16="http://schemas.microsoft.com/office/drawing/2014/main" id="{9FD0D2C4-101F-52FF-6E06-6FFB6D7E9354}"/>
+                  </a:ext>
+                </a:extLst>
+              </p:cNvPr>
+              <p:cNvSpPr txBox="1">
+                <a:spLocks noRot="1" noChangeAspect="1" noMove="1" noResize="1" noEditPoints="1" noAdjustHandles="1" noChangeArrowheads="1" noChangeShapeType="1" noTextEdit="1"/>
+              </p:cNvSpPr>
+              <p:nvPr/>
+            </p:nvSpPr>
+            <p:spPr>
+              <a:xfrm>
+                <a:off x="7020663" y="2768487"/>
+                <a:ext cx="583813" cy="584775"/>
+              </a:xfrm>
+              <a:prstGeom prst="rect">
+                <a:avLst/>
+              </a:prstGeom>
+              <a:blipFill>
+                <a:blip r:embed="rId10"/>
+                <a:stretch>
+                  <a:fillRect/>
+                </a:stretch>
+              </a:blipFill>
+            </p:spPr>
+            <p:txBody>
+              <a:bodyPr/>
+              <a:lstStyle/>
+              <a:p>
+                <a:r>
+                  <a:rPr lang="en-US">
+                    <a:noFill/>
+                  </a:rPr>
+                  <a:t> </a:t>
+                </a:r>
+              </a:p>
+            </p:txBody>
+          </p:sp>
+        </mc:Fallback>
+      </mc:AlternateContent>
+      <mc:AlternateContent xmlns:mc="http://schemas.openxmlformats.org/markup-compatibility/2006">
+        <mc:Choice xmlns:a14="http://schemas.microsoft.com/office/drawing/2010/main" Requires="a14">
+          <p:sp>
+            <p:nvSpPr>
+              <p:cNvPr id="31" name="TextBox 30">
+                <a:extLst>
+                  <a:ext uri="{FF2B5EF4-FFF2-40B4-BE49-F238E27FC236}">
+                    <a16:creationId xmlns:a16="http://schemas.microsoft.com/office/drawing/2014/main" id="{53F6B9E3-969E-D560-F471-5EE6ADBC3DDB}"/>
+                  </a:ext>
+                </a:extLst>
+              </p:cNvPr>
+              <p:cNvSpPr txBox="1"/>
+              <p:nvPr/>
+            </p:nvSpPr>
+            <p:spPr>
+              <a:xfrm>
+                <a:off x="7603955" y="2954386"/>
+                <a:ext cx="587020" cy="584775"/>
+              </a:xfrm>
+              <a:prstGeom prst="rect">
+                <a:avLst/>
+              </a:prstGeom>
+              <a:noFill/>
+            </p:spPr>
+            <p:txBody>
+              <a:bodyPr wrap="none" rtlCol="0">
+                <a:spAutoFit/>
+              </a:bodyPr>
+              <a:lstStyle/>
+              <a:p>
+                <a14:m>
+                  <m:oMathPara xmlns:m="http://schemas.openxmlformats.org/officeDocument/2006/math">
+                    <m:oMathParaPr>
+                      <m:jc m:val="centerGroup"/>
+                    </m:oMathParaPr>
+                    <m:oMath xmlns:m="http://schemas.openxmlformats.org/officeDocument/2006/math">
+                      <m:r>
+                        <a:rPr lang="en-US" sz="3200" b="0" i="1" smtClean="0">
+                          <a:latin typeface="Cambria Math" panose="02040503050406030204" pitchFamily="18" charset="0"/>
+                          <a:cs typeface="Calibri" panose="020F0502020204030204" pitchFamily="34" charset="0"/>
+                        </a:rPr>
+                        <m:t>…</m:t>
+                      </m:r>
+                    </m:oMath>
+                  </m:oMathPara>
+                </a14:m>
+                <a:endParaRPr lang="en-US" sz="3200" dirty="0">
+                  <a:latin typeface="Calibri" panose="020F0502020204030204" pitchFamily="34" charset="0"/>
+                  <a:cs typeface="Calibri" panose="020F0502020204030204" pitchFamily="34" charset="0"/>
+                </a:endParaRPr>
+              </a:p>
+            </p:txBody>
+          </p:sp>
+        </mc:Choice>
+        <mc:Fallback>
+          <p:sp>
+            <p:nvSpPr>
+              <p:cNvPr id="31" name="TextBox 30">
+                <a:extLst>
+                  <a:ext uri="{FF2B5EF4-FFF2-40B4-BE49-F238E27FC236}">
+                    <a16:creationId xmlns:a16="http://schemas.microsoft.com/office/drawing/2014/main" id="{53F6B9E3-969E-D560-F471-5EE6ADBC3DDB}"/>
+                  </a:ext>
+                </a:extLst>
+              </p:cNvPr>
+              <p:cNvSpPr txBox="1">
+                <a:spLocks noRot="1" noChangeAspect="1" noMove="1" noResize="1" noEditPoints="1" noAdjustHandles="1" noChangeArrowheads="1" noChangeShapeType="1" noTextEdit="1"/>
+              </p:cNvSpPr>
+              <p:nvPr/>
+            </p:nvSpPr>
+            <p:spPr>
+              <a:xfrm>
+                <a:off x="7603955" y="2954386"/>
+                <a:ext cx="587020" cy="584775"/>
+              </a:xfrm>
+              <a:prstGeom prst="rect">
+                <a:avLst/>
+              </a:prstGeom>
+              <a:blipFill>
+                <a:blip r:embed="rId11"/>
+                <a:stretch>
+                  <a:fillRect/>
+                </a:stretch>
+              </a:blipFill>
+            </p:spPr>
+            <p:txBody>
+              <a:bodyPr/>
+              <a:lstStyle/>
+              <a:p>
+                <a:r>
+                  <a:rPr lang="en-US">
+                    <a:noFill/>
+                  </a:rPr>
+                  <a:t> </a:t>
+                </a:r>
+              </a:p>
+            </p:txBody>
+          </p:sp>
+        </mc:Fallback>
+      </mc:AlternateContent>
+    </p:spTree>
+    <p:extLst>
+      <p:ext uri="{BB962C8B-B14F-4D97-AF65-F5344CB8AC3E}">
+        <p14:creationId xmlns:p14="http://schemas.microsoft.com/office/powerpoint/2010/main" val="3007646882"/>
+      </p:ext>
+    </p:extLst>
+  </p:cSld>
+  <p:clrMapOvr>
+    <a:masterClrMapping/>
+  </p:clrMapOvr>
+</p:sld>
+</file>
+
+<file path=ppt/slides/slide10.xml><?xml version="1.0" encoding="utf-8"?>
+<p:sld xmlns:a="http://schemas.openxmlformats.org/drawingml/2006/main" xmlns:r="http://schemas.openxmlformats.org/officeDocument/2006/relationships" xmlns:p="http://schemas.openxmlformats.org/presentationml/2006/main">
+  <p:cSld>
+    <p:spTree>
+      <p:nvGrpSpPr>
+        <p:cNvPr id="1" name="">
+          <a:extLst>
+            <a:ext uri="{FF2B5EF4-FFF2-40B4-BE49-F238E27FC236}">
+              <a16:creationId xmlns:a16="http://schemas.microsoft.com/office/drawing/2014/main" id="{34D883AA-9AC3-22F8-AEF9-C804A0A7DFBD}"/>
+            </a:ext>
+          </a:extLst>
+        </p:cNvPr>
+        <p:cNvGrpSpPr/>
+        <p:nvPr/>
+      </p:nvGrpSpPr>
+      <p:grpSpPr>
+        <a:xfrm>
+          <a:off x="0" y="0"/>
+          <a:ext cx="0" cy="0"/>
+          <a:chOff x="0" y="0"/>
+          <a:chExt cx="0" cy="0"/>
+        </a:xfrm>
+      </p:grpSpPr>
+      <p:sp>
+        <p:nvSpPr>
+          <p:cNvPr id="4" name="Rectangle 3">
+            <a:extLst>
+              <a:ext uri="{FF2B5EF4-FFF2-40B4-BE49-F238E27FC236}">
+                <a16:creationId xmlns:a16="http://schemas.microsoft.com/office/drawing/2014/main" id="{5EE6F0BF-73ED-BA3E-0852-B56F391C51C7}"/>
+              </a:ext>
+            </a:extLst>
+          </p:cNvPr>
+          <p:cNvSpPr/>
+          <p:nvPr/>
+        </p:nvSpPr>
+        <p:spPr>
+          <a:xfrm>
+            <a:off x="418107" y="1066798"/>
+            <a:ext cx="1371600" cy="2286000"/>
+          </a:xfrm>
+          <a:prstGeom prst="rect">
+            <a:avLst/>
+          </a:prstGeom>
+          <a:solidFill>
+            <a:srgbClr val="00B050">
+              <a:alpha val="32646"/>
+            </a:srgbClr>
+          </a:solidFill>
+          <a:ln>
+            <a:noFill/>
+          </a:ln>
+        </p:spPr>
+        <p:style>
+          <a:lnRef idx="2">
+            <a:schemeClr val="accent1">
+              <a:shade val="15000"/>
+            </a:schemeClr>
+          </a:lnRef>
+          <a:fillRef idx="1">
+            <a:schemeClr val="accent1"/>
+          </a:fillRef>
+          <a:effectRef idx="0">
+            <a:schemeClr val="accent1"/>
+          </a:effectRef>
+          <a:fontRef idx="minor">
+            <a:schemeClr val="lt1"/>
+          </a:fontRef>
+        </p:style>
+        <p:txBody>
+          <a:bodyPr rtlCol="0" anchor="ctr"/>
+          <a:lstStyle/>
+          <a:p>
+            <a:pPr algn="ctr"/>
+            <a:endParaRPr lang="en-US"/>
+          </a:p>
+        </p:txBody>
+      </p:sp>
+      <mc:AlternateContent xmlns:mc="http://schemas.openxmlformats.org/markup-compatibility/2006">
+        <mc:Choice xmlns:a14="http://schemas.microsoft.com/office/drawing/2010/main" Requires="a14">
+          <p:sp>
+            <p:nvSpPr>
+              <p:cNvPr id="10" name="TextBox 9">
+                <a:extLst>
+                  <a:ext uri="{FF2B5EF4-FFF2-40B4-BE49-F238E27FC236}">
+                    <a16:creationId xmlns:a16="http://schemas.microsoft.com/office/drawing/2014/main" id="{E28C0655-3CE6-34E3-B058-C8AA928F11AB}"/>
+                  </a:ext>
+                </a:extLst>
+              </p:cNvPr>
+              <p:cNvSpPr txBox="1"/>
+              <p:nvPr/>
+            </p:nvSpPr>
+            <p:spPr>
+              <a:xfrm>
+                <a:off x="747656" y="3352798"/>
+                <a:ext cx="712503" cy="338554"/>
+              </a:xfrm>
+              <a:prstGeom prst="rect">
+                <a:avLst/>
+              </a:prstGeom>
+              <a:noFill/>
+            </p:spPr>
+            <p:txBody>
+              <a:bodyPr wrap="none" rtlCol="0">
+                <a:spAutoFit/>
+              </a:bodyPr>
+              <a:lstStyle/>
+              <a:p>
+                <a14:m>
+                  <m:oMathPara xmlns:m="http://schemas.openxmlformats.org/officeDocument/2006/math">
+                    <m:oMathParaPr>
+                      <m:jc m:val="centerGroup"/>
+                    </m:oMathParaPr>
+                    <m:oMath xmlns:m="http://schemas.openxmlformats.org/officeDocument/2006/math">
+                      <m:r>
+                        <a:rPr lang="en-US" sz="1600" b="0" i="1" smtClean="0">
+                          <a:latin typeface="Cambria Math" panose="02040503050406030204" pitchFamily="18" charset="0"/>
+                          <a:cs typeface="Calibri" panose="020F0502020204030204" pitchFamily="34" charset="0"/>
+                        </a:rPr>
+                        <m:t>𝑛</m:t>
+                      </m:r>
+                      <m:r>
+                        <a:rPr lang="en-US" sz="1600" b="0" i="1" smtClean="0">
+                          <a:latin typeface="Cambria Math" panose="02040503050406030204" pitchFamily="18" charset="0"/>
+                          <a:cs typeface="Calibri" panose="020F0502020204030204" pitchFamily="34" charset="0"/>
+                        </a:rPr>
+                        <m:t> × </m:t>
+                      </m:r>
+                      <m:r>
+                        <a:rPr lang="en-US" sz="1600" b="0" i="1" smtClean="0">
+                          <a:latin typeface="Cambria Math" panose="02040503050406030204" pitchFamily="18" charset="0"/>
+                          <a:cs typeface="Calibri" panose="020F0502020204030204" pitchFamily="34" charset="0"/>
+                        </a:rPr>
+                        <m:t>𝑑</m:t>
+                      </m:r>
+                    </m:oMath>
+                  </m:oMathPara>
+                </a14:m>
+                <a:endParaRPr lang="en-US" sz="1600" dirty="0">
+                  <a:latin typeface="Calibri" panose="020F0502020204030204" pitchFamily="34" charset="0"/>
+                  <a:cs typeface="Calibri" panose="020F0502020204030204" pitchFamily="34" charset="0"/>
+                </a:endParaRPr>
+              </a:p>
+            </p:txBody>
+          </p:sp>
+        </mc:Choice>
+        <mc:Fallback>
+          <p:sp>
+            <p:nvSpPr>
+              <p:cNvPr id="10" name="TextBox 9">
+                <a:extLst>
+                  <a:ext uri="{FF2B5EF4-FFF2-40B4-BE49-F238E27FC236}">
+                    <a16:creationId xmlns:a16="http://schemas.microsoft.com/office/drawing/2014/main" id="{E28C0655-3CE6-34E3-B058-C8AA928F11AB}"/>
+                  </a:ext>
+                </a:extLst>
+              </p:cNvPr>
+              <p:cNvSpPr txBox="1">
+                <a:spLocks noRot="1" noChangeAspect="1" noMove="1" noResize="1" noEditPoints="1" noAdjustHandles="1" noChangeArrowheads="1" noChangeShapeType="1" noTextEdit="1"/>
+              </p:cNvSpPr>
+              <p:nvPr/>
+            </p:nvSpPr>
+            <p:spPr>
+              <a:xfrm>
+                <a:off x="747656" y="3352798"/>
+                <a:ext cx="712503" cy="338554"/>
+              </a:xfrm>
+              <a:prstGeom prst="rect">
+                <a:avLst/>
+              </a:prstGeom>
+              <a:blipFill>
+                <a:blip r:embed="rId2"/>
+                <a:stretch>
+                  <a:fillRect b="-14815"/>
+                </a:stretch>
+              </a:blipFill>
+            </p:spPr>
+            <p:txBody>
+              <a:bodyPr/>
+              <a:lstStyle/>
+              <a:p>
+                <a:r>
+                  <a:rPr lang="en-US">
+                    <a:noFill/>
+                  </a:rPr>
+                  <a:t> </a:t>
+                </a:r>
+              </a:p>
+            </p:txBody>
+          </p:sp>
+        </mc:Fallback>
+      </mc:AlternateContent>
+      <p:sp>
+        <p:nvSpPr>
+          <p:cNvPr id="5" name="Rectangle 4">
+            <a:extLst>
+              <a:ext uri="{FF2B5EF4-FFF2-40B4-BE49-F238E27FC236}">
+                <a16:creationId xmlns:a16="http://schemas.microsoft.com/office/drawing/2014/main" id="{03B69A4F-1C01-9B30-8448-F797FF241C12}"/>
+              </a:ext>
+            </a:extLst>
+          </p:cNvPr>
+          <p:cNvSpPr/>
+          <p:nvPr/>
+        </p:nvSpPr>
+        <p:spPr>
+          <a:xfrm>
+            <a:off x="2038075" y="1066798"/>
+            <a:ext cx="274320" cy="1371600"/>
+          </a:xfrm>
+          <a:prstGeom prst="rect">
+            <a:avLst/>
+          </a:prstGeom>
+          <a:solidFill>
+            <a:srgbClr val="7030A0">
+              <a:alpha val="32646"/>
+            </a:srgbClr>
+          </a:solidFill>
+          <a:ln>
+            <a:noFill/>
+          </a:ln>
+        </p:spPr>
+        <p:style>
+          <a:lnRef idx="2">
+            <a:schemeClr val="accent1">
+              <a:shade val="15000"/>
+            </a:schemeClr>
+          </a:lnRef>
+          <a:fillRef idx="1">
+            <a:schemeClr val="accent1"/>
+          </a:fillRef>
+          <a:effectRef idx="0">
+            <a:schemeClr val="accent1"/>
+          </a:effectRef>
+          <a:fontRef idx="minor">
+            <a:schemeClr val="lt1"/>
+          </a:fontRef>
+        </p:style>
+        <p:txBody>
+          <a:bodyPr rtlCol="0" anchor="ctr"/>
+          <a:lstStyle/>
+          <a:p>
+            <a:pPr algn="ctr"/>
+            <a:endParaRPr lang="en-US"/>
+          </a:p>
+        </p:txBody>
+      </p:sp>
+      <mc:AlternateContent xmlns:mc="http://schemas.openxmlformats.org/markup-compatibility/2006">
+        <mc:Choice xmlns:a14="http://schemas.microsoft.com/office/drawing/2010/main" Requires="a14">
+          <p:sp>
+            <p:nvSpPr>
+              <p:cNvPr id="6" name="TextBox 5">
+                <a:extLst>
+                  <a:ext uri="{FF2B5EF4-FFF2-40B4-BE49-F238E27FC236}">
+                    <a16:creationId xmlns:a16="http://schemas.microsoft.com/office/drawing/2014/main" id="{1428BB5D-04A1-9C92-38B7-369B3EF01D12}"/>
+                  </a:ext>
+                </a:extLst>
+              </p:cNvPr>
+              <p:cNvSpPr txBox="1"/>
+              <p:nvPr/>
+            </p:nvSpPr>
+            <p:spPr>
+              <a:xfrm>
+                <a:off x="2002605" y="3352798"/>
+                <a:ext cx="356315" cy="338554"/>
+              </a:xfrm>
+              <a:prstGeom prst="rect">
+                <a:avLst/>
+              </a:prstGeom>
+              <a:noFill/>
+            </p:spPr>
+            <p:txBody>
+              <a:bodyPr wrap="none" rtlCol="0">
+                <a:spAutoFit/>
+              </a:bodyPr>
+              <a:lstStyle/>
+              <a:p>
+                <a14:m>
+                  <m:oMathPara xmlns:m="http://schemas.openxmlformats.org/officeDocument/2006/math">
+                    <m:oMathParaPr>
+                      <m:jc m:val="centerGroup"/>
+                    </m:oMathParaPr>
+                    <m:oMath xmlns:m="http://schemas.openxmlformats.org/officeDocument/2006/math">
+                      <m:r>
+                        <a:rPr lang="en-US" sz="1600" b="0" i="1" smtClean="0">
+                          <a:latin typeface="Cambria Math" panose="02040503050406030204" pitchFamily="18" charset="0"/>
+                          <a:cs typeface="Calibri" panose="020F0502020204030204" pitchFamily="34" charset="0"/>
+                        </a:rPr>
+                        <m:t>𝑑</m:t>
+                      </m:r>
+                    </m:oMath>
+                  </m:oMathPara>
+                </a14:m>
+                <a:endParaRPr lang="en-US" sz="1600" dirty="0">
+                  <a:latin typeface="Calibri" panose="020F0502020204030204" pitchFamily="34" charset="0"/>
+                  <a:cs typeface="Calibri" panose="020F0502020204030204" pitchFamily="34" charset="0"/>
+                </a:endParaRPr>
+              </a:p>
+            </p:txBody>
+          </p:sp>
+        </mc:Choice>
+        <mc:Fallback>
+          <p:sp>
+            <p:nvSpPr>
+              <p:cNvPr id="6" name="TextBox 5">
+                <a:extLst>
+                  <a:ext uri="{FF2B5EF4-FFF2-40B4-BE49-F238E27FC236}">
+                    <a16:creationId xmlns:a16="http://schemas.microsoft.com/office/drawing/2014/main" id="{1428BB5D-04A1-9C92-38B7-369B3EF01D12}"/>
+                  </a:ext>
+                </a:extLst>
+              </p:cNvPr>
+              <p:cNvSpPr txBox="1">
+                <a:spLocks noRot="1" noChangeAspect="1" noMove="1" noResize="1" noEditPoints="1" noAdjustHandles="1" noChangeArrowheads="1" noChangeShapeType="1" noTextEdit="1"/>
+              </p:cNvSpPr>
+              <p:nvPr/>
+            </p:nvSpPr>
+            <p:spPr>
+              <a:xfrm>
+                <a:off x="2002605" y="3352798"/>
+                <a:ext cx="356315" cy="338554"/>
+              </a:xfrm>
+              <a:prstGeom prst="rect">
+                <a:avLst/>
+              </a:prstGeom>
+              <a:blipFill>
+                <a:blip r:embed="rId3"/>
+                <a:stretch>
+                  <a:fillRect/>
+                </a:stretch>
+              </a:blipFill>
+            </p:spPr>
+            <p:txBody>
+              <a:bodyPr/>
+              <a:lstStyle/>
+              <a:p>
+                <a:r>
+                  <a:rPr lang="en-US">
+                    <a:noFill/>
+                  </a:rPr>
+                  <a:t> </a:t>
+                </a:r>
+              </a:p>
+            </p:txBody>
+          </p:sp>
+        </mc:Fallback>
+      </mc:AlternateContent>
+      <p:sp>
+        <p:nvSpPr>
+          <p:cNvPr id="7" name="Rectangle 6">
+            <a:extLst>
+              <a:ext uri="{FF2B5EF4-FFF2-40B4-BE49-F238E27FC236}">
+                <a16:creationId xmlns:a16="http://schemas.microsoft.com/office/drawing/2014/main" id="{E638AA3F-3E5B-77B1-8ECF-1CE2D4C338CF}"/>
+              </a:ext>
+            </a:extLst>
+          </p:cNvPr>
+          <p:cNvSpPr/>
+          <p:nvPr/>
+        </p:nvSpPr>
+        <p:spPr>
+          <a:xfrm>
+            <a:off x="3736297" y="1066798"/>
+            <a:ext cx="1371600" cy="2286000"/>
+          </a:xfrm>
+          <a:prstGeom prst="rect">
+            <a:avLst/>
+          </a:prstGeom>
+          <a:solidFill>
+            <a:srgbClr val="00B050">
+              <a:alpha val="32646"/>
+            </a:srgbClr>
+          </a:solidFill>
+          <a:ln>
+            <a:noFill/>
+          </a:ln>
+        </p:spPr>
+        <p:style>
+          <a:lnRef idx="2">
+            <a:schemeClr val="accent1">
+              <a:shade val="15000"/>
+            </a:schemeClr>
+          </a:lnRef>
+          <a:fillRef idx="1">
+            <a:schemeClr val="accent1"/>
+          </a:fillRef>
+          <a:effectRef idx="0">
+            <a:schemeClr val="accent1"/>
+          </a:effectRef>
+          <a:fontRef idx="minor">
+            <a:schemeClr val="lt1"/>
+          </a:fontRef>
+        </p:style>
+        <p:txBody>
+          <a:bodyPr rtlCol="0" anchor="ctr"/>
+          <a:lstStyle/>
+          <a:p>
+            <a:pPr algn="ctr"/>
+            <a:endParaRPr lang="en-US"/>
+          </a:p>
+        </p:txBody>
+      </p:sp>
+      <mc:AlternateContent xmlns:mc="http://schemas.openxmlformats.org/markup-compatibility/2006">
+        <mc:Choice xmlns:a14="http://schemas.microsoft.com/office/drawing/2010/main" Requires="a14">
+          <p:sp>
+            <p:nvSpPr>
+              <p:cNvPr id="8" name="TextBox 7">
+                <a:extLst>
+                  <a:ext uri="{FF2B5EF4-FFF2-40B4-BE49-F238E27FC236}">
+                    <a16:creationId xmlns:a16="http://schemas.microsoft.com/office/drawing/2014/main" id="{CEDC32B3-6D84-62FB-2920-4E5BB07846D8}"/>
+                  </a:ext>
+                </a:extLst>
+              </p:cNvPr>
+              <p:cNvSpPr txBox="1"/>
+              <p:nvPr/>
+            </p:nvSpPr>
+            <p:spPr>
+              <a:xfrm>
+                <a:off x="4065846" y="3352798"/>
+                <a:ext cx="712503" cy="338554"/>
+              </a:xfrm>
+              <a:prstGeom prst="rect">
+                <a:avLst/>
+              </a:prstGeom>
+              <a:noFill/>
+            </p:spPr>
+            <p:txBody>
+              <a:bodyPr wrap="none" rtlCol="0">
+                <a:spAutoFit/>
+              </a:bodyPr>
+              <a:lstStyle/>
+              <a:p>
+                <a14:m>
+                  <m:oMathPara xmlns:m="http://schemas.openxmlformats.org/officeDocument/2006/math">
+                    <m:oMathParaPr>
+                      <m:jc m:val="centerGroup"/>
+                    </m:oMathParaPr>
+                    <m:oMath xmlns:m="http://schemas.openxmlformats.org/officeDocument/2006/math">
+                      <m:r>
+                        <a:rPr lang="en-US" sz="1600" b="0" i="1" smtClean="0">
+                          <a:latin typeface="Cambria Math" panose="02040503050406030204" pitchFamily="18" charset="0"/>
+                          <a:cs typeface="Calibri" panose="020F0502020204030204" pitchFamily="34" charset="0"/>
+                        </a:rPr>
+                        <m:t>𝑛</m:t>
+                      </m:r>
+                      <m:r>
+                        <a:rPr lang="en-US" sz="1600" b="0" i="1" smtClean="0">
+                          <a:latin typeface="Cambria Math" panose="02040503050406030204" pitchFamily="18" charset="0"/>
+                          <a:cs typeface="Calibri" panose="020F0502020204030204" pitchFamily="34" charset="0"/>
+                        </a:rPr>
+                        <m:t> × </m:t>
+                      </m:r>
+                      <m:r>
+                        <a:rPr lang="en-US" sz="1600" b="0" i="1" smtClean="0">
+                          <a:latin typeface="Cambria Math" panose="02040503050406030204" pitchFamily="18" charset="0"/>
+                          <a:cs typeface="Calibri" panose="020F0502020204030204" pitchFamily="34" charset="0"/>
+                        </a:rPr>
+                        <m:t>𝑑</m:t>
+                      </m:r>
+                    </m:oMath>
+                  </m:oMathPara>
+                </a14:m>
+                <a:endParaRPr lang="en-US" sz="1600" dirty="0">
+                  <a:latin typeface="Calibri" panose="020F0502020204030204" pitchFamily="34" charset="0"/>
+                  <a:cs typeface="Calibri" panose="020F0502020204030204" pitchFamily="34" charset="0"/>
+                </a:endParaRPr>
+              </a:p>
+            </p:txBody>
+          </p:sp>
+        </mc:Choice>
+        <mc:Fallback>
+          <p:sp>
+            <p:nvSpPr>
+              <p:cNvPr id="8" name="TextBox 7">
+                <a:extLst>
+                  <a:ext uri="{FF2B5EF4-FFF2-40B4-BE49-F238E27FC236}">
+                    <a16:creationId xmlns:a16="http://schemas.microsoft.com/office/drawing/2014/main" id="{CEDC32B3-6D84-62FB-2920-4E5BB07846D8}"/>
+                  </a:ext>
+                </a:extLst>
+              </p:cNvPr>
+              <p:cNvSpPr txBox="1">
+                <a:spLocks noRot="1" noChangeAspect="1" noMove="1" noResize="1" noEditPoints="1" noAdjustHandles="1" noChangeArrowheads="1" noChangeShapeType="1" noTextEdit="1"/>
+              </p:cNvSpPr>
+              <p:nvPr/>
+            </p:nvSpPr>
+            <p:spPr>
+              <a:xfrm>
+                <a:off x="4065846" y="3352798"/>
+                <a:ext cx="712503" cy="338554"/>
+              </a:xfrm>
+              <a:prstGeom prst="rect">
+                <a:avLst/>
+              </a:prstGeom>
+              <a:blipFill>
+                <a:blip r:embed="rId4"/>
+                <a:stretch>
+                  <a:fillRect b="-14815"/>
+                </a:stretch>
+              </a:blipFill>
+            </p:spPr>
+            <p:txBody>
+              <a:bodyPr/>
+              <a:lstStyle/>
+              <a:p>
+                <a:r>
+                  <a:rPr lang="en-US">
+                    <a:noFill/>
+                  </a:rPr>
+                  <a:t> </a:t>
+                </a:r>
+              </a:p>
+            </p:txBody>
+          </p:sp>
+        </mc:Fallback>
+      </mc:AlternateContent>
+      <p:sp>
+        <p:nvSpPr>
+          <p:cNvPr id="9" name="Rectangle 8">
+            <a:extLst>
+              <a:ext uri="{FF2B5EF4-FFF2-40B4-BE49-F238E27FC236}">
+                <a16:creationId xmlns:a16="http://schemas.microsoft.com/office/drawing/2014/main" id="{016DC1AC-E287-F8AE-5ADA-63A5C69F5808}"/>
+              </a:ext>
+            </a:extLst>
+          </p:cNvPr>
+          <p:cNvSpPr/>
+          <p:nvPr/>
+        </p:nvSpPr>
+        <p:spPr>
+          <a:xfrm>
+            <a:off x="7919302" y="1066798"/>
+            <a:ext cx="274320" cy="2286000"/>
+          </a:xfrm>
+          <a:prstGeom prst="rect">
+            <a:avLst/>
+          </a:prstGeom>
+          <a:solidFill>
+            <a:srgbClr val="FF0000">
+              <a:alpha val="32646"/>
+            </a:srgbClr>
+          </a:solidFill>
+          <a:ln>
+            <a:noFill/>
+          </a:ln>
+        </p:spPr>
+        <p:style>
+          <a:lnRef idx="2">
+            <a:schemeClr val="accent1">
+              <a:shade val="15000"/>
+            </a:schemeClr>
+          </a:lnRef>
+          <a:fillRef idx="1">
+            <a:schemeClr val="accent1"/>
+          </a:fillRef>
+          <a:effectRef idx="0">
+            <a:schemeClr val="accent1"/>
+          </a:effectRef>
+          <a:fontRef idx="minor">
+            <a:schemeClr val="lt1"/>
+          </a:fontRef>
+        </p:style>
+        <p:txBody>
+          <a:bodyPr rtlCol="0" anchor="ctr"/>
+          <a:lstStyle/>
+          <a:p>
+            <a:pPr algn="ctr"/>
+            <a:endParaRPr lang="en-US"/>
+          </a:p>
+        </p:txBody>
+      </p:sp>
+      <mc:AlternateContent xmlns:mc="http://schemas.openxmlformats.org/markup-compatibility/2006">
+        <mc:Choice xmlns:a14="http://schemas.microsoft.com/office/drawing/2010/main" Requires="a14">
+          <p:sp>
+            <p:nvSpPr>
+              <p:cNvPr id="11" name="TextBox 10">
+                <a:extLst>
+                  <a:ext uri="{FF2B5EF4-FFF2-40B4-BE49-F238E27FC236}">
+                    <a16:creationId xmlns:a16="http://schemas.microsoft.com/office/drawing/2014/main" id="{45AF6972-EFDA-1B2E-3CB7-D1FFA62C5C0B}"/>
+                  </a:ext>
+                </a:extLst>
+              </p:cNvPr>
+              <p:cNvSpPr txBox="1"/>
+              <p:nvPr/>
+            </p:nvSpPr>
+            <p:spPr>
+              <a:xfrm>
+                <a:off x="6157347" y="3361263"/>
+                <a:ext cx="712503" cy="338554"/>
+              </a:xfrm>
+              <a:prstGeom prst="rect">
+                <a:avLst/>
+              </a:prstGeom>
+              <a:noFill/>
+            </p:spPr>
+            <p:txBody>
+              <a:bodyPr wrap="none" rtlCol="0">
+                <a:spAutoFit/>
+              </a:bodyPr>
+              <a:lstStyle/>
+              <a:p>
+                <a14:m>
+                  <m:oMathPara xmlns:m="http://schemas.openxmlformats.org/officeDocument/2006/math">
+                    <m:oMathParaPr>
+                      <m:jc m:val="centerGroup"/>
+                    </m:oMathParaPr>
+                    <m:oMath xmlns:m="http://schemas.openxmlformats.org/officeDocument/2006/math">
+                      <m:r>
+                        <a:rPr lang="en-US" sz="1600" b="0" i="1" smtClean="0">
+                          <a:latin typeface="Cambria Math" panose="02040503050406030204" pitchFamily="18" charset="0"/>
+                          <a:cs typeface="Calibri" panose="020F0502020204030204" pitchFamily="34" charset="0"/>
+                        </a:rPr>
+                        <m:t>𝑑</m:t>
+                      </m:r>
+                      <m:r>
+                        <a:rPr lang="en-US" sz="1600" b="0" i="1" smtClean="0">
+                          <a:latin typeface="Cambria Math" panose="02040503050406030204" pitchFamily="18" charset="0"/>
+                          <a:cs typeface="Calibri" panose="020F0502020204030204" pitchFamily="34" charset="0"/>
+                        </a:rPr>
+                        <m:t> × </m:t>
+                      </m:r>
+                      <m:r>
+                        <a:rPr lang="en-US" sz="1600" b="0" i="1" smtClean="0">
+                          <a:latin typeface="Cambria Math" panose="02040503050406030204" pitchFamily="18" charset="0"/>
+                          <a:cs typeface="Calibri" panose="020F0502020204030204" pitchFamily="34" charset="0"/>
+                        </a:rPr>
+                        <m:t>𝑛</m:t>
+                      </m:r>
+                    </m:oMath>
+                  </m:oMathPara>
+                </a14:m>
+                <a:endParaRPr lang="en-US" sz="1600" dirty="0">
+                  <a:latin typeface="Calibri" panose="020F0502020204030204" pitchFamily="34" charset="0"/>
+                  <a:cs typeface="Calibri" panose="020F0502020204030204" pitchFamily="34" charset="0"/>
+                </a:endParaRPr>
+              </a:p>
+            </p:txBody>
+          </p:sp>
+        </mc:Choice>
+        <mc:Fallback>
+          <p:sp>
+            <p:nvSpPr>
+              <p:cNvPr id="11" name="TextBox 10">
+                <a:extLst>
+                  <a:ext uri="{FF2B5EF4-FFF2-40B4-BE49-F238E27FC236}">
+                    <a16:creationId xmlns:a16="http://schemas.microsoft.com/office/drawing/2014/main" id="{45AF6972-EFDA-1B2E-3CB7-D1FFA62C5C0B}"/>
+                  </a:ext>
+                </a:extLst>
+              </p:cNvPr>
+              <p:cNvSpPr txBox="1">
+                <a:spLocks noRot="1" noChangeAspect="1" noMove="1" noResize="1" noEditPoints="1" noAdjustHandles="1" noChangeArrowheads="1" noChangeShapeType="1" noTextEdit="1"/>
+              </p:cNvSpPr>
+              <p:nvPr/>
+            </p:nvSpPr>
+            <p:spPr>
+              <a:xfrm>
+                <a:off x="6157347" y="3361263"/>
+                <a:ext cx="712503" cy="338554"/>
+              </a:xfrm>
+              <a:prstGeom prst="rect">
+                <a:avLst/>
+              </a:prstGeom>
+              <a:blipFill>
+                <a:blip r:embed="rId5"/>
+                <a:stretch>
+                  <a:fillRect b="-14286"/>
+                </a:stretch>
+              </a:blipFill>
+            </p:spPr>
+            <p:txBody>
+              <a:bodyPr/>
+              <a:lstStyle/>
+              <a:p>
+                <a:r>
+                  <a:rPr lang="en-US">
+                    <a:noFill/>
+                  </a:rPr>
+                  <a:t> </a:t>
+                </a:r>
+              </a:p>
+            </p:txBody>
+          </p:sp>
+        </mc:Fallback>
+      </mc:AlternateContent>
+      <p:sp>
+        <p:nvSpPr>
+          <p:cNvPr id="12" name="TextBox 11">
+            <a:extLst>
+              <a:ext uri="{FF2B5EF4-FFF2-40B4-BE49-F238E27FC236}">
+                <a16:creationId xmlns:a16="http://schemas.microsoft.com/office/drawing/2014/main" id="{4B10EA19-8D3E-A1C9-7DCC-A99FA46CAF3B}"/>
+              </a:ext>
+            </a:extLst>
+          </p:cNvPr>
+          <p:cNvSpPr txBox="1"/>
+          <p:nvPr/>
+        </p:nvSpPr>
+        <p:spPr>
+          <a:xfrm>
+            <a:off x="2778124" y="2007511"/>
+            <a:ext cx="492443" cy="430887"/>
+          </a:xfrm>
+          <a:prstGeom prst="rect">
+            <a:avLst/>
+          </a:prstGeom>
+          <a:noFill/>
+        </p:spPr>
+        <p:txBody>
+          <a:bodyPr wrap="none" rtlCol="0">
+            <a:spAutoFit/>
+          </a:bodyPr>
+          <a:lstStyle/>
+          <a:p>
+            <a:r>
+              <a:rPr lang="en-US" sz="2200" dirty="0">
+                <a:latin typeface="Calibri" panose="020F0502020204030204" pitchFamily="34" charset="0"/>
+                <a:cs typeface="Calibri" panose="020F0502020204030204" pitchFamily="34" charset="0"/>
+              </a:rPr>
+              <a:t>vs.</a:t>
+            </a:r>
+          </a:p>
+        </p:txBody>
+      </p:sp>
+      <p:sp>
+        <p:nvSpPr>
+          <p:cNvPr id="13" name="Rectangle 12">
+            <a:extLst>
+              <a:ext uri="{FF2B5EF4-FFF2-40B4-BE49-F238E27FC236}">
+                <a16:creationId xmlns:a16="http://schemas.microsoft.com/office/drawing/2014/main" id="{702768FF-3858-E422-2BDA-7142A33E0BA1}"/>
+              </a:ext>
+            </a:extLst>
+          </p:cNvPr>
+          <p:cNvSpPr/>
+          <p:nvPr/>
+        </p:nvSpPr>
+        <p:spPr>
+          <a:xfrm rot="5400000">
+            <a:off x="5827799" y="609598"/>
+            <a:ext cx="1371600" cy="2286000"/>
+          </a:xfrm>
+          <a:prstGeom prst="rect">
+            <a:avLst/>
+          </a:prstGeom>
+          <a:solidFill>
+            <a:schemeClr val="accent1">
+              <a:alpha val="32646"/>
+            </a:schemeClr>
+          </a:solidFill>
+          <a:ln>
+            <a:noFill/>
+          </a:ln>
+        </p:spPr>
+        <p:style>
+          <a:lnRef idx="2">
+            <a:schemeClr val="accent1">
+              <a:shade val="15000"/>
+            </a:schemeClr>
+          </a:lnRef>
+          <a:fillRef idx="1">
+            <a:schemeClr val="accent1"/>
+          </a:fillRef>
+          <a:effectRef idx="0">
+            <a:schemeClr val="accent1"/>
+          </a:effectRef>
+          <a:fontRef idx="minor">
+            <a:schemeClr val="lt1"/>
+          </a:fontRef>
+        </p:style>
+        <p:txBody>
+          <a:bodyPr rtlCol="0" anchor="ctr"/>
+          <a:lstStyle/>
+          <a:p>
+            <a:pPr algn="ctr"/>
+            <a:endParaRPr lang="en-US"/>
+          </a:p>
+        </p:txBody>
+      </p:sp>
+      <mc:AlternateContent xmlns:mc="http://schemas.openxmlformats.org/markup-compatibility/2006">
+        <mc:Choice xmlns:a14="http://schemas.microsoft.com/office/drawing/2010/main" Requires="a14">
+          <p:sp>
+            <p:nvSpPr>
+              <p:cNvPr id="14" name="TextBox 13">
+                <a:extLst>
+                  <a:ext uri="{FF2B5EF4-FFF2-40B4-BE49-F238E27FC236}">
+                    <a16:creationId xmlns:a16="http://schemas.microsoft.com/office/drawing/2014/main" id="{35C4D6C6-EC84-E80F-CE62-4AA22EFCB057}"/>
+                  </a:ext>
+                </a:extLst>
+              </p:cNvPr>
+              <p:cNvSpPr txBox="1"/>
+              <p:nvPr/>
+            </p:nvSpPr>
+            <p:spPr>
+              <a:xfrm>
+                <a:off x="7880612" y="3352798"/>
+                <a:ext cx="351699" cy="338554"/>
+              </a:xfrm>
+              <a:prstGeom prst="rect">
+                <a:avLst/>
+              </a:prstGeom>
+              <a:noFill/>
+            </p:spPr>
+            <p:txBody>
+              <a:bodyPr wrap="none" rtlCol="0">
+                <a:spAutoFit/>
+              </a:bodyPr>
+              <a:lstStyle/>
+              <a:p>
+                <a14:m>
+                  <m:oMathPara xmlns:m="http://schemas.openxmlformats.org/officeDocument/2006/math">
+                    <m:oMathParaPr>
+                      <m:jc m:val="centerGroup"/>
+                    </m:oMathParaPr>
+                    <m:oMath xmlns:m="http://schemas.openxmlformats.org/officeDocument/2006/math">
+                      <m:r>
+                        <a:rPr lang="en-US" sz="1600" b="0" i="1" smtClean="0">
+                          <a:latin typeface="Cambria Math" panose="02040503050406030204" pitchFamily="18" charset="0"/>
+                          <a:cs typeface="Calibri" panose="020F0502020204030204" pitchFamily="34" charset="0"/>
+                        </a:rPr>
+                        <m:t>𝑛</m:t>
+                      </m:r>
+                    </m:oMath>
+                  </m:oMathPara>
+                </a14:m>
+                <a:endParaRPr lang="en-US" sz="1600" dirty="0">
+                  <a:latin typeface="Calibri" panose="020F0502020204030204" pitchFamily="34" charset="0"/>
+                  <a:cs typeface="Calibri" panose="020F0502020204030204" pitchFamily="34" charset="0"/>
+                </a:endParaRPr>
+              </a:p>
+            </p:txBody>
+          </p:sp>
+        </mc:Choice>
+        <mc:Fallback>
+          <p:sp>
+            <p:nvSpPr>
+              <p:cNvPr id="14" name="TextBox 13">
+                <a:extLst>
+                  <a:ext uri="{FF2B5EF4-FFF2-40B4-BE49-F238E27FC236}">
+                    <a16:creationId xmlns:a16="http://schemas.microsoft.com/office/drawing/2014/main" id="{35C4D6C6-EC84-E80F-CE62-4AA22EFCB057}"/>
+                  </a:ext>
+                </a:extLst>
+              </p:cNvPr>
+              <p:cNvSpPr txBox="1">
+                <a:spLocks noRot="1" noChangeAspect="1" noMove="1" noResize="1" noEditPoints="1" noAdjustHandles="1" noChangeArrowheads="1" noChangeShapeType="1" noTextEdit="1"/>
+              </p:cNvSpPr>
+              <p:nvPr/>
+            </p:nvSpPr>
+            <p:spPr>
+              <a:xfrm>
+                <a:off x="7880612" y="3352798"/>
+                <a:ext cx="351699" cy="338554"/>
+              </a:xfrm>
+              <a:prstGeom prst="rect">
+                <a:avLst/>
+              </a:prstGeom>
+              <a:blipFill>
+                <a:blip r:embed="rId6"/>
+                <a:stretch>
+                  <a:fillRect/>
+                </a:stretch>
+              </a:blipFill>
+            </p:spPr>
+            <p:txBody>
+              <a:bodyPr/>
+              <a:lstStyle/>
+              <a:p>
+                <a:r>
+                  <a:rPr lang="en-US">
+                    <a:noFill/>
+                  </a:rPr>
+                  <a:t> </a:t>
+                </a:r>
+              </a:p>
+            </p:txBody>
+          </p:sp>
+        </mc:Fallback>
+      </mc:AlternateContent>
+    </p:spTree>
+    <p:extLst>
+      <p:ext uri="{BB962C8B-B14F-4D97-AF65-F5344CB8AC3E}">
+        <p14:creationId xmlns:p14="http://schemas.microsoft.com/office/powerpoint/2010/main" val="196576972"/>
+      </p:ext>
+    </p:extLst>
+  </p:cSld>
+  <p:clrMapOvr>
+    <a:masterClrMapping/>
+  </p:clrMapOvr>
+</p:sld>
+</file>
+
+<file path=ppt/slides/slide11.xml><?xml version="1.0" encoding="utf-8"?>
+<p:sld xmlns:a="http://schemas.openxmlformats.org/drawingml/2006/main" xmlns:r="http://schemas.openxmlformats.org/officeDocument/2006/relationships" xmlns:p="http://schemas.openxmlformats.org/presentationml/2006/main">
+  <p:cSld>
+    <p:spTree>
+      <p:nvGrpSpPr>
+        <p:cNvPr id="1" name="">
+          <a:extLst>
+            <a:ext uri="{FF2B5EF4-FFF2-40B4-BE49-F238E27FC236}">
+              <a16:creationId xmlns:a16="http://schemas.microsoft.com/office/drawing/2014/main" id="{F87B0DB3-0332-B3E1-5FD7-4B96FFEDCC24}"/>
+            </a:ext>
+          </a:extLst>
+        </p:cNvPr>
+        <p:cNvGrpSpPr/>
+        <p:nvPr/>
+      </p:nvGrpSpPr>
+      <p:grpSpPr>
+        <a:xfrm>
+          <a:off x="0" y="0"/>
+          <a:ext cx="0" cy="0"/>
+          <a:chOff x="0" y="0"/>
+          <a:chExt cx="0" cy="0"/>
+        </a:xfrm>
+      </p:grpSpPr>
+    </p:spTree>
+    <p:extLst>
+      <p:ext uri="{BB962C8B-B14F-4D97-AF65-F5344CB8AC3E}">
+        <p14:creationId xmlns:p14="http://schemas.microsoft.com/office/powerpoint/2010/main" val="3692338829"/>
+      </p:ext>
+    </p:extLst>
+  </p:cSld>
+  <p:clrMapOvr>
+    <a:masterClrMapping/>
+  </p:clrMapOvr>
+</p:sld>
+</file>
+
+<file path=ppt/slides/slide2.xml><?xml version="1.0" encoding="utf-8"?>
+<p:sld xmlns:a="http://schemas.openxmlformats.org/drawingml/2006/main" xmlns:r="http://schemas.openxmlformats.org/officeDocument/2006/relationships" xmlns:p="http://schemas.openxmlformats.org/presentationml/2006/main">
+  <p:cSld>
+    <p:spTree>
+      <p:nvGrpSpPr>
+        <p:cNvPr id="1" name="">
+          <a:extLst>
+            <a:ext uri="{FF2B5EF4-FFF2-40B4-BE49-F238E27FC236}">
+              <a16:creationId xmlns:a16="http://schemas.microsoft.com/office/drawing/2014/main" id="{F812B852-B2BB-FA71-063C-C32D2C1B2A54}"/>
+            </a:ext>
+          </a:extLst>
+        </p:cNvPr>
+        <p:cNvGrpSpPr/>
+        <p:nvPr/>
+      </p:nvGrpSpPr>
+      <p:grpSpPr>
+        <a:xfrm>
+          <a:off x="0" y="0"/>
+          <a:ext cx="0" cy="0"/>
+          <a:chOff x="0" y="0"/>
+          <a:chExt cx="0" cy="0"/>
+        </a:xfrm>
+      </p:grpSpPr>
+      <p:sp>
+        <p:nvSpPr>
+          <p:cNvPr id="4" name="Rectangle 3">
+            <a:extLst>
+              <a:ext uri="{FF2B5EF4-FFF2-40B4-BE49-F238E27FC236}">
+                <a16:creationId xmlns:a16="http://schemas.microsoft.com/office/drawing/2014/main" id="{71B7195B-8771-DF22-6CD7-90EEC8B41C60}"/>
+              </a:ext>
+            </a:extLst>
+          </p:cNvPr>
+          <p:cNvSpPr/>
+          <p:nvPr/>
+        </p:nvSpPr>
+        <p:spPr>
+          <a:xfrm>
+            <a:off x="1173551" y="654141"/>
+            <a:ext cx="1188720" cy="1603515"/>
+          </a:xfrm>
+          <a:prstGeom prst="rect">
+            <a:avLst/>
+          </a:prstGeom>
+          <a:noFill/>
+          <a:ln>
+            <a:solidFill>
+              <a:schemeClr val="tx1"/>
+            </a:solidFill>
+          </a:ln>
+        </p:spPr>
+        <p:style>
+          <a:lnRef idx="2">
+            <a:schemeClr val="accent1">
+              <a:shade val="15000"/>
+            </a:schemeClr>
+          </a:lnRef>
+          <a:fillRef idx="1">
+            <a:schemeClr val="accent1"/>
+          </a:fillRef>
+          <a:effectRef idx="0">
+            <a:schemeClr val="accent1"/>
+          </a:effectRef>
+          <a:fontRef idx="minor">
+            <a:schemeClr val="lt1"/>
+          </a:fontRef>
+        </p:style>
+        <p:txBody>
+          <a:bodyPr rtlCol="0" anchor="ctr"/>
+          <a:lstStyle/>
+          <a:p>
+            <a:pPr algn="ctr"/>
+            <a:endParaRPr lang="en-US"/>
+          </a:p>
+        </p:txBody>
+      </p:sp>
+      <p:sp>
+        <p:nvSpPr>
+          <p:cNvPr id="5" name="Rectangle 4">
+            <a:extLst>
+              <a:ext uri="{FF2B5EF4-FFF2-40B4-BE49-F238E27FC236}">
+                <a16:creationId xmlns:a16="http://schemas.microsoft.com/office/drawing/2014/main" id="{D22DCD09-B02F-DEC5-EBDF-3FC51BD35EB3}"/>
+              </a:ext>
+            </a:extLst>
+          </p:cNvPr>
+          <p:cNvSpPr/>
+          <p:nvPr/>
+        </p:nvSpPr>
+        <p:spPr>
+          <a:xfrm>
+            <a:off x="2771403" y="654090"/>
+            <a:ext cx="1188720" cy="1188720"/>
+          </a:xfrm>
+          <a:prstGeom prst="rect">
+            <a:avLst/>
+          </a:prstGeom>
+          <a:noFill/>
+          <a:ln>
+            <a:solidFill>
+              <a:schemeClr val="tx1"/>
+            </a:solidFill>
+          </a:ln>
+        </p:spPr>
+        <p:style>
+          <a:lnRef idx="2">
+            <a:schemeClr val="accent1">
+              <a:shade val="15000"/>
+            </a:schemeClr>
+          </a:lnRef>
+          <a:fillRef idx="1">
+            <a:schemeClr val="accent1"/>
+          </a:fillRef>
+          <a:effectRef idx="0">
+            <a:schemeClr val="accent1"/>
+          </a:effectRef>
+          <a:fontRef idx="minor">
+            <a:schemeClr val="lt1"/>
+          </a:fontRef>
+        </p:style>
+        <p:txBody>
+          <a:bodyPr rtlCol="0" anchor="ctr"/>
+          <a:lstStyle/>
+          <a:p>
+            <a:pPr algn="ctr"/>
+            <a:endParaRPr lang="en-US"/>
+          </a:p>
+        </p:txBody>
+      </p:sp>
+      <p:sp>
+        <p:nvSpPr>
+          <p:cNvPr id="6" name="Rectangle 5">
+            <a:extLst>
+              <a:ext uri="{FF2B5EF4-FFF2-40B4-BE49-F238E27FC236}">
+                <a16:creationId xmlns:a16="http://schemas.microsoft.com/office/drawing/2014/main" id="{6498096A-0547-82C1-11C5-736989E56A48}"/>
+              </a:ext>
+            </a:extLst>
+          </p:cNvPr>
+          <p:cNvSpPr/>
+          <p:nvPr/>
+        </p:nvSpPr>
+        <p:spPr>
+          <a:xfrm>
+            <a:off x="4416654" y="654090"/>
+            <a:ext cx="1603515" cy="1188720"/>
+          </a:xfrm>
+          <a:prstGeom prst="rect">
+            <a:avLst/>
+          </a:prstGeom>
+          <a:noFill/>
+          <a:ln>
+            <a:solidFill>
+              <a:schemeClr val="tx1"/>
+            </a:solidFill>
+          </a:ln>
+        </p:spPr>
+        <p:style>
+          <a:lnRef idx="2">
+            <a:schemeClr val="accent1">
+              <a:shade val="15000"/>
+            </a:schemeClr>
+          </a:lnRef>
+          <a:fillRef idx="1">
+            <a:schemeClr val="accent1"/>
+          </a:fillRef>
+          <a:effectRef idx="0">
+            <a:schemeClr val="accent1"/>
+          </a:effectRef>
+          <a:fontRef idx="minor">
+            <a:schemeClr val="lt1"/>
+          </a:fontRef>
+        </p:style>
+        <p:txBody>
+          <a:bodyPr rtlCol="0" anchor="ctr"/>
+          <a:lstStyle/>
+          <a:p>
+            <a:pPr algn="ctr"/>
+            <a:endParaRPr lang="en-US"/>
+          </a:p>
+        </p:txBody>
+      </p:sp>
+      <mc:AlternateContent xmlns:mc="http://schemas.openxmlformats.org/markup-compatibility/2006">
+        <mc:Choice xmlns:a14="http://schemas.microsoft.com/office/drawing/2010/main" Requires="a14">
+          <p:sp>
+            <p:nvSpPr>
+              <p:cNvPr id="2" name="TextBox 1">
+                <a:extLst>
+                  <a:ext uri="{FF2B5EF4-FFF2-40B4-BE49-F238E27FC236}">
+                    <a16:creationId xmlns:a16="http://schemas.microsoft.com/office/drawing/2014/main" id="{2762586F-A6C2-FAA8-4D42-B555A7233AB9}"/>
+                  </a:ext>
+                </a:extLst>
+              </p:cNvPr>
+              <p:cNvSpPr txBox="1"/>
+              <p:nvPr/>
+            </p:nvSpPr>
+            <p:spPr>
+              <a:xfrm>
+                <a:off x="1165084" y="1219206"/>
+                <a:ext cx="444929" cy="338554"/>
+              </a:xfrm>
+              <a:prstGeom prst="rect">
+                <a:avLst/>
+              </a:prstGeom>
+              <a:noFill/>
+            </p:spPr>
+            <p:txBody>
+              <a:bodyPr wrap="none" rtlCol="0">
+                <a:spAutoFit/>
+              </a:bodyPr>
+              <a:lstStyle/>
+              <a:p>
+                <a14:m>
+                  <m:oMathPara xmlns:m="http://schemas.openxmlformats.org/officeDocument/2006/math">
+                    <m:oMathParaPr>
+                      <m:jc m:val="centerGroup"/>
+                    </m:oMathParaPr>
+                    <m:oMath xmlns:m="http://schemas.openxmlformats.org/officeDocument/2006/math">
+                      <m:sSub>
+                        <m:sSubPr>
+                          <m:ctrlPr>
+                            <a:rPr lang="en-US" sz="1600" b="0" i="1" smtClean="0">
+                              <a:latin typeface="Cambria Math" panose="02040503050406030204" pitchFamily="18" charset="0"/>
+                              <a:cs typeface="Calibri" panose="020F0502020204030204" pitchFamily="34" charset="0"/>
+                            </a:rPr>
+                          </m:ctrlPr>
+                        </m:sSubPr>
+                        <m:e>
+                          <m:r>
+                            <a:rPr lang="en-US" sz="1600" b="1" i="1" smtClean="0">
+                              <a:latin typeface="Cambria Math" panose="02040503050406030204" pitchFamily="18" charset="0"/>
+                              <a:cs typeface="Calibri" panose="020F0502020204030204" pitchFamily="34" charset="0"/>
+                            </a:rPr>
+                            <m:t>𝒗</m:t>
+                          </m:r>
+                        </m:e>
+                        <m:sub>
+                          <m:r>
+                            <a:rPr lang="en-US" sz="1600" b="0" i="1" smtClean="0">
+                              <a:latin typeface="Cambria Math" panose="02040503050406030204" pitchFamily="18" charset="0"/>
+                              <a:cs typeface="Calibri" panose="020F0502020204030204" pitchFamily="34" charset="0"/>
+                            </a:rPr>
+                            <m:t>1</m:t>
+                          </m:r>
+                        </m:sub>
+                      </m:sSub>
+                    </m:oMath>
+                  </m:oMathPara>
+                </a14:m>
+                <a:endParaRPr lang="en-US" sz="1600" dirty="0">
+                  <a:latin typeface="Calibri" panose="020F0502020204030204" pitchFamily="34" charset="0"/>
+                  <a:cs typeface="Calibri" panose="020F0502020204030204" pitchFamily="34" charset="0"/>
+                </a:endParaRPr>
+              </a:p>
+            </p:txBody>
+          </p:sp>
+        </mc:Choice>
+        <mc:Fallback>
+          <p:sp>
+            <p:nvSpPr>
+              <p:cNvPr id="2" name="TextBox 1">
+                <a:extLst>
+                  <a:ext uri="{FF2B5EF4-FFF2-40B4-BE49-F238E27FC236}">
+                    <a16:creationId xmlns:a16="http://schemas.microsoft.com/office/drawing/2014/main" id="{2762586F-A6C2-FAA8-4D42-B555A7233AB9}"/>
+                  </a:ext>
+                </a:extLst>
+              </p:cNvPr>
+              <p:cNvSpPr txBox="1">
+                <a:spLocks noRot="1" noChangeAspect="1" noMove="1" noResize="1" noEditPoints="1" noAdjustHandles="1" noChangeArrowheads="1" noChangeShapeType="1" noTextEdit="1"/>
+              </p:cNvSpPr>
+              <p:nvPr/>
+            </p:nvSpPr>
+            <p:spPr>
+              <a:xfrm>
+                <a:off x="1165084" y="1219206"/>
+                <a:ext cx="444929" cy="338554"/>
+              </a:xfrm>
+              <a:prstGeom prst="rect">
+                <a:avLst/>
+              </a:prstGeom>
+              <a:blipFill>
+                <a:blip r:embed="rId2"/>
+                <a:stretch>
+                  <a:fillRect/>
+                </a:stretch>
+              </a:blipFill>
+            </p:spPr>
+            <p:txBody>
+              <a:bodyPr/>
+              <a:lstStyle/>
+              <a:p>
+                <a:r>
+                  <a:rPr lang="en-US">
+                    <a:noFill/>
+                  </a:rPr>
+                  <a:t> </a:t>
+                </a:r>
+              </a:p>
+            </p:txBody>
+          </p:sp>
+        </mc:Fallback>
+      </mc:AlternateContent>
+      <mc:AlternateContent xmlns:mc="http://schemas.openxmlformats.org/markup-compatibility/2006">
+        <mc:Choice xmlns:a14="http://schemas.microsoft.com/office/drawing/2010/main" Requires="a14">
+          <p:sp>
+            <p:nvSpPr>
+              <p:cNvPr id="3" name="TextBox 2">
+                <a:extLst>
+                  <a:ext uri="{FF2B5EF4-FFF2-40B4-BE49-F238E27FC236}">
+                    <a16:creationId xmlns:a16="http://schemas.microsoft.com/office/drawing/2014/main" id="{9D571DD1-5D30-50DE-D2AE-D91D3BF0FB7C}"/>
+                  </a:ext>
+                </a:extLst>
+              </p:cNvPr>
+              <p:cNvSpPr txBox="1"/>
+              <p:nvPr/>
+            </p:nvSpPr>
+            <p:spPr>
+              <a:xfrm>
+                <a:off x="1419943" y="1225677"/>
+                <a:ext cx="449675" cy="338554"/>
+              </a:xfrm>
+              <a:prstGeom prst="rect">
+                <a:avLst/>
+              </a:prstGeom>
+              <a:noFill/>
+            </p:spPr>
+            <p:txBody>
+              <a:bodyPr wrap="none" rtlCol="0">
+                <a:spAutoFit/>
+              </a:bodyPr>
+              <a:lstStyle/>
+              <a:p>
+                <a14:m>
+                  <m:oMathPara xmlns:m="http://schemas.openxmlformats.org/officeDocument/2006/math">
+                    <m:oMathParaPr>
+                      <m:jc m:val="centerGroup"/>
+                    </m:oMathParaPr>
+                    <m:oMath xmlns:m="http://schemas.openxmlformats.org/officeDocument/2006/math">
+                      <m:sSub>
+                        <m:sSubPr>
+                          <m:ctrlPr>
+                            <a:rPr lang="en-US" sz="1600" b="0" i="1" smtClean="0">
+                              <a:latin typeface="Cambria Math" panose="02040503050406030204" pitchFamily="18" charset="0"/>
+                              <a:cs typeface="Calibri" panose="020F0502020204030204" pitchFamily="34" charset="0"/>
+                            </a:rPr>
+                          </m:ctrlPr>
+                        </m:sSubPr>
+                        <m:e>
+                          <m:r>
+                            <a:rPr lang="en-US" sz="1600" b="1" i="1" smtClean="0">
+                              <a:latin typeface="Cambria Math" panose="02040503050406030204" pitchFamily="18" charset="0"/>
+                              <a:cs typeface="Calibri" panose="020F0502020204030204" pitchFamily="34" charset="0"/>
+                            </a:rPr>
+                            <m:t>𝒗</m:t>
+                          </m:r>
+                        </m:e>
+                        <m:sub>
+                          <m:r>
+                            <a:rPr lang="en-US" sz="1600" b="0" i="1" smtClean="0">
+                              <a:latin typeface="Cambria Math" panose="02040503050406030204" pitchFamily="18" charset="0"/>
+                              <a:cs typeface="Calibri" panose="020F0502020204030204" pitchFamily="34" charset="0"/>
+                            </a:rPr>
+                            <m:t>2</m:t>
+                          </m:r>
+                        </m:sub>
+                      </m:sSub>
+                    </m:oMath>
+                  </m:oMathPara>
+                </a14:m>
+                <a:endParaRPr lang="en-US" sz="1600" dirty="0">
+                  <a:latin typeface="Calibri" panose="020F0502020204030204" pitchFamily="34" charset="0"/>
+                  <a:cs typeface="Calibri" panose="020F0502020204030204" pitchFamily="34" charset="0"/>
+                </a:endParaRPr>
+              </a:p>
+            </p:txBody>
+          </p:sp>
+        </mc:Choice>
+        <mc:Fallback>
+          <p:sp>
+            <p:nvSpPr>
+              <p:cNvPr id="3" name="TextBox 2">
+                <a:extLst>
+                  <a:ext uri="{FF2B5EF4-FFF2-40B4-BE49-F238E27FC236}">
+                    <a16:creationId xmlns:a16="http://schemas.microsoft.com/office/drawing/2014/main" id="{9D571DD1-5D30-50DE-D2AE-D91D3BF0FB7C}"/>
+                  </a:ext>
+                </a:extLst>
+              </p:cNvPr>
+              <p:cNvSpPr txBox="1">
+                <a:spLocks noRot="1" noChangeAspect="1" noMove="1" noResize="1" noEditPoints="1" noAdjustHandles="1" noChangeArrowheads="1" noChangeShapeType="1" noTextEdit="1"/>
+              </p:cNvSpPr>
+              <p:nvPr/>
+            </p:nvSpPr>
+            <p:spPr>
+              <a:xfrm>
+                <a:off x="1419943" y="1225677"/>
+                <a:ext cx="449675" cy="338554"/>
+              </a:xfrm>
+              <a:prstGeom prst="rect">
+                <a:avLst/>
+              </a:prstGeom>
+              <a:blipFill>
+                <a:blip r:embed="rId3"/>
+                <a:stretch>
+                  <a:fillRect/>
+                </a:stretch>
+              </a:blipFill>
+            </p:spPr>
+            <p:txBody>
+              <a:bodyPr/>
+              <a:lstStyle/>
+              <a:p>
+                <a:r>
+                  <a:rPr lang="en-US">
+                    <a:noFill/>
+                  </a:rPr>
+                  <a:t> </a:t>
+                </a:r>
+              </a:p>
+            </p:txBody>
+          </p:sp>
+        </mc:Fallback>
+      </mc:AlternateContent>
+      <mc:AlternateContent xmlns:mc="http://schemas.openxmlformats.org/markup-compatibility/2006">
+        <mc:Choice xmlns:a14="http://schemas.microsoft.com/office/drawing/2010/main" Requires="a14">
+          <p:sp>
+            <p:nvSpPr>
+              <p:cNvPr id="17" name="TextBox 16">
+                <a:extLst>
+                  <a:ext uri="{FF2B5EF4-FFF2-40B4-BE49-F238E27FC236}">
+                    <a16:creationId xmlns:a16="http://schemas.microsoft.com/office/drawing/2014/main" id="{9333A581-33CC-7A04-A8A3-99F6D02A4F85}"/>
+                  </a:ext>
+                </a:extLst>
+              </p:cNvPr>
+              <p:cNvSpPr txBox="1"/>
+              <p:nvPr/>
+            </p:nvSpPr>
+            <p:spPr>
+              <a:xfrm>
+                <a:off x="1966511" y="1219206"/>
+                <a:ext cx="446404" cy="338554"/>
+              </a:xfrm>
+              <a:prstGeom prst="rect">
+                <a:avLst/>
+              </a:prstGeom>
+              <a:noFill/>
+            </p:spPr>
+            <p:txBody>
+              <a:bodyPr wrap="none" rtlCol="0">
+                <a:spAutoFit/>
+              </a:bodyPr>
+              <a:lstStyle/>
+              <a:p>
+                <a14:m>
+                  <m:oMathPara xmlns:m="http://schemas.openxmlformats.org/officeDocument/2006/math">
+                    <m:oMathParaPr>
+                      <m:jc m:val="centerGroup"/>
+                    </m:oMathParaPr>
+                    <m:oMath xmlns:m="http://schemas.openxmlformats.org/officeDocument/2006/math">
+                      <m:sSub>
+                        <m:sSubPr>
+                          <m:ctrlPr>
+                            <a:rPr lang="en-US" sz="1600" b="0" i="1" smtClean="0">
+                              <a:latin typeface="Cambria Math" panose="02040503050406030204" pitchFamily="18" charset="0"/>
+                              <a:cs typeface="Calibri" panose="020F0502020204030204" pitchFamily="34" charset="0"/>
+                            </a:rPr>
+                          </m:ctrlPr>
+                        </m:sSubPr>
+                        <m:e>
+                          <m:r>
+                            <a:rPr lang="en-US" sz="1600" b="1" i="1" smtClean="0">
+                              <a:latin typeface="Cambria Math" panose="02040503050406030204" pitchFamily="18" charset="0"/>
+                              <a:cs typeface="Calibri" panose="020F0502020204030204" pitchFamily="34" charset="0"/>
+                            </a:rPr>
+                            <m:t>𝒗</m:t>
+                          </m:r>
+                        </m:e>
+                        <m:sub>
+                          <m:r>
+                            <a:rPr lang="en-US" sz="1600" b="0" i="1" smtClean="0">
+                              <a:latin typeface="Cambria Math" panose="02040503050406030204" pitchFamily="18" charset="0"/>
+                              <a:cs typeface="Calibri" panose="020F0502020204030204" pitchFamily="34" charset="0"/>
+                            </a:rPr>
+                            <m:t>𝑟</m:t>
+                          </m:r>
+                        </m:sub>
+                      </m:sSub>
+                    </m:oMath>
+                  </m:oMathPara>
+                </a14:m>
+                <a:endParaRPr lang="en-US" sz="1600" dirty="0">
+                  <a:latin typeface="Calibri" panose="020F0502020204030204" pitchFamily="34" charset="0"/>
+                  <a:cs typeface="Calibri" panose="020F0502020204030204" pitchFamily="34" charset="0"/>
+                </a:endParaRPr>
+              </a:p>
+            </p:txBody>
+          </p:sp>
+        </mc:Choice>
+        <mc:Fallback>
+          <p:sp>
+            <p:nvSpPr>
+              <p:cNvPr id="17" name="TextBox 16">
+                <a:extLst>
+                  <a:ext uri="{FF2B5EF4-FFF2-40B4-BE49-F238E27FC236}">
+                    <a16:creationId xmlns:a16="http://schemas.microsoft.com/office/drawing/2014/main" id="{9333A581-33CC-7A04-A8A3-99F6D02A4F85}"/>
+                  </a:ext>
+                </a:extLst>
+              </p:cNvPr>
+              <p:cNvSpPr txBox="1">
+                <a:spLocks noRot="1" noChangeAspect="1" noMove="1" noResize="1" noEditPoints="1" noAdjustHandles="1" noChangeArrowheads="1" noChangeShapeType="1" noTextEdit="1"/>
+              </p:cNvSpPr>
+              <p:nvPr/>
+            </p:nvSpPr>
+            <p:spPr>
+              <a:xfrm>
+                <a:off x="1966511" y="1219206"/>
+                <a:ext cx="446404" cy="338554"/>
+              </a:xfrm>
+              <a:prstGeom prst="rect">
+                <a:avLst/>
+              </a:prstGeom>
+              <a:blipFill>
+                <a:blip r:embed="rId4"/>
+                <a:stretch>
+                  <a:fillRect/>
+                </a:stretch>
+              </a:blipFill>
+            </p:spPr>
+            <p:txBody>
+              <a:bodyPr/>
+              <a:lstStyle/>
+              <a:p>
+                <a:r>
+                  <a:rPr lang="en-US">
+                    <a:noFill/>
+                  </a:rPr>
+                  <a:t> </a:t>
+                </a:r>
+              </a:p>
+            </p:txBody>
+          </p:sp>
+        </mc:Fallback>
+      </mc:AlternateContent>
+      <p:cxnSp>
+        <p:nvCxnSpPr>
+          <p:cNvPr id="24" name="Straight Connector 23">
+            <a:extLst>
+              <a:ext uri="{FF2B5EF4-FFF2-40B4-BE49-F238E27FC236}">
+                <a16:creationId xmlns:a16="http://schemas.microsoft.com/office/drawing/2014/main" id="{7378B3B6-928E-CB35-C351-843315609E51}"/>
+              </a:ext>
+            </a:extLst>
+          </p:cNvPr>
+          <p:cNvCxnSpPr>
+            <a:cxnSpLocks/>
+          </p:cNvCxnSpPr>
+          <p:nvPr/>
+        </p:nvCxnSpPr>
+        <p:spPr>
+          <a:xfrm>
+            <a:off x="1371599" y="778928"/>
+            <a:ext cx="0" cy="448739"/>
+          </a:xfrm>
+          <a:prstGeom prst="line">
+            <a:avLst/>
+          </a:prstGeom>
+          <a:ln w="19050">
+            <a:solidFill>
+              <a:schemeClr val="tx1"/>
+            </a:solidFill>
+          </a:ln>
+        </p:spPr>
+        <p:style>
+          <a:lnRef idx="1">
+            <a:schemeClr val="accent1"/>
+          </a:lnRef>
+          <a:fillRef idx="0">
+            <a:schemeClr val="accent1"/>
+          </a:fillRef>
+          <a:effectRef idx="0">
+            <a:schemeClr val="accent1"/>
+          </a:effectRef>
+          <a:fontRef idx="minor">
+            <a:schemeClr val="tx1"/>
+          </a:fontRef>
+        </p:style>
+      </p:cxnSp>
+      <p:cxnSp>
+        <p:nvCxnSpPr>
+          <p:cNvPr id="27" name="Straight Connector 26">
+            <a:extLst>
+              <a:ext uri="{FF2B5EF4-FFF2-40B4-BE49-F238E27FC236}">
+                <a16:creationId xmlns:a16="http://schemas.microsoft.com/office/drawing/2014/main" id="{88B55B6A-A668-258F-FB14-1E8276CF9A71}"/>
+              </a:ext>
+            </a:extLst>
+          </p:cNvPr>
+          <p:cNvCxnSpPr>
+            <a:cxnSpLocks/>
+          </p:cNvCxnSpPr>
+          <p:nvPr/>
+        </p:nvCxnSpPr>
+        <p:spPr>
+          <a:xfrm>
+            <a:off x="1371599" y="1642533"/>
+            <a:ext cx="0" cy="448739"/>
+          </a:xfrm>
+          <a:prstGeom prst="line">
+            <a:avLst/>
+          </a:prstGeom>
+          <a:ln w="19050">
+            <a:solidFill>
+              <a:schemeClr val="tx1"/>
+            </a:solidFill>
+          </a:ln>
+        </p:spPr>
+        <p:style>
+          <a:lnRef idx="1">
+            <a:schemeClr val="accent1"/>
+          </a:lnRef>
+          <a:fillRef idx="0">
+            <a:schemeClr val="accent1"/>
+          </a:fillRef>
+          <a:effectRef idx="0">
+            <a:schemeClr val="accent1"/>
+          </a:effectRef>
+          <a:fontRef idx="minor">
+            <a:schemeClr val="tx1"/>
+          </a:fontRef>
+        </p:style>
+      </p:cxnSp>
+      <p:cxnSp>
+        <p:nvCxnSpPr>
+          <p:cNvPr id="32" name="Straight Connector 31">
+            <a:extLst>
+              <a:ext uri="{FF2B5EF4-FFF2-40B4-BE49-F238E27FC236}">
+                <a16:creationId xmlns:a16="http://schemas.microsoft.com/office/drawing/2014/main" id="{BA3D4B29-DA20-408A-084B-DC32A2DE78C8}"/>
+              </a:ext>
+            </a:extLst>
+          </p:cNvPr>
+          <p:cNvCxnSpPr>
+            <a:cxnSpLocks/>
+          </p:cNvCxnSpPr>
+          <p:nvPr/>
+        </p:nvCxnSpPr>
+        <p:spPr>
+          <a:xfrm>
+            <a:off x="1608296" y="776932"/>
+            <a:ext cx="0" cy="448739"/>
+          </a:xfrm>
+          <a:prstGeom prst="line">
+            <a:avLst/>
+          </a:prstGeom>
+          <a:ln w="19050">
+            <a:solidFill>
+              <a:schemeClr val="tx1"/>
+            </a:solidFill>
+          </a:ln>
+        </p:spPr>
+        <p:style>
+          <a:lnRef idx="1">
+            <a:schemeClr val="accent1"/>
+          </a:lnRef>
+          <a:fillRef idx="0">
+            <a:schemeClr val="accent1"/>
+          </a:fillRef>
+          <a:effectRef idx="0">
+            <a:schemeClr val="accent1"/>
+          </a:effectRef>
+          <a:fontRef idx="minor">
+            <a:schemeClr val="tx1"/>
+          </a:fontRef>
+        </p:style>
+      </p:cxnSp>
+      <p:cxnSp>
+        <p:nvCxnSpPr>
+          <p:cNvPr id="33" name="Straight Connector 32">
+            <a:extLst>
+              <a:ext uri="{FF2B5EF4-FFF2-40B4-BE49-F238E27FC236}">
+                <a16:creationId xmlns:a16="http://schemas.microsoft.com/office/drawing/2014/main" id="{F6CB25E0-FD9C-07E3-A7BA-159B13E7E711}"/>
+              </a:ext>
+            </a:extLst>
+          </p:cNvPr>
+          <p:cNvCxnSpPr>
+            <a:cxnSpLocks/>
+          </p:cNvCxnSpPr>
+          <p:nvPr/>
+        </p:nvCxnSpPr>
+        <p:spPr>
+          <a:xfrm>
+            <a:off x="1608296" y="1640537"/>
+            <a:ext cx="0" cy="448739"/>
+          </a:xfrm>
+          <a:prstGeom prst="line">
+            <a:avLst/>
+          </a:prstGeom>
+          <a:ln w="19050">
+            <a:solidFill>
+              <a:schemeClr val="tx1"/>
+            </a:solidFill>
+          </a:ln>
+        </p:spPr>
+        <p:style>
+          <a:lnRef idx="1">
+            <a:schemeClr val="accent1"/>
+          </a:lnRef>
+          <a:fillRef idx="0">
+            <a:schemeClr val="accent1"/>
+          </a:fillRef>
+          <a:effectRef idx="0">
+            <a:schemeClr val="accent1"/>
+          </a:effectRef>
+          <a:fontRef idx="minor">
+            <a:schemeClr val="tx1"/>
+          </a:fontRef>
+        </p:style>
+      </p:cxnSp>
+      <p:cxnSp>
+        <p:nvCxnSpPr>
+          <p:cNvPr id="34" name="Straight Connector 33">
+            <a:extLst>
+              <a:ext uri="{FF2B5EF4-FFF2-40B4-BE49-F238E27FC236}">
+                <a16:creationId xmlns:a16="http://schemas.microsoft.com/office/drawing/2014/main" id="{C6861A20-0F1A-4210-DF3A-063E66A63AAE}"/>
+              </a:ext>
+            </a:extLst>
+          </p:cNvPr>
+          <p:cNvCxnSpPr>
+            <a:cxnSpLocks/>
+          </p:cNvCxnSpPr>
+          <p:nvPr/>
+        </p:nvCxnSpPr>
+        <p:spPr>
+          <a:xfrm>
+            <a:off x="2158996" y="787395"/>
+            <a:ext cx="0" cy="448739"/>
+          </a:xfrm>
+          <a:prstGeom prst="line">
+            <a:avLst/>
+          </a:prstGeom>
+          <a:ln w="19050">
+            <a:solidFill>
+              <a:schemeClr val="tx1"/>
+            </a:solidFill>
+          </a:ln>
+        </p:spPr>
+        <p:style>
+          <a:lnRef idx="1">
+            <a:schemeClr val="accent1"/>
+          </a:lnRef>
+          <a:fillRef idx="0">
+            <a:schemeClr val="accent1"/>
+          </a:fillRef>
+          <a:effectRef idx="0">
+            <a:schemeClr val="accent1"/>
+          </a:effectRef>
+          <a:fontRef idx="minor">
+            <a:schemeClr val="tx1"/>
+          </a:fontRef>
+        </p:style>
+      </p:cxnSp>
+      <p:cxnSp>
+        <p:nvCxnSpPr>
+          <p:cNvPr id="35" name="Straight Connector 34">
+            <a:extLst>
+              <a:ext uri="{FF2B5EF4-FFF2-40B4-BE49-F238E27FC236}">
+                <a16:creationId xmlns:a16="http://schemas.microsoft.com/office/drawing/2014/main" id="{F0D773EA-ED87-DFAA-AE1B-D07D5B8C44DE}"/>
+              </a:ext>
+            </a:extLst>
+          </p:cNvPr>
+          <p:cNvCxnSpPr>
+            <a:cxnSpLocks/>
+          </p:cNvCxnSpPr>
+          <p:nvPr/>
+        </p:nvCxnSpPr>
+        <p:spPr>
+          <a:xfrm>
+            <a:off x="2158996" y="1651000"/>
+            <a:ext cx="0" cy="448739"/>
+          </a:xfrm>
+          <a:prstGeom prst="line">
+            <a:avLst/>
+          </a:prstGeom>
+          <a:ln w="19050">
+            <a:solidFill>
+              <a:schemeClr val="tx1"/>
+            </a:solidFill>
+          </a:ln>
+        </p:spPr>
+        <p:style>
+          <a:lnRef idx="1">
+            <a:schemeClr val="accent1"/>
+          </a:lnRef>
+          <a:fillRef idx="0">
+            <a:schemeClr val="accent1"/>
+          </a:fillRef>
+          <a:effectRef idx="0">
+            <a:schemeClr val="accent1"/>
+          </a:effectRef>
+          <a:fontRef idx="minor">
+            <a:schemeClr val="tx1"/>
+          </a:fontRef>
+        </p:style>
+      </p:cxnSp>
+      <mc:AlternateContent xmlns:mc="http://schemas.openxmlformats.org/markup-compatibility/2006">
+        <mc:Choice xmlns:a14="http://schemas.microsoft.com/office/drawing/2010/main" Requires="a14">
+          <p:sp>
+            <p:nvSpPr>
+              <p:cNvPr id="36" name="TextBox 35">
+                <a:extLst>
+                  <a:ext uri="{FF2B5EF4-FFF2-40B4-BE49-F238E27FC236}">
+                    <a16:creationId xmlns:a16="http://schemas.microsoft.com/office/drawing/2014/main" id="{A995ECB8-DF29-12CD-5E86-4D777AEC3A5A}"/>
+                  </a:ext>
+                </a:extLst>
+              </p:cNvPr>
+              <p:cNvSpPr txBox="1"/>
+              <p:nvPr/>
+            </p:nvSpPr>
+            <p:spPr>
+              <a:xfrm>
+                <a:off x="2774674" y="673209"/>
+                <a:ext cx="427296" cy="338554"/>
+              </a:xfrm>
+              <a:prstGeom prst="rect">
+                <a:avLst/>
+              </a:prstGeom>
+              <a:noFill/>
+            </p:spPr>
+            <p:txBody>
+              <a:bodyPr wrap="none" rtlCol="0">
+                <a:spAutoFit/>
+              </a:bodyPr>
+              <a:lstStyle/>
+              <a:p>
+                <a14:m>
+                  <m:oMathPara xmlns:m="http://schemas.openxmlformats.org/officeDocument/2006/math">
+                    <m:oMathParaPr>
+                      <m:jc m:val="centerGroup"/>
+                    </m:oMathParaPr>
+                    <m:oMath xmlns:m="http://schemas.openxmlformats.org/officeDocument/2006/math">
+                      <m:sSub>
+                        <m:sSubPr>
+                          <m:ctrlPr>
+                            <a:rPr lang="en-US" sz="1600" b="0" i="1" smtClean="0">
+                              <a:latin typeface="Cambria Math" panose="02040503050406030204" pitchFamily="18" charset="0"/>
+                              <a:cs typeface="Calibri" panose="020F0502020204030204" pitchFamily="34" charset="0"/>
+                            </a:rPr>
+                          </m:ctrlPr>
+                        </m:sSubPr>
+                        <m:e>
+                          <m:r>
+                            <a:rPr lang="en-US" sz="1600" b="0" i="1" smtClean="0">
+                              <a:latin typeface="Cambria Math" panose="02040503050406030204" pitchFamily="18" charset="0"/>
+                              <a:cs typeface="Calibri" panose="020F0502020204030204" pitchFamily="34" charset="0"/>
+                            </a:rPr>
+                            <m:t>𝜆</m:t>
+                          </m:r>
+                        </m:e>
+                        <m:sub>
+                          <m:r>
+                            <a:rPr lang="en-US" sz="1600" b="0" i="1" smtClean="0">
+                              <a:latin typeface="Cambria Math" panose="02040503050406030204" pitchFamily="18" charset="0"/>
+                              <a:cs typeface="Calibri" panose="020F0502020204030204" pitchFamily="34" charset="0"/>
+                            </a:rPr>
+                            <m:t>1</m:t>
+                          </m:r>
+                        </m:sub>
+                      </m:sSub>
+                    </m:oMath>
+                  </m:oMathPara>
+                </a14:m>
+                <a:endParaRPr lang="en-US" sz="1600" dirty="0">
+                  <a:latin typeface="Calibri" panose="020F0502020204030204" pitchFamily="34" charset="0"/>
+                  <a:cs typeface="Calibri" panose="020F0502020204030204" pitchFamily="34" charset="0"/>
+                </a:endParaRPr>
+              </a:p>
+            </p:txBody>
+          </p:sp>
+        </mc:Choice>
+        <mc:Fallback>
+          <p:sp>
+            <p:nvSpPr>
+              <p:cNvPr id="36" name="TextBox 35">
+                <a:extLst>
+                  <a:ext uri="{FF2B5EF4-FFF2-40B4-BE49-F238E27FC236}">
+                    <a16:creationId xmlns:a16="http://schemas.microsoft.com/office/drawing/2014/main" id="{A995ECB8-DF29-12CD-5E86-4D777AEC3A5A}"/>
+                  </a:ext>
+                </a:extLst>
+              </p:cNvPr>
+              <p:cNvSpPr txBox="1">
+                <a:spLocks noRot="1" noChangeAspect="1" noMove="1" noResize="1" noEditPoints="1" noAdjustHandles="1" noChangeArrowheads="1" noChangeShapeType="1" noTextEdit="1"/>
+              </p:cNvSpPr>
+              <p:nvPr/>
+            </p:nvSpPr>
+            <p:spPr>
+              <a:xfrm>
+                <a:off x="2774674" y="673209"/>
+                <a:ext cx="427296" cy="338554"/>
+              </a:xfrm>
+              <a:prstGeom prst="rect">
+                <a:avLst/>
+              </a:prstGeom>
+              <a:blipFill>
+                <a:blip r:embed="rId5"/>
+                <a:stretch>
+                  <a:fillRect/>
+                </a:stretch>
+              </a:blipFill>
+            </p:spPr>
+            <p:txBody>
+              <a:bodyPr/>
+              <a:lstStyle/>
+              <a:p>
+                <a:r>
+                  <a:rPr lang="en-US">
+                    <a:noFill/>
+                  </a:rPr>
+                  <a:t> </a:t>
+                </a:r>
+              </a:p>
+            </p:txBody>
+          </p:sp>
+        </mc:Fallback>
+      </mc:AlternateContent>
+      <mc:AlternateContent xmlns:mc="http://schemas.openxmlformats.org/markup-compatibility/2006">
+        <mc:Choice xmlns:a14="http://schemas.microsoft.com/office/drawing/2010/main" Requires="a14">
+          <p:sp>
+            <p:nvSpPr>
+              <p:cNvPr id="37" name="TextBox 36">
+                <a:extLst>
+                  <a:ext uri="{FF2B5EF4-FFF2-40B4-BE49-F238E27FC236}">
+                    <a16:creationId xmlns:a16="http://schemas.microsoft.com/office/drawing/2014/main" id="{5958E911-E9F4-310E-B976-258DB12427B6}"/>
+                  </a:ext>
+                </a:extLst>
+              </p:cNvPr>
+              <p:cNvSpPr txBox="1"/>
+              <p:nvPr/>
+            </p:nvSpPr>
+            <p:spPr>
+              <a:xfrm>
+                <a:off x="3030657" y="937804"/>
+                <a:ext cx="432041" cy="338554"/>
+              </a:xfrm>
+              <a:prstGeom prst="rect">
+                <a:avLst/>
+              </a:prstGeom>
+              <a:noFill/>
+            </p:spPr>
+            <p:txBody>
+              <a:bodyPr wrap="none" rtlCol="0">
+                <a:spAutoFit/>
+              </a:bodyPr>
+              <a:lstStyle/>
+              <a:p>
+                <a14:m>
+                  <m:oMathPara xmlns:m="http://schemas.openxmlformats.org/officeDocument/2006/math">
+                    <m:oMathParaPr>
+                      <m:jc m:val="centerGroup"/>
+                    </m:oMathParaPr>
+                    <m:oMath xmlns:m="http://schemas.openxmlformats.org/officeDocument/2006/math">
+                      <m:sSub>
+                        <m:sSubPr>
+                          <m:ctrlPr>
+                            <a:rPr lang="en-US" sz="1600" b="0" i="1" smtClean="0">
+                              <a:latin typeface="Cambria Math" panose="02040503050406030204" pitchFamily="18" charset="0"/>
+                              <a:cs typeface="Calibri" panose="020F0502020204030204" pitchFamily="34" charset="0"/>
+                            </a:rPr>
+                          </m:ctrlPr>
+                        </m:sSubPr>
+                        <m:e>
+                          <m:r>
+                            <a:rPr lang="en-US" sz="1600" b="0" i="1" smtClean="0">
+                              <a:latin typeface="Cambria Math" panose="02040503050406030204" pitchFamily="18" charset="0"/>
+                              <a:cs typeface="Calibri" panose="020F0502020204030204" pitchFamily="34" charset="0"/>
+                            </a:rPr>
+                            <m:t>𝜆</m:t>
+                          </m:r>
+                        </m:e>
+                        <m:sub>
+                          <m:r>
+                            <a:rPr lang="en-US" sz="1600" b="0" i="1" smtClean="0">
+                              <a:latin typeface="Cambria Math" panose="02040503050406030204" pitchFamily="18" charset="0"/>
+                              <a:cs typeface="Calibri" panose="020F0502020204030204" pitchFamily="34" charset="0"/>
+                            </a:rPr>
+                            <m:t>2</m:t>
+                          </m:r>
+                        </m:sub>
+                      </m:sSub>
+                    </m:oMath>
+                  </m:oMathPara>
+                </a14:m>
+                <a:endParaRPr lang="en-US" sz="1600" dirty="0">
+                  <a:latin typeface="Calibri" panose="020F0502020204030204" pitchFamily="34" charset="0"/>
+                  <a:cs typeface="Calibri" panose="020F0502020204030204" pitchFamily="34" charset="0"/>
+                </a:endParaRPr>
+              </a:p>
+            </p:txBody>
+          </p:sp>
+        </mc:Choice>
+        <mc:Fallback>
+          <p:sp>
+            <p:nvSpPr>
+              <p:cNvPr id="37" name="TextBox 36">
+                <a:extLst>
+                  <a:ext uri="{FF2B5EF4-FFF2-40B4-BE49-F238E27FC236}">
+                    <a16:creationId xmlns:a16="http://schemas.microsoft.com/office/drawing/2014/main" id="{5958E911-E9F4-310E-B976-258DB12427B6}"/>
+                  </a:ext>
+                </a:extLst>
+              </p:cNvPr>
+              <p:cNvSpPr txBox="1">
+                <a:spLocks noRot="1" noChangeAspect="1" noMove="1" noResize="1" noEditPoints="1" noAdjustHandles="1" noChangeArrowheads="1" noChangeShapeType="1" noTextEdit="1"/>
+              </p:cNvSpPr>
+              <p:nvPr/>
+            </p:nvSpPr>
+            <p:spPr>
+              <a:xfrm>
+                <a:off x="3030657" y="937804"/>
+                <a:ext cx="432041" cy="338554"/>
+              </a:xfrm>
+              <a:prstGeom prst="rect">
+                <a:avLst/>
+              </a:prstGeom>
+              <a:blipFill>
+                <a:blip r:embed="rId6"/>
+                <a:stretch>
+                  <a:fillRect/>
+                </a:stretch>
+              </a:blipFill>
+            </p:spPr>
+            <p:txBody>
+              <a:bodyPr/>
+              <a:lstStyle/>
+              <a:p>
+                <a:r>
+                  <a:rPr lang="en-US">
+                    <a:noFill/>
+                  </a:rPr>
+                  <a:t> </a:t>
+                </a:r>
+              </a:p>
+            </p:txBody>
+          </p:sp>
+        </mc:Fallback>
+      </mc:AlternateContent>
+      <mc:AlternateContent xmlns:mc="http://schemas.openxmlformats.org/markup-compatibility/2006">
+        <mc:Choice xmlns:a14="http://schemas.microsoft.com/office/drawing/2010/main" Requires="a14">
+          <p:sp>
+            <p:nvSpPr>
+              <p:cNvPr id="38" name="TextBox 37">
+                <a:extLst>
+                  <a:ext uri="{FF2B5EF4-FFF2-40B4-BE49-F238E27FC236}">
+                    <a16:creationId xmlns:a16="http://schemas.microsoft.com/office/drawing/2014/main" id="{813D5F23-043A-2ED2-E878-7F206A542E65}"/>
+                  </a:ext>
+                </a:extLst>
+              </p:cNvPr>
+              <p:cNvSpPr txBox="1"/>
+              <p:nvPr/>
+            </p:nvSpPr>
+            <p:spPr>
+              <a:xfrm>
+                <a:off x="3614211" y="1471259"/>
+                <a:ext cx="345912" cy="338554"/>
+              </a:xfrm>
+              <a:prstGeom prst="rect">
+                <a:avLst/>
+              </a:prstGeom>
+              <a:noFill/>
+            </p:spPr>
+            <p:txBody>
+              <a:bodyPr wrap="square" rtlCol="0">
+                <a:spAutoFit/>
+              </a:bodyPr>
+              <a:lstStyle/>
+              <a:p>
+                <a14:m>
+                  <m:oMathPara xmlns:m="http://schemas.openxmlformats.org/officeDocument/2006/math">
+                    <m:oMathParaPr>
+                      <m:jc m:val="centerGroup"/>
+                    </m:oMathParaPr>
+                    <m:oMath xmlns:m="http://schemas.openxmlformats.org/officeDocument/2006/math">
+                      <m:sSub>
+                        <m:sSubPr>
+                          <m:ctrlPr>
+                            <a:rPr lang="en-US" sz="1600" b="0" i="1" smtClean="0">
+                              <a:latin typeface="Cambria Math" panose="02040503050406030204" pitchFamily="18" charset="0"/>
+                              <a:cs typeface="Calibri" panose="020F0502020204030204" pitchFamily="34" charset="0"/>
+                            </a:rPr>
+                          </m:ctrlPr>
+                        </m:sSubPr>
+                        <m:e>
+                          <m:r>
+                            <a:rPr lang="en-US" sz="1600" b="0" i="1" smtClean="0">
+                              <a:latin typeface="Cambria Math" panose="02040503050406030204" pitchFamily="18" charset="0"/>
+                              <a:cs typeface="Calibri" panose="020F0502020204030204" pitchFamily="34" charset="0"/>
+                            </a:rPr>
+                            <m:t>𝜆</m:t>
+                          </m:r>
+                        </m:e>
+                        <m:sub>
+                          <m:r>
+                            <a:rPr lang="en-US" sz="1600" b="0" i="1" smtClean="0">
+                              <a:latin typeface="Cambria Math" panose="02040503050406030204" pitchFamily="18" charset="0"/>
+                              <a:cs typeface="Calibri" panose="020F0502020204030204" pitchFamily="34" charset="0"/>
+                            </a:rPr>
+                            <m:t>2</m:t>
+                          </m:r>
+                        </m:sub>
+                      </m:sSub>
+                    </m:oMath>
+                  </m:oMathPara>
+                </a14:m>
+                <a:endParaRPr lang="en-US" sz="1600" dirty="0">
+                  <a:latin typeface="Calibri" panose="020F0502020204030204" pitchFamily="34" charset="0"/>
+                  <a:cs typeface="Calibri" panose="020F0502020204030204" pitchFamily="34" charset="0"/>
+                </a:endParaRPr>
+              </a:p>
+            </p:txBody>
+          </p:sp>
+        </mc:Choice>
+        <mc:Fallback>
+          <p:sp>
+            <p:nvSpPr>
+              <p:cNvPr id="38" name="TextBox 37">
+                <a:extLst>
+                  <a:ext uri="{FF2B5EF4-FFF2-40B4-BE49-F238E27FC236}">
+                    <a16:creationId xmlns:a16="http://schemas.microsoft.com/office/drawing/2014/main" id="{813D5F23-043A-2ED2-E878-7F206A542E65}"/>
+                  </a:ext>
+                </a:extLst>
+              </p:cNvPr>
+              <p:cNvSpPr txBox="1">
+                <a:spLocks noRot="1" noChangeAspect="1" noMove="1" noResize="1" noEditPoints="1" noAdjustHandles="1" noChangeArrowheads="1" noChangeShapeType="1" noTextEdit="1"/>
+              </p:cNvSpPr>
+              <p:nvPr/>
+            </p:nvSpPr>
+            <p:spPr>
+              <a:xfrm>
+                <a:off x="3614211" y="1471259"/>
+                <a:ext cx="345912" cy="338554"/>
+              </a:xfrm>
+              <a:prstGeom prst="rect">
+                <a:avLst/>
+              </a:prstGeom>
+              <a:blipFill>
+                <a:blip r:embed="rId7"/>
+                <a:stretch>
+                  <a:fillRect/>
+                </a:stretch>
+              </a:blipFill>
+            </p:spPr>
+            <p:txBody>
+              <a:bodyPr/>
+              <a:lstStyle/>
+              <a:p>
+                <a:r>
+                  <a:rPr lang="en-US">
+                    <a:noFill/>
+                  </a:rPr>
+                  <a:t> </a:t>
+                </a:r>
+              </a:p>
+            </p:txBody>
+          </p:sp>
+        </mc:Fallback>
+      </mc:AlternateContent>
+      <mc:AlternateContent xmlns:mc="http://schemas.openxmlformats.org/markup-compatibility/2006">
+        <mc:Choice xmlns:a14="http://schemas.microsoft.com/office/drawing/2010/main" Requires="a14">
+          <p:sp>
+            <p:nvSpPr>
+              <p:cNvPr id="39" name="TextBox 38">
+                <a:extLst>
+                  <a:ext uri="{FF2B5EF4-FFF2-40B4-BE49-F238E27FC236}">
+                    <a16:creationId xmlns:a16="http://schemas.microsoft.com/office/drawing/2014/main" id="{4676D1F3-FFBD-90EB-EBC3-1FCC7BC82171}"/>
+                  </a:ext>
+                </a:extLst>
+              </p:cNvPr>
+              <p:cNvSpPr txBox="1"/>
+              <p:nvPr/>
+            </p:nvSpPr>
+            <p:spPr>
+              <a:xfrm>
+                <a:off x="1694020" y="1266800"/>
+                <a:ext cx="385042" cy="338554"/>
+              </a:xfrm>
+              <a:prstGeom prst="rect">
+                <a:avLst/>
+              </a:prstGeom>
+              <a:noFill/>
+            </p:spPr>
+            <p:txBody>
+              <a:bodyPr wrap="none" rtlCol="0">
+                <a:spAutoFit/>
+              </a:bodyPr>
+              <a:lstStyle/>
+              <a:p>
+                <a14:m>
+                  <m:oMathPara xmlns:m="http://schemas.openxmlformats.org/officeDocument/2006/math">
+                    <m:oMathParaPr>
+                      <m:jc m:val="centerGroup"/>
+                    </m:oMathParaPr>
+                    <m:oMath xmlns:m="http://schemas.openxmlformats.org/officeDocument/2006/math">
+                      <m:r>
+                        <a:rPr lang="en-US" sz="1600" b="0" i="1" smtClean="0">
+                          <a:latin typeface="Cambria Math" panose="02040503050406030204" pitchFamily="18" charset="0"/>
+                          <a:cs typeface="Calibri" panose="020F0502020204030204" pitchFamily="34" charset="0"/>
+                        </a:rPr>
+                        <m:t>…</m:t>
+                      </m:r>
+                    </m:oMath>
+                  </m:oMathPara>
+                </a14:m>
+                <a:endParaRPr lang="en-US" sz="1600" dirty="0">
+                  <a:latin typeface="Calibri" panose="020F0502020204030204" pitchFamily="34" charset="0"/>
+                  <a:cs typeface="Calibri" panose="020F0502020204030204" pitchFamily="34" charset="0"/>
+                </a:endParaRPr>
+              </a:p>
+            </p:txBody>
+          </p:sp>
+        </mc:Choice>
+        <mc:Fallback>
+          <p:sp>
+            <p:nvSpPr>
+              <p:cNvPr id="39" name="TextBox 38">
+                <a:extLst>
+                  <a:ext uri="{FF2B5EF4-FFF2-40B4-BE49-F238E27FC236}">
+                    <a16:creationId xmlns:a16="http://schemas.microsoft.com/office/drawing/2014/main" id="{4676D1F3-FFBD-90EB-EBC3-1FCC7BC82171}"/>
+                  </a:ext>
+                </a:extLst>
+              </p:cNvPr>
+              <p:cNvSpPr txBox="1">
+                <a:spLocks noRot="1" noChangeAspect="1" noMove="1" noResize="1" noEditPoints="1" noAdjustHandles="1" noChangeArrowheads="1" noChangeShapeType="1" noTextEdit="1"/>
+              </p:cNvSpPr>
+              <p:nvPr/>
+            </p:nvSpPr>
+            <p:spPr>
+              <a:xfrm>
+                <a:off x="1694020" y="1266800"/>
+                <a:ext cx="385042" cy="338554"/>
+              </a:xfrm>
+              <a:prstGeom prst="rect">
+                <a:avLst/>
+              </a:prstGeom>
+              <a:blipFill>
+                <a:blip r:embed="rId8"/>
+                <a:stretch>
+                  <a:fillRect/>
+                </a:stretch>
+              </a:blipFill>
+            </p:spPr>
+            <p:txBody>
+              <a:bodyPr/>
+              <a:lstStyle/>
+              <a:p>
+                <a:r>
+                  <a:rPr lang="en-US">
+                    <a:noFill/>
+                  </a:rPr>
+                  <a:t> </a:t>
+                </a:r>
+              </a:p>
+            </p:txBody>
+          </p:sp>
+        </mc:Fallback>
+      </mc:AlternateContent>
+      <mc:AlternateContent xmlns:mc="http://schemas.openxmlformats.org/markup-compatibility/2006">
+        <mc:Choice xmlns:a14="http://schemas.microsoft.com/office/drawing/2010/main" Requires="a14">
+          <p:sp>
+            <p:nvSpPr>
+              <p:cNvPr id="40" name="TextBox 39">
+                <a:extLst>
+                  <a:ext uri="{FF2B5EF4-FFF2-40B4-BE49-F238E27FC236}">
+                    <a16:creationId xmlns:a16="http://schemas.microsoft.com/office/drawing/2014/main" id="{D663C915-205A-4B7F-E9F9-FE6605111DF3}"/>
+                  </a:ext>
+                </a:extLst>
+              </p:cNvPr>
+              <p:cNvSpPr txBox="1"/>
+              <p:nvPr/>
+            </p:nvSpPr>
+            <p:spPr>
+              <a:xfrm>
+                <a:off x="4983956" y="654090"/>
+                <a:ext cx="468910" cy="340927"/>
+              </a:xfrm>
+              <a:prstGeom prst="rect">
+                <a:avLst/>
+              </a:prstGeom>
+              <a:noFill/>
+            </p:spPr>
+            <p:txBody>
+              <a:bodyPr wrap="none" rtlCol="0">
+                <a:spAutoFit/>
+              </a:bodyPr>
+              <a:lstStyle/>
+              <a:p>
+                <a14:m>
+                  <m:oMathPara xmlns:m="http://schemas.openxmlformats.org/officeDocument/2006/math">
+                    <m:oMathParaPr>
+                      <m:jc m:val="centerGroup"/>
+                    </m:oMathParaPr>
+                    <m:oMath xmlns:m="http://schemas.openxmlformats.org/officeDocument/2006/math">
+                      <m:sSubSup>
+                        <m:sSubSupPr>
+                          <m:ctrlPr>
+                            <a:rPr lang="en-US" sz="1600" b="0" i="1" smtClean="0">
+                              <a:latin typeface="Cambria Math" panose="02040503050406030204" pitchFamily="18" charset="0"/>
+                              <a:cs typeface="Calibri" panose="020F0502020204030204" pitchFamily="34" charset="0"/>
+                            </a:rPr>
+                          </m:ctrlPr>
+                        </m:sSubSupPr>
+                        <m:e>
+                          <m:r>
+                            <a:rPr lang="en-US" sz="1600" b="1" i="1" smtClean="0">
+                              <a:latin typeface="Cambria Math" panose="02040503050406030204" pitchFamily="18" charset="0"/>
+                              <a:cs typeface="Calibri" panose="020F0502020204030204" pitchFamily="34" charset="0"/>
+                            </a:rPr>
+                            <m:t>𝒗</m:t>
+                          </m:r>
+                        </m:e>
+                        <m:sub>
+                          <m:r>
+                            <a:rPr lang="en-US" sz="1600" b="0" i="1" smtClean="0">
+                              <a:latin typeface="Cambria Math" panose="02040503050406030204" pitchFamily="18" charset="0"/>
+                              <a:cs typeface="Calibri" panose="020F0502020204030204" pitchFamily="34" charset="0"/>
+                            </a:rPr>
+                            <m:t>1</m:t>
+                          </m:r>
+                        </m:sub>
+                        <m:sup>
+                          <m:r>
+                            <a:rPr lang="en-US" sz="1600" b="0" i="1" smtClean="0">
+                              <a:latin typeface="Cambria Math" panose="02040503050406030204" pitchFamily="18" charset="0"/>
+                              <a:cs typeface="Calibri" panose="020F0502020204030204" pitchFamily="34" charset="0"/>
+                            </a:rPr>
+                            <m:t>⊤</m:t>
+                          </m:r>
+                        </m:sup>
+                      </m:sSubSup>
+                    </m:oMath>
+                  </m:oMathPara>
+                </a14:m>
+                <a:endParaRPr lang="en-US" sz="1600" dirty="0">
+                  <a:latin typeface="Calibri" panose="020F0502020204030204" pitchFamily="34" charset="0"/>
+                  <a:cs typeface="Calibri" panose="020F0502020204030204" pitchFamily="34" charset="0"/>
+                </a:endParaRPr>
+              </a:p>
+            </p:txBody>
+          </p:sp>
+        </mc:Choice>
+        <mc:Fallback>
+          <p:sp>
+            <p:nvSpPr>
+              <p:cNvPr id="40" name="TextBox 39">
+                <a:extLst>
+                  <a:ext uri="{FF2B5EF4-FFF2-40B4-BE49-F238E27FC236}">
+                    <a16:creationId xmlns:a16="http://schemas.microsoft.com/office/drawing/2014/main" id="{D663C915-205A-4B7F-E9F9-FE6605111DF3}"/>
+                  </a:ext>
+                </a:extLst>
+              </p:cNvPr>
+              <p:cNvSpPr txBox="1">
+                <a:spLocks noRot="1" noChangeAspect="1" noMove="1" noResize="1" noEditPoints="1" noAdjustHandles="1" noChangeArrowheads="1" noChangeShapeType="1" noTextEdit="1"/>
+              </p:cNvSpPr>
+              <p:nvPr/>
+            </p:nvSpPr>
+            <p:spPr>
+              <a:xfrm>
+                <a:off x="4983956" y="654090"/>
+                <a:ext cx="468910" cy="340927"/>
+              </a:xfrm>
+              <a:prstGeom prst="rect">
+                <a:avLst/>
+              </a:prstGeom>
+              <a:blipFill>
+                <a:blip r:embed="rId9"/>
+                <a:stretch>
+                  <a:fillRect/>
+                </a:stretch>
+              </a:blipFill>
+            </p:spPr>
+            <p:txBody>
+              <a:bodyPr/>
+              <a:lstStyle/>
+              <a:p>
+                <a:r>
+                  <a:rPr lang="en-US">
+                    <a:noFill/>
+                  </a:rPr>
+                  <a:t> </a:t>
+                </a:r>
+              </a:p>
+            </p:txBody>
+          </p:sp>
+        </mc:Fallback>
+      </mc:AlternateContent>
+      <mc:AlternateContent xmlns:mc="http://schemas.openxmlformats.org/markup-compatibility/2006">
+        <mc:Choice xmlns:a14="http://schemas.microsoft.com/office/drawing/2010/main" Requires="a14">
+          <p:sp>
+            <p:nvSpPr>
+              <p:cNvPr id="41" name="TextBox 40">
+                <a:extLst>
+                  <a:ext uri="{FF2B5EF4-FFF2-40B4-BE49-F238E27FC236}">
+                    <a16:creationId xmlns:a16="http://schemas.microsoft.com/office/drawing/2014/main" id="{C8B80DF2-EFD9-6339-B983-B07D469230B6}"/>
+                  </a:ext>
+                </a:extLst>
+              </p:cNvPr>
+              <p:cNvSpPr txBox="1"/>
+              <p:nvPr/>
+            </p:nvSpPr>
+            <p:spPr>
+              <a:xfrm>
+                <a:off x="4983956" y="937805"/>
+                <a:ext cx="468911" cy="341376"/>
+              </a:xfrm>
+              <a:prstGeom prst="rect">
+                <a:avLst/>
+              </a:prstGeom>
+              <a:noFill/>
+            </p:spPr>
+            <p:txBody>
+              <a:bodyPr wrap="none" rtlCol="0">
+                <a:spAutoFit/>
+              </a:bodyPr>
+              <a:lstStyle/>
+              <a:p>
+                <a14:m>
+                  <m:oMathPara xmlns:m="http://schemas.openxmlformats.org/officeDocument/2006/math">
+                    <m:oMathParaPr>
+                      <m:jc m:val="centerGroup"/>
+                    </m:oMathParaPr>
+                    <m:oMath xmlns:m="http://schemas.openxmlformats.org/officeDocument/2006/math">
+                      <m:sSubSup>
+                        <m:sSubSupPr>
+                          <m:ctrlPr>
+                            <a:rPr lang="en-US" sz="1600" b="0" i="1" smtClean="0">
+                              <a:latin typeface="Cambria Math" panose="02040503050406030204" pitchFamily="18" charset="0"/>
+                              <a:cs typeface="Calibri" panose="020F0502020204030204" pitchFamily="34" charset="0"/>
+                            </a:rPr>
+                          </m:ctrlPr>
+                        </m:sSubSupPr>
+                        <m:e>
+                          <m:r>
+                            <a:rPr lang="en-US" sz="1600" b="1" i="1" smtClean="0">
+                              <a:latin typeface="Cambria Math" panose="02040503050406030204" pitchFamily="18" charset="0"/>
+                              <a:cs typeface="Calibri" panose="020F0502020204030204" pitchFamily="34" charset="0"/>
+                            </a:rPr>
+                            <m:t>𝒗</m:t>
+                          </m:r>
+                        </m:e>
+                        <m:sub>
+                          <m:r>
+                            <a:rPr lang="en-US" sz="1600" b="0" i="1" smtClean="0">
+                              <a:latin typeface="Cambria Math" panose="02040503050406030204" pitchFamily="18" charset="0"/>
+                              <a:cs typeface="Calibri" panose="020F0502020204030204" pitchFamily="34" charset="0"/>
+                            </a:rPr>
+                            <m:t>2</m:t>
+                          </m:r>
+                        </m:sub>
+                        <m:sup>
+                          <m:r>
+                            <a:rPr lang="en-US" sz="1600" b="0" i="1" smtClean="0">
+                              <a:latin typeface="Cambria Math" panose="02040503050406030204" pitchFamily="18" charset="0"/>
+                              <a:cs typeface="Calibri" panose="020F0502020204030204" pitchFamily="34" charset="0"/>
+                            </a:rPr>
+                            <m:t>⊤</m:t>
+                          </m:r>
+                        </m:sup>
+                      </m:sSubSup>
+                    </m:oMath>
+                  </m:oMathPara>
+                </a14:m>
+                <a:endParaRPr lang="en-US" sz="1600" dirty="0">
+                  <a:latin typeface="Calibri" panose="020F0502020204030204" pitchFamily="34" charset="0"/>
+                  <a:cs typeface="Calibri" panose="020F0502020204030204" pitchFamily="34" charset="0"/>
+                </a:endParaRPr>
+              </a:p>
+            </p:txBody>
+          </p:sp>
+        </mc:Choice>
+        <mc:Fallback>
+          <p:sp>
+            <p:nvSpPr>
+              <p:cNvPr id="41" name="TextBox 40">
+                <a:extLst>
+                  <a:ext uri="{FF2B5EF4-FFF2-40B4-BE49-F238E27FC236}">
+                    <a16:creationId xmlns:a16="http://schemas.microsoft.com/office/drawing/2014/main" id="{C8B80DF2-EFD9-6339-B983-B07D469230B6}"/>
+                  </a:ext>
+                </a:extLst>
+              </p:cNvPr>
+              <p:cNvSpPr txBox="1">
+                <a:spLocks noRot="1" noChangeAspect="1" noMove="1" noResize="1" noEditPoints="1" noAdjustHandles="1" noChangeArrowheads="1" noChangeShapeType="1" noTextEdit="1"/>
+              </p:cNvSpPr>
+              <p:nvPr/>
+            </p:nvSpPr>
+            <p:spPr>
+              <a:xfrm>
+                <a:off x="4983956" y="937805"/>
+                <a:ext cx="468911" cy="341376"/>
+              </a:xfrm>
+              <a:prstGeom prst="rect">
+                <a:avLst/>
+              </a:prstGeom>
+              <a:blipFill>
+                <a:blip r:embed="rId10"/>
+                <a:stretch>
+                  <a:fillRect/>
+                </a:stretch>
+              </a:blipFill>
+            </p:spPr>
+            <p:txBody>
+              <a:bodyPr/>
+              <a:lstStyle/>
+              <a:p>
+                <a:r>
+                  <a:rPr lang="en-US">
+                    <a:noFill/>
+                  </a:rPr>
+                  <a:t> </a:t>
+                </a:r>
+              </a:p>
+            </p:txBody>
+          </p:sp>
+        </mc:Fallback>
+      </mc:AlternateContent>
+      <p:cxnSp>
+        <p:nvCxnSpPr>
+          <p:cNvPr id="42" name="Straight Connector 41">
+            <a:extLst>
+              <a:ext uri="{FF2B5EF4-FFF2-40B4-BE49-F238E27FC236}">
+                <a16:creationId xmlns:a16="http://schemas.microsoft.com/office/drawing/2014/main" id="{52A54EA2-E44E-A8EF-5830-89EC2DDF76B5}"/>
+              </a:ext>
+            </a:extLst>
+          </p:cNvPr>
+          <p:cNvCxnSpPr>
+            <a:cxnSpLocks/>
+          </p:cNvCxnSpPr>
+          <p:nvPr/>
+        </p:nvCxnSpPr>
+        <p:spPr>
+          <a:xfrm>
+            <a:off x="5435932" y="842422"/>
+            <a:ext cx="448056" cy="0"/>
+          </a:xfrm>
+          <a:prstGeom prst="line">
+            <a:avLst/>
+          </a:prstGeom>
+          <a:ln w="19050">
+            <a:solidFill>
+              <a:schemeClr val="tx1"/>
+            </a:solidFill>
+          </a:ln>
+        </p:spPr>
+        <p:style>
+          <a:lnRef idx="1">
+            <a:schemeClr val="accent1"/>
+          </a:lnRef>
+          <a:fillRef idx="0">
+            <a:schemeClr val="accent1"/>
+          </a:fillRef>
+          <a:effectRef idx="0">
+            <a:schemeClr val="accent1"/>
+          </a:effectRef>
+          <a:fontRef idx="minor">
+            <a:schemeClr val="tx1"/>
+          </a:fontRef>
+        </p:style>
+      </p:cxnSp>
+      <p:cxnSp>
+        <p:nvCxnSpPr>
+          <p:cNvPr id="44" name="Straight Connector 43">
+            <a:extLst>
+              <a:ext uri="{FF2B5EF4-FFF2-40B4-BE49-F238E27FC236}">
+                <a16:creationId xmlns:a16="http://schemas.microsoft.com/office/drawing/2014/main" id="{B6D27581-6121-6494-46D5-5DE92C7E88E2}"/>
+              </a:ext>
+            </a:extLst>
+          </p:cNvPr>
+          <p:cNvCxnSpPr>
+            <a:cxnSpLocks/>
+          </p:cNvCxnSpPr>
+          <p:nvPr/>
+        </p:nvCxnSpPr>
+        <p:spPr>
+          <a:xfrm>
+            <a:off x="4535896" y="842422"/>
+            <a:ext cx="448056" cy="0"/>
+          </a:xfrm>
+          <a:prstGeom prst="line">
+            <a:avLst/>
+          </a:prstGeom>
+          <a:ln w="19050">
+            <a:solidFill>
+              <a:schemeClr val="tx1"/>
+            </a:solidFill>
+          </a:ln>
+        </p:spPr>
+        <p:style>
+          <a:lnRef idx="1">
+            <a:schemeClr val="accent1"/>
+          </a:lnRef>
+          <a:fillRef idx="0">
+            <a:schemeClr val="accent1"/>
+          </a:fillRef>
+          <a:effectRef idx="0">
+            <a:schemeClr val="accent1"/>
+          </a:effectRef>
+          <a:fontRef idx="minor">
+            <a:schemeClr val="tx1"/>
+          </a:fontRef>
+        </p:style>
+      </p:cxnSp>
+      <p:cxnSp>
+        <p:nvCxnSpPr>
+          <p:cNvPr id="45" name="Straight Connector 44">
+            <a:extLst>
+              <a:ext uri="{FF2B5EF4-FFF2-40B4-BE49-F238E27FC236}">
+                <a16:creationId xmlns:a16="http://schemas.microsoft.com/office/drawing/2014/main" id="{74B7C1CF-A334-217B-2E23-1B2E2EE3CB00}"/>
+              </a:ext>
+            </a:extLst>
+          </p:cNvPr>
+          <p:cNvCxnSpPr>
+            <a:cxnSpLocks/>
+          </p:cNvCxnSpPr>
+          <p:nvPr/>
+        </p:nvCxnSpPr>
+        <p:spPr>
+          <a:xfrm>
+            <a:off x="5444398" y="1130289"/>
+            <a:ext cx="448056" cy="0"/>
+          </a:xfrm>
+          <a:prstGeom prst="line">
+            <a:avLst/>
+          </a:prstGeom>
+          <a:ln w="19050">
+            <a:solidFill>
+              <a:schemeClr val="tx1"/>
+            </a:solidFill>
+          </a:ln>
+        </p:spPr>
+        <p:style>
+          <a:lnRef idx="1">
+            <a:schemeClr val="accent1"/>
+          </a:lnRef>
+          <a:fillRef idx="0">
+            <a:schemeClr val="accent1"/>
+          </a:fillRef>
+          <a:effectRef idx="0">
+            <a:schemeClr val="accent1"/>
+          </a:effectRef>
+          <a:fontRef idx="minor">
+            <a:schemeClr val="tx1"/>
+          </a:fontRef>
+        </p:style>
+      </p:cxnSp>
+      <p:cxnSp>
+        <p:nvCxnSpPr>
+          <p:cNvPr id="46" name="Straight Connector 45">
+            <a:extLst>
+              <a:ext uri="{FF2B5EF4-FFF2-40B4-BE49-F238E27FC236}">
+                <a16:creationId xmlns:a16="http://schemas.microsoft.com/office/drawing/2014/main" id="{81447AA6-00CB-CE61-3D83-D2450DDE6BC8}"/>
+              </a:ext>
+            </a:extLst>
+          </p:cNvPr>
+          <p:cNvCxnSpPr>
+            <a:cxnSpLocks/>
+          </p:cNvCxnSpPr>
+          <p:nvPr/>
+        </p:nvCxnSpPr>
+        <p:spPr>
+          <a:xfrm>
+            <a:off x="4544362" y="1130289"/>
+            <a:ext cx="448056" cy="0"/>
+          </a:xfrm>
+          <a:prstGeom prst="line">
+            <a:avLst/>
+          </a:prstGeom>
+          <a:ln w="19050">
+            <a:solidFill>
+              <a:schemeClr val="tx1"/>
+            </a:solidFill>
+          </a:ln>
+        </p:spPr>
+        <p:style>
+          <a:lnRef idx="1">
+            <a:schemeClr val="accent1"/>
+          </a:lnRef>
+          <a:fillRef idx="0">
+            <a:schemeClr val="accent1"/>
+          </a:fillRef>
+          <a:effectRef idx="0">
+            <a:schemeClr val="accent1"/>
+          </a:effectRef>
+          <a:fontRef idx="minor">
+            <a:schemeClr val="tx1"/>
+          </a:fontRef>
+        </p:style>
+      </p:cxnSp>
+      <mc:AlternateContent xmlns:mc="http://schemas.openxmlformats.org/markup-compatibility/2006">
+        <mc:Choice xmlns:a14="http://schemas.microsoft.com/office/drawing/2010/main" Requires="a14">
+          <p:sp>
+            <p:nvSpPr>
+              <p:cNvPr id="47" name="TextBox 46">
+                <a:extLst>
+                  <a:ext uri="{FF2B5EF4-FFF2-40B4-BE49-F238E27FC236}">
+                    <a16:creationId xmlns:a16="http://schemas.microsoft.com/office/drawing/2014/main" id="{2804A3B6-5866-949F-4F2F-3A8EB5C2D5F8}"/>
+                  </a:ext>
+                </a:extLst>
+              </p:cNvPr>
+              <p:cNvSpPr txBox="1"/>
+              <p:nvPr/>
+            </p:nvSpPr>
+            <p:spPr>
+              <a:xfrm>
+                <a:off x="4975488" y="1496605"/>
+                <a:ext cx="468911" cy="338554"/>
+              </a:xfrm>
+              <a:prstGeom prst="rect">
+                <a:avLst/>
+              </a:prstGeom>
+              <a:noFill/>
+            </p:spPr>
+            <p:txBody>
+              <a:bodyPr wrap="none" rtlCol="0">
+                <a:spAutoFit/>
+              </a:bodyPr>
+              <a:lstStyle/>
+              <a:p>
+                <a14:m>
+                  <m:oMathPara xmlns:m="http://schemas.openxmlformats.org/officeDocument/2006/math">
+                    <m:oMathParaPr>
+                      <m:jc m:val="centerGroup"/>
+                    </m:oMathParaPr>
+                    <m:oMath xmlns:m="http://schemas.openxmlformats.org/officeDocument/2006/math">
+                      <m:sSubSup>
+                        <m:sSubSupPr>
+                          <m:ctrlPr>
+                            <a:rPr lang="en-US" sz="1600" b="0" i="1" smtClean="0">
+                              <a:latin typeface="Cambria Math" panose="02040503050406030204" pitchFamily="18" charset="0"/>
+                              <a:cs typeface="Calibri" panose="020F0502020204030204" pitchFamily="34" charset="0"/>
+                            </a:rPr>
+                          </m:ctrlPr>
+                        </m:sSubSupPr>
+                        <m:e>
+                          <m:r>
+                            <a:rPr lang="en-US" sz="1600" b="1" i="1" smtClean="0">
+                              <a:latin typeface="Cambria Math" panose="02040503050406030204" pitchFamily="18" charset="0"/>
+                              <a:cs typeface="Calibri" panose="020F0502020204030204" pitchFamily="34" charset="0"/>
+                            </a:rPr>
+                            <m:t>𝒗</m:t>
+                          </m:r>
+                        </m:e>
+                        <m:sub>
+                          <m:r>
+                            <a:rPr lang="en-US" sz="1600" b="0" i="1" smtClean="0">
+                              <a:latin typeface="Cambria Math" panose="02040503050406030204" pitchFamily="18" charset="0"/>
+                              <a:cs typeface="Calibri" panose="020F0502020204030204" pitchFamily="34" charset="0"/>
+                            </a:rPr>
+                            <m:t>𝑟</m:t>
+                          </m:r>
+                        </m:sub>
+                        <m:sup>
+                          <m:r>
+                            <a:rPr lang="en-US" sz="1600" b="0" i="1" smtClean="0">
+                              <a:latin typeface="Cambria Math" panose="02040503050406030204" pitchFamily="18" charset="0"/>
+                              <a:cs typeface="Calibri" panose="020F0502020204030204" pitchFamily="34" charset="0"/>
+                            </a:rPr>
+                            <m:t>⊤</m:t>
+                          </m:r>
+                        </m:sup>
+                      </m:sSubSup>
+                    </m:oMath>
+                  </m:oMathPara>
+                </a14:m>
+                <a:endParaRPr lang="en-US" sz="1600" dirty="0">
+                  <a:latin typeface="Calibri" panose="020F0502020204030204" pitchFamily="34" charset="0"/>
+                  <a:cs typeface="Calibri" panose="020F0502020204030204" pitchFamily="34" charset="0"/>
+                </a:endParaRPr>
+              </a:p>
+            </p:txBody>
+          </p:sp>
+        </mc:Choice>
+        <mc:Fallback>
+          <p:sp>
+            <p:nvSpPr>
+              <p:cNvPr id="47" name="TextBox 46">
+                <a:extLst>
+                  <a:ext uri="{FF2B5EF4-FFF2-40B4-BE49-F238E27FC236}">
+                    <a16:creationId xmlns:a16="http://schemas.microsoft.com/office/drawing/2014/main" id="{2804A3B6-5866-949F-4F2F-3A8EB5C2D5F8}"/>
+                  </a:ext>
+                </a:extLst>
+              </p:cNvPr>
+              <p:cNvSpPr txBox="1">
+                <a:spLocks noRot="1" noChangeAspect="1" noMove="1" noResize="1" noEditPoints="1" noAdjustHandles="1" noChangeArrowheads="1" noChangeShapeType="1" noTextEdit="1"/>
+              </p:cNvSpPr>
+              <p:nvPr/>
+            </p:nvSpPr>
+            <p:spPr>
+              <a:xfrm>
+                <a:off x="4975488" y="1496605"/>
+                <a:ext cx="468911" cy="338554"/>
+              </a:xfrm>
+              <a:prstGeom prst="rect">
+                <a:avLst/>
+              </a:prstGeom>
+              <a:blipFill>
+                <a:blip r:embed="rId11"/>
+                <a:stretch>
+                  <a:fillRect/>
+                </a:stretch>
+              </a:blipFill>
+            </p:spPr>
+            <p:txBody>
+              <a:bodyPr/>
+              <a:lstStyle/>
+              <a:p>
+                <a:r>
+                  <a:rPr lang="en-US">
+                    <a:noFill/>
+                  </a:rPr>
+                  <a:t> </a:t>
+                </a:r>
+              </a:p>
+            </p:txBody>
+          </p:sp>
+        </mc:Fallback>
+      </mc:AlternateContent>
+      <p:cxnSp>
+        <p:nvCxnSpPr>
+          <p:cNvPr id="48" name="Straight Connector 47">
+            <a:extLst>
+              <a:ext uri="{FF2B5EF4-FFF2-40B4-BE49-F238E27FC236}">
+                <a16:creationId xmlns:a16="http://schemas.microsoft.com/office/drawing/2014/main" id="{CAFDAF4D-4BAA-8B1D-933F-E62360441B56}"/>
+              </a:ext>
+            </a:extLst>
+          </p:cNvPr>
+          <p:cNvCxnSpPr>
+            <a:cxnSpLocks/>
+          </p:cNvCxnSpPr>
+          <p:nvPr/>
+        </p:nvCxnSpPr>
+        <p:spPr>
+          <a:xfrm>
+            <a:off x="5435930" y="1689089"/>
+            <a:ext cx="448056" cy="0"/>
+          </a:xfrm>
+          <a:prstGeom prst="line">
+            <a:avLst/>
+          </a:prstGeom>
+          <a:ln w="19050">
+            <a:solidFill>
+              <a:schemeClr val="tx1"/>
+            </a:solidFill>
+          </a:ln>
+        </p:spPr>
+        <p:style>
+          <a:lnRef idx="1">
+            <a:schemeClr val="accent1"/>
+          </a:lnRef>
+          <a:fillRef idx="0">
+            <a:schemeClr val="accent1"/>
+          </a:fillRef>
+          <a:effectRef idx="0">
+            <a:schemeClr val="accent1"/>
+          </a:effectRef>
+          <a:fontRef idx="minor">
+            <a:schemeClr val="tx1"/>
+          </a:fontRef>
+        </p:style>
+      </p:cxnSp>
+      <p:cxnSp>
+        <p:nvCxnSpPr>
+          <p:cNvPr id="49" name="Straight Connector 48">
+            <a:extLst>
+              <a:ext uri="{FF2B5EF4-FFF2-40B4-BE49-F238E27FC236}">
+                <a16:creationId xmlns:a16="http://schemas.microsoft.com/office/drawing/2014/main" id="{F28A66B1-109B-6D11-1F4D-E1FA565E4ECB}"/>
+              </a:ext>
+            </a:extLst>
+          </p:cNvPr>
+          <p:cNvCxnSpPr>
+            <a:cxnSpLocks/>
+          </p:cNvCxnSpPr>
+          <p:nvPr/>
+        </p:nvCxnSpPr>
+        <p:spPr>
+          <a:xfrm>
+            <a:off x="4535894" y="1689089"/>
+            <a:ext cx="448056" cy="0"/>
+          </a:xfrm>
+          <a:prstGeom prst="line">
+            <a:avLst/>
+          </a:prstGeom>
+          <a:ln w="19050">
+            <a:solidFill>
+              <a:schemeClr val="tx1"/>
+            </a:solidFill>
+          </a:ln>
+        </p:spPr>
+        <p:style>
+          <a:lnRef idx="1">
+            <a:schemeClr val="accent1"/>
+          </a:lnRef>
+          <a:fillRef idx="0">
+            <a:schemeClr val="accent1"/>
+          </a:fillRef>
+          <a:effectRef idx="0">
+            <a:schemeClr val="accent1"/>
+          </a:effectRef>
+          <a:fontRef idx="minor">
+            <a:schemeClr val="tx1"/>
+          </a:fontRef>
+        </p:style>
+      </p:cxnSp>
+      <mc:AlternateContent xmlns:mc="http://schemas.openxmlformats.org/markup-compatibility/2006">
+        <mc:Choice xmlns:a14="http://schemas.microsoft.com/office/drawing/2010/main" Requires="a14">
+          <p:sp>
+            <p:nvSpPr>
+              <p:cNvPr id="50" name="TextBox 49">
+                <a:extLst>
+                  <a:ext uri="{FF2B5EF4-FFF2-40B4-BE49-F238E27FC236}">
+                    <a16:creationId xmlns:a16="http://schemas.microsoft.com/office/drawing/2014/main" id="{7DF33E6D-FA50-B9D0-B38B-63345528E500}"/>
+                  </a:ext>
+                </a:extLst>
+              </p:cNvPr>
+              <p:cNvSpPr txBox="1"/>
+              <p:nvPr/>
+            </p:nvSpPr>
+            <p:spPr>
+              <a:xfrm rot="5400000">
+                <a:off x="5074132" y="1236169"/>
+                <a:ext cx="385042" cy="338554"/>
+              </a:xfrm>
+              <a:prstGeom prst="rect">
+                <a:avLst/>
+              </a:prstGeom>
+              <a:noFill/>
+            </p:spPr>
+            <p:txBody>
+              <a:bodyPr wrap="none" rtlCol="0">
+                <a:spAutoFit/>
+              </a:bodyPr>
+              <a:lstStyle/>
+              <a:p>
+                <a14:m>
+                  <m:oMathPara xmlns:m="http://schemas.openxmlformats.org/officeDocument/2006/math">
+                    <m:oMathParaPr>
+                      <m:jc m:val="centerGroup"/>
+                    </m:oMathParaPr>
+                    <m:oMath xmlns:m="http://schemas.openxmlformats.org/officeDocument/2006/math">
+                      <m:r>
+                        <a:rPr lang="en-US" sz="1600" b="0" i="1" smtClean="0">
+                          <a:latin typeface="Cambria Math" panose="02040503050406030204" pitchFamily="18" charset="0"/>
+                          <a:cs typeface="Calibri" panose="020F0502020204030204" pitchFamily="34" charset="0"/>
+                        </a:rPr>
+                        <m:t>…</m:t>
+                      </m:r>
+                    </m:oMath>
+                  </m:oMathPara>
+                </a14:m>
+                <a:endParaRPr lang="en-US" sz="1600" dirty="0">
+                  <a:latin typeface="Calibri" panose="020F0502020204030204" pitchFamily="34" charset="0"/>
+                  <a:cs typeface="Calibri" panose="020F0502020204030204" pitchFamily="34" charset="0"/>
+                </a:endParaRPr>
+              </a:p>
+            </p:txBody>
+          </p:sp>
+        </mc:Choice>
+        <mc:Fallback>
+          <p:sp>
+            <p:nvSpPr>
+              <p:cNvPr id="50" name="TextBox 49">
+                <a:extLst>
+                  <a:ext uri="{FF2B5EF4-FFF2-40B4-BE49-F238E27FC236}">
+                    <a16:creationId xmlns:a16="http://schemas.microsoft.com/office/drawing/2014/main" id="{7DF33E6D-FA50-B9D0-B38B-63345528E500}"/>
+                  </a:ext>
+                </a:extLst>
+              </p:cNvPr>
+              <p:cNvSpPr txBox="1">
+                <a:spLocks noRot="1" noChangeAspect="1" noMove="1" noResize="1" noEditPoints="1" noAdjustHandles="1" noChangeArrowheads="1" noChangeShapeType="1" noTextEdit="1"/>
+              </p:cNvSpPr>
+              <p:nvPr/>
+            </p:nvSpPr>
+            <p:spPr>
+              <a:xfrm rot="5400000">
+                <a:off x="5074132" y="1236169"/>
+                <a:ext cx="385042" cy="338554"/>
+              </a:xfrm>
+              <a:prstGeom prst="rect">
+                <a:avLst/>
+              </a:prstGeom>
+              <a:blipFill>
+                <a:blip r:embed="rId12"/>
+                <a:stretch>
+                  <a:fillRect/>
+                </a:stretch>
+              </a:blipFill>
+            </p:spPr>
+            <p:txBody>
+              <a:bodyPr/>
+              <a:lstStyle/>
+              <a:p>
+                <a:r>
+                  <a:rPr lang="en-US">
+                    <a:noFill/>
+                  </a:rPr>
+                  <a:t> </a:t>
+                </a:r>
+              </a:p>
+            </p:txBody>
+          </p:sp>
+        </mc:Fallback>
+      </mc:AlternateContent>
+      <mc:AlternateContent xmlns:mc="http://schemas.openxmlformats.org/markup-compatibility/2006">
+        <mc:Choice xmlns:a14="http://schemas.microsoft.com/office/drawing/2010/main" Requires="a14">
+          <p:sp>
+            <p:nvSpPr>
+              <p:cNvPr id="52" name="TextBox 51">
+                <a:extLst>
+                  <a:ext uri="{FF2B5EF4-FFF2-40B4-BE49-F238E27FC236}">
+                    <a16:creationId xmlns:a16="http://schemas.microsoft.com/office/drawing/2014/main" id="{1A71440F-919F-654E-2650-32A286EE3491}"/>
+                  </a:ext>
+                </a:extLst>
+              </p:cNvPr>
+              <p:cNvSpPr txBox="1"/>
+              <p:nvPr/>
+            </p:nvSpPr>
+            <p:spPr>
+              <a:xfrm rot="2700000">
+                <a:off x="3338302" y="1143439"/>
+                <a:ext cx="385042" cy="338554"/>
+              </a:xfrm>
+              <a:prstGeom prst="rect">
+                <a:avLst/>
+              </a:prstGeom>
+              <a:noFill/>
+            </p:spPr>
+            <p:txBody>
+              <a:bodyPr wrap="none" rtlCol="0">
+                <a:spAutoFit/>
+              </a:bodyPr>
+              <a:lstStyle/>
+              <a:p>
+                <a14:m>
+                  <m:oMathPara xmlns:m="http://schemas.openxmlformats.org/officeDocument/2006/math">
+                    <m:oMathParaPr>
+                      <m:jc m:val="centerGroup"/>
+                    </m:oMathParaPr>
+                    <m:oMath xmlns:m="http://schemas.openxmlformats.org/officeDocument/2006/math">
+                      <m:r>
+                        <a:rPr lang="en-US" sz="1600" b="0" i="1" smtClean="0">
+                          <a:latin typeface="Cambria Math" panose="02040503050406030204" pitchFamily="18" charset="0"/>
+                          <a:cs typeface="Calibri" panose="020F0502020204030204" pitchFamily="34" charset="0"/>
+                        </a:rPr>
+                        <m:t>…</m:t>
+                      </m:r>
+                    </m:oMath>
+                  </m:oMathPara>
+                </a14:m>
+                <a:endParaRPr lang="en-US" sz="1600" dirty="0">
+                  <a:latin typeface="Calibri" panose="020F0502020204030204" pitchFamily="34" charset="0"/>
+                  <a:cs typeface="Calibri" panose="020F0502020204030204" pitchFamily="34" charset="0"/>
+                </a:endParaRPr>
+              </a:p>
+            </p:txBody>
+          </p:sp>
+        </mc:Choice>
+        <mc:Fallback>
+          <p:sp>
+            <p:nvSpPr>
+              <p:cNvPr id="52" name="TextBox 51">
+                <a:extLst>
+                  <a:ext uri="{FF2B5EF4-FFF2-40B4-BE49-F238E27FC236}">
+                    <a16:creationId xmlns:a16="http://schemas.microsoft.com/office/drawing/2014/main" id="{1A71440F-919F-654E-2650-32A286EE3491}"/>
+                  </a:ext>
+                </a:extLst>
+              </p:cNvPr>
+              <p:cNvSpPr txBox="1">
+                <a:spLocks noRot="1" noChangeAspect="1" noMove="1" noResize="1" noEditPoints="1" noAdjustHandles="1" noChangeArrowheads="1" noChangeShapeType="1" noTextEdit="1"/>
+              </p:cNvSpPr>
+              <p:nvPr/>
+            </p:nvSpPr>
+            <p:spPr>
+              <a:xfrm rot="2700000">
+                <a:off x="3338302" y="1143439"/>
+                <a:ext cx="385042" cy="338554"/>
+              </a:xfrm>
+              <a:prstGeom prst="rect">
+                <a:avLst/>
+              </a:prstGeom>
+              <a:blipFill>
+                <a:blip r:embed="rId13"/>
+                <a:stretch>
+                  <a:fillRect/>
+                </a:stretch>
+              </a:blipFill>
+            </p:spPr>
+            <p:txBody>
+              <a:bodyPr/>
+              <a:lstStyle/>
+              <a:p>
+                <a:r>
+                  <a:rPr lang="en-US">
+                    <a:noFill/>
+                  </a:rPr>
+                  <a:t> </a:t>
+                </a:r>
+              </a:p>
+            </p:txBody>
+          </p:sp>
+        </mc:Fallback>
+      </mc:AlternateContent>
+    </p:spTree>
+    <p:extLst>
+      <p:ext uri="{BB962C8B-B14F-4D97-AF65-F5344CB8AC3E}">
+        <p14:creationId xmlns:p14="http://schemas.microsoft.com/office/powerpoint/2010/main" val="55521387"/>
+      </p:ext>
+    </p:extLst>
+  </p:cSld>
+  <p:clrMapOvr>
+    <a:masterClrMapping/>
+  </p:clrMapOvr>
+</p:sld>
+</file>
+
+<file path=ppt/slides/slide3.xml><?xml version="1.0" encoding="utf-8"?>
+<p:sld xmlns:a="http://schemas.openxmlformats.org/drawingml/2006/main" xmlns:r="http://schemas.openxmlformats.org/officeDocument/2006/relationships" xmlns:p="http://schemas.openxmlformats.org/presentationml/2006/main">
+  <p:cSld>
+    <p:spTree>
+      <p:nvGrpSpPr>
+        <p:cNvPr id="1" name="">
+          <a:extLst>
+            <a:ext uri="{FF2B5EF4-FFF2-40B4-BE49-F238E27FC236}">
+              <a16:creationId xmlns:a16="http://schemas.microsoft.com/office/drawing/2014/main" id="{38E4B3BE-AF62-A987-7916-8143D2F6B70D}"/>
+            </a:ext>
+          </a:extLst>
+        </p:cNvPr>
+        <p:cNvGrpSpPr/>
+        <p:nvPr/>
+      </p:nvGrpSpPr>
+      <p:grpSpPr>
+        <a:xfrm>
+          <a:off x="0" y="0"/>
+          <a:ext cx="0" cy="0"/>
+          <a:chOff x="0" y="0"/>
+          <a:chExt cx="0" cy="0"/>
+        </a:xfrm>
+      </p:grpSpPr>
+      <mc:AlternateContent xmlns:mc="http://schemas.openxmlformats.org/markup-compatibility/2006">
+        <mc:Choice xmlns:a14="http://schemas.microsoft.com/office/drawing/2010/main" Requires="a14">
+          <p:sp>
+            <p:nvSpPr>
+              <p:cNvPr id="7" name="Oval 6">
+                <a:extLst>
+                  <a:ext uri="{FF2B5EF4-FFF2-40B4-BE49-F238E27FC236}">
+                    <a16:creationId xmlns:a16="http://schemas.microsoft.com/office/drawing/2014/main" id="{07AF6BD5-8A1F-76A3-09A1-C16C0440BDB4}"/>
+                  </a:ext>
+                </a:extLst>
+              </p:cNvPr>
+              <p:cNvSpPr/>
+              <p:nvPr/>
+            </p:nvSpPr>
+            <p:spPr>
+              <a:xfrm>
+                <a:off x="2125133" y="1041399"/>
+                <a:ext cx="389467" cy="389467"/>
+              </a:xfrm>
+              <a:prstGeom prst="ellipse">
+                <a:avLst/>
+              </a:prstGeom>
+              <a:noFill/>
+              <a:ln>
+                <a:solidFill>
+                  <a:schemeClr val="tx1"/>
+                </a:solidFill>
+              </a:ln>
+            </p:spPr>
+            <p:style>
+              <a:lnRef idx="2">
+                <a:schemeClr val="accent1">
+                  <a:shade val="15000"/>
+                </a:schemeClr>
+              </a:lnRef>
+              <a:fillRef idx="1">
+                <a:schemeClr val="accent1"/>
+              </a:fillRef>
+              <a:effectRef idx="0">
+                <a:schemeClr val="accent1"/>
+              </a:effectRef>
+              <a:fontRef idx="minor">
+                <a:schemeClr val="lt1"/>
+              </a:fontRef>
+            </p:style>
+            <p:txBody>
+              <a:bodyPr rtlCol="0" anchor="ctr"/>
+              <a:lstStyle/>
+              <a:p>
+                <a:pPr algn="ctr"/>
+                <a14:m>
+                  <m:oMathPara xmlns:m="http://schemas.openxmlformats.org/officeDocument/2006/math">
+                    <m:oMathParaPr>
+                      <m:jc m:val="centerGroup"/>
+                    </m:oMathParaPr>
+                    <m:oMath xmlns:m="http://schemas.openxmlformats.org/officeDocument/2006/math">
+                      <m:r>
+                        <a:rPr lang="en-US" sz="1600" b="0" i="1" smtClean="0">
+                          <a:solidFill>
+                            <a:schemeClr val="tx1"/>
+                          </a:solidFill>
+                          <a:latin typeface="Cambria Math" panose="02040503050406030204" pitchFamily="18" charset="0"/>
+                          <a:cs typeface="Calibri" panose="020F0502020204030204" pitchFamily="34" charset="0"/>
+                        </a:rPr>
+                        <m:t>𝐴</m:t>
+                      </m:r>
+                    </m:oMath>
+                  </m:oMathPara>
+                </a14:m>
+                <a:endParaRPr lang="en-US" sz="1600" dirty="0">
+                  <a:solidFill>
+                    <a:schemeClr val="tx1"/>
+                  </a:solidFill>
+                  <a:latin typeface="Calibri" panose="020F0502020204030204" pitchFamily="34" charset="0"/>
+                  <a:cs typeface="Calibri" panose="020F0502020204030204" pitchFamily="34" charset="0"/>
+                </a:endParaRPr>
+              </a:p>
+            </p:txBody>
+          </p:sp>
+        </mc:Choice>
+        <mc:Fallback>
+          <p:sp>
+            <p:nvSpPr>
+              <p:cNvPr id="7" name="Oval 6">
+                <a:extLst>
+                  <a:ext uri="{FF2B5EF4-FFF2-40B4-BE49-F238E27FC236}">
+                    <a16:creationId xmlns:a16="http://schemas.microsoft.com/office/drawing/2014/main" id="{07AF6BD5-8A1F-76A3-09A1-C16C0440BDB4}"/>
+                  </a:ext>
+                </a:extLst>
+              </p:cNvPr>
+              <p:cNvSpPr>
+                <a:spLocks noRot="1" noChangeAspect="1" noMove="1" noResize="1" noEditPoints="1" noAdjustHandles="1" noChangeArrowheads="1" noChangeShapeType="1" noTextEdit="1"/>
+              </p:cNvSpPr>
+              <p:nvPr/>
+            </p:nvSpPr>
+            <p:spPr>
+              <a:xfrm>
+                <a:off x="2125133" y="1041399"/>
+                <a:ext cx="389467" cy="389467"/>
+              </a:xfrm>
+              <a:prstGeom prst="ellipse">
+                <a:avLst/>
+              </a:prstGeom>
+              <a:blipFill>
+                <a:blip r:embed="rId2"/>
+                <a:stretch>
+                  <a:fillRect/>
+                </a:stretch>
+              </a:blipFill>
+              <a:ln>
+                <a:solidFill>
+                  <a:schemeClr val="tx1"/>
+                </a:solidFill>
+              </a:ln>
+            </p:spPr>
+            <p:txBody>
+              <a:bodyPr/>
+              <a:lstStyle/>
+              <a:p>
+                <a:r>
+                  <a:rPr lang="en-US">
+                    <a:noFill/>
+                  </a:rPr>
+                  <a:t> </a:t>
+                </a:r>
+              </a:p>
+            </p:txBody>
+          </p:sp>
+        </mc:Fallback>
+      </mc:AlternateContent>
+      <mc:AlternateContent xmlns:mc="http://schemas.openxmlformats.org/markup-compatibility/2006">
+        <mc:Choice xmlns:a14="http://schemas.microsoft.com/office/drawing/2010/main" Requires="a14">
+          <p:sp>
+            <p:nvSpPr>
+              <p:cNvPr id="8" name="Oval 7">
+                <a:extLst>
+                  <a:ext uri="{FF2B5EF4-FFF2-40B4-BE49-F238E27FC236}">
+                    <a16:creationId xmlns:a16="http://schemas.microsoft.com/office/drawing/2014/main" id="{955B0D00-39B8-FF18-E8D5-64C4AFD8A330}"/>
+                  </a:ext>
+                </a:extLst>
+              </p:cNvPr>
+              <p:cNvSpPr/>
+              <p:nvPr/>
+            </p:nvSpPr>
+            <p:spPr>
+              <a:xfrm>
+                <a:off x="3088104" y="1607609"/>
+                <a:ext cx="389467" cy="389467"/>
+              </a:xfrm>
+              <a:prstGeom prst="ellipse">
+                <a:avLst/>
+              </a:prstGeom>
+              <a:noFill/>
+              <a:ln>
+                <a:solidFill>
+                  <a:schemeClr val="tx1"/>
+                </a:solidFill>
+              </a:ln>
+            </p:spPr>
+            <p:style>
+              <a:lnRef idx="2">
+                <a:schemeClr val="accent1">
+                  <a:shade val="15000"/>
+                </a:schemeClr>
+              </a:lnRef>
+              <a:fillRef idx="1">
+                <a:schemeClr val="accent1"/>
+              </a:fillRef>
+              <a:effectRef idx="0">
+                <a:schemeClr val="accent1"/>
+              </a:effectRef>
+              <a:fontRef idx="minor">
+                <a:schemeClr val="lt1"/>
+              </a:fontRef>
+            </p:style>
+            <p:txBody>
+              <a:bodyPr rtlCol="0" anchor="ctr"/>
+              <a:lstStyle/>
+              <a:p>
+                <a:pPr algn="ctr"/>
+                <a14:m>
+                  <m:oMathPara xmlns:m="http://schemas.openxmlformats.org/officeDocument/2006/math">
+                    <m:oMathParaPr>
+                      <m:jc m:val="centerGroup"/>
+                    </m:oMathParaPr>
+                    <m:oMath xmlns:m="http://schemas.openxmlformats.org/officeDocument/2006/math">
+                      <m:r>
+                        <a:rPr lang="en-US" sz="1600" b="0" i="1" smtClean="0">
+                          <a:solidFill>
+                            <a:schemeClr val="tx1"/>
+                          </a:solidFill>
+                          <a:latin typeface="Cambria Math" panose="02040503050406030204" pitchFamily="18" charset="0"/>
+                          <a:cs typeface="Calibri" panose="020F0502020204030204" pitchFamily="34" charset="0"/>
+                        </a:rPr>
+                        <m:t>𝐵</m:t>
+                      </m:r>
+                    </m:oMath>
+                  </m:oMathPara>
+                </a14:m>
+                <a:endParaRPr lang="en-US" sz="1600" dirty="0">
+                  <a:solidFill>
+                    <a:schemeClr val="tx1"/>
+                  </a:solidFill>
+                  <a:latin typeface="Calibri" panose="020F0502020204030204" pitchFamily="34" charset="0"/>
+                  <a:cs typeface="Calibri" panose="020F0502020204030204" pitchFamily="34" charset="0"/>
+                </a:endParaRPr>
+              </a:p>
+            </p:txBody>
+          </p:sp>
+        </mc:Choice>
+        <mc:Fallback>
+          <p:sp>
+            <p:nvSpPr>
+              <p:cNvPr id="8" name="Oval 7">
+                <a:extLst>
+                  <a:ext uri="{FF2B5EF4-FFF2-40B4-BE49-F238E27FC236}">
+                    <a16:creationId xmlns:a16="http://schemas.microsoft.com/office/drawing/2014/main" id="{955B0D00-39B8-FF18-E8D5-64C4AFD8A330}"/>
+                  </a:ext>
+                </a:extLst>
+              </p:cNvPr>
+              <p:cNvSpPr>
+                <a:spLocks noRot="1" noChangeAspect="1" noMove="1" noResize="1" noEditPoints="1" noAdjustHandles="1" noChangeArrowheads="1" noChangeShapeType="1" noTextEdit="1"/>
+              </p:cNvSpPr>
+              <p:nvPr/>
+            </p:nvSpPr>
+            <p:spPr>
+              <a:xfrm>
+                <a:off x="3088104" y="1607609"/>
+                <a:ext cx="389467" cy="389467"/>
+              </a:xfrm>
+              <a:prstGeom prst="ellipse">
+                <a:avLst/>
+              </a:prstGeom>
+              <a:blipFill>
+                <a:blip r:embed="rId3"/>
+                <a:stretch>
+                  <a:fillRect/>
+                </a:stretch>
+              </a:blipFill>
+              <a:ln>
+                <a:solidFill>
+                  <a:schemeClr val="tx1"/>
+                </a:solidFill>
+              </a:ln>
+            </p:spPr>
+            <p:txBody>
+              <a:bodyPr/>
+              <a:lstStyle/>
+              <a:p>
+                <a:r>
+                  <a:rPr lang="en-US">
+                    <a:noFill/>
+                  </a:rPr>
+                  <a:t> </a:t>
+                </a:r>
+              </a:p>
+            </p:txBody>
+          </p:sp>
+        </mc:Fallback>
+      </mc:AlternateContent>
+      <mc:AlternateContent xmlns:mc="http://schemas.openxmlformats.org/markup-compatibility/2006">
+        <mc:Choice xmlns:a14="http://schemas.microsoft.com/office/drawing/2010/main" Requires="a14">
+          <p:sp>
+            <p:nvSpPr>
+              <p:cNvPr id="9" name="Oval 8">
+                <a:extLst>
+                  <a:ext uri="{FF2B5EF4-FFF2-40B4-BE49-F238E27FC236}">
+                    <a16:creationId xmlns:a16="http://schemas.microsoft.com/office/drawing/2014/main" id="{5984A824-FBB3-936C-3177-FE4AFA85A577}"/>
+                  </a:ext>
+                </a:extLst>
+              </p:cNvPr>
+              <p:cNvSpPr/>
+              <p:nvPr/>
+            </p:nvSpPr>
+            <p:spPr>
+              <a:xfrm>
+                <a:off x="4038601" y="1041399"/>
+                <a:ext cx="389467" cy="389467"/>
+              </a:xfrm>
+              <a:prstGeom prst="ellipse">
+                <a:avLst/>
+              </a:prstGeom>
+              <a:noFill/>
+              <a:ln>
+                <a:solidFill>
+                  <a:schemeClr val="tx1"/>
+                </a:solidFill>
+              </a:ln>
+            </p:spPr>
+            <p:style>
+              <a:lnRef idx="2">
+                <a:schemeClr val="accent1">
+                  <a:shade val="15000"/>
+                </a:schemeClr>
+              </a:lnRef>
+              <a:fillRef idx="1">
+                <a:schemeClr val="accent1"/>
+              </a:fillRef>
+              <a:effectRef idx="0">
+                <a:schemeClr val="accent1"/>
+              </a:effectRef>
+              <a:fontRef idx="minor">
+                <a:schemeClr val="lt1"/>
+              </a:fontRef>
+            </p:style>
+            <p:txBody>
+              <a:bodyPr rtlCol="0" anchor="ctr"/>
+              <a:lstStyle/>
+              <a:p>
+                <a:pPr algn="ctr"/>
+                <a14:m>
+                  <m:oMathPara xmlns:m="http://schemas.openxmlformats.org/officeDocument/2006/math">
+                    <m:oMathParaPr>
+                      <m:jc m:val="centerGroup"/>
+                    </m:oMathParaPr>
+                    <m:oMath xmlns:m="http://schemas.openxmlformats.org/officeDocument/2006/math">
+                      <m:r>
+                        <a:rPr lang="en-US" sz="1600" b="0" i="1" smtClean="0">
+                          <a:solidFill>
+                            <a:schemeClr val="tx1"/>
+                          </a:solidFill>
+                          <a:latin typeface="Cambria Math" panose="02040503050406030204" pitchFamily="18" charset="0"/>
+                          <a:cs typeface="Calibri" panose="020F0502020204030204" pitchFamily="34" charset="0"/>
+                        </a:rPr>
+                        <m:t>𝐶</m:t>
+                      </m:r>
+                    </m:oMath>
+                  </m:oMathPara>
+                </a14:m>
+                <a:endParaRPr lang="en-US" sz="1600" dirty="0">
+                  <a:solidFill>
+                    <a:schemeClr val="tx1"/>
+                  </a:solidFill>
+                  <a:latin typeface="Calibri" panose="020F0502020204030204" pitchFamily="34" charset="0"/>
+                  <a:cs typeface="Calibri" panose="020F0502020204030204" pitchFamily="34" charset="0"/>
+                </a:endParaRPr>
+              </a:p>
+            </p:txBody>
+          </p:sp>
+        </mc:Choice>
+        <mc:Fallback>
+          <p:sp>
+            <p:nvSpPr>
+              <p:cNvPr id="9" name="Oval 8">
+                <a:extLst>
+                  <a:ext uri="{FF2B5EF4-FFF2-40B4-BE49-F238E27FC236}">
+                    <a16:creationId xmlns:a16="http://schemas.microsoft.com/office/drawing/2014/main" id="{5984A824-FBB3-936C-3177-FE4AFA85A577}"/>
+                  </a:ext>
+                </a:extLst>
+              </p:cNvPr>
+              <p:cNvSpPr>
+                <a:spLocks noRot="1" noChangeAspect="1" noMove="1" noResize="1" noEditPoints="1" noAdjustHandles="1" noChangeArrowheads="1" noChangeShapeType="1" noTextEdit="1"/>
+              </p:cNvSpPr>
+              <p:nvPr/>
+            </p:nvSpPr>
+            <p:spPr>
+              <a:xfrm>
+                <a:off x="4038601" y="1041399"/>
+                <a:ext cx="389467" cy="389467"/>
+              </a:xfrm>
+              <a:prstGeom prst="ellipse">
+                <a:avLst/>
+              </a:prstGeom>
+              <a:blipFill>
+                <a:blip r:embed="rId4"/>
+                <a:stretch>
+                  <a:fillRect/>
+                </a:stretch>
+              </a:blipFill>
+              <a:ln>
+                <a:solidFill>
+                  <a:schemeClr val="tx1"/>
+                </a:solidFill>
+              </a:ln>
+            </p:spPr>
+            <p:txBody>
+              <a:bodyPr/>
+              <a:lstStyle/>
+              <a:p>
+                <a:r>
+                  <a:rPr lang="en-US">
+                    <a:noFill/>
+                  </a:rPr>
+                  <a:t> </a:t>
+                </a:r>
+              </a:p>
+            </p:txBody>
+          </p:sp>
+        </mc:Fallback>
+      </mc:AlternateContent>
+      <p:cxnSp>
+        <p:nvCxnSpPr>
+          <p:cNvPr id="11" name="Straight Arrow Connector 10">
+            <a:extLst>
+              <a:ext uri="{FF2B5EF4-FFF2-40B4-BE49-F238E27FC236}">
+                <a16:creationId xmlns:a16="http://schemas.microsoft.com/office/drawing/2014/main" id="{7956B39B-C857-8130-ADD5-357D783E2A0B}"/>
+              </a:ext>
+            </a:extLst>
+          </p:cNvPr>
+          <p:cNvCxnSpPr>
+            <a:cxnSpLocks/>
+            <a:stCxn id="9" idx="2"/>
+            <a:endCxn id="7" idx="6"/>
+          </p:cNvCxnSpPr>
+          <p:nvPr/>
+        </p:nvCxnSpPr>
+        <p:spPr>
+          <a:xfrm flipH="1">
+            <a:off x="2514600" y="1236133"/>
+            <a:ext cx="1524001" cy="0"/>
+          </a:xfrm>
+          <a:prstGeom prst="straightConnector1">
+            <a:avLst/>
+          </a:prstGeom>
+          <a:ln w="38100">
+            <a:solidFill>
+              <a:schemeClr val="tx1"/>
+            </a:solidFill>
+            <a:tailEnd type="triangle"/>
+          </a:ln>
+        </p:spPr>
+        <p:style>
+          <a:lnRef idx="1">
+            <a:schemeClr val="accent1"/>
+          </a:lnRef>
+          <a:fillRef idx="0">
+            <a:schemeClr val="accent1"/>
+          </a:fillRef>
+          <a:effectRef idx="0">
+            <a:schemeClr val="accent1"/>
+          </a:effectRef>
+          <a:fontRef idx="minor">
+            <a:schemeClr val="tx1"/>
+          </a:fontRef>
+        </p:style>
+      </p:cxnSp>
+      <p:cxnSp>
+        <p:nvCxnSpPr>
+          <p:cNvPr id="18" name="Straight Arrow Connector 17">
+            <a:extLst>
+              <a:ext uri="{FF2B5EF4-FFF2-40B4-BE49-F238E27FC236}">
+                <a16:creationId xmlns:a16="http://schemas.microsoft.com/office/drawing/2014/main" id="{7FE4FAC3-5C97-6DC3-6C3E-343FD740C2A7}"/>
+              </a:ext>
+            </a:extLst>
+          </p:cNvPr>
+          <p:cNvCxnSpPr>
+            <a:cxnSpLocks/>
+            <a:stCxn id="8" idx="1"/>
+            <a:endCxn id="7" idx="5"/>
+          </p:cNvCxnSpPr>
+          <p:nvPr/>
+        </p:nvCxnSpPr>
+        <p:spPr>
+          <a:xfrm flipH="1" flipV="1">
+            <a:off x="2457564" y="1373830"/>
+            <a:ext cx="687576" cy="290815"/>
+          </a:xfrm>
+          <a:prstGeom prst="straightConnector1">
+            <a:avLst/>
+          </a:prstGeom>
+          <a:ln w="38100">
+            <a:solidFill>
+              <a:schemeClr val="tx1"/>
+            </a:solidFill>
+            <a:tailEnd type="triangle"/>
+          </a:ln>
+        </p:spPr>
+        <p:style>
+          <a:lnRef idx="1">
+            <a:schemeClr val="accent1"/>
+          </a:lnRef>
+          <a:fillRef idx="0">
+            <a:schemeClr val="accent1"/>
+          </a:fillRef>
+          <a:effectRef idx="0">
+            <a:schemeClr val="accent1"/>
+          </a:effectRef>
+          <a:fontRef idx="minor">
+            <a:schemeClr val="tx1"/>
+          </a:fontRef>
+        </p:style>
+      </p:cxnSp>
+      <p:cxnSp>
+        <p:nvCxnSpPr>
+          <p:cNvPr id="21" name="Straight Arrow Connector 20">
+            <a:extLst>
+              <a:ext uri="{FF2B5EF4-FFF2-40B4-BE49-F238E27FC236}">
+                <a16:creationId xmlns:a16="http://schemas.microsoft.com/office/drawing/2014/main" id="{29751CB4-1454-7D70-0A1F-ECA771E4F85E}"/>
+              </a:ext>
+            </a:extLst>
+          </p:cNvPr>
+          <p:cNvCxnSpPr>
+            <a:cxnSpLocks/>
+            <a:endCxn id="8" idx="5"/>
+          </p:cNvCxnSpPr>
+          <p:nvPr/>
+        </p:nvCxnSpPr>
+        <p:spPr>
+          <a:xfrm flipH="1" flipV="1">
+            <a:off x="3420534" y="1940040"/>
+            <a:ext cx="411480" cy="411480"/>
+          </a:xfrm>
+          <a:prstGeom prst="straightConnector1">
+            <a:avLst/>
+          </a:prstGeom>
+          <a:ln w="38100">
+            <a:solidFill>
+              <a:schemeClr val="tx1"/>
+            </a:solidFill>
+            <a:tailEnd type="triangle"/>
+          </a:ln>
+        </p:spPr>
+        <p:style>
+          <a:lnRef idx="1">
+            <a:schemeClr val="accent1"/>
+          </a:lnRef>
+          <a:fillRef idx="0">
+            <a:schemeClr val="accent1"/>
+          </a:fillRef>
+          <a:effectRef idx="0">
+            <a:schemeClr val="accent1"/>
+          </a:effectRef>
+          <a:fontRef idx="minor">
+            <a:schemeClr val="tx1"/>
+          </a:fontRef>
+        </p:style>
+      </p:cxnSp>
+      <p:cxnSp>
+        <p:nvCxnSpPr>
+          <p:cNvPr id="23" name="Straight Arrow Connector 22">
+            <a:extLst>
+              <a:ext uri="{FF2B5EF4-FFF2-40B4-BE49-F238E27FC236}">
+                <a16:creationId xmlns:a16="http://schemas.microsoft.com/office/drawing/2014/main" id="{4143B252-3EC7-4A1E-4D80-24D4324F213E}"/>
+              </a:ext>
+            </a:extLst>
+          </p:cNvPr>
+          <p:cNvCxnSpPr>
+            <a:cxnSpLocks/>
+            <a:endCxn id="8" idx="3"/>
+          </p:cNvCxnSpPr>
+          <p:nvPr/>
+        </p:nvCxnSpPr>
+        <p:spPr>
+          <a:xfrm flipV="1">
+            <a:off x="2710490" y="1940040"/>
+            <a:ext cx="411480" cy="411480"/>
+          </a:xfrm>
+          <a:prstGeom prst="straightConnector1">
+            <a:avLst/>
+          </a:prstGeom>
+          <a:ln w="38100">
+            <a:solidFill>
+              <a:schemeClr val="tx1"/>
+            </a:solidFill>
+            <a:tailEnd type="triangle"/>
+          </a:ln>
+        </p:spPr>
+        <p:style>
+          <a:lnRef idx="1">
+            <a:schemeClr val="accent1"/>
+          </a:lnRef>
+          <a:fillRef idx="0">
+            <a:schemeClr val="accent1"/>
+          </a:fillRef>
+          <a:effectRef idx="0">
+            <a:schemeClr val="accent1"/>
+          </a:effectRef>
+          <a:fontRef idx="minor">
+            <a:schemeClr val="tx1"/>
+          </a:fontRef>
+        </p:style>
+      </p:cxnSp>
+      <p:cxnSp>
+        <p:nvCxnSpPr>
+          <p:cNvPr id="62" name="Straight Arrow Connector 61">
+            <a:extLst>
+              <a:ext uri="{FF2B5EF4-FFF2-40B4-BE49-F238E27FC236}">
+                <a16:creationId xmlns:a16="http://schemas.microsoft.com/office/drawing/2014/main" id="{35A32251-AA05-29B2-7FF1-A5CD5243E228}"/>
+              </a:ext>
+            </a:extLst>
+          </p:cNvPr>
+          <p:cNvCxnSpPr>
+            <a:cxnSpLocks/>
+            <a:endCxn id="7" idx="3"/>
+          </p:cNvCxnSpPr>
+          <p:nvPr/>
+        </p:nvCxnSpPr>
+        <p:spPr>
+          <a:xfrm flipV="1">
+            <a:off x="1878484" y="1373830"/>
+            <a:ext cx="303685" cy="382474"/>
+          </a:xfrm>
+          <a:prstGeom prst="straightConnector1">
+            <a:avLst/>
+          </a:prstGeom>
+          <a:ln w="38100">
+            <a:solidFill>
+              <a:schemeClr val="tx1"/>
+            </a:solidFill>
+            <a:tailEnd type="triangle"/>
+          </a:ln>
+        </p:spPr>
+        <p:style>
+          <a:lnRef idx="1">
+            <a:schemeClr val="accent1"/>
+          </a:lnRef>
+          <a:fillRef idx="0">
+            <a:schemeClr val="accent1"/>
+          </a:fillRef>
+          <a:effectRef idx="0">
+            <a:schemeClr val="accent1"/>
+          </a:effectRef>
+          <a:fontRef idx="minor">
+            <a:schemeClr val="tx1"/>
+          </a:fontRef>
+        </p:style>
+      </p:cxnSp>
+      <p:cxnSp>
+        <p:nvCxnSpPr>
+          <p:cNvPr id="65" name="Straight Arrow Connector 64">
+            <a:extLst>
+              <a:ext uri="{FF2B5EF4-FFF2-40B4-BE49-F238E27FC236}">
+                <a16:creationId xmlns:a16="http://schemas.microsoft.com/office/drawing/2014/main" id="{575BA2EC-FC3B-7306-5542-F173C7B8A88E}"/>
+              </a:ext>
+            </a:extLst>
+          </p:cNvPr>
+          <p:cNvCxnSpPr>
+            <a:cxnSpLocks/>
+            <a:endCxn id="7" idx="2"/>
+          </p:cNvCxnSpPr>
+          <p:nvPr/>
+        </p:nvCxnSpPr>
+        <p:spPr>
+          <a:xfrm>
+            <a:off x="1643648" y="1236132"/>
+            <a:ext cx="481485" cy="1"/>
+          </a:xfrm>
+          <a:prstGeom prst="straightConnector1">
+            <a:avLst/>
+          </a:prstGeom>
+          <a:ln w="38100">
+            <a:solidFill>
+              <a:schemeClr val="tx1"/>
+            </a:solidFill>
+            <a:tailEnd type="triangle"/>
+          </a:ln>
+        </p:spPr>
+        <p:style>
+          <a:lnRef idx="1">
+            <a:schemeClr val="accent1"/>
+          </a:lnRef>
+          <a:fillRef idx="0">
+            <a:schemeClr val="accent1"/>
+          </a:fillRef>
+          <a:effectRef idx="0">
+            <a:schemeClr val="accent1"/>
+          </a:effectRef>
+          <a:fontRef idx="minor">
+            <a:schemeClr val="tx1"/>
+          </a:fontRef>
+        </p:style>
+      </p:cxnSp>
+      <p:cxnSp>
+        <p:nvCxnSpPr>
+          <p:cNvPr id="70" name="Straight Arrow Connector 69">
+            <a:extLst>
+              <a:ext uri="{FF2B5EF4-FFF2-40B4-BE49-F238E27FC236}">
+                <a16:creationId xmlns:a16="http://schemas.microsoft.com/office/drawing/2014/main" id="{C2CED5C1-33E0-4693-1445-92CCFF37D087}"/>
+              </a:ext>
+            </a:extLst>
+          </p:cNvPr>
+          <p:cNvCxnSpPr>
+            <a:cxnSpLocks/>
+            <a:endCxn id="7" idx="1"/>
+          </p:cNvCxnSpPr>
+          <p:nvPr/>
+        </p:nvCxnSpPr>
+        <p:spPr>
+          <a:xfrm>
+            <a:off x="1746363" y="679121"/>
+            <a:ext cx="435806" cy="419314"/>
+          </a:xfrm>
+          <a:prstGeom prst="straightConnector1">
+            <a:avLst/>
+          </a:prstGeom>
+          <a:ln w="38100">
+            <a:solidFill>
+              <a:schemeClr val="tx1"/>
+            </a:solidFill>
+            <a:tailEnd type="triangle"/>
+          </a:ln>
+        </p:spPr>
+        <p:style>
+          <a:lnRef idx="1">
+            <a:schemeClr val="accent1"/>
+          </a:lnRef>
+          <a:fillRef idx="0">
+            <a:schemeClr val="accent1"/>
+          </a:fillRef>
+          <a:effectRef idx="0">
+            <a:schemeClr val="accent1"/>
+          </a:effectRef>
+          <a:fontRef idx="minor">
+            <a:schemeClr val="tx1"/>
+          </a:fontRef>
+        </p:style>
+      </p:cxnSp>
+      <p:cxnSp>
+        <p:nvCxnSpPr>
+          <p:cNvPr id="74" name="Straight Arrow Connector 73">
+            <a:extLst>
+              <a:ext uri="{FF2B5EF4-FFF2-40B4-BE49-F238E27FC236}">
+                <a16:creationId xmlns:a16="http://schemas.microsoft.com/office/drawing/2014/main" id="{4D145FAB-0338-1008-643C-E51986C39F79}"/>
+              </a:ext>
+            </a:extLst>
+          </p:cNvPr>
+          <p:cNvCxnSpPr>
+            <a:cxnSpLocks/>
+            <a:endCxn id="7" idx="7"/>
+          </p:cNvCxnSpPr>
+          <p:nvPr/>
+        </p:nvCxnSpPr>
+        <p:spPr>
+          <a:xfrm flipH="1">
+            <a:off x="2457564" y="778365"/>
+            <a:ext cx="378770" cy="320070"/>
+          </a:xfrm>
+          <a:prstGeom prst="straightConnector1">
+            <a:avLst/>
+          </a:prstGeom>
+          <a:ln w="38100">
+            <a:solidFill>
+              <a:schemeClr val="tx1"/>
+            </a:solidFill>
+            <a:tailEnd type="triangle"/>
+          </a:ln>
+        </p:spPr>
+        <p:style>
+          <a:lnRef idx="1">
+            <a:schemeClr val="accent1"/>
+          </a:lnRef>
+          <a:fillRef idx="0">
+            <a:schemeClr val="accent1"/>
+          </a:fillRef>
+          <a:effectRef idx="0">
+            <a:schemeClr val="accent1"/>
+          </a:effectRef>
+          <a:fontRef idx="minor">
+            <a:schemeClr val="tx1"/>
+          </a:fontRef>
+        </p:style>
+      </p:cxnSp>
+      <p:cxnSp>
+        <p:nvCxnSpPr>
+          <p:cNvPr id="78" name="Straight Arrow Connector 77">
+            <a:extLst>
+              <a:ext uri="{FF2B5EF4-FFF2-40B4-BE49-F238E27FC236}">
+                <a16:creationId xmlns:a16="http://schemas.microsoft.com/office/drawing/2014/main" id="{6ABA0C9A-E5EF-B564-E40D-5214B5DE11D5}"/>
+              </a:ext>
+            </a:extLst>
+          </p:cNvPr>
+          <p:cNvCxnSpPr>
+            <a:cxnSpLocks/>
+            <a:endCxn id="8" idx="2"/>
+          </p:cNvCxnSpPr>
+          <p:nvPr/>
+        </p:nvCxnSpPr>
+        <p:spPr>
+          <a:xfrm>
+            <a:off x="2571636" y="1799591"/>
+            <a:ext cx="516468" cy="2752"/>
+          </a:xfrm>
+          <a:prstGeom prst="straightConnector1">
+            <a:avLst/>
+          </a:prstGeom>
+          <a:ln w="38100">
+            <a:solidFill>
+              <a:schemeClr val="tx1"/>
+            </a:solidFill>
+            <a:tailEnd type="triangle"/>
+          </a:ln>
+        </p:spPr>
+        <p:style>
+          <a:lnRef idx="1">
+            <a:schemeClr val="accent1"/>
+          </a:lnRef>
+          <a:fillRef idx="0">
+            <a:schemeClr val="accent1"/>
+          </a:fillRef>
+          <a:effectRef idx="0">
+            <a:schemeClr val="accent1"/>
+          </a:effectRef>
+          <a:fontRef idx="minor">
+            <a:schemeClr val="tx1"/>
+          </a:fontRef>
+        </p:style>
+      </p:cxnSp>
+    </p:spTree>
+    <p:extLst>
+      <p:ext uri="{BB962C8B-B14F-4D97-AF65-F5344CB8AC3E}">
+        <p14:creationId xmlns:p14="http://schemas.microsoft.com/office/powerpoint/2010/main" val="897217106"/>
+      </p:ext>
+    </p:extLst>
+  </p:cSld>
+  <p:clrMapOvr>
+    <a:masterClrMapping/>
+  </p:clrMapOvr>
+</p:sld>
+</file>
+
+<file path=ppt/slides/slide4.xml><?xml version="1.0" encoding="utf-8"?>
+<p:sld xmlns:a="http://schemas.openxmlformats.org/drawingml/2006/main" xmlns:r="http://schemas.openxmlformats.org/officeDocument/2006/relationships" xmlns:p="http://schemas.openxmlformats.org/presentationml/2006/main">
+  <p:cSld>
+    <p:spTree>
+      <p:nvGrpSpPr>
+        <p:cNvPr id="1" name=""/>
+        <p:cNvGrpSpPr/>
+        <p:nvPr/>
+      </p:nvGrpSpPr>
+      <p:grpSpPr>
+        <a:xfrm>
+          <a:off x="0" y="0"/>
+          <a:ext cx="0" cy="0"/>
+          <a:chOff x="0" y="0"/>
+          <a:chExt cx="0" cy="0"/>
+        </a:xfrm>
+      </p:grpSpPr>
       <p:cxnSp>
         <p:nvCxnSpPr>
           <p:cNvPr id="5" name="Straight Connector 4">
@@ -6765,7 +12298,7 @@
 </p:sld>
 </file>
 
-<file path=ppt/slides/slide2.xml><?xml version="1.0" encoding="utf-8"?>
+<file path=ppt/slides/slide5.xml><?xml version="1.0" encoding="utf-8"?>
 <p:sld xmlns:a="http://schemas.openxmlformats.org/drawingml/2006/main" xmlns:r="http://schemas.openxmlformats.org/officeDocument/2006/relationships" xmlns:p="http://schemas.openxmlformats.org/presentationml/2006/main">
   <p:cSld>
     <p:spTree>
@@ -7789,7 +13322,7 @@
 </p:sld>
 </file>
 
-<file path=ppt/slides/slide3.xml><?xml version="1.0" encoding="utf-8"?>
+<file path=ppt/slides/slide6.xml><?xml version="1.0" encoding="utf-8"?>
 <p:sld xmlns:a="http://schemas.openxmlformats.org/drawingml/2006/main" xmlns:r="http://schemas.openxmlformats.org/officeDocument/2006/relationships" xmlns:p="http://schemas.openxmlformats.org/presentationml/2006/main">
   <p:cSld>
     <p:spTree>
@@ -9829,7 +15362,7 @@
 </p:sld>
 </file>
 
-<file path=ppt/slides/slide4.xml><?xml version="1.0" encoding="utf-8"?>
+<file path=ppt/slides/slide7.xml><?xml version="1.0" encoding="utf-8"?>
 <p:sld xmlns:a="http://schemas.openxmlformats.org/drawingml/2006/main" xmlns:r="http://schemas.openxmlformats.org/officeDocument/2006/relationships" xmlns:p="http://schemas.openxmlformats.org/presentationml/2006/main">
   <p:cSld>
     <p:spTree>
@@ -11859,7 +17392,7 @@
 </p:sld>
 </file>
 
-<file path=ppt/slides/slide5.xml><?xml version="1.0" encoding="utf-8"?>
+<file path=ppt/slides/slide8.xml><?xml version="1.0" encoding="utf-8"?>
 <p:sld xmlns:a="http://schemas.openxmlformats.org/drawingml/2006/main" xmlns:r="http://schemas.openxmlformats.org/officeDocument/2006/relationships" xmlns:p="http://schemas.openxmlformats.org/presentationml/2006/main">
   <p:cSld>
     <p:spTree>
@@ -15461,6 +20994,927 @@
     <p:extLst>
       <p:ext uri="{BB962C8B-B14F-4D97-AF65-F5344CB8AC3E}">
         <p14:creationId xmlns:p14="http://schemas.microsoft.com/office/powerpoint/2010/main" val="2685573059"/>
+      </p:ext>
+    </p:extLst>
+  </p:cSld>
+  <p:clrMapOvr>
+    <a:masterClrMapping/>
+  </p:clrMapOvr>
+</p:sld>
+</file>
+
+<file path=ppt/slides/slide9.xml><?xml version="1.0" encoding="utf-8"?>
+<p:sld xmlns:a="http://schemas.openxmlformats.org/drawingml/2006/main" xmlns:r="http://schemas.openxmlformats.org/officeDocument/2006/relationships" xmlns:p="http://schemas.openxmlformats.org/presentationml/2006/main">
+  <p:cSld>
+    <p:spTree>
+      <p:nvGrpSpPr>
+        <p:cNvPr id="1" name="">
+          <a:extLst>
+            <a:ext uri="{FF2B5EF4-FFF2-40B4-BE49-F238E27FC236}">
+              <a16:creationId xmlns:a16="http://schemas.microsoft.com/office/drawing/2014/main" id="{8CACD8BB-230A-F642-4088-800238E268FF}"/>
+            </a:ext>
+          </a:extLst>
+        </p:cNvPr>
+        <p:cNvGrpSpPr/>
+        <p:nvPr/>
+      </p:nvGrpSpPr>
+      <p:grpSpPr>
+        <a:xfrm>
+          <a:off x="0" y="0"/>
+          <a:ext cx="0" cy="0"/>
+          <a:chOff x="0" y="0"/>
+          <a:chExt cx="0" cy="0"/>
+        </a:xfrm>
+      </p:grpSpPr>
+      <p:sp>
+        <p:nvSpPr>
+          <p:cNvPr id="4" name="Rectangle 3">
+            <a:extLst>
+              <a:ext uri="{FF2B5EF4-FFF2-40B4-BE49-F238E27FC236}">
+                <a16:creationId xmlns:a16="http://schemas.microsoft.com/office/drawing/2014/main" id="{756AAF5D-D641-08AE-EAE9-812B4AA0E1BE}"/>
+              </a:ext>
+            </a:extLst>
+          </p:cNvPr>
+          <p:cNvSpPr/>
+          <p:nvPr/>
+        </p:nvSpPr>
+        <p:spPr>
+          <a:xfrm>
+            <a:off x="1168400" y="654141"/>
+            <a:ext cx="1024467" cy="2232991"/>
+          </a:xfrm>
+          <a:prstGeom prst="rect">
+            <a:avLst/>
+          </a:prstGeom>
+          <a:solidFill>
+            <a:srgbClr val="00B050">
+              <a:alpha val="32646"/>
+            </a:srgbClr>
+          </a:solidFill>
+          <a:ln>
+            <a:noFill/>
+          </a:ln>
+        </p:spPr>
+        <p:style>
+          <a:lnRef idx="2">
+            <a:schemeClr val="accent1">
+              <a:shade val="15000"/>
+            </a:schemeClr>
+          </a:lnRef>
+          <a:fillRef idx="1">
+            <a:schemeClr val="accent1"/>
+          </a:fillRef>
+          <a:effectRef idx="0">
+            <a:schemeClr val="accent1"/>
+          </a:effectRef>
+          <a:fontRef idx="minor">
+            <a:schemeClr val="lt1"/>
+          </a:fontRef>
+        </p:style>
+        <p:txBody>
+          <a:bodyPr rtlCol="0" anchor="ctr"/>
+          <a:lstStyle/>
+          <a:p>
+            <a:pPr algn="ctr"/>
+            <a:endParaRPr lang="en-US"/>
+          </a:p>
+        </p:txBody>
+      </p:sp>
+      <mc:AlternateContent xmlns:mc="http://schemas.openxmlformats.org/markup-compatibility/2006">
+        <mc:Choice xmlns:a14="http://schemas.microsoft.com/office/drawing/2010/main" Requires="a14">
+          <p:sp>
+            <p:nvSpPr>
+              <p:cNvPr id="10" name="TextBox 9">
+                <a:extLst>
+                  <a:ext uri="{FF2B5EF4-FFF2-40B4-BE49-F238E27FC236}">
+                    <a16:creationId xmlns:a16="http://schemas.microsoft.com/office/drawing/2014/main" id="{89993082-7215-9F70-8639-CC56E9CC605E}"/>
+                  </a:ext>
+                </a:extLst>
+              </p:cNvPr>
+              <p:cNvSpPr txBox="1"/>
+              <p:nvPr/>
+            </p:nvSpPr>
+            <p:spPr>
+              <a:xfrm>
+                <a:off x="1324379" y="2887131"/>
+                <a:ext cx="712503" cy="338554"/>
+              </a:xfrm>
+              <a:prstGeom prst="rect">
+                <a:avLst/>
+              </a:prstGeom>
+              <a:noFill/>
+            </p:spPr>
+            <p:txBody>
+              <a:bodyPr wrap="none" rtlCol="0">
+                <a:spAutoFit/>
+              </a:bodyPr>
+              <a:lstStyle/>
+              <a:p>
+                <a14:m>
+                  <m:oMathPara xmlns:m="http://schemas.openxmlformats.org/officeDocument/2006/math">
+                    <m:oMathParaPr>
+                      <m:jc m:val="centerGroup"/>
+                    </m:oMathParaPr>
+                    <m:oMath xmlns:m="http://schemas.openxmlformats.org/officeDocument/2006/math">
+                      <m:r>
+                        <a:rPr lang="en-US" sz="1600" b="0" i="1" smtClean="0">
+                          <a:latin typeface="Cambria Math" panose="02040503050406030204" pitchFamily="18" charset="0"/>
+                          <a:cs typeface="Calibri" panose="020F0502020204030204" pitchFamily="34" charset="0"/>
+                        </a:rPr>
+                        <m:t>𝑛</m:t>
+                      </m:r>
+                      <m:r>
+                        <a:rPr lang="en-US" sz="1600" b="0" i="1" smtClean="0">
+                          <a:latin typeface="Cambria Math" panose="02040503050406030204" pitchFamily="18" charset="0"/>
+                          <a:cs typeface="Calibri" panose="020F0502020204030204" pitchFamily="34" charset="0"/>
+                        </a:rPr>
+                        <m:t> × </m:t>
+                      </m:r>
+                      <m:r>
+                        <a:rPr lang="en-US" sz="1600" b="0" i="1" smtClean="0">
+                          <a:latin typeface="Cambria Math" panose="02040503050406030204" pitchFamily="18" charset="0"/>
+                          <a:cs typeface="Calibri" panose="020F0502020204030204" pitchFamily="34" charset="0"/>
+                        </a:rPr>
+                        <m:t>𝑑</m:t>
+                      </m:r>
+                    </m:oMath>
+                  </m:oMathPara>
+                </a14:m>
+                <a:endParaRPr lang="en-US" sz="1600" dirty="0">
+                  <a:latin typeface="Calibri" panose="020F0502020204030204" pitchFamily="34" charset="0"/>
+                  <a:cs typeface="Calibri" panose="020F0502020204030204" pitchFamily="34" charset="0"/>
+                </a:endParaRPr>
+              </a:p>
+            </p:txBody>
+          </p:sp>
+        </mc:Choice>
+        <mc:Fallback>
+          <p:sp>
+            <p:nvSpPr>
+              <p:cNvPr id="10" name="TextBox 9">
+                <a:extLst>
+                  <a:ext uri="{FF2B5EF4-FFF2-40B4-BE49-F238E27FC236}">
+                    <a16:creationId xmlns:a16="http://schemas.microsoft.com/office/drawing/2014/main" id="{89993082-7215-9F70-8639-CC56E9CC605E}"/>
+                  </a:ext>
+                </a:extLst>
+              </p:cNvPr>
+              <p:cNvSpPr txBox="1">
+                <a:spLocks noRot="1" noChangeAspect="1" noMove="1" noResize="1" noEditPoints="1" noAdjustHandles="1" noChangeArrowheads="1" noChangeShapeType="1" noTextEdit="1"/>
+              </p:cNvSpPr>
+              <p:nvPr/>
+            </p:nvSpPr>
+            <p:spPr>
+              <a:xfrm>
+                <a:off x="1324379" y="2887131"/>
+                <a:ext cx="712503" cy="338554"/>
+              </a:xfrm>
+              <a:prstGeom prst="rect">
+                <a:avLst/>
+              </a:prstGeom>
+              <a:blipFill>
+                <a:blip r:embed="rId2"/>
+                <a:stretch>
+                  <a:fillRect b="-14815"/>
+                </a:stretch>
+              </a:blipFill>
+            </p:spPr>
+            <p:txBody>
+              <a:bodyPr/>
+              <a:lstStyle/>
+              <a:p>
+                <a:r>
+                  <a:rPr lang="en-US">
+                    <a:noFill/>
+                  </a:rPr>
+                  <a:t> </a:t>
+                </a:r>
+              </a:p>
+            </p:txBody>
+          </p:sp>
+        </mc:Fallback>
+      </mc:AlternateContent>
+      <p:sp>
+        <p:nvSpPr>
+          <p:cNvPr id="2" name="Rectangle 1">
+            <a:extLst>
+              <a:ext uri="{FF2B5EF4-FFF2-40B4-BE49-F238E27FC236}">
+                <a16:creationId xmlns:a16="http://schemas.microsoft.com/office/drawing/2014/main" id="{DC15BEFC-5322-05EE-3876-552FAEA95284}"/>
+              </a:ext>
+            </a:extLst>
+          </p:cNvPr>
+          <p:cNvSpPr/>
+          <p:nvPr/>
+        </p:nvSpPr>
+        <p:spPr>
+          <a:xfrm>
+            <a:off x="2925233" y="654140"/>
+            <a:ext cx="3293534" cy="2232991"/>
+          </a:xfrm>
+          <a:prstGeom prst="rect">
+            <a:avLst/>
+          </a:prstGeom>
+          <a:solidFill>
+            <a:srgbClr val="008080">
+              <a:alpha val="33000"/>
+            </a:srgbClr>
+          </a:solidFill>
+          <a:ln>
+            <a:noFill/>
+          </a:ln>
+        </p:spPr>
+        <p:style>
+          <a:lnRef idx="2">
+            <a:schemeClr val="accent1">
+              <a:shade val="15000"/>
+            </a:schemeClr>
+          </a:lnRef>
+          <a:fillRef idx="1">
+            <a:schemeClr val="accent1"/>
+          </a:fillRef>
+          <a:effectRef idx="0">
+            <a:schemeClr val="accent1"/>
+          </a:effectRef>
+          <a:fontRef idx="minor">
+            <a:schemeClr val="lt1"/>
+          </a:fontRef>
+        </p:style>
+        <p:txBody>
+          <a:bodyPr rtlCol="0" anchor="ctr"/>
+          <a:lstStyle/>
+          <a:p>
+            <a:pPr algn="ctr"/>
+            <a:endParaRPr lang="en-US"/>
+          </a:p>
+        </p:txBody>
+      </p:sp>
+      <mc:AlternateContent xmlns:mc="http://schemas.openxmlformats.org/markup-compatibility/2006">
+        <mc:Choice xmlns:a14="http://schemas.microsoft.com/office/drawing/2010/main" Requires="a14">
+          <p:sp>
+            <p:nvSpPr>
+              <p:cNvPr id="3" name="TextBox 2">
+                <a:extLst>
+                  <a:ext uri="{FF2B5EF4-FFF2-40B4-BE49-F238E27FC236}">
+                    <a16:creationId xmlns:a16="http://schemas.microsoft.com/office/drawing/2014/main" id="{1702A550-D671-C00B-9B43-DF3BB41A072B}"/>
+                  </a:ext>
+                </a:extLst>
+              </p:cNvPr>
+              <p:cNvSpPr txBox="1"/>
+              <p:nvPr/>
+            </p:nvSpPr>
+            <p:spPr>
+              <a:xfrm>
+                <a:off x="1409147" y="1073272"/>
+                <a:ext cx="542969" cy="348813"/>
+              </a:xfrm>
+              <a:prstGeom prst="rect">
+                <a:avLst/>
+              </a:prstGeom>
+              <a:noFill/>
+            </p:spPr>
+            <p:txBody>
+              <a:bodyPr wrap="none" rtlCol="0">
+                <a:spAutoFit/>
+              </a:bodyPr>
+              <a:lstStyle/>
+              <a:p>
+                <a14:m>
+                  <m:oMathPara xmlns:m="http://schemas.openxmlformats.org/officeDocument/2006/math">
+                    <m:oMathParaPr>
+                      <m:jc m:val="centerGroup"/>
+                    </m:oMathParaPr>
+                    <m:oMath xmlns:m="http://schemas.openxmlformats.org/officeDocument/2006/math">
+                      <m:sSup>
+                        <m:sSupPr>
+                          <m:ctrlPr>
+                            <a:rPr lang="en-US" sz="1600" b="0" i="1" smtClean="0">
+                              <a:latin typeface="Cambria Math" panose="02040503050406030204" pitchFamily="18" charset="0"/>
+                              <a:cs typeface="Calibri" panose="020F0502020204030204" pitchFamily="34" charset="0"/>
+                            </a:rPr>
+                          </m:ctrlPr>
+                        </m:sSupPr>
+                        <m:e>
+                          <m:r>
+                            <a:rPr lang="en-US" sz="1600" b="1" i="1" smtClean="0">
+                              <a:latin typeface="Cambria Math" panose="02040503050406030204" pitchFamily="18" charset="0"/>
+                              <a:cs typeface="Calibri" panose="020F0502020204030204" pitchFamily="34" charset="0"/>
+                            </a:rPr>
+                            <m:t>𝒙</m:t>
+                          </m:r>
+                        </m:e>
+                        <m:sup>
+                          <m:r>
+                            <a:rPr lang="en-US" sz="1600" b="0" i="1" smtClean="0">
+                              <a:latin typeface="Cambria Math" panose="02040503050406030204" pitchFamily="18" charset="0"/>
+                              <a:cs typeface="Calibri" panose="020F0502020204030204" pitchFamily="34" charset="0"/>
+                            </a:rPr>
+                            <m:t>(</m:t>
+                          </m:r>
+                          <m:r>
+                            <a:rPr lang="en-US" sz="1600" b="0" i="1" smtClean="0">
+                              <a:latin typeface="Cambria Math" panose="02040503050406030204" pitchFamily="18" charset="0"/>
+                              <a:cs typeface="Calibri" panose="020F0502020204030204" pitchFamily="34" charset="0"/>
+                            </a:rPr>
+                            <m:t>𝑖</m:t>
+                          </m:r>
+                          <m:r>
+                            <a:rPr lang="en-US" sz="1600" b="0" i="1" smtClean="0">
+                              <a:latin typeface="Cambria Math" panose="02040503050406030204" pitchFamily="18" charset="0"/>
+                              <a:cs typeface="Calibri" panose="020F0502020204030204" pitchFamily="34" charset="0"/>
+                            </a:rPr>
+                            <m:t>)</m:t>
+                          </m:r>
+                        </m:sup>
+                      </m:sSup>
+                    </m:oMath>
+                  </m:oMathPara>
+                </a14:m>
+                <a:endParaRPr lang="en-US" sz="1600" dirty="0">
+                  <a:latin typeface="Calibri" panose="020F0502020204030204" pitchFamily="34" charset="0"/>
+                  <a:cs typeface="Calibri" panose="020F0502020204030204" pitchFamily="34" charset="0"/>
+                </a:endParaRPr>
+              </a:p>
+            </p:txBody>
+          </p:sp>
+        </mc:Choice>
+        <mc:Fallback>
+          <p:sp>
+            <p:nvSpPr>
+              <p:cNvPr id="3" name="TextBox 2">
+                <a:extLst>
+                  <a:ext uri="{FF2B5EF4-FFF2-40B4-BE49-F238E27FC236}">
+                    <a16:creationId xmlns:a16="http://schemas.microsoft.com/office/drawing/2014/main" id="{1702A550-D671-C00B-9B43-DF3BB41A072B}"/>
+                  </a:ext>
+                </a:extLst>
+              </p:cNvPr>
+              <p:cNvSpPr txBox="1">
+                <a:spLocks noRot="1" noChangeAspect="1" noMove="1" noResize="1" noEditPoints="1" noAdjustHandles="1" noChangeArrowheads="1" noChangeShapeType="1" noTextEdit="1"/>
+              </p:cNvSpPr>
+              <p:nvPr/>
+            </p:nvSpPr>
+            <p:spPr>
+              <a:xfrm>
+                <a:off x="1409147" y="1073272"/>
+                <a:ext cx="542969" cy="348813"/>
+              </a:xfrm>
+              <a:prstGeom prst="rect">
+                <a:avLst/>
+              </a:prstGeom>
+              <a:blipFill>
+                <a:blip r:embed="rId3"/>
+                <a:stretch>
+                  <a:fillRect/>
+                </a:stretch>
+              </a:blipFill>
+            </p:spPr>
+            <p:txBody>
+              <a:bodyPr/>
+              <a:lstStyle/>
+              <a:p>
+                <a:r>
+                  <a:rPr lang="en-US">
+                    <a:noFill/>
+                  </a:rPr>
+                  <a:t> </a:t>
+                </a:r>
+              </a:p>
+            </p:txBody>
+          </p:sp>
+        </mc:Fallback>
+      </mc:AlternateContent>
+      <p:cxnSp>
+        <p:nvCxnSpPr>
+          <p:cNvPr id="17" name="Straight Connector 16">
+            <a:extLst>
+              <a:ext uri="{FF2B5EF4-FFF2-40B4-BE49-F238E27FC236}">
+                <a16:creationId xmlns:a16="http://schemas.microsoft.com/office/drawing/2014/main" id="{5B029E54-455E-8B11-555F-09045585EA0D}"/>
+              </a:ext>
+            </a:extLst>
+          </p:cNvPr>
+          <p:cNvCxnSpPr>
+            <a:cxnSpLocks/>
+          </p:cNvCxnSpPr>
+          <p:nvPr/>
+        </p:nvCxnSpPr>
+        <p:spPr>
+          <a:xfrm>
+            <a:off x="1869589" y="1265756"/>
+            <a:ext cx="137160" cy="0"/>
+          </a:xfrm>
+          <a:prstGeom prst="line">
+            <a:avLst/>
+          </a:prstGeom>
+          <a:ln w="19050">
+            <a:solidFill>
+              <a:schemeClr val="tx1"/>
+            </a:solidFill>
+          </a:ln>
+        </p:spPr>
+        <p:style>
+          <a:lnRef idx="1">
+            <a:schemeClr val="accent1"/>
+          </a:lnRef>
+          <a:fillRef idx="0">
+            <a:schemeClr val="accent1"/>
+          </a:fillRef>
+          <a:effectRef idx="0">
+            <a:schemeClr val="accent1"/>
+          </a:effectRef>
+          <a:fontRef idx="minor">
+            <a:schemeClr val="tx1"/>
+          </a:fontRef>
+        </p:style>
+      </p:cxnSp>
+      <p:cxnSp>
+        <p:nvCxnSpPr>
+          <p:cNvPr id="23" name="Straight Connector 22">
+            <a:extLst>
+              <a:ext uri="{FF2B5EF4-FFF2-40B4-BE49-F238E27FC236}">
+                <a16:creationId xmlns:a16="http://schemas.microsoft.com/office/drawing/2014/main" id="{06E7E44F-1399-1B07-275C-011D6E085133}"/>
+              </a:ext>
+            </a:extLst>
+          </p:cNvPr>
+          <p:cNvCxnSpPr>
+            <a:cxnSpLocks/>
+          </p:cNvCxnSpPr>
+          <p:nvPr/>
+        </p:nvCxnSpPr>
+        <p:spPr>
+          <a:xfrm>
+            <a:off x="1268124" y="1265756"/>
+            <a:ext cx="137160" cy="0"/>
+          </a:xfrm>
+          <a:prstGeom prst="line">
+            <a:avLst/>
+          </a:prstGeom>
+          <a:ln w="19050">
+            <a:solidFill>
+              <a:schemeClr val="tx1"/>
+            </a:solidFill>
+          </a:ln>
+        </p:spPr>
+        <p:style>
+          <a:lnRef idx="1">
+            <a:schemeClr val="accent1"/>
+          </a:lnRef>
+          <a:fillRef idx="0">
+            <a:schemeClr val="accent1"/>
+          </a:fillRef>
+          <a:effectRef idx="0">
+            <a:schemeClr val="accent1"/>
+          </a:effectRef>
+          <a:fontRef idx="minor">
+            <a:schemeClr val="tx1"/>
+          </a:fontRef>
+        </p:style>
+      </p:cxnSp>
+      <mc:AlternateContent xmlns:mc="http://schemas.openxmlformats.org/markup-compatibility/2006">
+        <mc:Choice xmlns:a14="http://schemas.microsoft.com/office/drawing/2010/main" Requires="a14">
+          <p:sp>
+            <p:nvSpPr>
+              <p:cNvPr id="26" name="TextBox 25">
+                <a:extLst>
+                  <a:ext uri="{FF2B5EF4-FFF2-40B4-BE49-F238E27FC236}">
+                    <a16:creationId xmlns:a16="http://schemas.microsoft.com/office/drawing/2014/main" id="{2F88ECF4-6CE3-4B94-115D-8524BBAD0244}"/>
+                  </a:ext>
+                </a:extLst>
+              </p:cNvPr>
+              <p:cNvSpPr txBox="1"/>
+              <p:nvPr/>
+            </p:nvSpPr>
+            <p:spPr>
+              <a:xfrm>
+                <a:off x="4190806" y="2887131"/>
+                <a:ext cx="762388" cy="338554"/>
+              </a:xfrm>
+              <a:prstGeom prst="rect">
+                <a:avLst/>
+              </a:prstGeom>
+              <a:noFill/>
+            </p:spPr>
+            <p:txBody>
+              <a:bodyPr wrap="none" rtlCol="0">
+                <a:spAutoFit/>
+              </a:bodyPr>
+              <a:lstStyle/>
+              <a:p>
+                <a14:m>
+                  <m:oMathPara xmlns:m="http://schemas.openxmlformats.org/officeDocument/2006/math">
+                    <m:oMathParaPr>
+                      <m:jc m:val="centerGroup"/>
+                    </m:oMathParaPr>
+                    <m:oMath xmlns:m="http://schemas.openxmlformats.org/officeDocument/2006/math">
+                      <m:r>
+                        <a:rPr lang="en-US" sz="1600" b="0" i="1" smtClean="0">
+                          <a:latin typeface="Cambria Math" panose="02040503050406030204" pitchFamily="18" charset="0"/>
+                          <a:cs typeface="Calibri" panose="020F0502020204030204" pitchFamily="34" charset="0"/>
+                        </a:rPr>
+                        <m:t>𝑛</m:t>
+                      </m:r>
+                      <m:r>
+                        <a:rPr lang="en-US" sz="1600" b="0" i="1" smtClean="0">
+                          <a:latin typeface="Cambria Math" panose="02040503050406030204" pitchFamily="18" charset="0"/>
+                          <a:cs typeface="Calibri" panose="020F0502020204030204" pitchFamily="34" charset="0"/>
+                        </a:rPr>
+                        <m:t> × </m:t>
+                      </m:r>
+                      <m:r>
+                        <a:rPr lang="en-US" sz="1600" b="0" i="1" smtClean="0">
+                          <a:latin typeface="Cambria Math" panose="02040503050406030204" pitchFamily="18" charset="0"/>
+                          <a:cs typeface="Calibri" panose="020F0502020204030204" pitchFamily="34" charset="0"/>
+                        </a:rPr>
+                        <m:t>𝑚</m:t>
+                      </m:r>
+                    </m:oMath>
+                  </m:oMathPara>
+                </a14:m>
+                <a:endParaRPr lang="en-US" sz="1600" dirty="0">
+                  <a:latin typeface="Calibri" panose="020F0502020204030204" pitchFamily="34" charset="0"/>
+                  <a:cs typeface="Calibri" panose="020F0502020204030204" pitchFamily="34" charset="0"/>
+                </a:endParaRPr>
+              </a:p>
+            </p:txBody>
+          </p:sp>
+        </mc:Choice>
+        <mc:Fallback>
+          <p:sp>
+            <p:nvSpPr>
+              <p:cNvPr id="26" name="TextBox 25">
+                <a:extLst>
+                  <a:ext uri="{FF2B5EF4-FFF2-40B4-BE49-F238E27FC236}">
+                    <a16:creationId xmlns:a16="http://schemas.microsoft.com/office/drawing/2014/main" id="{2F88ECF4-6CE3-4B94-115D-8524BBAD0244}"/>
+                  </a:ext>
+                </a:extLst>
+              </p:cNvPr>
+              <p:cNvSpPr txBox="1">
+                <a:spLocks noRot="1" noChangeAspect="1" noMove="1" noResize="1" noEditPoints="1" noAdjustHandles="1" noChangeArrowheads="1" noChangeShapeType="1" noTextEdit="1"/>
+              </p:cNvSpPr>
+              <p:nvPr/>
+            </p:nvSpPr>
+            <p:spPr>
+              <a:xfrm>
+                <a:off x="4190806" y="2887131"/>
+                <a:ext cx="762388" cy="338554"/>
+              </a:xfrm>
+              <a:prstGeom prst="rect">
+                <a:avLst/>
+              </a:prstGeom>
+              <a:blipFill>
+                <a:blip r:embed="rId4"/>
+                <a:stretch>
+                  <a:fillRect b="-14815"/>
+                </a:stretch>
+              </a:blipFill>
+            </p:spPr>
+            <p:txBody>
+              <a:bodyPr/>
+              <a:lstStyle/>
+              <a:p>
+                <a:r>
+                  <a:rPr lang="en-US">
+                    <a:noFill/>
+                  </a:rPr>
+                  <a:t> </a:t>
+                </a:r>
+              </a:p>
+            </p:txBody>
+          </p:sp>
+        </mc:Fallback>
+      </mc:AlternateContent>
+      <mc:AlternateContent xmlns:mc="http://schemas.openxmlformats.org/markup-compatibility/2006">
+        <mc:Choice xmlns:a14="http://schemas.microsoft.com/office/drawing/2010/main" Requires="a14">
+          <p:sp>
+            <p:nvSpPr>
+              <p:cNvPr id="27" name="TextBox 26">
+                <a:extLst>
+                  <a:ext uri="{FF2B5EF4-FFF2-40B4-BE49-F238E27FC236}">
+                    <a16:creationId xmlns:a16="http://schemas.microsoft.com/office/drawing/2014/main" id="{971ECF37-FF7A-1809-8D15-84F732C01743}"/>
+                  </a:ext>
+                </a:extLst>
+              </p:cNvPr>
+              <p:cNvSpPr txBox="1"/>
+              <p:nvPr/>
+            </p:nvSpPr>
+            <p:spPr>
+              <a:xfrm>
+                <a:off x="4180290" y="1085960"/>
+                <a:ext cx="783420" cy="348813"/>
+              </a:xfrm>
+              <a:prstGeom prst="rect">
+                <a:avLst/>
+              </a:prstGeom>
+              <a:noFill/>
+            </p:spPr>
+            <p:txBody>
+              <a:bodyPr wrap="none" rtlCol="0">
+                <a:spAutoFit/>
+              </a:bodyPr>
+              <a:lstStyle/>
+              <a:p>
+                <a14:m>
+                  <m:oMath xmlns:m="http://schemas.openxmlformats.org/officeDocument/2006/math">
+                    <m:sSup>
+                      <m:sSupPr>
+                        <m:ctrlPr>
+                          <a:rPr lang="en-US" sz="1600" b="0" i="1" smtClean="0">
+                            <a:latin typeface="Cambria Math" panose="02040503050406030204" pitchFamily="18" charset="0"/>
+                            <a:cs typeface="Calibri" panose="020F0502020204030204" pitchFamily="34" charset="0"/>
+                          </a:rPr>
+                        </m:ctrlPr>
+                      </m:sSupPr>
+                      <m:e>
+                        <m:r>
+                          <a:rPr lang="en-US" sz="1600" b="0" i="1" smtClean="0">
+                            <a:latin typeface="Cambria Math" panose="02040503050406030204" pitchFamily="18" charset="0"/>
+                            <a:cs typeface="Calibri" panose="020F0502020204030204" pitchFamily="34" charset="0"/>
+                          </a:rPr>
+                          <m:t>𝜙</m:t>
+                        </m:r>
+                        <m:r>
+                          <a:rPr lang="en-US" sz="1600" b="0" i="1" smtClean="0">
+                            <a:latin typeface="Cambria Math" panose="02040503050406030204" pitchFamily="18" charset="0"/>
+                            <a:cs typeface="Calibri" panose="020F0502020204030204" pitchFamily="34" charset="0"/>
+                          </a:rPr>
+                          <m:t>(</m:t>
+                        </m:r>
+                        <m:r>
+                          <a:rPr lang="en-US" sz="1600" b="1" i="1" smtClean="0">
+                            <a:latin typeface="Cambria Math" panose="02040503050406030204" pitchFamily="18" charset="0"/>
+                            <a:cs typeface="Calibri" panose="020F0502020204030204" pitchFamily="34" charset="0"/>
+                          </a:rPr>
+                          <m:t>𝒙</m:t>
+                        </m:r>
+                      </m:e>
+                      <m:sup>
+                        <m:r>
+                          <a:rPr lang="en-US" sz="1600" b="0" i="1" smtClean="0">
+                            <a:latin typeface="Cambria Math" panose="02040503050406030204" pitchFamily="18" charset="0"/>
+                            <a:cs typeface="Calibri" panose="020F0502020204030204" pitchFamily="34" charset="0"/>
+                          </a:rPr>
+                          <m:t>(</m:t>
+                        </m:r>
+                        <m:r>
+                          <a:rPr lang="en-US" sz="1600" b="0" i="1" smtClean="0">
+                            <a:latin typeface="Cambria Math" panose="02040503050406030204" pitchFamily="18" charset="0"/>
+                            <a:cs typeface="Calibri" panose="020F0502020204030204" pitchFamily="34" charset="0"/>
+                          </a:rPr>
+                          <m:t>𝑖</m:t>
+                        </m:r>
+                        <m:r>
+                          <a:rPr lang="en-US" sz="1600" b="0" i="1" smtClean="0">
+                            <a:latin typeface="Cambria Math" panose="02040503050406030204" pitchFamily="18" charset="0"/>
+                            <a:cs typeface="Calibri" panose="020F0502020204030204" pitchFamily="34" charset="0"/>
+                          </a:rPr>
+                          <m:t>)</m:t>
+                        </m:r>
+                      </m:sup>
+                    </m:sSup>
+                  </m:oMath>
+                </a14:m>
+                <a:r>
+                  <a:rPr lang="en-US" sz="1600" dirty="0">
+                    <a:latin typeface="Calibri" panose="020F0502020204030204" pitchFamily="34" charset="0"/>
+                    <a:cs typeface="Calibri" panose="020F0502020204030204" pitchFamily="34" charset="0"/>
+                  </a:rPr>
+                  <a:t>)</a:t>
+                </a:r>
+              </a:p>
+            </p:txBody>
+          </p:sp>
+        </mc:Choice>
+        <mc:Fallback>
+          <p:sp>
+            <p:nvSpPr>
+              <p:cNvPr id="27" name="TextBox 26">
+                <a:extLst>
+                  <a:ext uri="{FF2B5EF4-FFF2-40B4-BE49-F238E27FC236}">
+                    <a16:creationId xmlns:a16="http://schemas.microsoft.com/office/drawing/2014/main" id="{971ECF37-FF7A-1809-8D15-84F732C01743}"/>
+                  </a:ext>
+                </a:extLst>
+              </p:cNvPr>
+              <p:cNvSpPr txBox="1">
+                <a:spLocks noRot="1" noChangeAspect="1" noMove="1" noResize="1" noEditPoints="1" noAdjustHandles="1" noChangeArrowheads="1" noChangeShapeType="1" noTextEdit="1"/>
+              </p:cNvSpPr>
+              <p:nvPr/>
+            </p:nvSpPr>
+            <p:spPr>
+              <a:xfrm>
+                <a:off x="4180290" y="1085960"/>
+                <a:ext cx="783420" cy="348813"/>
+              </a:xfrm>
+              <a:prstGeom prst="rect">
+                <a:avLst/>
+              </a:prstGeom>
+              <a:blipFill>
+                <a:blip r:embed="rId5"/>
+                <a:stretch>
+                  <a:fillRect t="-3571" r="-4839" b="-25000"/>
+                </a:stretch>
+              </a:blipFill>
+            </p:spPr>
+            <p:txBody>
+              <a:bodyPr/>
+              <a:lstStyle/>
+              <a:p>
+                <a:r>
+                  <a:rPr lang="en-US">
+                    <a:noFill/>
+                  </a:rPr>
+                  <a:t> </a:t>
+                </a:r>
+              </a:p>
+            </p:txBody>
+          </p:sp>
+        </mc:Fallback>
+      </mc:AlternateContent>
+      <p:cxnSp>
+        <p:nvCxnSpPr>
+          <p:cNvPr id="32" name="Straight Connector 31">
+            <a:extLst>
+              <a:ext uri="{FF2B5EF4-FFF2-40B4-BE49-F238E27FC236}">
+                <a16:creationId xmlns:a16="http://schemas.microsoft.com/office/drawing/2014/main" id="{CEB6026A-E6BF-2D32-8D2B-907A9222AEEE}"/>
+              </a:ext>
+            </a:extLst>
+          </p:cNvPr>
+          <p:cNvCxnSpPr>
+            <a:cxnSpLocks/>
+          </p:cNvCxnSpPr>
+          <p:nvPr/>
+        </p:nvCxnSpPr>
+        <p:spPr>
+          <a:xfrm>
+            <a:off x="5061441" y="1260367"/>
+            <a:ext cx="914400" cy="0"/>
+          </a:xfrm>
+          <a:prstGeom prst="line">
+            <a:avLst/>
+          </a:prstGeom>
+          <a:ln w="19050">
+            <a:solidFill>
+              <a:schemeClr val="tx1"/>
+            </a:solidFill>
+          </a:ln>
+        </p:spPr>
+        <p:style>
+          <a:lnRef idx="1">
+            <a:schemeClr val="accent1"/>
+          </a:lnRef>
+          <a:fillRef idx="0">
+            <a:schemeClr val="accent1"/>
+          </a:fillRef>
+          <a:effectRef idx="0">
+            <a:schemeClr val="accent1"/>
+          </a:effectRef>
+          <a:fontRef idx="minor">
+            <a:schemeClr val="tx1"/>
+          </a:fontRef>
+        </p:style>
+      </p:cxnSp>
+      <p:cxnSp>
+        <p:nvCxnSpPr>
+          <p:cNvPr id="33" name="Straight Connector 32">
+            <a:extLst>
+              <a:ext uri="{FF2B5EF4-FFF2-40B4-BE49-F238E27FC236}">
+                <a16:creationId xmlns:a16="http://schemas.microsoft.com/office/drawing/2014/main" id="{21BBF874-91F6-79BD-9BC6-A85961DD6A49}"/>
+              </a:ext>
+            </a:extLst>
+          </p:cNvPr>
+          <p:cNvCxnSpPr>
+            <a:cxnSpLocks/>
+          </p:cNvCxnSpPr>
+          <p:nvPr/>
+        </p:nvCxnSpPr>
+        <p:spPr>
+          <a:xfrm>
+            <a:off x="3189208" y="1260367"/>
+            <a:ext cx="914400" cy="0"/>
+          </a:xfrm>
+          <a:prstGeom prst="line">
+            <a:avLst/>
+          </a:prstGeom>
+          <a:ln w="19050">
+            <a:solidFill>
+              <a:schemeClr val="tx1"/>
+            </a:solidFill>
+          </a:ln>
+        </p:spPr>
+        <p:style>
+          <a:lnRef idx="1">
+            <a:schemeClr val="accent1"/>
+          </a:lnRef>
+          <a:fillRef idx="0">
+            <a:schemeClr val="accent1"/>
+          </a:fillRef>
+          <a:effectRef idx="0">
+            <a:schemeClr val="accent1"/>
+          </a:effectRef>
+          <a:fontRef idx="minor">
+            <a:schemeClr val="tx1"/>
+          </a:fontRef>
+        </p:style>
+      </p:cxnSp>
+      <mc:AlternateContent xmlns:mc="http://schemas.openxmlformats.org/markup-compatibility/2006">
+        <mc:Choice xmlns:a14="http://schemas.microsoft.com/office/drawing/2010/main" Requires="a14">
+          <p:sp>
+            <p:nvSpPr>
+              <p:cNvPr id="36" name="TextBox 35">
+                <a:extLst>
+                  <a:ext uri="{FF2B5EF4-FFF2-40B4-BE49-F238E27FC236}">
+                    <a16:creationId xmlns:a16="http://schemas.microsoft.com/office/drawing/2014/main" id="{5304D0CE-421F-7CDB-5DB0-78255E92C20D}"/>
+                  </a:ext>
+                </a:extLst>
+              </p:cNvPr>
+              <p:cNvSpPr txBox="1"/>
+              <p:nvPr/>
+            </p:nvSpPr>
+            <p:spPr>
+              <a:xfrm>
+                <a:off x="2242296" y="1540777"/>
+                <a:ext cx="633507" cy="584775"/>
+              </a:xfrm>
+              <a:prstGeom prst="rect">
+                <a:avLst/>
+              </a:prstGeom>
+              <a:noFill/>
+            </p:spPr>
+            <p:txBody>
+              <a:bodyPr wrap="none" rtlCol="0">
+                <a:spAutoFit/>
+              </a:bodyPr>
+              <a:lstStyle/>
+              <a:p>
+                <a14:m>
+                  <m:oMathPara xmlns:m="http://schemas.openxmlformats.org/officeDocument/2006/math">
+                    <m:oMathParaPr>
+                      <m:jc m:val="centerGroup"/>
+                    </m:oMathParaPr>
+                    <m:oMath xmlns:m="http://schemas.openxmlformats.org/officeDocument/2006/math">
+                      <m:r>
+                        <a:rPr lang="en-US" sz="3200" b="0" i="1" smtClean="0">
+                          <a:latin typeface="Cambria Math" panose="02040503050406030204" pitchFamily="18" charset="0"/>
+                          <a:cs typeface="Calibri" panose="020F0502020204030204" pitchFamily="34" charset="0"/>
+                        </a:rPr>
+                        <m:t>⇒</m:t>
+                      </m:r>
+                    </m:oMath>
+                  </m:oMathPara>
+                </a14:m>
+                <a:endParaRPr lang="en-US" sz="3200" b="0" dirty="0">
+                  <a:latin typeface="Calibri" panose="020F0502020204030204" pitchFamily="34" charset="0"/>
+                  <a:cs typeface="Calibri" panose="020F0502020204030204" pitchFamily="34" charset="0"/>
+                </a:endParaRPr>
+              </a:p>
+            </p:txBody>
+          </p:sp>
+        </mc:Choice>
+        <mc:Fallback>
+          <p:sp>
+            <p:nvSpPr>
+              <p:cNvPr id="36" name="TextBox 35">
+                <a:extLst>
+                  <a:ext uri="{FF2B5EF4-FFF2-40B4-BE49-F238E27FC236}">
+                    <a16:creationId xmlns:a16="http://schemas.microsoft.com/office/drawing/2014/main" id="{5304D0CE-421F-7CDB-5DB0-78255E92C20D}"/>
+                  </a:ext>
+                </a:extLst>
+              </p:cNvPr>
+              <p:cNvSpPr txBox="1">
+                <a:spLocks noRot="1" noChangeAspect="1" noMove="1" noResize="1" noEditPoints="1" noAdjustHandles="1" noChangeArrowheads="1" noChangeShapeType="1" noTextEdit="1"/>
+              </p:cNvSpPr>
+              <p:nvPr/>
+            </p:nvSpPr>
+            <p:spPr>
+              <a:xfrm>
+                <a:off x="2242296" y="1540777"/>
+                <a:ext cx="633507" cy="584775"/>
+              </a:xfrm>
+              <a:prstGeom prst="rect">
+                <a:avLst/>
+              </a:prstGeom>
+              <a:blipFill>
+                <a:blip r:embed="rId6"/>
+                <a:stretch>
+                  <a:fillRect/>
+                </a:stretch>
+              </a:blipFill>
+            </p:spPr>
+            <p:txBody>
+              <a:bodyPr/>
+              <a:lstStyle/>
+              <a:p>
+                <a:r>
+                  <a:rPr lang="en-US">
+                    <a:noFill/>
+                  </a:rPr>
+                  <a:t> </a:t>
+                </a:r>
+              </a:p>
+            </p:txBody>
+          </p:sp>
+        </mc:Fallback>
+      </mc:AlternateContent>
+    </p:spTree>
+    <p:extLst>
+      <p:ext uri="{BB962C8B-B14F-4D97-AF65-F5344CB8AC3E}">
+        <p14:creationId xmlns:p14="http://schemas.microsoft.com/office/powerpoint/2010/main" val="2474825205"/>
       </p:ext>
     </p:extLst>
   </p:cSld>

--- a/notes/images.pptx
+++ b/notes/images.pptx
@@ -5,7 +5,7 @@
     <p:sldMasterId id="2147483659" r:id="rId1"/>
   </p:sldMasterIdLst>
   <p:notesMasterIdLst>
-    <p:notesMasterId r:id="rId13"/>
+    <p:notesMasterId r:id="rId14"/>
   </p:notesMasterIdLst>
   <p:sldIdLst>
     <p:sldId id="262" r:id="rId2"/>
@@ -18,7 +18,8 @@
     <p:sldId id="261" r:id="rId9"/>
     <p:sldId id="266" r:id="rId10"/>
     <p:sldId id="267" r:id="rId11"/>
-    <p:sldId id="268" r:id="rId12"/>
+    <p:sldId id="269" r:id="rId12"/>
+    <p:sldId id="268" r:id="rId13"/>
   </p:sldIdLst>
   <p:sldSz cx="9144000" cy="5143500" type="screen16x9"/>
   <p:notesSz cx="6858000" cy="9144000"/>
@@ -8007,6 +8008,2046 @@
 </file>
 
 <file path=ppt/slides/slide11.xml><?xml version="1.0" encoding="utf-8"?>
+<p:sld xmlns:a="http://schemas.openxmlformats.org/drawingml/2006/main" xmlns:r="http://schemas.openxmlformats.org/officeDocument/2006/relationships" xmlns:p="http://schemas.openxmlformats.org/presentationml/2006/main">
+  <p:cSld>
+    <p:spTree>
+      <p:nvGrpSpPr>
+        <p:cNvPr id="1" name="">
+          <a:extLst>
+            <a:ext uri="{FF2B5EF4-FFF2-40B4-BE49-F238E27FC236}">
+              <a16:creationId xmlns:a16="http://schemas.microsoft.com/office/drawing/2014/main" id="{8CA9388D-EDE7-79CF-35C7-E6A97CEB0CE8}"/>
+            </a:ext>
+          </a:extLst>
+        </p:cNvPr>
+        <p:cNvGrpSpPr/>
+        <p:nvPr/>
+      </p:nvGrpSpPr>
+      <p:grpSpPr>
+        <a:xfrm>
+          <a:off x="0" y="0"/>
+          <a:ext cx="0" cy="0"/>
+          <a:chOff x="0" y="0"/>
+          <a:chExt cx="0" cy="0"/>
+        </a:xfrm>
+      </p:grpSpPr>
+      <p:sp>
+        <p:nvSpPr>
+          <p:cNvPr id="20" name="TextBox 19">
+            <a:extLst>
+              <a:ext uri="{FF2B5EF4-FFF2-40B4-BE49-F238E27FC236}">
+                <a16:creationId xmlns:a16="http://schemas.microsoft.com/office/drawing/2014/main" id="{4575408A-6215-5336-6475-E318B1C18147}"/>
+              </a:ext>
+            </a:extLst>
+          </p:cNvPr>
+          <p:cNvSpPr txBox="1"/>
+          <p:nvPr/>
+        </p:nvSpPr>
+        <p:spPr>
+          <a:xfrm>
+            <a:off x="1558625" y="3481928"/>
+            <a:ext cx="1284326" cy="338554"/>
+          </a:xfrm>
+          <a:prstGeom prst="rect">
+            <a:avLst/>
+          </a:prstGeom>
+          <a:noFill/>
+        </p:spPr>
+        <p:txBody>
+          <a:bodyPr wrap="none" rtlCol="0">
+            <a:spAutoFit/>
+          </a:bodyPr>
+          <a:lstStyle/>
+          <a:p>
+            <a:r>
+              <a:rPr lang="en-US" sz="1600" dirty="0">
+                <a:latin typeface="Calibri" panose="020F0502020204030204" pitchFamily="34" charset="0"/>
+                <a:cs typeface="Calibri" panose="020F0502020204030204" pitchFamily="34" charset="0"/>
+              </a:rPr>
+              <a:t>Linear Model</a:t>
+            </a:r>
+          </a:p>
+        </p:txBody>
+      </p:sp>
+      <p:sp>
+        <p:nvSpPr>
+          <p:cNvPr id="2" name="Oval 1">
+            <a:extLst>
+              <a:ext uri="{FF2B5EF4-FFF2-40B4-BE49-F238E27FC236}">
+                <a16:creationId xmlns:a16="http://schemas.microsoft.com/office/drawing/2014/main" id="{40F6DE08-9523-4DEB-FC5C-0D1A42B3E321}"/>
+              </a:ext>
+            </a:extLst>
+          </p:cNvPr>
+          <p:cNvSpPr/>
+          <p:nvPr/>
+        </p:nvSpPr>
+        <p:spPr>
+          <a:xfrm>
+            <a:off x="1617125" y="1218151"/>
+            <a:ext cx="263197" cy="263197"/>
+          </a:xfrm>
+          <a:prstGeom prst="ellipse">
+            <a:avLst/>
+          </a:prstGeom>
+          <a:solidFill>
+            <a:schemeClr val="accent4">
+              <a:lumMod val="75000"/>
+            </a:schemeClr>
+          </a:solidFill>
+          <a:ln>
+            <a:noFill/>
+          </a:ln>
+        </p:spPr>
+        <p:style>
+          <a:lnRef idx="2">
+            <a:schemeClr val="accent1">
+              <a:shade val="15000"/>
+            </a:schemeClr>
+          </a:lnRef>
+          <a:fillRef idx="1">
+            <a:schemeClr val="accent1"/>
+          </a:fillRef>
+          <a:effectRef idx="0">
+            <a:schemeClr val="accent1"/>
+          </a:effectRef>
+          <a:fontRef idx="minor">
+            <a:schemeClr val="lt1"/>
+          </a:fontRef>
+        </p:style>
+        <p:txBody>
+          <a:bodyPr rtlCol="0" anchor="ctr"/>
+          <a:lstStyle/>
+          <a:p>
+            <a:pPr algn="ctr"/>
+            <a:endParaRPr lang="en-US" dirty="0"/>
+          </a:p>
+        </p:txBody>
+      </p:sp>
+      <p:sp>
+        <p:nvSpPr>
+          <p:cNvPr id="3" name="Oval 2">
+            <a:extLst>
+              <a:ext uri="{FF2B5EF4-FFF2-40B4-BE49-F238E27FC236}">
+                <a16:creationId xmlns:a16="http://schemas.microsoft.com/office/drawing/2014/main" id="{8BA00C49-E9B0-2DE7-9F20-513283C6E107}"/>
+              </a:ext>
+            </a:extLst>
+          </p:cNvPr>
+          <p:cNvSpPr/>
+          <p:nvPr/>
+        </p:nvSpPr>
+        <p:spPr>
+          <a:xfrm>
+            <a:off x="1617124" y="1561534"/>
+            <a:ext cx="263197" cy="263197"/>
+          </a:xfrm>
+          <a:prstGeom prst="ellipse">
+            <a:avLst/>
+          </a:prstGeom>
+          <a:solidFill>
+            <a:schemeClr val="accent1">
+              <a:lumMod val="60000"/>
+              <a:lumOff val="40000"/>
+            </a:schemeClr>
+          </a:solidFill>
+          <a:ln>
+            <a:noFill/>
+          </a:ln>
+        </p:spPr>
+        <p:style>
+          <a:lnRef idx="2">
+            <a:schemeClr val="accent1">
+              <a:shade val="15000"/>
+            </a:schemeClr>
+          </a:lnRef>
+          <a:fillRef idx="1">
+            <a:schemeClr val="accent1"/>
+          </a:fillRef>
+          <a:effectRef idx="0">
+            <a:schemeClr val="accent1"/>
+          </a:effectRef>
+          <a:fontRef idx="minor">
+            <a:schemeClr val="lt1"/>
+          </a:fontRef>
+        </p:style>
+        <p:txBody>
+          <a:bodyPr rtlCol="0" anchor="ctr"/>
+          <a:lstStyle/>
+          <a:p>
+            <a:pPr algn="ctr"/>
+            <a:endParaRPr lang="en-US" dirty="0"/>
+          </a:p>
+        </p:txBody>
+      </p:sp>
+      <p:sp>
+        <p:nvSpPr>
+          <p:cNvPr id="4" name="Oval 3">
+            <a:extLst>
+              <a:ext uri="{FF2B5EF4-FFF2-40B4-BE49-F238E27FC236}">
+                <a16:creationId xmlns:a16="http://schemas.microsoft.com/office/drawing/2014/main" id="{B1732D03-D0F8-0C0E-D499-588DAE1654C2}"/>
+              </a:ext>
+            </a:extLst>
+          </p:cNvPr>
+          <p:cNvSpPr/>
+          <p:nvPr/>
+        </p:nvSpPr>
+        <p:spPr>
+          <a:xfrm>
+            <a:off x="1617124" y="1904917"/>
+            <a:ext cx="263197" cy="263197"/>
+          </a:xfrm>
+          <a:prstGeom prst="ellipse">
+            <a:avLst/>
+          </a:prstGeom>
+          <a:solidFill>
+            <a:schemeClr val="accent1">
+              <a:lumMod val="40000"/>
+              <a:lumOff val="60000"/>
+              <a:alpha val="45000"/>
+            </a:schemeClr>
+          </a:solidFill>
+          <a:ln>
+            <a:noFill/>
+          </a:ln>
+        </p:spPr>
+        <p:style>
+          <a:lnRef idx="2">
+            <a:schemeClr val="accent1">
+              <a:shade val="15000"/>
+            </a:schemeClr>
+          </a:lnRef>
+          <a:fillRef idx="1">
+            <a:schemeClr val="accent1"/>
+          </a:fillRef>
+          <a:effectRef idx="0">
+            <a:schemeClr val="accent1"/>
+          </a:effectRef>
+          <a:fontRef idx="minor">
+            <a:schemeClr val="lt1"/>
+          </a:fontRef>
+        </p:style>
+        <p:txBody>
+          <a:bodyPr rtlCol="0" anchor="ctr"/>
+          <a:lstStyle/>
+          <a:p>
+            <a:pPr algn="ctr"/>
+            <a:endParaRPr lang="en-US" dirty="0"/>
+          </a:p>
+        </p:txBody>
+      </p:sp>
+      <p:sp>
+        <p:nvSpPr>
+          <p:cNvPr id="6" name="Oval 5">
+            <a:extLst>
+              <a:ext uri="{FF2B5EF4-FFF2-40B4-BE49-F238E27FC236}">
+                <a16:creationId xmlns:a16="http://schemas.microsoft.com/office/drawing/2014/main" id="{A2E75F34-E2E1-C0F4-0973-13D5AE2F1958}"/>
+              </a:ext>
+            </a:extLst>
+          </p:cNvPr>
+          <p:cNvSpPr/>
+          <p:nvPr/>
+        </p:nvSpPr>
+        <p:spPr>
+          <a:xfrm>
+            <a:off x="1617124" y="2582396"/>
+            <a:ext cx="263197" cy="263197"/>
+          </a:xfrm>
+          <a:prstGeom prst="ellipse">
+            <a:avLst/>
+          </a:prstGeom>
+          <a:solidFill>
+            <a:schemeClr val="accent4">
+              <a:lumMod val="40000"/>
+              <a:lumOff val="60000"/>
+            </a:schemeClr>
+          </a:solidFill>
+          <a:ln>
+            <a:noFill/>
+          </a:ln>
+        </p:spPr>
+        <p:style>
+          <a:lnRef idx="2">
+            <a:schemeClr val="accent1">
+              <a:shade val="15000"/>
+            </a:schemeClr>
+          </a:lnRef>
+          <a:fillRef idx="1">
+            <a:schemeClr val="accent1"/>
+          </a:fillRef>
+          <a:effectRef idx="0">
+            <a:schemeClr val="accent1"/>
+          </a:effectRef>
+          <a:fontRef idx="minor">
+            <a:schemeClr val="lt1"/>
+          </a:fontRef>
+        </p:style>
+        <p:txBody>
+          <a:bodyPr rtlCol="0" anchor="ctr"/>
+          <a:lstStyle/>
+          <a:p>
+            <a:pPr algn="ctr"/>
+            <a:endParaRPr lang="en-US" dirty="0"/>
+          </a:p>
+        </p:txBody>
+      </p:sp>
+      <mc:AlternateContent xmlns:mc="http://schemas.openxmlformats.org/markup-compatibility/2006" xmlns:a14="http://schemas.microsoft.com/office/drawing/2010/main">
+        <mc:Choice Requires="a14">
+          <p:sp>
+            <p:nvSpPr>
+              <p:cNvPr id="7" name="TextBox 6">
+                <a:extLst>
+                  <a:ext uri="{FF2B5EF4-FFF2-40B4-BE49-F238E27FC236}">
+                    <a16:creationId xmlns:a16="http://schemas.microsoft.com/office/drawing/2014/main" id="{975D007E-8AF1-7355-01C7-36A3AB591575}"/>
+                  </a:ext>
+                </a:extLst>
+              </p:cNvPr>
+              <p:cNvSpPr txBox="1"/>
+              <p:nvPr/>
+            </p:nvSpPr>
+            <p:spPr>
+              <a:xfrm>
+                <a:off x="1581048" y="2130630"/>
+                <a:ext cx="335348" cy="400110"/>
+              </a:xfrm>
+              <a:prstGeom prst="rect">
+                <a:avLst/>
+              </a:prstGeom>
+              <a:noFill/>
+            </p:spPr>
+            <p:txBody>
+              <a:bodyPr wrap="none" rtlCol="0">
+                <a:spAutoFit/>
+              </a:bodyPr>
+              <a:lstStyle/>
+              <a:p>
+                <a:pPr/>
+                <a14:m>
+                  <m:oMathPara xmlns:m="http://schemas.openxmlformats.org/officeDocument/2006/math">
+                    <m:oMathParaPr>
+                      <m:jc m:val="centerGroup"/>
+                    </m:oMathParaPr>
+                    <m:oMath xmlns:m="http://schemas.openxmlformats.org/officeDocument/2006/math">
+                      <m:r>
+                        <a:rPr lang="en-US" sz="2000" i="1" smtClean="0">
+                          <a:latin typeface="Cambria Math" panose="02040503050406030204" pitchFamily="18" charset="0"/>
+                          <a:ea typeface="Cambria Math" panose="02040503050406030204" pitchFamily="18" charset="0"/>
+                        </a:rPr>
+                        <m:t>⋮</m:t>
+                      </m:r>
+                    </m:oMath>
+                  </m:oMathPara>
+                </a14:m>
+                <a:endParaRPr lang="en-US" sz="2000" dirty="0"/>
+              </a:p>
+            </p:txBody>
+          </p:sp>
+        </mc:Choice>
+        <mc:Fallback xmlns="">
+          <p:sp>
+            <p:nvSpPr>
+              <p:cNvPr id="7" name="TextBox 6">
+                <a:extLst>
+                  <a:ext uri="{FF2B5EF4-FFF2-40B4-BE49-F238E27FC236}">
+                    <a16:creationId xmlns:a16="http://schemas.microsoft.com/office/drawing/2014/main" id="{88563166-4F02-CE85-B1B0-CC25327E4BEA}"/>
+                  </a:ext>
+                </a:extLst>
+              </p:cNvPr>
+              <p:cNvSpPr txBox="1">
+                <a:spLocks noRot="1" noChangeAspect="1" noMove="1" noResize="1" noEditPoints="1" noAdjustHandles="1" noChangeArrowheads="1" noChangeShapeType="1" noTextEdit="1"/>
+              </p:cNvSpPr>
+              <p:nvPr/>
+            </p:nvSpPr>
+            <p:spPr>
+              <a:xfrm>
+                <a:off x="1581048" y="2130630"/>
+                <a:ext cx="335348" cy="400110"/>
+              </a:xfrm>
+              <a:prstGeom prst="rect">
+                <a:avLst/>
+              </a:prstGeom>
+              <a:blipFill>
+                <a:blip r:embed="rId2"/>
+                <a:stretch>
+                  <a:fillRect/>
+                </a:stretch>
+              </a:blipFill>
+            </p:spPr>
+            <p:txBody>
+              <a:bodyPr/>
+              <a:lstStyle/>
+              <a:p>
+                <a:r>
+                  <a:rPr lang="en-US">
+                    <a:noFill/>
+                  </a:rPr>
+                  <a:t> </a:t>
+                </a:r>
+              </a:p>
+            </p:txBody>
+          </p:sp>
+        </mc:Fallback>
+      </mc:AlternateContent>
+      <p:sp>
+        <p:nvSpPr>
+          <p:cNvPr id="10" name="Oval 9">
+            <a:extLst>
+              <a:ext uri="{FF2B5EF4-FFF2-40B4-BE49-F238E27FC236}">
+                <a16:creationId xmlns:a16="http://schemas.microsoft.com/office/drawing/2014/main" id="{0166DC87-CF23-A15E-304C-437D224E5A8A}"/>
+              </a:ext>
+            </a:extLst>
+          </p:cNvPr>
+          <p:cNvSpPr/>
+          <p:nvPr/>
+        </p:nvSpPr>
+        <p:spPr>
+          <a:xfrm>
+            <a:off x="2579754" y="1218151"/>
+            <a:ext cx="263197" cy="263197"/>
+          </a:xfrm>
+          <a:prstGeom prst="ellipse">
+            <a:avLst/>
+          </a:prstGeom>
+          <a:solidFill>
+            <a:schemeClr val="accent4">
+              <a:lumMod val="60000"/>
+              <a:lumOff val="40000"/>
+            </a:schemeClr>
+          </a:solidFill>
+          <a:ln>
+            <a:noFill/>
+          </a:ln>
+        </p:spPr>
+        <p:style>
+          <a:lnRef idx="2">
+            <a:schemeClr val="accent1">
+              <a:shade val="15000"/>
+            </a:schemeClr>
+          </a:lnRef>
+          <a:fillRef idx="1">
+            <a:schemeClr val="accent1"/>
+          </a:fillRef>
+          <a:effectRef idx="0">
+            <a:schemeClr val="accent1"/>
+          </a:effectRef>
+          <a:fontRef idx="minor">
+            <a:schemeClr val="lt1"/>
+          </a:fontRef>
+        </p:style>
+        <p:txBody>
+          <a:bodyPr rtlCol="0" anchor="ctr"/>
+          <a:lstStyle/>
+          <a:p>
+            <a:pPr algn="ctr"/>
+            <a:endParaRPr lang="en-US" dirty="0"/>
+          </a:p>
+        </p:txBody>
+      </p:sp>
+      <p:cxnSp>
+        <p:nvCxnSpPr>
+          <p:cNvPr id="12" name="Straight Connector 11">
+            <a:extLst>
+              <a:ext uri="{FF2B5EF4-FFF2-40B4-BE49-F238E27FC236}">
+                <a16:creationId xmlns:a16="http://schemas.microsoft.com/office/drawing/2014/main" id="{6AD6F9F1-0FC1-E46C-A149-CB70FA4BA209}"/>
+              </a:ext>
+            </a:extLst>
+          </p:cNvPr>
+          <p:cNvCxnSpPr>
+            <a:cxnSpLocks/>
+            <a:stCxn id="2" idx="6"/>
+            <a:endCxn id="10" idx="2"/>
+          </p:cNvCxnSpPr>
+          <p:nvPr/>
+        </p:nvCxnSpPr>
+        <p:spPr>
+          <a:xfrm>
+            <a:off x="1880322" y="1349750"/>
+            <a:ext cx="699432" cy="0"/>
+          </a:xfrm>
+          <a:prstGeom prst="line">
+            <a:avLst/>
+          </a:prstGeom>
+          <a:ln w="25400" cmpd="sng">
+            <a:solidFill>
+              <a:srgbClr val="00B050">
+                <a:alpha val="61579"/>
+              </a:srgbClr>
+            </a:solidFill>
+            <a:prstDash val="solid"/>
+            <a:tailEnd type="triangle"/>
+          </a:ln>
+        </p:spPr>
+        <p:style>
+          <a:lnRef idx="1">
+            <a:schemeClr val="accent1"/>
+          </a:lnRef>
+          <a:fillRef idx="0">
+            <a:schemeClr val="accent1"/>
+          </a:fillRef>
+          <a:effectRef idx="0">
+            <a:schemeClr val="accent1"/>
+          </a:effectRef>
+          <a:fontRef idx="minor">
+            <a:schemeClr val="tx1"/>
+          </a:fontRef>
+        </p:style>
+      </p:cxnSp>
+      <p:cxnSp>
+        <p:nvCxnSpPr>
+          <p:cNvPr id="15" name="Straight Connector 14">
+            <a:extLst>
+              <a:ext uri="{FF2B5EF4-FFF2-40B4-BE49-F238E27FC236}">
+                <a16:creationId xmlns:a16="http://schemas.microsoft.com/office/drawing/2014/main" id="{2441812F-C94E-4591-B2AA-184EEBDD848E}"/>
+              </a:ext>
+            </a:extLst>
+          </p:cNvPr>
+          <p:cNvCxnSpPr>
+            <a:cxnSpLocks/>
+            <a:stCxn id="3" idx="6"/>
+            <a:endCxn id="10" idx="2"/>
+          </p:cNvCxnSpPr>
+          <p:nvPr/>
+        </p:nvCxnSpPr>
+        <p:spPr>
+          <a:xfrm flipV="1">
+            <a:off x="1880321" y="1349750"/>
+            <a:ext cx="699433" cy="343383"/>
+          </a:xfrm>
+          <a:prstGeom prst="line">
+            <a:avLst/>
+          </a:prstGeom>
+          <a:ln w="25400" cmpd="sng">
+            <a:solidFill>
+              <a:srgbClr val="00B050">
+                <a:alpha val="98000"/>
+              </a:srgbClr>
+            </a:solidFill>
+            <a:prstDash val="solid"/>
+            <a:tailEnd type="triangle"/>
+          </a:ln>
+        </p:spPr>
+        <p:style>
+          <a:lnRef idx="1">
+            <a:schemeClr val="accent1"/>
+          </a:lnRef>
+          <a:fillRef idx="0">
+            <a:schemeClr val="accent1"/>
+          </a:fillRef>
+          <a:effectRef idx="0">
+            <a:schemeClr val="accent1"/>
+          </a:effectRef>
+          <a:fontRef idx="minor">
+            <a:schemeClr val="tx1"/>
+          </a:fontRef>
+        </p:style>
+      </p:cxnSp>
+      <p:cxnSp>
+        <p:nvCxnSpPr>
+          <p:cNvPr id="21" name="Straight Connector 20">
+            <a:extLst>
+              <a:ext uri="{FF2B5EF4-FFF2-40B4-BE49-F238E27FC236}">
+                <a16:creationId xmlns:a16="http://schemas.microsoft.com/office/drawing/2014/main" id="{8C49476D-994A-EC53-0265-69DA14B86B30}"/>
+              </a:ext>
+            </a:extLst>
+          </p:cNvPr>
+          <p:cNvCxnSpPr>
+            <a:cxnSpLocks/>
+            <a:stCxn id="4" idx="6"/>
+            <a:endCxn id="10" idx="2"/>
+          </p:cNvCxnSpPr>
+          <p:nvPr/>
+        </p:nvCxnSpPr>
+        <p:spPr>
+          <a:xfrm flipV="1">
+            <a:off x="1880321" y="1349750"/>
+            <a:ext cx="699433" cy="686766"/>
+          </a:xfrm>
+          <a:prstGeom prst="line">
+            <a:avLst/>
+          </a:prstGeom>
+          <a:ln w="25400" cmpd="sng">
+            <a:solidFill>
+              <a:srgbClr val="00B050">
+                <a:alpha val="25000"/>
+              </a:srgbClr>
+            </a:solidFill>
+            <a:prstDash val="solid"/>
+            <a:tailEnd type="triangle"/>
+          </a:ln>
+        </p:spPr>
+        <p:style>
+          <a:lnRef idx="1">
+            <a:schemeClr val="accent1"/>
+          </a:lnRef>
+          <a:fillRef idx="0">
+            <a:schemeClr val="accent1"/>
+          </a:fillRef>
+          <a:effectRef idx="0">
+            <a:schemeClr val="accent1"/>
+          </a:effectRef>
+          <a:fontRef idx="minor">
+            <a:schemeClr val="tx1"/>
+          </a:fontRef>
+        </p:style>
+      </p:cxnSp>
+      <p:cxnSp>
+        <p:nvCxnSpPr>
+          <p:cNvPr id="24" name="Straight Connector 23">
+            <a:extLst>
+              <a:ext uri="{FF2B5EF4-FFF2-40B4-BE49-F238E27FC236}">
+                <a16:creationId xmlns:a16="http://schemas.microsoft.com/office/drawing/2014/main" id="{146FC708-92A2-72E5-072B-B8F9527FE27A}"/>
+              </a:ext>
+            </a:extLst>
+          </p:cNvPr>
+          <p:cNvCxnSpPr>
+            <a:cxnSpLocks/>
+            <a:stCxn id="6" idx="6"/>
+            <a:endCxn id="10" idx="2"/>
+          </p:cNvCxnSpPr>
+          <p:nvPr/>
+        </p:nvCxnSpPr>
+        <p:spPr>
+          <a:xfrm flipV="1">
+            <a:off x="1880321" y="1349750"/>
+            <a:ext cx="699433" cy="1364245"/>
+          </a:xfrm>
+          <a:prstGeom prst="line">
+            <a:avLst/>
+          </a:prstGeom>
+          <a:ln w="25400" cmpd="sng">
+            <a:solidFill>
+              <a:srgbClr val="00B050">
+                <a:alpha val="52000"/>
+              </a:srgbClr>
+            </a:solidFill>
+            <a:prstDash val="solid"/>
+            <a:tailEnd type="triangle"/>
+          </a:ln>
+        </p:spPr>
+        <p:style>
+          <a:lnRef idx="1">
+            <a:schemeClr val="accent1"/>
+          </a:lnRef>
+          <a:fillRef idx="0">
+            <a:schemeClr val="accent1"/>
+          </a:fillRef>
+          <a:effectRef idx="0">
+            <a:schemeClr val="accent1"/>
+          </a:effectRef>
+          <a:fontRef idx="minor">
+            <a:schemeClr val="tx1"/>
+          </a:fontRef>
+        </p:style>
+      </p:cxnSp>
+      <p:sp>
+        <p:nvSpPr>
+          <p:cNvPr id="28" name="TextBox 27">
+            <a:extLst>
+              <a:ext uri="{FF2B5EF4-FFF2-40B4-BE49-F238E27FC236}">
+                <a16:creationId xmlns:a16="http://schemas.microsoft.com/office/drawing/2014/main" id="{1AD7E79E-A805-1934-76D2-8CA63AB38412}"/>
+              </a:ext>
+            </a:extLst>
+          </p:cNvPr>
+          <p:cNvSpPr txBox="1"/>
+          <p:nvPr/>
+        </p:nvSpPr>
+        <p:spPr>
+          <a:xfrm>
+            <a:off x="4095124" y="3481928"/>
+            <a:ext cx="1516762" cy="338554"/>
+          </a:xfrm>
+          <a:prstGeom prst="rect">
+            <a:avLst/>
+          </a:prstGeom>
+          <a:noFill/>
+        </p:spPr>
+        <p:txBody>
+          <a:bodyPr wrap="none" rtlCol="0">
+            <a:spAutoFit/>
+          </a:bodyPr>
+          <a:lstStyle/>
+          <a:p>
+            <a:r>
+              <a:rPr lang="en-US" sz="1600" dirty="0">
+                <a:latin typeface="Calibri" panose="020F0502020204030204" pitchFamily="34" charset="0"/>
+                <a:cs typeface="Calibri" panose="020F0502020204030204" pitchFamily="34" charset="0"/>
+              </a:rPr>
+              <a:t>Neural Network</a:t>
+            </a:r>
+          </a:p>
+        </p:txBody>
+      </p:sp>
+      <p:sp>
+        <p:nvSpPr>
+          <p:cNvPr id="29" name="Oval 28">
+            <a:extLst>
+              <a:ext uri="{FF2B5EF4-FFF2-40B4-BE49-F238E27FC236}">
+                <a16:creationId xmlns:a16="http://schemas.microsoft.com/office/drawing/2014/main" id="{00F06B3A-47D1-2757-E2D6-1353F570CFB3}"/>
+              </a:ext>
+            </a:extLst>
+          </p:cNvPr>
+          <p:cNvSpPr/>
+          <p:nvPr/>
+        </p:nvSpPr>
+        <p:spPr>
+          <a:xfrm>
+            <a:off x="3831931" y="1218151"/>
+            <a:ext cx="263197" cy="263197"/>
+          </a:xfrm>
+          <a:prstGeom prst="ellipse">
+            <a:avLst/>
+          </a:prstGeom>
+          <a:solidFill>
+            <a:schemeClr val="accent4">
+              <a:lumMod val="75000"/>
+            </a:schemeClr>
+          </a:solidFill>
+          <a:ln>
+            <a:noFill/>
+          </a:ln>
+        </p:spPr>
+        <p:style>
+          <a:lnRef idx="2">
+            <a:schemeClr val="accent1">
+              <a:shade val="15000"/>
+            </a:schemeClr>
+          </a:lnRef>
+          <a:fillRef idx="1">
+            <a:schemeClr val="accent1"/>
+          </a:fillRef>
+          <a:effectRef idx="0">
+            <a:schemeClr val="accent1"/>
+          </a:effectRef>
+          <a:fontRef idx="minor">
+            <a:schemeClr val="lt1"/>
+          </a:fontRef>
+        </p:style>
+        <p:txBody>
+          <a:bodyPr rtlCol="0" anchor="ctr"/>
+          <a:lstStyle/>
+          <a:p>
+            <a:pPr algn="ctr"/>
+            <a:endParaRPr lang="en-US" dirty="0"/>
+          </a:p>
+        </p:txBody>
+      </p:sp>
+      <p:sp>
+        <p:nvSpPr>
+          <p:cNvPr id="32" name="Oval 31">
+            <a:extLst>
+              <a:ext uri="{FF2B5EF4-FFF2-40B4-BE49-F238E27FC236}">
+                <a16:creationId xmlns:a16="http://schemas.microsoft.com/office/drawing/2014/main" id="{B4D9CAD8-A0BC-D410-9C95-CF616C7DF372}"/>
+              </a:ext>
+            </a:extLst>
+          </p:cNvPr>
+          <p:cNvSpPr/>
+          <p:nvPr/>
+        </p:nvSpPr>
+        <p:spPr>
+          <a:xfrm>
+            <a:off x="3831930" y="1561534"/>
+            <a:ext cx="263197" cy="263197"/>
+          </a:xfrm>
+          <a:prstGeom prst="ellipse">
+            <a:avLst/>
+          </a:prstGeom>
+          <a:solidFill>
+            <a:schemeClr val="accent1">
+              <a:lumMod val="60000"/>
+              <a:lumOff val="40000"/>
+            </a:schemeClr>
+          </a:solidFill>
+          <a:ln>
+            <a:noFill/>
+          </a:ln>
+        </p:spPr>
+        <p:style>
+          <a:lnRef idx="2">
+            <a:schemeClr val="accent1">
+              <a:shade val="15000"/>
+            </a:schemeClr>
+          </a:lnRef>
+          <a:fillRef idx="1">
+            <a:schemeClr val="accent1"/>
+          </a:fillRef>
+          <a:effectRef idx="0">
+            <a:schemeClr val="accent1"/>
+          </a:effectRef>
+          <a:fontRef idx="minor">
+            <a:schemeClr val="lt1"/>
+          </a:fontRef>
+        </p:style>
+        <p:txBody>
+          <a:bodyPr rtlCol="0" anchor="ctr"/>
+          <a:lstStyle/>
+          <a:p>
+            <a:pPr algn="ctr"/>
+            <a:endParaRPr lang="en-US" dirty="0"/>
+          </a:p>
+        </p:txBody>
+      </p:sp>
+      <p:sp>
+        <p:nvSpPr>
+          <p:cNvPr id="33" name="Oval 32">
+            <a:extLst>
+              <a:ext uri="{FF2B5EF4-FFF2-40B4-BE49-F238E27FC236}">
+                <a16:creationId xmlns:a16="http://schemas.microsoft.com/office/drawing/2014/main" id="{5A062C31-0721-DD12-6123-1979FFC08603}"/>
+              </a:ext>
+            </a:extLst>
+          </p:cNvPr>
+          <p:cNvSpPr/>
+          <p:nvPr/>
+        </p:nvSpPr>
+        <p:spPr>
+          <a:xfrm>
+            <a:off x="3831930" y="1904917"/>
+            <a:ext cx="263197" cy="263197"/>
+          </a:xfrm>
+          <a:prstGeom prst="ellipse">
+            <a:avLst/>
+          </a:prstGeom>
+          <a:solidFill>
+            <a:schemeClr val="accent1">
+              <a:lumMod val="40000"/>
+              <a:lumOff val="60000"/>
+              <a:alpha val="45000"/>
+            </a:schemeClr>
+          </a:solidFill>
+          <a:ln>
+            <a:noFill/>
+          </a:ln>
+        </p:spPr>
+        <p:style>
+          <a:lnRef idx="2">
+            <a:schemeClr val="accent1">
+              <a:shade val="15000"/>
+            </a:schemeClr>
+          </a:lnRef>
+          <a:fillRef idx="1">
+            <a:schemeClr val="accent1"/>
+          </a:fillRef>
+          <a:effectRef idx="0">
+            <a:schemeClr val="accent1"/>
+          </a:effectRef>
+          <a:fontRef idx="minor">
+            <a:schemeClr val="lt1"/>
+          </a:fontRef>
+        </p:style>
+        <p:txBody>
+          <a:bodyPr rtlCol="0" anchor="ctr"/>
+          <a:lstStyle/>
+          <a:p>
+            <a:pPr algn="ctr"/>
+            <a:endParaRPr lang="en-US" dirty="0"/>
+          </a:p>
+        </p:txBody>
+      </p:sp>
+      <p:sp>
+        <p:nvSpPr>
+          <p:cNvPr id="34" name="Oval 33">
+            <a:extLst>
+              <a:ext uri="{FF2B5EF4-FFF2-40B4-BE49-F238E27FC236}">
+                <a16:creationId xmlns:a16="http://schemas.microsoft.com/office/drawing/2014/main" id="{4023788B-5C62-1DD5-AABC-A682741D4CC1}"/>
+              </a:ext>
+            </a:extLst>
+          </p:cNvPr>
+          <p:cNvSpPr/>
+          <p:nvPr/>
+        </p:nvSpPr>
+        <p:spPr>
+          <a:xfrm>
+            <a:off x="3831930" y="2582396"/>
+            <a:ext cx="263197" cy="263197"/>
+          </a:xfrm>
+          <a:prstGeom prst="ellipse">
+            <a:avLst/>
+          </a:prstGeom>
+          <a:solidFill>
+            <a:schemeClr val="accent4">
+              <a:lumMod val="40000"/>
+              <a:lumOff val="60000"/>
+            </a:schemeClr>
+          </a:solidFill>
+          <a:ln>
+            <a:noFill/>
+          </a:ln>
+        </p:spPr>
+        <p:style>
+          <a:lnRef idx="2">
+            <a:schemeClr val="accent1">
+              <a:shade val="15000"/>
+            </a:schemeClr>
+          </a:lnRef>
+          <a:fillRef idx="1">
+            <a:schemeClr val="accent1"/>
+          </a:fillRef>
+          <a:effectRef idx="0">
+            <a:schemeClr val="accent1"/>
+          </a:effectRef>
+          <a:fontRef idx="minor">
+            <a:schemeClr val="lt1"/>
+          </a:fontRef>
+        </p:style>
+        <p:txBody>
+          <a:bodyPr rtlCol="0" anchor="ctr"/>
+          <a:lstStyle/>
+          <a:p>
+            <a:pPr algn="ctr"/>
+            <a:endParaRPr lang="en-US" dirty="0"/>
+          </a:p>
+        </p:txBody>
+      </p:sp>
+      <mc:AlternateContent xmlns:mc="http://schemas.openxmlformats.org/markup-compatibility/2006" xmlns:a14="http://schemas.microsoft.com/office/drawing/2010/main">
+        <mc:Choice Requires="a14">
+          <p:sp>
+            <p:nvSpPr>
+              <p:cNvPr id="40" name="TextBox 39">
+                <a:extLst>
+                  <a:ext uri="{FF2B5EF4-FFF2-40B4-BE49-F238E27FC236}">
+                    <a16:creationId xmlns:a16="http://schemas.microsoft.com/office/drawing/2014/main" id="{39A67A92-1737-6D2F-2DDD-7DA419FC34DA}"/>
+                  </a:ext>
+                </a:extLst>
+              </p:cNvPr>
+              <p:cNvSpPr txBox="1"/>
+              <p:nvPr/>
+            </p:nvSpPr>
+            <p:spPr>
+              <a:xfrm>
+                <a:off x="3795854" y="2130630"/>
+                <a:ext cx="335348" cy="400110"/>
+              </a:xfrm>
+              <a:prstGeom prst="rect">
+                <a:avLst/>
+              </a:prstGeom>
+              <a:noFill/>
+            </p:spPr>
+            <p:txBody>
+              <a:bodyPr wrap="none" rtlCol="0">
+                <a:spAutoFit/>
+              </a:bodyPr>
+              <a:lstStyle/>
+              <a:p>
+                <a:pPr/>
+                <a14:m>
+                  <m:oMathPara xmlns:m="http://schemas.openxmlformats.org/officeDocument/2006/math">
+                    <m:oMathParaPr>
+                      <m:jc m:val="centerGroup"/>
+                    </m:oMathParaPr>
+                    <m:oMath xmlns:m="http://schemas.openxmlformats.org/officeDocument/2006/math">
+                      <m:r>
+                        <a:rPr lang="en-US" sz="2000" i="1" smtClean="0">
+                          <a:latin typeface="Cambria Math" panose="02040503050406030204" pitchFamily="18" charset="0"/>
+                          <a:ea typeface="Cambria Math" panose="02040503050406030204" pitchFamily="18" charset="0"/>
+                        </a:rPr>
+                        <m:t>⋮</m:t>
+                      </m:r>
+                    </m:oMath>
+                  </m:oMathPara>
+                </a14:m>
+                <a:endParaRPr lang="en-US" sz="2000" dirty="0"/>
+              </a:p>
+            </p:txBody>
+          </p:sp>
+        </mc:Choice>
+        <mc:Fallback xmlns="">
+          <p:sp>
+            <p:nvSpPr>
+              <p:cNvPr id="40" name="TextBox 39">
+                <a:extLst>
+                  <a:ext uri="{FF2B5EF4-FFF2-40B4-BE49-F238E27FC236}">
+                    <a16:creationId xmlns:a16="http://schemas.microsoft.com/office/drawing/2014/main" id="{F0D592BA-DF50-940A-E85E-F81887C34DD0}"/>
+                  </a:ext>
+                </a:extLst>
+              </p:cNvPr>
+              <p:cNvSpPr txBox="1">
+                <a:spLocks noRot="1" noChangeAspect="1" noMove="1" noResize="1" noEditPoints="1" noAdjustHandles="1" noChangeArrowheads="1" noChangeShapeType="1" noTextEdit="1"/>
+              </p:cNvSpPr>
+              <p:nvPr/>
+            </p:nvSpPr>
+            <p:spPr>
+              <a:xfrm>
+                <a:off x="3795854" y="2130630"/>
+                <a:ext cx="335348" cy="400110"/>
+              </a:xfrm>
+              <a:prstGeom prst="rect">
+                <a:avLst/>
+              </a:prstGeom>
+              <a:blipFill>
+                <a:blip r:embed="rId3"/>
+                <a:stretch>
+                  <a:fillRect/>
+                </a:stretch>
+              </a:blipFill>
+            </p:spPr>
+            <p:txBody>
+              <a:bodyPr/>
+              <a:lstStyle/>
+              <a:p>
+                <a:r>
+                  <a:rPr lang="en-US">
+                    <a:noFill/>
+                  </a:rPr>
+                  <a:t> </a:t>
+                </a:r>
+              </a:p>
+            </p:txBody>
+          </p:sp>
+        </mc:Fallback>
+      </mc:AlternateContent>
+      <p:sp>
+        <p:nvSpPr>
+          <p:cNvPr id="41" name="Oval 40">
+            <a:extLst>
+              <a:ext uri="{FF2B5EF4-FFF2-40B4-BE49-F238E27FC236}">
+                <a16:creationId xmlns:a16="http://schemas.microsoft.com/office/drawing/2014/main" id="{ECA23830-083D-6460-EF8D-F6479C633B6E}"/>
+              </a:ext>
+            </a:extLst>
+          </p:cNvPr>
+          <p:cNvSpPr/>
+          <p:nvPr/>
+        </p:nvSpPr>
+        <p:spPr>
+          <a:xfrm>
+            <a:off x="4794560" y="1218151"/>
+            <a:ext cx="263197" cy="263197"/>
+          </a:xfrm>
+          <a:prstGeom prst="ellipse">
+            <a:avLst/>
+          </a:prstGeom>
+          <a:solidFill>
+            <a:schemeClr val="accent4">
+              <a:lumMod val="60000"/>
+              <a:lumOff val="40000"/>
+            </a:schemeClr>
+          </a:solidFill>
+          <a:ln>
+            <a:noFill/>
+          </a:ln>
+        </p:spPr>
+        <p:style>
+          <a:lnRef idx="2">
+            <a:schemeClr val="accent1">
+              <a:shade val="15000"/>
+            </a:schemeClr>
+          </a:lnRef>
+          <a:fillRef idx="1">
+            <a:schemeClr val="accent1"/>
+          </a:fillRef>
+          <a:effectRef idx="0">
+            <a:schemeClr val="accent1"/>
+          </a:effectRef>
+          <a:fontRef idx="minor">
+            <a:schemeClr val="lt1"/>
+          </a:fontRef>
+        </p:style>
+        <p:txBody>
+          <a:bodyPr rtlCol="0" anchor="ctr"/>
+          <a:lstStyle/>
+          <a:p>
+            <a:pPr algn="ctr"/>
+            <a:endParaRPr lang="en-US" dirty="0"/>
+          </a:p>
+        </p:txBody>
+      </p:sp>
+      <p:cxnSp>
+        <p:nvCxnSpPr>
+          <p:cNvPr id="42" name="Straight Connector 41">
+            <a:extLst>
+              <a:ext uri="{FF2B5EF4-FFF2-40B4-BE49-F238E27FC236}">
+                <a16:creationId xmlns:a16="http://schemas.microsoft.com/office/drawing/2014/main" id="{717DB458-EFBE-213B-3302-83DBA9741AB8}"/>
+              </a:ext>
+            </a:extLst>
+          </p:cNvPr>
+          <p:cNvCxnSpPr>
+            <a:cxnSpLocks/>
+            <a:stCxn id="29" idx="6"/>
+            <a:endCxn id="41" idx="2"/>
+          </p:cNvCxnSpPr>
+          <p:nvPr/>
+        </p:nvCxnSpPr>
+        <p:spPr>
+          <a:xfrm>
+            <a:off x="4095128" y="1349750"/>
+            <a:ext cx="699432" cy="0"/>
+          </a:xfrm>
+          <a:prstGeom prst="line">
+            <a:avLst/>
+          </a:prstGeom>
+          <a:ln w="25400" cmpd="sng">
+            <a:solidFill>
+              <a:srgbClr val="00B050">
+                <a:alpha val="18000"/>
+              </a:srgbClr>
+            </a:solidFill>
+            <a:prstDash val="solid"/>
+            <a:tailEnd type="triangle"/>
+          </a:ln>
+        </p:spPr>
+        <p:style>
+          <a:lnRef idx="1">
+            <a:schemeClr val="accent1"/>
+          </a:lnRef>
+          <a:fillRef idx="0">
+            <a:schemeClr val="accent1"/>
+          </a:fillRef>
+          <a:effectRef idx="0">
+            <a:schemeClr val="accent1"/>
+          </a:effectRef>
+          <a:fontRef idx="minor">
+            <a:schemeClr val="tx1"/>
+          </a:fontRef>
+        </p:style>
+      </p:cxnSp>
+      <p:cxnSp>
+        <p:nvCxnSpPr>
+          <p:cNvPr id="44" name="Straight Connector 43">
+            <a:extLst>
+              <a:ext uri="{FF2B5EF4-FFF2-40B4-BE49-F238E27FC236}">
+                <a16:creationId xmlns:a16="http://schemas.microsoft.com/office/drawing/2014/main" id="{1844FA09-D175-339B-79ED-B294FD678CC6}"/>
+              </a:ext>
+            </a:extLst>
+          </p:cNvPr>
+          <p:cNvCxnSpPr>
+            <a:cxnSpLocks/>
+            <a:stCxn id="32" idx="6"/>
+            <a:endCxn id="41" idx="2"/>
+          </p:cNvCxnSpPr>
+          <p:nvPr/>
+        </p:nvCxnSpPr>
+        <p:spPr>
+          <a:xfrm flipV="1">
+            <a:off x="4095127" y="1349750"/>
+            <a:ext cx="699433" cy="343383"/>
+          </a:xfrm>
+          <a:prstGeom prst="line">
+            <a:avLst/>
+          </a:prstGeom>
+          <a:ln w="25400" cmpd="sng">
+            <a:solidFill>
+              <a:srgbClr val="00B050">
+                <a:alpha val="98000"/>
+              </a:srgbClr>
+            </a:solidFill>
+            <a:prstDash val="solid"/>
+            <a:tailEnd type="triangle"/>
+          </a:ln>
+        </p:spPr>
+        <p:style>
+          <a:lnRef idx="1">
+            <a:schemeClr val="accent1"/>
+          </a:lnRef>
+          <a:fillRef idx="0">
+            <a:schemeClr val="accent1"/>
+          </a:fillRef>
+          <a:effectRef idx="0">
+            <a:schemeClr val="accent1"/>
+          </a:effectRef>
+          <a:fontRef idx="minor">
+            <a:schemeClr val="tx1"/>
+          </a:fontRef>
+        </p:style>
+      </p:cxnSp>
+      <p:cxnSp>
+        <p:nvCxnSpPr>
+          <p:cNvPr id="45" name="Straight Connector 44">
+            <a:extLst>
+              <a:ext uri="{FF2B5EF4-FFF2-40B4-BE49-F238E27FC236}">
+                <a16:creationId xmlns:a16="http://schemas.microsoft.com/office/drawing/2014/main" id="{7CC5B195-57FF-54F0-534A-14CB0F0AAC05}"/>
+              </a:ext>
+            </a:extLst>
+          </p:cNvPr>
+          <p:cNvCxnSpPr>
+            <a:cxnSpLocks/>
+            <a:stCxn id="33" idx="6"/>
+            <a:endCxn id="41" idx="2"/>
+          </p:cNvCxnSpPr>
+          <p:nvPr/>
+        </p:nvCxnSpPr>
+        <p:spPr>
+          <a:xfrm flipV="1">
+            <a:off x="4095127" y="1349750"/>
+            <a:ext cx="699433" cy="686766"/>
+          </a:xfrm>
+          <a:prstGeom prst="line">
+            <a:avLst/>
+          </a:prstGeom>
+          <a:ln w="25400" cmpd="sng">
+            <a:solidFill>
+              <a:srgbClr val="00B050">
+                <a:alpha val="25000"/>
+              </a:srgbClr>
+            </a:solidFill>
+            <a:prstDash val="solid"/>
+            <a:tailEnd type="triangle"/>
+          </a:ln>
+        </p:spPr>
+        <p:style>
+          <a:lnRef idx="1">
+            <a:schemeClr val="accent1"/>
+          </a:lnRef>
+          <a:fillRef idx="0">
+            <a:schemeClr val="accent1"/>
+          </a:fillRef>
+          <a:effectRef idx="0">
+            <a:schemeClr val="accent1"/>
+          </a:effectRef>
+          <a:fontRef idx="minor">
+            <a:schemeClr val="tx1"/>
+          </a:fontRef>
+        </p:style>
+      </p:cxnSp>
+      <p:cxnSp>
+        <p:nvCxnSpPr>
+          <p:cNvPr id="46" name="Straight Connector 45">
+            <a:extLst>
+              <a:ext uri="{FF2B5EF4-FFF2-40B4-BE49-F238E27FC236}">
+                <a16:creationId xmlns:a16="http://schemas.microsoft.com/office/drawing/2014/main" id="{B6F11019-F804-990B-C631-B6FEA56189E5}"/>
+              </a:ext>
+            </a:extLst>
+          </p:cNvPr>
+          <p:cNvCxnSpPr>
+            <a:cxnSpLocks/>
+            <a:stCxn id="34" idx="6"/>
+            <a:endCxn id="41" idx="2"/>
+          </p:cNvCxnSpPr>
+          <p:nvPr/>
+        </p:nvCxnSpPr>
+        <p:spPr>
+          <a:xfrm flipV="1">
+            <a:off x="4095127" y="1349750"/>
+            <a:ext cx="699433" cy="1364245"/>
+          </a:xfrm>
+          <a:prstGeom prst="line">
+            <a:avLst/>
+          </a:prstGeom>
+          <a:ln w="25400" cmpd="sng">
+            <a:solidFill>
+              <a:srgbClr val="00B050">
+                <a:alpha val="52000"/>
+              </a:srgbClr>
+            </a:solidFill>
+            <a:prstDash val="solid"/>
+            <a:tailEnd type="triangle"/>
+          </a:ln>
+        </p:spPr>
+        <p:style>
+          <a:lnRef idx="1">
+            <a:schemeClr val="accent1"/>
+          </a:lnRef>
+          <a:fillRef idx="0">
+            <a:schemeClr val="accent1"/>
+          </a:fillRef>
+          <a:effectRef idx="0">
+            <a:schemeClr val="accent1"/>
+          </a:effectRef>
+          <a:fontRef idx="minor">
+            <a:schemeClr val="tx1"/>
+          </a:fontRef>
+        </p:style>
+      </p:cxnSp>
+      <p:sp>
+        <p:nvSpPr>
+          <p:cNvPr id="47" name="Oval 46">
+            <a:extLst>
+              <a:ext uri="{FF2B5EF4-FFF2-40B4-BE49-F238E27FC236}">
+                <a16:creationId xmlns:a16="http://schemas.microsoft.com/office/drawing/2014/main" id="{DF4C7A73-D7DB-79D9-2157-CD9AD576B9BD}"/>
+              </a:ext>
+            </a:extLst>
+          </p:cNvPr>
+          <p:cNvSpPr/>
+          <p:nvPr/>
+        </p:nvSpPr>
+        <p:spPr>
+          <a:xfrm>
+            <a:off x="4794559" y="1556890"/>
+            <a:ext cx="263197" cy="263197"/>
+          </a:xfrm>
+          <a:prstGeom prst="ellipse">
+            <a:avLst/>
+          </a:prstGeom>
+          <a:solidFill>
+            <a:schemeClr val="accent1">
+              <a:lumMod val="60000"/>
+              <a:lumOff val="40000"/>
+              <a:alpha val="52918"/>
+            </a:schemeClr>
+          </a:solidFill>
+          <a:ln>
+            <a:noFill/>
+          </a:ln>
+        </p:spPr>
+        <p:style>
+          <a:lnRef idx="2">
+            <a:schemeClr val="accent1">
+              <a:shade val="15000"/>
+            </a:schemeClr>
+          </a:lnRef>
+          <a:fillRef idx="1">
+            <a:schemeClr val="accent1"/>
+          </a:fillRef>
+          <a:effectRef idx="0">
+            <a:schemeClr val="accent1"/>
+          </a:effectRef>
+          <a:fontRef idx="minor">
+            <a:schemeClr val="lt1"/>
+          </a:fontRef>
+        </p:style>
+        <p:txBody>
+          <a:bodyPr rtlCol="0" anchor="ctr"/>
+          <a:lstStyle/>
+          <a:p>
+            <a:pPr algn="ctr"/>
+            <a:endParaRPr lang="en-US" dirty="0"/>
+          </a:p>
+        </p:txBody>
+      </p:sp>
+      <p:sp>
+        <p:nvSpPr>
+          <p:cNvPr id="48" name="Oval 47">
+            <a:extLst>
+              <a:ext uri="{FF2B5EF4-FFF2-40B4-BE49-F238E27FC236}">
+                <a16:creationId xmlns:a16="http://schemas.microsoft.com/office/drawing/2014/main" id="{9BDF2179-ABCF-7819-84E9-6B6C0566FDCD}"/>
+              </a:ext>
+            </a:extLst>
+          </p:cNvPr>
+          <p:cNvSpPr/>
+          <p:nvPr/>
+        </p:nvSpPr>
+        <p:spPr>
+          <a:xfrm>
+            <a:off x="4794558" y="2199086"/>
+            <a:ext cx="263197" cy="263197"/>
+          </a:xfrm>
+          <a:prstGeom prst="ellipse">
+            <a:avLst/>
+          </a:prstGeom>
+          <a:solidFill>
+            <a:schemeClr val="accent4">
+              <a:lumMod val="75000"/>
+            </a:schemeClr>
+          </a:solidFill>
+          <a:ln>
+            <a:noFill/>
+          </a:ln>
+        </p:spPr>
+        <p:style>
+          <a:lnRef idx="2">
+            <a:schemeClr val="accent1">
+              <a:shade val="15000"/>
+            </a:schemeClr>
+          </a:lnRef>
+          <a:fillRef idx="1">
+            <a:schemeClr val="accent1"/>
+          </a:fillRef>
+          <a:effectRef idx="0">
+            <a:schemeClr val="accent1"/>
+          </a:effectRef>
+          <a:fontRef idx="minor">
+            <a:schemeClr val="lt1"/>
+          </a:fontRef>
+        </p:style>
+        <p:txBody>
+          <a:bodyPr rtlCol="0" anchor="ctr"/>
+          <a:lstStyle/>
+          <a:p>
+            <a:pPr algn="ctr"/>
+            <a:endParaRPr lang="en-US" dirty="0"/>
+          </a:p>
+        </p:txBody>
+      </p:sp>
+      <mc:AlternateContent xmlns:mc="http://schemas.openxmlformats.org/markup-compatibility/2006" xmlns:a14="http://schemas.microsoft.com/office/drawing/2010/main">
+        <mc:Choice Requires="a14">
+          <p:sp>
+            <p:nvSpPr>
+              <p:cNvPr id="49" name="TextBox 48">
+                <a:extLst>
+                  <a:ext uri="{FF2B5EF4-FFF2-40B4-BE49-F238E27FC236}">
+                    <a16:creationId xmlns:a16="http://schemas.microsoft.com/office/drawing/2014/main" id="{883DE65F-1BC3-B136-997B-BC8B5D24665F}"/>
+                  </a:ext>
+                </a:extLst>
+              </p:cNvPr>
+              <p:cNvSpPr txBox="1"/>
+              <p:nvPr/>
+            </p:nvSpPr>
+            <p:spPr>
+              <a:xfrm>
+                <a:off x="4758482" y="1813413"/>
+                <a:ext cx="335348" cy="400110"/>
+              </a:xfrm>
+              <a:prstGeom prst="rect">
+                <a:avLst/>
+              </a:prstGeom>
+              <a:noFill/>
+            </p:spPr>
+            <p:txBody>
+              <a:bodyPr wrap="none" rtlCol="0">
+                <a:spAutoFit/>
+              </a:bodyPr>
+              <a:lstStyle/>
+              <a:p>
+                <a:pPr/>
+                <a14:m>
+                  <m:oMathPara xmlns:m="http://schemas.openxmlformats.org/officeDocument/2006/math">
+                    <m:oMathParaPr>
+                      <m:jc m:val="centerGroup"/>
+                    </m:oMathParaPr>
+                    <m:oMath xmlns:m="http://schemas.openxmlformats.org/officeDocument/2006/math">
+                      <m:r>
+                        <a:rPr lang="en-US" sz="2000" i="1" smtClean="0">
+                          <a:latin typeface="Cambria Math" panose="02040503050406030204" pitchFamily="18" charset="0"/>
+                          <a:ea typeface="Cambria Math" panose="02040503050406030204" pitchFamily="18" charset="0"/>
+                        </a:rPr>
+                        <m:t>⋮</m:t>
+                      </m:r>
+                    </m:oMath>
+                  </m:oMathPara>
+                </a14:m>
+                <a:endParaRPr lang="en-US" sz="2000" dirty="0"/>
+              </a:p>
+            </p:txBody>
+          </p:sp>
+        </mc:Choice>
+        <mc:Fallback xmlns="">
+          <p:sp>
+            <p:nvSpPr>
+              <p:cNvPr id="49" name="TextBox 48">
+                <a:extLst>
+                  <a:ext uri="{FF2B5EF4-FFF2-40B4-BE49-F238E27FC236}">
+                    <a16:creationId xmlns:a16="http://schemas.microsoft.com/office/drawing/2014/main" id="{BC096D56-FD78-8AC3-9223-79A32E456A95}"/>
+                  </a:ext>
+                </a:extLst>
+              </p:cNvPr>
+              <p:cNvSpPr txBox="1">
+                <a:spLocks noRot="1" noChangeAspect="1" noMove="1" noResize="1" noEditPoints="1" noAdjustHandles="1" noChangeArrowheads="1" noChangeShapeType="1" noTextEdit="1"/>
+              </p:cNvSpPr>
+              <p:nvPr/>
+            </p:nvSpPr>
+            <p:spPr>
+              <a:xfrm>
+                <a:off x="4758482" y="1813413"/>
+                <a:ext cx="335348" cy="400110"/>
+              </a:xfrm>
+              <a:prstGeom prst="rect">
+                <a:avLst/>
+              </a:prstGeom>
+              <a:blipFill>
+                <a:blip r:embed="rId4"/>
+                <a:stretch>
+                  <a:fillRect/>
+                </a:stretch>
+              </a:blipFill>
+            </p:spPr>
+            <p:txBody>
+              <a:bodyPr/>
+              <a:lstStyle/>
+              <a:p>
+                <a:r>
+                  <a:rPr lang="en-US">
+                    <a:noFill/>
+                  </a:rPr>
+                  <a:t> </a:t>
+                </a:r>
+              </a:p>
+            </p:txBody>
+          </p:sp>
+        </mc:Fallback>
+      </mc:AlternateContent>
+      <p:cxnSp>
+        <p:nvCxnSpPr>
+          <p:cNvPr id="50" name="Straight Connector 49">
+            <a:extLst>
+              <a:ext uri="{FF2B5EF4-FFF2-40B4-BE49-F238E27FC236}">
+                <a16:creationId xmlns:a16="http://schemas.microsoft.com/office/drawing/2014/main" id="{BF2F2729-0272-51DD-9F23-42ED37256C8A}"/>
+              </a:ext>
+            </a:extLst>
+          </p:cNvPr>
+          <p:cNvCxnSpPr>
+            <a:cxnSpLocks/>
+            <a:endCxn id="47" idx="2"/>
+          </p:cNvCxnSpPr>
+          <p:nvPr/>
+        </p:nvCxnSpPr>
+        <p:spPr>
+          <a:xfrm>
+            <a:off x="4095125" y="1349749"/>
+            <a:ext cx="699434" cy="338740"/>
+          </a:xfrm>
+          <a:prstGeom prst="line">
+            <a:avLst/>
+          </a:prstGeom>
+          <a:ln w="25400" cmpd="sng">
+            <a:solidFill>
+              <a:srgbClr val="00B050">
+                <a:alpha val="61579"/>
+              </a:srgbClr>
+            </a:solidFill>
+            <a:prstDash val="solid"/>
+            <a:tailEnd type="triangle"/>
+          </a:ln>
+        </p:spPr>
+        <p:style>
+          <a:lnRef idx="1">
+            <a:schemeClr val="accent1"/>
+          </a:lnRef>
+          <a:fillRef idx="0">
+            <a:schemeClr val="accent1"/>
+          </a:fillRef>
+          <a:effectRef idx="0">
+            <a:schemeClr val="accent1"/>
+          </a:effectRef>
+          <a:fontRef idx="minor">
+            <a:schemeClr val="tx1"/>
+          </a:fontRef>
+        </p:style>
+      </p:cxnSp>
+      <p:cxnSp>
+        <p:nvCxnSpPr>
+          <p:cNvPr id="51" name="Straight Connector 50">
+            <a:extLst>
+              <a:ext uri="{FF2B5EF4-FFF2-40B4-BE49-F238E27FC236}">
+                <a16:creationId xmlns:a16="http://schemas.microsoft.com/office/drawing/2014/main" id="{1711EECA-D65E-5F48-2CF8-61D777D3E462}"/>
+              </a:ext>
+            </a:extLst>
+          </p:cNvPr>
+          <p:cNvCxnSpPr>
+            <a:cxnSpLocks/>
+            <a:endCxn id="47" idx="2"/>
+          </p:cNvCxnSpPr>
+          <p:nvPr/>
+        </p:nvCxnSpPr>
+        <p:spPr>
+          <a:xfrm flipV="1">
+            <a:off x="4095124" y="1688489"/>
+            <a:ext cx="699435" cy="4643"/>
+          </a:xfrm>
+          <a:prstGeom prst="line">
+            <a:avLst/>
+          </a:prstGeom>
+          <a:ln w="25400" cmpd="sng">
+            <a:solidFill>
+              <a:srgbClr val="00B050">
+                <a:alpha val="72000"/>
+              </a:srgbClr>
+            </a:solidFill>
+            <a:prstDash val="solid"/>
+            <a:tailEnd type="triangle"/>
+          </a:ln>
+        </p:spPr>
+        <p:style>
+          <a:lnRef idx="1">
+            <a:schemeClr val="accent1"/>
+          </a:lnRef>
+          <a:fillRef idx="0">
+            <a:schemeClr val="accent1"/>
+          </a:fillRef>
+          <a:effectRef idx="0">
+            <a:schemeClr val="accent1"/>
+          </a:effectRef>
+          <a:fontRef idx="minor">
+            <a:schemeClr val="tx1"/>
+          </a:fontRef>
+        </p:style>
+      </p:cxnSp>
+      <p:cxnSp>
+        <p:nvCxnSpPr>
+          <p:cNvPr id="52" name="Straight Connector 51">
+            <a:extLst>
+              <a:ext uri="{FF2B5EF4-FFF2-40B4-BE49-F238E27FC236}">
+                <a16:creationId xmlns:a16="http://schemas.microsoft.com/office/drawing/2014/main" id="{94E6FBE6-C335-038B-F6C1-E4C3153307D1}"/>
+              </a:ext>
+            </a:extLst>
+          </p:cNvPr>
+          <p:cNvCxnSpPr>
+            <a:cxnSpLocks/>
+            <a:endCxn id="47" idx="2"/>
+          </p:cNvCxnSpPr>
+          <p:nvPr/>
+        </p:nvCxnSpPr>
+        <p:spPr>
+          <a:xfrm flipV="1">
+            <a:off x="4095124" y="1688489"/>
+            <a:ext cx="699435" cy="348026"/>
+          </a:xfrm>
+          <a:prstGeom prst="line">
+            <a:avLst/>
+          </a:prstGeom>
+          <a:ln w="25400" cmpd="sng">
+            <a:solidFill>
+              <a:srgbClr val="00B050">
+                <a:alpha val="72000"/>
+              </a:srgbClr>
+            </a:solidFill>
+            <a:prstDash val="solid"/>
+            <a:tailEnd type="triangle"/>
+          </a:ln>
+        </p:spPr>
+        <p:style>
+          <a:lnRef idx="1">
+            <a:schemeClr val="accent1"/>
+          </a:lnRef>
+          <a:fillRef idx="0">
+            <a:schemeClr val="accent1"/>
+          </a:fillRef>
+          <a:effectRef idx="0">
+            <a:schemeClr val="accent1"/>
+          </a:effectRef>
+          <a:fontRef idx="minor">
+            <a:schemeClr val="tx1"/>
+          </a:fontRef>
+        </p:style>
+      </p:cxnSp>
+      <p:cxnSp>
+        <p:nvCxnSpPr>
+          <p:cNvPr id="53" name="Straight Connector 52">
+            <a:extLst>
+              <a:ext uri="{FF2B5EF4-FFF2-40B4-BE49-F238E27FC236}">
+                <a16:creationId xmlns:a16="http://schemas.microsoft.com/office/drawing/2014/main" id="{6C477790-DE79-91F2-0984-AE19EEFE69B7}"/>
+              </a:ext>
+            </a:extLst>
+          </p:cNvPr>
+          <p:cNvCxnSpPr>
+            <a:cxnSpLocks/>
+            <a:endCxn id="47" idx="2"/>
+          </p:cNvCxnSpPr>
+          <p:nvPr/>
+        </p:nvCxnSpPr>
+        <p:spPr>
+          <a:xfrm flipV="1">
+            <a:off x="4095124" y="1688489"/>
+            <a:ext cx="699435" cy="1025505"/>
+          </a:xfrm>
+          <a:prstGeom prst="line">
+            <a:avLst/>
+          </a:prstGeom>
+          <a:ln w="25400" cmpd="sng">
+            <a:solidFill>
+              <a:srgbClr val="00B050">
+                <a:alpha val="27985"/>
+              </a:srgbClr>
+            </a:solidFill>
+            <a:prstDash val="solid"/>
+            <a:tailEnd type="triangle"/>
+          </a:ln>
+        </p:spPr>
+        <p:style>
+          <a:lnRef idx="1">
+            <a:schemeClr val="accent1"/>
+          </a:lnRef>
+          <a:fillRef idx="0">
+            <a:schemeClr val="accent1"/>
+          </a:fillRef>
+          <a:effectRef idx="0">
+            <a:schemeClr val="accent1"/>
+          </a:effectRef>
+          <a:fontRef idx="minor">
+            <a:schemeClr val="tx1"/>
+          </a:fontRef>
+        </p:style>
+      </p:cxnSp>
+      <p:cxnSp>
+        <p:nvCxnSpPr>
+          <p:cNvPr id="60" name="Straight Connector 59">
+            <a:extLst>
+              <a:ext uri="{FF2B5EF4-FFF2-40B4-BE49-F238E27FC236}">
+                <a16:creationId xmlns:a16="http://schemas.microsoft.com/office/drawing/2014/main" id="{9396759B-401C-1BC3-B1B1-9BE0950CDEAB}"/>
+              </a:ext>
+            </a:extLst>
+          </p:cNvPr>
+          <p:cNvCxnSpPr>
+            <a:cxnSpLocks/>
+            <a:endCxn id="48" idx="2"/>
+          </p:cNvCxnSpPr>
+          <p:nvPr/>
+        </p:nvCxnSpPr>
+        <p:spPr>
+          <a:xfrm>
+            <a:off x="4113163" y="1354394"/>
+            <a:ext cx="681395" cy="976291"/>
+          </a:xfrm>
+          <a:prstGeom prst="line">
+            <a:avLst/>
+          </a:prstGeom>
+          <a:ln w="25400" cmpd="sng">
+            <a:solidFill>
+              <a:srgbClr val="00B050">
+                <a:alpha val="27985"/>
+              </a:srgbClr>
+            </a:solidFill>
+            <a:prstDash val="solid"/>
+            <a:tailEnd type="triangle"/>
+          </a:ln>
+        </p:spPr>
+        <p:style>
+          <a:lnRef idx="1">
+            <a:schemeClr val="accent1"/>
+          </a:lnRef>
+          <a:fillRef idx="0">
+            <a:schemeClr val="accent1"/>
+          </a:fillRef>
+          <a:effectRef idx="0">
+            <a:schemeClr val="accent1"/>
+          </a:effectRef>
+          <a:fontRef idx="minor">
+            <a:schemeClr val="tx1"/>
+          </a:fontRef>
+        </p:style>
+      </p:cxnSp>
+      <p:cxnSp>
+        <p:nvCxnSpPr>
+          <p:cNvPr id="61" name="Straight Connector 60">
+            <a:extLst>
+              <a:ext uri="{FF2B5EF4-FFF2-40B4-BE49-F238E27FC236}">
+                <a16:creationId xmlns:a16="http://schemas.microsoft.com/office/drawing/2014/main" id="{BF3EB041-D9A6-4C10-38EC-78FB7F403268}"/>
+              </a:ext>
+            </a:extLst>
+          </p:cNvPr>
+          <p:cNvCxnSpPr>
+            <a:cxnSpLocks/>
+            <a:endCxn id="48" idx="2"/>
+          </p:cNvCxnSpPr>
+          <p:nvPr/>
+        </p:nvCxnSpPr>
+        <p:spPr>
+          <a:xfrm>
+            <a:off x="4113162" y="1697777"/>
+            <a:ext cx="681396" cy="632908"/>
+          </a:xfrm>
+          <a:prstGeom prst="line">
+            <a:avLst/>
+          </a:prstGeom>
+          <a:ln w="25400" cmpd="sng">
+            <a:solidFill>
+              <a:srgbClr val="00B050">
+                <a:alpha val="18000"/>
+              </a:srgbClr>
+            </a:solidFill>
+            <a:prstDash val="solid"/>
+            <a:tailEnd type="triangle"/>
+          </a:ln>
+        </p:spPr>
+        <p:style>
+          <a:lnRef idx="1">
+            <a:schemeClr val="accent1"/>
+          </a:lnRef>
+          <a:fillRef idx="0">
+            <a:schemeClr val="accent1"/>
+          </a:fillRef>
+          <a:effectRef idx="0">
+            <a:schemeClr val="accent1"/>
+          </a:effectRef>
+          <a:fontRef idx="minor">
+            <a:schemeClr val="tx1"/>
+          </a:fontRef>
+        </p:style>
+      </p:cxnSp>
+      <p:cxnSp>
+        <p:nvCxnSpPr>
+          <p:cNvPr id="62" name="Straight Connector 61">
+            <a:extLst>
+              <a:ext uri="{FF2B5EF4-FFF2-40B4-BE49-F238E27FC236}">
+                <a16:creationId xmlns:a16="http://schemas.microsoft.com/office/drawing/2014/main" id="{11C1A01D-08FA-844A-1F0F-A7323AE58328}"/>
+              </a:ext>
+            </a:extLst>
+          </p:cNvPr>
+          <p:cNvCxnSpPr>
+            <a:cxnSpLocks/>
+            <a:endCxn id="48" idx="2"/>
+          </p:cNvCxnSpPr>
+          <p:nvPr/>
+        </p:nvCxnSpPr>
+        <p:spPr>
+          <a:xfrm>
+            <a:off x="4113162" y="2041160"/>
+            <a:ext cx="681396" cy="289525"/>
+          </a:xfrm>
+          <a:prstGeom prst="line">
+            <a:avLst/>
+          </a:prstGeom>
+          <a:ln w="25400" cmpd="sng">
+            <a:solidFill>
+              <a:srgbClr val="00B050">
+                <a:alpha val="27985"/>
+              </a:srgbClr>
+            </a:solidFill>
+            <a:prstDash val="solid"/>
+            <a:tailEnd type="triangle"/>
+          </a:ln>
+        </p:spPr>
+        <p:style>
+          <a:lnRef idx="1">
+            <a:schemeClr val="accent1"/>
+          </a:lnRef>
+          <a:fillRef idx="0">
+            <a:schemeClr val="accent1"/>
+          </a:fillRef>
+          <a:effectRef idx="0">
+            <a:schemeClr val="accent1"/>
+          </a:effectRef>
+          <a:fontRef idx="minor">
+            <a:schemeClr val="tx1"/>
+          </a:fontRef>
+        </p:style>
+      </p:cxnSp>
+      <p:cxnSp>
+        <p:nvCxnSpPr>
+          <p:cNvPr id="63" name="Straight Connector 62">
+            <a:extLst>
+              <a:ext uri="{FF2B5EF4-FFF2-40B4-BE49-F238E27FC236}">
+                <a16:creationId xmlns:a16="http://schemas.microsoft.com/office/drawing/2014/main" id="{EA334EC9-2771-AB25-EECB-C2989903AE78}"/>
+              </a:ext>
+            </a:extLst>
+          </p:cNvPr>
+          <p:cNvCxnSpPr>
+            <a:cxnSpLocks/>
+            <a:endCxn id="48" idx="2"/>
+          </p:cNvCxnSpPr>
+          <p:nvPr/>
+        </p:nvCxnSpPr>
+        <p:spPr>
+          <a:xfrm flipV="1">
+            <a:off x="4113162" y="2330685"/>
+            <a:ext cx="681396" cy="387954"/>
+          </a:xfrm>
+          <a:prstGeom prst="line">
+            <a:avLst/>
+          </a:prstGeom>
+          <a:ln w="25400" cmpd="sng">
+            <a:solidFill>
+              <a:srgbClr val="00B050">
+                <a:alpha val="53348"/>
+              </a:srgbClr>
+            </a:solidFill>
+            <a:prstDash val="solid"/>
+            <a:tailEnd type="triangle"/>
+          </a:ln>
+        </p:spPr>
+        <p:style>
+          <a:lnRef idx="1">
+            <a:schemeClr val="accent1"/>
+          </a:lnRef>
+          <a:fillRef idx="0">
+            <a:schemeClr val="accent1"/>
+          </a:fillRef>
+          <a:effectRef idx="0">
+            <a:schemeClr val="accent1"/>
+          </a:effectRef>
+          <a:fontRef idx="minor">
+            <a:schemeClr val="tx1"/>
+          </a:fontRef>
+        </p:style>
+      </p:cxnSp>
+      <p:sp>
+        <p:nvSpPr>
+          <p:cNvPr id="69" name="Oval 68">
+            <a:extLst>
+              <a:ext uri="{FF2B5EF4-FFF2-40B4-BE49-F238E27FC236}">
+                <a16:creationId xmlns:a16="http://schemas.microsoft.com/office/drawing/2014/main" id="{54ED4A13-35E6-F445-7FB3-1FE70D926C5D}"/>
+              </a:ext>
+            </a:extLst>
+          </p:cNvPr>
+          <p:cNvSpPr/>
+          <p:nvPr/>
+        </p:nvSpPr>
+        <p:spPr>
+          <a:xfrm>
+            <a:off x="5757189" y="1218150"/>
+            <a:ext cx="263197" cy="263197"/>
+          </a:xfrm>
+          <a:prstGeom prst="ellipse">
+            <a:avLst/>
+          </a:prstGeom>
+          <a:solidFill>
+            <a:schemeClr val="accent1">
+              <a:lumMod val="60000"/>
+              <a:lumOff val="40000"/>
+            </a:schemeClr>
+          </a:solidFill>
+          <a:ln>
+            <a:noFill/>
+          </a:ln>
+        </p:spPr>
+        <p:style>
+          <a:lnRef idx="2">
+            <a:schemeClr val="accent1">
+              <a:shade val="15000"/>
+            </a:schemeClr>
+          </a:lnRef>
+          <a:fillRef idx="1">
+            <a:schemeClr val="accent1"/>
+          </a:fillRef>
+          <a:effectRef idx="0">
+            <a:schemeClr val="accent1"/>
+          </a:effectRef>
+          <a:fontRef idx="minor">
+            <a:schemeClr val="lt1"/>
+          </a:fontRef>
+        </p:style>
+        <p:txBody>
+          <a:bodyPr rtlCol="0" anchor="ctr"/>
+          <a:lstStyle/>
+          <a:p>
+            <a:pPr algn="ctr"/>
+            <a:endParaRPr lang="en-US" dirty="0"/>
+          </a:p>
+        </p:txBody>
+      </p:sp>
+      <p:cxnSp>
+        <p:nvCxnSpPr>
+          <p:cNvPr id="70" name="Straight Connector 69">
+            <a:extLst>
+              <a:ext uri="{FF2B5EF4-FFF2-40B4-BE49-F238E27FC236}">
+                <a16:creationId xmlns:a16="http://schemas.microsoft.com/office/drawing/2014/main" id="{0F37A4D2-FFD3-EE30-5F1E-ED549BE33F79}"/>
+              </a:ext>
+            </a:extLst>
+          </p:cNvPr>
+          <p:cNvCxnSpPr>
+            <a:cxnSpLocks/>
+            <a:stCxn id="41" idx="6"/>
+          </p:cNvCxnSpPr>
+          <p:nvPr/>
+        </p:nvCxnSpPr>
+        <p:spPr>
+          <a:xfrm>
+            <a:off x="5057757" y="1349750"/>
+            <a:ext cx="699432" cy="0"/>
+          </a:xfrm>
+          <a:prstGeom prst="line">
+            <a:avLst/>
+          </a:prstGeom>
+          <a:ln w="25400" cmpd="sng">
+            <a:solidFill>
+              <a:srgbClr val="00B050">
+                <a:alpha val="36000"/>
+              </a:srgbClr>
+            </a:solidFill>
+            <a:prstDash val="solid"/>
+            <a:tailEnd type="triangle"/>
+          </a:ln>
+        </p:spPr>
+        <p:style>
+          <a:lnRef idx="1">
+            <a:schemeClr val="accent1"/>
+          </a:lnRef>
+          <a:fillRef idx="0">
+            <a:schemeClr val="accent1"/>
+          </a:fillRef>
+          <a:effectRef idx="0">
+            <a:schemeClr val="accent1"/>
+          </a:effectRef>
+          <a:fontRef idx="minor">
+            <a:schemeClr val="tx1"/>
+          </a:fontRef>
+        </p:style>
+      </p:cxnSp>
+      <p:cxnSp>
+        <p:nvCxnSpPr>
+          <p:cNvPr id="71" name="Straight Connector 70">
+            <a:extLst>
+              <a:ext uri="{FF2B5EF4-FFF2-40B4-BE49-F238E27FC236}">
+                <a16:creationId xmlns:a16="http://schemas.microsoft.com/office/drawing/2014/main" id="{3F0E6428-2390-6382-1760-9CFF41C3494E}"/>
+              </a:ext>
+            </a:extLst>
+          </p:cNvPr>
+          <p:cNvCxnSpPr>
+            <a:cxnSpLocks/>
+            <a:stCxn id="48" idx="6"/>
+            <a:endCxn id="69" idx="2"/>
+          </p:cNvCxnSpPr>
+          <p:nvPr/>
+        </p:nvCxnSpPr>
+        <p:spPr>
+          <a:xfrm flipV="1">
+            <a:off x="5057755" y="1349749"/>
+            <a:ext cx="699434" cy="980936"/>
+          </a:xfrm>
+          <a:prstGeom prst="line">
+            <a:avLst/>
+          </a:prstGeom>
+          <a:ln w="25400" cmpd="sng">
+            <a:solidFill>
+              <a:srgbClr val="00B050">
+                <a:alpha val="72000"/>
+              </a:srgbClr>
+            </a:solidFill>
+            <a:prstDash val="solid"/>
+            <a:tailEnd type="triangle"/>
+          </a:ln>
+        </p:spPr>
+        <p:style>
+          <a:lnRef idx="1">
+            <a:schemeClr val="accent1"/>
+          </a:lnRef>
+          <a:fillRef idx="0">
+            <a:schemeClr val="accent1"/>
+          </a:fillRef>
+          <a:effectRef idx="0">
+            <a:schemeClr val="accent1"/>
+          </a:effectRef>
+          <a:fontRef idx="minor">
+            <a:schemeClr val="tx1"/>
+          </a:fontRef>
+        </p:style>
+      </p:cxnSp>
+      <p:cxnSp>
+        <p:nvCxnSpPr>
+          <p:cNvPr id="73" name="Straight Connector 72">
+            <a:extLst>
+              <a:ext uri="{FF2B5EF4-FFF2-40B4-BE49-F238E27FC236}">
+                <a16:creationId xmlns:a16="http://schemas.microsoft.com/office/drawing/2014/main" id="{8DE8143E-7C4B-DE87-7547-1298AF67868C}"/>
+              </a:ext>
+            </a:extLst>
+          </p:cNvPr>
+          <p:cNvCxnSpPr>
+            <a:cxnSpLocks/>
+            <a:stCxn id="47" idx="6"/>
+            <a:endCxn id="69" idx="2"/>
+          </p:cNvCxnSpPr>
+          <p:nvPr/>
+        </p:nvCxnSpPr>
+        <p:spPr>
+          <a:xfrm flipV="1">
+            <a:off x="5057756" y="1349749"/>
+            <a:ext cx="699433" cy="338740"/>
+          </a:xfrm>
+          <a:prstGeom prst="line">
+            <a:avLst/>
+          </a:prstGeom>
+          <a:ln w="25400" cmpd="sng">
+            <a:solidFill>
+              <a:srgbClr val="00B050">
+                <a:alpha val="98000"/>
+              </a:srgbClr>
+            </a:solidFill>
+            <a:prstDash val="solid"/>
+            <a:tailEnd type="triangle"/>
+          </a:ln>
+        </p:spPr>
+        <p:style>
+          <a:lnRef idx="1">
+            <a:schemeClr val="accent1"/>
+          </a:lnRef>
+          <a:fillRef idx="0">
+            <a:schemeClr val="accent1"/>
+          </a:fillRef>
+          <a:effectRef idx="0">
+            <a:schemeClr val="accent1"/>
+          </a:effectRef>
+          <a:fontRef idx="minor">
+            <a:schemeClr val="tx1"/>
+          </a:fontRef>
+        </p:style>
+      </p:cxnSp>
+    </p:spTree>
+    <p:extLst>
+      <p:ext uri="{BB962C8B-B14F-4D97-AF65-F5344CB8AC3E}">
+        <p14:creationId xmlns:p14="http://schemas.microsoft.com/office/powerpoint/2010/main" val="3439543710"/>
+      </p:ext>
+    </p:extLst>
+  </p:cSld>
+  <p:clrMapOvr>
+    <a:masterClrMapping/>
+  </p:clrMapOvr>
+</p:sld>
+</file>
+
+<file path=ppt/slides/slide12.xml><?xml version="1.0" encoding="utf-8"?>
 <p:sld xmlns:a="http://schemas.openxmlformats.org/drawingml/2006/main" xmlns:r="http://schemas.openxmlformats.org/officeDocument/2006/relationships" xmlns:p="http://schemas.openxmlformats.org/presentationml/2006/main">
   <p:cSld>
     <p:spTree>

--- a/notes/images.pptx
+++ b/notes/images.pptx
@@ -5,7 +5,7 @@
     <p:sldMasterId id="2147483659" r:id="rId1"/>
   </p:sldMasterIdLst>
   <p:notesMasterIdLst>
-    <p:notesMasterId r:id="rId14"/>
+    <p:notesMasterId r:id="rId15"/>
   </p:notesMasterIdLst>
   <p:sldIdLst>
     <p:sldId id="262" r:id="rId2"/>
@@ -19,7 +19,8 @@
     <p:sldId id="266" r:id="rId10"/>
     <p:sldId id="267" r:id="rId11"/>
     <p:sldId id="269" r:id="rId12"/>
-    <p:sldId id="268" r:id="rId13"/>
+    <p:sldId id="270" r:id="rId13"/>
+    <p:sldId id="271" r:id="rId14"/>
   </p:sldIdLst>
   <p:sldSz cx="9144000" cy="5143500" type="screen16x9"/>
   <p:notesSz cx="6858000" cy="9144000"/>
@@ -10055,7 +10056,7 @@
         <p:cNvPr id="1" name="">
           <a:extLst>
             <a:ext uri="{FF2B5EF4-FFF2-40B4-BE49-F238E27FC236}">
-              <a16:creationId xmlns:a16="http://schemas.microsoft.com/office/drawing/2014/main" id="{F87B0DB3-0332-B3E1-5FD7-4B96FFEDCC24}"/>
+              <a16:creationId xmlns:a16="http://schemas.microsoft.com/office/drawing/2014/main" id="{4A51BFCD-8721-0976-C3A3-795BF396CF37}"/>
             </a:ext>
           </a:extLst>
         </p:cNvPr>
@@ -10070,10 +10071,8852 @@
           <a:chExt cx="0" cy="0"/>
         </a:xfrm>
       </p:grpSpPr>
+      <p:cxnSp>
+        <p:nvCxnSpPr>
+          <p:cNvPr id="6" name="Straight Connector 5">
+            <a:extLst>
+              <a:ext uri="{FF2B5EF4-FFF2-40B4-BE49-F238E27FC236}">
+                <a16:creationId xmlns:a16="http://schemas.microsoft.com/office/drawing/2014/main" id="{D3AD119A-DB60-F8D6-7552-099697EB7ACD}"/>
+              </a:ext>
+            </a:extLst>
+          </p:cNvPr>
+          <p:cNvCxnSpPr>
+            <a:cxnSpLocks/>
+          </p:cNvCxnSpPr>
+          <p:nvPr/>
+        </p:nvCxnSpPr>
+        <p:spPr>
+          <a:xfrm>
+            <a:off x="1209840" y="304800"/>
+            <a:ext cx="0" cy="1955800"/>
+          </a:xfrm>
+          <a:prstGeom prst="line">
+            <a:avLst/>
+          </a:prstGeom>
+          <a:ln w="25400">
+            <a:solidFill>
+              <a:srgbClr val="FF0000"/>
+            </a:solidFill>
+            <a:prstDash val="sysDot"/>
+          </a:ln>
+        </p:spPr>
+        <p:style>
+          <a:lnRef idx="1">
+            <a:schemeClr val="accent1"/>
+          </a:lnRef>
+          <a:fillRef idx="0">
+            <a:schemeClr val="accent1"/>
+          </a:fillRef>
+          <a:effectRef idx="0">
+            <a:schemeClr val="accent1"/>
+          </a:effectRef>
+          <a:fontRef idx="minor">
+            <a:schemeClr val="tx1"/>
+          </a:fontRef>
+        </p:style>
+      </p:cxnSp>
+      <p:grpSp>
+        <p:nvGrpSpPr>
+          <p:cNvPr id="172" name="Group 171">
+            <a:extLst>
+              <a:ext uri="{FF2B5EF4-FFF2-40B4-BE49-F238E27FC236}">
+                <a16:creationId xmlns:a16="http://schemas.microsoft.com/office/drawing/2014/main" id="{4E146558-EC86-40DB-DA04-6F13BC14B7B3}"/>
+              </a:ext>
+            </a:extLst>
+          </p:cNvPr>
+          <p:cNvGrpSpPr/>
+          <p:nvPr/>
+        </p:nvGrpSpPr>
+        <p:grpSpPr>
+          <a:xfrm>
+            <a:off x="633740" y="289199"/>
+            <a:ext cx="1993475" cy="1993475"/>
+            <a:chOff x="633740" y="289199"/>
+            <a:chExt cx="1993475" cy="1993475"/>
+          </a:xfrm>
+        </p:grpSpPr>
+        <p:sp>
+          <p:nvSpPr>
+            <p:cNvPr id="2" name="Rectangle 1">
+              <a:extLst>
+                <a:ext uri="{FF2B5EF4-FFF2-40B4-BE49-F238E27FC236}">
+                  <a16:creationId xmlns:a16="http://schemas.microsoft.com/office/drawing/2014/main" id="{AC86B9B8-43FC-B7F1-5469-FCAC015B61F9}"/>
+                </a:ext>
+              </a:extLst>
+            </p:cNvPr>
+            <p:cNvSpPr/>
+            <p:nvPr/>
+          </p:nvSpPr>
+          <p:spPr>
+            <a:xfrm>
+              <a:off x="633740" y="289199"/>
+              <a:ext cx="1993475" cy="1993475"/>
+            </a:xfrm>
+            <a:prstGeom prst="rect">
+              <a:avLst/>
+            </a:prstGeom>
+            <a:noFill/>
+            <a:ln w="25400">
+              <a:solidFill>
+                <a:schemeClr val="tx1"/>
+              </a:solidFill>
+            </a:ln>
+          </p:spPr>
+          <p:style>
+            <a:lnRef idx="2">
+              <a:schemeClr val="accent1">
+                <a:shade val="15000"/>
+              </a:schemeClr>
+            </a:lnRef>
+            <a:fillRef idx="1">
+              <a:schemeClr val="accent1"/>
+            </a:fillRef>
+            <a:effectRef idx="0">
+              <a:schemeClr val="accent1"/>
+            </a:effectRef>
+            <a:fontRef idx="minor">
+              <a:schemeClr val="lt1"/>
+            </a:fontRef>
+          </p:style>
+          <p:txBody>
+            <a:bodyPr rtlCol="0" anchor="ctr"/>
+            <a:lstStyle/>
+            <a:p>
+              <a:pPr algn="ctr"/>
+              <a:endParaRPr lang="en-US"/>
+            </a:p>
+          </p:txBody>
+        </p:sp>
+        <p:sp>
+          <p:nvSpPr>
+            <p:cNvPr id="15" name="Rectangle 14">
+              <a:extLst>
+                <a:ext uri="{FF2B5EF4-FFF2-40B4-BE49-F238E27FC236}">
+                  <a16:creationId xmlns:a16="http://schemas.microsoft.com/office/drawing/2014/main" id="{B6B9583B-975A-4794-FB37-E8AF43189742}"/>
+                </a:ext>
+              </a:extLst>
+            </p:cNvPr>
+            <p:cNvSpPr>
+              <a:spLocks noChangeAspect="1"/>
+            </p:cNvSpPr>
+            <p:nvPr/>
+          </p:nvSpPr>
+          <p:spPr>
+            <a:xfrm>
+              <a:off x="1962867" y="1816427"/>
+              <a:ext cx="128662" cy="128662"/>
+            </a:xfrm>
+            <a:prstGeom prst="rect">
+              <a:avLst/>
+            </a:prstGeom>
+            <a:solidFill>
+              <a:srgbClr val="00B050"/>
+            </a:solidFill>
+            <a:ln w="12700">
+              <a:solidFill>
+                <a:schemeClr val="tx1"/>
+              </a:solidFill>
+            </a:ln>
+          </p:spPr>
+          <p:style>
+            <a:lnRef idx="2">
+              <a:schemeClr val="accent1">
+                <a:shade val="15000"/>
+              </a:schemeClr>
+            </a:lnRef>
+            <a:fillRef idx="1">
+              <a:schemeClr val="accent1"/>
+            </a:fillRef>
+            <a:effectRef idx="0">
+              <a:schemeClr val="accent1"/>
+            </a:effectRef>
+            <a:fontRef idx="minor">
+              <a:schemeClr val="lt1"/>
+            </a:fontRef>
+          </p:style>
+          <p:txBody>
+            <a:bodyPr rtlCol="0" anchor="ctr"/>
+            <a:lstStyle/>
+            <a:p>
+              <a:pPr algn="ctr"/>
+              <a:endParaRPr lang="en-US"/>
+            </a:p>
+          </p:txBody>
+        </p:sp>
+        <p:sp>
+          <p:nvSpPr>
+            <p:cNvPr id="16" name="Triangle 15">
+              <a:extLst>
+                <a:ext uri="{FF2B5EF4-FFF2-40B4-BE49-F238E27FC236}">
+                  <a16:creationId xmlns:a16="http://schemas.microsoft.com/office/drawing/2014/main" id="{81A34581-6725-02D6-8981-636D1597A214}"/>
+                </a:ext>
+              </a:extLst>
+            </p:cNvPr>
+            <p:cNvSpPr>
+              <a:spLocks noChangeAspect="1"/>
+            </p:cNvSpPr>
+            <p:nvPr/>
+          </p:nvSpPr>
+          <p:spPr>
+            <a:xfrm>
+              <a:off x="858042" y="1484504"/>
+              <a:ext cx="149248" cy="128662"/>
+            </a:xfrm>
+            <a:prstGeom prst="triangle">
+              <a:avLst/>
+            </a:prstGeom>
+            <a:ln w="12700">
+              <a:solidFill>
+                <a:schemeClr val="tx1"/>
+              </a:solidFill>
+            </a:ln>
+          </p:spPr>
+          <p:style>
+            <a:lnRef idx="2">
+              <a:schemeClr val="accent1">
+                <a:shade val="15000"/>
+              </a:schemeClr>
+            </a:lnRef>
+            <a:fillRef idx="1">
+              <a:schemeClr val="accent1"/>
+            </a:fillRef>
+            <a:effectRef idx="0">
+              <a:schemeClr val="accent1"/>
+            </a:effectRef>
+            <a:fontRef idx="minor">
+              <a:schemeClr val="lt1"/>
+            </a:fontRef>
+          </p:style>
+          <p:txBody>
+            <a:bodyPr rtlCol="0" anchor="ctr"/>
+            <a:lstStyle/>
+            <a:p>
+              <a:pPr algn="ctr"/>
+              <a:endParaRPr lang="en-US"/>
+            </a:p>
+          </p:txBody>
+        </p:sp>
+        <p:sp>
+          <p:nvSpPr>
+            <p:cNvPr id="17" name="Triangle 16">
+              <a:extLst>
+                <a:ext uri="{FF2B5EF4-FFF2-40B4-BE49-F238E27FC236}">
+                  <a16:creationId xmlns:a16="http://schemas.microsoft.com/office/drawing/2014/main" id="{8D622E9B-B5A4-7F31-E98B-C3B21FEB7238}"/>
+                </a:ext>
+              </a:extLst>
+            </p:cNvPr>
+            <p:cNvSpPr>
+              <a:spLocks noChangeAspect="1"/>
+            </p:cNvSpPr>
+            <p:nvPr/>
+          </p:nvSpPr>
+          <p:spPr>
+            <a:xfrm>
+              <a:off x="1919364" y="761557"/>
+              <a:ext cx="149248" cy="128662"/>
+            </a:xfrm>
+            <a:prstGeom prst="triangle">
+              <a:avLst/>
+            </a:prstGeom>
+            <a:ln w="12700">
+              <a:solidFill>
+                <a:schemeClr val="tx1"/>
+              </a:solidFill>
+            </a:ln>
+          </p:spPr>
+          <p:style>
+            <a:lnRef idx="2">
+              <a:schemeClr val="accent1">
+                <a:shade val="15000"/>
+              </a:schemeClr>
+            </a:lnRef>
+            <a:fillRef idx="1">
+              <a:schemeClr val="accent1"/>
+            </a:fillRef>
+            <a:effectRef idx="0">
+              <a:schemeClr val="accent1"/>
+            </a:effectRef>
+            <a:fontRef idx="minor">
+              <a:schemeClr val="lt1"/>
+            </a:fontRef>
+          </p:style>
+          <p:txBody>
+            <a:bodyPr rtlCol="0" anchor="ctr"/>
+            <a:lstStyle/>
+            <a:p>
+              <a:pPr algn="ctr"/>
+              <a:endParaRPr lang="en-US"/>
+            </a:p>
+          </p:txBody>
+        </p:sp>
+        <p:sp>
+          <p:nvSpPr>
+            <p:cNvPr id="18" name="Rectangle 17">
+              <a:extLst>
+                <a:ext uri="{FF2B5EF4-FFF2-40B4-BE49-F238E27FC236}">
+                  <a16:creationId xmlns:a16="http://schemas.microsoft.com/office/drawing/2014/main" id="{8D64583F-6A4A-5A8E-E6F5-1ECB7329DFAC}"/>
+                </a:ext>
+              </a:extLst>
+            </p:cNvPr>
+            <p:cNvSpPr>
+              <a:spLocks noChangeAspect="1"/>
+            </p:cNvSpPr>
+            <p:nvPr/>
+          </p:nvSpPr>
+          <p:spPr>
+            <a:xfrm>
+              <a:off x="1277573" y="1348904"/>
+              <a:ext cx="128662" cy="128662"/>
+            </a:xfrm>
+            <a:prstGeom prst="rect">
+              <a:avLst/>
+            </a:prstGeom>
+            <a:solidFill>
+              <a:srgbClr val="00B050"/>
+            </a:solidFill>
+            <a:ln w="12700">
+              <a:solidFill>
+                <a:schemeClr val="tx1"/>
+              </a:solidFill>
+            </a:ln>
+          </p:spPr>
+          <p:style>
+            <a:lnRef idx="2">
+              <a:schemeClr val="accent1">
+                <a:shade val="15000"/>
+              </a:schemeClr>
+            </a:lnRef>
+            <a:fillRef idx="1">
+              <a:schemeClr val="accent1"/>
+            </a:fillRef>
+            <a:effectRef idx="0">
+              <a:schemeClr val="accent1"/>
+            </a:effectRef>
+            <a:fontRef idx="minor">
+              <a:schemeClr val="lt1"/>
+            </a:fontRef>
+          </p:style>
+          <p:txBody>
+            <a:bodyPr rtlCol="0" anchor="ctr"/>
+            <a:lstStyle/>
+            <a:p>
+              <a:pPr algn="ctr"/>
+              <a:endParaRPr lang="en-US"/>
+            </a:p>
+          </p:txBody>
+        </p:sp>
+        <p:sp>
+          <p:nvSpPr>
+            <p:cNvPr id="19" name="Triangle 18">
+              <a:extLst>
+                <a:ext uri="{FF2B5EF4-FFF2-40B4-BE49-F238E27FC236}">
+                  <a16:creationId xmlns:a16="http://schemas.microsoft.com/office/drawing/2014/main" id="{07B5A660-E450-2CB7-C89B-DEE0C12F32A1}"/>
+                </a:ext>
+              </a:extLst>
+            </p:cNvPr>
+            <p:cNvSpPr>
+              <a:spLocks noChangeAspect="1"/>
+            </p:cNvSpPr>
+            <p:nvPr/>
+          </p:nvSpPr>
+          <p:spPr>
+            <a:xfrm>
+              <a:off x="1357975" y="788408"/>
+              <a:ext cx="149248" cy="128662"/>
+            </a:xfrm>
+            <a:prstGeom prst="triangle">
+              <a:avLst/>
+            </a:prstGeom>
+            <a:ln w="12700">
+              <a:solidFill>
+                <a:schemeClr val="tx1"/>
+              </a:solidFill>
+            </a:ln>
+          </p:spPr>
+          <p:style>
+            <a:lnRef idx="2">
+              <a:schemeClr val="accent1">
+                <a:shade val="15000"/>
+              </a:schemeClr>
+            </a:lnRef>
+            <a:fillRef idx="1">
+              <a:schemeClr val="accent1"/>
+            </a:fillRef>
+            <a:effectRef idx="0">
+              <a:schemeClr val="accent1"/>
+            </a:effectRef>
+            <a:fontRef idx="minor">
+              <a:schemeClr val="lt1"/>
+            </a:fontRef>
+          </p:style>
+          <p:txBody>
+            <a:bodyPr rtlCol="0" anchor="ctr"/>
+            <a:lstStyle/>
+            <a:p>
+              <a:pPr algn="ctr"/>
+              <a:endParaRPr lang="en-US"/>
+            </a:p>
+          </p:txBody>
+        </p:sp>
+        <p:sp>
+          <p:nvSpPr>
+            <p:cNvPr id="20" name="Triangle 19">
+              <a:extLst>
+                <a:ext uri="{FF2B5EF4-FFF2-40B4-BE49-F238E27FC236}">
+                  <a16:creationId xmlns:a16="http://schemas.microsoft.com/office/drawing/2014/main" id="{2FEE69DA-A8D7-B4D8-4E75-98B160B6BD62}"/>
+                </a:ext>
+              </a:extLst>
+            </p:cNvPr>
+            <p:cNvSpPr>
+              <a:spLocks noChangeAspect="1"/>
+            </p:cNvSpPr>
+            <p:nvPr/>
+          </p:nvSpPr>
+          <p:spPr>
+            <a:xfrm>
+              <a:off x="1707938" y="518175"/>
+              <a:ext cx="149248" cy="128662"/>
+            </a:xfrm>
+            <a:prstGeom prst="triangle">
+              <a:avLst/>
+            </a:prstGeom>
+            <a:ln w="12700">
+              <a:solidFill>
+                <a:schemeClr val="tx1"/>
+              </a:solidFill>
+            </a:ln>
+          </p:spPr>
+          <p:style>
+            <a:lnRef idx="2">
+              <a:schemeClr val="accent1">
+                <a:shade val="15000"/>
+              </a:schemeClr>
+            </a:lnRef>
+            <a:fillRef idx="1">
+              <a:schemeClr val="accent1"/>
+            </a:fillRef>
+            <a:effectRef idx="0">
+              <a:schemeClr val="accent1"/>
+            </a:effectRef>
+            <a:fontRef idx="minor">
+              <a:schemeClr val="lt1"/>
+            </a:fontRef>
+          </p:style>
+          <p:txBody>
+            <a:bodyPr rtlCol="0" anchor="ctr"/>
+            <a:lstStyle/>
+            <a:p>
+              <a:pPr algn="ctr"/>
+              <a:endParaRPr lang="en-US"/>
+            </a:p>
+          </p:txBody>
+        </p:sp>
+        <p:sp>
+          <p:nvSpPr>
+            <p:cNvPr id="21" name="Rectangle 20">
+              <a:extLst>
+                <a:ext uri="{FF2B5EF4-FFF2-40B4-BE49-F238E27FC236}">
+                  <a16:creationId xmlns:a16="http://schemas.microsoft.com/office/drawing/2014/main" id="{4BAA887F-E988-3D24-A06C-832CF4A72165}"/>
+                </a:ext>
+              </a:extLst>
+            </p:cNvPr>
+            <p:cNvSpPr>
+              <a:spLocks noChangeAspect="1"/>
+            </p:cNvSpPr>
+            <p:nvPr/>
+          </p:nvSpPr>
+          <p:spPr>
+            <a:xfrm>
+              <a:off x="1507223" y="1815352"/>
+              <a:ext cx="128662" cy="128662"/>
+            </a:xfrm>
+            <a:prstGeom prst="rect">
+              <a:avLst/>
+            </a:prstGeom>
+            <a:solidFill>
+              <a:srgbClr val="00B050"/>
+            </a:solidFill>
+            <a:ln w="12700">
+              <a:solidFill>
+                <a:schemeClr val="tx1"/>
+              </a:solidFill>
+            </a:ln>
+          </p:spPr>
+          <p:style>
+            <a:lnRef idx="2">
+              <a:schemeClr val="accent1">
+                <a:shade val="15000"/>
+              </a:schemeClr>
+            </a:lnRef>
+            <a:fillRef idx="1">
+              <a:schemeClr val="accent1"/>
+            </a:fillRef>
+            <a:effectRef idx="0">
+              <a:schemeClr val="accent1"/>
+            </a:effectRef>
+            <a:fontRef idx="minor">
+              <a:schemeClr val="lt1"/>
+            </a:fontRef>
+          </p:style>
+          <p:txBody>
+            <a:bodyPr rtlCol="0" anchor="ctr"/>
+            <a:lstStyle/>
+            <a:p>
+              <a:pPr algn="ctr"/>
+              <a:endParaRPr lang="en-US"/>
+            </a:p>
+          </p:txBody>
+        </p:sp>
+        <p:sp>
+          <p:nvSpPr>
+            <p:cNvPr id="22" name="Rectangle 21">
+              <a:extLst>
+                <a:ext uri="{FF2B5EF4-FFF2-40B4-BE49-F238E27FC236}">
+                  <a16:creationId xmlns:a16="http://schemas.microsoft.com/office/drawing/2014/main" id="{FC21A605-39ED-903C-690C-CD3F1A9B2CBE}"/>
+                </a:ext>
+              </a:extLst>
+            </p:cNvPr>
+            <p:cNvSpPr>
+              <a:spLocks noChangeAspect="1"/>
+            </p:cNvSpPr>
+            <p:nvPr/>
+          </p:nvSpPr>
+          <p:spPr>
+            <a:xfrm>
+              <a:off x="2378746" y="1475554"/>
+              <a:ext cx="128662" cy="128662"/>
+            </a:xfrm>
+            <a:prstGeom prst="rect">
+              <a:avLst/>
+            </a:prstGeom>
+            <a:solidFill>
+              <a:srgbClr val="00B050"/>
+            </a:solidFill>
+            <a:ln w="12700">
+              <a:solidFill>
+                <a:schemeClr val="tx1"/>
+              </a:solidFill>
+            </a:ln>
+          </p:spPr>
+          <p:style>
+            <a:lnRef idx="2">
+              <a:schemeClr val="accent1">
+                <a:shade val="15000"/>
+              </a:schemeClr>
+            </a:lnRef>
+            <a:fillRef idx="1">
+              <a:schemeClr val="accent1"/>
+            </a:fillRef>
+            <a:effectRef idx="0">
+              <a:schemeClr val="accent1"/>
+            </a:effectRef>
+            <a:fontRef idx="minor">
+              <a:schemeClr val="lt1"/>
+            </a:fontRef>
+          </p:style>
+          <p:txBody>
+            <a:bodyPr rtlCol="0" anchor="ctr"/>
+            <a:lstStyle/>
+            <a:p>
+              <a:pPr algn="ctr"/>
+              <a:endParaRPr lang="en-US" dirty="0"/>
+            </a:p>
+          </p:txBody>
+        </p:sp>
+        <p:sp>
+          <p:nvSpPr>
+            <p:cNvPr id="23" name="Rectangle 22">
+              <a:extLst>
+                <a:ext uri="{FF2B5EF4-FFF2-40B4-BE49-F238E27FC236}">
+                  <a16:creationId xmlns:a16="http://schemas.microsoft.com/office/drawing/2014/main" id="{56D87D99-3CDE-1452-D706-57558B054135}"/>
+                </a:ext>
+              </a:extLst>
+            </p:cNvPr>
+            <p:cNvSpPr>
+              <a:spLocks noChangeAspect="1"/>
+            </p:cNvSpPr>
+            <p:nvPr/>
+          </p:nvSpPr>
+          <p:spPr>
+            <a:xfrm>
+              <a:off x="2293710" y="732765"/>
+              <a:ext cx="128662" cy="128662"/>
+            </a:xfrm>
+            <a:prstGeom prst="rect">
+              <a:avLst/>
+            </a:prstGeom>
+            <a:solidFill>
+              <a:srgbClr val="00B050"/>
+            </a:solidFill>
+            <a:ln w="12700">
+              <a:solidFill>
+                <a:schemeClr val="tx1"/>
+              </a:solidFill>
+            </a:ln>
+          </p:spPr>
+          <p:style>
+            <a:lnRef idx="2">
+              <a:schemeClr val="accent1">
+                <a:shade val="15000"/>
+              </a:schemeClr>
+            </a:lnRef>
+            <a:fillRef idx="1">
+              <a:schemeClr val="accent1"/>
+            </a:fillRef>
+            <a:effectRef idx="0">
+              <a:schemeClr val="accent1"/>
+            </a:effectRef>
+            <a:fontRef idx="minor">
+              <a:schemeClr val="lt1"/>
+            </a:fontRef>
+          </p:style>
+          <p:txBody>
+            <a:bodyPr rtlCol="0" anchor="ctr"/>
+            <a:lstStyle/>
+            <a:p>
+              <a:pPr algn="ctr"/>
+              <a:endParaRPr lang="en-US"/>
+            </a:p>
+          </p:txBody>
+        </p:sp>
+        <p:sp>
+          <p:nvSpPr>
+            <p:cNvPr id="24" name="Triangle 23">
+              <a:extLst>
+                <a:ext uri="{FF2B5EF4-FFF2-40B4-BE49-F238E27FC236}">
+                  <a16:creationId xmlns:a16="http://schemas.microsoft.com/office/drawing/2014/main" id="{481D50F9-2811-4476-897A-BEA554840953}"/>
+                </a:ext>
+              </a:extLst>
+            </p:cNvPr>
+            <p:cNvSpPr>
+              <a:spLocks noChangeAspect="1"/>
+            </p:cNvSpPr>
+            <p:nvPr/>
+          </p:nvSpPr>
+          <p:spPr>
+            <a:xfrm>
+              <a:off x="983965" y="1819258"/>
+              <a:ext cx="149248" cy="128662"/>
+            </a:xfrm>
+            <a:prstGeom prst="triangle">
+              <a:avLst/>
+            </a:prstGeom>
+            <a:ln w="12700">
+              <a:solidFill>
+                <a:schemeClr val="tx1"/>
+              </a:solidFill>
+            </a:ln>
+          </p:spPr>
+          <p:style>
+            <a:lnRef idx="2">
+              <a:schemeClr val="accent1">
+                <a:shade val="15000"/>
+              </a:schemeClr>
+            </a:lnRef>
+            <a:fillRef idx="1">
+              <a:schemeClr val="accent1"/>
+            </a:fillRef>
+            <a:effectRef idx="0">
+              <a:schemeClr val="accent1"/>
+            </a:effectRef>
+            <a:fontRef idx="minor">
+              <a:schemeClr val="lt1"/>
+            </a:fontRef>
+          </p:style>
+          <p:txBody>
+            <a:bodyPr rtlCol="0" anchor="ctr"/>
+            <a:lstStyle/>
+            <a:p>
+              <a:pPr algn="ctr"/>
+              <a:endParaRPr lang="en-US"/>
+            </a:p>
+          </p:txBody>
+        </p:sp>
+        <p:sp>
+          <p:nvSpPr>
+            <p:cNvPr id="9" name="Rectangle 8">
+              <a:extLst>
+                <a:ext uri="{FF2B5EF4-FFF2-40B4-BE49-F238E27FC236}">
+                  <a16:creationId xmlns:a16="http://schemas.microsoft.com/office/drawing/2014/main" id="{F282C53A-5412-47F8-3CE5-20622E4988A9}"/>
+                </a:ext>
+              </a:extLst>
+            </p:cNvPr>
+            <p:cNvSpPr>
+              <a:spLocks noChangeAspect="1"/>
+            </p:cNvSpPr>
+            <p:nvPr/>
+          </p:nvSpPr>
+          <p:spPr>
+            <a:xfrm>
+              <a:off x="1744234" y="1577990"/>
+              <a:ext cx="128662" cy="128662"/>
+            </a:xfrm>
+            <a:prstGeom prst="rect">
+              <a:avLst/>
+            </a:prstGeom>
+            <a:solidFill>
+              <a:srgbClr val="00B050"/>
+            </a:solidFill>
+            <a:ln w="12700">
+              <a:solidFill>
+                <a:schemeClr val="tx1"/>
+              </a:solidFill>
+            </a:ln>
+          </p:spPr>
+          <p:style>
+            <a:lnRef idx="2">
+              <a:schemeClr val="accent1">
+                <a:shade val="15000"/>
+              </a:schemeClr>
+            </a:lnRef>
+            <a:fillRef idx="1">
+              <a:schemeClr val="accent1"/>
+            </a:fillRef>
+            <a:effectRef idx="0">
+              <a:schemeClr val="accent1"/>
+            </a:effectRef>
+            <a:fontRef idx="minor">
+              <a:schemeClr val="lt1"/>
+            </a:fontRef>
+          </p:style>
+          <p:txBody>
+            <a:bodyPr rtlCol="0" anchor="ctr"/>
+            <a:lstStyle/>
+            <a:p>
+              <a:pPr algn="ctr"/>
+              <a:endParaRPr lang="en-US"/>
+            </a:p>
+          </p:txBody>
+        </p:sp>
+      </p:grpSp>
+      <p:grpSp>
+        <p:nvGrpSpPr>
+          <p:cNvPr id="173" name="Group 172">
+            <a:extLst>
+              <a:ext uri="{FF2B5EF4-FFF2-40B4-BE49-F238E27FC236}">
+                <a16:creationId xmlns:a16="http://schemas.microsoft.com/office/drawing/2014/main" id="{0FE294E5-1ED0-D4B5-0310-BA9F334EEABF}"/>
+              </a:ext>
+            </a:extLst>
+          </p:cNvPr>
+          <p:cNvGrpSpPr/>
+          <p:nvPr/>
+        </p:nvGrpSpPr>
+        <p:grpSpPr>
+          <a:xfrm>
+            <a:off x="633739" y="2604934"/>
+            <a:ext cx="1993475" cy="1993475"/>
+            <a:chOff x="633740" y="289199"/>
+            <a:chExt cx="1993475" cy="1993475"/>
+          </a:xfrm>
+        </p:grpSpPr>
+        <p:sp>
+          <p:nvSpPr>
+            <p:cNvPr id="174" name="Rectangle 173">
+              <a:extLst>
+                <a:ext uri="{FF2B5EF4-FFF2-40B4-BE49-F238E27FC236}">
+                  <a16:creationId xmlns:a16="http://schemas.microsoft.com/office/drawing/2014/main" id="{4CF30738-9D95-26E0-8D3D-F4ACDFBD2315}"/>
+                </a:ext>
+              </a:extLst>
+            </p:cNvPr>
+            <p:cNvSpPr/>
+            <p:nvPr/>
+          </p:nvSpPr>
+          <p:spPr>
+            <a:xfrm>
+              <a:off x="633740" y="289199"/>
+              <a:ext cx="1993475" cy="1993475"/>
+            </a:xfrm>
+            <a:prstGeom prst="rect">
+              <a:avLst/>
+            </a:prstGeom>
+            <a:noFill/>
+            <a:ln w="25400">
+              <a:solidFill>
+                <a:schemeClr val="tx1"/>
+              </a:solidFill>
+            </a:ln>
+          </p:spPr>
+          <p:style>
+            <a:lnRef idx="2">
+              <a:schemeClr val="accent1">
+                <a:shade val="15000"/>
+              </a:schemeClr>
+            </a:lnRef>
+            <a:fillRef idx="1">
+              <a:schemeClr val="accent1"/>
+            </a:fillRef>
+            <a:effectRef idx="0">
+              <a:schemeClr val="accent1"/>
+            </a:effectRef>
+            <a:fontRef idx="minor">
+              <a:schemeClr val="lt1"/>
+            </a:fontRef>
+          </p:style>
+          <p:txBody>
+            <a:bodyPr rtlCol="0" anchor="ctr"/>
+            <a:lstStyle/>
+            <a:p>
+              <a:pPr algn="ctr"/>
+              <a:endParaRPr lang="en-US"/>
+            </a:p>
+          </p:txBody>
+        </p:sp>
+        <p:sp>
+          <p:nvSpPr>
+            <p:cNvPr id="175" name="Rectangle 174">
+              <a:extLst>
+                <a:ext uri="{FF2B5EF4-FFF2-40B4-BE49-F238E27FC236}">
+                  <a16:creationId xmlns:a16="http://schemas.microsoft.com/office/drawing/2014/main" id="{8D4D97BB-FCDE-A51E-8EA3-5FCE5E469153}"/>
+                </a:ext>
+              </a:extLst>
+            </p:cNvPr>
+            <p:cNvSpPr>
+              <a:spLocks noChangeAspect="1"/>
+            </p:cNvSpPr>
+            <p:nvPr/>
+          </p:nvSpPr>
+          <p:spPr>
+            <a:xfrm>
+              <a:off x="1962867" y="1816427"/>
+              <a:ext cx="128662" cy="128662"/>
+            </a:xfrm>
+            <a:prstGeom prst="rect">
+              <a:avLst/>
+            </a:prstGeom>
+            <a:solidFill>
+              <a:srgbClr val="00B050"/>
+            </a:solidFill>
+            <a:ln w="12700">
+              <a:solidFill>
+                <a:schemeClr val="tx1"/>
+              </a:solidFill>
+            </a:ln>
+          </p:spPr>
+          <p:style>
+            <a:lnRef idx="2">
+              <a:schemeClr val="accent1">
+                <a:shade val="15000"/>
+              </a:schemeClr>
+            </a:lnRef>
+            <a:fillRef idx="1">
+              <a:schemeClr val="accent1"/>
+            </a:fillRef>
+            <a:effectRef idx="0">
+              <a:schemeClr val="accent1"/>
+            </a:effectRef>
+            <a:fontRef idx="minor">
+              <a:schemeClr val="lt1"/>
+            </a:fontRef>
+          </p:style>
+          <p:txBody>
+            <a:bodyPr rtlCol="0" anchor="ctr"/>
+            <a:lstStyle/>
+            <a:p>
+              <a:pPr algn="ctr"/>
+              <a:endParaRPr lang="en-US"/>
+            </a:p>
+          </p:txBody>
+        </p:sp>
+        <p:sp>
+          <p:nvSpPr>
+            <p:cNvPr id="176" name="Triangle 175">
+              <a:extLst>
+                <a:ext uri="{FF2B5EF4-FFF2-40B4-BE49-F238E27FC236}">
+                  <a16:creationId xmlns:a16="http://schemas.microsoft.com/office/drawing/2014/main" id="{5A5CCC00-ABDC-44F7-A743-8E4AE88D94FC}"/>
+                </a:ext>
+              </a:extLst>
+            </p:cNvPr>
+            <p:cNvSpPr>
+              <a:spLocks noChangeAspect="1"/>
+            </p:cNvSpPr>
+            <p:nvPr/>
+          </p:nvSpPr>
+          <p:spPr>
+            <a:xfrm>
+              <a:off x="858042" y="1484504"/>
+              <a:ext cx="149248" cy="128662"/>
+            </a:xfrm>
+            <a:prstGeom prst="triangle">
+              <a:avLst/>
+            </a:prstGeom>
+            <a:ln w="12700">
+              <a:solidFill>
+                <a:schemeClr val="tx1"/>
+              </a:solidFill>
+            </a:ln>
+          </p:spPr>
+          <p:style>
+            <a:lnRef idx="2">
+              <a:schemeClr val="accent1">
+                <a:shade val="15000"/>
+              </a:schemeClr>
+            </a:lnRef>
+            <a:fillRef idx="1">
+              <a:schemeClr val="accent1"/>
+            </a:fillRef>
+            <a:effectRef idx="0">
+              <a:schemeClr val="accent1"/>
+            </a:effectRef>
+            <a:fontRef idx="minor">
+              <a:schemeClr val="lt1"/>
+            </a:fontRef>
+          </p:style>
+          <p:txBody>
+            <a:bodyPr rtlCol="0" anchor="ctr"/>
+            <a:lstStyle/>
+            <a:p>
+              <a:pPr algn="ctr"/>
+              <a:endParaRPr lang="en-US"/>
+            </a:p>
+          </p:txBody>
+        </p:sp>
+        <p:sp>
+          <p:nvSpPr>
+            <p:cNvPr id="177" name="Triangle 176">
+              <a:extLst>
+                <a:ext uri="{FF2B5EF4-FFF2-40B4-BE49-F238E27FC236}">
+                  <a16:creationId xmlns:a16="http://schemas.microsoft.com/office/drawing/2014/main" id="{560845BC-01D3-00AA-495A-0EAB84EEB554}"/>
+                </a:ext>
+              </a:extLst>
+            </p:cNvPr>
+            <p:cNvSpPr>
+              <a:spLocks noChangeAspect="1"/>
+            </p:cNvSpPr>
+            <p:nvPr/>
+          </p:nvSpPr>
+          <p:spPr>
+            <a:xfrm>
+              <a:off x="1919364" y="761557"/>
+              <a:ext cx="265176" cy="228600"/>
+            </a:xfrm>
+            <a:prstGeom prst="triangle">
+              <a:avLst/>
+            </a:prstGeom>
+            <a:ln w="12700">
+              <a:solidFill>
+                <a:schemeClr val="tx1"/>
+              </a:solidFill>
+            </a:ln>
+          </p:spPr>
+          <p:style>
+            <a:lnRef idx="2">
+              <a:schemeClr val="accent1">
+                <a:shade val="15000"/>
+              </a:schemeClr>
+            </a:lnRef>
+            <a:fillRef idx="1">
+              <a:schemeClr val="accent1"/>
+            </a:fillRef>
+            <a:effectRef idx="0">
+              <a:schemeClr val="accent1"/>
+            </a:effectRef>
+            <a:fontRef idx="minor">
+              <a:schemeClr val="lt1"/>
+            </a:fontRef>
+          </p:style>
+          <p:txBody>
+            <a:bodyPr rtlCol="0" anchor="ctr"/>
+            <a:lstStyle/>
+            <a:p>
+              <a:pPr algn="ctr"/>
+              <a:endParaRPr lang="en-US"/>
+            </a:p>
+          </p:txBody>
+        </p:sp>
+        <p:sp>
+          <p:nvSpPr>
+            <p:cNvPr id="178" name="Rectangle 177">
+              <a:extLst>
+                <a:ext uri="{FF2B5EF4-FFF2-40B4-BE49-F238E27FC236}">
+                  <a16:creationId xmlns:a16="http://schemas.microsoft.com/office/drawing/2014/main" id="{65D6B33D-4C03-9E23-70FB-C72639461E09}"/>
+                </a:ext>
+              </a:extLst>
+            </p:cNvPr>
+            <p:cNvSpPr>
+              <a:spLocks noChangeAspect="1"/>
+            </p:cNvSpPr>
+            <p:nvPr/>
+          </p:nvSpPr>
+          <p:spPr>
+            <a:xfrm>
+              <a:off x="1277573" y="1348904"/>
+              <a:ext cx="128662" cy="128662"/>
+            </a:xfrm>
+            <a:prstGeom prst="rect">
+              <a:avLst/>
+            </a:prstGeom>
+            <a:solidFill>
+              <a:srgbClr val="00B050"/>
+            </a:solidFill>
+            <a:ln w="12700">
+              <a:solidFill>
+                <a:schemeClr val="tx1"/>
+              </a:solidFill>
+            </a:ln>
+          </p:spPr>
+          <p:style>
+            <a:lnRef idx="2">
+              <a:schemeClr val="accent1">
+                <a:shade val="15000"/>
+              </a:schemeClr>
+            </a:lnRef>
+            <a:fillRef idx="1">
+              <a:schemeClr val="accent1"/>
+            </a:fillRef>
+            <a:effectRef idx="0">
+              <a:schemeClr val="accent1"/>
+            </a:effectRef>
+            <a:fontRef idx="minor">
+              <a:schemeClr val="lt1"/>
+            </a:fontRef>
+          </p:style>
+          <p:txBody>
+            <a:bodyPr rtlCol="0" anchor="ctr"/>
+            <a:lstStyle/>
+            <a:p>
+              <a:pPr algn="ctr"/>
+              <a:endParaRPr lang="en-US"/>
+            </a:p>
+          </p:txBody>
+        </p:sp>
+        <p:sp>
+          <p:nvSpPr>
+            <p:cNvPr id="179" name="Triangle 178">
+              <a:extLst>
+                <a:ext uri="{FF2B5EF4-FFF2-40B4-BE49-F238E27FC236}">
+                  <a16:creationId xmlns:a16="http://schemas.microsoft.com/office/drawing/2014/main" id="{27D60093-CE46-F33B-70E7-93D1F0B16E32}"/>
+                </a:ext>
+              </a:extLst>
+            </p:cNvPr>
+            <p:cNvSpPr>
+              <a:spLocks noChangeAspect="1"/>
+            </p:cNvSpPr>
+            <p:nvPr/>
+          </p:nvSpPr>
+          <p:spPr>
+            <a:xfrm>
+              <a:off x="1357975" y="788408"/>
+              <a:ext cx="265176" cy="228600"/>
+            </a:xfrm>
+            <a:prstGeom prst="triangle">
+              <a:avLst/>
+            </a:prstGeom>
+            <a:ln w="12700">
+              <a:solidFill>
+                <a:schemeClr val="tx1"/>
+              </a:solidFill>
+            </a:ln>
+          </p:spPr>
+          <p:style>
+            <a:lnRef idx="2">
+              <a:schemeClr val="accent1">
+                <a:shade val="15000"/>
+              </a:schemeClr>
+            </a:lnRef>
+            <a:fillRef idx="1">
+              <a:schemeClr val="accent1"/>
+            </a:fillRef>
+            <a:effectRef idx="0">
+              <a:schemeClr val="accent1"/>
+            </a:effectRef>
+            <a:fontRef idx="minor">
+              <a:schemeClr val="lt1"/>
+            </a:fontRef>
+          </p:style>
+          <p:txBody>
+            <a:bodyPr rtlCol="0" anchor="ctr"/>
+            <a:lstStyle/>
+            <a:p>
+              <a:pPr algn="ctr"/>
+              <a:endParaRPr lang="en-US"/>
+            </a:p>
+          </p:txBody>
+        </p:sp>
+        <p:sp>
+          <p:nvSpPr>
+            <p:cNvPr id="180" name="Triangle 179">
+              <a:extLst>
+                <a:ext uri="{FF2B5EF4-FFF2-40B4-BE49-F238E27FC236}">
+                  <a16:creationId xmlns:a16="http://schemas.microsoft.com/office/drawing/2014/main" id="{CFE79365-369C-B3F2-5407-2FB04D3D2C9B}"/>
+                </a:ext>
+              </a:extLst>
+            </p:cNvPr>
+            <p:cNvSpPr>
+              <a:spLocks noChangeAspect="1"/>
+            </p:cNvSpPr>
+            <p:nvPr/>
+          </p:nvSpPr>
+          <p:spPr>
+            <a:xfrm>
+              <a:off x="1707938" y="518175"/>
+              <a:ext cx="265176" cy="228600"/>
+            </a:xfrm>
+            <a:prstGeom prst="triangle">
+              <a:avLst/>
+            </a:prstGeom>
+            <a:ln w="12700">
+              <a:solidFill>
+                <a:schemeClr val="tx1"/>
+              </a:solidFill>
+            </a:ln>
+          </p:spPr>
+          <p:style>
+            <a:lnRef idx="2">
+              <a:schemeClr val="accent1">
+                <a:shade val="15000"/>
+              </a:schemeClr>
+            </a:lnRef>
+            <a:fillRef idx="1">
+              <a:schemeClr val="accent1"/>
+            </a:fillRef>
+            <a:effectRef idx="0">
+              <a:schemeClr val="accent1"/>
+            </a:effectRef>
+            <a:fontRef idx="minor">
+              <a:schemeClr val="lt1"/>
+            </a:fontRef>
+          </p:style>
+          <p:txBody>
+            <a:bodyPr rtlCol="0" anchor="ctr"/>
+            <a:lstStyle/>
+            <a:p>
+              <a:pPr algn="ctr"/>
+              <a:endParaRPr lang="en-US"/>
+            </a:p>
+          </p:txBody>
+        </p:sp>
+        <p:sp>
+          <p:nvSpPr>
+            <p:cNvPr id="181" name="Rectangle 180">
+              <a:extLst>
+                <a:ext uri="{FF2B5EF4-FFF2-40B4-BE49-F238E27FC236}">
+                  <a16:creationId xmlns:a16="http://schemas.microsoft.com/office/drawing/2014/main" id="{39320BC8-DC69-788A-E37C-9ACFC3817F2E}"/>
+                </a:ext>
+              </a:extLst>
+            </p:cNvPr>
+            <p:cNvSpPr>
+              <a:spLocks noChangeAspect="1"/>
+            </p:cNvSpPr>
+            <p:nvPr/>
+          </p:nvSpPr>
+          <p:spPr>
+            <a:xfrm>
+              <a:off x="1507223" y="1815352"/>
+              <a:ext cx="128662" cy="128662"/>
+            </a:xfrm>
+            <a:prstGeom prst="rect">
+              <a:avLst/>
+            </a:prstGeom>
+            <a:solidFill>
+              <a:srgbClr val="00B050"/>
+            </a:solidFill>
+            <a:ln w="12700">
+              <a:solidFill>
+                <a:schemeClr val="tx1"/>
+              </a:solidFill>
+            </a:ln>
+          </p:spPr>
+          <p:style>
+            <a:lnRef idx="2">
+              <a:schemeClr val="accent1">
+                <a:shade val="15000"/>
+              </a:schemeClr>
+            </a:lnRef>
+            <a:fillRef idx="1">
+              <a:schemeClr val="accent1"/>
+            </a:fillRef>
+            <a:effectRef idx="0">
+              <a:schemeClr val="accent1"/>
+            </a:effectRef>
+            <a:fontRef idx="minor">
+              <a:schemeClr val="lt1"/>
+            </a:fontRef>
+          </p:style>
+          <p:txBody>
+            <a:bodyPr rtlCol="0" anchor="ctr"/>
+            <a:lstStyle/>
+            <a:p>
+              <a:pPr algn="ctr"/>
+              <a:endParaRPr lang="en-US"/>
+            </a:p>
+          </p:txBody>
+        </p:sp>
+        <p:sp>
+          <p:nvSpPr>
+            <p:cNvPr id="182" name="Rectangle 181">
+              <a:extLst>
+                <a:ext uri="{FF2B5EF4-FFF2-40B4-BE49-F238E27FC236}">
+                  <a16:creationId xmlns:a16="http://schemas.microsoft.com/office/drawing/2014/main" id="{0C2A0922-4225-4C15-4E4B-815964D74216}"/>
+                </a:ext>
+              </a:extLst>
+            </p:cNvPr>
+            <p:cNvSpPr>
+              <a:spLocks noChangeAspect="1"/>
+            </p:cNvSpPr>
+            <p:nvPr/>
+          </p:nvSpPr>
+          <p:spPr>
+            <a:xfrm>
+              <a:off x="2378746" y="1475554"/>
+              <a:ext cx="128662" cy="128662"/>
+            </a:xfrm>
+            <a:prstGeom prst="rect">
+              <a:avLst/>
+            </a:prstGeom>
+            <a:solidFill>
+              <a:srgbClr val="00B050"/>
+            </a:solidFill>
+            <a:ln w="12700">
+              <a:solidFill>
+                <a:schemeClr val="tx1"/>
+              </a:solidFill>
+            </a:ln>
+          </p:spPr>
+          <p:style>
+            <a:lnRef idx="2">
+              <a:schemeClr val="accent1">
+                <a:shade val="15000"/>
+              </a:schemeClr>
+            </a:lnRef>
+            <a:fillRef idx="1">
+              <a:schemeClr val="accent1"/>
+            </a:fillRef>
+            <a:effectRef idx="0">
+              <a:schemeClr val="accent1"/>
+            </a:effectRef>
+            <a:fontRef idx="minor">
+              <a:schemeClr val="lt1"/>
+            </a:fontRef>
+          </p:style>
+          <p:txBody>
+            <a:bodyPr rtlCol="0" anchor="ctr"/>
+            <a:lstStyle/>
+            <a:p>
+              <a:pPr algn="ctr"/>
+              <a:endParaRPr lang="en-US" dirty="0"/>
+            </a:p>
+          </p:txBody>
+        </p:sp>
+        <p:sp>
+          <p:nvSpPr>
+            <p:cNvPr id="183" name="Rectangle 182">
+              <a:extLst>
+                <a:ext uri="{FF2B5EF4-FFF2-40B4-BE49-F238E27FC236}">
+                  <a16:creationId xmlns:a16="http://schemas.microsoft.com/office/drawing/2014/main" id="{F820328A-A350-8816-4A32-37B475053F70}"/>
+                </a:ext>
+              </a:extLst>
+            </p:cNvPr>
+            <p:cNvSpPr>
+              <a:spLocks noChangeAspect="1"/>
+            </p:cNvSpPr>
+            <p:nvPr/>
+          </p:nvSpPr>
+          <p:spPr>
+            <a:xfrm>
+              <a:off x="2293710" y="732765"/>
+              <a:ext cx="128662" cy="128662"/>
+            </a:xfrm>
+            <a:prstGeom prst="rect">
+              <a:avLst/>
+            </a:prstGeom>
+            <a:solidFill>
+              <a:srgbClr val="00B050"/>
+            </a:solidFill>
+            <a:ln w="12700">
+              <a:solidFill>
+                <a:schemeClr val="tx1"/>
+              </a:solidFill>
+            </a:ln>
+          </p:spPr>
+          <p:style>
+            <a:lnRef idx="2">
+              <a:schemeClr val="accent1">
+                <a:shade val="15000"/>
+              </a:schemeClr>
+            </a:lnRef>
+            <a:fillRef idx="1">
+              <a:schemeClr val="accent1"/>
+            </a:fillRef>
+            <a:effectRef idx="0">
+              <a:schemeClr val="accent1"/>
+            </a:effectRef>
+            <a:fontRef idx="minor">
+              <a:schemeClr val="lt1"/>
+            </a:fontRef>
+          </p:style>
+          <p:txBody>
+            <a:bodyPr rtlCol="0" anchor="ctr"/>
+            <a:lstStyle/>
+            <a:p>
+              <a:pPr algn="ctr"/>
+              <a:endParaRPr lang="en-US"/>
+            </a:p>
+          </p:txBody>
+        </p:sp>
+        <p:sp>
+          <p:nvSpPr>
+            <p:cNvPr id="184" name="Triangle 183">
+              <a:extLst>
+                <a:ext uri="{FF2B5EF4-FFF2-40B4-BE49-F238E27FC236}">
+                  <a16:creationId xmlns:a16="http://schemas.microsoft.com/office/drawing/2014/main" id="{99627AAA-2F35-C4D5-7893-CE8AFD140B4F}"/>
+                </a:ext>
+              </a:extLst>
+            </p:cNvPr>
+            <p:cNvSpPr>
+              <a:spLocks noChangeAspect="1"/>
+            </p:cNvSpPr>
+            <p:nvPr/>
+          </p:nvSpPr>
+          <p:spPr>
+            <a:xfrm>
+              <a:off x="983965" y="1819258"/>
+              <a:ext cx="149248" cy="128662"/>
+            </a:xfrm>
+            <a:prstGeom prst="triangle">
+              <a:avLst/>
+            </a:prstGeom>
+            <a:ln w="12700">
+              <a:solidFill>
+                <a:schemeClr val="tx1"/>
+              </a:solidFill>
+            </a:ln>
+          </p:spPr>
+          <p:style>
+            <a:lnRef idx="2">
+              <a:schemeClr val="accent1">
+                <a:shade val="15000"/>
+              </a:schemeClr>
+            </a:lnRef>
+            <a:fillRef idx="1">
+              <a:schemeClr val="accent1"/>
+            </a:fillRef>
+            <a:effectRef idx="0">
+              <a:schemeClr val="accent1"/>
+            </a:effectRef>
+            <a:fontRef idx="minor">
+              <a:schemeClr val="lt1"/>
+            </a:fontRef>
+          </p:style>
+          <p:txBody>
+            <a:bodyPr rtlCol="0" anchor="ctr"/>
+            <a:lstStyle/>
+            <a:p>
+              <a:pPr algn="ctr"/>
+              <a:endParaRPr lang="en-US"/>
+            </a:p>
+          </p:txBody>
+        </p:sp>
+        <p:sp>
+          <p:nvSpPr>
+            <p:cNvPr id="185" name="Rectangle 184">
+              <a:extLst>
+                <a:ext uri="{FF2B5EF4-FFF2-40B4-BE49-F238E27FC236}">
+                  <a16:creationId xmlns:a16="http://schemas.microsoft.com/office/drawing/2014/main" id="{358C6C95-CF1E-4724-F640-F86CEE16EF53}"/>
+                </a:ext>
+              </a:extLst>
+            </p:cNvPr>
+            <p:cNvSpPr>
+              <a:spLocks noChangeAspect="1"/>
+            </p:cNvSpPr>
+            <p:nvPr/>
+          </p:nvSpPr>
+          <p:spPr>
+            <a:xfrm>
+              <a:off x="1744234" y="1577990"/>
+              <a:ext cx="128662" cy="128662"/>
+            </a:xfrm>
+            <a:prstGeom prst="rect">
+              <a:avLst/>
+            </a:prstGeom>
+            <a:solidFill>
+              <a:srgbClr val="00B050"/>
+            </a:solidFill>
+            <a:ln w="12700">
+              <a:solidFill>
+                <a:schemeClr val="tx1"/>
+              </a:solidFill>
+            </a:ln>
+          </p:spPr>
+          <p:style>
+            <a:lnRef idx="2">
+              <a:schemeClr val="accent1">
+                <a:shade val="15000"/>
+              </a:schemeClr>
+            </a:lnRef>
+            <a:fillRef idx="1">
+              <a:schemeClr val="accent1"/>
+            </a:fillRef>
+            <a:effectRef idx="0">
+              <a:schemeClr val="accent1"/>
+            </a:effectRef>
+            <a:fontRef idx="minor">
+              <a:schemeClr val="lt1"/>
+            </a:fontRef>
+          </p:style>
+          <p:txBody>
+            <a:bodyPr rtlCol="0" anchor="ctr"/>
+            <a:lstStyle/>
+            <a:p>
+              <a:pPr algn="ctr"/>
+              <a:endParaRPr lang="en-US"/>
+            </a:p>
+          </p:txBody>
+        </p:sp>
+      </p:grpSp>
+      <p:cxnSp>
+        <p:nvCxnSpPr>
+          <p:cNvPr id="188" name="Straight Connector 187">
+            <a:extLst>
+              <a:ext uri="{FF2B5EF4-FFF2-40B4-BE49-F238E27FC236}">
+                <a16:creationId xmlns:a16="http://schemas.microsoft.com/office/drawing/2014/main" id="{8D6AE08F-EDD9-1A2C-8878-BA5804B44B8D}"/>
+              </a:ext>
+            </a:extLst>
+          </p:cNvPr>
+          <p:cNvCxnSpPr>
+            <a:cxnSpLocks/>
+          </p:cNvCxnSpPr>
+          <p:nvPr/>
+        </p:nvCxnSpPr>
+        <p:spPr>
+          <a:xfrm>
+            <a:off x="1209840" y="2613401"/>
+            <a:ext cx="0" cy="1983999"/>
+          </a:xfrm>
+          <a:prstGeom prst="line">
+            <a:avLst/>
+          </a:prstGeom>
+          <a:ln w="25400">
+            <a:solidFill>
+              <a:srgbClr val="FF0000"/>
+            </a:solidFill>
+            <a:prstDash val="sysDot"/>
+          </a:ln>
+        </p:spPr>
+        <p:style>
+          <a:lnRef idx="1">
+            <a:schemeClr val="accent1"/>
+          </a:lnRef>
+          <a:fillRef idx="0">
+            <a:schemeClr val="accent1"/>
+          </a:fillRef>
+          <a:effectRef idx="0">
+            <a:schemeClr val="accent1"/>
+          </a:effectRef>
+          <a:fontRef idx="minor">
+            <a:schemeClr val="tx1"/>
+          </a:fontRef>
+        </p:style>
+      </p:cxnSp>
+      <p:grpSp>
+        <p:nvGrpSpPr>
+          <p:cNvPr id="189" name="Group 188">
+            <a:extLst>
+              <a:ext uri="{FF2B5EF4-FFF2-40B4-BE49-F238E27FC236}">
+                <a16:creationId xmlns:a16="http://schemas.microsoft.com/office/drawing/2014/main" id="{BDB67EED-4A51-48C0-41D4-D22983785350}"/>
+              </a:ext>
+            </a:extLst>
+          </p:cNvPr>
+          <p:cNvGrpSpPr/>
+          <p:nvPr/>
+        </p:nvGrpSpPr>
+        <p:grpSpPr>
+          <a:xfrm>
+            <a:off x="2977439" y="289198"/>
+            <a:ext cx="1993475" cy="1993475"/>
+            <a:chOff x="633740" y="289199"/>
+            <a:chExt cx="1993475" cy="1993475"/>
+          </a:xfrm>
+        </p:grpSpPr>
+        <p:sp>
+          <p:nvSpPr>
+            <p:cNvPr id="190" name="Rectangle 189">
+              <a:extLst>
+                <a:ext uri="{FF2B5EF4-FFF2-40B4-BE49-F238E27FC236}">
+                  <a16:creationId xmlns:a16="http://schemas.microsoft.com/office/drawing/2014/main" id="{66840374-E369-19CA-2E2C-9DB69E5B28F9}"/>
+                </a:ext>
+              </a:extLst>
+            </p:cNvPr>
+            <p:cNvSpPr/>
+            <p:nvPr/>
+          </p:nvSpPr>
+          <p:spPr>
+            <a:xfrm>
+              <a:off x="633740" y="289199"/>
+              <a:ext cx="1993475" cy="1993475"/>
+            </a:xfrm>
+            <a:prstGeom prst="rect">
+              <a:avLst/>
+            </a:prstGeom>
+            <a:noFill/>
+            <a:ln w="25400">
+              <a:solidFill>
+                <a:schemeClr val="tx1"/>
+              </a:solidFill>
+            </a:ln>
+          </p:spPr>
+          <p:style>
+            <a:lnRef idx="2">
+              <a:schemeClr val="accent1">
+                <a:shade val="15000"/>
+              </a:schemeClr>
+            </a:lnRef>
+            <a:fillRef idx="1">
+              <a:schemeClr val="accent1"/>
+            </a:fillRef>
+            <a:effectRef idx="0">
+              <a:schemeClr val="accent1"/>
+            </a:effectRef>
+            <a:fontRef idx="minor">
+              <a:schemeClr val="lt1"/>
+            </a:fontRef>
+          </p:style>
+          <p:txBody>
+            <a:bodyPr rtlCol="0" anchor="ctr"/>
+            <a:lstStyle/>
+            <a:p>
+              <a:pPr algn="ctr"/>
+              <a:endParaRPr lang="en-US"/>
+            </a:p>
+          </p:txBody>
+        </p:sp>
+        <p:sp>
+          <p:nvSpPr>
+            <p:cNvPr id="191" name="Rectangle 190">
+              <a:extLst>
+                <a:ext uri="{FF2B5EF4-FFF2-40B4-BE49-F238E27FC236}">
+                  <a16:creationId xmlns:a16="http://schemas.microsoft.com/office/drawing/2014/main" id="{5BCB9261-9907-14EF-8819-87FF0E270CB4}"/>
+                </a:ext>
+              </a:extLst>
+            </p:cNvPr>
+            <p:cNvSpPr>
+              <a:spLocks noChangeAspect="1"/>
+            </p:cNvSpPr>
+            <p:nvPr/>
+          </p:nvSpPr>
+          <p:spPr>
+            <a:xfrm>
+              <a:off x="1962867" y="1816427"/>
+              <a:ext cx="128662" cy="128662"/>
+            </a:xfrm>
+            <a:prstGeom prst="rect">
+              <a:avLst/>
+            </a:prstGeom>
+            <a:solidFill>
+              <a:srgbClr val="00B050"/>
+            </a:solidFill>
+            <a:ln w="12700">
+              <a:solidFill>
+                <a:schemeClr val="tx1"/>
+              </a:solidFill>
+            </a:ln>
+          </p:spPr>
+          <p:style>
+            <a:lnRef idx="2">
+              <a:schemeClr val="accent1">
+                <a:shade val="15000"/>
+              </a:schemeClr>
+            </a:lnRef>
+            <a:fillRef idx="1">
+              <a:schemeClr val="accent1"/>
+            </a:fillRef>
+            <a:effectRef idx="0">
+              <a:schemeClr val="accent1"/>
+            </a:effectRef>
+            <a:fontRef idx="minor">
+              <a:schemeClr val="lt1"/>
+            </a:fontRef>
+          </p:style>
+          <p:txBody>
+            <a:bodyPr rtlCol="0" anchor="ctr"/>
+            <a:lstStyle/>
+            <a:p>
+              <a:pPr algn="ctr"/>
+              <a:endParaRPr lang="en-US"/>
+            </a:p>
+          </p:txBody>
+        </p:sp>
+        <p:sp>
+          <p:nvSpPr>
+            <p:cNvPr id="192" name="Triangle 191">
+              <a:extLst>
+                <a:ext uri="{FF2B5EF4-FFF2-40B4-BE49-F238E27FC236}">
+                  <a16:creationId xmlns:a16="http://schemas.microsoft.com/office/drawing/2014/main" id="{E194936D-F6E1-EA33-5F4F-D72365603B89}"/>
+                </a:ext>
+              </a:extLst>
+            </p:cNvPr>
+            <p:cNvSpPr>
+              <a:spLocks noChangeAspect="1"/>
+            </p:cNvSpPr>
+            <p:nvPr/>
+          </p:nvSpPr>
+          <p:spPr>
+            <a:xfrm>
+              <a:off x="858042" y="1484504"/>
+              <a:ext cx="149248" cy="128662"/>
+            </a:xfrm>
+            <a:prstGeom prst="triangle">
+              <a:avLst/>
+            </a:prstGeom>
+            <a:ln w="12700">
+              <a:solidFill>
+                <a:schemeClr val="tx1"/>
+              </a:solidFill>
+            </a:ln>
+          </p:spPr>
+          <p:style>
+            <a:lnRef idx="2">
+              <a:schemeClr val="accent1">
+                <a:shade val="15000"/>
+              </a:schemeClr>
+            </a:lnRef>
+            <a:fillRef idx="1">
+              <a:schemeClr val="accent1"/>
+            </a:fillRef>
+            <a:effectRef idx="0">
+              <a:schemeClr val="accent1"/>
+            </a:effectRef>
+            <a:fontRef idx="minor">
+              <a:schemeClr val="lt1"/>
+            </a:fontRef>
+          </p:style>
+          <p:txBody>
+            <a:bodyPr rtlCol="0" anchor="ctr"/>
+            <a:lstStyle/>
+            <a:p>
+              <a:pPr algn="ctr"/>
+              <a:endParaRPr lang="en-US"/>
+            </a:p>
+          </p:txBody>
+        </p:sp>
+        <p:sp>
+          <p:nvSpPr>
+            <p:cNvPr id="193" name="Triangle 192">
+              <a:extLst>
+                <a:ext uri="{FF2B5EF4-FFF2-40B4-BE49-F238E27FC236}">
+                  <a16:creationId xmlns:a16="http://schemas.microsoft.com/office/drawing/2014/main" id="{F75E4E9A-1958-2802-DD0B-98DFA03E42C7}"/>
+                </a:ext>
+              </a:extLst>
+            </p:cNvPr>
+            <p:cNvSpPr>
+              <a:spLocks noChangeAspect="1"/>
+            </p:cNvSpPr>
+            <p:nvPr/>
+          </p:nvSpPr>
+          <p:spPr>
+            <a:xfrm>
+              <a:off x="1919364" y="761557"/>
+              <a:ext cx="265176" cy="228600"/>
+            </a:xfrm>
+            <a:prstGeom prst="triangle">
+              <a:avLst/>
+            </a:prstGeom>
+            <a:ln w="12700">
+              <a:solidFill>
+                <a:schemeClr val="tx1"/>
+              </a:solidFill>
+            </a:ln>
+          </p:spPr>
+          <p:style>
+            <a:lnRef idx="2">
+              <a:schemeClr val="accent1">
+                <a:shade val="15000"/>
+              </a:schemeClr>
+            </a:lnRef>
+            <a:fillRef idx="1">
+              <a:schemeClr val="accent1"/>
+            </a:fillRef>
+            <a:effectRef idx="0">
+              <a:schemeClr val="accent1"/>
+            </a:effectRef>
+            <a:fontRef idx="minor">
+              <a:schemeClr val="lt1"/>
+            </a:fontRef>
+          </p:style>
+          <p:txBody>
+            <a:bodyPr rtlCol="0" anchor="ctr"/>
+            <a:lstStyle/>
+            <a:p>
+              <a:pPr algn="ctr"/>
+              <a:endParaRPr lang="en-US"/>
+            </a:p>
+          </p:txBody>
+        </p:sp>
+        <p:sp>
+          <p:nvSpPr>
+            <p:cNvPr id="194" name="Rectangle 193">
+              <a:extLst>
+                <a:ext uri="{FF2B5EF4-FFF2-40B4-BE49-F238E27FC236}">
+                  <a16:creationId xmlns:a16="http://schemas.microsoft.com/office/drawing/2014/main" id="{693815DE-27E1-DAF6-6DA1-1366A38678CF}"/>
+                </a:ext>
+              </a:extLst>
+            </p:cNvPr>
+            <p:cNvSpPr>
+              <a:spLocks noChangeAspect="1"/>
+            </p:cNvSpPr>
+            <p:nvPr/>
+          </p:nvSpPr>
+          <p:spPr>
+            <a:xfrm>
+              <a:off x="1277573" y="1348904"/>
+              <a:ext cx="128662" cy="128662"/>
+            </a:xfrm>
+            <a:prstGeom prst="rect">
+              <a:avLst/>
+            </a:prstGeom>
+            <a:solidFill>
+              <a:srgbClr val="00B050"/>
+            </a:solidFill>
+            <a:ln w="12700">
+              <a:solidFill>
+                <a:schemeClr val="tx1"/>
+              </a:solidFill>
+            </a:ln>
+          </p:spPr>
+          <p:style>
+            <a:lnRef idx="2">
+              <a:schemeClr val="accent1">
+                <a:shade val="15000"/>
+              </a:schemeClr>
+            </a:lnRef>
+            <a:fillRef idx="1">
+              <a:schemeClr val="accent1"/>
+            </a:fillRef>
+            <a:effectRef idx="0">
+              <a:schemeClr val="accent1"/>
+            </a:effectRef>
+            <a:fontRef idx="minor">
+              <a:schemeClr val="lt1"/>
+            </a:fontRef>
+          </p:style>
+          <p:txBody>
+            <a:bodyPr rtlCol="0" anchor="ctr"/>
+            <a:lstStyle/>
+            <a:p>
+              <a:pPr algn="ctr"/>
+              <a:endParaRPr lang="en-US"/>
+            </a:p>
+          </p:txBody>
+        </p:sp>
+        <p:sp>
+          <p:nvSpPr>
+            <p:cNvPr id="195" name="Triangle 194">
+              <a:extLst>
+                <a:ext uri="{FF2B5EF4-FFF2-40B4-BE49-F238E27FC236}">
+                  <a16:creationId xmlns:a16="http://schemas.microsoft.com/office/drawing/2014/main" id="{A71ADA2A-B912-6632-4BDF-5D270D0F8C86}"/>
+                </a:ext>
+              </a:extLst>
+            </p:cNvPr>
+            <p:cNvSpPr>
+              <a:spLocks noChangeAspect="1"/>
+            </p:cNvSpPr>
+            <p:nvPr/>
+          </p:nvSpPr>
+          <p:spPr>
+            <a:xfrm>
+              <a:off x="1357975" y="788408"/>
+              <a:ext cx="265176" cy="228600"/>
+            </a:xfrm>
+            <a:prstGeom prst="triangle">
+              <a:avLst/>
+            </a:prstGeom>
+            <a:ln w="12700">
+              <a:solidFill>
+                <a:schemeClr val="tx1"/>
+              </a:solidFill>
+            </a:ln>
+          </p:spPr>
+          <p:style>
+            <a:lnRef idx="2">
+              <a:schemeClr val="accent1">
+                <a:shade val="15000"/>
+              </a:schemeClr>
+            </a:lnRef>
+            <a:fillRef idx="1">
+              <a:schemeClr val="accent1"/>
+            </a:fillRef>
+            <a:effectRef idx="0">
+              <a:schemeClr val="accent1"/>
+            </a:effectRef>
+            <a:fontRef idx="minor">
+              <a:schemeClr val="lt1"/>
+            </a:fontRef>
+          </p:style>
+          <p:txBody>
+            <a:bodyPr rtlCol="0" anchor="ctr"/>
+            <a:lstStyle/>
+            <a:p>
+              <a:pPr algn="ctr"/>
+              <a:endParaRPr lang="en-US"/>
+            </a:p>
+          </p:txBody>
+        </p:sp>
+        <p:sp>
+          <p:nvSpPr>
+            <p:cNvPr id="196" name="Triangle 195">
+              <a:extLst>
+                <a:ext uri="{FF2B5EF4-FFF2-40B4-BE49-F238E27FC236}">
+                  <a16:creationId xmlns:a16="http://schemas.microsoft.com/office/drawing/2014/main" id="{8D814B49-E407-E163-60A3-4AF6DD0C770D}"/>
+                </a:ext>
+              </a:extLst>
+            </p:cNvPr>
+            <p:cNvSpPr>
+              <a:spLocks noChangeAspect="1"/>
+            </p:cNvSpPr>
+            <p:nvPr/>
+          </p:nvSpPr>
+          <p:spPr>
+            <a:xfrm>
+              <a:off x="1707938" y="518175"/>
+              <a:ext cx="265176" cy="228600"/>
+            </a:xfrm>
+            <a:prstGeom prst="triangle">
+              <a:avLst/>
+            </a:prstGeom>
+            <a:ln w="12700">
+              <a:solidFill>
+                <a:schemeClr val="tx1"/>
+              </a:solidFill>
+            </a:ln>
+          </p:spPr>
+          <p:style>
+            <a:lnRef idx="2">
+              <a:schemeClr val="accent1">
+                <a:shade val="15000"/>
+              </a:schemeClr>
+            </a:lnRef>
+            <a:fillRef idx="1">
+              <a:schemeClr val="accent1"/>
+            </a:fillRef>
+            <a:effectRef idx="0">
+              <a:schemeClr val="accent1"/>
+            </a:effectRef>
+            <a:fontRef idx="minor">
+              <a:schemeClr val="lt1"/>
+            </a:fontRef>
+          </p:style>
+          <p:txBody>
+            <a:bodyPr rtlCol="0" anchor="ctr"/>
+            <a:lstStyle/>
+            <a:p>
+              <a:pPr algn="ctr"/>
+              <a:endParaRPr lang="en-US"/>
+            </a:p>
+          </p:txBody>
+        </p:sp>
+        <p:sp>
+          <p:nvSpPr>
+            <p:cNvPr id="197" name="Rectangle 196">
+              <a:extLst>
+                <a:ext uri="{FF2B5EF4-FFF2-40B4-BE49-F238E27FC236}">
+                  <a16:creationId xmlns:a16="http://schemas.microsoft.com/office/drawing/2014/main" id="{8B8646FD-A75F-FB8C-D377-9B24C1560B25}"/>
+                </a:ext>
+              </a:extLst>
+            </p:cNvPr>
+            <p:cNvSpPr>
+              <a:spLocks noChangeAspect="1"/>
+            </p:cNvSpPr>
+            <p:nvPr/>
+          </p:nvSpPr>
+          <p:spPr>
+            <a:xfrm>
+              <a:off x="1507223" y="1815352"/>
+              <a:ext cx="128662" cy="128662"/>
+            </a:xfrm>
+            <a:prstGeom prst="rect">
+              <a:avLst/>
+            </a:prstGeom>
+            <a:solidFill>
+              <a:srgbClr val="00B050"/>
+            </a:solidFill>
+            <a:ln w="12700">
+              <a:solidFill>
+                <a:schemeClr val="tx1"/>
+              </a:solidFill>
+            </a:ln>
+          </p:spPr>
+          <p:style>
+            <a:lnRef idx="2">
+              <a:schemeClr val="accent1">
+                <a:shade val="15000"/>
+              </a:schemeClr>
+            </a:lnRef>
+            <a:fillRef idx="1">
+              <a:schemeClr val="accent1"/>
+            </a:fillRef>
+            <a:effectRef idx="0">
+              <a:schemeClr val="accent1"/>
+            </a:effectRef>
+            <a:fontRef idx="minor">
+              <a:schemeClr val="lt1"/>
+            </a:fontRef>
+          </p:style>
+          <p:txBody>
+            <a:bodyPr rtlCol="0" anchor="ctr"/>
+            <a:lstStyle/>
+            <a:p>
+              <a:pPr algn="ctr"/>
+              <a:endParaRPr lang="en-US"/>
+            </a:p>
+          </p:txBody>
+        </p:sp>
+        <p:sp>
+          <p:nvSpPr>
+            <p:cNvPr id="198" name="Rectangle 197">
+              <a:extLst>
+                <a:ext uri="{FF2B5EF4-FFF2-40B4-BE49-F238E27FC236}">
+                  <a16:creationId xmlns:a16="http://schemas.microsoft.com/office/drawing/2014/main" id="{9F461AC4-3291-0112-017E-D2F69BABD4FE}"/>
+                </a:ext>
+              </a:extLst>
+            </p:cNvPr>
+            <p:cNvSpPr>
+              <a:spLocks noChangeAspect="1"/>
+            </p:cNvSpPr>
+            <p:nvPr/>
+          </p:nvSpPr>
+          <p:spPr>
+            <a:xfrm>
+              <a:off x="2378746" y="1475554"/>
+              <a:ext cx="128662" cy="128662"/>
+            </a:xfrm>
+            <a:prstGeom prst="rect">
+              <a:avLst/>
+            </a:prstGeom>
+            <a:solidFill>
+              <a:srgbClr val="00B050"/>
+            </a:solidFill>
+            <a:ln w="12700">
+              <a:solidFill>
+                <a:schemeClr val="tx1"/>
+              </a:solidFill>
+            </a:ln>
+          </p:spPr>
+          <p:style>
+            <a:lnRef idx="2">
+              <a:schemeClr val="accent1">
+                <a:shade val="15000"/>
+              </a:schemeClr>
+            </a:lnRef>
+            <a:fillRef idx="1">
+              <a:schemeClr val="accent1"/>
+            </a:fillRef>
+            <a:effectRef idx="0">
+              <a:schemeClr val="accent1"/>
+            </a:effectRef>
+            <a:fontRef idx="minor">
+              <a:schemeClr val="lt1"/>
+            </a:fontRef>
+          </p:style>
+          <p:txBody>
+            <a:bodyPr rtlCol="0" anchor="ctr"/>
+            <a:lstStyle/>
+            <a:p>
+              <a:pPr algn="ctr"/>
+              <a:endParaRPr lang="en-US" dirty="0"/>
+            </a:p>
+          </p:txBody>
+        </p:sp>
+        <p:sp>
+          <p:nvSpPr>
+            <p:cNvPr id="199" name="Rectangle 198">
+              <a:extLst>
+                <a:ext uri="{FF2B5EF4-FFF2-40B4-BE49-F238E27FC236}">
+                  <a16:creationId xmlns:a16="http://schemas.microsoft.com/office/drawing/2014/main" id="{66BD5736-F88F-B11A-CC75-7C6763AF18D4}"/>
+                </a:ext>
+              </a:extLst>
+            </p:cNvPr>
+            <p:cNvSpPr>
+              <a:spLocks noChangeAspect="1"/>
+            </p:cNvSpPr>
+            <p:nvPr/>
+          </p:nvSpPr>
+          <p:spPr>
+            <a:xfrm>
+              <a:off x="2293710" y="732765"/>
+              <a:ext cx="128662" cy="128662"/>
+            </a:xfrm>
+            <a:prstGeom prst="rect">
+              <a:avLst/>
+            </a:prstGeom>
+            <a:solidFill>
+              <a:srgbClr val="00B050"/>
+            </a:solidFill>
+            <a:ln w="12700">
+              <a:solidFill>
+                <a:schemeClr val="tx1"/>
+              </a:solidFill>
+            </a:ln>
+          </p:spPr>
+          <p:style>
+            <a:lnRef idx="2">
+              <a:schemeClr val="accent1">
+                <a:shade val="15000"/>
+              </a:schemeClr>
+            </a:lnRef>
+            <a:fillRef idx="1">
+              <a:schemeClr val="accent1"/>
+            </a:fillRef>
+            <a:effectRef idx="0">
+              <a:schemeClr val="accent1"/>
+            </a:effectRef>
+            <a:fontRef idx="minor">
+              <a:schemeClr val="lt1"/>
+            </a:fontRef>
+          </p:style>
+          <p:txBody>
+            <a:bodyPr rtlCol="0" anchor="ctr"/>
+            <a:lstStyle/>
+            <a:p>
+              <a:pPr algn="ctr"/>
+              <a:endParaRPr lang="en-US"/>
+            </a:p>
+          </p:txBody>
+        </p:sp>
+        <p:sp>
+          <p:nvSpPr>
+            <p:cNvPr id="200" name="Triangle 199">
+              <a:extLst>
+                <a:ext uri="{FF2B5EF4-FFF2-40B4-BE49-F238E27FC236}">
+                  <a16:creationId xmlns:a16="http://schemas.microsoft.com/office/drawing/2014/main" id="{0B2F5D1E-A28E-6815-BE7A-709F188ADBBF}"/>
+                </a:ext>
+              </a:extLst>
+            </p:cNvPr>
+            <p:cNvSpPr>
+              <a:spLocks noChangeAspect="1"/>
+            </p:cNvSpPr>
+            <p:nvPr/>
+          </p:nvSpPr>
+          <p:spPr>
+            <a:xfrm>
+              <a:off x="983965" y="1819258"/>
+              <a:ext cx="149248" cy="128662"/>
+            </a:xfrm>
+            <a:prstGeom prst="triangle">
+              <a:avLst/>
+            </a:prstGeom>
+            <a:ln w="12700">
+              <a:solidFill>
+                <a:schemeClr val="tx1"/>
+              </a:solidFill>
+            </a:ln>
+          </p:spPr>
+          <p:style>
+            <a:lnRef idx="2">
+              <a:schemeClr val="accent1">
+                <a:shade val="15000"/>
+              </a:schemeClr>
+            </a:lnRef>
+            <a:fillRef idx="1">
+              <a:schemeClr val="accent1"/>
+            </a:fillRef>
+            <a:effectRef idx="0">
+              <a:schemeClr val="accent1"/>
+            </a:effectRef>
+            <a:fontRef idx="minor">
+              <a:schemeClr val="lt1"/>
+            </a:fontRef>
+          </p:style>
+          <p:txBody>
+            <a:bodyPr rtlCol="0" anchor="ctr"/>
+            <a:lstStyle/>
+            <a:p>
+              <a:pPr algn="ctr"/>
+              <a:endParaRPr lang="en-US"/>
+            </a:p>
+          </p:txBody>
+        </p:sp>
+        <p:sp>
+          <p:nvSpPr>
+            <p:cNvPr id="201" name="Rectangle 200">
+              <a:extLst>
+                <a:ext uri="{FF2B5EF4-FFF2-40B4-BE49-F238E27FC236}">
+                  <a16:creationId xmlns:a16="http://schemas.microsoft.com/office/drawing/2014/main" id="{180C9B06-D2B0-109B-878F-D2A732550484}"/>
+                </a:ext>
+              </a:extLst>
+            </p:cNvPr>
+            <p:cNvSpPr>
+              <a:spLocks noChangeAspect="1"/>
+            </p:cNvSpPr>
+            <p:nvPr/>
+          </p:nvSpPr>
+          <p:spPr>
+            <a:xfrm>
+              <a:off x="1744234" y="1577990"/>
+              <a:ext cx="128662" cy="128662"/>
+            </a:xfrm>
+            <a:prstGeom prst="rect">
+              <a:avLst/>
+            </a:prstGeom>
+            <a:solidFill>
+              <a:srgbClr val="00B050"/>
+            </a:solidFill>
+            <a:ln w="12700">
+              <a:solidFill>
+                <a:schemeClr val="tx1"/>
+              </a:solidFill>
+            </a:ln>
+          </p:spPr>
+          <p:style>
+            <a:lnRef idx="2">
+              <a:schemeClr val="accent1">
+                <a:shade val="15000"/>
+              </a:schemeClr>
+            </a:lnRef>
+            <a:fillRef idx="1">
+              <a:schemeClr val="accent1"/>
+            </a:fillRef>
+            <a:effectRef idx="0">
+              <a:schemeClr val="accent1"/>
+            </a:effectRef>
+            <a:fontRef idx="minor">
+              <a:schemeClr val="lt1"/>
+            </a:fontRef>
+          </p:style>
+          <p:txBody>
+            <a:bodyPr rtlCol="0" anchor="ctr"/>
+            <a:lstStyle/>
+            <a:p>
+              <a:pPr algn="ctr"/>
+              <a:endParaRPr lang="en-US"/>
+            </a:p>
+          </p:txBody>
+        </p:sp>
+      </p:grpSp>
+      <p:grpSp>
+        <p:nvGrpSpPr>
+          <p:cNvPr id="203" name="Group 202">
+            <a:extLst>
+              <a:ext uri="{FF2B5EF4-FFF2-40B4-BE49-F238E27FC236}">
+                <a16:creationId xmlns:a16="http://schemas.microsoft.com/office/drawing/2014/main" id="{5B283571-E8D0-12E0-9345-9C4F01F36FE5}"/>
+              </a:ext>
+            </a:extLst>
+          </p:cNvPr>
+          <p:cNvGrpSpPr/>
+          <p:nvPr/>
+        </p:nvGrpSpPr>
+        <p:grpSpPr>
+          <a:xfrm>
+            <a:off x="2977439" y="2608630"/>
+            <a:ext cx="1993475" cy="1993475"/>
+            <a:chOff x="633740" y="289199"/>
+            <a:chExt cx="1993475" cy="1993475"/>
+          </a:xfrm>
+        </p:grpSpPr>
+        <p:sp>
+          <p:nvSpPr>
+            <p:cNvPr id="204" name="Rectangle 203">
+              <a:extLst>
+                <a:ext uri="{FF2B5EF4-FFF2-40B4-BE49-F238E27FC236}">
+                  <a16:creationId xmlns:a16="http://schemas.microsoft.com/office/drawing/2014/main" id="{2E8B9E18-F3DA-3DAD-E28B-A1F8F3121BB8}"/>
+                </a:ext>
+              </a:extLst>
+            </p:cNvPr>
+            <p:cNvSpPr/>
+            <p:nvPr/>
+          </p:nvSpPr>
+          <p:spPr>
+            <a:xfrm>
+              <a:off x="633740" y="289199"/>
+              <a:ext cx="1993475" cy="1993475"/>
+            </a:xfrm>
+            <a:prstGeom prst="rect">
+              <a:avLst/>
+            </a:prstGeom>
+            <a:noFill/>
+            <a:ln w="25400">
+              <a:solidFill>
+                <a:schemeClr val="tx1"/>
+              </a:solidFill>
+            </a:ln>
+          </p:spPr>
+          <p:style>
+            <a:lnRef idx="2">
+              <a:schemeClr val="accent1">
+                <a:shade val="15000"/>
+              </a:schemeClr>
+            </a:lnRef>
+            <a:fillRef idx="1">
+              <a:schemeClr val="accent1"/>
+            </a:fillRef>
+            <a:effectRef idx="0">
+              <a:schemeClr val="accent1"/>
+            </a:effectRef>
+            <a:fontRef idx="minor">
+              <a:schemeClr val="lt1"/>
+            </a:fontRef>
+          </p:style>
+          <p:txBody>
+            <a:bodyPr rtlCol="0" anchor="ctr"/>
+            <a:lstStyle/>
+            <a:p>
+              <a:pPr algn="ctr"/>
+              <a:endParaRPr lang="en-US"/>
+            </a:p>
+          </p:txBody>
+        </p:sp>
+        <p:sp>
+          <p:nvSpPr>
+            <p:cNvPr id="205" name="Rectangle 204">
+              <a:extLst>
+                <a:ext uri="{FF2B5EF4-FFF2-40B4-BE49-F238E27FC236}">
+                  <a16:creationId xmlns:a16="http://schemas.microsoft.com/office/drawing/2014/main" id="{1051492E-EA18-B0AF-B6EC-1E07839B6F05}"/>
+                </a:ext>
+              </a:extLst>
+            </p:cNvPr>
+            <p:cNvSpPr>
+              <a:spLocks noChangeAspect="1"/>
+            </p:cNvSpPr>
+            <p:nvPr/>
+          </p:nvSpPr>
+          <p:spPr>
+            <a:xfrm>
+              <a:off x="1962867" y="1816427"/>
+              <a:ext cx="228600" cy="228600"/>
+            </a:xfrm>
+            <a:prstGeom prst="rect">
+              <a:avLst/>
+            </a:prstGeom>
+            <a:solidFill>
+              <a:srgbClr val="00B050"/>
+            </a:solidFill>
+            <a:ln w="12700">
+              <a:solidFill>
+                <a:schemeClr val="tx1"/>
+              </a:solidFill>
+            </a:ln>
+          </p:spPr>
+          <p:style>
+            <a:lnRef idx="2">
+              <a:schemeClr val="accent1">
+                <a:shade val="15000"/>
+              </a:schemeClr>
+            </a:lnRef>
+            <a:fillRef idx="1">
+              <a:schemeClr val="accent1"/>
+            </a:fillRef>
+            <a:effectRef idx="0">
+              <a:schemeClr val="accent1"/>
+            </a:effectRef>
+            <a:fontRef idx="minor">
+              <a:schemeClr val="lt1"/>
+            </a:fontRef>
+          </p:style>
+          <p:txBody>
+            <a:bodyPr rtlCol="0" anchor="ctr"/>
+            <a:lstStyle/>
+            <a:p>
+              <a:pPr algn="ctr"/>
+              <a:endParaRPr lang="en-US"/>
+            </a:p>
+          </p:txBody>
+        </p:sp>
+        <p:sp>
+          <p:nvSpPr>
+            <p:cNvPr id="206" name="Triangle 205">
+              <a:extLst>
+                <a:ext uri="{FF2B5EF4-FFF2-40B4-BE49-F238E27FC236}">
+                  <a16:creationId xmlns:a16="http://schemas.microsoft.com/office/drawing/2014/main" id="{5347CE7A-89F9-3296-3547-F4ECAAB12337}"/>
+                </a:ext>
+              </a:extLst>
+            </p:cNvPr>
+            <p:cNvSpPr>
+              <a:spLocks noChangeAspect="1"/>
+            </p:cNvSpPr>
+            <p:nvPr/>
+          </p:nvSpPr>
+          <p:spPr>
+            <a:xfrm>
+              <a:off x="858042" y="1484504"/>
+              <a:ext cx="149248" cy="128662"/>
+            </a:xfrm>
+            <a:prstGeom prst="triangle">
+              <a:avLst/>
+            </a:prstGeom>
+            <a:ln w="12700">
+              <a:solidFill>
+                <a:schemeClr val="tx1"/>
+              </a:solidFill>
+            </a:ln>
+          </p:spPr>
+          <p:style>
+            <a:lnRef idx="2">
+              <a:schemeClr val="accent1">
+                <a:shade val="15000"/>
+              </a:schemeClr>
+            </a:lnRef>
+            <a:fillRef idx="1">
+              <a:schemeClr val="accent1"/>
+            </a:fillRef>
+            <a:effectRef idx="0">
+              <a:schemeClr val="accent1"/>
+            </a:effectRef>
+            <a:fontRef idx="minor">
+              <a:schemeClr val="lt1"/>
+            </a:fontRef>
+          </p:style>
+          <p:txBody>
+            <a:bodyPr rtlCol="0" anchor="ctr"/>
+            <a:lstStyle/>
+            <a:p>
+              <a:pPr algn="ctr"/>
+              <a:endParaRPr lang="en-US"/>
+            </a:p>
+          </p:txBody>
+        </p:sp>
+        <p:sp>
+          <p:nvSpPr>
+            <p:cNvPr id="207" name="Triangle 206">
+              <a:extLst>
+                <a:ext uri="{FF2B5EF4-FFF2-40B4-BE49-F238E27FC236}">
+                  <a16:creationId xmlns:a16="http://schemas.microsoft.com/office/drawing/2014/main" id="{3009D934-23EA-68A2-B8F8-A8B3B9E5DDBC}"/>
+                </a:ext>
+              </a:extLst>
+            </p:cNvPr>
+            <p:cNvSpPr>
+              <a:spLocks noChangeAspect="1"/>
+            </p:cNvSpPr>
+            <p:nvPr/>
+          </p:nvSpPr>
+          <p:spPr>
+            <a:xfrm>
+              <a:off x="1919364" y="761557"/>
+              <a:ext cx="159106" cy="137160"/>
+            </a:xfrm>
+            <a:prstGeom prst="triangle">
+              <a:avLst/>
+            </a:prstGeom>
+            <a:ln w="12700">
+              <a:solidFill>
+                <a:schemeClr val="tx1"/>
+              </a:solidFill>
+            </a:ln>
+          </p:spPr>
+          <p:style>
+            <a:lnRef idx="2">
+              <a:schemeClr val="accent1">
+                <a:shade val="15000"/>
+              </a:schemeClr>
+            </a:lnRef>
+            <a:fillRef idx="1">
+              <a:schemeClr val="accent1"/>
+            </a:fillRef>
+            <a:effectRef idx="0">
+              <a:schemeClr val="accent1"/>
+            </a:effectRef>
+            <a:fontRef idx="minor">
+              <a:schemeClr val="lt1"/>
+            </a:fontRef>
+          </p:style>
+          <p:txBody>
+            <a:bodyPr rtlCol="0" anchor="ctr"/>
+            <a:lstStyle/>
+            <a:p>
+              <a:pPr algn="ctr"/>
+              <a:endParaRPr lang="en-US"/>
+            </a:p>
+          </p:txBody>
+        </p:sp>
+        <p:sp>
+          <p:nvSpPr>
+            <p:cNvPr id="208" name="Rectangle 207">
+              <a:extLst>
+                <a:ext uri="{FF2B5EF4-FFF2-40B4-BE49-F238E27FC236}">
+                  <a16:creationId xmlns:a16="http://schemas.microsoft.com/office/drawing/2014/main" id="{F8079DF8-0DA4-CF35-64A5-33D7CD018610}"/>
+                </a:ext>
+              </a:extLst>
+            </p:cNvPr>
+            <p:cNvSpPr>
+              <a:spLocks noChangeAspect="1"/>
+            </p:cNvSpPr>
+            <p:nvPr/>
+          </p:nvSpPr>
+          <p:spPr>
+            <a:xfrm>
+              <a:off x="1277573" y="1348904"/>
+              <a:ext cx="228600" cy="228600"/>
+            </a:xfrm>
+            <a:prstGeom prst="rect">
+              <a:avLst/>
+            </a:prstGeom>
+            <a:solidFill>
+              <a:srgbClr val="00B050"/>
+            </a:solidFill>
+            <a:ln w="12700">
+              <a:solidFill>
+                <a:schemeClr val="tx1"/>
+              </a:solidFill>
+            </a:ln>
+          </p:spPr>
+          <p:style>
+            <a:lnRef idx="2">
+              <a:schemeClr val="accent1">
+                <a:shade val="15000"/>
+              </a:schemeClr>
+            </a:lnRef>
+            <a:fillRef idx="1">
+              <a:schemeClr val="accent1"/>
+            </a:fillRef>
+            <a:effectRef idx="0">
+              <a:schemeClr val="accent1"/>
+            </a:effectRef>
+            <a:fontRef idx="minor">
+              <a:schemeClr val="lt1"/>
+            </a:fontRef>
+          </p:style>
+          <p:txBody>
+            <a:bodyPr rtlCol="0" anchor="ctr"/>
+            <a:lstStyle/>
+            <a:p>
+              <a:pPr algn="ctr"/>
+              <a:endParaRPr lang="en-US"/>
+            </a:p>
+          </p:txBody>
+        </p:sp>
+        <p:sp>
+          <p:nvSpPr>
+            <p:cNvPr id="209" name="Triangle 208">
+              <a:extLst>
+                <a:ext uri="{FF2B5EF4-FFF2-40B4-BE49-F238E27FC236}">
+                  <a16:creationId xmlns:a16="http://schemas.microsoft.com/office/drawing/2014/main" id="{3F65424C-7B03-EC4C-2C68-55881D2DB4BE}"/>
+                </a:ext>
+              </a:extLst>
+            </p:cNvPr>
+            <p:cNvSpPr>
+              <a:spLocks noChangeAspect="1"/>
+            </p:cNvSpPr>
+            <p:nvPr/>
+          </p:nvSpPr>
+          <p:spPr>
+            <a:xfrm>
+              <a:off x="1357975" y="788408"/>
+              <a:ext cx="159106" cy="137160"/>
+            </a:xfrm>
+            <a:prstGeom prst="triangle">
+              <a:avLst/>
+            </a:prstGeom>
+            <a:ln w="12700">
+              <a:solidFill>
+                <a:schemeClr val="tx1"/>
+              </a:solidFill>
+            </a:ln>
+          </p:spPr>
+          <p:style>
+            <a:lnRef idx="2">
+              <a:schemeClr val="accent1">
+                <a:shade val="15000"/>
+              </a:schemeClr>
+            </a:lnRef>
+            <a:fillRef idx="1">
+              <a:schemeClr val="accent1"/>
+            </a:fillRef>
+            <a:effectRef idx="0">
+              <a:schemeClr val="accent1"/>
+            </a:effectRef>
+            <a:fontRef idx="minor">
+              <a:schemeClr val="lt1"/>
+            </a:fontRef>
+          </p:style>
+          <p:txBody>
+            <a:bodyPr rtlCol="0" anchor="ctr"/>
+            <a:lstStyle/>
+            <a:p>
+              <a:pPr algn="ctr"/>
+              <a:endParaRPr lang="en-US"/>
+            </a:p>
+          </p:txBody>
+        </p:sp>
+        <p:sp>
+          <p:nvSpPr>
+            <p:cNvPr id="210" name="Triangle 209">
+              <a:extLst>
+                <a:ext uri="{FF2B5EF4-FFF2-40B4-BE49-F238E27FC236}">
+                  <a16:creationId xmlns:a16="http://schemas.microsoft.com/office/drawing/2014/main" id="{3D3E9651-6913-110E-5732-4F1BD9EEC709}"/>
+                </a:ext>
+              </a:extLst>
+            </p:cNvPr>
+            <p:cNvSpPr>
+              <a:spLocks noChangeAspect="1"/>
+            </p:cNvSpPr>
+            <p:nvPr/>
+          </p:nvSpPr>
+          <p:spPr>
+            <a:xfrm>
+              <a:off x="1707938" y="518175"/>
+              <a:ext cx="159106" cy="137160"/>
+            </a:xfrm>
+            <a:prstGeom prst="triangle">
+              <a:avLst/>
+            </a:prstGeom>
+            <a:ln w="12700">
+              <a:solidFill>
+                <a:schemeClr val="tx1"/>
+              </a:solidFill>
+            </a:ln>
+          </p:spPr>
+          <p:style>
+            <a:lnRef idx="2">
+              <a:schemeClr val="accent1">
+                <a:shade val="15000"/>
+              </a:schemeClr>
+            </a:lnRef>
+            <a:fillRef idx="1">
+              <a:schemeClr val="accent1"/>
+            </a:fillRef>
+            <a:effectRef idx="0">
+              <a:schemeClr val="accent1"/>
+            </a:effectRef>
+            <a:fontRef idx="minor">
+              <a:schemeClr val="lt1"/>
+            </a:fontRef>
+          </p:style>
+          <p:txBody>
+            <a:bodyPr rtlCol="0" anchor="ctr"/>
+            <a:lstStyle/>
+            <a:p>
+              <a:pPr algn="ctr"/>
+              <a:endParaRPr lang="en-US"/>
+            </a:p>
+          </p:txBody>
+        </p:sp>
+        <p:sp>
+          <p:nvSpPr>
+            <p:cNvPr id="211" name="Rectangle 210">
+              <a:extLst>
+                <a:ext uri="{FF2B5EF4-FFF2-40B4-BE49-F238E27FC236}">
+                  <a16:creationId xmlns:a16="http://schemas.microsoft.com/office/drawing/2014/main" id="{4B0CEF95-2045-D479-D98E-B4FD072BF63C}"/>
+                </a:ext>
+              </a:extLst>
+            </p:cNvPr>
+            <p:cNvSpPr>
+              <a:spLocks noChangeAspect="1"/>
+            </p:cNvSpPr>
+            <p:nvPr/>
+          </p:nvSpPr>
+          <p:spPr>
+            <a:xfrm>
+              <a:off x="1507223" y="1815352"/>
+              <a:ext cx="228600" cy="228600"/>
+            </a:xfrm>
+            <a:prstGeom prst="rect">
+              <a:avLst/>
+            </a:prstGeom>
+            <a:solidFill>
+              <a:srgbClr val="00B050"/>
+            </a:solidFill>
+            <a:ln w="12700">
+              <a:solidFill>
+                <a:schemeClr val="tx1"/>
+              </a:solidFill>
+            </a:ln>
+          </p:spPr>
+          <p:style>
+            <a:lnRef idx="2">
+              <a:schemeClr val="accent1">
+                <a:shade val="15000"/>
+              </a:schemeClr>
+            </a:lnRef>
+            <a:fillRef idx="1">
+              <a:schemeClr val="accent1"/>
+            </a:fillRef>
+            <a:effectRef idx="0">
+              <a:schemeClr val="accent1"/>
+            </a:effectRef>
+            <a:fontRef idx="minor">
+              <a:schemeClr val="lt1"/>
+            </a:fontRef>
+          </p:style>
+          <p:txBody>
+            <a:bodyPr rtlCol="0" anchor="ctr"/>
+            <a:lstStyle/>
+            <a:p>
+              <a:pPr algn="ctr"/>
+              <a:endParaRPr lang="en-US"/>
+            </a:p>
+          </p:txBody>
+        </p:sp>
+        <p:sp>
+          <p:nvSpPr>
+            <p:cNvPr id="212" name="Rectangle 211">
+              <a:extLst>
+                <a:ext uri="{FF2B5EF4-FFF2-40B4-BE49-F238E27FC236}">
+                  <a16:creationId xmlns:a16="http://schemas.microsoft.com/office/drawing/2014/main" id="{55B87AC1-315F-D33C-A272-7CF72F4BF82A}"/>
+                </a:ext>
+              </a:extLst>
+            </p:cNvPr>
+            <p:cNvSpPr>
+              <a:spLocks noChangeAspect="1"/>
+            </p:cNvSpPr>
+            <p:nvPr/>
+          </p:nvSpPr>
+          <p:spPr>
+            <a:xfrm>
+              <a:off x="2378746" y="1475554"/>
+              <a:ext cx="128662" cy="128662"/>
+            </a:xfrm>
+            <a:prstGeom prst="rect">
+              <a:avLst/>
+            </a:prstGeom>
+            <a:solidFill>
+              <a:srgbClr val="00B050"/>
+            </a:solidFill>
+            <a:ln w="12700">
+              <a:solidFill>
+                <a:schemeClr val="tx1"/>
+              </a:solidFill>
+            </a:ln>
+          </p:spPr>
+          <p:style>
+            <a:lnRef idx="2">
+              <a:schemeClr val="accent1">
+                <a:shade val="15000"/>
+              </a:schemeClr>
+            </a:lnRef>
+            <a:fillRef idx="1">
+              <a:schemeClr val="accent1"/>
+            </a:fillRef>
+            <a:effectRef idx="0">
+              <a:schemeClr val="accent1"/>
+            </a:effectRef>
+            <a:fontRef idx="minor">
+              <a:schemeClr val="lt1"/>
+            </a:fontRef>
+          </p:style>
+          <p:txBody>
+            <a:bodyPr rtlCol="0" anchor="ctr"/>
+            <a:lstStyle/>
+            <a:p>
+              <a:pPr algn="ctr"/>
+              <a:endParaRPr lang="en-US" dirty="0"/>
+            </a:p>
+          </p:txBody>
+        </p:sp>
+        <p:sp>
+          <p:nvSpPr>
+            <p:cNvPr id="213" name="Rectangle 212">
+              <a:extLst>
+                <a:ext uri="{FF2B5EF4-FFF2-40B4-BE49-F238E27FC236}">
+                  <a16:creationId xmlns:a16="http://schemas.microsoft.com/office/drawing/2014/main" id="{F724BCA8-BF73-8F32-3C73-FDF75865C05A}"/>
+                </a:ext>
+              </a:extLst>
+            </p:cNvPr>
+            <p:cNvSpPr>
+              <a:spLocks noChangeAspect="1"/>
+            </p:cNvSpPr>
+            <p:nvPr/>
+          </p:nvSpPr>
+          <p:spPr>
+            <a:xfrm>
+              <a:off x="2293710" y="732765"/>
+              <a:ext cx="128662" cy="128662"/>
+            </a:xfrm>
+            <a:prstGeom prst="rect">
+              <a:avLst/>
+            </a:prstGeom>
+            <a:solidFill>
+              <a:srgbClr val="00B050"/>
+            </a:solidFill>
+            <a:ln w="12700">
+              <a:solidFill>
+                <a:schemeClr val="tx1"/>
+              </a:solidFill>
+            </a:ln>
+          </p:spPr>
+          <p:style>
+            <a:lnRef idx="2">
+              <a:schemeClr val="accent1">
+                <a:shade val="15000"/>
+              </a:schemeClr>
+            </a:lnRef>
+            <a:fillRef idx="1">
+              <a:schemeClr val="accent1"/>
+            </a:fillRef>
+            <a:effectRef idx="0">
+              <a:schemeClr val="accent1"/>
+            </a:effectRef>
+            <a:fontRef idx="minor">
+              <a:schemeClr val="lt1"/>
+            </a:fontRef>
+          </p:style>
+          <p:txBody>
+            <a:bodyPr rtlCol="0" anchor="ctr"/>
+            <a:lstStyle/>
+            <a:p>
+              <a:pPr algn="ctr"/>
+              <a:endParaRPr lang="en-US"/>
+            </a:p>
+          </p:txBody>
+        </p:sp>
+        <p:sp>
+          <p:nvSpPr>
+            <p:cNvPr id="214" name="Triangle 213">
+              <a:extLst>
+                <a:ext uri="{FF2B5EF4-FFF2-40B4-BE49-F238E27FC236}">
+                  <a16:creationId xmlns:a16="http://schemas.microsoft.com/office/drawing/2014/main" id="{E15ABCCD-834D-372C-97A1-14016C4EA25B}"/>
+                </a:ext>
+              </a:extLst>
+            </p:cNvPr>
+            <p:cNvSpPr>
+              <a:spLocks noChangeAspect="1"/>
+            </p:cNvSpPr>
+            <p:nvPr/>
+          </p:nvSpPr>
+          <p:spPr>
+            <a:xfrm>
+              <a:off x="983965" y="1819258"/>
+              <a:ext cx="149248" cy="128662"/>
+            </a:xfrm>
+            <a:prstGeom prst="triangle">
+              <a:avLst/>
+            </a:prstGeom>
+            <a:ln w="12700">
+              <a:solidFill>
+                <a:schemeClr val="tx1"/>
+              </a:solidFill>
+            </a:ln>
+          </p:spPr>
+          <p:style>
+            <a:lnRef idx="2">
+              <a:schemeClr val="accent1">
+                <a:shade val="15000"/>
+              </a:schemeClr>
+            </a:lnRef>
+            <a:fillRef idx="1">
+              <a:schemeClr val="accent1"/>
+            </a:fillRef>
+            <a:effectRef idx="0">
+              <a:schemeClr val="accent1"/>
+            </a:effectRef>
+            <a:fontRef idx="minor">
+              <a:schemeClr val="lt1"/>
+            </a:fontRef>
+          </p:style>
+          <p:txBody>
+            <a:bodyPr rtlCol="0" anchor="ctr"/>
+            <a:lstStyle/>
+            <a:p>
+              <a:pPr algn="ctr"/>
+              <a:endParaRPr lang="en-US"/>
+            </a:p>
+          </p:txBody>
+        </p:sp>
+        <p:sp>
+          <p:nvSpPr>
+            <p:cNvPr id="215" name="Rectangle 214">
+              <a:extLst>
+                <a:ext uri="{FF2B5EF4-FFF2-40B4-BE49-F238E27FC236}">
+                  <a16:creationId xmlns:a16="http://schemas.microsoft.com/office/drawing/2014/main" id="{6E4A320E-A09F-E71F-0565-58D80C8D576E}"/>
+                </a:ext>
+              </a:extLst>
+            </p:cNvPr>
+            <p:cNvSpPr>
+              <a:spLocks noChangeAspect="1"/>
+            </p:cNvSpPr>
+            <p:nvPr/>
+          </p:nvSpPr>
+          <p:spPr>
+            <a:xfrm>
+              <a:off x="1744234" y="1544122"/>
+              <a:ext cx="228600" cy="228600"/>
+            </a:xfrm>
+            <a:prstGeom prst="rect">
+              <a:avLst/>
+            </a:prstGeom>
+            <a:solidFill>
+              <a:srgbClr val="00B050"/>
+            </a:solidFill>
+            <a:ln w="12700">
+              <a:solidFill>
+                <a:schemeClr val="tx1"/>
+              </a:solidFill>
+            </a:ln>
+          </p:spPr>
+          <p:style>
+            <a:lnRef idx="2">
+              <a:schemeClr val="accent1">
+                <a:shade val="15000"/>
+              </a:schemeClr>
+            </a:lnRef>
+            <a:fillRef idx="1">
+              <a:schemeClr val="accent1"/>
+            </a:fillRef>
+            <a:effectRef idx="0">
+              <a:schemeClr val="accent1"/>
+            </a:effectRef>
+            <a:fontRef idx="minor">
+              <a:schemeClr val="lt1"/>
+            </a:fontRef>
+          </p:style>
+          <p:txBody>
+            <a:bodyPr rtlCol="0" anchor="ctr"/>
+            <a:lstStyle/>
+            <a:p>
+              <a:pPr algn="ctr"/>
+              <a:endParaRPr lang="en-US"/>
+            </a:p>
+          </p:txBody>
+        </p:sp>
+      </p:grpSp>
+      <p:grpSp>
+        <p:nvGrpSpPr>
+          <p:cNvPr id="216" name="Group 215">
+            <a:extLst>
+              <a:ext uri="{FF2B5EF4-FFF2-40B4-BE49-F238E27FC236}">
+                <a16:creationId xmlns:a16="http://schemas.microsoft.com/office/drawing/2014/main" id="{9A1BA8AD-7F31-9625-6F3F-D3EFACDB0551}"/>
+              </a:ext>
+            </a:extLst>
+          </p:cNvPr>
+          <p:cNvGrpSpPr/>
+          <p:nvPr/>
+        </p:nvGrpSpPr>
+        <p:grpSpPr>
+          <a:xfrm>
+            <a:off x="5319568" y="289197"/>
+            <a:ext cx="1993475" cy="1993475"/>
+            <a:chOff x="633740" y="289199"/>
+            <a:chExt cx="1993475" cy="1993475"/>
+          </a:xfrm>
+        </p:grpSpPr>
+        <p:sp>
+          <p:nvSpPr>
+            <p:cNvPr id="217" name="Rectangle 216">
+              <a:extLst>
+                <a:ext uri="{FF2B5EF4-FFF2-40B4-BE49-F238E27FC236}">
+                  <a16:creationId xmlns:a16="http://schemas.microsoft.com/office/drawing/2014/main" id="{7F85125E-C08B-93A3-1D18-AA45FDFE64AE}"/>
+                </a:ext>
+              </a:extLst>
+            </p:cNvPr>
+            <p:cNvSpPr/>
+            <p:nvPr/>
+          </p:nvSpPr>
+          <p:spPr>
+            <a:xfrm>
+              <a:off x="633740" y="289199"/>
+              <a:ext cx="1993475" cy="1993475"/>
+            </a:xfrm>
+            <a:prstGeom prst="rect">
+              <a:avLst/>
+            </a:prstGeom>
+            <a:noFill/>
+            <a:ln w="25400">
+              <a:solidFill>
+                <a:schemeClr val="tx1"/>
+              </a:solidFill>
+            </a:ln>
+          </p:spPr>
+          <p:style>
+            <a:lnRef idx="2">
+              <a:schemeClr val="accent1">
+                <a:shade val="15000"/>
+              </a:schemeClr>
+            </a:lnRef>
+            <a:fillRef idx="1">
+              <a:schemeClr val="accent1"/>
+            </a:fillRef>
+            <a:effectRef idx="0">
+              <a:schemeClr val="accent1"/>
+            </a:effectRef>
+            <a:fontRef idx="minor">
+              <a:schemeClr val="lt1"/>
+            </a:fontRef>
+          </p:style>
+          <p:txBody>
+            <a:bodyPr rtlCol="0" anchor="ctr"/>
+            <a:lstStyle/>
+            <a:p>
+              <a:pPr algn="ctr"/>
+              <a:endParaRPr lang="en-US"/>
+            </a:p>
+          </p:txBody>
+        </p:sp>
+        <p:sp>
+          <p:nvSpPr>
+            <p:cNvPr id="218" name="Rectangle 217">
+              <a:extLst>
+                <a:ext uri="{FF2B5EF4-FFF2-40B4-BE49-F238E27FC236}">
+                  <a16:creationId xmlns:a16="http://schemas.microsoft.com/office/drawing/2014/main" id="{A479A274-E22E-387B-E412-F4D4D342DE32}"/>
+                </a:ext>
+              </a:extLst>
+            </p:cNvPr>
+            <p:cNvSpPr>
+              <a:spLocks noChangeAspect="1"/>
+            </p:cNvSpPr>
+            <p:nvPr/>
+          </p:nvSpPr>
+          <p:spPr>
+            <a:xfrm>
+              <a:off x="1962867" y="1816427"/>
+              <a:ext cx="228600" cy="228600"/>
+            </a:xfrm>
+            <a:prstGeom prst="rect">
+              <a:avLst/>
+            </a:prstGeom>
+            <a:solidFill>
+              <a:srgbClr val="00B050"/>
+            </a:solidFill>
+            <a:ln w="12700">
+              <a:solidFill>
+                <a:schemeClr val="tx1"/>
+              </a:solidFill>
+            </a:ln>
+          </p:spPr>
+          <p:style>
+            <a:lnRef idx="2">
+              <a:schemeClr val="accent1">
+                <a:shade val="15000"/>
+              </a:schemeClr>
+            </a:lnRef>
+            <a:fillRef idx="1">
+              <a:schemeClr val="accent1"/>
+            </a:fillRef>
+            <a:effectRef idx="0">
+              <a:schemeClr val="accent1"/>
+            </a:effectRef>
+            <a:fontRef idx="minor">
+              <a:schemeClr val="lt1"/>
+            </a:fontRef>
+          </p:style>
+          <p:txBody>
+            <a:bodyPr rtlCol="0" anchor="ctr"/>
+            <a:lstStyle/>
+            <a:p>
+              <a:pPr algn="ctr"/>
+              <a:endParaRPr lang="en-US"/>
+            </a:p>
+          </p:txBody>
+        </p:sp>
+        <p:sp>
+          <p:nvSpPr>
+            <p:cNvPr id="219" name="Triangle 218">
+              <a:extLst>
+                <a:ext uri="{FF2B5EF4-FFF2-40B4-BE49-F238E27FC236}">
+                  <a16:creationId xmlns:a16="http://schemas.microsoft.com/office/drawing/2014/main" id="{F82C890E-66F3-A692-6166-DFF6110A85C7}"/>
+                </a:ext>
+              </a:extLst>
+            </p:cNvPr>
+            <p:cNvSpPr>
+              <a:spLocks noChangeAspect="1"/>
+            </p:cNvSpPr>
+            <p:nvPr/>
+          </p:nvSpPr>
+          <p:spPr>
+            <a:xfrm>
+              <a:off x="858042" y="1484504"/>
+              <a:ext cx="149248" cy="128662"/>
+            </a:xfrm>
+            <a:prstGeom prst="triangle">
+              <a:avLst/>
+            </a:prstGeom>
+            <a:ln w="12700">
+              <a:solidFill>
+                <a:schemeClr val="tx1"/>
+              </a:solidFill>
+            </a:ln>
+          </p:spPr>
+          <p:style>
+            <a:lnRef idx="2">
+              <a:schemeClr val="accent1">
+                <a:shade val="15000"/>
+              </a:schemeClr>
+            </a:lnRef>
+            <a:fillRef idx="1">
+              <a:schemeClr val="accent1"/>
+            </a:fillRef>
+            <a:effectRef idx="0">
+              <a:schemeClr val="accent1"/>
+            </a:effectRef>
+            <a:fontRef idx="minor">
+              <a:schemeClr val="lt1"/>
+            </a:fontRef>
+          </p:style>
+          <p:txBody>
+            <a:bodyPr rtlCol="0" anchor="ctr"/>
+            <a:lstStyle/>
+            <a:p>
+              <a:pPr algn="ctr"/>
+              <a:endParaRPr lang="en-US"/>
+            </a:p>
+          </p:txBody>
+        </p:sp>
+        <p:sp>
+          <p:nvSpPr>
+            <p:cNvPr id="220" name="Triangle 219">
+              <a:extLst>
+                <a:ext uri="{FF2B5EF4-FFF2-40B4-BE49-F238E27FC236}">
+                  <a16:creationId xmlns:a16="http://schemas.microsoft.com/office/drawing/2014/main" id="{290873ED-2C48-F1F3-9065-631666988911}"/>
+                </a:ext>
+              </a:extLst>
+            </p:cNvPr>
+            <p:cNvSpPr>
+              <a:spLocks noChangeAspect="1"/>
+            </p:cNvSpPr>
+            <p:nvPr/>
+          </p:nvSpPr>
+          <p:spPr>
+            <a:xfrm>
+              <a:off x="1919364" y="761557"/>
+              <a:ext cx="159106" cy="137160"/>
+            </a:xfrm>
+            <a:prstGeom prst="triangle">
+              <a:avLst/>
+            </a:prstGeom>
+            <a:ln w="12700">
+              <a:solidFill>
+                <a:schemeClr val="tx1"/>
+              </a:solidFill>
+            </a:ln>
+          </p:spPr>
+          <p:style>
+            <a:lnRef idx="2">
+              <a:schemeClr val="accent1">
+                <a:shade val="15000"/>
+              </a:schemeClr>
+            </a:lnRef>
+            <a:fillRef idx="1">
+              <a:schemeClr val="accent1"/>
+            </a:fillRef>
+            <a:effectRef idx="0">
+              <a:schemeClr val="accent1"/>
+            </a:effectRef>
+            <a:fontRef idx="minor">
+              <a:schemeClr val="lt1"/>
+            </a:fontRef>
+          </p:style>
+          <p:txBody>
+            <a:bodyPr rtlCol="0" anchor="ctr"/>
+            <a:lstStyle/>
+            <a:p>
+              <a:pPr algn="ctr"/>
+              <a:endParaRPr lang="en-US"/>
+            </a:p>
+          </p:txBody>
+        </p:sp>
+        <p:sp>
+          <p:nvSpPr>
+            <p:cNvPr id="221" name="Rectangle 220">
+              <a:extLst>
+                <a:ext uri="{FF2B5EF4-FFF2-40B4-BE49-F238E27FC236}">
+                  <a16:creationId xmlns:a16="http://schemas.microsoft.com/office/drawing/2014/main" id="{075A0872-C31E-2519-166C-D918AC459CAA}"/>
+                </a:ext>
+              </a:extLst>
+            </p:cNvPr>
+            <p:cNvSpPr>
+              <a:spLocks noChangeAspect="1"/>
+            </p:cNvSpPr>
+            <p:nvPr/>
+          </p:nvSpPr>
+          <p:spPr>
+            <a:xfrm>
+              <a:off x="1277573" y="1348904"/>
+              <a:ext cx="228600" cy="228600"/>
+            </a:xfrm>
+            <a:prstGeom prst="rect">
+              <a:avLst/>
+            </a:prstGeom>
+            <a:solidFill>
+              <a:srgbClr val="00B050"/>
+            </a:solidFill>
+            <a:ln w="12700">
+              <a:solidFill>
+                <a:schemeClr val="tx1"/>
+              </a:solidFill>
+            </a:ln>
+          </p:spPr>
+          <p:style>
+            <a:lnRef idx="2">
+              <a:schemeClr val="accent1">
+                <a:shade val="15000"/>
+              </a:schemeClr>
+            </a:lnRef>
+            <a:fillRef idx="1">
+              <a:schemeClr val="accent1"/>
+            </a:fillRef>
+            <a:effectRef idx="0">
+              <a:schemeClr val="accent1"/>
+            </a:effectRef>
+            <a:fontRef idx="minor">
+              <a:schemeClr val="lt1"/>
+            </a:fontRef>
+          </p:style>
+          <p:txBody>
+            <a:bodyPr rtlCol="0" anchor="ctr"/>
+            <a:lstStyle/>
+            <a:p>
+              <a:pPr algn="ctr"/>
+              <a:endParaRPr lang="en-US"/>
+            </a:p>
+          </p:txBody>
+        </p:sp>
+        <p:sp>
+          <p:nvSpPr>
+            <p:cNvPr id="222" name="Triangle 221">
+              <a:extLst>
+                <a:ext uri="{FF2B5EF4-FFF2-40B4-BE49-F238E27FC236}">
+                  <a16:creationId xmlns:a16="http://schemas.microsoft.com/office/drawing/2014/main" id="{8BDB78A8-2449-B70A-4276-62A0F4628A98}"/>
+                </a:ext>
+              </a:extLst>
+            </p:cNvPr>
+            <p:cNvSpPr>
+              <a:spLocks noChangeAspect="1"/>
+            </p:cNvSpPr>
+            <p:nvPr/>
+          </p:nvSpPr>
+          <p:spPr>
+            <a:xfrm>
+              <a:off x="1357975" y="788408"/>
+              <a:ext cx="159106" cy="137160"/>
+            </a:xfrm>
+            <a:prstGeom prst="triangle">
+              <a:avLst/>
+            </a:prstGeom>
+            <a:ln w="12700">
+              <a:solidFill>
+                <a:schemeClr val="tx1"/>
+              </a:solidFill>
+            </a:ln>
+          </p:spPr>
+          <p:style>
+            <a:lnRef idx="2">
+              <a:schemeClr val="accent1">
+                <a:shade val="15000"/>
+              </a:schemeClr>
+            </a:lnRef>
+            <a:fillRef idx="1">
+              <a:schemeClr val="accent1"/>
+            </a:fillRef>
+            <a:effectRef idx="0">
+              <a:schemeClr val="accent1"/>
+            </a:effectRef>
+            <a:fontRef idx="minor">
+              <a:schemeClr val="lt1"/>
+            </a:fontRef>
+          </p:style>
+          <p:txBody>
+            <a:bodyPr rtlCol="0" anchor="ctr"/>
+            <a:lstStyle/>
+            <a:p>
+              <a:pPr algn="ctr"/>
+              <a:endParaRPr lang="en-US"/>
+            </a:p>
+          </p:txBody>
+        </p:sp>
+        <p:sp>
+          <p:nvSpPr>
+            <p:cNvPr id="223" name="Triangle 222">
+              <a:extLst>
+                <a:ext uri="{FF2B5EF4-FFF2-40B4-BE49-F238E27FC236}">
+                  <a16:creationId xmlns:a16="http://schemas.microsoft.com/office/drawing/2014/main" id="{3F46092D-9B82-906D-B900-9872F87EF157}"/>
+                </a:ext>
+              </a:extLst>
+            </p:cNvPr>
+            <p:cNvSpPr>
+              <a:spLocks noChangeAspect="1"/>
+            </p:cNvSpPr>
+            <p:nvPr/>
+          </p:nvSpPr>
+          <p:spPr>
+            <a:xfrm>
+              <a:off x="1707938" y="518175"/>
+              <a:ext cx="159106" cy="137160"/>
+            </a:xfrm>
+            <a:prstGeom prst="triangle">
+              <a:avLst/>
+            </a:prstGeom>
+            <a:ln w="12700">
+              <a:solidFill>
+                <a:schemeClr val="tx1"/>
+              </a:solidFill>
+            </a:ln>
+          </p:spPr>
+          <p:style>
+            <a:lnRef idx="2">
+              <a:schemeClr val="accent1">
+                <a:shade val="15000"/>
+              </a:schemeClr>
+            </a:lnRef>
+            <a:fillRef idx="1">
+              <a:schemeClr val="accent1"/>
+            </a:fillRef>
+            <a:effectRef idx="0">
+              <a:schemeClr val="accent1"/>
+            </a:effectRef>
+            <a:fontRef idx="minor">
+              <a:schemeClr val="lt1"/>
+            </a:fontRef>
+          </p:style>
+          <p:txBody>
+            <a:bodyPr rtlCol="0" anchor="ctr"/>
+            <a:lstStyle/>
+            <a:p>
+              <a:pPr algn="ctr"/>
+              <a:endParaRPr lang="en-US"/>
+            </a:p>
+          </p:txBody>
+        </p:sp>
+        <p:sp>
+          <p:nvSpPr>
+            <p:cNvPr id="224" name="Rectangle 223">
+              <a:extLst>
+                <a:ext uri="{FF2B5EF4-FFF2-40B4-BE49-F238E27FC236}">
+                  <a16:creationId xmlns:a16="http://schemas.microsoft.com/office/drawing/2014/main" id="{7F22E185-9AB8-4A14-DC3A-D96102416766}"/>
+                </a:ext>
+              </a:extLst>
+            </p:cNvPr>
+            <p:cNvSpPr>
+              <a:spLocks noChangeAspect="1"/>
+            </p:cNvSpPr>
+            <p:nvPr/>
+          </p:nvSpPr>
+          <p:spPr>
+            <a:xfrm>
+              <a:off x="1507223" y="1815352"/>
+              <a:ext cx="228600" cy="228600"/>
+            </a:xfrm>
+            <a:prstGeom prst="rect">
+              <a:avLst/>
+            </a:prstGeom>
+            <a:solidFill>
+              <a:srgbClr val="00B050"/>
+            </a:solidFill>
+            <a:ln w="12700">
+              <a:solidFill>
+                <a:schemeClr val="tx1"/>
+              </a:solidFill>
+            </a:ln>
+          </p:spPr>
+          <p:style>
+            <a:lnRef idx="2">
+              <a:schemeClr val="accent1">
+                <a:shade val="15000"/>
+              </a:schemeClr>
+            </a:lnRef>
+            <a:fillRef idx="1">
+              <a:schemeClr val="accent1"/>
+            </a:fillRef>
+            <a:effectRef idx="0">
+              <a:schemeClr val="accent1"/>
+            </a:effectRef>
+            <a:fontRef idx="minor">
+              <a:schemeClr val="lt1"/>
+            </a:fontRef>
+          </p:style>
+          <p:txBody>
+            <a:bodyPr rtlCol="0" anchor="ctr"/>
+            <a:lstStyle/>
+            <a:p>
+              <a:pPr algn="ctr"/>
+              <a:endParaRPr lang="en-US"/>
+            </a:p>
+          </p:txBody>
+        </p:sp>
+        <p:sp>
+          <p:nvSpPr>
+            <p:cNvPr id="225" name="Rectangle 224">
+              <a:extLst>
+                <a:ext uri="{FF2B5EF4-FFF2-40B4-BE49-F238E27FC236}">
+                  <a16:creationId xmlns:a16="http://schemas.microsoft.com/office/drawing/2014/main" id="{0DAF4372-3E4D-4AB2-EE94-BADC42E7476D}"/>
+                </a:ext>
+              </a:extLst>
+            </p:cNvPr>
+            <p:cNvSpPr>
+              <a:spLocks noChangeAspect="1"/>
+            </p:cNvSpPr>
+            <p:nvPr/>
+          </p:nvSpPr>
+          <p:spPr>
+            <a:xfrm>
+              <a:off x="2378746" y="1475554"/>
+              <a:ext cx="128662" cy="128662"/>
+            </a:xfrm>
+            <a:prstGeom prst="rect">
+              <a:avLst/>
+            </a:prstGeom>
+            <a:solidFill>
+              <a:srgbClr val="00B050"/>
+            </a:solidFill>
+            <a:ln w="12700">
+              <a:solidFill>
+                <a:schemeClr val="tx1"/>
+              </a:solidFill>
+            </a:ln>
+          </p:spPr>
+          <p:style>
+            <a:lnRef idx="2">
+              <a:schemeClr val="accent1">
+                <a:shade val="15000"/>
+              </a:schemeClr>
+            </a:lnRef>
+            <a:fillRef idx="1">
+              <a:schemeClr val="accent1"/>
+            </a:fillRef>
+            <a:effectRef idx="0">
+              <a:schemeClr val="accent1"/>
+            </a:effectRef>
+            <a:fontRef idx="minor">
+              <a:schemeClr val="lt1"/>
+            </a:fontRef>
+          </p:style>
+          <p:txBody>
+            <a:bodyPr rtlCol="0" anchor="ctr"/>
+            <a:lstStyle/>
+            <a:p>
+              <a:pPr algn="ctr"/>
+              <a:endParaRPr lang="en-US" dirty="0"/>
+            </a:p>
+          </p:txBody>
+        </p:sp>
+        <p:sp>
+          <p:nvSpPr>
+            <p:cNvPr id="226" name="Rectangle 225">
+              <a:extLst>
+                <a:ext uri="{FF2B5EF4-FFF2-40B4-BE49-F238E27FC236}">
+                  <a16:creationId xmlns:a16="http://schemas.microsoft.com/office/drawing/2014/main" id="{F13432A9-8901-13A9-C64F-9654AD0362E5}"/>
+                </a:ext>
+              </a:extLst>
+            </p:cNvPr>
+            <p:cNvSpPr>
+              <a:spLocks noChangeAspect="1"/>
+            </p:cNvSpPr>
+            <p:nvPr/>
+          </p:nvSpPr>
+          <p:spPr>
+            <a:xfrm>
+              <a:off x="2293710" y="732765"/>
+              <a:ext cx="128662" cy="128662"/>
+            </a:xfrm>
+            <a:prstGeom prst="rect">
+              <a:avLst/>
+            </a:prstGeom>
+            <a:solidFill>
+              <a:srgbClr val="00B050"/>
+            </a:solidFill>
+            <a:ln w="12700">
+              <a:solidFill>
+                <a:schemeClr val="tx1"/>
+              </a:solidFill>
+            </a:ln>
+          </p:spPr>
+          <p:style>
+            <a:lnRef idx="2">
+              <a:schemeClr val="accent1">
+                <a:shade val="15000"/>
+              </a:schemeClr>
+            </a:lnRef>
+            <a:fillRef idx="1">
+              <a:schemeClr val="accent1"/>
+            </a:fillRef>
+            <a:effectRef idx="0">
+              <a:schemeClr val="accent1"/>
+            </a:effectRef>
+            <a:fontRef idx="minor">
+              <a:schemeClr val="lt1"/>
+            </a:fontRef>
+          </p:style>
+          <p:txBody>
+            <a:bodyPr rtlCol="0" anchor="ctr"/>
+            <a:lstStyle/>
+            <a:p>
+              <a:pPr algn="ctr"/>
+              <a:endParaRPr lang="en-US"/>
+            </a:p>
+          </p:txBody>
+        </p:sp>
+        <p:sp>
+          <p:nvSpPr>
+            <p:cNvPr id="227" name="Triangle 226">
+              <a:extLst>
+                <a:ext uri="{FF2B5EF4-FFF2-40B4-BE49-F238E27FC236}">
+                  <a16:creationId xmlns:a16="http://schemas.microsoft.com/office/drawing/2014/main" id="{0D214FA3-19E8-2EE4-876E-568A1321DD25}"/>
+                </a:ext>
+              </a:extLst>
+            </p:cNvPr>
+            <p:cNvSpPr>
+              <a:spLocks noChangeAspect="1"/>
+            </p:cNvSpPr>
+            <p:nvPr/>
+          </p:nvSpPr>
+          <p:spPr>
+            <a:xfrm>
+              <a:off x="983965" y="1819258"/>
+              <a:ext cx="149248" cy="128662"/>
+            </a:xfrm>
+            <a:prstGeom prst="triangle">
+              <a:avLst/>
+            </a:prstGeom>
+            <a:ln w="12700">
+              <a:solidFill>
+                <a:schemeClr val="tx1"/>
+              </a:solidFill>
+            </a:ln>
+          </p:spPr>
+          <p:style>
+            <a:lnRef idx="2">
+              <a:schemeClr val="accent1">
+                <a:shade val="15000"/>
+              </a:schemeClr>
+            </a:lnRef>
+            <a:fillRef idx="1">
+              <a:schemeClr val="accent1"/>
+            </a:fillRef>
+            <a:effectRef idx="0">
+              <a:schemeClr val="accent1"/>
+            </a:effectRef>
+            <a:fontRef idx="minor">
+              <a:schemeClr val="lt1"/>
+            </a:fontRef>
+          </p:style>
+          <p:txBody>
+            <a:bodyPr rtlCol="0" anchor="ctr"/>
+            <a:lstStyle/>
+            <a:p>
+              <a:pPr algn="ctr"/>
+              <a:endParaRPr lang="en-US"/>
+            </a:p>
+          </p:txBody>
+        </p:sp>
+        <p:sp>
+          <p:nvSpPr>
+            <p:cNvPr id="228" name="Rectangle 227">
+              <a:extLst>
+                <a:ext uri="{FF2B5EF4-FFF2-40B4-BE49-F238E27FC236}">
+                  <a16:creationId xmlns:a16="http://schemas.microsoft.com/office/drawing/2014/main" id="{E2282562-A964-42E3-2AA0-E500BA46D528}"/>
+                </a:ext>
+              </a:extLst>
+            </p:cNvPr>
+            <p:cNvSpPr>
+              <a:spLocks noChangeAspect="1"/>
+            </p:cNvSpPr>
+            <p:nvPr/>
+          </p:nvSpPr>
+          <p:spPr>
+            <a:xfrm>
+              <a:off x="1744234" y="1544122"/>
+              <a:ext cx="228600" cy="228600"/>
+            </a:xfrm>
+            <a:prstGeom prst="rect">
+              <a:avLst/>
+            </a:prstGeom>
+            <a:solidFill>
+              <a:srgbClr val="00B050"/>
+            </a:solidFill>
+            <a:ln w="12700">
+              <a:solidFill>
+                <a:schemeClr val="tx1"/>
+              </a:solidFill>
+            </a:ln>
+          </p:spPr>
+          <p:style>
+            <a:lnRef idx="2">
+              <a:schemeClr val="accent1">
+                <a:shade val="15000"/>
+              </a:schemeClr>
+            </a:lnRef>
+            <a:fillRef idx="1">
+              <a:schemeClr val="accent1"/>
+            </a:fillRef>
+            <a:effectRef idx="0">
+              <a:schemeClr val="accent1"/>
+            </a:effectRef>
+            <a:fontRef idx="minor">
+              <a:schemeClr val="lt1"/>
+            </a:fontRef>
+          </p:style>
+          <p:txBody>
+            <a:bodyPr rtlCol="0" anchor="ctr"/>
+            <a:lstStyle/>
+            <a:p>
+              <a:pPr algn="ctr"/>
+              <a:endParaRPr lang="en-US"/>
+            </a:p>
+          </p:txBody>
+        </p:sp>
+      </p:grpSp>
+      <p:grpSp>
+        <p:nvGrpSpPr>
+          <p:cNvPr id="231" name="Group 230">
+            <a:extLst>
+              <a:ext uri="{FF2B5EF4-FFF2-40B4-BE49-F238E27FC236}">
+                <a16:creationId xmlns:a16="http://schemas.microsoft.com/office/drawing/2014/main" id="{5FFB1DD4-6DC6-7004-45A9-A501E757AD85}"/>
+              </a:ext>
+            </a:extLst>
+          </p:cNvPr>
+          <p:cNvGrpSpPr/>
+          <p:nvPr/>
+        </p:nvGrpSpPr>
+        <p:grpSpPr>
+          <a:xfrm>
+            <a:off x="5319568" y="2616033"/>
+            <a:ext cx="1993475" cy="1993475"/>
+            <a:chOff x="633740" y="289199"/>
+            <a:chExt cx="1993475" cy="1993475"/>
+          </a:xfrm>
+        </p:grpSpPr>
+        <p:sp>
+          <p:nvSpPr>
+            <p:cNvPr id="232" name="Rectangle 231">
+              <a:extLst>
+                <a:ext uri="{FF2B5EF4-FFF2-40B4-BE49-F238E27FC236}">
+                  <a16:creationId xmlns:a16="http://schemas.microsoft.com/office/drawing/2014/main" id="{6AFFA894-3181-3FFC-A08D-F96C8FE79753}"/>
+                </a:ext>
+              </a:extLst>
+            </p:cNvPr>
+            <p:cNvSpPr/>
+            <p:nvPr/>
+          </p:nvSpPr>
+          <p:spPr>
+            <a:xfrm>
+              <a:off x="633740" y="289199"/>
+              <a:ext cx="1993475" cy="1993475"/>
+            </a:xfrm>
+            <a:prstGeom prst="rect">
+              <a:avLst/>
+            </a:prstGeom>
+            <a:noFill/>
+            <a:ln w="25400">
+              <a:solidFill>
+                <a:schemeClr val="tx1"/>
+              </a:solidFill>
+            </a:ln>
+          </p:spPr>
+          <p:style>
+            <a:lnRef idx="2">
+              <a:schemeClr val="accent1">
+                <a:shade val="15000"/>
+              </a:schemeClr>
+            </a:lnRef>
+            <a:fillRef idx="1">
+              <a:schemeClr val="accent1"/>
+            </a:fillRef>
+            <a:effectRef idx="0">
+              <a:schemeClr val="accent1"/>
+            </a:effectRef>
+            <a:fontRef idx="minor">
+              <a:schemeClr val="lt1"/>
+            </a:fontRef>
+          </p:style>
+          <p:txBody>
+            <a:bodyPr rtlCol="0" anchor="ctr"/>
+            <a:lstStyle/>
+            <a:p>
+              <a:pPr algn="ctr"/>
+              <a:endParaRPr lang="en-US"/>
+            </a:p>
+          </p:txBody>
+        </p:sp>
+        <p:sp>
+          <p:nvSpPr>
+            <p:cNvPr id="233" name="Rectangle 232">
+              <a:extLst>
+                <a:ext uri="{FF2B5EF4-FFF2-40B4-BE49-F238E27FC236}">
+                  <a16:creationId xmlns:a16="http://schemas.microsoft.com/office/drawing/2014/main" id="{ACC61321-90B0-8AAE-2E7E-D145731C0C9F}"/>
+                </a:ext>
+              </a:extLst>
+            </p:cNvPr>
+            <p:cNvSpPr>
+              <a:spLocks noChangeAspect="1"/>
+            </p:cNvSpPr>
+            <p:nvPr/>
+          </p:nvSpPr>
+          <p:spPr>
+            <a:xfrm>
+              <a:off x="1962867" y="1816427"/>
+              <a:ext cx="137160" cy="137160"/>
+            </a:xfrm>
+            <a:prstGeom prst="rect">
+              <a:avLst/>
+            </a:prstGeom>
+            <a:solidFill>
+              <a:srgbClr val="00B050"/>
+            </a:solidFill>
+            <a:ln w="12700">
+              <a:solidFill>
+                <a:schemeClr val="tx1"/>
+              </a:solidFill>
+            </a:ln>
+          </p:spPr>
+          <p:style>
+            <a:lnRef idx="2">
+              <a:schemeClr val="accent1">
+                <a:shade val="15000"/>
+              </a:schemeClr>
+            </a:lnRef>
+            <a:fillRef idx="1">
+              <a:schemeClr val="accent1"/>
+            </a:fillRef>
+            <a:effectRef idx="0">
+              <a:schemeClr val="accent1"/>
+            </a:effectRef>
+            <a:fontRef idx="minor">
+              <a:schemeClr val="lt1"/>
+            </a:fontRef>
+          </p:style>
+          <p:txBody>
+            <a:bodyPr rtlCol="0" anchor="ctr"/>
+            <a:lstStyle/>
+            <a:p>
+              <a:pPr algn="ctr"/>
+              <a:endParaRPr lang="en-US"/>
+            </a:p>
+          </p:txBody>
+        </p:sp>
+        <p:sp>
+          <p:nvSpPr>
+            <p:cNvPr id="234" name="Triangle 233">
+              <a:extLst>
+                <a:ext uri="{FF2B5EF4-FFF2-40B4-BE49-F238E27FC236}">
+                  <a16:creationId xmlns:a16="http://schemas.microsoft.com/office/drawing/2014/main" id="{953FE172-D872-66EE-08D3-9283FA1BC790}"/>
+                </a:ext>
+              </a:extLst>
+            </p:cNvPr>
+            <p:cNvSpPr>
+              <a:spLocks noChangeAspect="1"/>
+            </p:cNvSpPr>
+            <p:nvPr/>
+          </p:nvSpPr>
+          <p:spPr>
+            <a:xfrm>
+              <a:off x="858042" y="1484504"/>
+              <a:ext cx="265176" cy="228600"/>
+            </a:xfrm>
+            <a:prstGeom prst="triangle">
+              <a:avLst/>
+            </a:prstGeom>
+            <a:ln w="12700">
+              <a:solidFill>
+                <a:schemeClr val="tx1"/>
+              </a:solidFill>
+            </a:ln>
+          </p:spPr>
+          <p:style>
+            <a:lnRef idx="2">
+              <a:schemeClr val="accent1">
+                <a:shade val="15000"/>
+              </a:schemeClr>
+            </a:lnRef>
+            <a:fillRef idx="1">
+              <a:schemeClr val="accent1"/>
+            </a:fillRef>
+            <a:effectRef idx="0">
+              <a:schemeClr val="accent1"/>
+            </a:effectRef>
+            <a:fontRef idx="minor">
+              <a:schemeClr val="lt1"/>
+            </a:fontRef>
+          </p:style>
+          <p:txBody>
+            <a:bodyPr rtlCol="0" anchor="ctr"/>
+            <a:lstStyle/>
+            <a:p>
+              <a:pPr algn="ctr"/>
+              <a:endParaRPr lang="en-US"/>
+            </a:p>
+          </p:txBody>
+        </p:sp>
+        <p:sp>
+          <p:nvSpPr>
+            <p:cNvPr id="235" name="Triangle 234">
+              <a:extLst>
+                <a:ext uri="{FF2B5EF4-FFF2-40B4-BE49-F238E27FC236}">
+                  <a16:creationId xmlns:a16="http://schemas.microsoft.com/office/drawing/2014/main" id="{66C5D318-C42C-5F12-0082-5CD12C59DF24}"/>
+                </a:ext>
+              </a:extLst>
+            </p:cNvPr>
+            <p:cNvSpPr>
+              <a:spLocks noChangeAspect="1"/>
+            </p:cNvSpPr>
+            <p:nvPr/>
+          </p:nvSpPr>
+          <p:spPr>
+            <a:xfrm>
+              <a:off x="1919364" y="761557"/>
+              <a:ext cx="159106" cy="137160"/>
+            </a:xfrm>
+            <a:prstGeom prst="triangle">
+              <a:avLst/>
+            </a:prstGeom>
+            <a:ln w="12700">
+              <a:solidFill>
+                <a:schemeClr val="tx1"/>
+              </a:solidFill>
+            </a:ln>
+          </p:spPr>
+          <p:style>
+            <a:lnRef idx="2">
+              <a:schemeClr val="accent1">
+                <a:shade val="15000"/>
+              </a:schemeClr>
+            </a:lnRef>
+            <a:fillRef idx="1">
+              <a:schemeClr val="accent1"/>
+            </a:fillRef>
+            <a:effectRef idx="0">
+              <a:schemeClr val="accent1"/>
+            </a:effectRef>
+            <a:fontRef idx="minor">
+              <a:schemeClr val="lt1"/>
+            </a:fontRef>
+          </p:style>
+          <p:txBody>
+            <a:bodyPr rtlCol="0" anchor="ctr"/>
+            <a:lstStyle/>
+            <a:p>
+              <a:pPr algn="ctr"/>
+              <a:endParaRPr lang="en-US"/>
+            </a:p>
+          </p:txBody>
+        </p:sp>
+        <p:sp>
+          <p:nvSpPr>
+            <p:cNvPr id="236" name="Rectangle 235">
+              <a:extLst>
+                <a:ext uri="{FF2B5EF4-FFF2-40B4-BE49-F238E27FC236}">
+                  <a16:creationId xmlns:a16="http://schemas.microsoft.com/office/drawing/2014/main" id="{D752671A-CCB7-4DA6-8491-A2BEAFBC8A2E}"/>
+                </a:ext>
+              </a:extLst>
+            </p:cNvPr>
+            <p:cNvSpPr>
+              <a:spLocks noChangeAspect="1"/>
+            </p:cNvSpPr>
+            <p:nvPr/>
+          </p:nvSpPr>
+          <p:spPr>
+            <a:xfrm>
+              <a:off x="1277573" y="1348904"/>
+              <a:ext cx="137160" cy="137160"/>
+            </a:xfrm>
+            <a:prstGeom prst="rect">
+              <a:avLst/>
+            </a:prstGeom>
+            <a:solidFill>
+              <a:srgbClr val="00B050"/>
+            </a:solidFill>
+            <a:ln w="12700">
+              <a:solidFill>
+                <a:schemeClr val="tx1"/>
+              </a:solidFill>
+            </a:ln>
+          </p:spPr>
+          <p:style>
+            <a:lnRef idx="2">
+              <a:schemeClr val="accent1">
+                <a:shade val="15000"/>
+              </a:schemeClr>
+            </a:lnRef>
+            <a:fillRef idx="1">
+              <a:schemeClr val="accent1"/>
+            </a:fillRef>
+            <a:effectRef idx="0">
+              <a:schemeClr val="accent1"/>
+            </a:effectRef>
+            <a:fontRef idx="minor">
+              <a:schemeClr val="lt1"/>
+            </a:fontRef>
+          </p:style>
+          <p:txBody>
+            <a:bodyPr rtlCol="0" anchor="ctr"/>
+            <a:lstStyle/>
+            <a:p>
+              <a:pPr algn="ctr"/>
+              <a:endParaRPr lang="en-US"/>
+            </a:p>
+          </p:txBody>
+        </p:sp>
+        <p:sp>
+          <p:nvSpPr>
+            <p:cNvPr id="237" name="Triangle 236">
+              <a:extLst>
+                <a:ext uri="{FF2B5EF4-FFF2-40B4-BE49-F238E27FC236}">
+                  <a16:creationId xmlns:a16="http://schemas.microsoft.com/office/drawing/2014/main" id="{08FCD057-8217-37DA-7DD5-FB26D7BEACB3}"/>
+                </a:ext>
+              </a:extLst>
+            </p:cNvPr>
+            <p:cNvSpPr>
+              <a:spLocks noChangeAspect="1"/>
+            </p:cNvSpPr>
+            <p:nvPr/>
+          </p:nvSpPr>
+          <p:spPr>
+            <a:xfrm>
+              <a:off x="1357975" y="788408"/>
+              <a:ext cx="159106" cy="137160"/>
+            </a:xfrm>
+            <a:prstGeom prst="triangle">
+              <a:avLst/>
+            </a:prstGeom>
+            <a:ln w="12700">
+              <a:solidFill>
+                <a:schemeClr val="tx1"/>
+              </a:solidFill>
+            </a:ln>
+          </p:spPr>
+          <p:style>
+            <a:lnRef idx="2">
+              <a:schemeClr val="accent1">
+                <a:shade val="15000"/>
+              </a:schemeClr>
+            </a:lnRef>
+            <a:fillRef idx="1">
+              <a:schemeClr val="accent1"/>
+            </a:fillRef>
+            <a:effectRef idx="0">
+              <a:schemeClr val="accent1"/>
+            </a:effectRef>
+            <a:fontRef idx="minor">
+              <a:schemeClr val="lt1"/>
+            </a:fontRef>
+          </p:style>
+          <p:txBody>
+            <a:bodyPr rtlCol="0" anchor="ctr"/>
+            <a:lstStyle/>
+            <a:p>
+              <a:pPr algn="ctr"/>
+              <a:endParaRPr lang="en-US"/>
+            </a:p>
+          </p:txBody>
+        </p:sp>
+        <p:sp>
+          <p:nvSpPr>
+            <p:cNvPr id="238" name="Triangle 237">
+              <a:extLst>
+                <a:ext uri="{FF2B5EF4-FFF2-40B4-BE49-F238E27FC236}">
+                  <a16:creationId xmlns:a16="http://schemas.microsoft.com/office/drawing/2014/main" id="{8FE39E3A-F377-D373-64EF-503979200FD0}"/>
+                </a:ext>
+              </a:extLst>
+            </p:cNvPr>
+            <p:cNvSpPr>
+              <a:spLocks noChangeAspect="1"/>
+            </p:cNvSpPr>
+            <p:nvPr/>
+          </p:nvSpPr>
+          <p:spPr>
+            <a:xfrm>
+              <a:off x="1707938" y="518175"/>
+              <a:ext cx="159106" cy="137160"/>
+            </a:xfrm>
+            <a:prstGeom prst="triangle">
+              <a:avLst/>
+            </a:prstGeom>
+            <a:ln w="12700">
+              <a:solidFill>
+                <a:schemeClr val="tx1"/>
+              </a:solidFill>
+            </a:ln>
+          </p:spPr>
+          <p:style>
+            <a:lnRef idx="2">
+              <a:schemeClr val="accent1">
+                <a:shade val="15000"/>
+              </a:schemeClr>
+            </a:lnRef>
+            <a:fillRef idx="1">
+              <a:schemeClr val="accent1"/>
+            </a:fillRef>
+            <a:effectRef idx="0">
+              <a:schemeClr val="accent1"/>
+            </a:effectRef>
+            <a:fontRef idx="minor">
+              <a:schemeClr val="lt1"/>
+            </a:fontRef>
+          </p:style>
+          <p:txBody>
+            <a:bodyPr rtlCol="0" anchor="ctr"/>
+            <a:lstStyle/>
+            <a:p>
+              <a:pPr algn="ctr"/>
+              <a:endParaRPr lang="en-US"/>
+            </a:p>
+          </p:txBody>
+        </p:sp>
+        <p:sp>
+          <p:nvSpPr>
+            <p:cNvPr id="239" name="Rectangle 238">
+              <a:extLst>
+                <a:ext uri="{FF2B5EF4-FFF2-40B4-BE49-F238E27FC236}">
+                  <a16:creationId xmlns:a16="http://schemas.microsoft.com/office/drawing/2014/main" id="{79C7A3EA-E34F-30EC-B80B-C7F797600925}"/>
+                </a:ext>
+              </a:extLst>
+            </p:cNvPr>
+            <p:cNvSpPr>
+              <a:spLocks noChangeAspect="1"/>
+            </p:cNvSpPr>
+            <p:nvPr/>
+          </p:nvSpPr>
+          <p:spPr>
+            <a:xfrm>
+              <a:off x="1507223" y="1815352"/>
+              <a:ext cx="137160" cy="137160"/>
+            </a:xfrm>
+            <a:prstGeom prst="rect">
+              <a:avLst/>
+            </a:prstGeom>
+            <a:solidFill>
+              <a:srgbClr val="00B050"/>
+            </a:solidFill>
+            <a:ln w="12700">
+              <a:solidFill>
+                <a:schemeClr val="tx1"/>
+              </a:solidFill>
+            </a:ln>
+          </p:spPr>
+          <p:style>
+            <a:lnRef idx="2">
+              <a:schemeClr val="accent1">
+                <a:shade val="15000"/>
+              </a:schemeClr>
+            </a:lnRef>
+            <a:fillRef idx="1">
+              <a:schemeClr val="accent1"/>
+            </a:fillRef>
+            <a:effectRef idx="0">
+              <a:schemeClr val="accent1"/>
+            </a:effectRef>
+            <a:fontRef idx="minor">
+              <a:schemeClr val="lt1"/>
+            </a:fontRef>
+          </p:style>
+          <p:txBody>
+            <a:bodyPr rtlCol="0" anchor="ctr"/>
+            <a:lstStyle/>
+            <a:p>
+              <a:pPr algn="ctr"/>
+              <a:endParaRPr lang="en-US"/>
+            </a:p>
+          </p:txBody>
+        </p:sp>
+        <p:sp>
+          <p:nvSpPr>
+            <p:cNvPr id="240" name="Rectangle 239">
+              <a:extLst>
+                <a:ext uri="{FF2B5EF4-FFF2-40B4-BE49-F238E27FC236}">
+                  <a16:creationId xmlns:a16="http://schemas.microsoft.com/office/drawing/2014/main" id="{84D3C93F-8583-0032-A4B2-C2E7438CA75B}"/>
+                </a:ext>
+              </a:extLst>
+            </p:cNvPr>
+            <p:cNvSpPr>
+              <a:spLocks noChangeAspect="1"/>
+            </p:cNvSpPr>
+            <p:nvPr/>
+          </p:nvSpPr>
+          <p:spPr>
+            <a:xfrm>
+              <a:off x="2378746" y="1475554"/>
+              <a:ext cx="128662" cy="128662"/>
+            </a:xfrm>
+            <a:prstGeom prst="rect">
+              <a:avLst/>
+            </a:prstGeom>
+            <a:solidFill>
+              <a:srgbClr val="00B050"/>
+            </a:solidFill>
+            <a:ln w="12700">
+              <a:solidFill>
+                <a:schemeClr val="tx1"/>
+              </a:solidFill>
+            </a:ln>
+          </p:spPr>
+          <p:style>
+            <a:lnRef idx="2">
+              <a:schemeClr val="accent1">
+                <a:shade val="15000"/>
+              </a:schemeClr>
+            </a:lnRef>
+            <a:fillRef idx="1">
+              <a:schemeClr val="accent1"/>
+            </a:fillRef>
+            <a:effectRef idx="0">
+              <a:schemeClr val="accent1"/>
+            </a:effectRef>
+            <a:fontRef idx="minor">
+              <a:schemeClr val="lt1"/>
+            </a:fontRef>
+          </p:style>
+          <p:txBody>
+            <a:bodyPr rtlCol="0" anchor="ctr"/>
+            <a:lstStyle/>
+            <a:p>
+              <a:pPr algn="ctr"/>
+              <a:endParaRPr lang="en-US" dirty="0"/>
+            </a:p>
+          </p:txBody>
+        </p:sp>
+        <p:sp>
+          <p:nvSpPr>
+            <p:cNvPr id="241" name="Rectangle 240">
+              <a:extLst>
+                <a:ext uri="{FF2B5EF4-FFF2-40B4-BE49-F238E27FC236}">
+                  <a16:creationId xmlns:a16="http://schemas.microsoft.com/office/drawing/2014/main" id="{AFF1E447-08A9-5988-95B6-8C225768E559}"/>
+                </a:ext>
+              </a:extLst>
+            </p:cNvPr>
+            <p:cNvSpPr>
+              <a:spLocks noChangeAspect="1"/>
+            </p:cNvSpPr>
+            <p:nvPr/>
+          </p:nvSpPr>
+          <p:spPr>
+            <a:xfrm>
+              <a:off x="2293710" y="732765"/>
+              <a:ext cx="228600" cy="228600"/>
+            </a:xfrm>
+            <a:prstGeom prst="rect">
+              <a:avLst/>
+            </a:prstGeom>
+            <a:solidFill>
+              <a:srgbClr val="00B050"/>
+            </a:solidFill>
+            <a:ln w="12700">
+              <a:solidFill>
+                <a:schemeClr val="tx1"/>
+              </a:solidFill>
+            </a:ln>
+          </p:spPr>
+          <p:style>
+            <a:lnRef idx="2">
+              <a:schemeClr val="accent1">
+                <a:shade val="15000"/>
+              </a:schemeClr>
+            </a:lnRef>
+            <a:fillRef idx="1">
+              <a:schemeClr val="accent1"/>
+            </a:fillRef>
+            <a:effectRef idx="0">
+              <a:schemeClr val="accent1"/>
+            </a:effectRef>
+            <a:fontRef idx="minor">
+              <a:schemeClr val="lt1"/>
+            </a:fontRef>
+          </p:style>
+          <p:txBody>
+            <a:bodyPr rtlCol="0" anchor="ctr"/>
+            <a:lstStyle/>
+            <a:p>
+              <a:pPr algn="ctr"/>
+              <a:endParaRPr lang="en-US"/>
+            </a:p>
+          </p:txBody>
+        </p:sp>
+        <p:sp>
+          <p:nvSpPr>
+            <p:cNvPr id="242" name="Triangle 241">
+              <a:extLst>
+                <a:ext uri="{FF2B5EF4-FFF2-40B4-BE49-F238E27FC236}">
+                  <a16:creationId xmlns:a16="http://schemas.microsoft.com/office/drawing/2014/main" id="{63BA54A1-568C-541E-5357-1A0C692BFA75}"/>
+                </a:ext>
+              </a:extLst>
+            </p:cNvPr>
+            <p:cNvSpPr>
+              <a:spLocks noChangeAspect="1"/>
+            </p:cNvSpPr>
+            <p:nvPr/>
+          </p:nvSpPr>
+          <p:spPr>
+            <a:xfrm>
+              <a:off x="983965" y="1819258"/>
+              <a:ext cx="265176" cy="228600"/>
+            </a:xfrm>
+            <a:prstGeom prst="triangle">
+              <a:avLst/>
+            </a:prstGeom>
+            <a:ln w="12700">
+              <a:solidFill>
+                <a:schemeClr val="tx1"/>
+              </a:solidFill>
+            </a:ln>
+          </p:spPr>
+          <p:style>
+            <a:lnRef idx="2">
+              <a:schemeClr val="accent1">
+                <a:shade val="15000"/>
+              </a:schemeClr>
+            </a:lnRef>
+            <a:fillRef idx="1">
+              <a:schemeClr val="accent1"/>
+            </a:fillRef>
+            <a:effectRef idx="0">
+              <a:schemeClr val="accent1"/>
+            </a:effectRef>
+            <a:fontRef idx="minor">
+              <a:schemeClr val="lt1"/>
+            </a:fontRef>
+          </p:style>
+          <p:txBody>
+            <a:bodyPr rtlCol="0" anchor="ctr"/>
+            <a:lstStyle/>
+            <a:p>
+              <a:pPr algn="ctr"/>
+              <a:endParaRPr lang="en-US"/>
+            </a:p>
+          </p:txBody>
+        </p:sp>
+        <p:sp>
+          <p:nvSpPr>
+            <p:cNvPr id="243" name="Rectangle 242">
+              <a:extLst>
+                <a:ext uri="{FF2B5EF4-FFF2-40B4-BE49-F238E27FC236}">
+                  <a16:creationId xmlns:a16="http://schemas.microsoft.com/office/drawing/2014/main" id="{9F8AC06E-AC8D-C965-5EDF-B3B103FCE508}"/>
+                </a:ext>
+              </a:extLst>
+            </p:cNvPr>
+            <p:cNvSpPr>
+              <a:spLocks noChangeAspect="1"/>
+            </p:cNvSpPr>
+            <p:nvPr/>
+          </p:nvSpPr>
+          <p:spPr>
+            <a:xfrm>
+              <a:off x="1744234" y="1544122"/>
+              <a:ext cx="137160" cy="137160"/>
+            </a:xfrm>
+            <a:prstGeom prst="rect">
+              <a:avLst/>
+            </a:prstGeom>
+            <a:solidFill>
+              <a:srgbClr val="00B050"/>
+            </a:solidFill>
+            <a:ln w="12700">
+              <a:solidFill>
+                <a:schemeClr val="tx1"/>
+              </a:solidFill>
+            </a:ln>
+          </p:spPr>
+          <p:style>
+            <a:lnRef idx="2">
+              <a:schemeClr val="accent1">
+                <a:shade val="15000"/>
+              </a:schemeClr>
+            </a:lnRef>
+            <a:fillRef idx="1">
+              <a:schemeClr val="accent1"/>
+            </a:fillRef>
+            <a:effectRef idx="0">
+              <a:schemeClr val="accent1"/>
+            </a:effectRef>
+            <a:fontRef idx="minor">
+              <a:schemeClr val="lt1"/>
+            </a:fontRef>
+          </p:style>
+          <p:txBody>
+            <a:bodyPr rtlCol="0" anchor="ctr"/>
+            <a:lstStyle/>
+            <a:p>
+              <a:pPr algn="ctr"/>
+              <a:endParaRPr lang="en-US"/>
+            </a:p>
+          </p:txBody>
+        </p:sp>
+      </p:grpSp>
+      <mc:AlternateContent xmlns:mc="http://schemas.openxmlformats.org/markup-compatibility/2006">
+        <mc:Choice xmlns:a14="http://schemas.microsoft.com/office/drawing/2010/main" Requires="a14">
+          <p:sp>
+            <p:nvSpPr>
+              <p:cNvPr id="244" name="TextBox 243">
+                <a:extLst>
+                  <a:ext uri="{FF2B5EF4-FFF2-40B4-BE49-F238E27FC236}">
+                    <a16:creationId xmlns:a16="http://schemas.microsoft.com/office/drawing/2014/main" id="{8EE3729F-EAD9-B754-E395-0E6A57038F9D}"/>
+                  </a:ext>
+                </a:extLst>
+              </p:cNvPr>
+              <p:cNvSpPr txBox="1"/>
+              <p:nvPr/>
+            </p:nvSpPr>
+            <p:spPr>
+              <a:xfrm>
+                <a:off x="7524432" y="1837267"/>
+                <a:ext cx="819455" cy="830997"/>
+              </a:xfrm>
+              <a:prstGeom prst="rect">
+                <a:avLst/>
+              </a:prstGeom>
+              <a:noFill/>
+            </p:spPr>
+            <p:txBody>
+              <a:bodyPr wrap="none" rtlCol="0">
+                <a:spAutoFit/>
+              </a:bodyPr>
+              <a:lstStyle/>
+              <a:p>
+                <a14:m>
+                  <m:oMathPara xmlns:m="http://schemas.openxmlformats.org/officeDocument/2006/math">
+                    <m:oMathParaPr>
+                      <m:jc m:val="centerGroup"/>
+                    </m:oMathParaPr>
+                    <m:oMath xmlns:m="http://schemas.openxmlformats.org/officeDocument/2006/math">
+                      <m:r>
+                        <a:rPr lang="en-US" sz="4800" b="0" i="1" dirty="0" smtClean="0">
+                          <a:latin typeface="Cambria Math" panose="02040503050406030204" pitchFamily="18" charset="0"/>
+                        </a:rPr>
+                        <m:t>…</m:t>
+                      </m:r>
+                    </m:oMath>
+                  </m:oMathPara>
+                </a14:m>
+                <a:endParaRPr lang="en-US" sz="4800" dirty="0"/>
+              </a:p>
+            </p:txBody>
+          </p:sp>
+        </mc:Choice>
+        <mc:Fallback>
+          <p:sp>
+            <p:nvSpPr>
+              <p:cNvPr id="244" name="TextBox 243">
+                <a:extLst>
+                  <a:ext uri="{FF2B5EF4-FFF2-40B4-BE49-F238E27FC236}">
+                    <a16:creationId xmlns:a16="http://schemas.microsoft.com/office/drawing/2014/main" id="{8EE3729F-EAD9-B754-E395-0E6A57038F9D}"/>
+                  </a:ext>
+                </a:extLst>
+              </p:cNvPr>
+              <p:cNvSpPr txBox="1">
+                <a:spLocks noRot="1" noChangeAspect="1" noMove="1" noResize="1" noEditPoints="1" noAdjustHandles="1" noChangeArrowheads="1" noChangeShapeType="1" noTextEdit="1"/>
+              </p:cNvSpPr>
+              <p:nvPr/>
+            </p:nvSpPr>
+            <p:spPr>
+              <a:xfrm>
+                <a:off x="7524432" y="1837267"/>
+                <a:ext cx="819455" cy="830997"/>
+              </a:xfrm>
+              <a:prstGeom prst="rect">
+                <a:avLst/>
+              </a:prstGeom>
+              <a:blipFill>
+                <a:blip r:embed="rId2"/>
+                <a:stretch>
+                  <a:fillRect/>
+                </a:stretch>
+              </a:blipFill>
+            </p:spPr>
+            <p:txBody>
+              <a:bodyPr/>
+              <a:lstStyle/>
+              <a:p>
+                <a:r>
+                  <a:rPr lang="en-US">
+                    <a:noFill/>
+                  </a:rPr>
+                  <a:t> </a:t>
+                </a:r>
+              </a:p>
+            </p:txBody>
+          </p:sp>
+        </mc:Fallback>
+      </mc:AlternateContent>
+      <p:cxnSp>
+        <p:nvCxnSpPr>
+          <p:cNvPr id="250" name="Straight Connector 249">
+            <a:extLst>
+              <a:ext uri="{FF2B5EF4-FFF2-40B4-BE49-F238E27FC236}">
+                <a16:creationId xmlns:a16="http://schemas.microsoft.com/office/drawing/2014/main" id="{9BDE1E03-E346-24F9-598C-4D46ABAD660B}"/>
+              </a:ext>
+            </a:extLst>
+          </p:cNvPr>
+          <p:cNvCxnSpPr>
+            <a:cxnSpLocks/>
+          </p:cNvCxnSpPr>
+          <p:nvPr/>
+        </p:nvCxnSpPr>
+        <p:spPr>
+          <a:xfrm>
+            <a:off x="4579573" y="318405"/>
+            <a:ext cx="0" cy="1955800"/>
+          </a:xfrm>
+          <a:prstGeom prst="line">
+            <a:avLst/>
+          </a:prstGeom>
+          <a:ln w="25400">
+            <a:solidFill>
+              <a:srgbClr val="FF0000"/>
+            </a:solidFill>
+            <a:prstDash val="sysDot"/>
+          </a:ln>
+        </p:spPr>
+        <p:style>
+          <a:lnRef idx="1">
+            <a:schemeClr val="accent1"/>
+          </a:lnRef>
+          <a:fillRef idx="0">
+            <a:schemeClr val="accent1"/>
+          </a:fillRef>
+          <a:effectRef idx="0">
+            <a:schemeClr val="accent1"/>
+          </a:effectRef>
+          <a:fontRef idx="minor">
+            <a:schemeClr val="tx1"/>
+          </a:fontRef>
+        </p:style>
+      </p:cxnSp>
+      <p:cxnSp>
+        <p:nvCxnSpPr>
+          <p:cNvPr id="251" name="Straight Connector 250">
+            <a:extLst>
+              <a:ext uri="{FF2B5EF4-FFF2-40B4-BE49-F238E27FC236}">
+                <a16:creationId xmlns:a16="http://schemas.microsoft.com/office/drawing/2014/main" id="{9C75B26A-48BE-06EA-A759-A3BB8E141771}"/>
+              </a:ext>
+            </a:extLst>
+          </p:cNvPr>
+          <p:cNvCxnSpPr>
+            <a:cxnSpLocks/>
+          </p:cNvCxnSpPr>
+          <p:nvPr/>
+        </p:nvCxnSpPr>
+        <p:spPr>
+          <a:xfrm>
+            <a:off x="4579573" y="2627006"/>
+            <a:ext cx="0" cy="1983999"/>
+          </a:xfrm>
+          <a:prstGeom prst="line">
+            <a:avLst/>
+          </a:prstGeom>
+          <a:ln w="25400">
+            <a:solidFill>
+              <a:srgbClr val="FF0000"/>
+            </a:solidFill>
+            <a:prstDash val="sysDot"/>
+          </a:ln>
+        </p:spPr>
+        <p:style>
+          <a:lnRef idx="1">
+            <a:schemeClr val="accent1"/>
+          </a:lnRef>
+          <a:fillRef idx="0">
+            <a:schemeClr val="accent1"/>
+          </a:fillRef>
+          <a:effectRef idx="0">
+            <a:schemeClr val="accent1"/>
+          </a:effectRef>
+          <a:fontRef idx="minor">
+            <a:schemeClr val="tx1"/>
+          </a:fontRef>
+        </p:style>
+      </p:cxnSp>
+      <p:cxnSp>
+        <p:nvCxnSpPr>
+          <p:cNvPr id="252" name="Straight Connector 251">
+            <a:extLst>
+              <a:ext uri="{FF2B5EF4-FFF2-40B4-BE49-F238E27FC236}">
+                <a16:creationId xmlns:a16="http://schemas.microsoft.com/office/drawing/2014/main" id="{5B010D98-3CCE-E56C-31D6-4672DA0D57DE}"/>
+              </a:ext>
+            </a:extLst>
+          </p:cNvPr>
+          <p:cNvCxnSpPr>
+            <a:cxnSpLocks/>
+          </p:cNvCxnSpPr>
+          <p:nvPr/>
+        </p:nvCxnSpPr>
+        <p:spPr>
+          <a:xfrm flipH="1" flipV="1">
+            <a:off x="5318674" y="1181753"/>
+            <a:ext cx="1985902" cy="0"/>
+          </a:xfrm>
+          <a:prstGeom prst="line">
+            <a:avLst/>
+          </a:prstGeom>
+          <a:ln w="25400">
+            <a:solidFill>
+              <a:srgbClr val="FF0000"/>
+            </a:solidFill>
+            <a:prstDash val="sysDot"/>
+          </a:ln>
+        </p:spPr>
+        <p:style>
+          <a:lnRef idx="1">
+            <a:schemeClr val="accent1"/>
+          </a:lnRef>
+          <a:fillRef idx="0">
+            <a:schemeClr val="accent1"/>
+          </a:fillRef>
+          <a:effectRef idx="0">
+            <a:schemeClr val="accent1"/>
+          </a:effectRef>
+          <a:fontRef idx="minor">
+            <a:schemeClr val="tx1"/>
+          </a:fontRef>
+        </p:style>
+      </p:cxnSp>
+      <p:cxnSp>
+        <p:nvCxnSpPr>
+          <p:cNvPr id="255" name="Straight Connector 254">
+            <a:extLst>
+              <a:ext uri="{FF2B5EF4-FFF2-40B4-BE49-F238E27FC236}">
+                <a16:creationId xmlns:a16="http://schemas.microsoft.com/office/drawing/2014/main" id="{07239EFE-A944-2F5F-7715-4EDA6EF28D0E}"/>
+              </a:ext>
+            </a:extLst>
+          </p:cNvPr>
+          <p:cNvCxnSpPr>
+            <a:cxnSpLocks/>
+          </p:cNvCxnSpPr>
+          <p:nvPr/>
+        </p:nvCxnSpPr>
+        <p:spPr>
+          <a:xfrm flipH="1" flipV="1">
+            <a:off x="5318674" y="3518553"/>
+            <a:ext cx="1985902" cy="0"/>
+          </a:xfrm>
+          <a:prstGeom prst="line">
+            <a:avLst/>
+          </a:prstGeom>
+          <a:ln w="25400">
+            <a:solidFill>
+              <a:srgbClr val="FF0000"/>
+            </a:solidFill>
+            <a:prstDash val="sysDot"/>
+          </a:ln>
+        </p:spPr>
+        <p:style>
+          <a:lnRef idx="1">
+            <a:schemeClr val="accent1"/>
+          </a:lnRef>
+          <a:fillRef idx="0">
+            <a:schemeClr val="accent1"/>
+          </a:fillRef>
+          <a:effectRef idx="0">
+            <a:schemeClr val="accent1"/>
+          </a:effectRef>
+          <a:fontRef idx="minor">
+            <a:schemeClr val="tx1"/>
+          </a:fontRef>
+        </p:style>
+      </p:cxnSp>
     </p:spTree>
     <p:extLst>
       <p:ext uri="{BB962C8B-B14F-4D97-AF65-F5344CB8AC3E}">
-        <p14:creationId xmlns:p14="http://schemas.microsoft.com/office/powerpoint/2010/main" val="3692338829"/>
+        <p14:creationId xmlns:p14="http://schemas.microsoft.com/office/powerpoint/2010/main" val="2727047366"/>
+      </p:ext>
+    </p:extLst>
+  </p:cSld>
+  <p:clrMapOvr>
+    <a:masterClrMapping/>
+  </p:clrMapOvr>
+</p:sld>
+</file>
+
+<file path=ppt/slides/slide13.xml><?xml version="1.0" encoding="utf-8"?>
+<p:sld xmlns:a="http://schemas.openxmlformats.org/drawingml/2006/main" xmlns:r="http://schemas.openxmlformats.org/officeDocument/2006/relationships" xmlns:p="http://schemas.openxmlformats.org/presentationml/2006/main">
+  <p:cSld>
+    <p:spTree>
+      <p:nvGrpSpPr>
+        <p:cNvPr id="1" name="">
+          <a:extLst>
+            <a:ext uri="{FF2B5EF4-FFF2-40B4-BE49-F238E27FC236}">
+              <a16:creationId xmlns:a16="http://schemas.microsoft.com/office/drawing/2014/main" id="{6908701C-F81C-42AA-D5EB-9D2691EE3F1C}"/>
+            </a:ext>
+          </a:extLst>
+        </p:cNvPr>
+        <p:cNvGrpSpPr/>
+        <p:nvPr/>
+      </p:nvGrpSpPr>
+      <p:grpSpPr>
+        <a:xfrm>
+          <a:off x="0" y="0"/>
+          <a:ext cx="0" cy="0"/>
+          <a:chOff x="0" y="0"/>
+          <a:chExt cx="0" cy="0"/>
+        </a:xfrm>
+      </p:grpSpPr>
+      <p:cxnSp>
+        <p:nvCxnSpPr>
+          <p:cNvPr id="6" name="Straight Connector 5">
+            <a:extLst>
+              <a:ext uri="{FF2B5EF4-FFF2-40B4-BE49-F238E27FC236}">
+                <a16:creationId xmlns:a16="http://schemas.microsoft.com/office/drawing/2014/main" id="{7CCDAA7C-2BD0-E3F2-0D24-A4853552C93F}"/>
+              </a:ext>
+            </a:extLst>
+          </p:cNvPr>
+          <p:cNvCxnSpPr>
+            <a:cxnSpLocks/>
+          </p:cNvCxnSpPr>
+          <p:nvPr/>
+        </p:nvCxnSpPr>
+        <p:spPr>
+          <a:xfrm>
+            <a:off x="1209840" y="304800"/>
+            <a:ext cx="0" cy="1955800"/>
+          </a:xfrm>
+          <a:prstGeom prst="line">
+            <a:avLst/>
+          </a:prstGeom>
+          <a:ln w="25400">
+            <a:solidFill>
+              <a:srgbClr val="FF0000"/>
+            </a:solidFill>
+            <a:prstDash val="sysDot"/>
+          </a:ln>
+        </p:spPr>
+        <p:style>
+          <a:lnRef idx="1">
+            <a:schemeClr val="accent1"/>
+          </a:lnRef>
+          <a:fillRef idx="0">
+            <a:schemeClr val="accent1"/>
+          </a:fillRef>
+          <a:effectRef idx="0">
+            <a:schemeClr val="accent1"/>
+          </a:effectRef>
+          <a:fontRef idx="minor">
+            <a:schemeClr val="tx1"/>
+          </a:fontRef>
+        </p:style>
+      </p:cxnSp>
+      <p:grpSp>
+        <p:nvGrpSpPr>
+          <p:cNvPr id="172" name="Group 171">
+            <a:extLst>
+              <a:ext uri="{FF2B5EF4-FFF2-40B4-BE49-F238E27FC236}">
+                <a16:creationId xmlns:a16="http://schemas.microsoft.com/office/drawing/2014/main" id="{AF37A898-6D8A-C8CD-1769-1D2DB86F7C30}"/>
+              </a:ext>
+            </a:extLst>
+          </p:cNvPr>
+          <p:cNvGrpSpPr/>
+          <p:nvPr/>
+        </p:nvGrpSpPr>
+        <p:grpSpPr>
+          <a:xfrm>
+            <a:off x="633740" y="289199"/>
+            <a:ext cx="1993475" cy="1993475"/>
+            <a:chOff x="633740" y="289199"/>
+            <a:chExt cx="1993475" cy="1993475"/>
+          </a:xfrm>
+        </p:grpSpPr>
+        <p:sp>
+          <p:nvSpPr>
+            <p:cNvPr id="2" name="Rectangle 1">
+              <a:extLst>
+                <a:ext uri="{FF2B5EF4-FFF2-40B4-BE49-F238E27FC236}">
+                  <a16:creationId xmlns:a16="http://schemas.microsoft.com/office/drawing/2014/main" id="{FEB6BE4A-9CBC-54B4-3664-F2CD2FF7A671}"/>
+                </a:ext>
+              </a:extLst>
+            </p:cNvPr>
+            <p:cNvSpPr/>
+            <p:nvPr/>
+          </p:nvSpPr>
+          <p:spPr>
+            <a:xfrm>
+              <a:off x="633740" y="289199"/>
+              <a:ext cx="1993475" cy="1993475"/>
+            </a:xfrm>
+            <a:prstGeom prst="rect">
+              <a:avLst/>
+            </a:prstGeom>
+            <a:noFill/>
+            <a:ln w="25400">
+              <a:solidFill>
+                <a:schemeClr val="tx1"/>
+              </a:solidFill>
+            </a:ln>
+          </p:spPr>
+          <p:style>
+            <a:lnRef idx="2">
+              <a:schemeClr val="accent1">
+                <a:shade val="15000"/>
+              </a:schemeClr>
+            </a:lnRef>
+            <a:fillRef idx="1">
+              <a:schemeClr val="accent1"/>
+            </a:fillRef>
+            <a:effectRef idx="0">
+              <a:schemeClr val="accent1"/>
+            </a:effectRef>
+            <a:fontRef idx="minor">
+              <a:schemeClr val="lt1"/>
+            </a:fontRef>
+          </p:style>
+          <p:txBody>
+            <a:bodyPr rtlCol="0" anchor="ctr"/>
+            <a:lstStyle/>
+            <a:p>
+              <a:pPr algn="ctr"/>
+              <a:endParaRPr lang="en-US"/>
+            </a:p>
+          </p:txBody>
+        </p:sp>
+        <p:sp>
+          <p:nvSpPr>
+            <p:cNvPr id="15" name="Rectangle 14">
+              <a:extLst>
+                <a:ext uri="{FF2B5EF4-FFF2-40B4-BE49-F238E27FC236}">
+                  <a16:creationId xmlns:a16="http://schemas.microsoft.com/office/drawing/2014/main" id="{F0EEC43A-775F-ECB4-680A-5A9F7D9AB4EC}"/>
+                </a:ext>
+              </a:extLst>
+            </p:cNvPr>
+            <p:cNvSpPr>
+              <a:spLocks noChangeAspect="1"/>
+            </p:cNvSpPr>
+            <p:nvPr/>
+          </p:nvSpPr>
+          <p:spPr>
+            <a:xfrm>
+              <a:off x="1962867" y="1816427"/>
+              <a:ext cx="128662" cy="128662"/>
+            </a:xfrm>
+            <a:prstGeom prst="rect">
+              <a:avLst/>
+            </a:prstGeom>
+            <a:solidFill>
+              <a:srgbClr val="00B050"/>
+            </a:solidFill>
+            <a:ln w="12700">
+              <a:solidFill>
+                <a:schemeClr val="tx1"/>
+              </a:solidFill>
+            </a:ln>
+          </p:spPr>
+          <p:style>
+            <a:lnRef idx="2">
+              <a:schemeClr val="accent1">
+                <a:shade val="15000"/>
+              </a:schemeClr>
+            </a:lnRef>
+            <a:fillRef idx="1">
+              <a:schemeClr val="accent1"/>
+            </a:fillRef>
+            <a:effectRef idx="0">
+              <a:schemeClr val="accent1"/>
+            </a:effectRef>
+            <a:fontRef idx="minor">
+              <a:schemeClr val="lt1"/>
+            </a:fontRef>
+          </p:style>
+          <p:txBody>
+            <a:bodyPr rtlCol="0" anchor="ctr"/>
+            <a:lstStyle/>
+            <a:p>
+              <a:pPr algn="ctr"/>
+              <a:endParaRPr lang="en-US"/>
+            </a:p>
+          </p:txBody>
+        </p:sp>
+        <p:sp>
+          <p:nvSpPr>
+            <p:cNvPr id="16" name="Triangle 15">
+              <a:extLst>
+                <a:ext uri="{FF2B5EF4-FFF2-40B4-BE49-F238E27FC236}">
+                  <a16:creationId xmlns:a16="http://schemas.microsoft.com/office/drawing/2014/main" id="{F23C44D8-BC3D-EE82-9472-1FAF7D89EF1F}"/>
+                </a:ext>
+              </a:extLst>
+            </p:cNvPr>
+            <p:cNvSpPr>
+              <a:spLocks noChangeAspect="1"/>
+            </p:cNvSpPr>
+            <p:nvPr/>
+          </p:nvSpPr>
+          <p:spPr>
+            <a:xfrm>
+              <a:off x="858042" y="1484504"/>
+              <a:ext cx="149248" cy="128662"/>
+            </a:xfrm>
+            <a:prstGeom prst="triangle">
+              <a:avLst/>
+            </a:prstGeom>
+            <a:ln w="12700">
+              <a:solidFill>
+                <a:schemeClr val="tx1"/>
+              </a:solidFill>
+            </a:ln>
+          </p:spPr>
+          <p:style>
+            <a:lnRef idx="2">
+              <a:schemeClr val="accent1">
+                <a:shade val="15000"/>
+              </a:schemeClr>
+            </a:lnRef>
+            <a:fillRef idx="1">
+              <a:schemeClr val="accent1"/>
+            </a:fillRef>
+            <a:effectRef idx="0">
+              <a:schemeClr val="accent1"/>
+            </a:effectRef>
+            <a:fontRef idx="minor">
+              <a:schemeClr val="lt1"/>
+            </a:fontRef>
+          </p:style>
+          <p:txBody>
+            <a:bodyPr rtlCol="0" anchor="ctr"/>
+            <a:lstStyle/>
+            <a:p>
+              <a:pPr algn="ctr"/>
+              <a:endParaRPr lang="en-US"/>
+            </a:p>
+          </p:txBody>
+        </p:sp>
+        <p:sp>
+          <p:nvSpPr>
+            <p:cNvPr id="17" name="Triangle 16">
+              <a:extLst>
+                <a:ext uri="{FF2B5EF4-FFF2-40B4-BE49-F238E27FC236}">
+                  <a16:creationId xmlns:a16="http://schemas.microsoft.com/office/drawing/2014/main" id="{FCD4DC76-243B-AF92-A436-1693ABD717AA}"/>
+                </a:ext>
+              </a:extLst>
+            </p:cNvPr>
+            <p:cNvSpPr>
+              <a:spLocks noChangeAspect="1"/>
+            </p:cNvSpPr>
+            <p:nvPr/>
+          </p:nvSpPr>
+          <p:spPr>
+            <a:xfrm>
+              <a:off x="1919364" y="761557"/>
+              <a:ext cx="149248" cy="128662"/>
+            </a:xfrm>
+            <a:prstGeom prst="triangle">
+              <a:avLst/>
+            </a:prstGeom>
+            <a:ln w="12700">
+              <a:solidFill>
+                <a:schemeClr val="tx1"/>
+              </a:solidFill>
+            </a:ln>
+          </p:spPr>
+          <p:style>
+            <a:lnRef idx="2">
+              <a:schemeClr val="accent1">
+                <a:shade val="15000"/>
+              </a:schemeClr>
+            </a:lnRef>
+            <a:fillRef idx="1">
+              <a:schemeClr val="accent1"/>
+            </a:fillRef>
+            <a:effectRef idx="0">
+              <a:schemeClr val="accent1"/>
+            </a:effectRef>
+            <a:fontRef idx="minor">
+              <a:schemeClr val="lt1"/>
+            </a:fontRef>
+          </p:style>
+          <p:txBody>
+            <a:bodyPr rtlCol="0" anchor="ctr"/>
+            <a:lstStyle/>
+            <a:p>
+              <a:pPr algn="ctr"/>
+              <a:endParaRPr lang="en-US"/>
+            </a:p>
+          </p:txBody>
+        </p:sp>
+        <p:sp>
+          <p:nvSpPr>
+            <p:cNvPr id="18" name="Rectangle 17">
+              <a:extLst>
+                <a:ext uri="{FF2B5EF4-FFF2-40B4-BE49-F238E27FC236}">
+                  <a16:creationId xmlns:a16="http://schemas.microsoft.com/office/drawing/2014/main" id="{A89B2B75-5E2D-FFDB-922E-E8C7AA0AEF59}"/>
+                </a:ext>
+              </a:extLst>
+            </p:cNvPr>
+            <p:cNvSpPr>
+              <a:spLocks noChangeAspect="1"/>
+            </p:cNvSpPr>
+            <p:nvPr/>
+          </p:nvSpPr>
+          <p:spPr>
+            <a:xfrm>
+              <a:off x="1277573" y="1348904"/>
+              <a:ext cx="128662" cy="128662"/>
+            </a:xfrm>
+            <a:prstGeom prst="rect">
+              <a:avLst/>
+            </a:prstGeom>
+            <a:solidFill>
+              <a:srgbClr val="00B050"/>
+            </a:solidFill>
+            <a:ln w="12700">
+              <a:solidFill>
+                <a:schemeClr val="tx1"/>
+              </a:solidFill>
+            </a:ln>
+          </p:spPr>
+          <p:style>
+            <a:lnRef idx="2">
+              <a:schemeClr val="accent1">
+                <a:shade val="15000"/>
+              </a:schemeClr>
+            </a:lnRef>
+            <a:fillRef idx="1">
+              <a:schemeClr val="accent1"/>
+            </a:fillRef>
+            <a:effectRef idx="0">
+              <a:schemeClr val="accent1"/>
+            </a:effectRef>
+            <a:fontRef idx="minor">
+              <a:schemeClr val="lt1"/>
+            </a:fontRef>
+          </p:style>
+          <p:txBody>
+            <a:bodyPr rtlCol="0" anchor="ctr"/>
+            <a:lstStyle/>
+            <a:p>
+              <a:pPr algn="ctr"/>
+              <a:endParaRPr lang="en-US"/>
+            </a:p>
+          </p:txBody>
+        </p:sp>
+        <p:sp>
+          <p:nvSpPr>
+            <p:cNvPr id="19" name="Triangle 18">
+              <a:extLst>
+                <a:ext uri="{FF2B5EF4-FFF2-40B4-BE49-F238E27FC236}">
+                  <a16:creationId xmlns:a16="http://schemas.microsoft.com/office/drawing/2014/main" id="{9D031085-12FF-149F-46EE-6322D53BE07D}"/>
+                </a:ext>
+              </a:extLst>
+            </p:cNvPr>
+            <p:cNvSpPr>
+              <a:spLocks noChangeAspect="1"/>
+            </p:cNvSpPr>
+            <p:nvPr/>
+          </p:nvSpPr>
+          <p:spPr>
+            <a:xfrm>
+              <a:off x="1357975" y="788408"/>
+              <a:ext cx="149248" cy="128662"/>
+            </a:xfrm>
+            <a:prstGeom prst="triangle">
+              <a:avLst/>
+            </a:prstGeom>
+            <a:ln w="12700">
+              <a:solidFill>
+                <a:schemeClr val="tx1"/>
+              </a:solidFill>
+            </a:ln>
+          </p:spPr>
+          <p:style>
+            <a:lnRef idx="2">
+              <a:schemeClr val="accent1">
+                <a:shade val="15000"/>
+              </a:schemeClr>
+            </a:lnRef>
+            <a:fillRef idx="1">
+              <a:schemeClr val="accent1"/>
+            </a:fillRef>
+            <a:effectRef idx="0">
+              <a:schemeClr val="accent1"/>
+            </a:effectRef>
+            <a:fontRef idx="minor">
+              <a:schemeClr val="lt1"/>
+            </a:fontRef>
+          </p:style>
+          <p:txBody>
+            <a:bodyPr rtlCol="0" anchor="ctr"/>
+            <a:lstStyle/>
+            <a:p>
+              <a:pPr algn="ctr"/>
+              <a:endParaRPr lang="en-US"/>
+            </a:p>
+          </p:txBody>
+        </p:sp>
+        <p:sp>
+          <p:nvSpPr>
+            <p:cNvPr id="20" name="Triangle 19">
+              <a:extLst>
+                <a:ext uri="{FF2B5EF4-FFF2-40B4-BE49-F238E27FC236}">
+                  <a16:creationId xmlns:a16="http://schemas.microsoft.com/office/drawing/2014/main" id="{D783423B-7B1D-4AC0-DAB5-20CB0B7208DB}"/>
+                </a:ext>
+              </a:extLst>
+            </p:cNvPr>
+            <p:cNvSpPr>
+              <a:spLocks noChangeAspect="1"/>
+            </p:cNvSpPr>
+            <p:nvPr/>
+          </p:nvSpPr>
+          <p:spPr>
+            <a:xfrm>
+              <a:off x="1707938" y="518175"/>
+              <a:ext cx="149248" cy="128662"/>
+            </a:xfrm>
+            <a:prstGeom prst="triangle">
+              <a:avLst/>
+            </a:prstGeom>
+            <a:ln w="12700">
+              <a:solidFill>
+                <a:schemeClr val="tx1"/>
+              </a:solidFill>
+            </a:ln>
+          </p:spPr>
+          <p:style>
+            <a:lnRef idx="2">
+              <a:schemeClr val="accent1">
+                <a:shade val="15000"/>
+              </a:schemeClr>
+            </a:lnRef>
+            <a:fillRef idx="1">
+              <a:schemeClr val="accent1"/>
+            </a:fillRef>
+            <a:effectRef idx="0">
+              <a:schemeClr val="accent1"/>
+            </a:effectRef>
+            <a:fontRef idx="minor">
+              <a:schemeClr val="lt1"/>
+            </a:fontRef>
+          </p:style>
+          <p:txBody>
+            <a:bodyPr rtlCol="0" anchor="ctr"/>
+            <a:lstStyle/>
+            <a:p>
+              <a:pPr algn="ctr"/>
+              <a:endParaRPr lang="en-US"/>
+            </a:p>
+          </p:txBody>
+        </p:sp>
+        <p:sp>
+          <p:nvSpPr>
+            <p:cNvPr id="21" name="Rectangle 20">
+              <a:extLst>
+                <a:ext uri="{FF2B5EF4-FFF2-40B4-BE49-F238E27FC236}">
+                  <a16:creationId xmlns:a16="http://schemas.microsoft.com/office/drawing/2014/main" id="{60A5102C-F553-49E8-266B-E84EEBC08D68}"/>
+                </a:ext>
+              </a:extLst>
+            </p:cNvPr>
+            <p:cNvSpPr>
+              <a:spLocks noChangeAspect="1"/>
+            </p:cNvSpPr>
+            <p:nvPr/>
+          </p:nvSpPr>
+          <p:spPr>
+            <a:xfrm>
+              <a:off x="1507223" y="1815352"/>
+              <a:ext cx="128662" cy="128662"/>
+            </a:xfrm>
+            <a:prstGeom prst="rect">
+              <a:avLst/>
+            </a:prstGeom>
+            <a:solidFill>
+              <a:srgbClr val="00B050"/>
+            </a:solidFill>
+            <a:ln w="12700">
+              <a:solidFill>
+                <a:schemeClr val="tx1"/>
+              </a:solidFill>
+            </a:ln>
+          </p:spPr>
+          <p:style>
+            <a:lnRef idx="2">
+              <a:schemeClr val="accent1">
+                <a:shade val="15000"/>
+              </a:schemeClr>
+            </a:lnRef>
+            <a:fillRef idx="1">
+              <a:schemeClr val="accent1"/>
+            </a:fillRef>
+            <a:effectRef idx="0">
+              <a:schemeClr val="accent1"/>
+            </a:effectRef>
+            <a:fontRef idx="minor">
+              <a:schemeClr val="lt1"/>
+            </a:fontRef>
+          </p:style>
+          <p:txBody>
+            <a:bodyPr rtlCol="0" anchor="ctr"/>
+            <a:lstStyle/>
+            <a:p>
+              <a:pPr algn="ctr"/>
+              <a:endParaRPr lang="en-US"/>
+            </a:p>
+          </p:txBody>
+        </p:sp>
+        <p:sp>
+          <p:nvSpPr>
+            <p:cNvPr id="22" name="Rectangle 21">
+              <a:extLst>
+                <a:ext uri="{FF2B5EF4-FFF2-40B4-BE49-F238E27FC236}">
+                  <a16:creationId xmlns:a16="http://schemas.microsoft.com/office/drawing/2014/main" id="{1839D2EA-5664-4D5F-89B0-93C36E2DA3DC}"/>
+                </a:ext>
+              </a:extLst>
+            </p:cNvPr>
+            <p:cNvSpPr>
+              <a:spLocks noChangeAspect="1"/>
+            </p:cNvSpPr>
+            <p:nvPr/>
+          </p:nvSpPr>
+          <p:spPr>
+            <a:xfrm>
+              <a:off x="2378746" y="1475554"/>
+              <a:ext cx="128662" cy="128662"/>
+            </a:xfrm>
+            <a:prstGeom prst="rect">
+              <a:avLst/>
+            </a:prstGeom>
+            <a:solidFill>
+              <a:srgbClr val="00B050"/>
+            </a:solidFill>
+            <a:ln w="12700">
+              <a:solidFill>
+                <a:schemeClr val="tx1"/>
+              </a:solidFill>
+            </a:ln>
+          </p:spPr>
+          <p:style>
+            <a:lnRef idx="2">
+              <a:schemeClr val="accent1">
+                <a:shade val="15000"/>
+              </a:schemeClr>
+            </a:lnRef>
+            <a:fillRef idx="1">
+              <a:schemeClr val="accent1"/>
+            </a:fillRef>
+            <a:effectRef idx="0">
+              <a:schemeClr val="accent1"/>
+            </a:effectRef>
+            <a:fontRef idx="minor">
+              <a:schemeClr val="lt1"/>
+            </a:fontRef>
+          </p:style>
+          <p:txBody>
+            <a:bodyPr rtlCol="0" anchor="ctr"/>
+            <a:lstStyle/>
+            <a:p>
+              <a:pPr algn="ctr"/>
+              <a:endParaRPr lang="en-US" dirty="0"/>
+            </a:p>
+          </p:txBody>
+        </p:sp>
+        <p:sp>
+          <p:nvSpPr>
+            <p:cNvPr id="23" name="Rectangle 22">
+              <a:extLst>
+                <a:ext uri="{FF2B5EF4-FFF2-40B4-BE49-F238E27FC236}">
+                  <a16:creationId xmlns:a16="http://schemas.microsoft.com/office/drawing/2014/main" id="{68E90B0F-AF69-1165-7B78-85E492E4092A}"/>
+                </a:ext>
+              </a:extLst>
+            </p:cNvPr>
+            <p:cNvSpPr>
+              <a:spLocks noChangeAspect="1"/>
+            </p:cNvSpPr>
+            <p:nvPr/>
+          </p:nvSpPr>
+          <p:spPr>
+            <a:xfrm>
+              <a:off x="2293710" y="732765"/>
+              <a:ext cx="128662" cy="128662"/>
+            </a:xfrm>
+            <a:prstGeom prst="rect">
+              <a:avLst/>
+            </a:prstGeom>
+            <a:solidFill>
+              <a:srgbClr val="00B050"/>
+            </a:solidFill>
+            <a:ln w="12700">
+              <a:solidFill>
+                <a:schemeClr val="tx1"/>
+              </a:solidFill>
+            </a:ln>
+          </p:spPr>
+          <p:style>
+            <a:lnRef idx="2">
+              <a:schemeClr val="accent1">
+                <a:shade val="15000"/>
+              </a:schemeClr>
+            </a:lnRef>
+            <a:fillRef idx="1">
+              <a:schemeClr val="accent1"/>
+            </a:fillRef>
+            <a:effectRef idx="0">
+              <a:schemeClr val="accent1"/>
+            </a:effectRef>
+            <a:fontRef idx="minor">
+              <a:schemeClr val="lt1"/>
+            </a:fontRef>
+          </p:style>
+          <p:txBody>
+            <a:bodyPr rtlCol="0" anchor="ctr"/>
+            <a:lstStyle/>
+            <a:p>
+              <a:pPr algn="ctr"/>
+              <a:endParaRPr lang="en-US"/>
+            </a:p>
+          </p:txBody>
+        </p:sp>
+        <p:sp>
+          <p:nvSpPr>
+            <p:cNvPr id="24" name="Triangle 23">
+              <a:extLst>
+                <a:ext uri="{FF2B5EF4-FFF2-40B4-BE49-F238E27FC236}">
+                  <a16:creationId xmlns:a16="http://schemas.microsoft.com/office/drawing/2014/main" id="{F812B0F1-4614-DEA0-F833-99E46132BFD3}"/>
+                </a:ext>
+              </a:extLst>
+            </p:cNvPr>
+            <p:cNvSpPr>
+              <a:spLocks noChangeAspect="1"/>
+            </p:cNvSpPr>
+            <p:nvPr/>
+          </p:nvSpPr>
+          <p:spPr>
+            <a:xfrm>
+              <a:off x="983965" y="1819258"/>
+              <a:ext cx="149248" cy="128662"/>
+            </a:xfrm>
+            <a:prstGeom prst="triangle">
+              <a:avLst/>
+            </a:prstGeom>
+            <a:ln w="12700">
+              <a:solidFill>
+                <a:schemeClr val="tx1"/>
+              </a:solidFill>
+            </a:ln>
+          </p:spPr>
+          <p:style>
+            <a:lnRef idx="2">
+              <a:schemeClr val="accent1">
+                <a:shade val="15000"/>
+              </a:schemeClr>
+            </a:lnRef>
+            <a:fillRef idx="1">
+              <a:schemeClr val="accent1"/>
+            </a:fillRef>
+            <a:effectRef idx="0">
+              <a:schemeClr val="accent1"/>
+            </a:effectRef>
+            <a:fontRef idx="minor">
+              <a:schemeClr val="lt1"/>
+            </a:fontRef>
+          </p:style>
+          <p:txBody>
+            <a:bodyPr rtlCol="0" anchor="ctr"/>
+            <a:lstStyle/>
+            <a:p>
+              <a:pPr algn="ctr"/>
+              <a:endParaRPr lang="en-US"/>
+            </a:p>
+          </p:txBody>
+        </p:sp>
+        <p:sp>
+          <p:nvSpPr>
+            <p:cNvPr id="9" name="Rectangle 8">
+              <a:extLst>
+                <a:ext uri="{FF2B5EF4-FFF2-40B4-BE49-F238E27FC236}">
+                  <a16:creationId xmlns:a16="http://schemas.microsoft.com/office/drawing/2014/main" id="{A073C69F-8FD1-BE79-BEC8-E6E863DAF1C3}"/>
+                </a:ext>
+              </a:extLst>
+            </p:cNvPr>
+            <p:cNvSpPr>
+              <a:spLocks noChangeAspect="1"/>
+            </p:cNvSpPr>
+            <p:nvPr/>
+          </p:nvSpPr>
+          <p:spPr>
+            <a:xfrm>
+              <a:off x="1744234" y="1577990"/>
+              <a:ext cx="128662" cy="128662"/>
+            </a:xfrm>
+            <a:prstGeom prst="rect">
+              <a:avLst/>
+            </a:prstGeom>
+            <a:solidFill>
+              <a:srgbClr val="00B050"/>
+            </a:solidFill>
+            <a:ln w="12700">
+              <a:solidFill>
+                <a:schemeClr val="tx1"/>
+              </a:solidFill>
+            </a:ln>
+          </p:spPr>
+          <p:style>
+            <a:lnRef idx="2">
+              <a:schemeClr val="accent1">
+                <a:shade val="15000"/>
+              </a:schemeClr>
+            </a:lnRef>
+            <a:fillRef idx="1">
+              <a:schemeClr val="accent1"/>
+            </a:fillRef>
+            <a:effectRef idx="0">
+              <a:schemeClr val="accent1"/>
+            </a:effectRef>
+            <a:fontRef idx="minor">
+              <a:schemeClr val="lt1"/>
+            </a:fontRef>
+          </p:style>
+          <p:txBody>
+            <a:bodyPr rtlCol="0" anchor="ctr"/>
+            <a:lstStyle/>
+            <a:p>
+              <a:pPr algn="ctr"/>
+              <a:endParaRPr lang="en-US"/>
+            </a:p>
+          </p:txBody>
+        </p:sp>
+      </p:grpSp>
+      <p:grpSp>
+        <p:nvGrpSpPr>
+          <p:cNvPr id="173" name="Group 172">
+            <a:extLst>
+              <a:ext uri="{FF2B5EF4-FFF2-40B4-BE49-F238E27FC236}">
+                <a16:creationId xmlns:a16="http://schemas.microsoft.com/office/drawing/2014/main" id="{C831E75A-4503-4E53-2EEB-D3D28A5EEA31}"/>
+              </a:ext>
+            </a:extLst>
+          </p:cNvPr>
+          <p:cNvGrpSpPr/>
+          <p:nvPr/>
+        </p:nvGrpSpPr>
+        <p:grpSpPr>
+          <a:xfrm>
+            <a:off x="633739" y="2604934"/>
+            <a:ext cx="1993475" cy="1993475"/>
+            <a:chOff x="633740" y="289199"/>
+            <a:chExt cx="1993475" cy="1993475"/>
+          </a:xfrm>
+        </p:grpSpPr>
+        <p:sp>
+          <p:nvSpPr>
+            <p:cNvPr id="174" name="Rectangle 173">
+              <a:extLst>
+                <a:ext uri="{FF2B5EF4-FFF2-40B4-BE49-F238E27FC236}">
+                  <a16:creationId xmlns:a16="http://schemas.microsoft.com/office/drawing/2014/main" id="{C0067F24-6014-8337-6FD0-3CD511730A7A}"/>
+                </a:ext>
+              </a:extLst>
+            </p:cNvPr>
+            <p:cNvSpPr/>
+            <p:nvPr/>
+          </p:nvSpPr>
+          <p:spPr>
+            <a:xfrm>
+              <a:off x="633740" y="289199"/>
+              <a:ext cx="1993475" cy="1993475"/>
+            </a:xfrm>
+            <a:prstGeom prst="rect">
+              <a:avLst/>
+            </a:prstGeom>
+            <a:noFill/>
+            <a:ln w="25400">
+              <a:solidFill>
+                <a:schemeClr val="tx1"/>
+              </a:solidFill>
+            </a:ln>
+          </p:spPr>
+          <p:style>
+            <a:lnRef idx="2">
+              <a:schemeClr val="accent1">
+                <a:shade val="15000"/>
+              </a:schemeClr>
+            </a:lnRef>
+            <a:fillRef idx="1">
+              <a:schemeClr val="accent1"/>
+            </a:fillRef>
+            <a:effectRef idx="0">
+              <a:schemeClr val="accent1"/>
+            </a:effectRef>
+            <a:fontRef idx="minor">
+              <a:schemeClr val="lt1"/>
+            </a:fontRef>
+          </p:style>
+          <p:txBody>
+            <a:bodyPr rtlCol="0" anchor="ctr"/>
+            <a:lstStyle/>
+            <a:p>
+              <a:pPr algn="ctr"/>
+              <a:endParaRPr lang="en-US"/>
+            </a:p>
+          </p:txBody>
+        </p:sp>
+        <p:sp>
+          <p:nvSpPr>
+            <p:cNvPr id="175" name="Rectangle 174">
+              <a:extLst>
+                <a:ext uri="{FF2B5EF4-FFF2-40B4-BE49-F238E27FC236}">
+                  <a16:creationId xmlns:a16="http://schemas.microsoft.com/office/drawing/2014/main" id="{F05EC364-0371-34DA-99DF-3EBDABD81D3B}"/>
+                </a:ext>
+              </a:extLst>
+            </p:cNvPr>
+            <p:cNvSpPr>
+              <a:spLocks noChangeAspect="1"/>
+            </p:cNvSpPr>
+            <p:nvPr/>
+          </p:nvSpPr>
+          <p:spPr>
+            <a:xfrm>
+              <a:off x="1962867" y="1816427"/>
+              <a:ext cx="128662" cy="128662"/>
+            </a:xfrm>
+            <a:prstGeom prst="rect">
+              <a:avLst/>
+            </a:prstGeom>
+            <a:solidFill>
+              <a:srgbClr val="00B050"/>
+            </a:solidFill>
+            <a:ln w="12700">
+              <a:solidFill>
+                <a:schemeClr val="tx1"/>
+              </a:solidFill>
+            </a:ln>
+          </p:spPr>
+          <p:style>
+            <a:lnRef idx="2">
+              <a:schemeClr val="accent1">
+                <a:shade val="15000"/>
+              </a:schemeClr>
+            </a:lnRef>
+            <a:fillRef idx="1">
+              <a:schemeClr val="accent1"/>
+            </a:fillRef>
+            <a:effectRef idx="0">
+              <a:schemeClr val="accent1"/>
+            </a:effectRef>
+            <a:fontRef idx="minor">
+              <a:schemeClr val="lt1"/>
+            </a:fontRef>
+          </p:style>
+          <p:txBody>
+            <a:bodyPr rtlCol="0" anchor="ctr"/>
+            <a:lstStyle/>
+            <a:p>
+              <a:pPr algn="ctr"/>
+              <a:endParaRPr lang="en-US"/>
+            </a:p>
+          </p:txBody>
+        </p:sp>
+        <p:sp>
+          <p:nvSpPr>
+            <p:cNvPr id="176" name="Triangle 175">
+              <a:extLst>
+                <a:ext uri="{FF2B5EF4-FFF2-40B4-BE49-F238E27FC236}">
+                  <a16:creationId xmlns:a16="http://schemas.microsoft.com/office/drawing/2014/main" id="{DAAD15A8-CF48-C9EE-2895-E338B84143CA}"/>
+                </a:ext>
+              </a:extLst>
+            </p:cNvPr>
+            <p:cNvSpPr>
+              <a:spLocks noChangeAspect="1"/>
+            </p:cNvSpPr>
+            <p:nvPr/>
+          </p:nvSpPr>
+          <p:spPr>
+            <a:xfrm>
+              <a:off x="858042" y="1484504"/>
+              <a:ext cx="149248" cy="128662"/>
+            </a:xfrm>
+            <a:prstGeom prst="triangle">
+              <a:avLst/>
+            </a:prstGeom>
+            <a:ln w="12700">
+              <a:solidFill>
+                <a:schemeClr val="tx1"/>
+              </a:solidFill>
+            </a:ln>
+          </p:spPr>
+          <p:style>
+            <a:lnRef idx="2">
+              <a:schemeClr val="accent1">
+                <a:shade val="15000"/>
+              </a:schemeClr>
+            </a:lnRef>
+            <a:fillRef idx="1">
+              <a:schemeClr val="accent1"/>
+            </a:fillRef>
+            <a:effectRef idx="0">
+              <a:schemeClr val="accent1"/>
+            </a:effectRef>
+            <a:fontRef idx="minor">
+              <a:schemeClr val="lt1"/>
+            </a:fontRef>
+          </p:style>
+          <p:txBody>
+            <a:bodyPr rtlCol="0" anchor="ctr"/>
+            <a:lstStyle/>
+            <a:p>
+              <a:pPr algn="ctr"/>
+              <a:endParaRPr lang="en-US"/>
+            </a:p>
+          </p:txBody>
+        </p:sp>
+        <p:sp>
+          <p:nvSpPr>
+            <p:cNvPr id="177" name="Triangle 176">
+              <a:extLst>
+                <a:ext uri="{FF2B5EF4-FFF2-40B4-BE49-F238E27FC236}">
+                  <a16:creationId xmlns:a16="http://schemas.microsoft.com/office/drawing/2014/main" id="{DA12FB66-636A-387F-802C-1A5D88FA8BAD}"/>
+                </a:ext>
+              </a:extLst>
+            </p:cNvPr>
+            <p:cNvSpPr>
+              <a:spLocks noChangeAspect="1"/>
+            </p:cNvSpPr>
+            <p:nvPr/>
+          </p:nvSpPr>
+          <p:spPr>
+            <a:xfrm>
+              <a:off x="1919364" y="761557"/>
+              <a:ext cx="265176" cy="228600"/>
+            </a:xfrm>
+            <a:prstGeom prst="triangle">
+              <a:avLst/>
+            </a:prstGeom>
+            <a:ln w="12700">
+              <a:solidFill>
+                <a:schemeClr val="tx1"/>
+              </a:solidFill>
+            </a:ln>
+          </p:spPr>
+          <p:style>
+            <a:lnRef idx="2">
+              <a:schemeClr val="accent1">
+                <a:shade val="15000"/>
+              </a:schemeClr>
+            </a:lnRef>
+            <a:fillRef idx="1">
+              <a:schemeClr val="accent1"/>
+            </a:fillRef>
+            <a:effectRef idx="0">
+              <a:schemeClr val="accent1"/>
+            </a:effectRef>
+            <a:fontRef idx="minor">
+              <a:schemeClr val="lt1"/>
+            </a:fontRef>
+          </p:style>
+          <p:txBody>
+            <a:bodyPr rtlCol="0" anchor="ctr"/>
+            <a:lstStyle/>
+            <a:p>
+              <a:pPr algn="ctr"/>
+              <a:endParaRPr lang="en-US"/>
+            </a:p>
+          </p:txBody>
+        </p:sp>
+        <p:sp>
+          <p:nvSpPr>
+            <p:cNvPr id="178" name="Rectangle 177">
+              <a:extLst>
+                <a:ext uri="{FF2B5EF4-FFF2-40B4-BE49-F238E27FC236}">
+                  <a16:creationId xmlns:a16="http://schemas.microsoft.com/office/drawing/2014/main" id="{5B49D7CA-33B3-E0A9-4DD9-21D283B5FB22}"/>
+                </a:ext>
+              </a:extLst>
+            </p:cNvPr>
+            <p:cNvSpPr>
+              <a:spLocks noChangeAspect="1"/>
+            </p:cNvSpPr>
+            <p:nvPr/>
+          </p:nvSpPr>
+          <p:spPr>
+            <a:xfrm>
+              <a:off x="1277573" y="1348904"/>
+              <a:ext cx="128662" cy="128662"/>
+            </a:xfrm>
+            <a:prstGeom prst="rect">
+              <a:avLst/>
+            </a:prstGeom>
+            <a:solidFill>
+              <a:srgbClr val="00B050"/>
+            </a:solidFill>
+            <a:ln w="12700">
+              <a:solidFill>
+                <a:schemeClr val="tx1"/>
+              </a:solidFill>
+            </a:ln>
+          </p:spPr>
+          <p:style>
+            <a:lnRef idx="2">
+              <a:schemeClr val="accent1">
+                <a:shade val="15000"/>
+              </a:schemeClr>
+            </a:lnRef>
+            <a:fillRef idx="1">
+              <a:schemeClr val="accent1"/>
+            </a:fillRef>
+            <a:effectRef idx="0">
+              <a:schemeClr val="accent1"/>
+            </a:effectRef>
+            <a:fontRef idx="minor">
+              <a:schemeClr val="lt1"/>
+            </a:fontRef>
+          </p:style>
+          <p:txBody>
+            <a:bodyPr rtlCol="0" anchor="ctr"/>
+            <a:lstStyle/>
+            <a:p>
+              <a:pPr algn="ctr"/>
+              <a:endParaRPr lang="en-US"/>
+            </a:p>
+          </p:txBody>
+        </p:sp>
+        <p:sp>
+          <p:nvSpPr>
+            <p:cNvPr id="179" name="Triangle 178">
+              <a:extLst>
+                <a:ext uri="{FF2B5EF4-FFF2-40B4-BE49-F238E27FC236}">
+                  <a16:creationId xmlns:a16="http://schemas.microsoft.com/office/drawing/2014/main" id="{1BA34EC4-D9FB-5DF9-749D-63C7A7440D7F}"/>
+                </a:ext>
+              </a:extLst>
+            </p:cNvPr>
+            <p:cNvSpPr>
+              <a:spLocks noChangeAspect="1"/>
+            </p:cNvSpPr>
+            <p:nvPr/>
+          </p:nvSpPr>
+          <p:spPr>
+            <a:xfrm>
+              <a:off x="1357975" y="788408"/>
+              <a:ext cx="265176" cy="228600"/>
+            </a:xfrm>
+            <a:prstGeom prst="triangle">
+              <a:avLst/>
+            </a:prstGeom>
+            <a:ln w="12700">
+              <a:solidFill>
+                <a:schemeClr val="tx1"/>
+              </a:solidFill>
+            </a:ln>
+          </p:spPr>
+          <p:style>
+            <a:lnRef idx="2">
+              <a:schemeClr val="accent1">
+                <a:shade val="15000"/>
+              </a:schemeClr>
+            </a:lnRef>
+            <a:fillRef idx="1">
+              <a:schemeClr val="accent1"/>
+            </a:fillRef>
+            <a:effectRef idx="0">
+              <a:schemeClr val="accent1"/>
+            </a:effectRef>
+            <a:fontRef idx="minor">
+              <a:schemeClr val="lt1"/>
+            </a:fontRef>
+          </p:style>
+          <p:txBody>
+            <a:bodyPr rtlCol="0" anchor="ctr"/>
+            <a:lstStyle/>
+            <a:p>
+              <a:pPr algn="ctr"/>
+              <a:endParaRPr lang="en-US"/>
+            </a:p>
+          </p:txBody>
+        </p:sp>
+        <p:sp>
+          <p:nvSpPr>
+            <p:cNvPr id="180" name="Triangle 179">
+              <a:extLst>
+                <a:ext uri="{FF2B5EF4-FFF2-40B4-BE49-F238E27FC236}">
+                  <a16:creationId xmlns:a16="http://schemas.microsoft.com/office/drawing/2014/main" id="{72BCA612-2612-B2B5-4E5A-C39856EAD4C2}"/>
+                </a:ext>
+              </a:extLst>
+            </p:cNvPr>
+            <p:cNvSpPr>
+              <a:spLocks noChangeAspect="1"/>
+            </p:cNvSpPr>
+            <p:nvPr/>
+          </p:nvSpPr>
+          <p:spPr>
+            <a:xfrm>
+              <a:off x="1707938" y="518175"/>
+              <a:ext cx="265176" cy="228600"/>
+            </a:xfrm>
+            <a:prstGeom prst="triangle">
+              <a:avLst/>
+            </a:prstGeom>
+            <a:ln w="12700">
+              <a:solidFill>
+                <a:schemeClr val="tx1"/>
+              </a:solidFill>
+            </a:ln>
+          </p:spPr>
+          <p:style>
+            <a:lnRef idx="2">
+              <a:schemeClr val="accent1">
+                <a:shade val="15000"/>
+              </a:schemeClr>
+            </a:lnRef>
+            <a:fillRef idx="1">
+              <a:schemeClr val="accent1"/>
+            </a:fillRef>
+            <a:effectRef idx="0">
+              <a:schemeClr val="accent1"/>
+            </a:effectRef>
+            <a:fontRef idx="minor">
+              <a:schemeClr val="lt1"/>
+            </a:fontRef>
+          </p:style>
+          <p:txBody>
+            <a:bodyPr rtlCol="0" anchor="ctr"/>
+            <a:lstStyle/>
+            <a:p>
+              <a:pPr algn="ctr"/>
+              <a:endParaRPr lang="en-US"/>
+            </a:p>
+          </p:txBody>
+        </p:sp>
+        <p:sp>
+          <p:nvSpPr>
+            <p:cNvPr id="181" name="Rectangle 180">
+              <a:extLst>
+                <a:ext uri="{FF2B5EF4-FFF2-40B4-BE49-F238E27FC236}">
+                  <a16:creationId xmlns:a16="http://schemas.microsoft.com/office/drawing/2014/main" id="{70A383FC-81A0-BD92-86A5-53716E9B5473}"/>
+                </a:ext>
+              </a:extLst>
+            </p:cNvPr>
+            <p:cNvSpPr>
+              <a:spLocks noChangeAspect="1"/>
+            </p:cNvSpPr>
+            <p:nvPr/>
+          </p:nvSpPr>
+          <p:spPr>
+            <a:xfrm>
+              <a:off x="1507223" y="1815352"/>
+              <a:ext cx="128662" cy="128662"/>
+            </a:xfrm>
+            <a:prstGeom prst="rect">
+              <a:avLst/>
+            </a:prstGeom>
+            <a:solidFill>
+              <a:srgbClr val="00B050"/>
+            </a:solidFill>
+            <a:ln w="12700">
+              <a:solidFill>
+                <a:schemeClr val="tx1"/>
+              </a:solidFill>
+            </a:ln>
+          </p:spPr>
+          <p:style>
+            <a:lnRef idx="2">
+              <a:schemeClr val="accent1">
+                <a:shade val="15000"/>
+              </a:schemeClr>
+            </a:lnRef>
+            <a:fillRef idx="1">
+              <a:schemeClr val="accent1"/>
+            </a:fillRef>
+            <a:effectRef idx="0">
+              <a:schemeClr val="accent1"/>
+            </a:effectRef>
+            <a:fontRef idx="minor">
+              <a:schemeClr val="lt1"/>
+            </a:fontRef>
+          </p:style>
+          <p:txBody>
+            <a:bodyPr rtlCol="0" anchor="ctr"/>
+            <a:lstStyle/>
+            <a:p>
+              <a:pPr algn="ctr"/>
+              <a:endParaRPr lang="en-US"/>
+            </a:p>
+          </p:txBody>
+        </p:sp>
+        <p:sp>
+          <p:nvSpPr>
+            <p:cNvPr id="182" name="Rectangle 181">
+              <a:extLst>
+                <a:ext uri="{FF2B5EF4-FFF2-40B4-BE49-F238E27FC236}">
+                  <a16:creationId xmlns:a16="http://schemas.microsoft.com/office/drawing/2014/main" id="{EA577389-F504-96A8-179A-4D5AFCFD394F}"/>
+                </a:ext>
+              </a:extLst>
+            </p:cNvPr>
+            <p:cNvSpPr>
+              <a:spLocks noChangeAspect="1"/>
+            </p:cNvSpPr>
+            <p:nvPr/>
+          </p:nvSpPr>
+          <p:spPr>
+            <a:xfrm>
+              <a:off x="2378746" y="1475554"/>
+              <a:ext cx="128662" cy="128662"/>
+            </a:xfrm>
+            <a:prstGeom prst="rect">
+              <a:avLst/>
+            </a:prstGeom>
+            <a:solidFill>
+              <a:srgbClr val="00B050"/>
+            </a:solidFill>
+            <a:ln w="12700">
+              <a:solidFill>
+                <a:schemeClr val="tx1"/>
+              </a:solidFill>
+            </a:ln>
+          </p:spPr>
+          <p:style>
+            <a:lnRef idx="2">
+              <a:schemeClr val="accent1">
+                <a:shade val="15000"/>
+              </a:schemeClr>
+            </a:lnRef>
+            <a:fillRef idx="1">
+              <a:schemeClr val="accent1"/>
+            </a:fillRef>
+            <a:effectRef idx="0">
+              <a:schemeClr val="accent1"/>
+            </a:effectRef>
+            <a:fontRef idx="minor">
+              <a:schemeClr val="lt1"/>
+            </a:fontRef>
+          </p:style>
+          <p:txBody>
+            <a:bodyPr rtlCol="0" anchor="ctr"/>
+            <a:lstStyle/>
+            <a:p>
+              <a:pPr algn="ctr"/>
+              <a:endParaRPr lang="en-US" dirty="0"/>
+            </a:p>
+          </p:txBody>
+        </p:sp>
+        <p:sp>
+          <p:nvSpPr>
+            <p:cNvPr id="183" name="Rectangle 182">
+              <a:extLst>
+                <a:ext uri="{FF2B5EF4-FFF2-40B4-BE49-F238E27FC236}">
+                  <a16:creationId xmlns:a16="http://schemas.microsoft.com/office/drawing/2014/main" id="{664A99EE-C7A2-9694-E836-3734F61ACD95}"/>
+                </a:ext>
+              </a:extLst>
+            </p:cNvPr>
+            <p:cNvSpPr>
+              <a:spLocks noChangeAspect="1"/>
+            </p:cNvSpPr>
+            <p:nvPr/>
+          </p:nvSpPr>
+          <p:spPr>
+            <a:xfrm>
+              <a:off x="2293710" y="732765"/>
+              <a:ext cx="128662" cy="128662"/>
+            </a:xfrm>
+            <a:prstGeom prst="rect">
+              <a:avLst/>
+            </a:prstGeom>
+            <a:solidFill>
+              <a:srgbClr val="00B050"/>
+            </a:solidFill>
+            <a:ln w="12700">
+              <a:solidFill>
+                <a:schemeClr val="tx1"/>
+              </a:solidFill>
+            </a:ln>
+          </p:spPr>
+          <p:style>
+            <a:lnRef idx="2">
+              <a:schemeClr val="accent1">
+                <a:shade val="15000"/>
+              </a:schemeClr>
+            </a:lnRef>
+            <a:fillRef idx="1">
+              <a:schemeClr val="accent1"/>
+            </a:fillRef>
+            <a:effectRef idx="0">
+              <a:schemeClr val="accent1"/>
+            </a:effectRef>
+            <a:fontRef idx="minor">
+              <a:schemeClr val="lt1"/>
+            </a:fontRef>
+          </p:style>
+          <p:txBody>
+            <a:bodyPr rtlCol="0" anchor="ctr"/>
+            <a:lstStyle/>
+            <a:p>
+              <a:pPr algn="ctr"/>
+              <a:endParaRPr lang="en-US"/>
+            </a:p>
+          </p:txBody>
+        </p:sp>
+        <p:sp>
+          <p:nvSpPr>
+            <p:cNvPr id="184" name="Triangle 183">
+              <a:extLst>
+                <a:ext uri="{FF2B5EF4-FFF2-40B4-BE49-F238E27FC236}">
+                  <a16:creationId xmlns:a16="http://schemas.microsoft.com/office/drawing/2014/main" id="{3FFF0B02-26B6-7B35-6AAF-5C732A42E3C9}"/>
+                </a:ext>
+              </a:extLst>
+            </p:cNvPr>
+            <p:cNvSpPr>
+              <a:spLocks noChangeAspect="1"/>
+            </p:cNvSpPr>
+            <p:nvPr/>
+          </p:nvSpPr>
+          <p:spPr>
+            <a:xfrm>
+              <a:off x="983965" y="1819258"/>
+              <a:ext cx="149248" cy="128662"/>
+            </a:xfrm>
+            <a:prstGeom prst="triangle">
+              <a:avLst/>
+            </a:prstGeom>
+            <a:ln w="12700">
+              <a:solidFill>
+                <a:schemeClr val="tx1"/>
+              </a:solidFill>
+            </a:ln>
+          </p:spPr>
+          <p:style>
+            <a:lnRef idx="2">
+              <a:schemeClr val="accent1">
+                <a:shade val="15000"/>
+              </a:schemeClr>
+            </a:lnRef>
+            <a:fillRef idx="1">
+              <a:schemeClr val="accent1"/>
+            </a:fillRef>
+            <a:effectRef idx="0">
+              <a:schemeClr val="accent1"/>
+            </a:effectRef>
+            <a:fontRef idx="minor">
+              <a:schemeClr val="lt1"/>
+            </a:fontRef>
+          </p:style>
+          <p:txBody>
+            <a:bodyPr rtlCol="0" anchor="ctr"/>
+            <a:lstStyle/>
+            <a:p>
+              <a:pPr algn="ctr"/>
+              <a:endParaRPr lang="en-US"/>
+            </a:p>
+          </p:txBody>
+        </p:sp>
+        <p:sp>
+          <p:nvSpPr>
+            <p:cNvPr id="185" name="Rectangle 184">
+              <a:extLst>
+                <a:ext uri="{FF2B5EF4-FFF2-40B4-BE49-F238E27FC236}">
+                  <a16:creationId xmlns:a16="http://schemas.microsoft.com/office/drawing/2014/main" id="{F1308956-AA42-F824-3260-4A5F490284D5}"/>
+                </a:ext>
+              </a:extLst>
+            </p:cNvPr>
+            <p:cNvSpPr>
+              <a:spLocks noChangeAspect="1"/>
+            </p:cNvSpPr>
+            <p:nvPr/>
+          </p:nvSpPr>
+          <p:spPr>
+            <a:xfrm>
+              <a:off x="1744234" y="1577990"/>
+              <a:ext cx="128662" cy="128662"/>
+            </a:xfrm>
+            <a:prstGeom prst="rect">
+              <a:avLst/>
+            </a:prstGeom>
+            <a:solidFill>
+              <a:srgbClr val="00B050"/>
+            </a:solidFill>
+            <a:ln w="12700">
+              <a:solidFill>
+                <a:schemeClr val="tx1"/>
+              </a:solidFill>
+            </a:ln>
+          </p:spPr>
+          <p:style>
+            <a:lnRef idx="2">
+              <a:schemeClr val="accent1">
+                <a:shade val="15000"/>
+              </a:schemeClr>
+            </a:lnRef>
+            <a:fillRef idx="1">
+              <a:schemeClr val="accent1"/>
+            </a:fillRef>
+            <a:effectRef idx="0">
+              <a:schemeClr val="accent1"/>
+            </a:effectRef>
+            <a:fontRef idx="minor">
+              <a:schemeClr val="lt1"/>
+            </a:fontRef>
+          </p:style>
+          <p:txBody>
+            <a:bodyPr rtlCol="0" anchor="ctr"/>
+            <a:lstStyle/>
+            <a:p>
+              <a:pPr algn="ctr"/>
+              <a:endParaRPr lang="en-US"/>
+            </a:p>
+          </p:txBody>
+        </p:sp>
+      </p:grpSp>
+      <p:cxnSp>
+        <p:nvCxnSpPr>
+          <p:cNvPr id="188" name="Straight Connector 187">
+            <a:extLst>
+              <a:ext uri="{FF2B5EF4-FFF2-40B4-BE49-F238E27FC236}">
+                <a16:creationId xmlns:a16="http://schemas.microsoft.com/office/drawing/2014/main" id="{66E00B97-4F2B-B7CE-7CD1-4D3E2E0FA1C8}"/>
+              </a:ext>
+            </a:extLst>
+          </p:cNvPr>
+          <p:cNvCxnSpPr>
+            <a:cxnSpLocks/>
+          </p:cNvCxnSpPr>
+          <p:nvPr/>
+        </p:nvCxnSpPr>
+        <p:spPr>
+          <a:xfrm>
+            <a:off x="1209840" y="2613401"/>
+            <a:ext cx="0" cy="1983999"/>
+          </a:xfrm>
+          <a:prstGeom prst="line">
+            <a:avLst/>
+          </a:prstGeom>
+          <a:ln w="25400">
+            <a:solidFill>
+              <a:srgbClr val="FF0000"/>
+            </a:solidFill>
+            <a:prstDash val="sysDot"/>
+          </a:ln>
+        </p:spPr>
+        <p:style>
+          <a:lnRef idx="1">
+            <a:schemeClr val="accent1"/>
+          </a:lnRef>
+          <a:fillRef idx="0">
+            <a:schemeClr val="accent1"/>
+          </a:fillRef>
+          <a:effectRef idx="0">
+            <a:schemeClr val="accent1"/>
+          </a:effectRef>
+          <a:fontRef idx="minor">
+            <a:schemeClr val="tx1"/>
+          </a:fontRef>
+        </p:style>
+      </p:cxnSp>
+      <p:grpSp>
+        <p:nvGrpSpPr>
+          <p:cNvPr id="189" name="Group 188">
+            <a:extLst>
+              <a:ext uri="{FF2B5EF4-FFF2-40B4-BE49-F238E27FC236}">
+                <a16:creationId xmlns:a16="http://schemas.microsoft.com/office/drawing/2014/main" id="{20F17A3D-27EE-B9B2-1F33-A61424D487B6}"/>
+              </a:ext>
+            </a:extLst>
+          </p:cNvPr>
+          <p:cNvGrpSpPr/>
+          <p:nvPr/>
+        </p:nvGrpSpPr>
+        <p:grpSpPr>
+          <a:xfrm>
+            <a:off x="2977439" y="289198"/>
+            <a:ext cx="1993475" cy="1993475"/>
+            <a:chOff x="633740" y="289199"/>
+            <a:chExt cx="1993475" cy="1993475"/>
+          </a:xfrm>
+        </p:grpSpPr>
+        <p:sp>
+          <p:nvSpPr>
+            <p:cNvPr id="190" name="Rectangle 189">
+              <a:extLst>
+                <a:ext uri="{FF2B5EF4-FFF2-40B4-BE49-F238E27FC236}">
+                  <a16:creationId xmlns:a16="http://schemas.microsoft.com/office/drawing/2014/main" id="{74EF836C-B722-4174-012F-967D70D123F3}"/>
+                </a:ext>
+              </a:extLst>
+            </p:cNvPr>
+            <p:cNvSpPr/>
+            <p:nvPr/>
+          </p:nvSpPr>
+          <p:spPr>
+            <a:xfrm>
+              <a:off x="633740" y="289199"/>
+              <a:ext cx="1993475" cy="1993475"/>
+            </a:xfrm>
+            <a:prstGeom prst="rect">
+              <a:avLst/>
+            </a:prstGeom>
+            <a:noFill/>
+            <a:ln w="25400">
+              <a:solidFill>
+                <a:schemeClr val="tx1"/>
+              </a:solidFill>
+            </a:ln>
+          </p:spPr>
+          <p:style>
+            <a:lnRef idx="2">
+              <a:schemeClr val="accent1">
+                <a:shade val="15000"/>
+              </a:schemeClr>
+            </a:lnRef>
+            <a:fillRef idx="1">
+              <a:schemeClr val="accent1"/>
+            </a:fillRef>
+            <a:effectRef idx="0">
+              <a:schemeClr val="accent1"/>
+            </a:effectRef>
+            <a:fontRef idx="minor">
+              <a:schemeClr val="lt1"/>
+            </a:fontRef>
+          </p:style>
+          <p:txBody>
+            <a:bodyPr rtlCol="0" anchor="ctr"/>
+            <a:lstStyle/>
+            <a:p>
+              <a:pPr algn="ctr"/>
+              <a:endParaRPr lang="en-US"/>
+            </a:p>
+          </p:txBody>
+        </p:sp>
+        <p:sp>
+          <p:nvSpPr>
+            <p:cNvPr id="191" name="Rectangle 190">
+              <a:extLst>
+                <a:ext uri="{FF2B5EF4-FFF2-40B4-BE49-F238E27FC236}">
+                  <a16:creationId xmlns:a16="http://schemas.microsoft.com/office/drawing/2014/main" id="{36E40EFF-EFB7-D6C1-6705-94255976EAE3}"/>
+                </a:ext>
+              </a:extLst>
+            </p:cNvPr>
+            <p:cNvSpPr>
+              <a:spLocks noChangeAspect="1"/>
+            </p:cNvSpPr>
+            <p:nvPr/>
+          </p:nvSpPr>
+          <p:spPr>
+            <a:xfrm>
+              <a:off x="1962867" y="1816427"/>
+              <a:ext cx="128662" cy="128662"/>
+            </a:xfrm>
+            <a:prstGeom prst="rect">
+              <a:avLst/>
+            </a:prstGeom>
+            <a:solidFill>
+              <a:srgbClr val="00B050"/>
+            </a:solidFill>
+            <a:ln w="12700">
+              <a:solidFill>
+                <a:schemeClr val="tx1"/>
+              </a:solidFill>
+            </a:ln>
+          </p:spPr>
+          <p:style>
+            <a:lnRef idx="2">
+              <a:schemeClr val="accent1">
+                <a:shade val="15000"/>
+              </a:schemeClr>
+            </a:lnRef>
+            <a:fillRef idx="1">
+              <a:schemeClr val="accent1"/>
+            </a:fillRef>
+            <a:effectRef idx="0">
+              <a:schemeClr val="accent1"/>
+            </a:effectRef>
+            <a:fontRef idx="minor">
+              <a:schemeClr val="lt1"/>
+            </a:fontRef>
+          </p:style>
+          <p:txBody>
+            <a:bodyPr rtlCol="0" anchor="ctr"/>
+            <a:lstStyle/>
+            <a:p>
+              <a:pPr algn="ctr"/>
+              <a:endParaRPr lang="en-US"/>
+            </a:p>
+          </p:txBody>
+        </p:sp>
+        <p:sp>
+          <p:nvSpPr>
+            <p:cNvPr id="192" name="Triangle 191">
+              <a:extLst>
+                <a:ext uri="{FF2B5EF4-FFF2-40B4-BE49-F238E27FC236}">
+                  <a16:creationId xmlns:a16="http://schemas.microsoft.com/office/drawing/2014/main" id="{B580F44F-F077-6F2C-860C-00E7F468CB06}"/>
+                </a:ext>
+              </a:extLst>
+            </p:cNvPr>
+            <p:cNvSpPr>
+              <a:spLocks noChangeAspect="1"/>
+            </p:cNvSpPr>
+            <p:nvPr/>
+          </p:nvSpPr>
+          <p:spPr>
+            <a:xfrm>
+              <a:off x="858042" y="1484504"/>
+              <a:ext cx="149248" cy="128662"/>
+            </a:xfrm>
+            <a:prstGeom prst="triangle">
+              <a:avLst/>
+            </a:prstGeom>
+            <a:ln w="12700">
+              <a:solidFill>
+                <a:schemeClr val="tx1"/>
+              </a:solidFill>
+            </a:ln>
+          </p:spPr>
+          <p:style>
+            <a:lnRef idx="2">
+              <a:schemeClr val="accent1">
+                <a:shade val="15000"/>
+              </a:schemeClr>
+            </a:lnRef>
+            <a:fillRef idx="1">
+              <a:schemeClr val="accent1"/>
+            </a:fillRef>
+            <a:effectRef idx="0">
+              <a:schemeClr val="accent1"/>
+            </a:effectRef>
+            <a:fontRef idx="minor">
+              <a:schemeClr val="lt1"/>
+            </a:fontRef>
+          </p:style>
+          <p:txBody>
+            <a:bodyPr rtlCol="0" anchor="ctr"/>
+            <a:lstStyle/>
+            <a:p>
+              <a:pPr algn="ctr"/>
+              <a:endParaRPr lang="en-US"/>
+            </a:p>
+          </p:txBody>
+        </p:sp>
+        <p:sp>
+          <p:nvSpPr>
+            <p:cNvPr id="193" name="Triangle 192">
+              <a:extLst>
+                <a:ext uri="{FF2B5EF4-FFF2-40B4-BE49-F238E27FC236}">
+                  <a16:creationId xmlns:a16="http://schemas.microsoft.com/office/drawing/2014/main" id="{3A6DFF31-E719-5989-46BA-6002F51CF85D}"/>
+                </a:ext>
+              </a:extLst>
+            </p:cNvPr>
+            <p:cNvSpPr>
+              <a:spLocks noChangeAspect="1"/>
+            </p:cNvSpPr>
+            <p:nvPr/>
+          </p:nvSpPr>
+          <p:spPr>
+            <a:xfrm>
+              <a:off x="1919364" y="761557"/>
+              <a:ext cx="265176" cy="228600"/>
+            </a:xfrm>
+            <a:prstGeom prst="triangle">
+              <a:avLst/>
+            </a:prstGeom>
+            <a:ln w="12700">
+              <a:solidFill>
+                <a:schemeClr val="tx1"/>
+              </a:solidFill>
+            </a:ln>
+          </p:spPr>
+          <p:style>
+            <a:lnRef idx="2">
+              <a:schemeClr val="accent1">
+                <a:shade val="15000"/>
+              </a:schemeClr>
+            </a:lnRef>
+            <a:fillRef idx="1">
+              <a:schemeClr val="accent1"/>
+            </a:fillRef>
+            <a:effectRef idx="0">
+              <a:schemeClr val="accent1"/>
+            </a:effectRef>
+            <a:fontRef idx="minor">
+              <a:schemeClr val="lt1"/>
+            </a:fontRef>
+          </p:style>
+          <p:txBody>
+            <a:bodyPr rtlCol="0" anchor="ctr"/>
+            <a:lstStyle/>
+            <a:p>
+              <a:pPr algn="ctr"/>
+              <a:endParaRPr lang="en-US"/>
+            </a:p>
+          </p:txBody>
+        </p:sp>
+        <p:sp>
+          <p:nvSpPr>
+            <p:cNvPr id="194" name="Rectangle 193">
+              <a:extLst>
+                <a:ext uri="{FF2B5EF4-FFF2-40B4-BE49-F238E27FC236}">
+                  <a16:creationId xmlns:a16="http://schemas.microsoft.com/office/drawing/2014/main" id="{D5DE85E5-0CE4-A135-A505-A11142F262EA}"/>
+                </a:ext>
+              </a:extLst>
+            </p:cNvPr>
+            <p:cNvSpPr>
+              <a:spLocks noChangeAspect="1"/>
+            </p:cNvSpPr>
+            <p:nvPr/>
+          </p:nvSpPr>
+          <p:spPr>
+            <a:xfrm>
+              <a:off x="1277573" y="1348904"/>
+              <a:ext cx="128662" cy="128662"/>
+            </a:xfrm>
+            <a:prstGeom prst="rect">
+              <a:avLst/>
+            </a:prstGeom>
+            <a:solidFill>
+              <a:srgbClr val="00B050"/>
+            </a:solidFill>
+            <a:ln w="12700">
+              <a:solidFill>
+                <a:schemeClr val="tx1"/>
+              </a:solidFill>
+            </a:ln>
+          </p:spPr>
+          <p:style>
+            <a:lnRef idx="2">
+              <a:schemeClr val="accent1">
+                <a:shade val="15000"/>
+              </a:schemeClr>
+            </a:lnRef>
+            <a:fillRef idx="1">
+              <a:schemeClr val="accent1"/>
+            </a:fillRef>
+            <a:effectRef idx="0">
+              <a:schemeClr val="accent1"/>
+            </a:effectRef>
+            <a:fontRef idx="minor">
+              <a:schemeClr val="lt1"/>
+            </a:fontRef>
+          </p:style>
+          <p:txBody>
+            <a:bodyPr rtlCol="0" anchor="ctr"/>
+            <a:lstStyle/>
+            <a:p>
+              <a:pPr algn="ctr"/>
+              <a:endParaRPr lang="en-US"/>
+            </a:p>
+          </p:txBody>
+        </p:sp>
+        <p:sp>
+          <p:nvSpPr>
+            <p:cNvPr id="195" name="Triangle 194">
+              <a:extLst>
+                <a:ext uri="{FF2B5EF4-FFF2-40B4-BE49-F238E27FC236}">
+                  <a16:creationId xmlns:a16="http://schemas.microsoft.com/office/drawing/2014/main" id="{E010FFF9-D162-5771-2105-8B98E7A605C3}"/>
+                </a:ext>
+              </a:extLst>
+            </p:cNvPr>
+            <p:cNvSpPr>
+              <a:spLocks noChangeAspect="1"/>
+            </p:cNvSpPr>
+            <p:nvPr/>
+          </p:nvSpPr>
+          <p:spPr>
+            <a:xfrm>
+              <a:off x="1357975" y="788408"/>
+              <a:ext cx="265176" cy="228600"/>
+            </a:xfrm>
+            <a:prstGeom prst="triangle">
+              <a:avLst/>
+            </a:prstGeom>
+            <a:ln w="12700">
+              <a:solidFill>
+                <a:schemeClr val="tx1"/>
+              </a:solidFill>
+            </a:ln>
+          </p:spPr>
+          <p:style>
+            <a:lnRef idx="2">
+              <a:schemeClr val="accent1">
+                <a:shade val="15000"/>
+              </a:schemeClr>
+            </a:lnRef>
+            <a:fillRef idx="1">
+              <a:schemeClr val="accent1"/>
+            </a:fillRef>
+            <a:effectRef idx="0">
+              <a:schemeClr val="accent1"/>
+            </a:effectRef>
+            <a:fontRef idx="minor">
+              <a:schemeClr val="lt1"/>
+            </a:fontRef>
+          </p:style>
+          <p:txBody>
+            <a:bodyPr rtlCol="0" anchor="ctr"/>
+            <a:lstStyle/>
+            <a:p>
+              <a:pPr algn="ctr"/>
+              <a:endParaRPr lang="en-US"/>
+            </a:p>
+          </p:txBody>
+        </p:sp>
+        <p:sp>
+          <p:nvSpPr>
+            <p:cNvPr id="196" name="Triangle 195">
+              <a:extLst>
+                <a:ext uri="{FF2B5EF4-FFF2-40B4-BE49-F238E27FC236}">
+                  <a16:creationId xmlns:a16="http://schemas.microsoft.com/office/drawing/2014/main" id="{1F518156-24E8-ECF3-C8DF-22890B6B54EA}"/>
+                </a:ext>
+              </a:extLst>
+            </p:cNvPr>
+            <p:cNvSpPr>
+              <a:spLocks noChangeAspect="1"/>
+            </p:cNvSpPr>
+            <p:nvPr/>
+          </p:nvSpPr>
+          <p:spPr>
+            <a:xfrm>
+              <a:off x="1707938" y="518175"/>
+              <a:ext cx="265176" cy="228600"/>
+            </a:xfrm>
+            <a:prstGeom prst="triangle">
+              <a:avLst/>
+            </a:prstGeom>
+            <a:ln w="12700">
+              <a:solidFill>
+                <a:schemeClr val="tx1"/>
+              </a:solidFill>
+            </a:ln>
+          </p:spPr>
+          <p:style>
+            <a:lnRef idx="2">
+              <a:schemeClr val="accent1">
+                <a:shade val="15000"/>
+              </a:schemeClr>
+            </a:lnRef>
+            <a:fillRef idx="1">
+              <a:schemeClr val="accent1"/>
+            </a:fillRef>
+            <a:effectRef idx="0">
+              <a:schemeClr val="accent1"/>
+            </a:effectRef>
+            <a:fontRef idx="minor">
+              <a:schemeClr val="lt1"/>
+            </a:fontRef>
+          </p:style>
+          <p:txBody>
+            <a:bodyPr rtlCol="0" anchor="ctr"/>
+            <a:lstStyle/>
+            <a:p>
+              <a:pPr algn="ctr"/>
+              <a:endParaRPr lang="en-US"/>
+            </a:p>
+          </p:txBody>
+        </p:sp>
+        <p:sp>
+          <p:nvSpPr>
+            <p:cNvPr id="197" name="Rectangle 196">
+              <a:extLst>
+                <a:ext uri="{FF2B5EF4-FFF2-40B4-BE49-F238E27FC236}">
+                  <a16:creationId xmlns:a16="http://schemas.microsoft.com/office/drawing/2014/main" id="{A3A23F18-430F-6818-EF64-2A1384A8E5E5}"/>
+                </a:ext>
+              </a:extLst>
+            </p:cNvPr>
+            <p:cNvSpPr>
+              <a:spLocks noChangeAspect="1"/>
+            </p:cNvSpPr>
+            <p:nvPr/>
+          </p:nvSpPr>
+          <p:spPr>
+            <a:xfrm>
+              <a:off x="1507223" y="1815352"/>
+              <a:ext cx="128662" cy="128662"/>
+            </a:xfrm>
+            <a:prstGeom prst="rect">
+              <a:avLst/>
+            </a:prstGeom>
+            <a:solidFill>
+              <a:srgbClr val="00B050"/>
+            </a:solidFill>
+            <a:ln w="12700">
+              <a:solidFill>
+                <a:schemeClr val="tx1"/>
+              </a:solidFill>
+            </a:ln>
+          </p:spPr>
+          <p:style>
+            <a:lnRef idx="2">
+              <a:schemeClr val="accent1">
+                <a:shade val="15000"/>
+              </a:schemeClr>
+            </a:lnRef>
+            <a:fillRef idx="1">
+              <a:schemeClr val="accent1"/>
+            </a:fillRef>
+            <a:effectRef idx="0">
+              <a:schemeClr val="accent1"/>
+            </a:effectRef>
+            <a:fontRef idx="minor">
+              <a:schemeClr val="lt1"/>
+            </a:fontRef>
+          </p:style>
+          <p:txBody>
+            <a:bodyPr rtlCol="0" anchor="ctr"/>
+            <a:lstStyle/>
+            <a:p>
+              <a:pPr algn="ctr"/>
+              <a:endParaRPr lang="en-US"/>
+            </a:p>
+          </p:txBody>
+        </p:sp>
+        <p:sp>
+          <p:nvSpPr>
+            <p:cNvPr id="198" name="Rectangle 197">
+              <a:extLst>
+                <a:ext uri="{FF2B5EF4-FFF2-40B4-BE49-F238E27FC236}">
+                  <a16:creationId xmlns:a16="http://schemas.microsoft.com/office/drawing/2014/main" id="{E576A3D0-18B2-1055-9090-F1C0FA2C65D5}"/>
+                </a:ext>
+              </a:extLst>
+            </p:cNvPr>
+            <p:cNvSpPr>
+              <a:spLocks noChangeAspect="1"/>
+            </p:cNvSpPr>
+            <p:nvPr/>
+          </p:nvSpPr>
+          <p:spPr>
+            <a:xfrm>
+              <a:off x="2378746" y="1475554"/>
+              <a:ext cx="128662" cy="128662"/>
+            </a:xfrm>
+            <a:prstGeom prst="rect">
+              <a:avLst/>
+            </a:prstGeom>
+            <a:solidFill>
+              <a:srgbClr val="00B050"/>
+            </a:solidFill>
+            <a:ln w="12700">
+              <a:solidFill>
+                <a:schemeClr val="tx1"/>
+              </a:solidFill>
+            </a:ln>
+          </p:spPr>
+          <p:style>
+            <a:lnRef idx="2">
+              <a:schemeClr val="accent1">
+                <a:shade val="15000"/>
+              </a:schemeClr>
+            </a:lnRef>
+            <a:fillRef idx="1">
+              <a:schemeClr val="accent1"/>
+            </a:fillRef>
+            <a:effectRef idx="0">
+              <a:schemeClr val="accent1"/>
+            </a:effectRef>
+            <a:fontRef idx="minor">
+              <a:schemeClr val="lt1"/>
+            </a:fontRef>
+          </p:style>
+          <p:txBody>
+            <a:bodyPr rtlCol="0" anchor="ctr"/>
+            <a:lstStyle/>
+            <a:p>
+              <a:pPr algn="ctr"/>
+              <a:endParaRPr lang="en-US" dirty="0"/>
+            </a:p>
+          </p:txBody>
+        </p:sp>
+        <p:sp>
+          <p:nvSpPr>
+            <p:cNvPr id="199" name="Rectangle 198">
+              <a:extLst>
+                <a:ext uri="{FF2B5EF4-FFF2-40B4-BE49-F238E27FC236}">
+                  <a16:creationId xmlns:a16="http://schemas.microsoft.com/office/drawing/2014/main" id="{35D5C069-CAAF-4FCE-A3B1-D5D6F915FD96}"/>
+                </a:ext>
+              </a:extLst>
+            </p:cNvPr>
+            <p:cNvSpPr>
+              <a:spLocks noChangeAspect="1"/>
+            </p:cNvSpPr>
+            <p:nvPr/>
+          </p:nvSpPr>
+          <p:spPr>
+            <a:xfrm>
+              <a:off x="2293710" y="732765"/>
+              <a:ext cx="128662" cy="128662"/>
+            </a:xfrm>
+            <a:prstGeom prst="rect">
+              <a:avLst/>
+            </a:prstGeom>
+            <a:solidFill>
+              <a:srgbClr val="00B050"/>
+            </a:solidFill>
+            <a:ln w="12700">
+              <a:solidFill>
+                <a:schemeClr val="tx1"/>
+              </a:solidFill>
+            </a:ln>
+          </p:spPr>
+          <p:style>
+            <a:lnRef idx="2">
+              <a:schemeClr val="accent1">
+                <a:shade val="15000"/>
+              </a:schemeClr>
+            </a:lnRef>
+            <a:fillRef idx="1">
+              <a:schemeClr val="accent1"/>
+            </a:fillRef>
+            <a:effectRef idx="0">
+              <a:schemeClr val="accent1"/>
+            </a:effectRef>
+            <a:fontRef idx="minor">
+              <a:schemeClr val="lt1"/>
+            </a:fontRef>
+          </p:style>
+          <p:txBody>
+            <a:bodyPr rtlCol="0" anchor="ctr"/>
+            <a:lstStyle/>
+            <a:p>
+              <a:pPr algn="ctr"/>
+              <a:endParaRPr lang="en-US"/>
+            </a:p>
+          </p:txBody>
+        </p:sp>
+        <p:sp>
+          <p:nvSpPr>
+            <p:cNvPr id="200" name="Triangle 199">
+              <a:extLst>
+                <a:ext uri="{FF2B5EF4-FFF2-40B4-BE49-F238E27FC236}">
+                  <a16:creationId xmlns:a16="http://schemas.microsoft.com/office/drawing/2014/main" id="{B0B575CC-28B2-C57F-5F7D-E494E22B0DD0}"/>
+                </a:ext>
+              </a:extLst>
+            </p:cNvPr>
+            <p:cNvSpPr>
+              <a:spLocks noChangeAspect="1"/>
+            </p:cNvSpPr>
+            <p:nvPr/>
+          </p:nvSpPr>
+          <p:spPr>
+            <a:xfrm>
+              <a:off x="983965" y="1819258"/>
+              <a:ext cx="149248" cy="128662"/>
+            </a:xfrm>
+            <a:prstGeom prst="triangle">
+              <a:avLst/>
+            </a:prstGeom>
+            <a:ln w="12700">
+              <a:solidFill>
+                <a:schemeClr val="tx1"/>
+              </a:solidFill>
+            </a:ln>
+          </p:spPr>
+          <p:style>
+            <a:lnRef idx="2">
+              <a:schemeClr val="accent1">
+                <a:shade val="15000"/>
+              </a:schemeClr>
+            </a:lnRef>
+            <a:fillRef idx="1">
+              <a:schemeClr val="accent1"/>
+            </a:fillRef>
+            <a:effectRef idx="0">
+              <a:schemeClr val="accent1"/>
+            </a:effectRef>
+            <a:fontRef idx="minor">
+              <a:schemeClr val="lt1"/>
+            </a:fontRef>
+          </p:style>
+          <p:txBody>
+            <a:bodyPr rtlCol="0" anchor="ctr"/>
+            <a:lstStyle/>
+            <a:p>
+              <a:pPr algn="ctr"/>
+              <a:endParaRPr lang="en-US"/>
+            </a:p>
+          </p:txBody>
+        </p:sp>
+        <p:sp>
+          <p:nvSpPr>
+            <p:cNvPr id="201" name="Rectangle 200">
+              <a:extLst>
+                <a:ext uri="{FF2B5EF4-FFF2-40B4-BE49-F238E27FC236}">
+                  <a16:creationId xmlns:a16="http://schemas.microsoft.com/office/drawing/2014/main" id="{2428D9BF-EA2C-3FA7-80D2-74A2FF88407A}"/>
+                </a:ext>
+              </a:extLst>
+            </p:cNvPr>
+            <p:cNvSpPr>
+              <a:spLocks noChangeAspect="1"/>
+            </p:cNvSpPr>
+            <p:nvPr/>
+          </p:nvSpPr>
+          <p:spPr>
+            <a:xfrm>
+              <a:off x="1744234" y="1577990"/>
+              <a:ext cx="128662" cy="128662"/>
+            </a:xfrm>
+            <a:prstGeom prst="rect">
+              <a:avLst/>
+            </a:prstGeom>
+            <a:solidFill>
+              <a:srgbClr val="00B050"/>
+            </a:solidFill>
+            <a:ln w="12700">
+              <a:solidFill>
+                <a:schemeClr val="tx1"/>
+              </a:solidFill>
+            </a:ln>
+          </p:spPr>
+          <p:style>
+            <a:lnRef idx="2">
+              <a:schemeClr val="accent1">
+                <a:shade val="15000"/>
+              </a:schemeClr>
+            </a:lnRef>
+            <a:fillRef idx="1">
+              <a:schemeClr val="accent1"/>
+            </a:fillRef>
+            <a:effectRef idx="0">
+              <a:schemeClr val="accent1"/>
+            </a:effectRef>
+            <a:fontRef idx="minor">
+              <a:schemeClr val="lt1"/>
+            </a:fontRef>
+          </p:style>
+          <p:txBody>
+            <a:bodyPr rtlCol="0" anchor="ctr"/>
+            <a:lstStyle/>
+            <a:p>
+              <a:pPr algn="ctr"/>
+              <a:endParaRPr lang="en-US"/>
+            </a:p>
+          </p:txBody>
+        </p:sp>
+      </p:grpSp>
+      <p:grpSp>
+        <p:nvGrpSpPr>
+          <p:cNvPr id="203" name="Group 202">
+            <a:extLst>
+              <a:ext uri="{FF2B5EF4-FFF2-40B4-BE49-F238E27FC236}">
+                <a16:creationId xmlns:a16="http://schemas.microsoft.com/office/drawing/2014/main" id="{DC1363F7-5F3B-DAD6-2AC1-EEC550EC1C04}"/>
+              </a:ext>
+            </a:extLst>
+          </p:cNvPr>
+          <p:cNvGrpSpPr/>
+          <p:nvPr/>
+        </p:nvGrpSpPr>
+        <p:grpSpPr>
+          <a:xfrm>
+            <a:off x="2977439" y="2608630"/>
+            <a:ext cx="1993475" cy="1993475"/>
+            <a:chOff x="633740" y="289199"/>
+            <a:chExt cx="1993475" cy="1993475"/>
+          </a:xfrm>
+        </p:grpSpPr>
+        <p:sp>
+          <p:nvSpPr>
+            <p:cNvPr id="204" name="Rectangle 203">
+              <a:extLst>
+                <a:ext uri="{FF2B5EF4-FFF2-40B4-BE49-F238E27FC236}">
+                  <a16:creationId xmlns:a16="http://schemas.microsoft.com/office/drawing/2014/main" id="{225F87BA-FF77-3F93-1A31-D5C7A33DF618}"/>
+                </a:ext>
+              </a:extLst>
+            </p:cNvPr>
+            <p:cNvSpPr/>
+            <p:nvPr/>
+          </p:nvSpPr>
+          <p:spPr>
+            <a:xfrm>
+              <a:off x="633740" y="289199"/>
+              <a:ext cx="1993475" cy="1993475"/>
+            </a:xfrm>
+            <a:prstGeom prst="rect">
+              <a:avLst/>
+            </a:prstGeom>
+            <a:noFill/>
+            <a:ln w="25400">
+              <a:solidFill>
+                <a:schemeClr val="tx1"/>
+              </a:solidFill>
+            </a:ln>
+          </p:spPr>
+          <p:style>
+            <a:lnRef idx="2">
+              <a:schemeClr val="accent1">
+                <a:shade val="15000"/>
+              </a:schemeClr>
+            </a:lnRef>
+            <a:fillRef idx="1">
+              <a:schemeClr val="accent1"/>
+            </a:fillRef>
+            <a:effectRef idx="0">
+              <a:schemeClr val="accent1"/>
+            </a:effectRef>
+            <a:fontRef idx="minor">
+              <a:schemeClr val="lt1"/>
+            </a:fontRef>
+          </p:style>
+          <p:txBody>
+            <a:bodyPr rtlCol="0" anchor="ctr"/>
+            <a:lstStyle/>
+            <a:p>
+              <a:pPr algn="ctr"/>
+              <a:endParaRPr lang="en-US"/>
+            </a:p>
+          </p:txBody>
+        </p:sp>
+        <p:sp>
+          <p:nvSpPr>
+            <p:cNvPr id="205" name="Rectangle 204">
+              <a:extLst>
+                <a:ext uri="{FF2B5EF4-FFF2-40B4-BE49-F238E27FC236}">
+                  <a16:creationId xmlns:a16="http://schemas.microsoft.com/office/drawing/2014/main" id="{2816E777-1F22-CEA7-2233-CDA352F31935}"/>
+                </a:ext>
+              </a:extLst>
+            </p:cNvPr>
+            <p:cNvSpPr>
+              <a:spLocks noChangeAspect="1"/>
+            </p:cNvSpPr>
+            <p:nvPr/>
+          </p:nvSpPr>
+          <p:spPr>
+            <a:xfrm>
+              <a:off x="1962867" y="1816427"/>
+              <a:ext cx="228600" cy="228600"/>
+            </a:xfrm>
+            <a:prstGeom prst="rect">
+              <a:avLst/>
+            </a:prstGeom>
+            <a:solidFill>
+              <a:srgbClr val="00B050"/>
+            </a:solidFill>
+            <a:ln w="12700">
+              <a:solidFill>
+                <a:schemeClr val="tx1"/>
+              </a:solidFill>
+            </a:ln>
+          </p:spPr>
+          <p:style>
+            <a:lnRef idx="2">
+              <a:schemeClr val="accent1">
+                <a:shade val="15000"/>
+              </a:schemeClr>
+            </a:lnRef>
+            <a:fillRef idx="1">
+              <a:schemeClr val="accent1"/>
+            </a:fillRef>
+            <a:effectRef idx="0">
+              <a:schemeClr val="accent1"/>
+            </a:effectRef>
+            <a:fontRef idx="minor">
+              <a:schemeClr val="lt1"/>
+            </a:fontRef>
+          </p:style>
+          <p:txBody>
+            <a:bodyPr rtlCol="0" anchor="ctr"/>
+            <a:lstStyle/>
+            <a:p>
+              <a:pPr algn="ctr"/>
+              <a:endParaRPr lang="en-US"/>
+            </a:p>
+          </p:txBody>
+        </p:sp>
+        <p:sp>
+          <p:nvSpPr>
+            <p:cNvPr id="206" name="Triangle 205">
+              <a:extLst>
+                <a:ext uri="{FF2B5EF4-FFF2-40B4-BE49-F238E27FC236}">
+                  <a16:creationId xmlns:a16="http://schemas.microsoft.com/office/drawing/2014/main" id="{3C36031E-178C-D258-EC7B-6A26C72B7F52}"/>
+                </a:ext>
+              </a:extLst>
+            </p:cNvPr>
+            <p:cNvSpPr>
+              <a:spLocks noChangeAspect="1"/>
+            </p:cNvSpPr>
+            <p:nvPr/>
+          </p:nvSpPr>
+          <p:spPr>
+            <a:xfrm>
+              <a:off x="858042" y="1484504"/>
+              <a:ext cx="149248" cy="128662"/>
+            </a:xfrm>
+            <a:prstGeom prst="triangle">
+              <a:avLst/>
+            </a:prstGeom>
+            <a:ln w="12700">
+              <a:solidFill>
+                <a:schemeClr val="tx1"/>
+              </a:solidFill>
+            </a:ln>
+          </p:spPr>
+          <p:style>
+            <a:lnRef idx="2">
+              <a:schemeClr val="accent1">
+                <a:shade val="15000"/>
+              </a:schemeClr>
+            </a:lnRef>
+            <a:fillRef idx="1">
+              <a:schemeClr val="accent1"/>
+            </a:fillRef>
+            <a:effectRef idx="0">
+              <a:schemeClr val="accent1"/>
+            </a:effectRef>
+            <a:fontRef idx="minor">
+              <a:schemeClr val="lt1"/>
+            </a:fontRef>
+          </p:style>
+          <p:txBody>
+            <a:bodyPr rtlCol="0" anchor="ctr"/>
+            <a:lstStyle/>
+            <a:p>
+              <a:pPr algn="ctr"/>
+              <a:endParaRPr lang="en-US"/>
+            </a:p>
+          </p:txBody>
+        </p:sp>
+        <p:sp>
+          <p:nvSpPr>
+            <p:cNvPr id="207" name="Triangle 206">
+              <a:extLst>
+                <a:ext uri="{FF2B5EF4-FFF2-40B4-BE49-F238E27FC236}">
+                  <a16:creationId xmlns:a16="http://schemas.microsoft.com/office/drawing/2014/main" id="{7D3C685C-0261-062C-C48D-F4018EBDC855}"/>
+                </a:ext>
+              </a:extLst>
+            </p:cNvPr>
+            <p:cNvSpPr>
+              <a:spLocks noChangeAspect="1"/>
+            </p:cNvSpPr>
+            <p:nvPr/>
+          </p:nvSpPr>
+          <p:spPr>
+            <a:xfrm>
+              <a:off x="1919364" y="761557"/>
+              <a:ext cx="159106" cy="137160"/>
+            </a:xfrm>
+            <a:prstGeom prst="triangle">
+              <a:avLst/>
+            </a:prstGeom>
+            <a:ln w="12700">
+              <a:solidFill>
+                <a:schemeClr val="tx1"/>
+              </a:solidFill>
+            </a:ln>
+          </p:spPr>
+          <p:style>
+            <a:lnRef idx="2">
+              <a:schemeClr val="accent1">
+                <a:shade val="15000"/>
+              </a:schemeClr>
+            </a:lnRef>
+            <a:fillRef idx="1">
+              <a:schemeClr val="accent1"/>
+            </a:fillRef>
+            <a:effectRef idx="0">
+              <a:schemeClr val="accent1"/>
+            </a:effectRef>
+            <a:fontRef idx="minor">
+              <a:schemeClr val="lt1"/>
+            </a:fontRef>
+          </p:style>
+          <p:txBody>
+            <a:bodyPr rtlCol="0" anchor="ctr"/>
+            <a:lstStyle/>
+            <a:p>
+              <a:pPr algn="ctr"/>
+              <a:endParaRPr lang="en-US"/>
+            </a:p>
+          </p:txBody>
+        </p:sp>
+        <p:sp>
+          <p:nvSpPr>
+            <p:cNvPr id="208" name="Rectangle 207">
+              <a:extLst>
+                <a:ext uri="{FF2B5EF4-FFF2-40B4-BE49-F238E27FC236}">
+                  <a16:creationId xmlns:a16="http://schemas.microsoft.com/office/drawing/2014/main" id="{42F0A881-FB45-3AA5-0D23-BAAB1410AE29}"/>
+                </a:ext>
+              </a:extLst>
+            </p:cNvPr>
+            <p:cNvSpPr>
+              <a:spLocks noChangeAspect="1"/>
+            </p:cNvSpPr>
+            <p:nvPr/>
+          </p:nvSpPr>
+          <p:spPr>
+            <a:xfrm>
+              <a:off x="1277573" y="1348904"/>
+              <a:ext cx="228600" cy="228600"/>
+            </a:xfrm>
+            <a:prstGeom prst="rect">
+              <a:avLst/>
+            </a:prstGeom>
+            <a:solidFill>
+              <a:srgbClr val="00B050"/>
+            </a:solidFill>
+            <a:ln w="12700">
+              <a:solidFill>
+                <a:schemeClr val="tx1"/>
+              </a:solidFill>
+            </a:ln>
+          </p:spPr>
+          <p:style>
+            <a:lnRef idx="2">
+              <a:schemeClr val="accent1">
+                <a:shade val="15000"/>
+              </a:schemeClr>
+            </a:lnRef>
+            <a:fillRef idx="1">
+              <a:schemeClr val="accent1"/>
+            </a:fillRef>
+            <a:effectRef idx="0">
+              <a:schemeClr val="accent1"/>
+            </a:effectRef>
+            <a:fontRef idx="minor">
+              <a:schemeClr val="lt1"/>
+            </a:fontRef>
+          </p:style>
+          <p:txBody>
+            <a:bodyPr rtlCol="0" anchor="ctr"/>
+            <a:lstStyle/>
+            <a:p>
+              <a:pPr algn="ctr"/>
+              <a:endParaRPr lang="en-US"/>
+            </a:p>
+          </p:txBody>
+        </p:sp>
+        <p:sp>
+          <p:nvSpPr>
+            <p:cNvPr id="209" name="Triangle 208">
+              <a:extLst>
+                <a:ext uri="{FF2B5EF4-FFF2-40B4-BE49-F238E27FC236}">
+                  <a16:creationId xmlns:a16="http://schemas.microsoft.com/office/drawing/2014/main" id="{AB5EE5B5-6461-FBBB-34D4-6B79CAB7ADBD}"/>
+                </a:ext>
+              </a:extLst>
+            </p:cNvPr>
+            <p:cNvSpPr>
+              <a:spLocks noChangeAspect="1"/>
+            </p:cNvSpPr>
+            <p:nvPr/>
+          </p:nvSpPr>
+          <p:spPr>
+            <a:xfrm>
+              <a:off x="1357975" y="788408"/>
+              <a:ext cx="159106" cy="137160"/>
+            </a:xfrm>
+            <a:prstGeom prst="triangle">
+              <a:avLst/>
+            </a:prstGeom>
+            <a:ln w="12700">
+              <a:solidFill>
+                <a:schemeClr val="tx1"/>
+              </a:solidFill>
+            </a:ln>
+          </p:spPr>
+          <p:style>
+            <a:lnRef idx="2">
+              <a:schemeClr val="accent1">
+                <a:shade val="15000"/>
+              </a:schemeClr>
+            </a:lnRef>
+            <a:fillRef idx="1">
+              <a:schemeClr val="accent1"/>
+            </a:fillRef>
+            <a:effectRef idx="0">
+              <a:schemeClr val="accent1"/>
+            </a:effectRef>
+            <a:fontRef idx="minor">
+              <a:schemeClr val="lt1"/>
+            </a:fontRef>
+          </p:style>
+          <p:txBody>
+            <a:bodyPr rtlCol="0" anchor="ctr"/>
+            <a:lstStyle/>
+            <a:p>
+              <a:pPr algn="ctr"/>
+              <a:endParaRPr lang="en-US"/>
+            </a:p>
+          </p:txBody>
+        </p:sp>
+        <p:sp>
+          <p:nvSpPr>
+            <p:cNvPr id="210" name="Triangle 209">
+              <a:extLst>
+                <a:ext uri="{FF2B5EF4-FFF2-40B4-BE49-F238E27FC236}">
+                  <a16:creationId xmlns:a16="http://schemas.microsoft.com/office/drawing/2014/main" id="{DDA27787-2C60-CAA6-47A8-0E6A2E786D1B}"/>
+                </a:ext>
+              </a:extLst>
+            </p:cNvPr>
+            <p:cNvSpPr>
+              <a:spLocks noChangeAspect="1"/>
+            </p:cNvSpPr>
+            <p:nvPr/>
+          </p:nvSpPr>
+          <p:spPr>
+            <a:xfrm>
+              <a:off x="1707938" y="518175"/>
+              <a:ext cx="159106" cy="137160"/>
+            </a:xfrm>
+            <a:prstGeom prst="triangle">
+              <a:avLst/>
+            </a:prstGeom>
+            <a:ln w="12700">
+              <a:solidFill>
+                <a:schemeClr val="tx1"/>
+              </a:solidFill>
+            </a:ln>
+          </p:spPr>
+          <p:style>
+            <a:lnRef idx="2">
+              <a:schemeClr val="accent1">
+                <a:shade val="15000"/>
+              </a:schemeClr>
+            </a:lnRef>
+            <a:fillRef idx="1">
+              <a:schemeClr val="accent1"/>
+            </a:fillRef>
+            <a:effectRef idx="0">
+              <a:schemeClr val="accent1"/>
+            </a:effectRef>
+            <a:fontRef idx="minor">
+              <a:schemeClr val="lt1"/>
+            </a:fontRef>
+          </p:style>
+          <p:txBody>
+            <a:bodyPr rtlCol="0" anchor="ctr"/>
+            <a:lstStyle/>
+            <a:p>
+              <a:pPr algn="ctr"/>
+              <a:endParaRPr lang="en-US"/>
+            </a:p>
+          </p:txBody>
+        </p:sp>
+        <p:sp>
+          <p:nvSpPr>
+            <p:cNvPr id="211" name="Rectangle 210">
+              <a:extLst>
+                <a:ext uri="{FF2B5EF4-FFF2-40B4-BE49-F238E27FC236}">
+                  <a16:creationId xmlns:a16="http://schemas.microsoft.com/office/drawing/2014/main" id="{646AE932-F30A-6221-B046-E8F7F17B82D0}"/>
+                </a:ext>
+              </a:extLst>
+            </p:cNvPr>
+            <p:cNvSpPr>
+              <a:spLocks noChangeAspect="1"/>
+            </p:cNvSpPr>
+            <p:nvPr/>
+          </p:nvSpPr>
+          <p:spPr>
+            <a:xfrm>
+              <a:off x="1507223" y="1815352"/>
+              <a:ext cx="228600" cy="228600"/>
+            </a:xfrm>
+            <a:prstGeom prst="rect">
+              <a:avLst/>
+            </a:prstGeom>
+            <a:solidFill>
+              <a:srgbClr val="00B050"/>
+            </a:solidFill>
+            <a:ln w="12700">
+              <a:solidFill>
+                <a:schemeClr val="tx1"/>
+              </a:solidFill>
+            </a:ln>
+          </p:spPr>
+          <p:style>
+            <a:lnRef idx="2">
+              <a:schemeClr val="accent1">
+                <a:shade val="15000"/>
+              </a:schemeClr>
+            </a:lnRef>
+            <a:fillRef idx="1">
+              <a:schemeClr val="accent1"/>
+            </a:fillRef>
+            <a:effectRef idx="0">
+              <a:schemeClr val="accent1"/>
+            </a:effectRef>
+            <a:fontRef idx="minor">
+              <a:schemeClr val="lt1"/>
+            </a:fontRef>
+          </p:style>
+          <p:txBody>
+            <a:bodyPr rtlCol="0" anchor="ctr"/>
+            <a:lstStyle/>
+            <a:p>
+              <a:pPr algn="ctr"/>
+              <a:endParaRPr lang="en-US"/>
+            </a:p>
+          </p:txBody>
+        </p:sp>
+        <p:sp>
+          <p:nvSpPr>
+            <p:cNvPr id="212" name="Rectangle 211">
+              <a:extLst>
+                <a:ext uri="{FF2B5EF4-FFF2-40B4-BE49-F238E27FC236}">
+                  <a16:creationId xmlns:a16="http://schemas.microsoft.com/office/drawing/2014/main" id="{BBBB5FED-6553-0A2A-8860-0319C5D0AF5A}"/>
+                </a:ext>
+              </a:extLst>
+            </p:cNvPr>
+            <p:cNvSpPr>
+              <a:spLocks noChangeAspect="1"/>
+            </p:cNvSpPr>
+            <p:nvPr/>
+          </p:nvSpPr>
+          <p:spPr>
+            <a:xfrm>
+              <a:off x="2378746" y="1475554"/>
+              <a:ext cx="128662" cy="128662"/>
+            </a:xfrm>
+            <a:prstGeom prst="rect">
+              <a:avLst/>
+            </a:prstGeom>
+            <a:solidFill>
+              <a:srgbClr val="00B050"/>
+            </a:solidFill>
+            <a:ln w="12700">
+              <a:solidFill>
+                <a:schemeClr val="tx1"/>
+              </a:solidFill>
+            </a:ln>
+          </p:spPr>
+          <p:style>
+            <a:lnRef idx="2">
+              <a:schemeClr val="accent1">
+                <a:shade val="15000"/>
+              </a:schemeClr>
+            </a:lnRef>
+            <a:fillRef idx="1">
+              <a:schemeClr val="accent1"/>
+            </a:fillRef>
+            <a:effectRef idx="0">
+              <a:schemeClr val="accent1"/>
+            </a:effectRef>
+            <a:fontRef idx="minor">
+              <a:schemeClr val="lt1"/>
+            </a:fontRef>
+          </p:style>
+          <p:txBody>
+            <a:bodyPr rtlCol="0" anchor="ctr"/>
+            <a:lstStyle/>
+            <a:p>
+              <a:pPr algn="ctr"/>
+              <a:endParaRPr lang="en-US" dirty="0"/>
+            </a:p>
+          </p:txBody>
+        </p:sp>
+        <p:sp>
+          <p:nvSpPr>
+            <p:cNvPr id="213" name="Rectangle 212">
+              <a:extLst>
+                <a:ext uri="{FF2B5EF4-FFF2-40B4-BE49-F238E27FC236}">
+                  <a16:creationId xmlns:a16="http://schemas.microsoft.com/office/drawing/2014/main" id="{ABD60A0A-9CB8-42DF-EFEB-10BD47799BD9}"/>
+                </a:ext>
+              </a:extLst>
+            </p:cNvPr>
+            <p:cNvSpPr>
+              <a:spLocks noChangeAspect="1"/>
+            </p:cNvSpPr>
+            <p:nvPr/>
+          </p:nvSpPr>
+          <p:spPr>
+            <a:xfrm>
+              <a:off x="2293710" y="732765"/>
+              <a:ext cx="128662" cy="128662"/>
+            </a:xfrm>
+            <a:prstGeom prst="rect">
+              <a:avLst/>
+            </a:prstGeom>
+            <a:solidFill>
+              <a:srgbClr val="00B050"/>
+            </a:solidFill>
+            <a:ln w="12700">
+              <a:solidFill>
+                <a:schemeClr val="tx1"/>
+              </a:solidFill>
+            </a:ln>
+          </p:spPr>
+          <p:style>
+            <a:lnRef idx="2">
+              <a:schemeClr val="accent1">
+                <a:shade val="15000"/>
+              </a:schemeClr>
+            </a:lnRef>
+            <a:fillRef idx="1">
+              <a:schemeClr val="accent1"/>
+            </a:fillRef>
+            <a:effectRef idx="0">
+              <a:schemeClr val="accent1"/>
+            </a:effectRef>
+            <a:fontRef idx="minor">
+              <a:schemeClr val="lt1"/>
+            </a:fontRef>
+          </p:style>
+          <p:txBody>
+            <a:bodyPr rtlCol="0" anchor="ctr"/>
+            <a:lstStyle/>
+            <a:p>
+              <a:pPr algn="ctr"/>
+              <a:endParaRPr lang="en-US"/>
+            </a:p>
+          </p:txBody>
+        </p:sp>
+        <p:sp>
+          <p:nvSpPr>
+            <p:cNvPr id="214" name="Triangle 213">
+              <a:extLst>
+                <a:ext uri="{FF2B5EF4-FFF2-40B4-BE49-F238E27FC236}">
+                  <a16:creationId xmlns:a16="http://schemas.microsoft.com/office/drawing/2014/main" id="{7A0AD180-04C2-A2B2-ECE8-B59C12BFACB1}"/>
+                </a:ext>
+              </a:extLst>
+            </p:cNvPr>
+            <p:cNvSpPr>
+              <a:spLocks noChangeAspect="1"/>
+            </p:cNvSpPr>
+            <p:nvPr/>
+          </p:nvSpPr>
+          <p:spPr>
+            <a:xfrm>
+              <a:off x="983965" y="1819258"/>
+              <a:ext cx="149248" cy="128662"/>
+            </a:xfrm>
+            <a:prstGeom prst="triangle">
+              <a:avLst/>
+            </a:prstGeom>
+            <a:ln w="12700">
+              <a:solidFill>
+                <a:schemeClr val="tx1"/>
+              </a:solidFill>
+            </a:ln>
+          </p:spPr>
+          <p:style>
+            <a:lnRef idx="2">
+              <a:schemeClr val="accent1">
+                <a:shade val="15000"/>
+              </a:schemeClr>
+            </a:lnRef>
+            <a:fillRef idx="1">
+              <a:schemeClr val="accent1"/>
+            </a:fillRef>
+            <a:effectRef idx="0">
+              <a:schemeClr val="accent1"/>
+            </a:effectRef>
+            <a:fontRef idx="minor">
+              <a:schemeClr val="lt1"/>
+            </a:fontRef>
+          </p:style>
+          <p:txBody>
+            <a:bodyPr rtlCol="0" anchor="ctr"/>
+            <a:lstStyle/>
+            <a:p>
+              <a:pPr algn="ctr"/>
+              <a:endParaRPr lang="en-US"/>
+            </a:p>
+          </p:txBody>
+        </p:sp>
+        <p:sp>
+          <p:nvSpPr>
+            <p:cNvPr id="215" name="Rectangle 214">
+              <a:extLst>
+                <a:ext uri="{FF2B5EF4-FFF2-40B4-BE49-F238E27FC236}">
+                  <a16:creationId xmlns:a16="http://schemas.microsoft.com/office/drawing/2014/main" id="{B7AB47CC-0B72-9F62-6F1A-6E34684D7522}"/>
+                </a:ext>
+              </a:extLst>
+            </p:cNvPr>
+            <p:cNvSpPr>
+              <a:spLocks noChangeAspect="1"/>
+            </p:cNvSpPr>
+            <p:nvPr/>
+          </p:nvSpPr>
+          <p:spPr>
+            <a:xfrm>
+              <a:off x="1744234" y="1544122"/>
+              <a:ext cx="228600" cy="228600"/>
+            </a:xfrm>
+            <a:prstGeom prst="rect">
+              <a:avLst/>
+            </a:prstGeom>
+            <a:solidFill>
+              <a:srgbClr val="00B050"/>
+            </a:solidFill>
+            <a:ln w="12700">
+              <a:solidFill>
+                <a:schemeClr val="tx1"/>
+              </a:solidFill>
+            </a:ln>
+          </p:spPr>
+          <p:style>
+            <a:lnRef idx="2">
+              <a:schemeClr val="accent1">
+                <a:shade val="15000"/>
+              </a:schemeClr>
+            </a:lnRef>
+            <a:fillRef idx="1">
+              <a:schemeClr val="accent1"/>
+            </a:fillRef>
+            <a:effectRef idx="0">
+              <a:schemeClr val="accent1"/>
+            </a:effectRef>
+            <a:fontRef idx="minor">
+              <a:schemeClr val="lt1"/>
+            </a:fontRef>
+          </p:style>
+          <p:txBody>
+            <a:bodyPr rtlCol="0" anchor="ctr"/>
+            <a:lstStyle/>
+            <a:p>
+              <a:pPr algn="ctr"/>
+              <a:endParaRPr lang="en-US"/>
+            </a:p>
+          </p:txBody>
+        </p:sp>
+      </p:grpSp>
+      <p:grpSp>
+        <p:nvGrpSpPr>
+          <p:cNvPr id="216" name="Group 215">
+            <a:extLst>
+              <a:ext uri="{FF2B5EF4-FFF2-40B4-BE49-F238E27FC236}">
+                <a16:creationId xmlns:a16="http://schemas.microsoft.com/office/drawing/2014/main" id="{AC1A3091-D5A3-541C-FE7C-2CEB4DFC8B0E}"/>
+              </a:ext>
+            </a:extLst>
+          </p:cNvPr>
+          <p:cNvGrpSpPr/>
+          <p:nvPr/>
+        </p:nvGrpSpPr>
+        <p:grpSpPr>
+          <a:xfrm>
+            <a:off x="5319568" y="289197"/>
+            <a:ext cx="1993475" cy="1993475"/>
+            <a:chOff x="633740" y="289199"/>
+            <a:chExt cx="1993475" cy="1993475"/>
+          </a:xfrm>
+        </p:grpSpPr>
+        <p:sp>
+          <p:nvSpPr>
+            <p:cNvPr id="217" name="Rectangle 216">
+              <a:extLst>
+                <a:ext uri="{FF2B5EF4-FFF2-40B4-BE49-F238E27FC236}">
+                  <a16:creationId xmlns:a16="http://schemas.microsoft.com/office/drawing/2014/main" id="{1277710D-52F8-5C99-D45B-E363EA194847}"/>
+                </a:ext>
+              </a:extLst>
+            </p:cNvPr>
+            <p:cNvSpPr/>
+            <p:nvPr/>
+          </p:nvSpPr>
+          <p:spPr>
+            <a:xfrm>
+              <a:off x="633740" y="289199"/>
+              <a:ext cx="1993475" cy="1993475"/>
+            </a:xfrm>
+            <a:prstGeom prst="rect">
+              <a:avLst/>
+            </a:prstGeom>
+            <a:noFill/>
+            <a:ln w="25400">
+              <a:solidFill>
+                <a:schemeClr val="tx1"/>
+              </a:solidFill>
+            </a:ln>
+          </p:spPr>
+          <p:style>
+            <a:lnRef idx="2">
+              <a:schemeClr val="accent1">
+                <a:shade val="15000"/>
+              </a:schemeClr>
+            </a:lnRef>
+            <a:fillRef idx="1">
+              <a:schemeClr val="accent1"/>
+            </a:fillRef>
+            <a:effectRef idx="0">
+              <a:schemeClr val="accent1"/>
+            </a:effectRef>
+            <a:fontRef idx="minor">
+              <a:schemeClr val="lt1"/>
+            </a:fontRef>
+          </p:style>
+          <p:txBody>
+            <a:bodyPr rtlCol="0" anchor="ctr"/>
+            <a:lstStyle/>
+            <a:p>
+              <a:pPr algn="ctr"/>
+              <a:endParaRPr lang="en-US"/>
+            </a:p>
+          </p:txBody>
+        </p:sp>
+        <p:sp>
+          <p:nvSpPr>
+            <p:cNvPr id="218" name="Rectangle 217">
+              <a:extLst>
+                <a:ext uri="{FF2B5EF4-FFF2-40B4-BE49-F238E27FC236}">
+                  <a16:creationId xmlns:a16="http://schemas.microsoft.com/office/drawing/2014/main" id="{A3312E9D-48C1-960E-56E8-35B97139962B}"/>
+                </a:ext>
+              </a:extLst>
+            </p:cNvPr>
+            <p:cNvSpPr>
+              <a:spLocks noChangeAspect="1"/>
+            </p:cNvSpPr>
+            <p:nvPr/>
+          </p:nvSpPr>
+          <p:spPr>
+            <a:xfrm>
+              <a:off x="1962867" y="1816427"/>
+              <a:ext cx="228600" cy="228600"/>
+            </a:xfrm>
+            <a:prstGeom prst="rect">
+              <a:avLst/>
+            </a:prstGeom>
+            <a:solidFill>
+              <a:srgbClr val="00B050"/>
+            </a:solidFill>
+            <a:ln w="12700">
+              <a:solidFill>
+                <a:schemeClr val="tx1"/>
+              </a:solidFill>
+            </a:ln>
+          </p:spPr>
+          <p:style>
+            <a:lnRef idx="2">
+              <a:schemeClr val="accent1">
+                <a:shade val="15000"/>
+              </a:schemeClr>
+            </a:lnRef>
+            <a:fillRef idx="1">
+              <a:schemeClr val="accent1"/>
+            </a:fillRef>
+            <a:effectRef idx="0">
+              <a:schemeClr val="accent1"/>
+            </a:effectRef>
+            <a:fontRef idx="minor">
+              <a:schemeClr val="lt1"/>
+            </a:fontRef>
+          </p:style>
+          <p:txBody>
+            <a:bodyPr rtlCol="0" anchor="ctr"/>
+            <a:lstStyle/>
+            <a:p>
+              <a:pPr algn="ctr"/>
+              <a:endParaRPr lang="en-US"/>
+            </a:p>
+          </p:txBody>
+        </p:sp>
+        <p:sp>
+          <p:nvSpPr>
+            <p:cNvPr id="219" name="Triangle 218">
+              <a:extLst>
+                <a:ext uri="{FF2B5EF4-FFF2-40B4-BE49-F238E27FC236}">
+                  <a16:creationId xmlns:a16="http://schemas.microsoft.com/office/drawing/2014/main" id="{06488774-66A5-E3FD-2386-559185595BA5}"/>
+                </a:ext>
+              </a:extLst>
+            </p:cNvPr>
+            <p:cNvSpPr>
+              <a:spLocks noChangeAspect="1"/>
+            </p:cNvSpPr>
+            <p:nvPr/>
+          </p:nvSpPr>
+          <p:spPr>
+            <a:xfrm>
+              <a:off x="858042" y="1484504"/>
+              <a:ext cx="149248" cy="128662"/>
+            </a:xfrm>
+            <a:prstGeom prst="triangle">
+              <a:avLst/>
+            </a:prstGeom>
+            <a:ln w="12700">
+              <a:solidFill>
+                <a:schemeClr val="tx1"/>
+              </a:solidFill>
+            </a:ln>
+          </p:spPr>
+          <p:style>
+            <a:lnRef idx="2">
+              <a:schemeClr val="accent1">
+                <a:shade val="15000"/>
+              </a:schemeClr>
+            </a:lnRef>
+            <a:fillRef idx="1">
+              <a:schemeClr val="accent1"/>
+            </a:fillRef>
+            <a:effectRef idx="0">
+              <a:schemeClr val="accent1"/>
+            </a:effectRef>
+            <a:fontRef idx="minor">
+              <a:schemeClr val="lt1"/>
+            </a:fontRef>
+          </p:style>
+          <p:txBody>
+            <a:bodyPr rtlCol="0" anchor="ctr"/>
+            <a:lstStyle/>
+            <a:p>
+              <a:pPr algn="ctr"/>
+              <a:endParaRPr lang="en-US"/>
+            </a:p>
+          </p:txBody>
+        </p:sp>
+        <p:sp>
+          <p:nvSpPr>
+            <p:cNvPr id="220" name="Triangle 219">
+              <a:extLst>
+                <a:ext uri="{FF2B5EF4-FFF2-40B4-BE49-F238E27FC236}">
+                  <a16:creationId xmlns:a16="http://schemas.microsoft.com/office/drawing/2014/main" id="{99D7AFBD-AA5A-E0BD-A48E-D0AC823656C1}"/>
+                </a:ext>
+              </a:extLst>
+            </p:cNvPr>
+            <p:cNvSpPr>
+              <a:spLocks noChangeAspect="1"/>
+            </p:cNvSpPr>
+            <p:nvPr/>
+          </p:nvSpPr>
+          <p:spPr>
+            <a:xfrm>
+              <a:off x="1919364" y="761557"/>
+              <a:ext cx="159106" cy="137160"/>
+            </a:xfrm>
+            <a:prstGeom prst="triangle">
+              <a:avLst/>
+            </a:prstGeom>
+            <a:ln w="12700">
+              <a:solidFill>
+                <a:schemeClr val="tx1"/>
+              </a:solidFill>
+            </a:ln>
+          </p:spPr>
+          <p:style>
+            <a:lnRef idx="2">
+              <a:schemeClr val="accent1">
+                <a:shade val="15000"/>
+              </a:schemeClr>
+            </a:lnRef>
+            <a:fillRef idx="1">
+              <a:schemeClr val="accent1"/>
+            </a:fillRef>
+            <a:effectRef idx="0">
+              <a:schemeClr val="accent1"/>
+            </a:effectRef>
+            <a:fontRef idx="minor">
+              <a:schemeClr val="lt1"/>
+            </a:fontRef>
+          </p:style>
+          <p:txBody>
+            <a:bodyPr rtlCol="0" anchor="ctr"/>
+            <a:lstStyle/>
+            <a:p>
+              <a:pPr algn="ctr"/>
+              <a:endParaRPr lang="en-US"/>
+            </a:p>
+          </p:txBody>
+        </p:sp>
+        <p:sp>
+          <p:nvSpPr>
+            <p:cNvPr id="221" name="Rectangle 220">
+              <a:extLst>
+                <a:ext uri="{FF2B5EF4-FFF2-40B4-BE49-F238E27FC236}">
+                  <a16:creationId xmlns:a16="http://schemas.microsoft.com/office/drawing/2014/main" id="{64DB571C-8428-00F1-2C76-3F103C8A5678}"/>
+                </a:ext>
+              </a:extLst>
+            </p:cNvPr>
+            <p:cNvSpPr>
+              <a:spLocks noChangeAspect="1"/>
+            </p:cNvSpPr>
+            <p:nvPr/>
+          </p:nvSpPr>
+          <p:spPr>
+            <a:xfrm>
+              <a:off x="1277573" y="1348904"/>
+              <a:ext cx="228600" cy="228600"/>
+            </a:xfrm>
+            <a:prstGeom prst="rect">
+              <a:avLst/>
+            </a:prstGeom>
+            <a:solidFill>
+              <a:srgbClr val="00B050"/>
+            </a:solidFill>
+            <a:ln w="12700">
+              <a:solidFill>
+                <a:schemeClr val="tx1"/>
+              </a:solidFill>
+            </a:ln>
+          </p:spPr>
+          <p:style>
+            <a:lnRef idx="2">
+              <a:schemeClr val="accent1">
+                <a:shade val="15000"/>
+              </a:schemeClr>
+            </a:lnRef>
+            <a:fillRef idx="1">
+              <a:schemeClr val="accent1"/>
+            </a:fillRef>
+            <a:effectRef idx="0">
+              <a:schemeClr val="accent1"/>
+            </a:effectRef>
+            <a:fontRef idx="minor">
+              <a:schemeClr val="lt1"/>
+            </a:fontRef>
+          </p:style>
+          <p:txBody>
+            <a:bodyPr rtlCol="0" anchor="ctr"/>
+            <a:lstStyle/>
+            <a:p>
+              <a:pPr algn="ctr"/>
+              <a:endParaRPr lang="en-US"/>
+            </a:p>
+          </p:txBody>
+        </p:sp>
+        <p:sp>
+          <p:nvSpPr>
+            <p:cNvPr id="222" name="Triangle 221">
+              <a:extLst>
+                <a:ext uri="{FF2B5EF4-FFF2-40B4-BE49-F238E27FC236}">
+                  <a16:creationId xmlns:a16="http://schemas.microsoft.com/office/drawing/2014/main" id="{D4A37CE3-9164-BF4D-CD1D-09E08BA3D0F9}"/>
+                </a:ext>
+              </a:extLst>
+            </p:cNvPr>
+            <p:cNvSpPr>
+              <a:spLocks noChangeAspect="1"/>
+            </p:cNvSpPr>
+            <p:nvPr/>
+          </p:nvSpPr>
+          <p:spPr>
+            <a:xfrm>
+              <a:off x="1357975" y="788408"/>
+              <a:ext cx="159106" cy="137160"/>
+            </a:xfrm>
+            <a:prstGeom prst="triangle">
+              <a:avLst/>
+            </a:prstGeom>
+            <a:ln w="12700">
+              <a:solidFill>
+                <a:schemeClr val="tx1"/>
+              </a:solidFill>
+            </a:ln>
+          </p:spPr>
+          <p:style>
+            <a:lnRef idx="2">
+              <a:schemeClr val="accent1">
+                <a:shade val="15000"/>
+              </a:schemeClr>
+            </a:lnRef>
+            <a:fillRef idx="1">
+              <a:schemeClr val="accent1"/>
+            </a:fillRef>
+            <a:effectRef idx="0">
+              <a:schemeClr val="accent1"/>
+            </a:effectRef>
+            <a:fontRef idx="minor">
+              <a:schemeClr val="lt1"/>
+            </a:fontRef>
+          </p:style>
+          <p:txBody>
+            <a:bodyPr rtlCol="0" anchor="ctr"/>
+            <a:lstStyle/>
+            <a:p>
+              <a:pPr algn="ctr"/>
+              <a:endParaRPr lang="en-US"/>
+            </a:p>
+          </p:txBody>
+        </p:sp>
+        <p:sp>
+          <p:nvSpPr>
+            <p:cNvPr id="223" name="Triangle 222">
+              <a:extLst>
+                <a:ext uri="{FF2B5EF4-FFF2-40B4-BE49-F238E27FC236}">
+                  <a16:creationId xmlns:a16="http://schemas.microsoft.com/office/drawing/2014/main" id="{8B423F59-45FF-BB6F-2837-DA3AA898FC14}"/>
+                </a:ext>
+              </a:extLst>
+            </p:cNvPr>
+            <p:cNvSpPr>
+              <a:spLocks noChangeAspect="1"/>
+            </p:cNvSpPr>
+            <p:nvPr/>
+          </p:nvSpPr>
+          <p:spPr>
+            <a:xfrm>
+              <a:off x="1707938" y="518175"/>
+              <a:ext cx="159106" cy="137160"/>
+            </a:xfrm>
+            <a:prstGeom prst="triangle">
+              <a:avLst/>
+            </a:prstGeom>
+            <a:ln w="12700">
+              <a:solidFill>
+                <a:schemeClr val="tx1"/>
+              </a:solidFill>
+            </a:ln>
+          </p:spPr>
+          <p:style>
+            <a:lnRef idx="2">
+              <a:schemeClr val="accent1">
+                <a:shade val="15000"/>
+              </a:schemeClr>
+            </a:lnRef>
+            <a:fillRef idx="1">
+              <a:schemeClr val="accent1"/>
+            </a:fillRef>
+            <a:effectRef idx="0">
+              <a:schemeClr val="accent1"/>
+            </a:effectRef>
+            <a:fontRef idx="minor">
+              <a:schemeClr val="lt1"/>
+            </a:fontRef>
+          </p:style>
+          <p:txBody>
+            <a:bodyPr rtlCol="0" anchor="ctr"/>
+            <a:lstStyle/>
+            <a:p>
+              <a:pPr algn="ctr"/>
+              <a:endParaRPr lang="en-US"/>
+            </a:p>
+          </p:txBody>
+        </p:sp>
+        <p:sp>
+          <p:nvSpPr>
+            <p:cNvPr id="224" name="Rectangle 223">
+              <a:extLst>
+                <a:ext uri="{FF2B5EF4-FFF2-40B4-BE49-F238E27FC236}">
+                  <a16:creationId xmlns:a16="http://schemas.microsoft.com/office/drawing/2014/main" id="{04FDC6AE-E44A-8A4B-5A8F-77B7AA49CF25}"/>
+                </a:ext>
+              </a:extLst>
+            </p:cNvPr>
+            <p:cNvSpPr>
+              <a:spLocks noChangeAspect="1"/>
+            </p:cNvSpPr>
+            <p:nvPr/>
+          </p:nvSpPr>
+          <p:spPr>
+            <a:xfrm>
+              <a:off x="1507223" y="1815352"/>
+              <a:ext cx="228600" cy="228600"/>
+            </a:xfrm>
+            <a:prstGeom prst="rect">
+              <a:avLst/>
+            </a:prstGeom>
+            <a:solidFill>
+              <a:srgbClr val="00B050"/>
+            </a:solidFill>
+            <a:ln w="12700">
+              <a:solidFill>
+                <a:schemeClr val="tx1"/>
+              </a:solidFill>
+            </a:ln>
+          </p:spPr>
+          <p:style>
+            <a:lnRef idx="2">
+              <a:schemeClr val="accent1">
+                <a:shade val="15000"/>
+              </a:schemeClr>
+            </a:lnRef>
+            <a:fillRef idx="1">
+              <a:schemeClr val="accent1"/>
+            </a:fillRef>
+            <a:effectRef idx="0">
+              <a:schemeClr val="accent1"/>
+            </a:effectRef>
+            <a:fontRef idx="minor">
+              <a:schemeClr val="lt1"/>
+            </a:fontRef>
+          </p:style>
+          <p:txBody>
+            <a:bodyPr rtlCol="0" anchor="ctr"/>
+            <a:lstStyle/>
+            <a:p>
+              <a:pPr algn="ctr"/>
+              <a:endParaRPr lang="en-US"/>
+            </a:p>
+          </p:txBody>
+        </p:sp>
+        <p:sp>
+          <p:nvSpPr>
+            <p:cNvPr id="225" name="Rectangle 224">
+              <a:extLst>
+                <a:ext uri="{FF2B5EF4-FFF2-40B4-BE49-F238E27FC236}">
+                  <a16:creationId xmlns:a16="http://schemas.microsoft.com/office/drawing/2014/main" id="{D1670386-5E5D-3BFD-369E-449AB29F3E12}"/>
+                </a:ext>
+              </a:extLst>
+            </p:cNvPr>
+            <p:cNvSpPr>
+              <a:spLocks noChangeAspect="1"/>
+            </p:cNvSpPr>
+            <p:nvPr/>
+          </p:nvSpPr>
+          <p:spPr>
+            <a:xfrm>
+              <a:off x="2378746" y="1475554"/>
+              <a:ext cx="128662" cy="128662"/>
+            </a:xfrm>
+            <a:prstGeom prst="rect">
+              <a:avLst/>
+            </a:prstGeom>
+            <a:solidFill>
+              <a:srgbClr val="00B050"/>
+            </a:solidFill>
+            <a:ln w="12700">
+              <a:solidFill>
+                <a:schemeClr val="tx1"/>
+              </a:solidFill>
+            </a:ln>
+          </p:spPr>
+          <p:style>
+            <a:lnRef idx="2">
+              <a:schemeClr val="accent1">
+                <a:shade val="15000"/>
+              </a:schemeClr>
+            </a:lnRef>
+            <a:fillRef idx="1">
+              <a:schemeClr val="accent1"/>
+            </a:fillRef>
+            <a:effectRef idx="0">
+              <a:schemeClr val="accent1"/>
+            </a:effectRef>
+            <a:fontRef idx="minor">
+              <a:schemeClr val="lt1"/>
+            </a:fontRef>
+          </p:style>
+          <p:txBody>
+            <a:bodyPr rtlCol="0" anchor="ctr"/>
+            <a:lstStyle/>
+            <a:p>
+              <a:pPr algn="ctr"/>
+              <a:endParaRPr lang="en-US" dirty="0"/>
+            </a:p>
+          </p:txBody>
+        </p:sp>
+        <p:sp>
+          <p:nvSpPr>
+            <p:cNvPr id="226" name="Rectangle 225">
+              <a:extLst>
+                <a:ext uri="{FF2B5EF4-FFF2-40B4-BE49-F238E27FC236}">
+                  <a16:creationId xmlns:a16="http://schemas.microsoft.com/office/drawing/2014/main" id="{DD7D3761-902A-B7CA-2D09-B6722B04E9AF}"/>
+                </a:ext>
+              </a:extLst>
+            </p:cNvPr>
+            <p:cNvSpPr>
+              <a:spLocks noChangeAspect="1"/>
+            </p:cNvSpPr>
+            <p:nvPr/>
+          </p:nvSpPr>
+          <p:spPr>
+            <a:xfrm>
+              <a:off x="2293710" y="732765"/>
+              <a:ext cx="128662" cy="128662"/>
+            </a:xfrm>
+            <a:prstGeom prst="rect">
+              <a:avLst/>
+            </a:prstGeom>
+            <a:solidFill>
+              <a:srgbClr val="00B050"/>
+            </a:solidFill>
+            <a:ln w="12700">
+              <a:solidFill>
+                <a:schemeClr val="tx1"/>
+              </a:solidFill>
+            </a:ln>
+          </p:spPr>
+          <p:style>
+            <a:lnRef idx="2">
+              <a:schemeClr val="accent1">
+                <a:shade val="15000"/>
+              </a:schemeClr>
+            </a:lnRef>
+            <a:fillRef idx="1">
+              <a:schemeClr val="accent1"/>
+            </a:fillRef>
+            <a:effectRef idx="0">
+              <a:schemeClr val="accent1"/>
+            </a:effectRef>
+            <a:fontRef idx="minor">
+              <a:schemeClr val="lt1"/>
+            </a:fontRef>
+          </p:style>
+          <p:txBody>
+            <a:bodyPr rtlCol="0" anchor="ctr"/>
+            <a:lstStyle/>
+            <a:p>
+              <a:pPr algn="ctr"/>
+              <a:endParaRPr lang="en-US"/>
+            </a:p>
+          </p:txBody>
+        </p:sp>
+        <p:sp>
+          <p:nvSpPr>
+            <p:cNvPr id="227" name="Triangle 226">
+              <a:extLst>
+                <a:ext uri="{FF2B5EF4-FFF2-40B4-BE49-F238E27FC236}">
+                  <a16:creationId xmlns:a16="http://schemas.microsoft.com/office/drawing/2014/main" id="{77A45B96-B6FE-E170-9CED-8188C9C66D2D}"/>
+                </a:ext>
+              </a:extLst>
+            </p:cNvPr>
+            <p:cNvSpPr>
+              <a:spLocks noChangeAspect="1"/>
+            </p:cNvSpPr>
+            <p:nvPr/>
+          </p:nvSpPr>
+          <p:spPr>
+            <a:xfrm>
+              <a:off x="983965" y="1819258"/>
+              <a:ext cx="149248" cy="128662"/>
+            </a:xfrm>
+            <a:prstGeom prst="triangle">
+              <a:avLst/>
+            </a:prstGeom>
+            <a:ln w="12700">
+              <a:solidFill>
+                <a:schemeClr val="tx1"/>
+              </a:solidFill>
+            </a:ln>
+          </p:spPr>
+          <p:style>
+            <a:lnRef idx="2">
+              <a:schemeClr val="accent1">
+                <a:shade val="15000"/>
+              </a:schemeClr>
+            </a:lnRef>
+            <a:fillRef idx="1">
+              <a:schemeClr val="accent1"/>
+            </a:fillRef>
+            <a:effectRef idx="0">
+              <a:schemeClr val="accent1"/>
+            </a:effectRef>
+            <a:fontRef idx="minor">
+              <a:schemeClr val="lt1"/>
+            </a:fontRef>
+          </p:style>
+          <p:txBody>
+            <a:bodyPr rtlCol="0" anchor="ctr"/>
+            <a:lstStyle/>
+            <a:p>
+              <a:pPr algn="ctr"/>
+              <a:endParaRPr lang="en-US"/>
+            </a:p>
+          </p:txBody>
+        </p:sp>
+        <p:sp>
+          <p:nvSpPr>
+            <p:cNvPr id="228" name="Rectangle 227">
+              <a:extLst>
+                <a:ext uri="{FF2B5EF4-FFF2-40B4-BE49-F238E27FC236}">
+                  <a16:creationId xmlns:a16="http://schemas.microsoft.com/office/drawing/2014/main" id="{21AAF3C5-6377-CB20-D659-7BB74F54D0AD}"/>
+                </a:ext>
+              </a:extLst>
+            </p:cNvPr>
+            <p:cNvSpPr>
+              <a:spLocks noChangeAspect="1"/>
+            </p:cNvSpPr>
+            <p:nvPr/>
+          </p:nvSpPr>
+          <p:spPr>
+            <a:xfrm>
+              <a:off x="1744234" y="1544122"/>
+              <a:ext cx="228600" cy="228600"/>
+            </a:xfrm>
+            <a:prstGeom prst="rect">
+              <a:avLst/>
+            </a:prstGeom>
+            <a:solidFill>
+              <a:srgbClr val="00B050"/>
+            </a:solidFill>
+            <a:ln w="12700">
+              <a:solidFill>
+                <a:schemeClr val="tx1"/>
+              </a:solidFill>
+            </a:ln>
+          </p:spPr>
+          <p:style>
+            <a:lnRef idx="2">
+              <a:schemeClr val="accent1">
+                <a:shade val="15000"/>
+              </a:schemeClr>
+            </a:lnRef>
+            <a:fillRef idx="1">
+              <a:schemeClr val="accent1"/>
+            </a:fillRef>
+            <a:effectRef idx="0">
+              <a:schemeClr val="accent1"/>
+            </a:effectRef>
+            <a:fontRef idx="minor">
+              <a:schemeClr val="lt1"/>
+            </a:fontRef>
+          </p:style>
+          <p:txBody>
+            <a:bodyPr rtlCol="0" anchor="ctr"/>
+            <a:lstStyle/>
+            <a:p>
+              <a:pPr algn="ctr"/>
+              <a:endParaRPr lang="en-US"/>
+            </a:p>
+          </p:txBody>
+        </p:sp>
+      </p:grpSp>
+      <p:grpSp>
+        <p:nvGrpSpPr>
+          <p:cNvPr id="231" name="Group 230">
+            <a:extLst>
+              <a:ext uri="{FF2B5EF4-FFF2-40B4-BE49-F238E27FC236}">
+                <a16:creationId xmlns:a16="http://schemas.microsoft.com/office/drawing/2014/main" id="{F9D2CD21-FD77-8E39-C101-78840FE7F0D2}"/>
+              </a:ext>
+            </a:extLst>
+          </p:cNvPr>
+          <p:cNvGrpSpPr/>
+          <p:nvPr/>
+        </p:nvGrpSpPr>
+        <p:grpSpPr>
+          <a:xfrm>
+            <a:off x="5319568" y="2616033"/>
+            <a:ext cx="1993475" cy="1993475"/>
+            <a:chOff x="633740" y="289199"/>
+            <a:chExt cx="1993475" cy="1993475"/>
+          </a:xfrm>
+        </p:grpSpPr>
+        <p:sp>
+          <p:nvSpPr>
+            <p:cNvPr id="232" name="Rectangle 231">
+              <a:extLst>
+                <a:ext uri="{FF2B5EF4-FFF2-40B4-BE49-F238E27FC236}">
+                  <a16:creationId xmlns:a16="http://schemas.microsoft.com/office/drawing/2014/main" id="{13A42CB4-5442-839A-033E-BAC04AEEE611}"/>
+                </a:ext>
+              </a:extLst>
+            </p:cNvPr>
+            <p:cNvSpPr/>
+            <p:nvPr/>
+          </p:nvSpPr>
+          <p:spPr>
+            <a:xfrm>
+              <a:off x="633740" y="289199"/>
+              <a:ext cx="1993475" cy="1993475"/>
+            </a:xfrm>
+            <a:prstGeom prst="rect">
+              <a:avLst/>
+            </a:prstGeom>
+            <a:noFill/>
+            <a:ln w="25400">
+              <a:solidFill>
+                <a:schemeClr val="tx1"/>
+              </a:solidFill>
+            </a:ln>
+          </p:spPr>
+          <p:style>
+            <a:lnRef idx="2">
+              <a:schemeClr val="accent1">
+                <a:shade val="15000"/>
+              </a:schemeClr>
+            </a:lnRef>
+            <a:fillRef idx="1">
+              <a:schemeClr val="accent1"/>
+            </a:fillRef>
+            <a:effectRef idx="0">
+              <a:schemeClr val="accent1"/>
+            </a:effectRef>
+            <a:fontRef idx="minor">
+              <a:schemeClr val="lt1"/>
+            </a:fontRef>
+          </p:style>
+          <p:txBody>
+            <a:bodyPr rtlCol="0" anchor="ctr"/>
+            <a:lstStyle/>
+            <a:p>
+              <a:pPr algn="ctr"/>
+              <a:endParaRPr lang="en-US"/>
+            </a:p>
+          </p:txBody>
+        </p:sp>
+        <p:sp>
+          <p:nvSpPr>
+            <p:cNvPr id="233" name="Rectangle 232">
+              <a:extLst>
+                <a:ext uri="{FF2B5EF4-FFF2-40B4-BE49-F238E27FC236}">
+                  <a16:creationId xmlns:a16="http://schemas.microsoft.com/office/drawing/2014/main" id="{653DB579-BC49-1C70-A7EE-0CAA77A2596A}"/>
+                </a:ext>
+              </a:extLst>
+            </p:cNvPr>
+            <p:cNvSpPr>
+              <a:spLocks noChangeAspect="1"/>
+            </p:cNvSpPr>
+            <p:nvPr/>
+          </p:nvSpPr>
+          <p:spPr>
+            <a:xfrm>
+              <a:off x="1962867" y="1816427"/>
+              <a:ext cx="137160" cy="137160"/>
+            </a:xfrm>
+            <a:prstGeom prst="rect">
+              <a:avLst/>
+            </a:prstGeom>
+            <a:solidFill>
+              <a:srgbClr val="00B050"/>
+            </a:solidFill>
+            <a:ln w="12700">
+              <a:solidFill>
+                <a:schemeClr val="tx1"/>
+              </a:solidFill>
+            </a:ln>
+          </p:spPr>
+          <p:style>
+            <a:lnRef idx="2">
+              <a:schemeClr val="accent1">
+                <a:shade val="15000"/>
+              </a:schemeClr>
+            </a:lnRef>
+            <a:fillRef idx="1">
+              <a:schemeClr val="accent1"/>
+            </a:fillRef>
+            <a:effectRef idx="0">
+              <a:schemeClr val="accent1"/>
+            </a:effectRef>
+            <a:fontRef idx="minor">
+              <a:schemeClr val="lt1"/>
+            </a:fontRef>
+          </p:style>
+          <p:txBody>
+            <a:bodyPr rtlCol="0" anchor="ctr"/>
+            <a:lstStyle/>
+            <a:p>
+              <a:pPr algn="ctr"/>
+              <a:endParaRPr lang="en-US"/>
+            </a:p>
+          </p:txBody>
+        </p:sp>
+        <p:sp>
+          <p:nvSpPr>
+            <p:cNvPr id="234" name="Triangle 233">
+              <a:extLst>
+                <a:ext uri="{FF2B5EF4-FFF2-40B4-BE49-F238E27FC236}">
+                  <a16:creationId xmlns:a16="http://schemas.microsoft.com/office/drawing/2014/main" id="{DAD206A9-518D-C4AE-B737-9A87ECAE8D6F}"/>
+                </a:ext>
+              </a:extLst>
+            </p:cNvPr>
+            <p:cNvSpPr>
+              <a:spLocks noChangeAspect="1"/>
+            </p:cNvSpPr>
+            <p:nvPr/>
+          </p:nvSpPr>
+          <p:spPr>
+            <a:xfrm>
+              <a:off x="858042" y="1484504"/>
+              <a:ext cx="265176" cy="228600"/>
+            </a:xfrm>
+            <a:prstGeom prst="triangle">
+              <a:avLst/>
+            </a:prstGeom>
+            <a:ln w="12700">
+              <a:solidFill>
+                <a:schemeClr val="tx1"/>
+              </a:solidFill>
+            </a:ln>
+          </p:spPr>
+          <p:style>
+            <a:lnRef idx="2">
+              <a:schemeClr val="accent1">
+                <a:shade val="15000"/>
+              </a:schemeClr>
+            </a:lnRef>
+            <a:fillRef idx="1">
+              <a:schemeClr val="accent1"/>
+            </a:fillRef>
+            <a:effectRef idx="0">
+              <a:schemeClr val="accent1"/>
+            </a:effectRef>
+            <a:fontRef idx="minor">
+              <a:schemeClr val="lt1"/>
+            </a:fontRef>
+          </p:style>
+          <p:txBody>
+            <a:bodyPr rtlCol="0" anchor="ctr"/>
+            <a:lstStyle/>
+            <a:p>
+              <a:pPr algn="ctr"/>
+              <a:endParaRPr lang="en-US"/>
+            </a:p>
+          </p:txBody>
+        </p:sp>
+        <p:sp>
+          <p:nvSpPr>
+            <p:cNvPr id="235" name="Triangle 234">
+              <a:extLst>
+                <a:ext uri="{FF2B5EF4-FFF2-40B4-BE49-F238E27FC236}">
+                  <a16:creationId xmlns:a16="http://schemas.microsoft.com/office/drawing/2014/main" id="{20580DEB-110B-63DD-1897-00534685EDFB}"/>
+                </a:ext>
+              </a:extLst>
+            </p:cNvPr>
+            <p:cNvSpPr>
+              <a:spLocks noChangeAspect="1"/>
+            </p:cNvSpPr>
+            <p:nvPr/>
+          </p:nvSpPr>
+          <p:spPr>
+            <a:xfrm>
+              <a:off x="1919364" y="761557"/>
+              <a:ext cx="159106" cy="137160"/>
+            </a:xfrm>
+            <a:prstGeom prst="triangle">
+              <a:avLst/>
+            </a:prstGeom>
+            <a:ln w="12700">
+              <a:solidFill>
+                <a:schemeClr val="tx1"/>
+              </a:solidFill>
+            </a:ln>
+          </p:spPr>
+          <p:style>
+            <a:lnRef idx="2">
+              <a:schemeClr val="accent1">
+                <a:shade val="15000"/>
+              </a:schemeClr>
+            </a:lnRef>
+            <a:fillRef idx="1">
+              <a:schemeClr val="accent1"/>
+            </a:fillRef>
+            <a:effectRef idx="0">
+              <a:schemeClr val="accent1"/>
+            </a:effectRef>
+            <a:fontRef idx="minor">
+              <a:schemeClr val="lt1"/>
+            </a:fontRef>
+          </p:style>
+          <p:txBody>
+            <a:bodyPr rtlCol="0" anchor="ctr"/>
+            <a:lstStyle/>
+            <a:p>
+              <a:pPr algn="ctr"/>
+              <a:endParaRPr lang="en-US"/>
+            </a:p>
+          </p:txBody>
+        </p:sp>
+        <p:sp>
+          <p:nvSpPr>
+            <p:cNvPr id="236" name="Rectangle 235">
+              <a:extLst>
+                <a:ext uri="{FF2B5EF4-FFF2-40B4-BE49-F238E27FC236}">
+                  <a16:creationId xmlns:a16="http://schemas.microsoft.com/office/drawing/2014/main" id="{C8FE67C7-1070-CF0B-233D-FFD21C384347}"/>
+                </a:ext>
+              </a:extLst>
+            </p:cNvPr>
+            <p:cNvSpPr>
+              <a:spLocks noChangeAspect="1"/>
+            </p:cNvSpPr>
+            <p:nvPr/>
+          </p:nvSpPr>
+          <p:spPr>
+            <a:xfrm>
+              <a:off x="1277573" y="1348904"/>
+              <a:ext cx="137160" cy="137160"/>
+            </a:xfrm>
+            <a:prstGeom prst="rect">
+              <a:avLst/>
+            </a:prstGeom>
+            <a:solidFill>
+              <a:srgbClr val="00B050"/>
+            </a:solidFill>
+            <a:ln w="12700">
+              <a:solidFill>
+                <a:schemeClr val="tx1"/>
+              </a:solidFill>
+            </a:ln>
+          </p:spPr>
+          <p:style>
+            <a:lnRef idx="2">
+              <a:schemeClr val="accent1">
+                <a:shade val="15000"/>
+              </a:schemeClr>
+            </a:lnRef>
+            <a:fillRef idx="1">
+              <a:schemeClr val="accent1"/>
+            </a:fillRef>
+            <a:effectRef idx="0">
+              <a:schemeClr val="accent1"/>
+            </a:effectRef>
+            <a:fontRef idx="minor">
+              <a:schemeClr val="lt1"/>
+            </a:fontRef>
+          </p:style>
+          <p:txBody>
+            <a:bodyPr rtlCol="0" anchor="ctr"/>
+            <a:lstStyle/>
+            <a:p>
+              <a:pPr algn="ctr"/>
+              <a:endParaRPr lang="en-US"/>
+            </a:p>
+          </p:txBody>
+        </p:sp>
+        <p:sp>
+          <p:nvSpPr>
+            <p:cNvPr id="237" name="Triangle 236">
+              <a:extLst>
+                <a:ext uri="{FF2B5EF4-FFF2-40B4-BE49-F238E27FC236}">
+                  <a16:creationId xmlns:a16="http://schemas.microsoft.com/office/drawing/2014/main" id="{F7BF06D0-569E-FE8D-76DE-6A98C25C6C33}"/>
+                </a:ext>
+              </a:extLst>
+            </p:cNvPr>
+            <p:cNvSpPr>
+              <a:spLocks noChangeAspect="1"/>
+            </p:cNvSpPr>
+            <p:nvPr/>
+          </p:nvSpPr>
+          <p:spPr>
+            <a:xfrm>
+              <a:off x="1357975" y="788408"/>
+              <a:ext cx="159106" cy="137160"/>
+            </a:xfrm>
+            <a:prstGeom prst="triangle">
+              <a:avLst/>
+            </a:prstGeom>
+            <a:ln w="12700">
+              <a:solidFill>
+                <a:schemeClr val="tx1"/>
+              </a:solidFill>
+            </a:ln>
+          </p:spPr>
+          <p:style>
+            <a:lnRef idx="2">
+              <a:schemeClr val="accent1">
+                <a:shade val="15000"/>
+              </a:schemeClr>
+            </a:lnRef>
+            <a:fillRef idx="1">
+              <a:schemeClr val="accent1"/>
+            </a:fillRef>
+            <a:effectRef idx="0">
+              <a:schemeClr val="accent1"/>
+            </a:effectRef>
+            <a:fontRef idx="minor">
+              <a:schemeClr val="lt1"/>
+            </a:fontRef>
+          </p:style>
+          <p:txBody>
+            <a:bodyPr rtlCol="0" anchor="ctr"/>
+            <a:lstStyle/>
+            <a:p>
+              <a:pPr algn="ctr"/>
+              <a:endParaRPr lang="en-US"/>
+            </a:p>
+          </p:txBody>
+        </p:sp>
+        <p:sp>
+          <p:nvSpPr>
+            <p:cNvPr id="238" name="Triangle 237">
+              <a:extLst>
+                <a:ext uri="{FF2B5EF4-FFF2-40B4-BE49-F238E27FC236}">
+                  <a16:creationId xmlns:a16="http://schemas.microsoft.com/office/drawing/2014/main" id="{01436698-8720-9EAC-DF60-93A876FEAACD}"/>
+                </a:ext>
+              </a:extLst>
+            </p:cNvPr>
+            <p:cNvSpPr>
+              <a:spLocks noChangeAspect="1"/>
+            </p:cNvSpPr>
+            <p:nvPr/>
+          </p:nvSpPr>
+          <p:spPr>
+            <a:xfrm>
+              <a:off x="1707938" y="518175"/>
+              <a:ext cx="159106" cy="137160"/>
+            </a:xfrm>
+            <a:prstGeom prst="triangle">
+              <a:avLst/>
+            </a:prstGeom>
+            <a:ln w="12700">
+              <a:solidFill>
+                <a:schemeClr val="tx1"/>
+              </a:solidFill>
+            </a:ln>
+          </p:spPr>
+          <p:style>
+            <a:lnRef idx="2">
+              <a:schemeClr val="accent1">
+                <a:shade val="15000"/>
+              </a:schemeClr>
+            </a:lnRef>
+            <a:fillRef idx="1">
+              <a:schemeClr val="accent1"/>
+            </a:fillRef>
+            <a:effectRef idx="0">
+              <a:schemeClr val="accent1"/>
+            </a:effectRef>
+            <a:fontRef idx="minor">
+              <a:schemeClr val="lt1"/>
+            </a:fontRef>
+          </p:style>
+          <p:txBody>
+            <a:bodyPr rtlCol="0" anchor="ctr"/>
+            <a:lstStyle/>
+            <a:p>
+              <a:pPr algn="ctr"/>
+              <a:endParaRPr lang="en-US"/>
+            </a:p>
+          </p:txBody>
+        </p:sp>
+        <p:sp>
+          <p:nvSpPr>
+            <p:cNvPr id="239" name="Rectangle 238">
+              <a:extLst>
+                <a:ext uri="{FF2B5EF4-FFF2-40B4-BE49-F238E27FC236}">
+                  <a16:creationId xmlns:a16="http://schemas.microsoft.com/office/drawing/2014/main" id="{B3B1F370-A807-04A4-60CC-7E867AEAA2C7}"/>
+                </a:ext>
+              </a:extLst>
+            </p:cNvPr>
+            <p:cNvSpPr>
+              <a:spLocks noChangeAspect="1"/>
+            </p:cNvSpPr>
+            <p:nvPr/>
+          </p:nvSpPr>
+          <p:spPr>
+            <a:xfrm>
+              <a:off x="1507223" y="1815352"/>
+              <a:ext cx="137160" cy="137160"/>
+            </a:xfrm>
+            <a:prstGeom prst="rect">
+              <a:avLst/>
+            </a:prstGeom>
+            <a:solidFill>
+              <a:srgbClr val="00B050"/>
+            </a:solidFill>
+            <a:ln w="12700">
+              <a:solidFill>
+                <a:schemeClr val="tx1"/>
+              </a:solidFill>
+            </a:ln>
+          </p:spPr>
+          <p:style>
+            <a:lnRef idx="2">
+              <a:schemeClr val="accent1">
+                <a:shade val="15000"/>
+              </a:schemeClr>
+            </a:lnRef>
+            <a:fillRef idx="1">
+              <a:schemeClr val="accent1"/>
+            </a:fillRef>
+            <a:effectRef idx="0">
+              <a:schemeClr val="accent1"/>
+            </a:effectRef>
+            <a:fontRef idx="minor">
+              <a:schemeClr val="lt1"/>
+            </a:fontRef>
+          </p:style>
+          <p:txBody>
+            <a:bodyPr rtlCol="0" anchor="ctr"/>
+            <a:lstStyle/>
+            <a:p>
+              <a:pPr algn="ctr"/>
+              <a:endParaRPr lang="en-US"/>
+            </a:p>
+          </p:txBody>
+        </p:sp>
+        <p:sp>
+          <p:nvSpPr>
+            <p:cNvPr id="240" name="Rectangle 239">
+              <a:extLst>
+                <a:ext uri="{FF2B5EF4-FFF2-40B4-BE49-F238E27FC236}">
+                  <a16:creationId xmlns:a16="http://schemas.microsoft.com/office/drawing/2014/main" id="{ECBDB90B-9266-9BF8-1AC2-5DBAC05247B1}"/>
+                </a:ext>
+              </a:extLst>
+            </p:cNvPr>
+            <p:cNvSpPr>
+              <a:spLocks noChangeAspect="1"/>
+            </p:cNvSpPr>
+            <p:nvPr/>
+          </p:nvSpPr>
+          <p:spPr>
+            <a:xfrm>
+              <a:off x="2378746" y="1475554"/>
+              <a:ext cx="128662" cy="128662"/>
+            </a:xfrm>
+            <a:prstGeom prst="rect">
+              <a:avLst/>
+            </a:prstGeom>
+            <a:solidFill>
+              <a:srgbClr val="00B050"/>
+            </a:solidFill>
+            <a:ln w="12700">
+              <a:solidFill>
+                <a:schemeClr val="tx1"/>
+              </a:solidFill>
+            </a:ln>
+          </p:spPr>
+          <p:style>
+            <a:lnRef idx="2">
+              <a:schemeClr val="accent1">
+                <a:shade val="15000"/>
+              </a:schemeClr>
+            </a:lnRef>
+            <a:fillRef idx="1">
+              <a:schemeClr val="accent1"/>
+            </a:fillRef>
+            <a:effectRef idx="0">
+              <a:schemeClr val="accent1"/>
+            </a:effectRef>
+            <a:fontRef idx="minor">
+              <a:schemeClr val="lt1"/>
+            </a:fontRef>
+          </p:style>
+          <p:txBody>
+            <a:bodyPr rtlCol="0" anchor="ctr"/>
+            <a:lstStyle/>
+            <a:p>
+              <a:pPr algn="ctr"/>
+              <a:endParaRPr lang="en-US" dirty="0"/>
+            </a:p>
+          </p:txBody>
+        </p:sp>
+        <p:sp>
+          <p:nvSpPr>
+            <p:cNvPr id="241" name="Rectangle 240">
+              <a:extLst>
+                <a:ext uri="{FF2B5EF4-FFF2-40B4-BE49-F238E27FC236}">
+                  <a16:creationId xmlns:a16="http://schemas.microsoft.com/office/drawing/2014/main" id="{C2581889-83EC-C932-5E22-F10820E9AE94}"/>
+                </a:ext>
+              </a:extLst>
+            </p:cNvPr>
+            <p:cNvSpPr>
+              <a:spLocks noChangeAspect="1"/>
+            </p:cNvSpPr>
+            <p:nvPr/>
+          </p:nvSpPr>
+          <p:spPr>
+            <a:xfrm>
+              <a:off x="2293710" y="732765"/>
+              <a:ext cx="228600" cy="228600"/>
+            </a:xfrm>
+            <a:prstGeom prst="rect">
+              <a:avLst/>
+            </a:prstGeom>
+            <a:solidFill>
+              <a:srgbClr val="00B050"/>
+            </a:solidFill>
+            <a:ln w="12700">
+              <a:solidFill>
+                <a:schemeClr val="tx1"/>
+              </a:solidFill>
+            </a:ln>
+          </p:spPr>
+          <p:style>
+            <a:lnRef idx="2">
+              <a:schemeClr val="accent1">
+                <a:shade val="15000"/>
+              </a:schemeClr>
+            </a:lnRef>
+            <a:fillRef idx="1">
+              <a:schemeClr val="accent1"/>
+            </a:fillRef>
+            <a:effectRef idx="0">
+              <a:schemeClr val="accent1"/>
+            </a:effectRef>
+            <a:fontRef idx="minor">
+              <a:schemeClr val="lt1"/>
+            </a:fontRef>
+          </p:style>
+          <p:txBody>
+            <a:bodyPr rtlCol="0" anchor="ctr"/>
+            <a:lstStyle/>
+            <a:p>
+              <a:pPr algn="ctr"/>
+              <a:endParaRPr lang="en-US"/>
+            </a:p>
+          </p:txBody>
+        </p:sp>
+        <p:sp>
+          <p:nvSpPr>
+            <p:cNvPr id="242" name="Triangle 241">
+              <a:extLst>
+                <a:ext uri="{FF2B5EF4-FFF2-40B4-BE49-F238E27FC236}">
+                  <a16:creationId xmlns:a16="http://schemas.microsoft.com/office/drawing/2014/main" id="{D76A3EF0-0C20-4B0B-B947-833F0392B7E5}"/>
+                </a:ext>
+              </a:extLst>
+            </p:cNvPr>
+            <p:cNvSpPr>
+              <a:spLocks noChangeAspect="1"/>
+            </p:cNvSpPr>
+            <p:nvPr/>
+          </p:nvSpPr>
+          <p:spPr>
+            <a:xfrm>
+              <a:off x="983965" y="1819258"/>
+              <a:ext cx="265176" cy="228600"/>
+            </a:xfrm>
+            <a:prstGeom prst="triangle">
+              <a:avLst/>
+            </a:prstGeom>
+            <a:ln w="12700">
+              <a:solidFill>
+                <a:schemeClr val="tx1"/>
+              </a:solidFill>
+            </a:ln>
+          </p:spPr>
+          <p:style>
+            <a:lnRef idx="2">
+              <a:schemeClr val="accent1">
+                <a:shade val="15000"/>
+              </a:schemeClr>
+            </a:lnRef>
+            <a:fillRef idx="1">
+              <a:schemeClr val="accent1"/>
+            </a:fillRef>
+            <a:effectRef idx="0">
+              <a:schemeClr val="accent1"/>
+            </a:effectRef>
+            <a:fontRef idx="minor">
+              <a:schemeClr val="lt1"/>
+            </a:fontRef>
+          </p:style>
+          <p:txBody>
+            <a:bodyPr rtlCol="0" anchor="ctr"/>
+            <a:lstStyle/>
+            <a:p>
+              <a:pPr algn="ctr"/>
+              <a:endParaRPr lang="en-US"/>
+            </a:p>
+          </p:txBody>
+        </p:sp>
+        <p:sp>
+          <p:nvSpPr>
+            <p:cNvPr id="243" name="Rectangle 242">
+              <a:extLst>
+                <a:ext uri="{FF2B5EF4-FFF2-40B4-BE49-F238E27FC236}">
+                  <a16:creationId xmlns:a16="http://schemas.microsoft.com/office/drawing/2014/main" id="{45CF5B31-1234-FE86-109D-7C47760F2A7A}"/>
+                </a:ext>
+              </a:extLst>
+            </p:cNvPr>
+            <p:cNvSpPr>
+              <a:spLocks noChangeAspect="1"/>
+            </p:cNvSpPr>
+            <p:nvPr/>
+          </p:nvSpPr>
+          <p:spPr>
+            <a:xfrm>
+              <a:off x="1744234" y="1544122"/>
+              <a:ext cx="137160" cy="137160"/>
+            </a:xfrm>
+            <a:prstGeom prst="rect">
+              <a:avLst/>
+            </a:prstGeom>
+            <a:solidFill>
+              <a:srgbClr val="00B050"/>
+            </a:solidFill>
+            <a:ln w="12700">
+              <a:solidFill>
+                <a:schemeClr val="tx1"/>
+              </a:solidFill>
+            </a:ln>
+          </p:spPr>
+          <p:style>
+            <a:lnRef idx="2">
+              <a:schemeClr val="accent1">
+                <a:shade val="15000"/>
+              </a:schemeClr>
+            </a:lnRef>
+            <a:fillRef idx="1">
+              <a:schemeClr val="accent1"/>
+            </a:fillRef>
+            <a:effectRef idx="0">
+              <a:schemeClr val="accent1"/>
+            </a:effectRef>
+            <a:fontRef idx="minor">
+              <a:schemeClr val="lt1"/>
+            </a:fontRef>
+          </p:style>
+          <p:txBody>
+            <a:bodyPr rtlCol="0" anchor="ctr"/>
+            <a:lstStyle/>
+            <a:p>
+              <a:pPr algn="ctr"/>
+              <a:endParaRPr lang="en-US"/>
+            </a:p>
+          </p:txBody>
+        </p:sp>
+      </p:grpSp>
+      <mc:AlternateContent xmlns:mc="http://schemas.openxmlformats.org/markup-compatibility/2006">
+        <mc:Choice xmlns:a14="http://schemas.microsoft.com/office/drawing/2010/main" Requires="a14">
+          <p:sp>
+            <p:nvSpPr>
+              <p:cNvPr id="244" name="TextBox 243">
+                <a:extLst>
+                  <a:ext uri="{FF2B5EF4-FFF2-40B4-BE49-F238E27FC236}">
+                    <a16:creationId xmlns:a16="http://schemas.microsoft.com/office/drawing/2014/main" id="{985A18AA-7F5B-4F9E-4090-1A8E0DE4A73B}"/>
+                  </a:ext>
+                </a:extLst>
+              </p:cNvPr>
+              <p:cNvSpPr txBox="1"/>
+              <p:nvPr/>
+            </p:nvSpPr>
+            <p:spPr>
+              <a:xfrm>
+                <a:off x="7524432" y="1837267"/>
+                <a:ext cx="819455" cy="830997"/>
+              </a:xfrm>
+              <a:prstGeom prst="rect">
+                <a:avLst/>
+              </a:prstGeom>
+              <a:noFill/>
+            </p:spPr>
+            <p:txBody>
+              <a:bodyPr wrap="none" rtlCol="0">
+                <a:spAutoFit/>
+              </a:bodyPr>
+              <a:lstStyle/>
+              <a:p>
+                <a14:m>
+                  <m:oMathPara xmlns:m="http://schemas.openxmlformats.org/officeDocument/2006/math">
+                    <m:oMathParaPr>
+                      <m:jc m:val="centerGroup"/>
+                    </m:oMathParaPr>
+                    <m:oMath xmlns:m="http://schemas.openxmlformats.org/officeDocument/2006/math">
+                      <m:r>
+                        <a:rPr lang="en-US" sz="4800" b="0" i="1" dirty="0" smtClean="0">
+                          <a:latin typeface="Cambria Math" panose="02040503050406030204" pitchFamily="18" charset="0"/>
+                        </a:rPr>
+                        <m:t>…</m:t>
+                      </m:r>
+                    </m:oMath>
+                  </m:oMathPara>
+                </a14:m>
+                <a:endParaRPr lang="en-US" sz="4800" dirty="0"/>
+              </a:p>
+            </p:txBody>
+          </p:sp>
+        </mc:Choice>
+        <mc:Fallback>
+          <p:sp>
+            <p:nvSpPr>
+              <p:cNvPr id="244" name="TextBox 243">
+                <a:extLst>
+                  <a:ext uri="{FF2B5EF4-FFF2-40B4-BE49-F238E27FC236}">
+                    <a16:creationId xmlns:a16="http://schemas.microsoft.com/office/drawing/2014/main" id="{985A18AA-7F5B-4F9E-4090-1A8E0DE4A73B}"/>
+                  </a:ext>
+                </a:extLst>
+              </p:cNvPr>
+              <p:cNvSpPr txBox="1">
+                <a:spLocks noRot="1" noChangeAspect="1" noMove="1" noResize="1" noEditPoints="1" noAdjustHandles="1" noChangeArrowheads="1" noChangeShapeType="1" noTextEdit="1"/>
+              </p:cNvSpPr>
+              <p:nvPr/>
+            </p:nvSpPr>
+            <p:spPr>
+              <a:xfrm>
+                <a:off x="7524432" y="1837267"/>
+                <a:ext cx="819455" cy="830997"/>
+              </a:xfrm>
+              <a:prstGeom prst="rect">
+                <a:avLst/>
+              </a:prstGeom>
+              <a:blipFill>
+                <a:blip r:embed="rId2"/>
+                <a:stretch>
+                  <a:fillRect/>
+                </a:stretch>
+              </a:blipFill>
+            </p:spPr>
+            <p:txBody>
+              <a:bodyPr/>
+              <a:lstStyle/>
+              <a:p>
+                <a:r>
+                  <a:rPr lang="en-US">
+                    <a:noFill/>
+                  </a:rPr>
+                  <a:t> </a:t>
+                </a:r>
+              </a:p>
+            </p:txBody>
+          </p:sp>
+        </mc:Fallback>
+      </mc:AlternateContent>
+      <p:cxnSp>
+        <p:nvCxnSpPr>
+          <p:cNvPr id="250" name="Straight Connector 249">
+            <a:extLst>
+              <a:ext uri="{FF2B5EF4-FFF2-40B4-BE49-F238E27FC236}">
+                <a16:creationId xmlns:a16="http://schemas.microsoft.com/office/drawing/2014/main" id="{4CA0C06E-B649-B40A-3835-AFE511208E45}"/>
+              </a:ext>
+            </a:extLst>
+          </p:cNvPr>
+          <p:cNvCxnSpPr>
+            <a:cxnSpLocks/>
+          </p:cNvCxnSpPr>
+          <p:nvPr/>
+        </p:nvCxnSpPr>
+        <p:spPr>
+          <a:xfrm>
+            <a:off x="4579573" y="318405"/>
+            <a:ext cx="0" cy="1955800"/>
+          </a:xfrm>
+          <a:prstGeom prst="line">
+            <a:avLst/>
+          </a:prstGeom>
+          <a:ln w="25400">
+            <a:solidFill>
+              <a:srgbClr val="FF0000"/>
+            </a:solidFill>
+            <a:prstDash val="sysDot"/>
+          </a:ln>
+        </p:spPr>
+        <p:style>
+          <a:lnRef idx="1">
+            <a:schemeClr val="accent1"/>
+          </a:lnRef>
+          <a:fillRef idx="0">
+            <a:schemeClr val="accent1"/>
+          </a:fillRef>
+          <a:effectRef idx="0">
+            <a:schemeClr val="accent1"/>
+          </a:effectRef>
+          <a:fontRef idx="minor">
+            <a:schemeClr val="tx1"/>
+          </a:fontRef>
+        </p:style>
+      </p:cxnSp>
+      <p:cxnSp>
+        <p:nvCxnSpPr>
+          <p:cNvPr id="251" name="Straight Connector 250">
+            <a:extLst>
+              <a:ext uri="{FF2B5EF4-FFF2-40B4-BE49-F238E27FC236}">
+                <a16:creationId xmlns:a16="http://schemas.microsoft.com/office/drawing/2014/main" id="{23156435-2406-DA2B-8C90-F20DF9E00407}"/>
+              </a:ext>
+            </a:extLst>
+          </p:cNvPr>
+          <p:cNvCxnSpPr>
+            <a:cxnSpLocks/>
+          </p:cNvCxnSpPr>
+          <p:nvPr/>
+        </p:nvCxnSpPr>
+        <p:spPr>
+          <a:xfrm>
+            <a:off x="4579573" y="2627006"/>
+            <a:ext cx="0" cy="1983999"/>
+          </a:xfrm>
+          <a:prstGeom prst="line">
+            <a:avLst/>
+          </a:prstGeom>
+          <a:ln w="25400">
+            <a:solidFill>
+              <a:srgbClr val="FF0000"/>
+            </a:solidFill>
+            <a:prstDash val="sysDot"/>
+          </a:ln>
+        </p:spPr>
+        <p:style>
+          <a:lnRef idx="1">
+            <a:schemeClr val="accent1"/>
+          </a:lnRef>
+          <a:fillRef idx="0">
+            <a:schemeClr val="accent1"/>
+          </a:fillRef>
+          <a:effectRef idx="0">
+            <a:schemeClr val="accent1"/>
+          </a:effectRef>
+          <a:fontRef idx="minor">
+            <a:schemeClr val="tx1"/>
+          </a:fontRef>
+        </p:style>
+      </p:cxnSp>
+      <p:cxnSp>
+        <p:nvCxnSpPr>
+          <p:cNvPr id="252" name="Straight Connector 251">
+            <a:extLst>
+              <a:ext uri="{FF2B5EF4-FFF2-40B4-BE49-F238E27FC236}">
+                <a16:creationId xmlns:a16="http://schemas.microsoft.com/office/drawing/2014/main" id="{41E28466-6D0A-EFB8-B8CE-99B6BF9C112A}"/>
+              </a:ext>
+            </a:extLst>
+          </p:cNvPr>
+          <p:cNvCxnSpPr>
+            <a:cxnSpLocks/>
+          </p:cNvCxnSpPr>
+          <p:nvPr/>
+        </p:nvCxnSpPr>
+        <p:spPr>
+          <a:xfrm flipH="1" flipV="1">
+            <a:off x="5318674" y="1181753"/>
+            <a:ext cx="1985902" cy="0"/>
+          </a:xfrm>
+          <a:prstGeom prst="line">
+            <a:avLst/>
+          </a:prstGeom>
+          <a:ln w="25400">
+            <a:solidFill>
+              <a:srgbClr val="FF0000"/>
+            </a:solidFill>
+            <a:prstDash val="sysDot"/>
+          </a:ln>
+        </p:spPr>
+        <p:style>
+          <a:lnRef idx="1">
+            <a:schemeClr val="accent1"/>
+          </a:lnRef>
+          <a:fillRef idx="0">
+            <a:schemeClr val="accent1"/>
+          </a:fillRef>
+          <a:effectRef idx="0">
+            <a:schemeClr val="accent1"/>
+          </a:effectRef>
+          <a:fontRef idx="minor">
+            <a:schemeClr val="tx1"/>
+          </a:fontRef>
+        </p:style>
+      </p:cxnSp>
+      <p:cxnSp>
+        <p:nvCxnSpPr>
+          <p:cNvPr id="255" name="Straight Connector 254">
+            <a:extLst>
+              <a:ext uri="{FF2B5EF4-FFF2-40B4-BE49-F238E27FC236}">
+                <a16:creationId xmlns:a16="http://schemas.microsoft.com/office/drawing/2014/main" id="{FA86E379-ECB6-DD51-4980-3DBE6A4423FA}"/>
+              </a:ext>
+            </a:extLst>
+          </p:cNvPr>
+          <p:cNvCxnSpPr>
+            <a:cxnSpLocks/>
+          </p:cNvCxnSpPr>
+          <p:nvPr/>
+        </p:nvCxnSpPr>
+        <p:spPr>
+          <a:xfrm flipH="1" flipV="1">
+            <a:off x="5318674" y="3518553"/>
+            <a:ext cx="1985902" cy="0"/>
+          </a:xfrm>
+          <a:prstGeom prst="line">
+            <a:avLst/>
+          </a:prstGeom>
+          <a:ln w="25400">
+            <a:solidFill>
+              <a:srgbClr val="FF0000"/>
+            </a:solidFill>
+            <a:prstDash val="sysDot"/>
+          </a:ln>
+        </p:spPr>
+        <p:style>
+          <a:lnRef idx="1">
+            <a:schemeClr val="accent1"/>
+          </a:lnRef>
+          <a:fillRef idx="0">
+            <a:schemeClr val="accent1"/>
+          </a:fillRef>
+          <a:effectRef idx="0">
+            <a:schemeClr val="accent1"/>
+          </a:effectRef>
+          <a:fontRef idx="minor">
+            <a:schemeClr val="tx1"/>
+          </a:fontRef>
+        </p:style>
+      </p:cxnSp>
+    </p:spTree>
+    <p:extLst>
+      <p:ext uri="{BB962C8B-B14F-4D97-AF65-F5344CB8AC3E}">
+        <p14:creationId xmlns:p14="http://schemas.microsoft.com/office/powerpoint/2010/main" val="2328816393"/>
       </p:ext>
     </p:extLst>
   </p:cSld>
